--- a/lesson 2/Lesson 2 Python.pptx
+++ b/lesson 2/Lesson 2 Python.pptx
@@ -5,7 +5,7 @@
     <p:sldMasterId id="2147483672" r:id="rId1"/>
   </p:sldMasterIdLst>
   <p:notesMasterIdLst>
-    <p:notesMasterId r:id="rId24"/>
+    <p:notesMasterId r:id="rId30"/>
   </p:notesMasterIdLst>
   <p:sldIdLst>
     <p:sldId id="256" r:id="rId2"/>
@@ -16,44 +16,50 @@
     <p:sldId id="264" r:id="rId7"/>
     <p:sldId id="267" r:id="rId8"/>
     <p:sldId id="270" r:id="rId9"/>
-    <p:sldId id="301" r:id="rId10"/>
-    <p:sldId id="302" r:id="rId11"/>
-    <p:sldId id="303" r:id="rId12"/>
-    <p:sldId id="272" r:id="rId13"/>
-    <p:sldId id="304" r:id="rId14"/>
-    <p:sldId id="305" r:id="rId15"/>
-    <p:sldId id="275" r:id="rId16"/>
-    <p:sldId id="306" r:id="rId17"/>
-    <p:sldId id="307" r:id="rId18"/>
-    <p:sldId id="308" r:id="rId19"/>
-    <p:sldId id="309" r:id="rId20"/>
-    <p:sldId id="276" r:id="rId21"/>
-    <p:sldId id="310" r:id="rId22"/>
-    <p:sldId id="311" r:id="rId23"/>
+    <p:sldId id="312" r:id="rId10"/>
+    <p:sldId id="313" r:id="rId11"/>
+    <p:sldId id="314" r:id="rId12"/>
+    <p:sldId id="315" r:id="rId13"/>
+    <p:sldId id="316" r:id="rId14"/>
+    <p:sldId id="301" r:id="rId15"/>
+    <p:sldId id="302" r:id="rId16"/>
+    <p:sldId id="317" r:id="rId17"/>
+    <p:sldId id="303" r:id="rId18"/>
+    <p:sldId id="272" r:id="rId19"/>
+    <p:sldId id="304" r:id="rId20"/>
+    <p:sldId id="305" r:id="rId21"/>
+    <p:sldId id="275" r:id="rId22"/>
+    <p:sldId id="306" r:id="rId23"/>
+    <p:sldId id="307" r:id="rId24"/>
+    <p:sldId id="308" r:id="rId25"/>
+    <p:sldId id="309" r:id="rId26"/>
+    <p:sldId id="276" r:id="rId27"/>
+    <p:sldId id="310" r:id="rId28"/>
+    <p:sldId id="311" r:id="rId29"/>
   </p:sldIdLst>
   <p:sldSz cx="9144000" cy="5143500" type="screen16x9"/>
   <p:notesSz cx="6858000" cy="9144000"/>
   <p:embeddedFontLst>
     <p:embeddedFont>
       <p:font typeface="Anaheim" panose="020B0604020202020204" charset="0"/>
-      <p:regular r:id="rId25"/>
+      <p:regular r:id="rId31"/>
     </p:embeddedFont>
     <p:embeddedFont>
       <p:font typeface="Barlow Condensed ExtraBold" panose="00000906000000000000" pitchFamily="2" charset="0"/>
-      <p:bold r:id="rId26"/>
-      <p:boldItalic r:id="rId27"/>
+      <p:bold r:id="rId32"/>
+      <p:boldItalic r:id="rId33"/>
     </p:embeddedFont>
     <p:embeddedFont>
       <p:font typeface="Consolas" panose="020B0609020204030204" pitchFamily="49" charset="0"/>
-      <p:regular r:id="rId28"/>
-      <p:bold r:id="rId29"/>
-      <p:italic r:id="rId30"/>
-      <p:boldItalic r:id="rId31"/>
+      <p:regular r:id="rId34"/>
+      <p:bold r:id="rId35"/>
+      <p:italic r:id="rId36"/>
+      <p:boldItalic r:id="rId37"/>
     </p:embeddedFont>
     <p:embeddedFont>
       <p:font typeface="Overpass Mono" panose="020B0604020202020204" charset="0"/>
-      <p:regular r:id="rId32"/>
-      <p:bold r:id="rId33"/>
+      <p:regular r:id="rId38"/>
+      <p:bold r:id="rId39"/>
     </p:embeddedFont>
   </p:embeddedFontLst>
   <p:defaultTextStyle>
@@ -843,7 +849,7 @@
   <p:cSld>
     <p:spTree>
       <p:nvGrpSpPr>
-        <p:cNvPr id="1" name="Shape 376"/>
+        <p:cNvPr id="1" name="Shape 428"/>
         <p:cNvGrpSpPr/>
         <p:nvPr/>
       </p:nvGrpSpPr>
@@ -857,7 +863,7 @@
       </p:grpSpPr>
       <p:sp>
         <p:nvSpPr>
-          <p:cNvPr id="377" name="Google Shape;377;g822dda0a4d_0_0:notes"/>
+          <p:cNvPr id="429" name="Google Shape;429;g8b2f66a28e_0_171:notes"/>
           <p:cNvSpPr>
             <a:spLocks noGrp="1" noRot="1" noChangeAspect="1"/>
           </p:cNvSpPr>
@@ -898,7 +904,7 @@
       </p:sp>
       <p:sp>
         <p:nvSpPr>
-          <p:cNvPr id="378" name="Google Shape;378;g822dda0a4d_0_0:notes"/>
+          <p:cNvPr id="430" name="Google Shape;430;g8b2f66a28e_0_171:notes"/>
           <p:cNvSpPr txBox="1">
             <a:spLocks noGrp="1"/>
           </p:cNvSpPr>
@@ -937,7 +943,7 @@
     </p:spTree>
     <p:extLst>
       <p:ext uri="{BB962C8B-B14F-4D97-AF65-F5344CB8AC3E}">
-        <p14:creationId xmlns:p14="http://schemas.microsoft.com/office/powerpoint/2010/main" val="404580952"/>
+        <p14:creationId xmlns:p14="http://schemas.microsoft.com/office/powerpoint/2010/main" val="1457600657"/>
       </p:ext>
     </p:extLst>
   </p:cSld>
@@ -952,7 +958,7 @@
   <p:cSld>
     <p:spTree>
       <p:nvGrpSpPr>
-        <p:cNvPr id="1" name="Shape 502"/>
+        <p:cNvPr id="1" name="Shape 428"/>
         <p:cNvGrpSpPr/>
         <p:nvPr/>
       </p:nvGrpSpPr>
@@ -966,7 +972,7 @@
       </p:grpSpPr>
       <p:sp>
         <p:nvSpPr>
-          <p:cNvPr id="503" name="Google Shape;503;g8b2f66a28e_0_74:notes"/>
+          <p:cNvPr id="429" name="Google Shape;429;g8b2f66a28e_0_171:notes"/>
           <p:cNvSpPr>
             <a:spLocks noGrp="1" noRot="1" noChangeAspect="1"/>
           </p:cNvSpPr>
@@ -1007,7 +1013,7 @@
       </p:sp>
       <p:sp>
         <p:nvSpPr>
-          <p:cNvPr id="504" name="Google Shape;504;g8b2f66a28e_0_74:notes"/>
+          <p:cNvPr id="430" name="Google Shape;430;g8b2f66a28e_0_171:notes"/>
           <p:cNvSpPr txBox="1">
             <a:spLocks noGrp="1"/>
           </p:cNvSpPr>
@@ -1046,7 +1052,7 @@
     </p:spTree>
     <p:extLst>
       <p:ext uri="{BB962C8B-B14F-4D97-AF65-F5344CB8AC3E}">
-        <p14:creationId xmlns:p14="http://schemas.microsoft.com/office/powerpoint/2010/main" val="1127720497"/>
+        <p14:creationId xmlns:p14="http://schemas.microsoft.com/office/powerpoint/2010/main" val="3751890140"/>
       </p:ext>
     </p:extLst>
   </p:cSld>
@@ -1057,6 +1063,115 @@
 </file>
 
 <file path=ppt/notesSlides/notesSlide12.xml><?xml version="1.0" encoding="utf-8"?>
+<p:notes xmlns:a="http://schemas.openxmlformats.org/drawingml/2006/main" xmlns:r="http://schemas.openxmlformats.org/officeDocument/2006/relationships" xmlns:p="http://schemas.openxmlformats.org/presentationml/2006/main" showMasterSp="0" showMasterPhAnim="0">
+  <p:cSld>
+    <p:spTree>
+      <p:nvGrpSpPr>
+        <p:cNvPr id="1" name="Shape 428"/>
+        <p:cNvGrpSpPr/>
+        <p:nvPr/>
+      </p:nvGrpSpPr>
+      <p:grpSpPr>
+        <a:xfrm>
+          <a:off x="0" y="0"/>
+          <a:ext cx="0" cy="0"/>
+          <a:chOff x="0" y="0"/>
+          <a:chExt cx="0" cy="0"/>
+        </a:xfrm>
+      </p:grpSpPr>
+      <p:sp>
+        <p:nvSpPr>
+          <p:cNvPr id="429" name="Google Shape;429;g8b2f66a28e_0_171:notes"/>
+          <p:cNvSpPr>
+            <a:spLocks noGrp="1" noRot="1" noChangeAspect="1"/>
+          </p:cNvSpPr>
+          <p:nvPr>
+            <p:ph type="sldImg" idx="2"/>
+          </p:nvPr>
+        </p:nvSpPr>
+        <p:spPr>
+          <a:xfrm>
+            <a:off x="381000" y="685800"/>
+            <a:ext cx="6096000" cy="3429000"/>
+          </a:xfrm>
+          <a:custGeom>
+            <a:avLst/>
+            <a:gdLst/>
+            <a:ahLst/>
+            <a:cxnLst/>
+            <a:rect l="l" t="t" r="r" b="b"/>
+            <a:pathLst>
+              <a:path w="120000" h="120000" extrusionOk="0">
+                <a:moveTo>
+                  <a:pt x="0" y="0"/>
+                </a:moveTo>
+                <a:lnTo>
+                  <a:pt x="120000" y="0"/>
+                </a:lnTo>
+                <a:lnTo>
+                  <a:pt x="120000" y="120000"/>
+                </a:lnTo>
+                <a:lnTo>
+                  <a:pt x="0" y="120000"/>
+                </a:lnTo>
+                <a:close/>
+              </a:path>
+            </a:pathLst>
+          </a:custGeom>
+        </p:spPr>
+      </p:sp>
+      <p:sp>
+        <p:nvSpPr>
+          <p:cNvPr id="430" name="Google Shape;430;g8b2f66a28e_0_171:notes"/>
+          <p:cNvSpPr txBox="1">
+            <a:spLocks noGrp="1"/>
+          </p:cNvSpPr>
+          <p:nvPr>
+            <p:ph type="body" idx="1"/>
+          </p:nvPr>
+        </p:nvSpPr>
+        <p:spPr>
+          <a:xfrm>
+            <a:off x="685800" y="4343400"/>
+            <a:ext cx="5486400" cy="4114800"/>
+          </a:xfrm>
+          <a:prstGeom prst="rect">
+            <a:avLst/>
+          </a:prstGeom>
+        </p:spPr>
+        <p:txBody>
+          <a:bodyPr spcFirstLastPara="1" wrap="square" lIns="91425" tIns="91425" rIns="91425" bIns="91425" anchor="t" anchorCtr="0">
+            <a:noAutofit/>
+          </a:bodyPr>
+          <a:lstStyle/>
+          <a:p>
+            <a:pPr marL="0" lvl="0" indent="0" algn="l" rtl="0">
+              <a:spcBef>
+                <a:spcPts val="0"/>
+              </a:spcBef>
+              <a:spcAft>
+                <a:spcPts val="0"/>
+              </a:spcAft>
+              <a:buNone/>
+            </a:pPr>
+            <a:endParaRPr/>
+          </a:p>
+        </p:txBody>
+      </p:sp>
+    </p:spTree>
+    <p:extLst>
+      <p:ext uri="{BB962C8B-B14F-4D97-AF65-F5344CB8AC3E}">
+        <p14:creationId xmlns:p14="http://schemas.microsoft.com/office/powerpoint/2010/main" val="1871858817"/>
+      </p:ext>
+    </p:extLst>
+  </p:cSld>
+  <p:clrMapOvr>
+    <a:masterClrMapping/>
+  </p:clrMapOvr>
+</p:notes>
+</file>
+
+<file path=ppt/notesSlides/notesSlide13.xml><?xml version="1.0" encoding="utf-8"?>
 <p:notes xmlns:a="http://schemas.openxmlformats.org/drawingml/2006/main" xmlns:r="http://schemas.openxmlformats.org/officeDocument/2006/relationships" xmlns:p="http://schemas.openxmlformats.org/presentationml/2006/main" showMasterSp="0" showMasterPhAnim="0">
   <p:cSld>
     <p:spTree>
@@ -1153,113 +1268,9 @@
         </p:txBody>
       </p:sp>
     </p:spTree>
-  </p:cSld>
-  <p:clrMapOvr>
-    <a:masterClrMapping/>
-  </p:clrMapOvr>
-</p:notes>
-</file>
-
-<file path=ppt/notesSlides/notesSlide13.xml><?xml version="1.0" encoding="utf-8"?>
-<p:notes xmlns:a="http://schemas.openxmlformats.org/drawingml/2006/main" xmlns:r="http://schemas.openxmlformats.org/officeDocument/2006/relationships" xmlns:p="http://schemas.openxmlformats.org/presentationml/2006/main" showMasterSp="0" showMasterPhAnim="0">
-  <p:cSld>
-    <p:spTree>
-      <p:nvGrpSpPr>
-        <p:cNvPr id="1" name="Shape 527"/>
-        <p:cNvGrpSpPr/>
-        <p:nvPr/>
-      </p:nvGrpSpPr>
-      <p:grpSpPr>
-        <a:xfrm>
-          <a:off x="0" y="0"/>
-          <a:ext cx="0" cy="0"/>
-          <a:chOff x="0" y="0"/>
-          <a:chExt cx="0" cy="0"/>
-        </a:xfrm>
-      </p:grpSpPr>
-      <p:sp>
-        <p:nvSpPr>
-          <p:cNvPr id="528" name="Google Shape;528;g8d4cbd36da_4_31475:notes"/>
-          <p:cNvSpPr>
-            <a:spLocks noGrp="1" noRot="1" noChangeAspect="1"/>
-          </p:cNvSpPr>
-          <p:nvPr>
-            <p:ph type="sldImg" idx="2"/>
-          </p:nvPr>
-        </p:nvSpPr>
-        <p:spPr>
-          <a:xfrm>
-            <a:off x="381000" y="685800"/>
-            <a:ext cx="6096000" cy="3429000"/>
-          </a:xfrm>
-          <a:custGeom>
-            <a:avLst/>
-            <a:gdLst/>
-            <a:ahLst/>
-            <a:cxnLst/>
-            <a:rect l="l" t="t" r="r" b="b"/>
-            <a:pathLst>
-              <a:path w="120000" h="120000" extrusionOk="0">
-                <a:moveTo>
-                  <a:pt x="0" y="0"/>
-                </a:moveTo>
-                <a:lnTo>
-                  <a:pt x="120000" y="0"/>
-                </a:lnTo>
-                <a:lnTo>
-                  <a:pt x="120000" y="120000"/>
-                </a:lnTo>
-                <a:lnTo>
-                  <a:pt x="0" y="120000"/>
-                </a:lnTo>
-                <a:close/>
-              </a:path>
-            </a:pathLst>
-          </a:custGeom>
-        </p:spPr>
-      </p:sp>
-      <p:sp>
-        <p:nvSpPr>
-          <p:cNvPr id="529" name="Google Shape;529;g8d4cbd36da_4_31475:notes"/>
-          <p:cNvSpPr txBox="1">
-            <a:spLocks noGrp="1"/>
-          </p:cNvSpPr>
-          <p:nvPr>
-            <p:ph type="body" idx="1"/>
-          </p:nvPr>
-        </p:nvSpPr>
-        <p:spPr>
-          <a:xfrm>
-            <a:off x="685800" y="4343400"/>
-            <a:ext cx="5486400" cy="4114800"/>
-          </a:xfrm>
-          <a:prstGeom prst="rect">
-            <a:avLst/>
-          </a:prstGeom>
-        </p:spPr>
-        <p:txBody>
-          <a:bodyPr spcFirstLastPara="1" wrap="square" lIns="91425" tIns="91425" rIns="91425" bIns="91425" anchor="t" anchorCtr="0">
-            <a:noAutofit/>
-          </a:bodyPr>
-          <a:lstStyle/>
-          <a:p>
-            <a:pPr marL="0" lvl="0" indent="0" algn="l" rtl="0">
-              <a:spcBef>
-                <a:spcPts val="0"/>
-              </a:spcBef>
-              <a:spcAft>
-                <a:spcPts val="0"/>
-              </a:spcAft>
-              <a:buNone/>
-            </a:pPr>
-            <a:endParaRPr/>
-          </a:p>
-        </p:txBody>
-      </p:sp>
-    </p:spTree>
     <p:extLst>
       <p:ext uri="{BB962C8B-B14F-4D97-AF65-F5344CB8AC3E}">
-        <p14:creationId xmlns:p14="http://schemas.microsoft.com/office/powerpoint/2010/main" val="1712927841"/>
+        <p14:creationId xmlns:p14="http://schemas.microsoft.com/office/powerpoint/2010/main" val="1577822606"/>
       </p:ext>
     </p:extLst>
   </p:cSld>
@@ -1368,7 +1379,7 @@
     </p:spTree>
     <p:extLst>
       <p:ext uri="{BB962C8B-B14F-4D97-AF65-F5344CB8AC3E}">
-        <p14:creationId xmlns:p14="http://schemas.microsoft.com/office/powerpoint/2010/main" val="1836691252"/>
+        <p14:creationId xmlns:p14="http://schemas.microsoft.com/office/powerpoint/2010/main" val="1358030331"/>
       </p:ext>
     </p:extLst>
   </p:cSld>
@@ -1383,7 +1394,7 @@
   <p:cSld>
     <p:spTree>
       <p:nvGrpSpPr>
-        <p:cNvPr id="1" name="Shape 688"/>
+        <p:cNvPr id="1" name="Shape 376"/>
         <p:cNvGrpSpPr/>
         <p:nvPr/>
       </p:nvGrpSpPr>
@@ -1397,7 +1408,7 @@
       </p:grpSpPr>
       <p:sp>
         <p:nvSpPr>
-          <p:cNvPr id="689" name="Google Shape;689;g8b3994a781_0_902:notes"/>
+          <p:cNvPr id="377" name="Google Shape;377;g822dda0a4d_0_0:notes"/>
           <p:cNvSpPr>
             <a:spLocks noGrp="1" noRot="1" noChangeAspect="1"/>
           </p:cNvSpPr>
@@ -1438,7 +1449,7 @@
       </p:sp>
       <p:sp>
         <p:nvSpPr>
-          <p:cNvPr id="690" name="Google Shape;690;g8b3994a781_0_902:notes"/>
+          <p:cNvPr id="378" name="Google Shape;378;g822dda0a4d_0_0:notes"/>
           <p:cNvSpPr txBox="1">
             <a:spLocks noGrp="1"/>
           </p:cNvSpPr>
@@ -1475,6 +1486,11 @@
         </p:txBody>
       </p:sp>
     </p:spTree>
+    <p:extLst>
+      <p:ext uri="{BB962C8B-B14F-4D97-AF65-F5344CB8AC3E}">
+        <p14:creationId xmlns:p14="http://schemas.microsoft.com/office/powerpoint/2010/main" val="404580952"/>
+      </p:ext>
+    </p:extLst>
   </p:cSld>
   <p:clrMapOvr>
     <a:masterClrMapping/>
@@ -1483,6 +1499,115 @@
 </file>
 
 <file path=ppt/notesSlides/notesSlide16.xml><?xml version="1.0" encoding="utf-8"?>
+<p:notes xmlns:a="http://schemas.openxmlformats.org/drawingml/2006/main" xmlns:r="http://schemas.openxmlformats.org/officeDocument/2006/relationships" xmlns:p="http://schemas.openxmlformats.org/presentationml/2006/main" showMasterSp="0" showMasterPhAnim="0">
+  <p:cSld>
+    <p:spTree>
+      <p:nvGrpSpPr>
+        <p:cNvPr id="1" name="Shape 527"/>
+        <p:cNvGrpSpPr/>
+        <p:nvPr/>
+      </p:nvGrpSpPr>
+      <p:grpSpPr>
+        <a:xfrm>
+          <a:off x="0" y="0"/>
+          <a:ext cx="0" cy="0"/>
+          <a:chOff x="0" y="0"/>
+          <a:chExt cx="0" cy="0"/>
+        </a:xfrm>
+      </p:grpSpPr>
+      <p:sp>
+        <p:nvSpPr>
+          <p:cNvPr id="528" name="Google Shape;528;g8d4cbd36da_4_31475:notes"/>
+          <p:cNvSpPr>
+            <a:spLocks noGrp="1" noRot="1" noChangeAspect="1"/>
+          </p:cNvSpPr>
+          <p:nvPr>
+            <p:ph type="sldImg" idx="2"/>
+          </p:nvPr>
+        </p:nvSpPr>
+        <p:spPr>
+          <a:xfrm>
+            <a:off x="381000" y="685800"/>
+            <a:ext cx="6096000" cy="3429000"/>
+          </a:xfrm>
+          <a:custGeom>
+            <a:avLst/>
+            <a:gdLst/>
+            <a:ahLst/>
+            <a:cxnLst/>
+            <a:rect l="l" t="t" r="r" b="b"/>
+            <a:pathLst>
+              <a:path w="120000" h="120000" extrusionOk="0">
+                <a:moveTo>
+                  <a:pt x="0" y="0"/>
+                </a:moveTo>
+                <a:lnTo>
+                  <a:pt x="120000" y="0"/>
+                </a:lnTo>
+                <a:lnTo>
+                  <a:pt x="120000" y="120000"/>
+                </a:lnTo>
+                <a:lnTo>
+                  <a:pt x="0" y="120000"/>
+                </a:lnTo>
+                <a:close/>
+              </a:path>
+            </a:pathLst>
+          </a:custGeom>
+        </p:spPr>
+      </p:sp>
+      <p:sp>
+        <p:nvSpPr>
+          <p:cNvPr id="529" name="Google Shape;529;g8d4cbd36da_4_31475:notes"/>
+          <p:cNvSpPr txBox="1">
+            <a:spLocks noGrp="1"/>
+          </p:cNvSpPr>
+          <p:nvPr>
+            <p:ph type="body" idx="1"/>
+          </p:nvPr>
+        </p:nvSpPr>
+        <p:spPr>
+          <a:xfrm>
+            <a:off x="685800" y="4343400"/>
+            <a:ext cx="5486400" cy="4114800"/>
+          </a:xfrm>
+          <a:prstGeom prst="rect">
+            <a:avLst/>
+          </a:prstGeom>
+        </p:spPr>
+        <p:txBody>
+          <a:bodyPr spcFirstLastPara="1" wrap="square" lIns="91425" tIns="91425" rIns="91425" bIns="91425" anchor="t" anchorCtr="0">
+            <a:noAutofit/>
+          </a:bodyPr>
+          <a:lstStyle/>
+          <a:p>
+            <a:pPr marL="0" lvl="0" indent="0" algn="l" rtl="0">
+              <a:spcBef>
+                <a:spcPts val="0"/>
+              </a:spcBef>
+              <a:spcAft>
+                <a:spcPts val="0"/>
+              </a:spcAft>
+              <a:buNone/>
+            </a:pPr>
+            <a:endParaRPr/>
+          </a:p>
+        </p:txBody>
+      </p:sp>
+    </p:spTree>
+    <p:extLst>
+      <p:ext uri="{BB962C8B-B14F-4D97-AF65-F5344CB8AC3E}">
+        <p14:creationId xmlns:p14="http://schemas.microsoft.com/office/powerpoint/2010/main" val="1075404622"/>
+      </p:ext>
+    </p:extLst>
+  </p:cSld>
+  <p:clrMapOvr>
+    <a:masterClrMapping/>
+  </p:clrMapOvr>
+</p:notes>
+</file>
+
+<file path=ppt/notesSlides/notesSlide17.xml><?xml version="1.0" encoding="utf-8"?>
 <p:notes xmlns:a="http://schemas.openxmlformats.org/drawingml/2006/main" xmlns:r="http://schemas.openxmlformats.org/officeDocument/2006/relationships" xmlns:p="http://schemas.openxmlformats.org/presentationml/2006/main" showMasterSp="0" showMasterPhAnim="0">
   <p:cSld>
     <p:spTree>
@@ -1581,7 +1706,7 @@
     </p:spTree>
     <p:extLst>
       <p:ext uri="{BB962C8B-B14F-4D97-AF65-F5344CB8AC3E}">
-        <p14:creationId xmlns:p14="http://schemas.microsoft.com/office/powerpoint/2010/main" val="3565413443"/>
+        <p14:creationId xmlns:p14="http://schemas.microsoft.com/office/powerpoint/2010/main" val="1127720497"/>
       </p:ext>
     </p:extLst>
   </p:cSld>
@@ -1591,7 +1716,111 @@
 </p:notes>
 </file>
 
-<file path=ppt/notesSlides/notesSlide17.xml><?xml version="1.0" encoding="utf-8"?>
+<file path=ppt/notesSlides/notesSlide18.xml><?xml version="1.0" encoding="utf-8"?>
+<p:notes xmlns:a="http://schemas.openxmlformats.org/drawingml/2006/main" xmlns:r="http://schemas.openxmlformats.org/officeDocument/2006/relationships" xmlns:p="http://schemas.openxmlformats.org/presentationml/2006/main" showMasterSp="0" showMasterPhAnim="0">
+  <p:cSld>
+    <p:spTree>
+      <p:nvGrpSpPr>
+        <p:cNvPr id="1" name="Shape 656"/>
+        <p:cNvGrpSpPr/>
+        <p:nvPr/>
+      </p:nvGrpSpPr>
+      <p:grpSpPr>
+        <a:xfrm>
+          <a:off x="0" y="0"/>
+          <a:ext cx="0" cy="0"/>
+          <a:chOff x="0" y="0"/>
+          <a:chExt cx="0" cy="0"/>
+        </a:xfrm>
+      </p:grpSpPr>
+      <p:sp>
+        <p:nvSpPr>
+          <p:cNvPr id="657" name="Google Shape;657;g8d4cbd36da_4_31276:notes"/>
+          <p:cNvSpPr>
+            <a:spLocks noGrp="1" noRot="1" noChangeAspect="1"/>
+          </p:cNvSpPr>
+          <p:nvPr>
+            <p:ph type="sldImg" idx="2"/>
+          </p:nvPr>
+        </p:nvSpPr>
+        <p:spPr>
+          <a:xfrm>
+            <a:off x="381000" y="685800"/>
+            <a:ext cx="6096000" cy="3429000"/>
+          </a:xfrm>
+          <a:custGeom>
+            <a:avLst/>
+            <a:gdLst/>
+            <a:ahLst/>
+            <a:cxnLst/>
+            <a:rect l="l" t="t" r="r" b="b"/>
+            <a:pathLst>
+              <a:path w="120000" h="120000" extrusionOk="0">
+                <a:moveTo>
+                  <a:pt x="0" y="0"/>
+                </a:moveTo>
+                <a:lnTo>
+                  <a:pt x="120000" y="0"/>
+                </a:lnTo>
+                <a:lnTo>
+                  <a:pt x="120000" y="120000"/>
+                </a:lnTo>
+                <a:lnTo>
+                  <a:pt x="0" y="120000"/>
+                </a:lnTo>
+                <a:close/>
+              </a:path>
+            </a:pathLst>
+          </a:custGeom>
+        </p:spPr>
+      </p:sp>
+      <p:sp>
+        <p:nvSpPr>
+          <p:cNvPr id="658" name="Google Shape;658;g8d4cbd36da_4_31276:notes"/>
+          <p:cNvSpPr txBox="1">
+            <a:spLocks noGrp="1"/>
+          </p:cNvSpPr>
+          <p:nvPr>
+            <p:ph type="body" idx="1"/>
+          </p:nvPr>
+        </p:nvSpPr>
+        <p:spPr>
+          <a:xfrm>
+            <a:off x="685800" y="4343400"/>
+            <a:ext cx="5486400" cy="4114800"/>
+          </a:xfrm>
+          <a:prstGeom prst="rect">
+            <a:avLst/>
+          </a:prstGeom>
+        </p:spPr>
+        <p:txBody>
+          <a:bodyPr spcFirstLastPara="1" wrap="square" lIns="91425" tIns="91425" rIns="91425" bIns="91425" anchor="t" anchorCtr="0">
+            <a:noAutofit/>
+          </a:bodyPr>
+          <a:lstStyle/>
+          <a:p>
+            <a:pPr marL="0" lvl="0" indent="0" algn="l" rtl="0">
+              <a:spcBef>
+                <a:spcPts val="0"/>
+              </a:spcBef>
+              <a:spcAft>
+                <a:spcPts val="0"/>
+              </a:spcAft>
+              <a:buNone/>
+            </a:pPr>
+            <a:endParaRPr dirty="0"/>
+          </a:p>
+        </p:txBody>
+      </p:sp>
+    </p:spTree>
+  </p:cSld>
+  <p:clrMapOvr>
+    <a:masterClrMapping/>
+  </p:clrMapOvr>
+</p:notes>
+</file>
+
+<file path=ppt/notesSlides/notesSlide19.xml><?xml version="1.0" encoding="utf-8"?>
 <p:notes xmlns:a="http://schemas.openxmlformats.org/drawingml/2006/main" xmlns:r="http://schemas.openxmlformats.org/officeDocument/2006/relationships" xmlns:p="http://schemas.openxmlformats.org/presentationml/2006/main" showMasterSp="0" showMasterPhAnim="0">
   <p:cSld>
     <p:spTree>
@@ -1690,225 +1919,7 @@
     </p:spTree>
     <p:extLst>
       <p:ext uri="{BB962C8B-B14F-4D97-AF65-F5344CB8AC3E}">
-        <p14:creationId xmlns:p14="http://schemas.microsoft.com/office/powerpoint/2010/main" val="2520110531"/>
-      </p:ext>
-    </p:extLst>
-  </p:cSld>
-  <p:clrMapOvr>
-    <a:masterClrMapping/>
-  </p:clrMapOvr>
-</p:notes>
-</file>
-
-<file path=ppt/notesSlides/notesSlide18.xml><?xml version="1.0" encoding="utf-8"?>
-<p:notes xmlns:a="http://schemas.openxmlformats.org/drawingml/2006/main" xmlns:r="http://schemas.openxmlformats.org/officeDocument/2006/relationships" xmlns:p="http://schemas.openxmlformats.org/presentationml/2006/main" showMasterSp="0" showMasterPhAnim="0">
-  <p:cSld>
-    <p:spTree>
-      <p:nvGrpSpPr>
-        <p:cNvPr id="1" name="Shape 527"/>
-        <p:cNvGrpSpPr/>
-        <p:nvPr/>
-      </p:nvGrpSpPr>
-      <p:grpSpPr>
-        <a:xfrm>
-          <a:off x="0" y="0"/>
-          <a:ext cx="0" cy="0"/>
-          <a:chOff x="0" y="0"/>
-          <a:chExt cx="0" cy="0"/>
-        </a:xfrm>
-      </p:grpSpPr>
-      <p:sp>
-        <p:nvSpPr>
-          <p:cNvPr id="528" name="Google Shape;528;g8d4cbd36da_4_31475:notes"/>
-          <p:cNvSpPr>
-            <a:spLocks noGrp="1" noRot="1" noChangeAspect="1"/>
-          </p:cNvSpPr>
-          <p:nvPr>
-            <p:ph type="sldImg" idx="2"/>
-          </p:nvPr>
-        </p:nvSpPr>
-        <p:spPr>
-          <a:xfrm>
-            <a:off x="381000" y="685800"/>
-            <a:ext cx="6096000" cy="3429000"/>
-          </a:xfrm>
-          <a:custGeom>
-            <a:avLst/>
-            <a:gdLst/>
-            <a:ahLst/>
-            <a:cxnLst/>
-            <a:rect l="l" t="t" r="r" b="b"/>
-            <a:pathLst>
-              <a:path w="120000" h="120000" extrusionOk="0">
-                <a:moveTo>
-                  <a:pt x="0" y="0"/>
-                </a:moveTo>
-                <a:lnTo>
-                  <a:pt x="120000" y="0"/>
-                </a:lnTo>
-                <a:lnTo>
-                  <a:pt x="120000" y="120000"/>
-                </a:lnTo>
-                <a:lnTo>
-                  <a:pt x="0" y="120000"/>
-                </a:lnTo>
-                <a:close/>
-              </a:path>
-            </a:pathLst>
-          </a:custGeom>
-        </p:spPr>
-      </p:sp>
-      <p:sp>
-        <p:nvSpPr>
-          <p:cNvPr id="529" name="Google Shape;529;g8d4cbd36da_4_31475:notes"/>
-          <p:cNvSpPr txBox="1">
-            <a:spLocks noGrp="1"/>
-          </p:cNvSpPr>
-          <p:nvPr>
-            <p:ph type="body" idx="1"/>
-          </p:nvPr>
-        </p:nvSpPr>
-        <p:spPr>
-          <a:xfrm>
-            <a:off x="685800" y="4343400"/>
-            <a:ext cx="5486400" cy="4114800"/>
-          </a:xfrm>
-          <a:prstGeom prst="rect">
-            <a:avLst/>
-          </a:prstGeom>
-        </p:spPr>
-        <p:txBody>
-          <a:bodyPr spcFirstLastPara="1" wrap="square" lIns="91425" tIns="91425" rIns="91425" bIns="91425" anchor="t" anchorCtr="0">
-            <a:noAutofit/>
-          </a:bodyPr>
-          <a:lstStyle/>
-          <a:p>
-            <a:pPr marL="0" lvl="0" indent="0" algn="l" rtl="0">
-              <a:spcBef>
-                <a:spcPts val="0"/>
-              </a:spcBef>
-              <a:spcAft>
-                <a:spcPts val="0"/>
-              </a:spcAft>
-              <a:buNone/>
-            </a:pPr>
-            <a:endParaRPr/>
-          </a:p>
-        </p:txBody>
-      </p:sp>
-    </p:spTree>
-    <p:extLst>
-      <p:ext uri="{BB962C8B-B14F-4D97-AF65-F5344CB8AC3E}">
-        <p14:creationId xmlns:p14="http://schemas.microsoft.com/office/powerpoint/2010/main" val="2204027012"/>
-      </p:ext>
-    </p:extLst>
-  </p:cSld>
-  <p:clrMapOvr>
-    <a:masterClrMapping/>
-  </p:clrMapOvr>
-</p:notes>
-</file>
-
-<file path=ppt/notesSlides/notesSlide19.xml><?xml version="1.0" encoding="utf-8"?>
-<p:notes xmlns:a="http://schemas.openxmlformats.org/drawingml/2006/main" xmlns:r="http://schemas.openxmlformats.org/officeDocument/2006/relationships" xmlns:p="http://schemas.openxmlformats.org/presentationml/2006/main" showMasterSp="0" showMasterPhAnim="0">
-  <p:cSld>
-    <p:spTree>
-      <p:nvGrpSpPr>
-        <p:cNvPr id="1" name="Shape 376"/>
-        <p:cNvGrpSpPr/>
-        <p:nvPr/>
-      </p:nvGrpSpPr>
-      <p:grpSpPr>
-        <a:xfrm>
-          <a:off x="0" y="0"/>
-          <a:ext cx="0" cy="0"/>
-          <a:chOff x="0" y="0"/>
-          <a:chExt cx="0" cy="0"/>
-        </a:xfrm>
-      </p:grpSpPr>
-      <p:sp>
-        <p:nvSpPr>
-          <p:cNvPr id="377" name="Google Shape;377;g822dda0a4d_0_0:notes"/>
-          <p:cNvSpPr>
-            <a:spLocks noGrp="1" noRot="1" noChangeAspect="1"/>
-          </p:cNvSpPr>
-          <p:nvPr>
-            <p:ph type="sldImg" idx="2"/>
-          </p:nvPr>
-        </p:nvSpPr>
-        <p:spPr>
-          <a:xfrm>
-            <a:off x="381000" y="685800"/>
-            <a:ext cx="6096000" cy="3429000"/>
-          </a:xfrm>
-          <a:custGeom>
-            <a:avLst/>
-            <a:gdLst/>
-            <a:ahLst/>
-            <a:cxnLst/>
-            <a:rect l="l" t="t" r="r" b="b"/>
-            <a:pathLst>
-              <a:path w="120000" h="120000" extrusionOk="0">
-                <a:moveTo>
-                  <a:pt x="0" y="0"/>
-                </a:moveTo>
-                <a:lnTo>
-                  <a:pt x="120000" y="0"/>
-                </a:lnTo>
-                <a:lnTo>
-                  <a:pt x="120000" y="120000"/>
-                </a:lnTo>
-                <a:lnTo>
-                  <a:pt x="0" y="120000"/>
-                </a:lnTo>
-                <a:close/>
-              </a:path>
-            </a:pathLst>
-          </a:custGeom>
-        </p:spPr>
-      </p:sp>
-      <p:sp>
-        <p:nvSpPr>
-          <p:cNvPr id="378" name="Google Shape;378;g822dda0a4d_0_0:notes"/>
-          <p:cNvSpPr txBox="1">
-            <a:spLocks noGrp="1"/>
-          </p:cNvSpPr>
-          <p:nvPr>
-            <p:ph type="body" idx="1"/>
-          </p:nvPr>
-        </p:nvSpPr>
-        <p:spPr>
-          <a:xfrm>
-            <a:off x="685800" y="4343400"/>
-            <a:ext cx="5486400" cy="4114800"/>
-          </a:xfrm>
-          <a:prstGeom prst="rect">
-            <a:avLst/>
-          </a:prstGeom>
-        </p:spPr>
-        <p:txBody>
-          <a:bodyPr spcFirstLastPara="1" wrap="square" lIns="91425" tIns="91425" rIns="91425" bIns="91425" anchor="t" anchorCtr="0">
-            <a:noAutofit/>
-          </a:bodyPr>
-          <a:lstStyle/>
-          <a:p>
-            <a:pPr marL="0" lvl="0" indent="0" algn="l" rtl="0">
-              <a:spcBef>
-                <a:spcPts val="0"/>
-              </a:spcBef>
-              <a:spcAft>
-                <a:spcPts val="0"/>
-              </a:spcAft>
-              <a:buNone/>
-            </a:pPr>
-            <a:endParaRPr/>
-          </a:p>
-        </p:txBody>
-      </p:sp>
-    </p:spTree>
-    <p:extLst>
-      <p:ext uri="{BB962C8B-B14F-4D97-AF65-F5344CB8AC3E}">
-        <p14:creationId xmlns:p14="http://schemas.microsoft.com/office/powerpoint/2010/main" val="1155819714"/>
+        <p14:creationId xmlns:p14="http://schemas.microsoft.com/office/powerpoint/2010/main" val="1712927841"/>
       </p:ext>
     </p:extLst>
   </p:cSld>
@@ -2027,7 +2038,7 @@
   <p:cSld>
     <p:spTree>
       <p:nvGrpSpPr>
-        <p:cNvPr id="1" name="Shape 718"/>
+        <p:cNvPr id="1" name="Shape 370"/>
         <p:cNvGrpSpPr/>
         <p:nvPr/>
       </p:nvGrpSpPr>
@@ -2041,7 +2052,7 @@
       </p:grpSpPr>
       <p:sp>
         <p:nvSpPr>
-          <p:cNvPr id="719" name="Google Shape;719;g8de203a353_0_8:notes"/>
+          <p:cNvPr id="371" name="Google Shape;371;g8b872573b1_0_185:notes"/>
           <p:cNvSpPr>
             <a:spLocks noGrp="1" noRot="1" noChangeAspect="1"/>
           </p:cNvSpPr>
@@ -2082,7 +2093,7 @@
       </p:sp>
       <p:sp>
         <p:nvSpPr>
-          <p:cNvPr id="720" name="Google Shape;720;g8de203a353_0_8:notes"/>
+          <p:cNvPr id="372" name="Google Shape;372;g8b872573b1_0_185:notes"/>
           <p:cNvSpPr txBox="1">
             <a:spLocks noGrp="1"/>
           </p:cNvSpPr>
@@ -2114,7 +2125,116 @@
               </a:spcAft>
               <a:buNone/>
             </a:pPr>
-            <a:endParaRPr dirty="0"/>
+            <a:endParaRPr/>
+          </a:p>
+        </p:txBody>
+      </p:sp>
+    </p:spTree>
+    <p:extLst>
+      <p:ext uri="{BB962C8B-B14F-4D97-AF65-F5344CB8AC3E}">
+        <p14:creationId xmlns:p14="http://schemas.microsoft.com/office/powerpoint/2010/main" val="1836691252"/>
+      </p:ext>
+    </p:extLst>
+  </p:cSld>
+  <p:clrMapOvr>
+    <a:masterClrMapping/>
+  </p:clrMapOvr>
+</p:notes>
+</file>
+
+<file path=ppt/notesSlides/notesSlide21.xml><?xml version="1.0" encoding="utf-8"?>
+<p:notes xmlns:a="http://schemas.openxmlformats.org/drawingml/2006/main" xmlns:r="http://schemas.openxmlformats.org/officeDocument/2006/relationships" xmlns:p="http://schemas.openxmlformats.org/presentationml/2006/main" showMasterSp="0" showMasterPhAnim="0">
+  <p:cSld>
+    <p:spTree>
+      <p:nvGrpSpPr>
+        <p:cNvPr id="1" name="Shape 688"/>
+        <p:cNvGrpSpPr/>
+        <p:nvPr/>
+      </p:nvGrpSpPr>
+      <p:grpSpPr>
+        <a:xfrm>
+          <a:off x="0" y="0"/>
+          <a:ext cx="0" cy="0"/>
+          <a:chOff x="0" y="0"/>
+          <a:chExt cx="0" cy="0"/>
+        </a:xfrm>
+      </p:grpSpPr>
+      <p:sp>
+        <p:nvSpPr>
+          <p:cNvPr id="689" name="Google Shape;689;g8b3994a781_0_902:notes"/>
+          <p:cNvSpPr>
+            <a:spLocks noGrp="1" noRot="1" noChangeAspect="1"/>
+          </p:cNvSpPr>
+          <p:nvPr>
+            <p:ph type="sldImg" idx="2"/>
+          </p:nvPr>
+        </p:nvSpPr>
+        <p:spPr>
+          <a:xfrm>
+            <a:off x="381000" y="685800"/>
+            <a:ext cx="6096000" cy="3429000"/>
+          </a:xfrm>
+          <a:custGeom>
+            <a:avLst/>
+            <a:gdLst/>
+            <a:ahLst/>
+            <a:cxnLst/>
+            <a:rect l="l" t="t" r="r" b="b"/>
+            <a:pathLst>
+              <a:path w="120000" h="120000" extrusionOk="0">
+                <a:moveTo>
+                  <a:pt x="0" y="0"/>
+                </a:moveTo>
+                <a:lnTo>
+                  <a:pt x="120000" y="0"/>
+                </a:lnTo>
+                <a:lnTo>
+                  <a:pt x="120000" y="120000"/>
+                </a:lnTo>
+                <a:lnTo>
+                  <a:pt x="0" y="120000"/>
+                </a:lnTo>
+                <a:close/>
+              </a:path>
+            </a:pathLst>
+          </a:custGeom>
+        </p:spPr>
+      </p:sp>
+      <p:sp>
+        <p:nvSpPr>
+          <p:cNvPr id="690" name="Google Shape;690;g8b3994a781_0_902:notes"/>
+          <p:cNvSpPr txBox="1">
+            <a:spLocks noGrp="1"/>
+          </p:cNvSpPr>
+          <p:nvPr>
+            <p:ph type="body" idx="1"/>
+          </p:nvPr>
+        </p:nvSpPr>
+        <p:spPr>
+          <a:xfrm>
+            <a:off x="685800" y="4343400"/>
+            <a:ext cx="5486400" cy="4114800"/>
+          </a:xfrm>
+          <a:prstGeom prst="rect">
+            <a:avLst/>
+          </a:prstGeom>
+        </p:spPr>
+        <p:txBody>
+          <a:bodyPr spcFirstLastPara="1" wrap="square" lIns="91425" tIns="91425" rIns="91425" bIns="91425" anchor="t" anchorCtr="0">
+            <a:noAutofit/>
+          </a:bodyPr>
+          <a:lstStyle/>
+          <a:p>
+            <a:pPr marL="0" lvl="0" indent="0" algn="l" rtl="0">
+              <a:spcBef>
+                <a:spcPts val="0"/>
+              </a:spcBef>
+              <a:spcAft>
+                <a:spcPts val="0"/>
+              </a:spcAft>
+              <a:buNone/>
+            </a:pPr>
+            <a:endParaRPr/>
           </a:p>
         </p:txBody>
       </p:sp>
@@ -2126,7 +2246,443 @@
 </p:notes>
 </file>
 
-<file path=ppt/notesSlides/notesSlide21.xml><?xml version="1.0" encoding="utf-8"?>
+<file path=ppt/notesSlides/notesSlide22.xml><?xml version="1.0" encoding="utf-8"?>
+<p:notes xmlns:a="http://schemas.openxmlformats.org/drawingml/2006/main" xmlns:r="http://schemas.openxmlformats.org/officeDocument/2006/relationships" xmlns:p="http://schemas.openxmlformats.org/presentationml/2006/main" showMasterSp="0" showMasterPhAnim="0">
+  <p:cSld>
+    <p:spTree>
+      <p:nvGrpSpPr>
+        <p:cNvPr id="1" name="Shape 502"/>
+        <p:cNvGrpSpPr/>
+        <p:nvPr/>
+      </p:nvGrpSpPr>
+      <p:grpSpPr>
+        <a:xfrm>
+          <a:off x="0" y="0"/>
+          <a:ext cx="0" cy="0"/>
+          <a:chOff x="0" y="0"/>
+          <a:chExt cx="0" cy="0"/>
+        </a:xfrm>
+      </p:grpSpPr>
+      <p:sp>
+        <p:nvSpPr>
+          <p:cNvPr id="503" name="Google Shape;503;g8b2f66a28e_0_74:notes"/>
+          <p:cNvSpPr>
+            <a:spLocks noGrp="1" noRot="1" noChangeAspect="1"/>
+          </p:cNvSpPr>
+          <p:nvPr>
+            <p:ph type="sldImg" idx="2"/>
+          </p:nvPr>
+        </p:nvSpPr>
+        <p:spPr>
+          <a:xfrm>
+            <a:off x="381000" y="685800"/>
+            <a:ext cx="6096000" cy="3429000"/>
+          </a:xfrm>
+          <a:custGeom>
+            <a:avLst/>
+            <a:gdLst/>
+            <a:ahLst/>
+            <a:cxnLst/>
+            <a:rect l="l" t="t" r="r" b="b"/>
+            <a:pathLst>
+              <a:path w="120000" h="120000" extrusionOk="0">
+                <a:moveTo>
+                  <a:pt x="0" y="0"/>
+                </a:moveTo>
+                <a:lnTo>
+                  <a:pt x="120000" y="0"/>
+                </a:lnTo>
+                <a:lnTo>
+                  <a:pt x="120000" y="120000"/>
+                </a:lnTo>
+                <a:lnTo>
+                  <a:pt x="0" y="120000"/>
+                </a:lnTo>
+                <a:close/>
+              </a:path>
+            </a:pathLst>
+          </a:custGeom>
+        </p:spPr>
+      </p:sp>
+      <p:sp>
+        <p:nvSpPr>
+          <p:cNvPr id="504" name="Google Shape;504;g8b2f66a28e_0_74:notes"/>
+          <p:cNvSpPr txBox="1">
+            <a:spLocks noGrp="1"/>
+          </p:cNvSpPr>
+          <p:nvPr>
+            <p:ph type="body" idx="1"/>
+          </p:nvPr>
+        </p:nvSpPr>
+        <p:spPr>
+          <a:xfrm>
+            <a:off x="685800" y="4343400"/>
+            <a:ext cx="5486400" cy="4114800"/>
+          </a:xfrm>
+          <a:prstGeom prst="rect">
+            <a:avLst/>
+          </a:prstGeom>
+        </p:spPr>
+        <p:txBody>
+          <a:bodyPr spcFirstLastPara="1" wrap="square" lIns="91425" tIns="91425" rIns="91425" bIns="91425" anchor="t" anchorCtr="0">
+            <a:noAutofit/>
+          </a:bodyPr>
+          <a:lstStyle/>
+          <a:p>
+            <a:pPr marL="0" lvl="0" indent="0" algn="l" rtl="0">
+              <a:spcBef>
+                <a:spcPts val="0"/>
+              </a:spcBef>
+              <a:spcAft>
+                <a:spcPts val="0"/>
+              </a:spcAft>
+              <a:buNone/>
+            </a:pPr>
+            <a:endParaRPr/>
+          </a:p>
+        </p:txBody>
+      </p:sp>
+    </p:spTree>
+    <p:extLst>
+      <p:ext uri="{BB962C8B-B14F-4D97-AF65-F5344CB8AC3E}">
+        <p14:creationId xmlns:p14="http://schemas.microsoft.com/office/powerpoint/2010/main" val="3565413443"/>
+      </p:ext>
+    </p:extLst>
+  </p:cSld>
+  <p:clrMapOvr>
+    <a:masterClrMapping/>
+  </p:clrMapOvr>
+</p:notes>
+</file>
+
+<file path=ppt/notesSlides/notesSlide23.xml><?xml version="1.0" encoding="utf-8"?>
+<p:notes xmlns:a="http://schemas.openxmlformats.org/drawingml/2006/main" xmlns:r="http://schemas.openxmlformats.org/officeDocument/2006/relationships" xmlns:p="http://schemas.openxmlformats.org/presentationml/2006/main" showMasterSp="0" showMasterPhAnim="0">
+  <p:cSld>
+    <p:spTree>
+      <p:nvGrpSpPr>
+        <p:cNvPr id="1" name="Shape 527"/>
+        <p:cNvGrpSpPr/>
+        <p:nvPr/>
+      </p:nvGrpSpPr>
+      <p:grpSpPr>
+        <a:xfrm>
+          <a:off x="0" y="0"/>
+          <a:ext cx="0" cy="0"/>
+          <a:chOff x="0" y="0"/>
+          <a:chExt cx="0" cy="0"/>
+        </a:xfrm>
+      </p:grpSpPr>
+      <p:sp>
+        <p:nvSpPr>
+          <p:cNvPr id="528" name="Google Shape;528;g8d4cbd36da_4_31475:notes"/>
+          <p:cNvSpPr>
+            <a:spLocks noGrp="1" noRot="1" noChangeAspect="1"/>
+          </p:cNvSpPr>
+          <p:nvPr>
+            <p:ph type="sldImg" idx="2"/>
+          </p:nvPr>
+        </p:nvSpPr>
+        <p:spPr>
+          <a:xfrm>
+            <a:off x="381000" y="685800"/>
+            <a:ext cx="6096000" cy="3429000"/>
+          </a:xfrm>
+          <a:custGeom>
+            <a:avLst/>
+            <a:gdLst/>
+            <a:ahLst/>
+            <a:cxnLst/>
+            <a:rect l="l" t="t" r="r" b="b"/>
+            <a:pathLst>
+              <a:path w="120000" h="120000" extrusionOk="0">
+                <a:moveTo>
+                  <a:pt x="0" y="0"/>
+                </a:moveTo>
+                <a:lnTo>
+                  <a:pt x="120000" y="0"/>
+                </a:lnTo>
+                <a:lnTo>
+                  <a:pt x="120000" y="120000"/>
+                </a:lnTo>
+                <a:lnTo>
+                  <a:pt x="0" y="120000"/>
+                </a:lnTo>
+                <a:close/>
+              </a:path>
+            </a:pathLst>
+          </a:custGeom>
+        </p:spPr>
+      </p:sp>
+      <p:sp>
+        <p:nvSpPr>
+          <p:cNvPr id="529" name="Google Shape;529;g8d4cbd36da_4_31475:notes"/>
+          <p:cNvSpPr txBox="1">
+            <a:spLocks noGrp="1"/>
+          </p:cNvSpPr>
+          <p:nvPr>
+            <p:ph type="body" idx="1"/>
+          </p:nvPr>
+        </p:nvSpPr>
+        <p:spPr>
+          <a:xfrm>
+            <a:off x="685800" y="4343400"/>
+            <a:ext cx="5486400" cy="4114800"/>
+          </a:xfrm>
+          <a:prstGeom prst="rect">
+            <a:avLst/>
+          </a:prstGeom>
+        </p:spPr>
+        <p:txBody>
+          <a:bodyPr spcFirstLastPara="1" wrap="square" lIns="91425" tIns="91425" rIns="91425" bIns="91425" anchor="t" anchorCtr="0">
+            <a:noAutofit/>
+          </a:bodyPr>
+          <a:lstStyle/>
+          <a:p>
+            <a:pPr marL="0" lvl="0" indent="0" algn="l" rtl="0">
+              <a:spcBef>
+                <a:spcPts val="0"/>
+              </a:spcBef>
+              <a:spcAft>
+                <a:spcPts val="0"/>
+              </a:spcAft>
+              <a:buNone/>
+            </a:pPr>
+            <a:endParaRPr/>
+          </a:p>
+        </p:txBody>
+      </p:sp>
+    </p:spTree>
+    <p:extLst>
+      <p:ext uri="{BB962C8B-B14F-4D97-AF65-F5344CB8AC3E}">
+        <p14:creationId xmlns:p14="http://schemas.microsoft.com/office/powerpoint/2010/main" val="2520110531"/>
+      </p:ext>
+    </p:extLst>
+  </p:cSld>
+  <p:clrMapOvr>
+    <a:masterClrMapping/>
+  </p:clrMapOvr>
+</p:notes>
+</file>
+
+<file path=ppt/notesSlides/notesSlide24.xml><?xml version="1.0" encoding="utf-8"?>
+<p:notes xmlns:a="http://schemas.openxmlformats.org/drawingml/2006/main" xmlns:r="http://schemas.openxmlformats.org/officeDocument/2006/relationships" xmlns:p="http://schemas.openxmlformats.org/presentationml/2006/main" showMasterSp="0" showMasterPhAnim="0">
+  <p:cSld>
+    <p:spTree>
+      <p:nvGrpSpPr>
+        <p:cNvPr id="1" name="Shape 527"/>
+        <p:cNvGrpSpPr/>
+        <p:nvPr/>
+      </p:nvGrpSpPr>
+      <p:grpSpPr>
+        <a:xfrm>
+          <a:off x="0" y="0"/>
+          <a:ext cx="0" cy="0"/>
+          <a:chOff x="0" y="0"/>
+          <a:chExt cx="0" cy="0"/>
+        </a:xfrm>
+      </p:grpSpPr>
+      <p:sp>
+        <p:nvSpPr>
+          <p:cNvPr id="528" name="Google Shape;528;g8d4cbd36da_4_31475:notes"/>
+          <p:cNvSpPr>
+            <a:spLocks noGrp="1" noRot="1" noChangeAspect="1"/>
+          </p:cNvSpPr>
+          <p:nvPr>
+            <p:ph type="sldImg" idx="2"/>
+          </p:nvPr>
+        </p:nvSpPr>
+        <p:spPr>
+          <a:xfrm>
+            <a:off x="381000" y="685800"/>
+            <a:ext cx="6096000" cy="3429000"/>
+          </a:xfrm>
+          <a:custGeom>
+            <a:avLst/>
+            <a:gdLst/>
+            <a:ahLst/>
+            <a:cxnLst/>
+            <a:rect l="l" t="t" r="r" b="b"/>
+            <a:pathLst>
+              <a:path w="120000" h="120000" extrusionOk="0">
+                <a:moveTo>
+                  <a:pt x="0" y="0"/>
+                </a:moveTo>
+                <a:lnTo>
+                  <a:pt x="120000" y="0"/>
+                </a:lnTo>
+                <a:lnTo>
+                  <a:pt x="120000" y="120000"/>
+                </a:lnTo>
+                <a:lnTo>
+                  <a:pt x="0" y="120000"/>
+                </a:lnTo>
+                <a:close/>
+              </a:path>
+            </a:pathLst>
+          </a:custGeom>
+        </p:spPr>
+      </p:sp>
+      <p:sp>
+        <p:nvSpPr>
+          <p:cNvPr id="529" name="Google Shape;529;g8d4cbd36da_4_31475:notes"/>
+          <p:cNvSpPr txBox="1">
+            <a:spLocks noGrp="1"/>
+          </p:cNvSpPr>
+          <p:nvPr>
+            <p:ph type="body" idx="1"/>
+          </p:nvPr>
+        </p:nvSpPr>
+        <p:spPr>
+          <a:xfrm>
+            <a:off x="685800" y="4343400"/>
+            <a:ext cx="5486400" cy="4114800"/>
+          </a:xfrm>
+          <a:prstGeom prst="rect">
+            <a:avLst/>
+          </a:prstGeom>
+        </p:spPr>
+        <p:txBody>
+          <a:bodyPr spcFirstLastPara="1" wrap="square" lIns="91425" tIns="91425" rIns="91425" bIns="91425" anchor="t" anchorCtr="0">
+            <a:noAutofit/>
+          </a:bodyPr>
+          <a:lstStyle/>
+          <a:p>
+            <a:pPr marL="0" lvl="0" indent="0" algn="l" rtl="0">
+              <a:spcBef>
+                <a:spcPts val="0"/>
+              </a:spcBef>
+              <a:spcAft>
+                <a:spcPts val="0"/>
+              </a:spcAft>
+              <a:buNone/>
+            </a:pPr>
+            <a:endParaRPr/>
+          </a:p>
+        </p:txBody>
+      </p:sp>
+    </p:spTree>
+    <p:extLst>
+      <p:ext uri="{BB962C8B-B14F-4D97-AF65-F5344CB8AC3E}">
+        <p14:creationId xmlns:p14="http://schemas.microsoft.com/office/powerpoint/2010/main" val="2204027012"/>
+      </p:ext>
+    </p:extLst>
+  </p:cSld>
+  <p:clrMapOvr>
+    <a:masterClrMapping/>
+  </p:clrMapOvr>
+</p:notes>
+</file>
+
+<file path=ppt/notesSlides/notesSlide25.xml><?xml version="1.0" encoding="utf-8"?>
+<p:notes xmlns:a="http://schemas.openxmlformats.org/drawingml/2006/main" xmlns:r="http://schemas.openxmlformats.org/officeDocument/2006/relationships" xmlns:p="http://schemas.openxmlformats.org/presentationml/2006/main" showMasterSp="0" showMasterPhAnim="0">
+  <p:cSld>
+    <p:spTree>
+      <p:nvGrpSpPr>
+        <p:cNvPr id="1" name="Shape 376"/>
+        <p:cNvGrpSpPr/>
+        <p:nvPr/>
+      </p:nvGrpSpPr>
+      <p:grpSpPr>
+        <a:xfrm>
+          <a:off x="0" y="0"/>
+          <a:ext cx="0" cy="0"/>
+          <a:chOff x="0" y="0"/>
+          <a:chExt cx="0" cy="0"/>
+        </a:xfrm>
+      </p:grpSpPr>
+      <p:sp>
+        <p:nvSpPr>
+          <p:cNvPr id="377" name="Google Shape;377;g822dda0a4d_0_0:notes"/>
+          <p:cNvSpPr>
+            <a:spLocks noGrp="1" noRot="1" noChangeAspect="1"/>
+          </p:cNvSpPr>
+          <p:nvPr>
+            <p:ph type="sldImg" idx="2"/>
+          </p:nvPr>
+        </p:nvSpPr>
+        <p:spPr>
+          <a:xfrm>
+            <a:off x="381000" y="685800"/>
+            <a:ext cx="6096000" cy="3429000"/>
+          </a:xfrm>
+          <a:custGeom>
+            <a:avLst/>
+            <a:gdLst/>
+            <a:ahLst/>
+            <a:cxnLst/>
+            <a:rect l="l" t="t" r="r" b="b"/>
+            <a:pathLst>
+              <a:path w="120000" h="120000" extrusionOk="0">
+                <a:moveTo>
+                  <a:pt x="0" y="0"/>
+                </a:moveTo>
+                <a:lnTo>
+                  <a:pt x="120000" y="0"/>
+                </a:lnTo>
+                <a:lnTo>
+                  <a:pt x="120000" y="120000"/>
+                </a:lnTo>
+                <a:lnTo>
+                  <a:pt x="0" y="120000"/>
+                </a:lnTo>
+                <a:close/>
+              </a:path>
+            </a:pathLst>
+          </a:custGeom>
+        </p:spPr>
+      </p:sp>
+      <p:sp>
+        <p:nvSpPr>
+          <p:cNvPr id="378" name="Google Shape;378;g822dda0a4d_0_0:notes"/>
+          <p:cNvSpPr txBox="1">
+            <a:spLocks noGrp="1"/>
+          </p:cNvSpPr>
+          <p:nvPr>
+            <p:ph type="body" idx="1"/>
+          </p:nvPr>
+        </p:nvSpPr>
+        <p:spPr>
+          <a:xfrm>
+            <a:off x="685800" y="4343400"/>
+            <a:ext cx="5486400" cy="4114800"/>
+          </a:xfrm>
+          <a:prstGeom prst="rect">
+            <a:avLst/>
+          </a:prstGeom>
+        </p:spPr>
+        <p:txBody>
+          <a:bodyPr spcFirstLastPara="1" wrap="square" lIns="91425" tIns="91425" rIns="91425" bIns="91425" anchor="t" anchorCtr="0">
+            <a:noAutofit/>
+          </a:bodyPr>
+          <a:lstStyle/>
+          <a:p>
+            <a:pPr marL="0" lvl="0" indent="0" algn="l" rtl="0">
+              <a:spcBef>
+                <a:spcPts val="0"/>
+              </a:spcBef>
+              <a:spcAft>
+                <a:spcPts val="0"/>
+              </a:spcAft>
+              <a:buNone/>
+            </a:pPr>
+            <a:endParaRPr/>
+          </a:p>
+        </p:txBody>
+      </p:sp>
+    </p:spTree>
+    <p:extLst>
+      <p:ext uri="{BB962C8B-B14F-4D97-AF65-F5344CB8AC3E}">
+        <p14:creationId xmlns:p14="http://schemas.microsoft.com/office/powerpoint/2010/main" val="1155819714"/>
+      </p:ext>
+    </p:extLst>
+  </p:cSld>
+  <p:clrMapOvr>
+    <a:masterClrMapping/>
+  </p:clrMapOvr>
+</p:notes>
+</file>
+
+<file path=ppt/notesSlides/notesSlide26.xml><?xml version="1.0" encoding="utf-8"?>
 <p:notes xmlns:a="http://schemas.openxmlformats.org/drawingml/2006/main" xmlns:r="http://schemas.openxmlformats.org/officeDocument/2006/relationships" xmlns:p="http://schemas.openxmlformats.org/presentationml/2006/main" showMasterSp="0" showMasterPhAnim="0">
   <p:cSld>
     <p:spTree>
@@ -2223,6 +2779,110 @@
         </p:txBody>
       </p:sp>
     </p:spTree>
+  </p:cSld>
+  <p:clrMapOvr>
+    <a:masterClrMapping/>
+  </p:clrMapOvr>
+</p:notes>
+</file>
+
+<file path=ppt/notesSlides/notesSlide27.xml><?xml version="1.0" encoding="utf-8"?>
+<p:notes xmlns:a="http://schemas.openxmlformats.org/drawingml/2006/main" xmlns:r="http://schemas.openxmlformats.org/officeDocument/2006/relationships" xmlns:p="http://schemas.openxmlformats.org/presentationml/2006/main" showMasterSp="0" showMasterPhAnim="0">
+  <p:cSld>
+    <p:spTree>
+      <p:nvGrpSpPr>
+        <p:cNvPr id="1" name="Shape 718"/>
+        <p:cNvGrpSpPr/>
+        <p:nvPr/>
+      </p:nvGrpSpPr>
+      <p:grpSpPr>
+        <a:xfrm>
+          <a:off x="0" y="0"/>
+          <a:ext cx="0" cy="0"/>
+          <a:chOff x="0" y="0"/>
+          <a:chExt cx="0" cy="0"/>
+        </a:xfrm>
+      </p:grpSpPr>
+      <p:sp>
+        <p:nvSpPr>
+          <p:cNvPr id="719" name="Google Shape;719;g8de203a353_0_8:notes"/>
+          <p:cNvSpPr>
+            <a:spLocks noGrp="1" noRot="1" noChangeAspect="1"/>
+          </p:cNvSpPr>
+          <p:nvPr>
+            <p:ph type="sldImg" idx="2"/>
+          </p:nvPr>
+        </p:nvSpPr>
+        <p:spPr>
+          <a:xfrm>
+            <a:off x="381000" y="685800"/>
+            <a:ext cx="6096000" cy="3429000"/>
+          </a:xfrm>
+          <a:custGeom>
+            <a:avLst/>
+            <a:gdLst/>
+            <a:ahLst/>
+            <a:cxnLst/>
+            <a:rect l="l" t="t" r="r" b="b"/>
+            <a:pathLst>
+              <a:path w="120000" h="120000" extrusionOk="0">
+                <a:moveTo>
+                  <a:pt x="0" y="0"/>
+                </a:moveTo>
+                <a:lnTo>
+                  <a:pt x="120000" y="0"/>
+                </a:lnTo>
+                <a:lnTo>
+                  <a:pt x="120000" y="120000"/>
+                </a:lnTo>
+                <a:lnTo>
+                  <a:pt x="0" y="120000"/>
+                </a:lnTo>
+                <a:close/>
+              </a:path>
+            </a:pathLst>
+          </a:custGeom>
+        </p:spPr>
+      </p:sp>
+      <p:sp>
+        <p:nvSpPr>
+          <p:cNvPr id="720" name="Google Shape;720;g8de203a353_0_8:notes"/>
+          <p:cNvSpPr txBox="1">
+            <a:spLocks noGrp="1"/>
+          </p:cNvSpPr>
+          <p:nvPr>
+            <p:ph type="body" idx="1"/>
+          </p:nvPr>
+        </p:nvSpPr>
+        <p:spPr>
+          <a:xfrm>
+            <a:off x="685800" y="4343400"/>
+            <a:ext cx="5486400" cy="4114800"/>
+          </a:xfrm>
+          <a:prstGeom prst="rect">
+            <a:avLst/>
+          </a:prstGeom>
+        </p:spPr>
+        <p:txBody>
+          <a:bodyPr spcFirstLastPara="1" wrap="square" lIns="91425" tIns="91425" rIns="91425" bIns="91425" anchor="t" anchorCtr="0">
+            <a:noAutofit/>
+          </a:bodyPr>
+          <a:lstStyle/>
+          <a:p>
+            <a:pPr marL="0" lvl="0" indent="0" algn="l" rtl="0">
+              <a:spcBef>
+                <a:spcPts val="0"/>
+              </a:spcBef>
+              <a:spcAft>
+                <a:spcPts val="0"/>
+              </a:spcAft>
+              <a:buNone/>
+            </a:pPr>
+            <a:endParaRPr dirty="0"/>
+          </a:p>
+        </p:txBody>
+      </p:sp>
+    </p:spTree>
     <p:extLst>
       <p:ext uri="{BB962C8B-B14F-4D97-AF65-F5344CB8AC3E}">
         <p14:creationId xmlns:p14="http://schemas.microsoft.com/office/powerpoint/2010/main" val="2514058963"/>
@@ -2235,7 +2895,7 @@
 </p:notes>
 </file>
 
-<file path=ppt/notesSlides/notesSlide22.xml><?xml version="1.0" encoding="utf-8"?>
+<file path=ppt/notesSlides/notesSlide28.xml><?xml version="1.0" encoding="utf-8"?>
 <p:notes xmlns:a="http://schemas.openxmlformats.org/drawingml/2006/main" xmlns:r="http://schemas.openxmlformats.org/officeDocument/2006/relationships" xmlns:p="http://schemas.openxmlformats.org/presentationml/2006/main" showMasterSp="0" showMasterPhAnim="0">
   <p:cSld>
     <p:spTree>
@@ -2973,7 +3633,7 @@
   <p:cSld>
     <p:spTree>
       <p:nvGrpSpPr>
-        <p:cNvPr id="1" name="Shape 370"/>
+        <p:cNvPr id="1" name="Shape 376"/>
         <p:cNvGrpSpPr/>
         <p:nvPr/>
       </p:nvGrpSpPr>
@@ -2987,7 +3647,7 @@
       </p:grpSpPr>
       <p:sp>
         <p:nvSpPr>
-          <p:cNvPr id="371" name="Google Shape;371;g8b872573b1_0_185:notes"/>
+          <p:cNvPr id="377" name="Google Shape;377;g822dda0a4d_0_0:notes"/>
           <p:cNvSpPr>
             <a:spLocks noGrp="1" noRot="1" noChangeAspect="1"/>
           </p:cNvSpPr>
@@ -3028,7 +3688,7 @@
       </p:sp>
       <p:sp>
         <p:nvSpPr>
-          <p:cNvPr id="372" name="Google Shape;372;g8b872573b1_0_185:notes"/>
+          <p:cNvPr id="378" name="Google Shape;378;g822dda0a4d_0_0:notes"/>
           <p:cNvSpPr txBox="1">
             <a:spLocks noGrp="1"/>
           </p:cNvSpPr>
@@ -3067,7 +3727,7 @@
     </p:spTree>
     <p:extLst>
       <p:ext uri="{BB962C8B-B14F-4D97-AF65-F5344CB8AC3E}">
-        <p14:creationId xmlns:p14="http://schemas.microsoft.com/office/powerpoint/2010/main" val="1358030331"/>
+        <p14:creationId xmlns:p14="http://schemas.microsoft.com/office/powerpoint/2010/main" val="2830386219"/>
       </p:ext>
     </p:extLst>
   </p:cSld>
@@ -20079,8 +20739,8 @@
               <a:buNone/>
             </a:pPr>
             <a:r>
-              <a:rPr lang="en-US" dirty="0"/>
-              <a:t>Lesson 1 - Basics</a:t>
+              <a:rPr lang="en-US" sz="5400" dirty="0"/>
+              <a:t>Lesson 2 – Loops Ifs Functions</a:t>
             </a:r>
           </a:p>
         </p:txBody>
@@ -20143,6 +20803,3676 @@
   <p:cSld>
     <p:spTree>
       <p:nvGrpSpPr>
+        <p:cNvPr id="1" name="Shape 431"/>
+        <p:cNvGrpSpPr/>
+        <p:nvPr/>
+      </p:nvGrpSpPr>
+      <p:grpSpPr>
+        <a:xfrm>
+          <a:off x="0" y="0"/>
+          <a:ext cx="0" cy="0"/>
+          <a:chOff x="0" y="0"/>
+          <a:chExt cx="0" cy="0"/>
+        </a:xfrm>
+      </p:grpSpPr>
+      <p:sp>
+        <p:nvSpPr>
+          <p:cNvPr id="434" name="Google Shape;434;p35"/>
+          <p:cNvSpPr txBox="1">
+            <a:spLocks noGrp="1"/>
+          </p:cNvSpPr>
+          <p:nvPr>
+            <p:ph type="title"/>
+          </p:nvPr>
+        </p:nvSpPr>
+        <p:spPr>
+          <a:xfrm>
+            <a:off x="1278000" y="343200"/>
+            <a:ext cx="6588000" cy="669000"/>
+          </a:xfrm>
+          <a:prstGeom prst="rect">
+            <a:avLst/>
+          </a:prstGeom>
+        </p:spPr>
+        <p:txBody>
+          <a:bodyPr spcFirstLastPara="1" wrap="square" lIns="91425" tIns="91425" rIns="91425" bIns="91425" anchor="t" anchorCtr="0">
+            <a:noAutofit/>
+          </a:bodyPr>
+          <a:lstStyle/>
+          <a:p>
+            <a:pPr marL="0" lvl="0" indent="0" algn="ctr" rtl="0">
+              <a:spcBef>
+                <a:spcPts val="0"/>
+              </a:spcBef>
+              <a:spcAft>
+                <a:spcPts val="0"/>
+              </a:spcAft>
+              <a:buNone/>
+            </a:pPr>
+            <a:r>
+              <a:rPr lang="en-US" dirty="0" err="1"/>
+              <a:t>Elif</a:t>
+            </a:r>
+            <a:endParaRPr lang="en-US" dirty="0"/>
+          </a:p>
+        </p:txBody>
+      </p:sp>
+      <p:grpSp>
+        <p:nvGrpSpPr>
+          <p:cNvPr id="437" name="Google Shape;437;p35"/>
+          <p:cNvGrpSpPr/>
+          <p:nvPr/>
+        </p:nvGrpSpPr>
+        <p:grpSpPr>
+          <a:xfrm>
+            <a:off x="6739789" y="2872050"/>
+            <a:ext cx="2404115" cy="2123775"/>
+            <a:chOff x="6739789" y="1500450"/>
+            <a:chExt cx="2404115" cy="2123775"/>
+          </a:xfrm>
+        </p:grpSpPr>
+        <p:sp>
+          <p:nvSpPr>
+            <p:cNvPr id="438" name="Google Shape;438;p35"/>
+            <p:cNvSpPr/>
+            <p:nvPr/>
+          </p:nvSpPr>
+          <p:spPr>
+            <a:xfrm>
+              <a:off x="7377200" y="2089950"/>
+              <a:ext cx="1766704" cy="356851"/>
+            </a:xfrm>
+            <a:custGeom>
+              <a:avLst/>
+              <a:gdLst/>
+              <a:ahLst/>
+              <a:cxnLst/>
+              <a:rect l="l" t="t" r="r" b="b"/>
+              <a:pathLst>
+                <a:path w="15325" h="2775" extrusionOk="0">
+                  <a:moveTo>
+                    <a:pt x="1" y="0"/>
+                  </a:moveTo>
+                  <a:lnTo>
+                    <a:pt x="1" y="2774"/>
+                  </a:lnTo>
+                  <a:lnTo>
+                    <a:pt x="15324" y="2774"/>
+                  </a:lnTo>
+                  <a:lnTo>
+                    <a:pt x="15324" y="0"/>
+                  </a:lnTo>
+                  <a:close/>
+                </a:path>
+              </a:pathLst>
+            </a:custGeom>
+            <a:solidFill>
+              <a:srgbClr val="FFFFFF">
+                <a:alpha val="12549"/>
+              </a:srgbClr>
+            </a:solidFill>
+            <a:ln>
+              <a:noFill/>
+            </a:ln>
+          </p:spPr>
+          <p:txBody>
+            <a:bodyPr spcFirstLastPara="1" wrap="square" lIns="91425" tIns="91425" rIns="91425" bIns="91425" anchor="ctr" anchorCtr="0">
+              <a:noAutofit/>
+            </a:bodyPr>
+            <a:lstStyle/>
+            <a:p>
+              <a:pPr marL="0" lvl="0" indent="0" algn="l" rtl="0">
+                <a:spcBef>
+                  <a:spcPts val="0"/>
+                </a:spcBef>
+                <a:spcAft>
+                  <a:spcPts val="0"/>
+                </a:spcAft>
+                <a:buNone/>
+              </a:pPr>
+              <a:endParaRPr/>
+            </a:p>
+          </p:txBody>
+        </p:sp>
+        <p:sp>
+          <p:nvSpPr>
+            <p:cNvPr id="439" name="Google Shape;439;p35"/>
+            <p:cNvSpPr/>
+            <p:nvPr/>
+          </p:nvSpPr>
+          <p:spPr>
+            <a:xfrm>
+              <a:off x="6810278" y="1500450"/>
+              <a:ext cx="1104154" cy="356872"/>
+            </a:xfrm>
+            <a:custGeom>
+              <a:avLst/>
+              <a:gdLst/>
+              <a:ahLst/>
+              <a:cxnLst/>
+              <a:rect l="l" t="t" r="r" b="b"/>
+              <a:pathLst>
+                <a:path w="18027" h="2775" extrusionOk="0">
+                  <a:moveTo>
+                    <a:pt x="0" y="0"/>
+                  </a:moveTo>
+                  <a:lnTo>
+                    <a:pt x="0" y="2774"/>
+                  </a:lnTo>
+                  <a:lnTo>
+                    <a:pt x="18026" y="2774"/>
+                  </a:lnTo>
+                  <a:lnTo>
+                    <a:pt x="18026" y="0"/>
+                  </a:lnTo>
+                  <a:close/>
+                </a:path>
+              </a:pathLst>
+            </a:custGeom>
+            <a:solidFill>
+              <a:srgbClr val="FFFFFF">
+                <a:alpha val="6270"/>
+              </a:srgbClr>
+            </a:solidFill>
+            <a:ln>
+              <a:noFill/>
+            </a:ln>
+          </p:spPr>
+          <p:txBody>
+            <a:bodyPr spcFirstLastPara="1" wrap="square" lIns="91425" tIns="91425" rIns="91425" bIns="91425" anchor="ctr" anchorCtr="0">
+              <a:noAutofit/>
+            </a:bodyPr>
+            <a:lstStyle/>
+            <a:p>
+              <a:pPr marL="0" lvl="0" indent="0" algn="l" rtl="0">
+                <a:spcBef>
+                  <a:spcPts val="0"/>
+                </a:spcBef>
+                <a:spcAft>
+                  <a:spcPts val="0"/>
+                </a:spcAft>
+                <a:buNone/>
+              </a:pPr>
+              <a:endParaRPr/>
+            </a:p>
+          </p:txBody>
+        </p:sp>
+        <p:sp>
+          <p:nvSpPr>
+            <p:cNvPr id="440" name="Google Shape;440;p35"/>
+            <p:cNvSpPr/>
+            <p:nvPr/>
+          </p:nvSpPr>
+          <p:spPr>
+            <a:xfrm>
+              <a:off x="6896029" y="2679300"/>
+              <a:ext cx="2247805" cy="355450"/>
+            </a:xfrm>
+            <a:custGeom>
+              <a:avLst/>
+              <a:gdLst/>
+              <a:ahLst/>
+              <a:cxnLst/>
+              <a:rect l="l" t="t" r="r" b="b"/>
+              <a:pathLst>
+                <a:path w="12872" h="2764" extrusionOk="0">
+                  <a:moveTo>
+                    <a:pt x="1" y="1"/>
+                  </a:moveTo>
+                  <a:lnTo>
+                    <a:pt x="1" y="2763"/>
+                  </a:lnTo>
+                  <a:lnTo>
+                    <a:pt x="12871" y="2763"/>
+                  </a:lnTo>
+                  <a:lnTo>
+                    <a:pt x="12871" y="1"/>
+                  </a:lnTo>
+                  <a:close/>
+                </a:path>
+              </a:pathLst>
+            </a:custGeom>
+            <a:solidFill>
+              <a:srgbClr val="FFFFFF">
+                <a:alpha val="6270"/>
+              </a:srgbClr>
+            </a:solidFill>
+            <a:ln>
+              <a:noFill/>
+            </a:ln>
+          </p:spPr>
+          <p:txBody>
+            <a:bodyPr spcFirstLastPara="1" wrap="square" lIns="91425" tIns="91425" rIns="91425" bIns="91425" anchor="ctr" anchorCtr="0">
+              <a:noAutofit/>
+            </a:bodyPr>
+            <a:lstStyle/>
+            <a:p>
+              <a:pPr marL="0" lvl="0" indent="0" algn="l" rtl="0">
+                <a:spcBef>
+                  <a:spcPts val="0"/>
+                </a:spcBef>
+                <a:spcAft>
+                  <a:spcPts val="0"/>
+                </a:spcAft>
+                <a:buNone/>
+              </a:pPr>
+              <a:endParaRPr/>
+            </a:p>
+          </p:txBody>
+        </p:sp>
+        <p:sp>
+          <p:nvSpPr>
+            <p:cNvPr id="441" name="Google Shape;441;p35"/>
+            <p:cNvSpPr/>
+            <p:nvPr/>
+          </p:nvSpPr>
+          <p:spPr>
+            <a:xfrm>
+              <a:off x="8105579" y="1500450"/>
+              <a:ext cx="1038298" cy="356872"/>
+            </a:xfrm>
+            <a:custGeom>
+              <a:avLst/>
+              <a:gdLst/>
+              <a:ahLst/>
+              <a:cxnLst/>
+              <a:rect l="l" t="t" r="r" b="b"/>
+              <a:pathLst>
+                <a:path w="2882" h="2775" extrusionOk="0">
+                  <a:moveTo>
+                    <a:pt x="1" y="0"/>
+                  </a:moveTo>
+                  <a:lnTo>
+                    <a:pt x="1" y="2774"/>
+                  </a:lnTo>
+                  <a:lnTo>
+                    <a:pt x="2882" y="2774"/>
+                  </a:lnTo>
+                  <a:lnTo>
+                    <a:pt x="2882" y="0"/>
+                  </a:lnTo>
+                  <a:close/>
+                </a:path>
+              </a:pathLst>
+            </a:custGeom>
+            <a:solidFill>
+              <a:srgbClr val="FFFFFF">
+                <a:alpha val="56470"/>
+              </a:srgbClr>
+            </a:solidFill>
+            <a:ln>
+              <a:noFill/>
+            </a:ln>
+          </p:spPr>
+          <p:txBody>
+            <a:bodyPr spcFirstLastPara="1" wrap="square" lIns="91425" tIns="91425" rIns="91425" bIns="91425" anchor="ctr" anchorCtr="0">
+              <a:noAutofit/>
+            </a:bodyPr>
+            <a:lstStyle/>
+            <a:p>
+              <a:pPr marL="0" lvl="0" indent="0" algn="l" rtl="0">
+                <a:spcBef>
+                  <a:spcPts val="0"/>
+                </a:spcBef>
+                <a:spcAft>
+                  <a:spcPts val="0"/>
+                </a:spcAft>
+                <a:buNone/>
+              </a:pPr>
+              <a:endParaRPr/>
+            </a:p>
+          </p:txBody>
+        </p:sp>
+        <p:sp>
+          <p:nvSpPr>
+            <p:cNvPr id="442" name="Google Shape;442;p35"/>
+            <p:cNvSpPr/>
+            <p:nvPr/>
+          </p:nvSpPr>
+          <p:spPr>
+            <a:xfrm>
+              <a:off x="6739789" y="3268775"/>
+              <a:ext cx="1104128" cy="355450"/>
+            </a:xfrm>
+            <a:custGeom>
+              <a:avLst/>
+              <a:gdLst/>
+              <a:ahLst/>
+              <a:cxnLst/>
+              <a:rect l="l" t="t" r="r" b="b"/>
+              <a:pathLst>
+                <a:path w="18396" h="2764" extrusionOk="0">
+                  <a:moveTo>
+                    <a:pt x="1" y="1"/>
+                  </a:moveTo>
+                  <a:lnTo>
+                    <a:pt x="1" y="2763"/>
+                  </a:lnTo>
+                  <a:lnTo>
+                    <a:pt x="18396" y="2763"/>
+                  </a:lnTo>
+                  <a:lnTo>
+                    <a:pt x="18396" y="1"/>
+                  </a:lnTo>
+                  <a:close/>
+                </a:path>
+              </a:pathLst>
+            </a:custGeom>
+            <a:solidFill>
+              <a:srgbClr val="FFFFFF">
+                <a:alpha val="6270"/>
+              </a:srgbClr>
+            </a:solidFill>
+            <a:ln>
+              <a:noFill/>
+            </a:ln>
+          </p:spPr>
+          <p:txBody>
+            <a:bodyPr spcFirstLastPara="1" wrap="square" lIns="91425" tIns="91425" rIns="91425" bIns="91425" anchor="ctr" anchorCtr="0">
+              <a:noAutofit/>
+            </a:bodyPr>
+            <a:lstStyle/>
+            <a:p>
+              <a:pPr marL="0" lvl="0" indent="0" algn="l" rtl="0">
+                <a:spcBef>
+                  <a:spcPts val="0"/>
+                </a:spcBef>
+                <a:spcAft>
+                  <a:spcPts val="0"/>
+                </a:spcAft>
+                <a:buNone/>
+              </a:pPr>
+              <a:endParaRPr/>
+            </a:p>
+          </p:txBody>
+        </p:sp>
+      </p:grpSp>
+      <p:grpSp>
+        <p:nvGrpSpPr>
+          <p:cNvPr id="443" name="Google Shape;443;p35"/>
+          <p:cNvGrpSpPr/>
+          <p:nvPr/>
+        </p:nvGrpSpPr>
+        <p:grpSpPr>
+          <a:xfrm>
+            <a:off x="10" y="128850"/>
+            <a:ext cx="2428766" cy="2123775"/>
+            <a:chOff x="10" y="1500450"/>
+            <a:chExt cx="2428766" cy="2123775"/>
+          </a:xfrm>
+        </p:grpSpPr>
+        <p:sp>
+          <p:nvSpPr>
+            <p:cNvPr id="444" name="Google Shape;444;p35"/>
+            <p:cNvSpPr/>
+            <p:nvPr/>
+          </p:nvSpPr>
+          <p:spPr>
+            <a:xfrm>
+              <a:off x="357025" y="2089950"/>
+              <a:ext cx="2071751" cy="356851"/>
+            </a:xfrm>
+            <a:custGeom>
+              <a:avLst/>
+              <a:gdLst/>
+              <a:ahLst/>
+              <a:cxnLst/>
+              <a:rect l="l" t="t" r="r" b="b"/>
+              <a:pathLst>
+                <a:path w="4300" h="2775" extrusionOk="0">
+                  <a:moveTo>
+                    <a:pt x="1" y="0"/>
+                  </a:moveTo>
+                  <a:lnTo>
+                    <a:pt x="1" y="2774"/>
+                  </a:lnTo>
+                  <a:lnTo>
+                    <a:pt x="4299" y="2774"/>
+                  </a:lnTo>
+                  <a:lnTo>
+                    <a:pt x="4299" y="0"/>
+                  </a:lnTo>
+                  <a:close/>
+                </a:path>
+              </a:pathLst>
+            </a:custGeom>
+            <a:solidFill>
+              <a:srgbClr val="FFFFFF">
+                <a:alpha val="1960"/>
+              </a:srgbClr>
+            </a:solidFill>
+            <a:ln>
+              <a:noFill/>
+            </a:ln>
+          </p:spPr>
+          <p:txBody>
+            <a:bodyPr spcFirstLastPara="1" wrap="square" lIns="91425" tIns="91425" rIns="91425" bIns="91425" anchor="ctr" anchorCtr="0">
+              <a:noAutofit/>
+            </a:bodyPr>
+            <a:lstStyle/>
+            <a:p>
+              <a:pPr marL="0" lvl="0" indent="0" algn="l" rtl="0">
+                <a:spcBef>
+                  <a:spcPts val="0"/>
+                </a:spcBef>
+                <a:spcAft>
+                  <a:spcPts val="0"/>
+                </a:spcAft>
+                <a:buNone/>
+              </a:pPr>
+              <a:endParaRPr/>
+            </a:p>
+          </p:txBody>
+        </p:sp>
+        <p:sp>
+          <p:nvSpPr>
+            <p:cNvPr id="445" name="Google Shape;445;p35"/>
+            <p:cNvSpPr/>
+            <p:nvPr/>
+          </p:nvSpPr>
+          <p:spPr>
+            <a:xfrm>
+              <a:off x="18" y="3268775"/>
+              <a:ext cx="1038298" cy="355450"/>
+            </a:xfrm>
+            <a:custGeom>
+              <a:avLst/>
+              <a:gdLst/>
+              <a:ahLst/>
+              <a:cxnLst/>
+              <a:rect l="l" t="t" r="r" b="b"/>
+              <a:pathLst>
+                <a:path w="2882" h="2764" extrusionOk="0">
+                  <a:moveTo>
+                    <a:pt x="0" y="1"/>
+                  </a:moveTo>
+                  <a:lnTo>
+                    <a:pt x="0" y="2763"/>
+                  </a:lnTo>
+                  <a:lnTo>
+                    <a:pt x="2881" y="2763"/>
+                  </a:lnTo>
+                  <a:lnTo>
+                    <a:pt x="2881" y="1"/>
+                  </a:lnTo>
+                  <a:close/>
+                </a:path>
+              </a:pathLst>
+            </a:custGeom>
+            <a:solidFill>
+              <a:srgbClr val="FFFFFF">
+                <a:alpha val="50199"/>
+              </a:srgbClr>
+            </a:solidFill>
+            <a:ln>
+              <a:noFill/>
+            </a:ln>
+          </p:spPr>
+          <p:txBody>
+            <a:bodyPr spcFirstLastPara="1" wrap="square" lIns="91425" tIns="91425" rIns="91425" bIns="91425" anchor="ctr" anchorCtr="0">
+              <a:noAutofit/>
+            </a:bodyPr>
+            <a:lstStyle/>
+            <a:p>
+              <a:pPr marL="0" lvl="0" indent="0" algn="l" rtl="0">
+                <a:spcBef>
+                  <a:spcPts val="0"/>
+                </a:spcBef>
+                <a:spcAft>
+                  <a:spcPts val="0"/>
+                </a:spcAft>
+                <a:buNone/>
+              </a:pPr>
+              <a:endParaRPr/>
+            </a:p>
+          </p:txBody>
+        </p:sp>
+        <p:sp>
+          <p:nvSpPr>
+            <p:cNvPr id="446" name="Google Shape;446;p35"/>
+            <p:cNvSpPr/>
+            <p:nvPr/>
+          </p:nvSpPr>
+          <p:spPr>
+            <a:xfrm>
+              <a:off x="10" y="1500456"/>
+              <a:ext cx="1104138" cy="356858"/>
+            </a:xfrm>
+            <a:custGeom>
+              <a:avLst/>
+              <a:gdLst/>
+              <a:ahLst/>
+              <a:cxnLst/>
+              <a:rect l="l" t="t" r="r" b="b"/>
+              <a:pathLst>
+                <a:path w="8586" h="2775" extrusionOk="0">
+                  <a:moveTo>
+                    <a:pt x="1" y="0"/>
+                  </a:moveTo>
+                  <a:lnTo>
+                    <a:pt x="1" y="2774"/>
+                  </a:lnTo>
+                  <a:lnTo>
+                    <a:pt x="8585" y="2774"/>
+                  </a:lnTo>
+                  <a:lnTo>
+                    <a:pt x="8585" y="0"/>
+                  </a:lnTo>
+                  <a:close/>
+                </a:path>
+              </a:pathLst>
+            </a:custGeom>
+            <a:solidFill>
+              <a:srgbClr val="FFFFFF">
+                <a:alpha val="6270"/>
+              </a:srgbClr>
+            </a:solidFill>
+            <a:ln>
+              <a:noFill/>
+            </a:ln>
+          </p:spPr>
+          <p:txBody>
+            <a:bodyPr spcFirstLastPara="1" wrap="square" lIns="91425" tIns="91425" rIns="91425" bIns="91425" anchor="ctr" anchorCtr="0">
+              <a:noAutofit/>
+            </a:bodyPr>
+            <a:lstStyle/>
+            <a:p>
+              <a:pPr marL="0" lvl="0" indent="0" algn="l" rtl="0">
+                <a:spcBef>
+                  <a:spcPts val="0"/>
+                </a:spcBef>
+                <a:spcAft>
+                  <a:spcPts val="0"/>
+                </a:spcAft>
+                <a:buNone/>
+              </a:pPr>
+              <a:endParaRPr/>
+            </a:p>
+          </p:txBody>
+        </p:sp>
+        <p:sp>
+          <p:nvSpPr>
+            <p:cNvPr id="447" name="Google Shape;447;p35"/>
+            <p:cNvSpPr/>
+            <p:nvPr/>
+          </p:nvSpPr>
+          <p:spPr>
+            <a:xfrm>
+              <a:off x="1299972" y="1500450"/>
+              <a:ext cx="490621" cy="356872"/>
+            </a:xfrm>
+            <a:custGeom>
+              <a:avLst/>
+              <a:gdLst/>
+              <a:ahLst/>
+              <a:cxnLst/>
+              <a:rect l="l" t="t" r="r" b="b"/>
+              <a:pathLst>
+                <a:path w="18396" h="2775" extrusionOk="0">
+                  <a:moveTo>
+                    <a:pt x="0" y="0"/>
+                  </a:moveTo>
+                  <a:lnTo>
+                    <a:pt x="0" y="2774"/>
+                  </a:lnTo>
+                  <a:lnTo>
+                    <a:pt x="18396" y="2774"/>
+                  </a:lnTo>
+                  <a:lnTo>
+                    <a:pt x="18396" y="0"/>
+                  </a:lnTo>
+                  <a:close/>
+                </a:path>
+              </a:pathLst>
+            </a:custGeom>
+            <a:solidFill>
+              <a:srgbClr val="FFFFFF">
+                <a:alpha val="6270"/>
+              </a:srgbClr>
+            </a:solidFill>
+            <a:ln>
+              <a:noFill/>
+            </a:ln>
+          </p:spPr>
+          <p:txBody>
+            <a:bodyPr spcFirstLastPara="1" wrap="square" lIns="91425" tIns="91425" rIns="91425" bIns="91425" anchor="ctr" anchorCtr="0">
+              <a:noAutofit/>
+            </a:bodyPr>
+            <a:lstStyle/>
+            <a:p>
+              <a:pPr marL="0" lvl="0" indent="0" algn="l" rtl="0">
+                <a:spcBef>
+                  <a:spcPts val="0"/>
+                </a:spcBef>
+                <a:spcAft>
+                  <a:spcPts val="0"/>
+                </a:spcAft>
+                <a:buNone/>
+              </a:pPr>
+              <a:endParaRPr/>
+            </a:p>
+          </p:txBody>
+        </p:sp>
+      </p:grpSp>
+      <p:sp>
+        <p:nvSpPr>
+          <p:cNvPr id="7" name="Google Shape;394;p34">
+            <a:extLst>
+              <a:ext uri="{FF2B5EF4-FFF2-40B4-BE49-F238E27FC236}">
+                <a16:creationId xmlns:a16="http://schemas.microsoft.com/office/drawing/2014/main" id="{B538697F-8EB4-0D7A-6BB2-7BF327CADA7A}"/>
+              </a:ext>
+            </a:extLst>
+          </p:cNvPr>
+          <p:cNvSpPr txBox="1">
+            <a:spLocks/>
+          </p:cNvSpPr>
+          <p:nvPr/>
+        </p:nvSpPr>
+        <p:spPr>
+          <a:xfrm flipH="1">
+            <a:off x="1731802" y="1897175"/>
+            <a:ext cx="5680396" cy="1992284"/>
+          </a:xfrm>
+          <a:prstGeom prst="rect">
+            <a:avLst/>
+          </a:prstGeom>
+          <a:noFill/>
+          <a:ln>
+            <a:noFill/>
+          </a:ln>
+        </p:spPr>
+        <p:txBody>
+          <a:bodyPr spcFirstLastPara="1" wrap="square" lIns="91425" tIns="0" rIns="91425" bIns="0" anchor="b" anchorCtr="0">
+            <a:noAutofit/>
+          </a:bodyPr>
+          <a:lstStyle>
+            <a:defPPr marR="0" lvl="0" algn="l" rtl="0">
+              <a:lnSpc>
+                <a:spcPct val="100000"/>
+              </a:lnSpc>
+              <a:spcBef>
+                <a:spcPts val="0"/>
+              </a:spcBef>
+              <a:spcAft>
+                <a:spcPts val="0"/>
+              </a:spcAft>
+            </a:defPPr>
+            <a:lvl1pPr marR="0" lvl="0" algn="l" rtl="0">
+              <a:lnSpc>
+                <a:spcPct val="100000"/>
+              </a:lnSpc>
+              <a:spcBef>
+                <a:spcPts val="0"/>
+              </a:spcBef>
+              <a:spcAft>
+                <a:spcPts val="0"/>
+              </a:spcAft>
+              <a:buClr>
+                <a:schemeClr val="lt1"/>
+              </a:buClr>
+              <a:buSzPts val="2400"/>
+              <a:buFont typeface="Overpass Mono"/>
+              <a:buNone/>
+              <a:defRPr sz="2200" b="1" i="0" u="none" strike="noStrike" cap="none">
+                <a:solidFill>
+                  <a:schemeClr val="lt1"/>
+                </a:solidFill>
+                <a:latin typeface="Overpass Mono"/>
+                <a:ea typeface="Overpass Mono"/>
+                <a:cs typeface="Overpass Mono"/>
+                <a:sym typeface="Overpass Mono"/>
+              </a:defRPr>
+            </a:lvl1pPr>
+            <a:lvl2pPr marR="0" lvl="1" algn="ctr" rtl="0">
+              <a:lnSpc>
+                <a:spcPct val="100000"/>
+              </a:lnSpc>
+              <a:spcBef>
+                <a:spcPts val="0"/>
+              </a:spcBef>
+              <a:spcAft>
+                <a:spcPts val="0"/>
+              </a:spcAft>
+              <a:buClr>
+                <a:schemeClr val="lt1"/>
+              </a:buClr>
+              <a:buSzPts val="1800"/>
+              <a:buFont typeface="Arial"/>
+              <a:buNone/>
+              <a:defRPr sz="1800" b="0" i="0" u="none" strike="noStrike" cap="none">
+                <a:solidFill>
+                  <a:schemeClr val="lt1"/>
+                </a:solidFill>
+                <a:latin typeface="Arial"/>
+                <a:ea typeface="Arial"/>
+                <a:cs typeface="Arial"/>
+                <a:sym typeface="Arial"/>
+              </a:defRPr>
+            </a:lvl2pPr>
+            <a:lvl3pPr marR="0" lvl="2" algn="ctr" rtl="0">
+              <a:lnSpc>
+                <a:spcPct val="100000"/>
+              </a:lnSpc>
+              <a:spcBef>
+                <a:spcPts val="0"/>
+              </a:spcBef>
+              <a:spcAft>
+                <a:spcPts val="0"/>
+              </a:spcAft>
+              <a:buClr>
+                <a:schemeClr val="lt1"/>
+              </a:buClr>
+              <a:buSzPts val="1800"/>
+              <a:buFont typeface="Arial"/>
+              <a:buNone/>
+              <a:defRPr sz="1800" b="0" i="0" u="none" strike="noStrike" cap="none">
+                <a:solidFill>
+                  <a:schemeClr val="lt1"/>
+                </a:solidFill>
+                <a:latin typeface="Arial"/>
+                <a:ea typeface="Arial"/>
+                <a:cs typeface="Arial"/>
+                <a:sym typeface="Arial"/>
+              </a:defRPr>
+            </a:lvl3pPr>
+            <a:lvl4pPr marR="0" lvl="3" algn="ctr" rtl="0">
+              <a:lnSpc>
+                <a:spcPct val="100000"/>
+              </a:lnSpc>
+              <a:spcBef>
+                <a:spcPts val="0"/>
+              </a:spcBef>
+              <a:spcAft>
+                <a:spcPts val="0"/>
+              </a:spcAft>
+              <a:buClr>
+                <a:schemeClr val="lt1"/>
+              </a:buClr>
+              <a:buSzPts val="1800"/>
+              <a:buFont typeface="Arial"/>
+              <a:buNone/>
+              <a:defRPr sz="1800" b="0" i="0" u="none" strike="noStrike" cap="none">
+                <a:solidFill>
+                  <a:schemeClr val="lt1"/>
+                </a:solidFill>
+                <a:latin typeface="Arial"/>
+                <a:ea typeface="Arial"/>
+                <a:cs typeface="Arial"/>
+                <a:sym typeface="Arial"/>
+              </a:defRPr>
+            </a:lvl4pPr>
+            <a:lvl5pPr marR="0" lvl="4" algn="ctr" rtl="0">
+              <a:lnSpc>
+                <a:spcPct val="100000"/>
+              </a:lnSpc>
+              <a:spcBef>
+                <a:spcPts val="0"/>
+              </a:spcBef>
+              <a:spcAft>
+                <a:spcPts val="0"/>
+              </a:spcAft>
+              <a:buClr>
+                <a:schemeClr val="lt1"/>
+              </a:buClr>
+              <a:buSzPts val="1800"/>
+              <a:buFont typeface="Arial"/>
+              <a:buNone/>
+              <a:defRPr sz="1800" b="0" i="0" u="none" strike="noStrike" cap="none">
+                <a:solidFill>
+                  <a:schemeClr val="lt1"/>
+                </a:solidFill>
+                <a:latin typeface="Arial"/>
+                <a:ea typeface="Arial"/>
+                <a:cs typeface="Arial"/>
+                <a:sym typeface="Arial"/>
+              </a:defRPr>
+            </a:lvl5pPr>
+            <a:lvl6pPr marR="0" lvl="5" algn="ctr" rtl="0">
+              <a:lnSpc>
+                <a:spcPct val="100000"/>
+              </a:lnSpc>
+              <a:spcBef>
+                <a:spcPts val="0"/>
+              </a:spcBef>
+              <a:spcAft>
+                <a:spcPts val="0"/>
+              </a:spcAft>
+              <a:buClr>
+                <a:schemeClr val="lt1"/>
+              </a:buClr>
+              <a:buSzPts val="1800"/>
+              <a:buFont typeface="Arial"/>
+              <a:buNone/>
+              <a:defRPr sz="1800" b="0" i="0" u="none" strike="noStrike" cap="none">
+                <a:solidFill>
+                  <a:schemeClr val="lt1"/>
+                </a:solidFill>
+                <a:latin typeface="Arial"/>
+                <a:ea typeface="Arial"/>
+                <a:cs typeface="Arial"/>
+                <a:sym typeface="Arial"/>
+              </a:defRPr>
+            </a:lvl6pPr>
+            <a:lvl7pPr marR="0" lvl="6" algn="ctr" rtl="0">
+              <a:lnSpc>
+                <a:spcPct val="100000"/>
+              </a:lnSpc>
+              <a:spcBef>
+                <a:spcPts val="0"/>
+              </a:spcBef>
+              <a:spcAft>
+                <a:spcPts val="0"/>
+              </a:spcAft>
+              <a:buClr>
+                <a:schemeClr val="lt1"/>
+              </a:buClr>
+              <a:buSzPts val="1800"/>
+              <a:buFont typeface="Arial"/>
+              <a:buNone/>
+              <a:defRPr sz="1800" b="0" i="0" u="none" strike="noStrike" cap="none">
+                <a:solidFill>
+                  <a:schemeClr val="lt1"/>
+                </a:solidFill>
+                <a:latin typeface="Arial"/>
+                <a:ea typeface="Arial"/>
+                <a:cs typeface="Arial"/>
+                <a:sym typeface="Arial"/>
+              </a:defRPr>
+            </a:lvl7pPr>
+            <a:lvl8pPr marR="0" lvl="7" algn="ctr" rtl="0">
+              <a:lnSpc>
+                <a:spcPct val="100000"/>
+              </a:lnSpc>
+              <a:spcBef>
+                <a:spcPts val="0"/>
+              </a:spcBef>
+              <a:spcAft>
+                <a:spcPts val="0"/>
+              </a:spcAft>
+              <a:buClr>
+                <a:schemeClr val="lt1"/>
+              </a:buClr>
+              <a:buSzPts val="1800"/>
+              <a:buFont typeface="Arial"/>
+              <a:buNone/>
+              <a:defRPr sz="1800" b="0" i="0" u="none" strike="noStrike" cap="none">
+                <a:solidFill>
+                  <a:schemeClr val="lt1"/>
+                </a:solidFill>
+                <a:latin typeface="Arial"/>
+                <a:ea typeface="Arial"/>
+                <a:cs typeface="Arial"/>
+                <a:sym typeface="Arial"/>
+              </a:defRPr>
+            </a:lvl8pPr>
+            <a:lvl9pPr marR="0" lvl="8" algn="ctr" rtl="0">
+              <a:lnSpc>
+                <a:spcPct val="100000"/>
+              </a:lnSpc>
+              <a:spcBef>
+                <a:spcPts val="0"/>
+              </a:spcBef>
+              <a:spcAft>
+                <a:spcPts val="0"/>
+              </a:spcAft>
+              <a:buClr>
+                <a:schemeClr val="lt1"/>
+              </a:buClr>
+              <a:buSzPts val="1800"/>
+              <a:buFont typeface="Arial"/>
+              <a:buNone/>
+              <a:defRPr sz="1800" b="0" i="0" u="none" strike="noStrike" cap="none">
+                <a:solidFill>
+                  <a:schemeClr val="lt1"/>
+                </a:solidFill>
+                <a:latin typeface="Arial"/>
+                <a:ea typeface="Arial"/>
+                <a:cs typeface="Arial"/>
+                <a:sym typeface="Arial"/>
+              </a:defRPr>
+            </a:lvl9pPr>
+          </a:lstStyle>
+          <a:p>
+            <a:r>
+              <a:rPr lang="el-GR" dirty="0"/>
+              <a:t>η </a:t>
+            </a:r>
+            <a:r>
+              <a:rPr lang="el-GR" dirty="0" err="1"/>
+              <a:t>elif</a:t>
+            </a:r>
+            <a:r>
+              <a:rPr lang="el-GR" dirty="0"/>
+              <a:t> χρησιμοποιείται σαν να λέμε: "Αν το προηγούμενο που τσεκάραμε ήταν λάθος, τσέκαρε αυτό"</a:t>
+            </a:r>
+          </a:p>
+        </p:txBody>
+      </p:sp>
+    </p:spTree>
+    <p:extLst>
+      <p:ext uri="{BB962C8B-B14F-4D97-AF65-F5344CB8AC3E}">
+        <p14:creationId xmlns:p14="http://schemas.microsoft.com/office/powerpoint/2010/main" val="4273460074"/>
+      </p:ext>
+    </p:extLst>
+  </p:cSld>
+  <p:clrMapOvr>
+    <a:masterClrMapping/>
+  </p:clrMapOvr>
+</p:sld>
+</file>
+
+<file path=ppt/slides/slide11.xml><?xml version="1.0" encoding="utf-8"?>
+<p:sld xmlns:a="http://schemas.openxmlformats.org/drawingml/2006/main" xmlns:r="http://schemas.openxmlformats.org/officeDocument/2006/relationships" xmlns:p="http://schemas.openxmlformats.org/presentationml/2006/main">
+  <p:cSld>
+    <p:spTree>
+      <p:nvGrpSpPr>
+        <p:cNvPr id="1" name="Shape 431"/>
+        <p:cNvGrpSpPr/>
+        <p:nvPr/>
+      </p:nvGrpSpPr>
+      <p:grpSpPr>
+        <a:xfrm>
+          <a:off x="0" y="0"/>
+          <a:ext cx="0" cy="0"/>
+          <a:chOff x="0" y="0"/>
+          <a:chExt cx="0" cy="0"/>
+        </a:xfrm>
+      </p:grpSpPr>
+      <p:sp>
+        <p:nvSpPr>
+          <p:cNvPr id="434" name="Google Shape;434;p35"/>
+          <p:cNvSpPr txBox="1">
+            <a:spLocks noGrp="1"/>
+          </p:cNvSpPr>
+          <p:nvPr>
+            <p:ph type="title"/>
+          </p:nvPr>
+        </p:nvSpPr>
+        <p:spPr>
+          <a:xfrm>
+            <a:off x="1278000" y="343200"/>
+            <a:ext cx="6588000" cy="669000"/>
+          </a:xfrm>
+          <a:prstGeom prst="rect">
+            <a:avLst/>
+          </a:prstGeom>
+        </p:spPr>
+        <p:txBody>
+          <a:bodyPr spcFirstLastPara="1" wrap="square" lIns="91425" tIns="91425" rIns="91425" bIns="91425" anchor="t" anchorCtr="0">
+            <a:noAutofit/>
+          </a:bodyPr>
+          <a:lstStyle/>
+          <a:p>
+            <a:pPr marL="0" lvl="0" indent="0" algn="ctr" rtl="0">
+              <a:spcBef>
+                <a:spcPts val="0"/>
+              </a:spcBef>
+              <a:spcAft>
+                <a:spcPts val="0"/>
+              </a:spcAft>
+              <a:buNone/>
+            </a:pPr>
+            <a:r>
+              <a:rPr lang="en-US" dirty="0"/>
+              <a:t>Else</a:t>
+            </a:r>
+          </a:p>
+        </p:txBody>
+      </p:sp>
+      <p:grpSp>
+        <p:nvGrpSpPr>
+          <p:cNvPr id="437" name="Google Shape;437;p35"/>
+          <p:cNvGrpSpPr/>
+          <p:nvPr/>
+        </p:nvGrpSpPr>
+        <p:grpSpPr>
+          <a:xfrm>
+            <a:off x="6739789" y="2872050"/>
+            <a:ext cx="2404115" cy="2123775"/>
+            <a:chOff x="6739789" y="1500450"/>
+            <a:chExt cx="2404115" cy="2123775"/>
+          </a:xfrm>
+        </p:grpSpPr>
+        <p:sp>
+          <p:nvSpPr>
+            <p:cNvPr id="438" name="Google Shape;438;p35"/>
+            <p:cNvSpPr/>
+            <p:nvPr/>
+          </p:nvSpPr>
+          <p:spPr>
+            <a:xfrm>
+              <a:off x="7377200" y="2089950"/>
+              <a:ext cx="1766704" cy="356851"/>
+            </a:xfrm>
+            <a:custGeom>
+              <a:avLst/>
+              <a:gdLst/>
+              <a:ahLst/>
+              <a:cxnLst/>
+              <a:rect l="l" t="t" r="r" b="b"/>
+              <a:pathLst>
+                <a:path w="15325" h="2775" extrusionOk="0">
+                  <a:moveTo>
+                    <a:pt x="1" y="0"/>
+                  </a:moveTo>
+                  <a:lnTo>
+                    <a:pt x="1" y="2774"/>
+                  </a:lnTo>
+                  <a:lnTo>
+                    <a:pt x="15324" y="2774"/>
+                  </a:lnTo>
+                  <a:lnTo>
+                    <a:pt x="15324" y="0"/>
+                  </a:lnTo>
+                  <a:close/>
+                </a:path>
+              </a:pathLst>
+            </a:custGeom>
+            <a:solidFill>
+              <a:srgbClr val="FFFFFF">
+                <a:alpha val="12549"/>
+              </a:srgbClr>
+            </a:solidFill>
+            <a:ln>
+              <a:noFill/>
+            </a:ln>
+          </p:spPr>
+          <p:txBody>
+            <a:bodyPr spcFirstLastPara="1" wrap="square" lIns="91425" tIns="91425" rIns="91425" bIns="91425" anchor="ctr" anchorCtr="0">
+              <a:noAutofit/>
+            </a:bodyPr>
+            <a:lstStyle/>
+            <a:p>
+              <a:pPr marL="0" lvl="0" indent="0" algn="l" rtl="0">
+                <a:spcBef>
+                  <a:spcPts val="0"/>
+                </a:spcBef>
+                <a:spcAft>
+                  <a:spcPts val="0"/>
+                </a:spcAft>
+                <a:buNone/>
+              </a:pPr>
+              <a:endParaRPr/>
+            </a:p>
+          </p:txBody>
+        </p:sp>
+        <p:sp>
+          <p:nvSpPr>
+            <p:cNvPr id="439" name="Google Shape;439;p35"/>
+            <p:cNvSpPr/>
+            <p:nvPr/>
+          </p:nvSpPr>
+          <p:spPr>
+            <a:xfrm>
+              <a:off x="6810278" y="1500450"/>
+              <a:ext cx="1104154" cy="356872"/>
+            </a:xfrm>
+            <a:custGeom>
+              <a:avLst/>
+              <a:gdLst/>
+              <a:ahLst/>
+              <a:cxnLst/>
+              <a:rect l="l" t="t" r="r" b="b"/>
+              <a:pathLst>
+                <a:path w="18027" h="2775" extrusionOk="0">
+                  <a:moveTo>
+                    <a:pt x="0" y="0"/>
+                  </a:moveTo>
+                  <a:lnTo>
+                    <a:pt x="0" y="2774"/>
+                  </a:lnTo>
+                  <a:lnTo>
+                    <a:pt x="18026" y="2774"/>
+                  </a:lnTo>
+                  <a:lnTo>
+                    <a:pt x="18026" y="0"/>
+                  </a:lnTo>
+                  <a:close/>
+                </a:path>
+              </a:pathLst>
+            </a:custGeom>
+            <a:solidFill>
+              <a:srgbClr val="FFFFFF">
+                <a:alpha val="6270"/>
+              </a:srgbClr>
+            </a:solidFill>
+            <a:ln>
+              <a:noFill/>
+            </a:ln>
+          </p:spPr>
+          <p:txBody>
+            <a:bodyPr spcFirstLastPara="1" wrap="square" lIns="91425" tIns="91425" rIns="91425" bIns="91425" anchor="ctr" anchorCtr="0">
+              <a:noAutofit/>
+            </a:bodyPr>
+            <a:lstStyle/>
+            <a:p>
+              <a:pPr marL="0" lvl="0" indent="0" algn="l" rtl="0">
+                <a:spcBef>
+                  <a:spcPts val="0"/>
+                </a:spcBef>
+                <a:spcAft>
+                  <a:spcPts val="0"/>
+                </a:spcAft>
+                <a:buNone/>
+              </a:pPr>
+              <a:endParaRPr/>
+            </a:p>
+          </p:txBody>
+        </p:sp>
+        <p:sp>
+          <p:nvSpPr>
+            <p:cNvPr id="440" name="Google Shape;440;p35"/>
+            <p:cNvSpPr/>
+            <p:nvPr/>
+          </p:nvSpPr>
+          <p:spPr>
+            <a:xfrm>
+              <a:off x="6896029" y="2679300"/>
+              <a:ext cx="2247805" cy="355450"/>
+            </a:xfrm>
+            <a:custGeom>
+              <a:avLst/>
+              <a:gdLst/>
+              <a:ahLst/>
+              <a:cxnLst/>
+              <a:rect l="l" t="t" r="r" b="b"/>
+              <a:pathLst>
+                <a:path w="12872" h="2764" extrusionOk="0">
+                  <a:moveTo>
+                    <a:pt x="1" y="1"/>
+                  </a:moveTo>
+                  <a:lnTo>
+                    <a:pt x="1" y="2763"/>
+                  </a:lnTo>
+                  <a:lnTo>
+                    <a:pt x="12871" y="2763"/>
+                  </a:lnTo>
+                  <a:lnTo>
+                    <a:pt x="12871" y="1"/>
+                  </a:lnTo>
+                  <a:close/>
+                </a:path>
+              </a:pathLst>
+            </a:custGeom>
+            <a:solidFill>
+              <a:srgbClr val="FFFFFF">
+                <a:alpha val="6270"/>
+              </a:srgbClr>
+            </a:solidFill>
+            <a:ln>
+              <a:noFill/>
+            </a:ln>
+          </p:spPr>
+          <p:txBody>
+            <a:bodyPr spcFirstLastPara="1" wrap="square" lIns="91425" tIns="91425" rIns="91425" bIns="91425" anchor="ctr" anchorCtr="0">
+              <a:noAutofit/>
+            </a:bodyPr>
+            <a:lstStyle/>
+            <a:p>
+              <a:pPr marL="0" lvl="0" indent="0" algn="l" rtl="0">
+                <a:spcBef>
+                  <a:spcPts val="0"/>
+                </a:spcBef>
+                <a:spcAft>
+                  <a:spcPts val="0"/>
+                </a:spcAft>
+                <a:buNone/>
+              </a:pPr>
+              <a:endParaRPr/>
+            </a:p>
+          </p:txBody>
+        </p:sp>
+        <p:sp>
+          <p:nvSpPr>
+            <p:cNvPr id="441" name="Google Shape;441;p35"/>
+            <p:cNvSpPr/>
+            <p:nvPr/>
+          </p:nvSpPr>
+          <p:spPr>
+            <a:xfrm>
+              <a:off x="8105579" y="1500450"/>
+              <a:ext cx="1038298" cy="356872"/>
+            </a:xfrm>
+            <a:custGeom>
+              <a:avLst/>
+              <a:gdLst/>
+              <a:ahLst/>
+              <a:cxnLst/>
+              <a:rect l="l" t="t" r="r" b="b"/>
+              <a:pathLst>
+                <a:path w="2882" h="2775" extrusionOk="0">
+                  <a:moveTo>
+                    <a:pt x="1" y="0"/>
+                  </a:moveTo>
+                  <a:lnTo>
+                    <a:pt x="1" y="2774"/>
+                  </a:lnTo>
+                  <a:lnTo>
+                    <a:pt x="2882" y="2774"/>
+                  </a:lnTo>
+                  <a:lnTo>
+                    <a:pt x="2882" y="0"/>
+                  </a:lnTo>
+                  <a:close/>
+                </a:path>
+              </a:pathLst>
+            </a:custGeom>
+            <a:solidFill>
+              <a:srgbClr val="FFFFFF">
+                <a:alpha val="56470"/>
+              </a:srgbClr>
+            </a:solidFill>
+            <a:ln>
+              <a:noFill/>
+            </a:ln>
+          </p:spPr>
+          <p:txBody>
+            <a:bodyPr spcFirstLastPara="1" wrap="square" lIns="91425" tIns="91425" rIns="91425" bIns="91425" anchor="ctr" anchorCtr="0">
+              <a:noAutofit/>
+            </a:bodyPr>
+            <a:lstStyle/>
+            <a:p>
+              <a:pPr marL="0" lvl="0" indent="0" algn="l" rtl="0">
+                <a:spcBef>
+                  <a:spcPts val="0"/>
+                </a:spcBef>
+                <a:spcAft>
+                  <a:spcPts val="0"/>
+                </a:spcAft>
+                <a:buNone/>
+              </a:pPr>
+              <a:endParaRPr/>
+            </a:p>
+          </p:txBody>
+        </p:sp>
+        <p:sp>
+          <p:nvSpPr>
+            <p:cNvPr id="442" name="Google Shape;442;p35"/>
+            <p:cNvSpPr/>
+            <p:nvPr/>
+          </p:nvSpPr>
+          <p:spPr>
+            <a:xfrm>
+              <a:off x="6739789" y="3268775"/>
+              <a:ext cx="1104128" cy="355450"/>
+            </a:xfrm>
+            <a:custGeom>
+              <a:avLst/>
+              <a:gdLst/>
+              <a:ahLst/>
+              <a:cxnLst/>
+              <a:rect l="l" t="t" r="r" b="b"/>
+              <a:pathLst>
+                <a:path w="18396" h="2764" extrusionOk="0">
+                  <a:moveTo>
+                    <a:pt x="1" y="1"/>
+                  </a:moveTo>
+                  <a:lnTo>
+                    <a:pt x="1" y="2763"/>
+                  </a:lnTo>
+                  <a:lnTo>
+                    <a:pt x="18396" y="2763"/>
+                  </a:lnTo>
+                  <a:lnTo>
+                    <a:pt x="18396" y="1"/>
+                  </a:lnTo>
+                  <a:close/>
+                </a:path>
+              </a:pathLst>
+            </a:custGeom>
+            <a:solidFill>
+              <a:srgbClr val="FFFFFF">
+                <a:alpha val="6270"/>
+              </a:srgbClr>
+            </a:solidFill>
+            <a:ln>
+              <a:noFill/>
+            </a:ln>
+          </p:spPr>
+          <p:txBody>
+            <a:bodyPr spcFirstLastPara="1" wrap="square" lIns="91425" tIns="91425" rIns="91425" bIns="91425" anchor="ctr" anchorCtr="0">
+              <a:noAutofit/>
+            </a:bodyPr>
+            <a:lstStyle/>
+            <a:p>
+              <a:pPr marL="0" lvl="0" indent="0" algn="l" rtl="0">
+                <a:spcBef>
+                  <a:spcPts val="0"/>
+                </a:spcBef>
+                <a:spcAft>
+                  <a:spcPts val="0"/>
+                </a:spcAft>
+                <a:buNone/>
+              </a:pPr>
+              <a:endParaRPr/>
+            </a:p>
+          </p:txBody>
+        </p:sp>
+      </p:grpSp>
+      <p:grpSp>
+        <p:nvGrpSpPr>
+          <p:cNvPr id="443" name="Google Shape;443;p35"/>
+          <p:cNvGrpSpPr/>
+          <p:nvPr/>
+        </p:nvGrpSpPr>
+        <p:grpSpPr>
+          <a:xfrm>
+            <a:off x="10" y="128850"/>
+            <a:ext cx="2428766" cy="2123775"/>
+            <a:chOff x="10" y="1500450"/>
+            <a:chExt cx="2428766" cy="2123775"/>
+          </a:xfrm>
+        </p:grpSpPr>
+        <p:sp>
+          <p:nvSpPr>
+            <p:cNvPr id="444" name="Google Shape;444;p35"/>
+            <p:cNvSpPr/>
+            <p:nvPr/>
+          </p:nvSpPr>
+          <p:spPr>
+            <a:xfrm>
+              <a:off x="357025" y="2089950"/>
+              <a:ext cx="2071751" cy="356851"/>
+            </a:xfrm>
+            <a:custGeom>
+              <a:avLst/>
+              <a:gdLst/>
+              <a:ahLst/>
+              <a:cxnLst/>
+              <a:rect l="l" t="t" r="r" b="b"/>
+              <a:pathLst>
+                <a:path w="4300" h="2775" extrusionOk="0">
+                  <a:moveTo>
+                    <a:pt x="1" y="0"/>
+                  </a:moveTo>
+                  <a:lnTo>
+                    <a:pt x="1" y="2774"/>
+                  </a:lnTo>
+                  <a:lnTo>
+                    <a:pt x="4299" y="2774"/>
+                  </a:lnTo>
+                  <a:lnTo>
+                    <a:pt x="4299" y="0"/>
+                  </a:lnTo>
+                  <a:close/>
+                </a:path>
+              </a:pathLst>
+            </a:custGeom>
+            <a:solidFill>
+              <a:srgbClr val="FFFFFF">
+                <a:alpha val="1960"/>
+              </a:srgbClr>
+            </a:solidFill>
+            <a:ln>
+              <a:noFill/>
+            </a:ln>
+          </p:spPr>
+          <p:txBody>
+            <a:bodyPr spcFirstLastPara="1" wrap="square" lIns="91425" tIns="91425" rIns="91425" bIns="91425" anchor="ctr" anchorCtr="0">
+              <a:noAutofit/>
+            </a:bodyPr>
+            <a:lstStyle/>
+            <a:p>
+              <a:pPr marL="0" lvl="0" indent="0" algn="l" rtl="0">
+                <a:spcBef>
+                  <a:spcPts val="0"/>
+                </a:spcBef>
+                <a:spcAft>
+                  <a:spcPts val="0"/>
+                </a:spcAft>
+                <a:buNone/>
+              </a:pPr>
+              <a:endParaRPr/>
+            </a:p>
+          </p:txBody>
+        </p:sp>
+        <p:sp>
+          <p:nvSpPr>
+            <p:cNvPr id="445" name="Google Shape;445;p35"/>
+            <p:cNvSpPr/>
+            <p:nvPr/>
+          </p:nvSpPr>
+          <p:spPr>
+            <a:xfrm>
+              <a:off x="18" y="3268775"/>
+              <a:ext cx="1038298" cy="355450"/>
+            </a:xfrm>
+            <a:custGeom>
+              <a:avLst/>
+              <a:gdLst/>
+              <a:ahLst/>
+              <a:cxnLst/>
+              <a:rect l="l" t="t" r="r" b="b"/>
+              <a:pathLst>
+                <a:path w="2882" h="2764" extrusionOk="0">
+                  <a:moveTo>
+                    <a:pt x="0" y="1"/>
+                  </a:moveTo>
+                  <a:lnTo>
+                    <a:pt x="0" y="2763"/>
+                  </a:lnTo>
+                  <a:lnTo>
+                    <a:pt x="2881" y="2763"/>
+                  </a:lnTo>
+                  <a:lnTo>
+                    <a:pt x="2881" y="1"/>
+                  </a:lnTo>
+                  <a:close/>
+                </a:path>
+              </a:pathLst>
+            </a:custGeom>
+            <a:solidFill>
+              <a:srgbClr val="FFFFFF">
+                <a:alpha val="50199"/>
+              </a:srgbClr>
+            </a:solidFill>
+            <a:ln>
+              <a:noFill/>
+            </a:ln>
+          </p:spPr>
+          <p:txBody>
+            <a:bodyPr spcFirstLastPara="1" wrap="square" lIns="91425" tIns="91425" rIns="91425" bIns="91425" anchor="ctr" anchorCtr="0">
+              <a:noAutofit/>
+            </a:bodyPr>
+            <a:lstStyle/>
+            <a:p>
+              <a:pPr marL="0" lvl="0" indent="0" algn="l" rtl="0">
+                <a:spcBef>
+                  <a:spcPts val="0"/>
+                </a:spcBef>
+                <a:spcAft>
+                  <a:spcPts val="0"/>
+                </a:spcAft>
+                <a:buNone/>
+              </a:pPr>
+              <a:endParaRPr/>
+            </a:p>
+          </p:txBody>
+        </p:sp>
+        <p:sp>
+          <p:nvSpPr>
+            <p:cNvPr id="446" name="Google Shape;446;p35"/>
+            <p:cNvSpPr/>
+            <p:nvPr/>
+          </p:nvSpPr>
+          <p:spPr>
+            <a:xfrm>
+              <a:off x="10" y="1500456"/>
+              <a:ext cx="1104138" cy="356858"/>
+            </a:xfrm>
+            <a:custGeom>
+              <a:avLst/>
+              <a:gdLst/>
+              <a:ahLst/>
+              <a:cxnLst/>
+              <a:rect l="l" t="t" r="r" b="b"/>
+              <a:pathLst>
+                <a:path w="8586" h="2775" extrusionOk="0">
+                  <a:moveTo>
+                    <a:pt x="1" y="0"/>
+                  </a:moveTo>
+                  <a:lnTo>
+                    <a:pt x="1" y="2774"/>
+                  </a:lnTo>
+                  <a:lnTo>
+                    <a:pt x="8585" y="2774"/>
+                  </a:lnTo>
+                  <a:lnTo>
+                    <a:pt x="8585" y="0"/>
+                  </a:lnTo>
+                  <a:close/>
+                </a:path>
+              </a:pathLst>
+            </a:custGeom>
+            <a:solidFill>
+              <a:srgbClr val="FFFFFF">
+                <a:alpha val="6270"/>
+              </a:srgbClr>
+            </a:solidFill>
+            <a:ln>
+              <a:noFill/>
+            </a:ln>
+          </p:spPr>
+          <p:txBody>
+            <a:bodyPr spcFirstLastPara="1" wrap="square" lIns="91425" tIns="91425" rIns="91425" bIns="91425" anchor="ctr" anchorCtr="0">
+              <a:noAutofit/>
+            </a:bodyPr>
+            <a:lstStyle/>
+            <a:p>
+              <a:pPr marL="0" lvl="0" indent="0" algn="l" rtl="0">
+                <a:spcBef>
+                  <a:spcPts val="0"/>
+                </a:spcBef>
+                <a:spcAft>
+                  <a:spcPts val="0"/>
+                </a:spcAft>
+                <a:buNone/>
+              </a:pPr>
+              <a:endParaRPr/>
+            </a:p>
+          </p:txBody>
+        </p:sp>
+        <p:sp>
+          <p:nvSpPr>
+            <p:cNvPr id="447" name="Google Shape;447;p35"/>
+            <p:cNvSpPr/>
+            <p:nvPr/>
+          </p:nvSpPr>
+          <p:spPr>
+            <a:xfrm>
+              <a:off x="1299972" y="1500450"/>
+              <a:ext cx="490621" cy="356872"/>
+            </a:xfrm>
+            <a:custGeom>
+              <a:avLst/>
+              <a:gdLst/>
+              <a:ahLst/>
+              <a:cxnLst/>
+              <a:rect l="l" t="t" r="r" b="b"/>
+              <a:pathLst>
+                <a:path w="18396" h="2775" extrusionOk="0">
+                  <a:moveTo>
+                    <a:pt x="0" y="0"/>
+                  </a:moveTo>
+                  <a:lnTo>
+                    <a:pt x="0" y="2774"/>
+                  </a:lnTo>
+                  <a:lnTo>
+                    <a:pt x="18396" y="2774"/>
+                  </a:lnTo>
+                  <a:lnTo>
+                    <a:pt x="18396" y="0"/>
+                  </a:lnTo>
+                  <a:close/>
+                </a:path>
+              </a:pathLst>
+            </a:custGeom>
+            <a:solidFill>
+              <a:srgbClr val="FFFFFF">
+                <a:alpha val="6270"/>
+              </a:srgbClr>
+            </a:solidFill>
+            <a:ln>
+              <a:noFill/>
+            </a:ln>
+          </p:spPr>
+          <p:txBody>
+            <a:bodyPr spcFirstLastPara="1" wrap="square" lIns="91425" tIns="91425" rIns="91425" bIns="91425" anchor="ctr" anchorCtr="0">
+              <a:noAutofit/>
+            </a:bodyPr>
+            <a:lstStyle/>
+            <a:p>
+              <a:pPr marL="0" lvl="0" indent="0" algn="l" rtl="0">
+                <a:spcBef>
+                  <a:spcPts val="0"/>
+                </a:spcBef>
+                <a:spcAft>
+                  <a:spcPts val="0"/>
+                </a:spcAft>
+                <a:buNone/>
+              </a:pPr>
+              <a:endParaRPr/>
+            </a:p>
+          </p:txBody>
+        </p:sp>
+      </p:grpSp>
+      <p:sp>
+        <p:nvSpPr>
+          <p:cNvPr id="7" name="Google Shape;394;p34">
+            <a:extLst>
+              <a:ext uri="{FF2B5EF4-FFF2-40B4-BE49-F238E27FC236}">
+                <a16:creationId xmlns:a16="http://schemas.microsoft.com/office/drawing/2014/main" id="{B538697F-8EB4-0D7A-6BB2-7BF327CADA7A}"/>
+              </a:ext>
+            </a:extLst>
+          </p:cNvPr>
+          <p:cNvSpPr txBox="1">
+            <a:spLocks/>
+          </p:cNvSpPr>
+          <p:nvPr/>
+        </p:nvSpPr>
+        <p:spPr>
+          <a:xfrm flipH="1">
+            <a:off x="1731802" y="1897175"/>
+            <a:ext cx="5680396" cy="1992284"/>
+          </a:xfrm>
+          <a:prstGeom prst="rect">
+            <a:avLst/>
+          </a:prstGeom>
+          <a:noFill/>
+          <a:ln>
+            <a:noFill/>
+          </a:ln>
+        </p:spPr>
+        <p:txBody>
+          <a:bodyPr spcFirstLastPara="1" wrap="square" lIns="91425" tIns="0" rIns="91425" bIns="0" anchor="b" anchorCtr="0">
+            <a:noAutofit/>
+          </a:bodyPr>
+          <a:lstStyle>
+            <a:defPPr marR="0" lvl="0" algn="l" rtl="0">
+              <a:lnSpc>
+                <a:spcPct val="100000"/>
+              </a:lnSpc>
+              <a:spcBef>
+                <a:spcPts val="0"/>
+              </a:spcBef>
+              <a:spcAft>
+                <a:spcPts val="0"/>
+              </a:spcAft>
+            </a:defPPr>
+            <a:lvl1pPr marR="0" lvl="0" algn="l" rtl="0">
+              <a:lnSpc>
+                <a:spcPct val="100000"/>
+              </a:lnSpc>
+              <a:spcBef>
+                <a:spcPts val="0"/>
+              </a:spcBef>
+              <a:spcAft>
+                <a:spcPts val="0"/>
+              </a:spcAft>
+              <a:buClr>
+                <a:schemeClr val="lt1"/>
+              </a:buClr>
+              <a:buSzPts val="2400"/>
+              <a:buFont typeface="Overpass Mono"/>
+              <a:buNone/>
+              <a:defRPr sz="2200" b="1" i="0" u="none" strike="noStrike" cap="none">
+                <a:solidFill>
+                  <a:schemeClr val="lt1"/>
+                </a:solidFill>
+                <a:latin typeface="Overpass Mono"/>
+                <a:ea typeface="Overpass Mono"/>
+                <a:cs typeface="Overpass Mono"/>
+                <a:sym typeface="Overpass Mono"/>
+              </a:defRPr>
+            </a:lvl1pPr>
+            <a:lvl2pPr marR="0" lvl="1" algn="ctr" rtl="0">
+              <a:lnSpc>
+                <a:spcPct val="100000"/>
+              </a:lnSpc>
+              <a:spcBef>
+                <a:spcPts val="0"/>
+              </a:spcBef>
+              <a:spcAft>
+                <a:spcPts val="0"/>
+              </a:spcAft>
+              <a:buClr>
+                <a:schemeClr val="lt1"/>
+              </a:buClr>
+              <a:buSzPts val="1800"/>
+              <a:buFont typeface="Arial"/>
+              <a:buNone/>
+              <a:defRPr sz="1800" b="0" i="0" u="none" strike="noStrike" cap="none">
+                <a:solidFill>
+                  <a:schemeClr val="lt1"/>
+                </a:solidFill>
+                <a:latin typeface="Arial"/>
+                <a:ea typeface="Arial"/>
+                <a:cs typeface="Arial"/>
+                <a:sym typeface="Arial"/>
+              </a:defRPr>
+            </a:lvl2pPr>
+            <a:lvl3pPr marR="0" lvl="2" algn="ctr" rtl="0">
+              <a:lnSpc>
+                <a:spcPct val="100000"/>
+              </a:lnSpc>
+              <a:spcBef>
+                <a:spcPts val="0"/>
+              </a:spcBef>
+              <a:spcAft>
+                <a:spcPts val="0"/>
+              </a:spcAft>
+              <a:buClr>
+                <a:schemeClr val="lt1"/>
+              </a:buClr>
+              <a:buSzPts val="1800"/>
+              <a:buFont typeface="Arial"/>
+              <a:buNone/>
+              <a:defRPr sz="1800" b="0" i="0" u="none" strike="noStrike" cap="none">
+                <a:solidFill>
+                  <a:schemeClr val="lt1"/>
+                </a:solidFill>
+                <a:latin typeface="Arial"/>
+                <a:ea typeface="Arial"/>
+                <a:cs typeface="Arial"/>
+                <a:sym typeface="Arial"/>
+              </a:defRPr>
+            </a:lvl3pPr>
+            <a:lvl4pPr marR="0" lvl="3" algn="ctr" rtl="0">
+              <a:lnSpc>
+                <a:spcPct val="100000"/>
+              </a:lnSpc>
+              <a:spcBef>
+                <a:spcPts val="0"/>
+              </a:spcBef>
+              <a:spcAft>
+                <a:spcPts val="0"/>
+              </a:spcAft>
+              <a:buClr>
+                <a:schemeClr val="lt1"/>
+              </a:buClr>
+              <a:buSzPts val="1800"/>
+              <a:buFont typeface="Arial"/>
+              <a:buNone/>
+              <a:defRPr sz="1800" b="0" i="0" u="none" strike="noStrike" cap="none">
+                <a:solidFill>
+                  <a:schemeClr val="lt1"/>
+                </a:solidFill>
+                <a:latin typeface="Arial"/>
+                <a:ea typeface="Arial"/>
+                <a:cs typeface="Arial"/>
+                <a:sym typeface="Arial"/>
+              </a:defRPr>
+            </a:lvl4pPr>
+            <a:lvl5pPr marR="0" lvl="4" algn="ctr" rtl="0">
+              <a:lnSpc>
+                <a:spcPct val="100000"/>
+              </a:lnSpc>
+              <a:spcBef>
+                <a:spcPts val="0"/>
+              </a:spcBef>
+              <a:spcAft>
+                <a:spcPts val="0"/>
+              </a:spcAft>
+              <a:buClr>
+                <a:schemeClr val="lt1"/>
+              </a:buClr>
+              <a:buSzPts val="1800"/>
+              <a:buFont typeface="Arial"/>
+              <a:buNone/>
+              <a:defRPr sz="1800" b="0" i="0" u="none" strike="noStrike" cap="none">
+                <a:solidFill>
+                  <a:schemeClr val="lt1"/>
+                </a:solidFill>
+                <a:latin typeface="Arial"/>
+                <a:ea typeface="Arial"/>
+                <a:cs typeface="Arial"/>
+                <a:sym typeface="Arial"/>
+              </a:defRPr>
+            </a:lvl5pPr>
+            <a:lvl6pPr marR="0" lvl="5" algn="ctr" rtl="0">
+              <a:lnSpc>
+                <a:spcPct val="100000"/>
+              </a:lnSpc>
+              <a:spcBef>
+                <a:spcPts val="0"/>
+              </a:spcBef>
+              <a:spcAft>
+                <a:spcPts val="0"/>
+              </a:spcAft>
+              <a:buClr>
+                <a:schemeClr val="lt1"/>
+              </a:buClr>
+              <a:buSzPts val="1800"/>
+              <a:buFont typeface="Arial"/>
+              <a:buNone/>
+              <a:defRPr sz="1800" b="0" i="0" u="none" strike="noStrike" cap="none">
+                <a:solidFill>
+                  <a:schemeClr val="lt1"/>
+                </a:solidFill>
+                <a:latin typeface="Arial"/>
+                <a:ea typeface="Arial"/>
+                <a:cs typeface="Arial"/>
+                <a:sym typeface="Arial"/>
+              </a:defRPr>
+            </a:lvl6pPr>
+            <a:lvl7pPr marR="0" lvl="6" algn="ctr" rtl="0">
+              <a:lnSpc>
+                <a:spcPct val="100000"/>
+              </a:lnSpc>
+              <a:spcBef>
+                <a:spcPts val="0"/>
+              </a:spcBef>
+              <a:spcAft>
+                <a:spcPts val="0"/>
+              </a:spcAft>
+              <a:buClr>
+                <a:schemeClr val="lt1"/>
+              </a:buClr>
+              <a:buSzPts val="1800"/>
+              <a:buFont typeface="Arial"/>
+              <a:buNone/>
+              <a:defRPr sz="1800" b="0" i="0" u="none" strike="noStrike" cap="none">
+                <a:solidFill>
+                  <a:schemeClr val="lt1"/>
+                </a:solidFill>
+                <a:latin typeface="Arial"/>
+                <a:ea typeface="Arial"/>
+                <a:cs typeface="Arial"/>
+                <a:sym typeface="Arial"/>
+              </a:defRPr>
+            </a:lvl7pPr>
+            <a:lvl8pPr marR="0" lvl="7" algn="ctr" rtl="0">
+              <a:lnSpc>
+                <a:spcPct val="100000"/>
+              </a:lnSpc>
+              <a:spcBef>
+                <a:spcPts val="0"/>
+              </a:spcBef>
+              <a:spcAft>
+                <a:spcPts val="0"/>
+              </a:spcAft>
+              <a:buClr>
+                <a:schemeClr val="lt1"/>
+              </a:buClr>
+              <a:buSzPts val="1800"/>
+              <a:buFont typeface="Arial"/>
+              <a:buNone/>
+              <a:defRPr sz="1800" b="0" i="0" u="none" strike="noStrike" cap="none">
+                <a:solidFill>
+                  <a:schemeClr val="lt1"/>
+                </a:solidFill>
+                <a:latin typeface="Arial"/>
+                <a:ea typeface="Arial"/>
+                <a:cs typeface="Arial"/>
+                <a:sym typeface="Arial"/>
+              </a:defRPr>
+            </a:lvl8pPr>
+            <a:lvl9pPr marR="0" lvl="8" algn="ctr" rtl="0">
+              <a:lnSpc>
+                <a:spcPct val="100000"/>
+              </a:lnSpc>
+              <a:spcBef>
+                <a:spcPts val="0"/>
+              </a:spcBef>
+              <a:spcAft>
+                <a:spcPts val="0"/>
+              </a:spcAft>
+              <a:buClr>
+                <a:schemeClr val="lt1"/>
+              </a:buClr>
+              <a:buSzPts val="1800"/>
+              <a:buFont typeface="Arial"/>
+              <a:buNone/>
+              <a:defRPr sz="1800" b="0" i="0" u="none" strike="noStrike" cap="none">
+                <a:solidFill>
+                  <a:schemeClr val="lt1"/>
+                </a:solidFill>
+                <a:latin typeface="Arial"/>
+                <a:ea typeface="Arial"/>
+                <a:cs typeface="Arial"/>
+                <a:sym typeface="Arial"/>
+              </a:defRPr>
+            </a:lvl9pPr>
+          </a:lstStyle>
+          <a:p>
+            <a:r>
+              <a:rPr lang="el-GR" dirty="0"/>
+              <a:t>Μπαίνει στο τέλος των </a:t>
+            </a:r>
+            <a:r>
+              <a:rPr lang="el-GR" dirty="0" err="1"/>
+              <a:t>if</a:t>
+            </a:r>
+            <a:r>
+              <a:rPr lang="el-GR" dirty="0"/>
+              <a:t> </a:t>
+            </a:r>
+            <a:r>
+              <a:rPr lang="el-GR" dirty="0" err="1"/>
+              <a:t>statements</a:t>
+            </a:r>
+            <a:r>
+              <a:rPr lang="el-GR" dirty="0"/>
+              <a:t> και χρησιμοποιείται σαν τελική λύση. Δηλαδή αν όλα τα προηγούμενα ήταν λάθος, τότε τρέξε αυτό το κομμάτι του κώδικα.</a:t>
+            </a:r>
+          </a:p>
+        </p:txBody>
+      </p:sp>
+    </p:spTree>
+    <p:extLst>
+      <p:ext uri="{BB962C8B-B14F-4D97-AF65-F5344CB8AC3E}">
+        <p14:creationId xmlns:p14="http://schemas.microsoft.com/office/powerpoint/2010/main" val="491469682"/>
+      </p:ext>
+    </p:extLst>
+  </p:cSld>
+  <p:clrMapOvr>
+    <a:masterClrMapping/>
+  </p:clrMapOvr>
+</p:sld>
+</file>
+
+<file path=ppt/slides/slide12.xml><?xml version="1.0" encoding="utf-8"?>
+<p:sld xmlns:a="http://schemas.openxmlformats.org/drawingml/2006/main" xmlns:r="http://schemas.openxmlformats.org/officeDocument/2006/relationships" xmlns:p="http://schemas.openxmlformats.org/presentationml/2006/main">
+  <p:cSld>
+    <p:spTree>
+      <p:nvGrpSpPr>
+        <p:cNvPr id="1" name="Shape 431"/>
+        <p:cNvGrpSpPr/>
+        <p:nvPr/>
+      </p:nvGrpSpPr>
+      <p:grpSpPr>
+        <a:xfrm>
+          <a:off x="0" y="0"/>
+          <a:ext cx="0" cy="0"/>
+          <a:chOff x="0" y="0"/>
+          <a:chExt cx="0" cy="0"/>
+        </a:xfrm>
+      </p:grpSpPr>
+      <p:grpSp>
+        <p:nvGrpSpPr>
+          <p:cNvPr id="437" name="Google Shape;437;p35"/>
+          <p:cNvGrpSpPr/>
+          <p:nvPr/>
+        </p:nvGrpSpPr>
+        <p:grpSpPr>
+          <a:xfrm>
+            <a:off x="6739789" y="2872050"/>
+            <a:ext cx="2404115" cy="2123775"/>
+            <a:chOff x="6739789" y="1500450"/>
+            <a:chExt cx="2404115" cy="2123775"/>
+          </a:xfrm>
+        </p:grpSpPr>
+        <p:sp>
+          <p:nvSpPr>
+            <p:cNvPr id="438" name="Google Shape;438;p35"/>
+            <p:cNvSpPr/>
+            <p:nvPr/>
+          </p:nvSpPr>
+          <p:spPr>
+            <a:xfrm>
+              <a:off x="7377200" y="2089950"/>
+              <a:ext cx="1766704" cy="356851"/>
+            </a:xfrm>
+            <a:custGeom>
+              <a:avLst/>
+              <a:gdLst/>
+              <a:ahLst/>
+              <a:cxnLst/>
+              <a:rect l="l" t="t" r="r" b="b"/>
+              <a:pathLst>
+                <a:path w="15325" h="2775" extrusionOk="0">
+                  <a:moveTo>
+                    <a:pt x="1" y="0"/>
+                  </a:moveTo>
+                  <a:lnTo>
+                    <a:pt x="1" y="2774"/>
+                  </a:lnTo>
+                  <a:lnTo>
+                    <a:pt x="15324" y="2774"/>
+                  </a:lnTo>
+                  <a:lnTo>
+                    <a:pt x="15324" y="0"/>
+                  </a:lnTo>
+                  <a:close/>
+                </a:path>
+              </a:pathLst>
+            </a:custGeom>
+            <a:solidFill>
+              <a:srgbClr val="FFFFFF">
+                <a:alpha val="12549"/>
+              </a:srgbClr>
+            </a:solidFill>
+            <a:ln>
+              <a:noFill/>
+            </a:ln>
+          </p:spPr>
+          <p:txBody>
+            <a:bodyPr spcFirstLastPara="1" wrap="square" lIns="91425" tIns="91425" rIns="91425" bIns="91425" anchor="ctr" anchorCtr="0">
+              <a:noAutofit/>
+            </a:bodyPr>
+            <a:lstStyle/>
+            <a:p>
+              <a:pPr marL="0" lvl="0" indent="0" algn="l" rtl="0">
+                <a:spcBef>
+                  <a:spcPts val="0"/>
+                </a:spcBef>
+                <a:spcAft>
+                  <a:spcPts val="0"/>
+                </a:spcAft>
+                <a:buNone/>
+              </a:pPr>
+              <a:endParaRPr/>
+            </a:p>
+          </p:txBody>
+        </p:sp>
+        <p:sp>
+          <p:nvSpPr>
+            <p:cNvPr id="439" name="Google Shape;439;p35"/>
+            <p:cNvSpPr/>
+            <p:nvPr/>
+          </p:nvSpPr>
+          <p:spPr>
+            <a:xfrm>
+              <a:off x="6810278" y="1500450"/>
+              <a:ext cx="1104154" cy="356872"/>
+            </a:xfrm>
+            <a:custGeom>
+              <a:avLst/>
+              <a:gdLst/>
+              <a:ahLst/>
+              <a:cxnLst/>
+              <a:rect l="l" t="t" r="r" b="b"/>
+              <a:pathLst>
+                <a:path w="18027" h="2775" extrusionOk="0">
+                  <a:moveTo>
+                    <a:pt x="0" y="0"/>
+                  </a:moveTo>
+                  <a:lnTo>
+                    <a:pt x="0" y="2774"/>
+                  </a:lnTo>
+                  <a:lnTo>
+                    <a:pt x="18026" y="2774"/>
+                  </a:lnTo>
+                  <a:lnTo>
+                    <a:pt x="18026" y="0"/>
+                  </a:lnTo>
+                  <a:close/>
+                </a:path>
+              </a:pathLst>
+            </a:custGeom>
+            <a:solidFill>
+              <a:srgbClr val="FFFFFF">
+                <a:alpha val="6270"/>
+              </a:srgbClr>
+            </a:solidFill>
+            <a:ln>
+              <a:noFill/>
+            </a:ln>
+          </p:spPr>
+          <p:txBody>
+            <a:bodyPr spcFirstLastPara="1" wrap="square" lIns="91425" tIns="91425" rIns="91425" bIns="91425" anchor="ctr" anchorCtr="0">
+              <a:noAutofit/>
+            </a:bodyPr>
+            <a:lstStyle/>
+            <a:p>
+              <a:pPr marL="0" lvl="0" indent="0" algn="l" rtl="0">
+                <a:spcBef>
+                  <a:spcPts val="0"/>
+                </a:spcBef>
+                <a:spcAft>
+                  <a:spcPts val="0"/>
+                </a:spcAft>
+                <a:buNone/>
+              </a:pPr>
+              <a:endParaRPr/>
+            </a:p>
+          </p:txBody>
+        </p:sp>
+        <p:sp>
+          <p:nvSpPr>
+            <p:cNvPr id="440" name="Google Shape;440;p35"/>
+            <p:cNvSpPr/>
+            <p:nvPr/>
+          </p:nvSpPr>
+          <p:spPr>
+            <a:xfrm>
+              <a:off x="6896029" y="2679300"/>
+              <a:ext cx="2247805" cy="355450"/>
+            </a:xfrm>
+            <a:custGeom>
+              <a:avLst/>
+              <a:gdLst/>
+              <a:ahLst/>
+              <a:cxnLst/>
+              <a:rect l="l" t="t" r="r" b="b"/>
+              <a:pathLst>
+                <a:path w="12872" h="2764" extrusionOk="0">
+                  <a:moveTo>
+                    <a:pt x="1" y="1"/>
+                  </a:moveTo>
+                  <a:lnTo>
+                    <a:pt x="1" y="2763"/>
+                  </a:lnTo>
+                  <a:lnTo>
+                    <a:pt x="12871" y="2763"/>
+                  </a:lnTo>
+                  <a:lnTo>
+                    <a:pt x="12871" y="1"/>
+                  </a:lnTo>
+                  <a:close/>
+                </a:path>
+              </a:pathLst>
+            </a:custGeom>
+            <a:solidFill>
+              <a:srgbClr val="FFFFFF">
+                <a:alpha val="6270"/>
+              </a:srgbClr>
+            </a:solidFill>
+            <a:ln>
+              <a:noFill/>
+            </a:ln>
+          </p:spPr>
+          <p:txBody>
+            <a:bodyPr spcFirstLastPara="1" wrap="square" lIns="91425" tIns="91425" rIns="91425" bIns="91425" anchor="ctr" anchorCtr="0">
+              <a:noAutofit/>
+            </a:bodyPr>
+            <a:lstStyle/>
+            <a:p>
+              <a:pPr marL="0" lvl="0" indent="0" algn="l" rtl="0">
+                <a:spcBef>
+                  <a:spcPts val="0"/>
+                </a:spcBef>
+                <a:spcAft>
+                  <a:spcPts val="0"/>
+                </a:spcAft>
+                <a:buNone/>
+              </a:pPr>
+              <a:endParaRPr/>
+            </a:p>
+          </p:txBody>
+        </p:sp>
+        <p:sp>
+          <p:nvSpPr>
+            <p:cNvPr id="441" name="Google Shape;441;p35"/>
+            <p:cNvSpPr/>
+            <p:nvPr/>
+          </p:nvSpPr>
+          <p:spPr>
+            <a:xfrm>
+              <a:off x="8105579" y="1500450"/>
+              <a:ext cx="1038298" cy="356872"/>
+            </a:xfrm>
+            <a:custGeom>
+              <a:avLst/>
+              <a:gdLst/>
+              <a:ahLst/>
+              <a:cxnLst/>
+              <a:rect l="l" t="t" r="r" b="b"/>
+              <a:pathLst>
+                <a:path w="2882" h="2775" extrusionOk="0">
+                  <a:moveTo>
+                    <a:pt x="1" y="0"/>
+                  </a:moveTo>
+                  <a:lnTo>
+                    <a:pt x="1" y="2774"/>
+                  </a:lnTo>
+                  <a:lnTo>
+                    <a:pt x="2882" y="2774"/>
+                  </a:lnTo>
+                  <a:lnTo>
+                    <a:pt x="2882" y="0"/>
+                  </a:lnTo>
+                  <a:close/>
+                </a:path>
+              </a:pathLst>
+            </a:custGeom>
+            <a:solidFill>
+              <a:srgbClr val="FFFFFF">
+                <a:alpha val="56470"/>
+              </a:srgbClr>
+            </a:solidFill>
+            <a:ln>
+              <a:noFill/>
+            </a:ln>
+          </p:spPr>
+          <p:txBody>
+            <a:bodyPr spcFirstLastPara="1" wrap="square" lIns="91425" tIns="91425" rIns="91425" bIns="91425" anchor="ctr" anchorCtr="0">
+              <a:noAutofit/>
+            </a:bodyPr>
+            <a:lstStyle/>
+            <a:p>
+              <a:pPr marL="0" lvl="0" indent="0" algn="l" rtl="0">
+                <a:spcBef>
+                  <a:spcPts val="0"/>
+                </a:spcBef>
+                <a:spcAft>
+                  <a:spcPts val="0"/>
+                </a:spcAft>
+                <a:buNone/>
+              </a:pPr>
+              <a:endParaRPr/>
+            </a:p>
+          </p:txBody>
+        </p:sp>
+        <p:sp>
+          <p:nvSpPr>
+            <p:cNvPr id="442" name="Google Shape;442;p35"/>
+            <p:cNvSpPr/>
+            <p:nvPr/>
+          </p:nvSpPr>
+          <p:spPr>
+            <a:xfrm>
+              <a:off x="6739789" y="3268775"/>
+              <a:ext cx="1104128" cy="355450"/>
+            </a:xfrm>
+            <a:custGeom>
+              <a:avLst/>
+              <a:gdLst/>
+              <a:ahLst/>
+              <a:cxnLst/>
+              <a:rect l="l" t="t" r="r" b="b"/>
+              <a:pathLst>
+                <a:path w="18396" h="2764" extrusionOk="0">
+                  <a:moveTo>
+                    <a:pt x="1" y="1"/>
+                  </a:moveTo>
+                  <a:lnTo>
+                    <a:pt x="1" y="2763"/>
+                  </a:lnTo>
+                  <a:lnTo>
+                    <a:pt x="18396" y="2763"/>
+                  </a:lnTo>
+                  <a:lnTo>
+                    <a:pt x="18396" y="1"/>
+                  </a:lnTo>
+                  <a:close/>
+                </a:path>
+              </a:pathLst>
+            </a:custGeom>
+            <a:solidFill>
+              <a:srgbClr val="FFFFFF">
+                <a:alpha val="6270"/>
+              </a:srgbClr>
+            </a:solidFill>
+            <a:ln>
+              <a:noFill/>
+            </a:ln>
+          </p:spPr>
+          <p:txBody>
+            <a:bodyPr spcFirstLastPara="1" wrap="square" lIns="91425" tIns="91425" rIns="91425" bIns="91425" anchor="ctr" anchorCtr="0">
+              <a:noAutofit/>
+            </a:bodyPr>
+            <a:lstStyle/>
+            <a:p>
+              <a:pPr marL="0" lvl="0" indent="0" algn="l" rtl="0">
+                <a:spcBef>
+                  <a:spcPts val="0"/>
+                </a:spcBef>
+                <a:spcAft>
+                  <a:spcPts val="0"/>
+                </a:spcAft>
+                <a:buNone/>
+              </a:pPr>
+              <a:endParaRPr/>
+            </a:p>
+          </p:txBody>
+        </p:sp>
+      </p:grpSp>
+      <p:grpSp>
+        <p:nvGrpSpPr>
+          <p:cNvPr id="443" name="Google Shape;443;p35"/>
+          <p:cNvGrpSpPr/>
+          <p:nvPr/>
+        </p:nvGrpSpPr>
+        <p:grpSpPr>
+          <a:xfrm>
+            <a:off x="10" y="128850"/>
+            <a:ext cx="2428766" cy="2123775"/>
+            <a:chOff x="10" y="1500450"/>
+            <a:chExt cx="2428766" cy="2123775"/>
+          </a:xfrm>
+        </p:grpSpPr>
+        <p:sp>
+          <p:nvSpPr>
+            <p:cNvPr id="444" name="Google Shape;444;p35"/>
+            <p:cNvSpPr/>
+            <p:nvPr/>
+          </p:nvSpPr>
+          <p:spPr>
+            <a:xfrm>
+              <a:off x="357025" y="2089950"/>
+              <a:ext cx="2071751" cy="356851"/>
+            </a:xfrm>
+            <a:custGeom>
+              <a:avLst/>
+              <a:gdLst/>
+              <a:ahLst/>
+              <a:cxnLst/>
+              <a:rect l="l" t="t" r="r" b="b"/>
+              <a:pathLst>
+                <a:path w="4300" h="2775" extrusionOk="0">
+                  <a:moveTo>
+                    <a:pt x="1" y="0"/>
+                  </a:moveTo>
+                  <a:lnTo>
+                    <a:pt x="1" y="2774"/>
+                  </a:lnTo>
+                  <a:lnTo>
+                    <a:pt x="4299" y="2774"/>
+                  </a:lnTo>
+                  <a:lnTo>
+                    <a:pt x="4299" y="0"/>
+                  </a:lnTo>
+                  <a:close/>
+                </a:path>
+              </a:pathLst>
+            </a:custGeom>
+            <a:solidFill>
+              <a:srgbClr val="FFFFFF">
+                <a:alpha val="1960"/>
+              </a:srgbClr>
+            </a:solidFill>
+            <a:ln>
+              <a:noFill/>
+            </a:ln>
+          </p:spPr>
+          <p:txBody>
+            <a:bodyPr spcFirstLastPara="1" wrap="square" lIns="91425" tIns="91425" rIns="91425" bIns="91425" anchor="ctr" anchorCtr="0">
+              <a:noAutofit/>
+            </a:bodyPr>
+            <a:lstStyle/>
+            <a:p>
+              <a:pPr marL="0" lvl="0" indent="0" algn="l" rtl="0">
+                <a:spcBef>
+                  <a:spcPts val="0"/>
+                </a:spcBef>
+                <a:spcAft>
+                  <a:spcPts val="0"/>
+                </a:spcAft>
+                <a:buNone/>
+              </a:pPr>
+              <a:endParaRPr/>
+            </a:p>
+          </p:txBody>
+        </p:sp>
+        <p:sp>
+          <p:nvSpPr>
+            <p:cNvPr id="445" name="Google Shape;445;p35"/>
+            <p:cNvSpPr/>
+            <p:nvPr/>
+          </p:nvSpPr>
+          <p:spPr>
+            <a:xfrm>
+              <a:off x="18" y="3268775"/>
+              <a:ext cx="1038298" cy="355450"/>
+            </a:xfrm>
+            <a:custGeom>
+              <a:avLst/>
+              <a:gdLst/>
+              <a:ahLst/>
+              <a:cxnLst/>
+              <a:rect l="l" t="t" r="r" b="b"/>
+              <a:pathLst>
+                <a:path w="2882" h="2764" extrusionOk="0">
+                  <a:moveTo>
+                    <a:pt x="0" y="1"/>
+                  </a:moveTo>
+                  <a:lnTo>
+                    <a:pt x="0" y="2763"/>
+                  </a:lnTo>
+                  <a:lnTo>
+                    <a:pt x="2881" y="2763"/>
+                  </a:lnTo>
+                  <a:lnTo>
+                    <a:pt x="2881" y="1"/>
+                  </a:lnTo>
+                  <a:close/>
+                </a:path>
+              </a:pathLst>
+            </a:custGeom>
+            <a:solidFill>
+              <a:srgbClr val="FFFFFF">
+                <a:alpha val="50199"/>
+              </a:srgbClr>
+            </a:solidFill>
+            <a:ln>
+              <a:noFill/>
+            </a:ln>
+          </p:spPr>
+          <p:txBody>
+            <a:bodyPr spcFirstLastPara="1" wrap="square" lIns="91425" tIns="91425" rIns="91425" bIns="91425" anchor="ctr" anchorCtr="0">
+              <a:noAutofit/>
+            </a:bodyPr>
+            <a:lstStyle/>
+            <a:p>
+              <a:pPr marL="0" lvl="0" indent="0" algn="l" rtl="0">
+                <a:spcBef>
+                  <a:spcPts val="0"/>
+                </a:spcBef>
+                <a:spcAft>
+                  <a:spcPts val="0"/>
+                </a:spcAft>
+                <a:buNone/>
+              </a:pPr>
+              <a:endParaRPr/>
+            </a:p>
+          </p:txBody>
+        </p:sp>
+        <p:sp>
+          <p:nvSpPr>
+            <p:cNvPr id="446" name="Google Shape;446;p35"/>
+            <p:cNvSpPr/>
+            <p:nvPr/>
+          </p:nvSpPr>
+          <p:spPr>
+            <a:xfrm>
+              <a:off x="10" y="1500456"/>
+              <a:ext cx="1104138" cy="356858"/>
+            </a:xfrm>
+            <a:custGeom>
+              <a:avLst/>
+              <a:gdLst/>
+              <a:ahLst/>
+              <a:cxnLst/>
+              <a:rect l="l" t="t" r="r" b="b"/>
+              <a:pathLst>
+                <a:path w="8586" h="2775" extrusionOk="0">
+                  <a:moveTo>
+                    <a:pt x="1" y="0"/>
+                  </a:moveTo>
+                  <a:lnTo>
+                    <a:pt x="1" y="2774"/>
+                  </a:lnTo>
+                  <a:lnTo>
+                    <a:pt x="8585" y="2774"/>
+                  </a:lnTo>
+                  <a:lnTo>
+                    <a:pt x="8585" y="0"/>
+                  </a:lnTo>
+                  <a:close/>
+                </a:path>
+              </a:pathLst>
+            </a:custGeom>
+            <a:solidFill>
+              <a:srgbClr val="FFFFFF">
+                <a:alpha val="6270"/>
+              </a:srgbClr>
+            </a:solidFill>
+            <a:ln>
+              <a:noFill/>
+            </a:ln>
+          </p:spPr>
+          <p:txBody>
+            <a:bodyPr spcFirstLastPara="1" wrap="square" lIns="91425" tIns="91425" rIns="91425" bIns="91425" anchor="ctr" anchorCtr="0">
+              <a:noAutofit/>
+            </a:bodyPr>
+            <a:lstStyle/>
+            <a:p>
+              <a:pPr marL="0" lvl="0" indent="0" algn="l" rtl="0">
+                <a:spcBef>
+                  <a:spcPts val="0"/>
+                </a:spcBef>
+                <a:spcAft>
+                  <a:spcPts val="0"/>
+                </a:spcAft>
+                <a:buNone/>
+              </a:pPr>
+              <a:endParaRPr/>
+            </a:p>
+          </p:txBody>
+        </p:sp>
+        <p:sp>
+          <p:nvSpPr>
+            <p:cNvPr id="447" name="Google Shape;447;p35"/>
+            <p:cNvSpPr/>
+            <p:nvPr/>
+          </p:nvSpPr>
+          <p:spPr>
+            <a:xfrm>
+              <a:off x="1299972" y="1500450"/>
+              <a:ext cx="490621" cy="356872"/>
+            </a:xfrm>
+            <a:custGeom>
+              <a:avLst/>
+              <a:gdLst/>
+              <a:ahLst/>
+              <a:cxnLst/>
+              <a:rect l="l" t="t" r="r" b="b"/>
+              <a:pathLst>
+                <a:path w="18396" h="2775" extrusionOk="0">
+                  <a:moveTo>
+                    <a:pt x="0" y="0"/>
+                  </a:moveTo>
+                  <a:lnTo>
+                    <a:pt x="0" y="2774"/>
+                  </a:lnTo>
+                  <a:lnTo>
+                    <a:pt x="18396" y="2774"/>
+                  </a:lnTo>
+                  <a:lnTo>
+                    <a:pt x="18396" y="0"/>
+                  </a:lnTo>
+                  <a:close/>
+                </a:path>
+              </a:pathLst>
+            </a:custGeom>
+            <a:solidFill>
+              <a:srgbClr val="FFFFFF">
+                <a:alpha val="6270"/>
+              </a:srgbClr>
+            </a:solidFill>
+            <a:ln>
+              <a:noFill/>
+            </a:ln>
+          </p:spPr>
+          <p:txBody>
+            <a:bodyPr spcFirstLastPara="1" wrap="square" lIns="91425" tIns="91425" rIns="91425" bIns="91425" anchor="ctr" anchorCtr="0">
+              <a:noAutofit/>
+            </a:bodyPr>
+            <a:lstStyle/>
+            <a:p>
+              <a:pPr marL="0" lvl="0" indent="0" algn="l" rtl="0">
+                <a:spcBef>
+                  <a:spcPts val="0"/>
+                </a:spcBef>
+                <a:spcAft>
+                  <a:spcPts val="0"/>
+                </a:spcAft>
+                <a:buNone/>
+              </a:pPr>
+              <a:endParaRPr/>
+            </a:p>
+          </p:txBody>
+        </p:sp>
+      </p:grpSp>
+      <p:sp>
+        <p:nvSpPr>
+          <p:cNvPr id="7" name="Google Shape;394;p34">
+            <a:extLst>
+              <a:ext uri="{FF2B5EF4-FFF2-40B4-BE49-F238E27FC236}">
+                <a16:creationId xmlns:a16="http://schemas.microsoft.com/office/drawing/2014/main" id="{B538697F-8EB4-0D7A-6BB2-7BF327CADA7A}"/>
+              </a:ext>
+            </a:extLst>
+          </p:cNvPr>
+          <p:cNvSpPr txBox="1">
+            <a:spLocks/>
+          </p:cNvSpPr>
+          <p:nvPr/>
+        </p:nvSpPr>
+        <p:spPr>
+          <a:xfrm flipH="1">
+            <a:off x="1159565" y="1948070"/>
+            <a:ext cx="6044340" cy="2692008"/>
+          </a:xfrm>
+          <a:prstGeom prst="rect">
+            <a:avLst/>
+          </a:prstGeom>
+          <a:noFill/>
+          <a:ln>
+            <a:noFill/>
+          </a:ln>
+        </p:spPr>
+        <p:txBody>
+          <a:bodyPr spcFirstLastPara="1" wrap="square" lIns="91425" tIns="0" rIns="91425" bIns="0" anchor="b" anchorCtr="0">
+            <a:noAutofit/>
+          </a:bodyPr>
+          <a:lstStyle>
+            <a:defPPr marR="0" lvl="0" algn="l" rtl="0">
+              <a:lnSpc>
+                <a:spcPct val="100000"/>
+              </a:lnSpc>
+              <a:spcBef>
+                <a:spcPts val="0"/>
+              </a:spcBef>
+              <a:spcAft>
+                <a:spcPts val="0"/>
+              </a:spcAft>
+            </a:defPPr>
+            <a:lvl1pPr marR="0" lvl="0" algn="l" rtl="0">
+              <a:lnSpc>
+                <a:spcPct val="100000"/>
+              </a:lnSpc>
+              <a:spcBef>
+                <a:spcPts val="0"/>
+              </a:spcBef>
+              <a:spcAft>
+                <a:spcPts val="0"/>
+              </a:spcAft>
+              <a:buClr>
+                <a:schemeClr val="lt1"/>
+              </a:buClr>
+              <a:buSzPts val="2400"/>
+              <a:buFont typeface="Overpass Mono"/>
+              <a:buNone/>
+              <a:defRPr sz="2200" b="1" i="0" u="none" strike="noStrike" cap="none">
+                <a:solidFill>
+                  <a:schemeClr val="lt1"/>
+                </a:solidFill>
+                <a:latin typeface="Overpass Mono"/>
+                <a:ea typeface="Overpass Mono"/>
+                <a:cs typeface="Overpass Mono"/>
+                <a:sym typeface="Overpass Mono"/>
+              </a:defRPr>
+            </a:lvl1pPr>
+            <a:lvl2pPr marR="0" lvl="1" algn="ctr" rtl="0">
+              <a:lnSpc>
+                <a:spcPct val="100000"/>
+              </a:lnSpc>
+              <a:spcBef>
+                <a:spcPts val="0"/>
+              </a:spcBef>
+              <a:spcAft>
+                <a:spcPts val="0"/>
+              </a:spcAft>
+              <a:buClr>
+                <a:schemeClr val="lt1"/>
+              </a:buClr>
+              <a:buSzPts val="1800"/>
+              <a:buFont typeface="Arial"/>
+              <a:buNone/>
+              <a:defRPr sz="1800" b="0" i="0" u="none" strike="noStrike" cap="none">
+                <a:solidFill>
+                  <a:schemeClr val="lt1"/>
+                </a:solidFill>
+                <a:latin typeface="Arial"/>
+                <a:ea typeface="Arial"/>
+                <a:cs typeface="Arial"/>
+                <a:sym typeface="Arial"/>
+              </a:defRPr>
+            </a:lvl2pPr>
+            <a:lvl3pPr marR="0" lvl="2" algn="ctr" rtl="0">
+              <a:lnSpc>
+                <a:spcPct val="100000"/>
+              </a:lnSpc>
+              <a:spcBef>
+                <a:spcPts val="0"/>
+              </a:spcBef>
+              <a:spcAft>
+                <a:spcPts val="0"/>
+              </a:spcAft>
+              <a:buClr>
+                <a:schemeClr val="lt1"/>
+              </a:buClr>
+              <a:buSzPts val="1800"/>
+              <a:buFont typeface="Arial"/>
+              <a:buNone/>
+              <a:defRPr sz="1800" b="0" i="0" u="none" strike="noStrike" cap="none">
+                <a:solidFill>
+                  <a:schemeClr val="lt1"/>
+                </a:solidFill>
+                <a:latin typeface="Arial"/>
+                <a:ea typeface="Arial"/>
+                <a:cs typeface="Arial"/>
+                <a:sym typeface="Arial"/>
+              </a:defRPr>
+            </a:lvl3pPr>
+            <a:lvl4pPr marR="0" lvl="3" algn="ctr" rtl="0">
+              <a:lnSpc>
+                <a:spcPct val="100000"/>
+              </a:lnSpc>
+              <a:spcBef>
+                <a:spcPts val="0"/>
+              </a:spcBef>
+              <a:spcAft>
+                <a:spcPts val="0"/>
+              </a:spcAft>
+              <a:buClr>
+                <a:schemeClr val="lt1"/>
+              </a:buClr>
+              <a:buSzPts val="1800"/>
+              <a:buFont typeface="Arial"/>
+              <a:buNone/>
+              <a:defRPr sz="1800" b="0" i="0" u="none" strike="noStrike" cap="none">
+                <a:solidFill>
+                  <a:schemeClr val="lt1"/>
+                </a:solidFill>
+                <a:latin typeface="Arial"/>
+                <a:ea typeface="Arial"/>
+                <a:cs typeface="Arial"/>
+                <a:sym typeface="Arial"/>
+              </a:defRPr>
+            </a:lvl4pPr>
+            <a:lvl5pPr marR="0" lvl="4" algn="ctr" rtl="0">
+              <a:lnSpc>
+                <a:spcPct val="100000"/>
+              </a:lnSpc>
+              <a:spcBef>
+                <a:spcPts val="0"/>
+              </a:spcBef>
+              <a:spcAft>
+                <a:spcPts val="0"/>
+              </a:spcAft>
+              <a:buClr>
+                <a:schemeClr val="lt1"/>
+              </a:buClr>
+              <a:buSzPts val="1800"/>
+              <a:buFont typeface="Arial"/>
+              <a:buNone/>
+              <a:defRPr sz="1800" b="0" i="0" u="none" strike="noStrike" cap="none">
+                <a:solidFill>
+                  <a:schemeClr val="lt1"/>
+                </a:solidFill>
+                <a:latin typeface="Arial"/>
+                <a:ea typeface="Arial"/>
+                <a:cs typeface="Arial"/>
+                <a:sym typeface="Arial"/>
+              </a:defRPr>
+            </a:lvl5pPr>
+            <a:lvl6pPr marR="0" lvl="5" algn="ctr" rtl="0">
+              <a:lnSpc>
+                <a:spcPct val="100000"/>
+              </a:lnSpc>
+              <a:spcBef>
+                <a:spcPts val="0"/>
+              </a:spcBef>
+              <a:spcAft>
+                <a:spcPts val="0"/>
+              </a:spcAft>
+              <a:buClr>
+                <a:schemeClr val="lt1"/>
+              </a:buClr>
+              <a:buSzPts val="1800"/>
+              <a:buFont typeface="Arial"/>
+              <a:buNone/>
+              <a:defRPr sz="1800" b="0" i="0" u="none" strike="noStrike" cap="none">
+                <a:solidFill>
+                  <a:schemeClr val="lt1"/>
+                </a:solidFill>
+                <a:latin typeface="Arial"/>
+                <a:ea typeface="Arial"/>
+                <a:cs typeface="Arial"/>
+                <a:sym typeface="Arial"/>
+              </a:defRPr>
+            </a:lvl6pPr>
+            <a:lvl7pPr marR="0" lvl="6" algn="ctr" rtl="0">
+              <a:lnSpc>
+                <a:spcPct val="100000"/>
+              </a:lnSpc>
+              <a:spcBef>
+                <a:spcPts val="0"/>
+              </a:spcBef>
+              <a:spcAft>
+                <a:spcPts val="0"/>
+              </a:spcAft>
+              <a:buClr>
+                <a:schemeClr val="lt1"/>
+              </a:buClr>
+              <a:buSzPts val="1800"/>
+              <a:buFont typeface="Arial"/>
+              <a:buNone/>
+              <a:defRPr sz="1800" b="0" i="0" u="none" strike="noStrike" cap="none">
+                <a:solidFill>
+                  <a:schemeClr val="lt1"/>
+                </a:solidFill>
+                <a:latin typeface="Arial"/>
+                <a:ea typeface="Arial"/>
+                <a:cs typeface="Arial"/>
+                <a:sym typeface="Arial"/>
+              </a:defRPr>
+            </a:lvl7pPr>
+            <a:lvl8pPr marR="0" lvl="7" algn="ctr" rtl="0">
+              <a:lnSpc>
+                <a:spcPct val="100000"/>
+              </a:lnSpc>
+              <a:spcBef>
+                <a:spcPts val="0"/>
+              </a:spcBef>
+              <a:spcAft>
+                <a:spcPts val="0"/>
+              </a:spcAft>
+              <a:buClr>
+                <a:schemeClr val="lt1"/>
+              </a:buClr>
+              <a:buSzPts val="1800"/>
+              <a:buFont typeface="Arial"/>
+              <a:buNone/>
+              <a:defRPr sz="1800" b="0" i="0" u="none" strike="noStrike" cap="none">
+                <a:solidFill>
+                  <a:schemeClr val="lt1"/>
+                </a:solidFill>
+                <a:latin typeface="Arial"/>
+                <a:ea typeface="Arial"/>
+                <a:cs typeface="Arial"/>
+                <a:sym typeface="Arial"/>
+              </a:defRPr>
+            </a:lvl8pPr>
+            <a:lvl9pPr marR="0" lvl="8" algn="ctr" rtl="0">
+              <a:lnSpc>
+                <a:spcPct val="100000"/>
+              </a:lnSpc>
+              <a:spcBef>
+                <a:spcPts val="0"/>
+              </a:spcBef>
+              <a:spcAft>
+                <a:spcPts val="0"/>
+              </a:spcAft>
+              <a:buClr>
+                <a:schemeClr val="lt1"/>
+              </a:buClr>
+              <a:buSzPts val="1800"/>
+              <a:buFont typeface="Arial"/>
+              <a:buNone/>
+              <a:defRPr sz="1800" b="0" i="0" u="none" strike="noStrike" cap="none">
+                <a:solidFill>
+                  <a:schemeClr val="lt1"/>
+                </a:solidFill>
+                <a:latin typeface="Arial"/>
+                <a:ea typeface="Arial"/>
+                <a:cs typeface="Arial"/>
+                <a:sym typeface="Arial"/>
+              </a:defRPr>
+            </a:lvl9pPr>
+          </a:lstStyle>
+          <a:p>
+            <a:r>
+              <a:rPr lang="el-GR" dirty="0">
+                <a:solidFill>
+                  <a:schemeClr val="tx2"/>
+                </a:solidFill>
+              </a:rPr>
+              <a:t>Σημείωση</a:t>
+            </a:r>
+            <a:r>
+              <a:rPr lang="el-GR" dirty="0"/>
+              <a:t> : Στις </a:t>
+            </a:r>
+            <a:r>
+              <a:rPr lang="el-GR" dirty="0" err="1"/>
+              <a:t>if</a:t>
+            </a:r>
+            <a:r>
+              <a:rPr lang="el-GR" dirty="0"/>
+              <a:t> </a:t>
+            </a:r>
+            <a:r>
+              <a:rPr lang="el-GR" dirty="0" err="1"/>
+              <a:t>statements</a:t>
+            </a:r>
+            <a:r>
+              <a:rPr lang="el-GR" dirty="0"/>
+              <a:t> το πρόγραμμα μπαίνει και ελέγχει σε σειρά την μία μετά την άλλη. Αν η </a:t>
+            </a:r>
+            <a:r>
+              <a:rPr lang="el-GR" dirty="0" err="1"/>
+              <a:t>if</a:t>
+            </a:r>
+            <a:r>
+              <a:rPr lang="el-GR" dirty="0"/>
+              <a:t> δεν </a:t>
+            </a:r>
+            <a:r>
+              <a:rPr lang="el-GR" dirty="0" err="1"/>
+              <a:t>ειναι</a:t>
+            </a:r>
+            <a:r>
+              <a:rPr lang="el-GR" dirty="0"/>
+              <a:t> σωστή πάει στην </a:t>
+            </a:r>
+            <a:r>
+              <a:rPr lang="el-GR" dirty="0" err="1"/>
+              <a:t>elif</a:t>
+            </a:r>
+            <a:r>
+              <a:rPr lang="el-GR" dirty="0"/>
+              <a:t> και μετά στην </a:t>
+            </a:r>
+            <a:r>
+              <a:rPr lang="el-GR" dirty="0" err="1"/>
+              <a:t>else</a:t>
+            </a:r>
+            <a:r>
+              <a:rPr lang="el-GR" dirty="0"/>
+              <a:t>. Αν και η </a:t>
+            </a:r>
+            <a:r>
+              <a:rPr lang="el-GR" dirty="0" err="1"/>
+              <a:t>if</a:t>
+            </a:r>
+            <a:r>
+              <a:rPr lang="el-GR" dirty="0"/>
+              <a:t> και η </a:t>
+            </a:r>
+            <a:r>
+              <a:rPr lang="el-GR" dirty="0" err="1"/>
+              <a:t>elif</a:t>
+            </a:r>
+            <a:r>
+              <a:rPr lang="el-GR" dirty="0"/>
+              <a:t> </a:t>
+            </a:r>
+            <a:r>
+              <a:rPr lang="el-GR" dirty="0" err="1"/>
+              <a:t>ειναι</a:t>
+            </a:r>
+            <a:r>
+              <a:rPr lang="el-GR" dirty="0"/>
+              <a:t> σωστή θα πάει στην </a:t>
+            </a:r>
+            <a:r>
+              <a:rPr lang="el-GR" dirty="0" err="1"/>
+              <a:t>if</a:t>
+            </a:r>
+            <a:r>
+              <a:rPr lang="el-GR" dirty="0"/>
+              <a:t> και δεν θα πάει ποτέ στην </a:t>
+            </a:r>
+            <a:r>
+              <a:rPr lang="el-GR" dirty="0" err="1"/>
+              <a:t>elif</a:t>
+            </a:r>
+            <a:r>
+              <a:rPr lang="el-GR" dirty="0"/>
+              <a:t>.</a:t>
+            </a:r>
+          </a:p>
+        </p:txBody>
+      </p:sp>
+    </p:spTree>
+    <p:extLst>
+      <p:ext uri="{BB962C8B-B14F-4D97-AF65-F5344CB8AC3E}">
+        <p14:creationId xmlns:p14="http://schemas.microsoft.com/office/powerpoint/2010/main" val="4194041715"/>
+      </p:ext>
+    </p:extLst>
+  </p:cSld>
+  <p:clrMapOvr>
+    <a:masterClrMapping/>
+  </p:clrMapOvr>
+</p:sld>
+</file>
+
+<file path=ppt/slides/slide13.xml><?xml version="1.0" encoding="utf-8"?>
+<p:sld xmlns:a="http://schemas.openxmlformats.org/drawingml/2006/main" xmlns:r="http://schemas.openxmlformats.org/officeDocument/2006/relationships" xmlns:p="http://schemas.openxmlformats.org/presentationml/2006/main">
+  <p:cSld>
+    <p:spTree>
+      <p:nvGrpSpPr>
+        <p:cNvPr id="1" name="Shape 659"/>
+        <p:cNvGrpSpPr/>
+        <p:nvPr/>
+      </p:nvGrpSpPr>
+      <p:grpSpPr>
+        <a:xfrm>
+          <a:off x="0" y="0"/>
+          <a:ext cx="0" cy="0"/>
+          <a:chOff x="0" y="0"/>
+          <a:chExt cx="0" cy="0"/>
+        </a:xfrm>
+      </p:grpSpPr>
+      <p:sp>
+        <p:nvSpPr>
+          <p:cNvPr id="661" name="Google Shape;661;p43"/>
+          <p:cNvSpPr txBox="1">
+            <a:spLocks noGrp="1"/>
+          </p:cNvSpPr>
+          <p:nvPr>
+            <p:ph type="subTitle" idx="1"/>
+          </p:nvPr>
+        </p:nvSpPr>
+        <p:spPr>
+          <a:xfrm>
+            <a:off x="318053" y="760579"/>
+            <a:ext cx="8309112" cy="1589301"/>
+          </a:xfrm>
+          <a:prstGeom prst="rect">
+            <a:avLst/>
+          </a:prstGeom>
+        </p:spPr>
+        <p:txBody>
+          <a:bodyPr spcFirstLastPara="1" wrap="square" lIns="91425" tIns="91425" rIns="91425" bIns="91425" anchor="t" anchorCtr="0">
+            <a:noAutofit/>
+          </a:bodyPr>
+          <a:lstStyle/>
+          <a:p>
+            <a:pPr marL="0" lvl="0" indent="0" algn="ctr" rtl="0">
+              <a:spcBef>
+                <a:spcPts val="0"/>
+              </a:spcBef>
+              <a:spcAft>
+                <a:spcPts val="0"/>
+              </a:spcAft>
+              <a:buNone/>
+            </a:pPr>
+            <a:r>
+              <a:rPr lang="el-GR" sz="2000" dirty="0"/>
+              <a:t>Πέρα </a:t>
+            </a:r>
+            <a:r>
+              <a:rPr lang="el-GR" sz="2000" dirty="0" err="1"/>
+              <a:t>απο</a:t>
+            </a:r>
+            <a:r>
+              <a:rPr lang="el-GR" sz="2000" dirty="0"/>
+              <a:t> τους τελεστές που προαναφέραμε, μπορεί να θέλουμε να ελέγξουμε 2 καταστάσεις για να τρέξει ένα κομμάτι κώδικα. Για να το κάνουμε αυτό μπορούμε να </a:t>
+            </a:r>
+            <a:r>
+              <a:rPr lang="el-GR" sz="2000" dirty="0" err="1"/>
+              <a:t>χρησιμοποιοήσουμε</a:t>
+            </a:r>
+            <a:r>
+              <a:rPr lang="el-GR" sz="2000" dirty="0"/>
+              <a:t> τους τελεστές and , </a:t>
+            </a:r>
+            <a:r>
+              <a:rPr lang="el-GR" sz="2000" dirty="0" err="1"/>
+              <a:t>or</a:t>
+            </a:r>
+            <a:r>
+              <a:rPr lang="el-GR" sz="2000" dirty="0"/>
+              <a:t> , </a:t>
+            </a:r>
+            <a:r>
+              <a:rPr lang="el-GR" sz="2000" dirty="0" err="1"/>
+              <a:t>not</a:t>
+            </a:r>
+            <a:endParaRPr lang="en-US" sz="2000" dirty="0"/>
+          </a:p>
+        </p:txBody>
+      </p:sp>
+      <p:sp>
+        <p:nvSpPr>
+          <p:cNvPr id="662" name="Google Shape;662;p43"/>
+          <p:cNvSpPr txBox="1">
+            <a:spLocks noGrp="1"/>
+          </p:cNvSpPr>
+          <p:nvPr>
+            <p:ph type="title"/>
+          </p:nvPr>
+        </p:nvSpPr>
+        <p:spPr>
+          <a:xfrm>
+            <a:off x="6347791" y="2784600"/>
+            <a:ext cx="1957499" cy="547841"/>
+          </a:xfrm>
+          <a:prstGeom prst="rect">
+            <a:avLst/>
+          </a:prstGeom>
+        </p:spPr>
+        <p:txBody>
+          <a:bodyPr spcFirstLastPara="1" wrap="square" lIns="91425" tIns="91425" rIns="91425" bIns="91425" anchor="b" anchorCtr="0">
+            <a:noAutofit/>
+          </a:bodyPr>
+          <a:lstStyle/>
+          <a:p>
+            <a:pPr marL="0" lvl="0" indent="0" algn="ctr" rtl="0">
+              <a:spcBef>
+                <a:spcPts val="0"/>
+              </a:spcBef>
+              <a:spcAft>
+                <a:spcPts val="0"/>
+              </a:spcAft>
+              <a:buNone/>
+            </a:pPr>
+            <a:r>
+              <a:rPr lang="en-US" dirty="0"/>
+              <a:t>Not</a:t>
+            </a:r>
+          </a:p>
+        </p:txBody>
+      </p:sp>
+      <p:sp>
+        <p:nvSpPr>
+          <p:cNvPr id="663" name="Google Shape;663;p43"/>
+          <p:cNvSpPr txBox="1">
+            <a:spLocks noGrp="1"/>
+          </p:cNvSpPr>
+          <p:nvPr>
+            <p:ph type="subTitle" idx="2"/>
+          </p:nvPr>
+        </p:nvSpPr>
+        <p:spPr>
+          <a:xfrm>
+            <a:off x="742700" y="3640513"/>
+            <a:ext cx="2087717" cy="1254096"/>
+          </a:xfrm>
+          <a:prstGeom prst="rect">
+            <a:avLst/>
+          </a:prstGeom>
+        </p:spPr>
+        <p:txBody>
+          <a:bodyPr spcFirstLastPara="1" wrap="square" lIns="91425" tIns="91425" rIns="91425" bIns="91425" anchor="t" anchorCtr="0">
+            <a:noAutofit/>
+          </a:bodyPr>
+          <a:lstStyle/>
+          <a:p>
+            <a:pPr marL="0" lvl="0" indent="0" algn="ctr" rtl="0">
+              <a:spcBef>
+                <a:spcPts val="0"/>
+              </a:spcBef>
+              <a:spcAft>
+                <a:spcPts val="0"/>
+              </a:spcAft>
+              <a:buNone/>
+            </a:pPr>
+            <a:r>
+              <a:rPr lang="el-GR" dirty="0"/>
+              <a:t>όταν θέλουμε 2 ή περισσότερες προϋποθέσεις να ισχύουν</a:t>
+            </a:r>
+            <a:endParaRPr lang="en-US" dirty="0"/>
+          </a:p>
+        </p:txBody>
+      </p:sp>
+      <p:sp>
+        <p:nvSpPr>
+          <p:cNvPr id="664" name="Google Shape;664;p43"/>
+          <p:cNvSpPr txBox="1">
+            <a:spLocks noGrp="1"/>
+          </p:cNvSpPr>
+          <p:nvPr>
+            <p:ph type="title" idx="3"/>
+          </p:nvPr>
+        </p:nvSpPr>
+        <p:spPr>
+          <a:xfrm>
+            <a:off x="838710" y="2784600"/>
+            <a:ext cx="1895699" cy="529800"/>
+          </a:xfrm>
+          <a:prstGeom prst="rect">
+            <a:avLst/>
+          </a:prstGeom>
+        </p:spPr>
+        <p:txBody>
+          <a:bodyPr spcFirstLastPara="1" wrap="square" lIns="91425" tIns="91425" rIns="91425" bIns="91425" anchor="b" anchorCtr="0">
+            <a:noAutofit/>
+          </a:bodyPr>
+          <a:lstStyle/>
+          <a:p>
+            <a:pPr marL="0" lvl="0" indent="0" algn="ctr" rtl="0">
+              <a:spcBef>
+                <a:spcPts val="0"/>
+              </a:spcBef>
+              <a:spcAft>
+                <a:spcPts val="0"/>
+              </a:spcAft>
+              <a:buNone/>
+            </a:pPr>
+            <a:r>
+              <a:rPr lang="en-US" dirty="0"/>
+              <a:t>And</a:t>
+            </a:r>
+          </a:p>
+        </p:txBody>
+      </p:sp>
+      <p:sp>
+        <p:nvSpPr>
+          <p:cNvPr id="665" name="Google Shape;665;p43"/>
+          <p:cNvSpPr txBox="1">
+            <a:spLocks noGrp="1"/>
+          </p:cNvSpPr>
+          <p:nvPr>
+            <p:ph type="subTitle" idx="4"/>
+          </p:nvPr>
+        </p:nvSpPr>
+        <p:spPr>
+          <a:xfrm>
+            <a:off x="3593250" y="3640513"/>
+            <a:ext cx="1957500" cy="971244"/>
+          </a:xfrm>
+          <a:prstGeom prst="rect">
+            <a:avLst/>
+          </a:prstGeom>
+        </p:spPr>
+        <p:txBody>
+          <a:bodyPr spcFirstLastPara="1" wrap="square" lIns="91425" tIns="91425" rIns="91425" bIns="91425" anchor="t" anchorCtr="0">
+            <a:noAutofit/>
+          </a:bodyPr>
+          <a:lstStyle/>
+          <a:p>
+            <a:pPr marL="0" lvl="0" indent="0" algn="ctr" rtl="0">
+              <a:spcBef>
+                <a:spcPts val="0"/>
+              </a:spcBef>
+              <a:spcAft>
+                <a:spcPts val="0"/>
+              </a:spcAft>
+              <a:buNone/>
+            </a:pPr>
+            <a:r>
+              <a:rPr lang="el-GR" dirty="0"/>
+              <a:t>όταν θέλουμε 1 εκ των πολλών προϋποθέσεων να ισχύουν</a:t>
+            </a:r>
+            <a:endParaRPr lang="en-US" dirty="0"/>
+          </a:p>
+        </p:txBody>
+      </p:sp>
+      <p:sp>
+        <p:nvSpPr>
+          <p:cNvPr id="666" name="Google Shape;666;p43"/>
+          <p:cNvSpPr txBox="1">
+            <a:spLocks noGrp="1"/>
+          </p:cNvSpPr>
+          <p:nvPr>
+            <p:ph type="title" idx="5"/>
+          </p:nvPr>
+        </p:nvSpPr>
+        <p:spPr>
+          <a:xfrm>
+            <a:off x="3565518" y="2793620"/>
+            <a:ext cx="1957500" cy="529800"/>
+          </a:xfrm>
+          <a:prstGeom prst="rect">
+            <a:avLst/>
+          </a:prstGeom>
+        </p:spPr>
+        <p:txBody>
+          <a:bodyPr spcFirstLastPara="1" wrap="square" lIns="91425" tIns="91425" rIns="91425" bIns="91425" anchor="b" anchorCtr="0">
+            <a:noAutofit/>
+          </a:bodyPr>
+          <a:lstStyle/>
+          <a:p>
+            <a:pPr marL="0" lvl="0" indent="0" algn="ctr" rtl="0">
+              <a:spcBef>
+                <a:spcPts val="0"/>
+              </a:spcBef>
+              <a:spcAft>
+                <a:spcPts val="0"/>
+              </a:spcAft>
+              <a:buNone/>
+            </a:pPr>
+            <a:r>
+              <a:rPr lang="en-US" dirty="0"/>
+              <a:t>Or</a:t>
+            </a:r>
+          </a:p>
+        </p:txBody>
+      </p:sp>
+      <p:sp>
+        <p:nvSpPr>
+          <p:cNvPr id="12" name="Google Shape;665;p43">
+            <a:extLst>
+              <a:ext uri="{FF2B5EF4-FFF2-40B4-BE49-F238E27FC236}">
+                <a16:creationId xmlns:a16="http://schemas.microsoft.com/office/drawing/2014/main" id="{487B3951-80AB-5B8B-ACD0-6C6534F28F35}"/>
+              </a:ext>
+            </a:extLst>
+          </p:cNvPr>
+          <p:cNvSpPr txBox="1">
+            <a:spLocks/>
+          </p:cNvSpPr>
+          <p:nvPr/>
+        </p:nvSpPr>
+        <p:spPr>
+          <a:xfrm>
+            <a:off x="6289112" y="3618853"/>
+            <a:ext cx="2074856" cy="971244"/>
+          </a:xfrm>
+          <a:prstGeom prst="rect">
+            <a:avLst/>
+          </a:prstGeom>
+          <a:noFill/>
+          <a:ln>
+            <a:noFill/>
+          </a:ln>
+        </p:spPr>
+        <p:txBody>
+          <a:bodyPr spcFirstLastPara="1" wrap="square" lIns="91425" tIns="91425" rIns="91425" bIns="91425" anchor="t" anchorCtr="0">
+            <a:noAutofit/>
+          </a:bodyPr>
+          <a:lstStyle>
+            <a:defPPr marR="0" lvl="0" algn="l" rtl="0">
+              <a:lnSpc>
+                <a:spcPct val="100000"/>
+              </a:lnSpc>
+              <a:spcBef>
+                <a:spcPts val="0"/>
+              </a:spcBef>
+              <a:spcAft>
+                <a:spcPts val="0"/>
+              </a:spcAft>
+            </a:defPPr>
+            <a:lvl1pPr marL="457200" marR="0" lvl="0" indent="-342900" algn="ctr" rtl="0">
+              <a:lnSpc>
+                <a:spcPct val="100000"/>
+              </a:lnSpc>
+              <a:spcBef>
+                <a:spcPts val="0"/>
+              </a:spcBef>
+              <a:spcAft>
+                <a:spcPts val="0"/>
+              </a:spcAft>
+              <a:buClr>
+                <a:schemeClr val="lt1"/>
+              </a:buClr>
+              <a:buSzPts val="1400"/>
+              <a:buFont typeface="Anaheim"/>
+              <a:buNone/>
+              <a:defRPr sz="1400" b="0" i="0" u="none" strike="noStrike" cap="none">
+                <a:solidFill>
+                  <a:schemeClr val="lt1"/>
+                </a:solidFill>
+                <a:latin typeface="Anaheim"/>
+                <a:ea typeface="Anaheim"/>
+                <a:cs typeface="Anaheim"/>
+                <a:sym typeface="Anaheim"/>
+              </a:defRPr>
+            </a:lvl1pPr>
+            <a:lvl2pPr marL="914400" marR="0" lvl="1" indent="-317500" algn="ctr" rtl="0">
+              <a:lnSpc>
+                <a:spcPct val="100000"/>
+              </a:lnSpc>
+              <a:spcBef>
+                <a:spcPts val="0"/>
+              </a:spcBef>
+              <a:spcAft>
+                <a:spcPts val="0"/>
+              </a:spcAft>
+              <a:buClr>
+                <a:schemeClr val="lt1"/>
+              </a:buClr>
+              <a:buSzPts val="1400"/>
+              <a:buFont typeface="Anaheim"/>
+              <a:buNone/>
+              <a:defRPr sz="1400" b="0" i="0" u="none" strike="noStrike" cap="none">
+                <a:solidFill>
+                  <a:schemeClr val="lt1"/>
+                </a:solidFill>
+                <a:latin typeface="Anaheim"/>
+                <a:ea typeface="Anaheim"/>
+                <a:cs typeface="Anaheim"/>
+                <a:sym typeface="Anaheim"/>
+              </a:defRPr>
+            </a:lvl2pPr>
+            <a:lvl3pPr marL="1371600" marR="0" lvl="2" indent="-317500" algn="ctr" rtl="0">
+              <a:lnSpc>
+                <a:spcPct val="100000"/>
+              </a:lnSpc>
+              <a:spcBef>
+                <a:spcPts val="0"/>
+              </a:spcBef>
+              <a:spcAft>
+                <a:spcPts val="0"/>
+              </a:spcAft>
+              <a:buClr>
+                <a:schemeClr val="lt1"/>
+              </a:buClr>
+              <a:buSzPts val="1400"/>
+              <a:buFont typeface="Anaheim"/>
+              <a:buNone/>
+              <a:defRPr sz="1400" b="0" i="0" u="none" strike="noStrike" cap="none">
+                <a:solidFill>
+                  <a:schemeClr val="lt1"/>
+                </a:solidFill>
+                <a:latin typeface="Anaheim"/>
+                <a:ea typeface="Anaheim"/>
+                <a:cs typeface="Anaheim"/>
+                <a:sym typeface="Anaheim"/>
+              </a:defRPr>
+            </a:lvl3pPr>
+            <a:lvl4pPr marL="1828800" marR="0" lvl="3" indent="-317500" algn="ctr" rtl="0">
+              <a:lnSpc>
+                <a:spcPct val="100000"/>
+              </a:lnSpc>
+              <a:spcBef>
+                <a:spcPts val="0"/>
+              </a:spcBef>
+              <a:spcAft>
+                <a:spcPts val="0"/>
+              </a:spcAft>
+              <a:buClr>
+                <a:schemeClr val="lt1"/>
+              </a:buClr>
+              <a:buSzPts val="1400"/>
+              <a:buFont typeface="Anaheim"/>
+              <a:buNone/>
+              <a:defRPr sz="1400" b="0" i="0" u="none" strike="noStrike" cap="none">
+                <a:solidFill>
+                  <a:schemeClr val="lt1"/>
+                </a:solidFill>
+                <a:latin typeface="Anaheim"/>
+                <a:ea typeface="Anaheim"/>
+                <a:cs typeface="Anaheim"/>
+                <a:sym typeface="Anaheim"/>
+              </a:defRPr>
+            </a:lvl4pPr>
+            <a:lvl5pPr marL="2286000" marR="0" lvl="4" indent="-317500" algn="ctr" rtl="0">
+              <a:lnSpc>
+                <a:spcPct val="100000"/>
+              </a:lnSpc>
+              <a:spcBef>
+                <a:spcPts val="0"/>
+              </a:spcBef>
+              <a:spcAft>
+                <a:spcPts val="0"/>
+              </a:spcAft>
+              <a:buClr>
+                <a:schemeClr val="lt1"/>
+              </a:buClr>
+              <a:buSzPts val="1400"/>
+              <a:buFont typeface="Anaheim"/>
+              <a:buNone/>
+              <a:defRPr sz="1400" b="0" i="0" u="none" strike="noStrike" cap="none">
+                <a:solidFill>
+                  <a:schemeClr val="lt1"/>
+                </a:solidFill>
+                <a:latin typeface="Anaheim"/>
+                <a:ea typeface="Anaheim"/>
+                <a:cs typeface="Anaheim"/>
+                <a:sym typeface="Anaheim"/>
+              </a:defRPr>
+            </a:lvl5pPr>
+            <a:lvl6pPr marL="2743200" marR="0" lvl="5" indent="-317500" algn="ctr" rtl="0">
+              <a:lnSpc>
+                <a:spcPct val="100000"/>
+              </a:lnSpc>
+              <a:spcBef>
+                <a:spcPts val="0"/>
+              </a:spcBef>
+              <a:spcAft>
+                <a:spcPts val="0"/>
+              </a:spcAft>
+              <a:buClr>
+                <a:schemeClr val="lt1"/>
+              </a:buClr>
+              <a:buSzPts val="1400"/>
+              <a:buFont typeface="Anaheim"/>
+              <a:buNone/>
+              <a:defRPr sz="1400" b="0" i="0" u="none" strike="noStrike" cap="none">
+                <a:solidFill>
+                  <a:schemeClr val="lt1"/>
+                </a:solidFill>
+                <a:latin typeface="Anaheim"/>
+                <a:ea typeface="Anaheim"/>
+                <a:cs typeface="Anaheim"/>
+                <a:sym typeface="Anaheim"/>
+              </a:defRPr>
+            </a:lvl6pPr>
+            <a:lvl7pPr marL="3200400" marR="0" lvl="6" indent="-317500" algn="ctr" rtl="0">
+              <a:lnSpc>
+                <a:spcPct val="100000"/>
+              </a:lnSpc>
+              <a:spcBef>
+                <a:spcPts val="0"/>
+              </a:spcBef>
+              <a:spcAft>
+                <a:spcPts val="0"/>
+              </a:spcAft>
+              <a:buClr>
+                <a:schemeClr val="lt1"/>
+              </a:buClr>
+              <a:buSzPts val="1400"/>
+              <a:buFont typeface="Anaheim"/>
+              <a:buNone/>
+              <a:defRPr sz="1400" b="0" i="0" u="none" strike="noStrike" cap="none">
+                <a:solidFill>
+                  <a:schemeClr val="lt1"/>
+                </a:solidFill>
+                <a:latin typeface="Anaheim"/>
+                <a:ea typeface="Anaheim"/>
+                <a:cs typeface="Anaheim"/>
+                <a:sym typeface="Anaheim"/>
+              </a:defRPr>
+            </a:lvl7pPr>
+            <a:lvl8pPr marL="3657600" marR="0" lvl="7" indent="-317500" algn="ctr" rtl="0">
+              <a:lnSpc>
+                <a:spcPct val="100000"/>
+              </a:lnSpc>
+              <a:spcBef>
+                <a:spcPts val="0"/>
+              </a:spcBef>
+              <a:spcAft>
+                <a:spcPts val="0"/>
+              </a:spcAft>
+              <a:buClr>
+                <a:schemeClr val="lt1"/>
+              </a:buClr>
+              <a:buSzPts val="1400"/>
+              <a:buFont typeface="Anaheim"/>
+              <a:buNone/>
+              <a:defRPr sz="1400" b="0" i="0" u="none" strike="noStrike" cap="none">
+                <a:solidFill>
+                  <a:schemeClr val="lt1"/>
+                </a:solidFill>
+                <a:latin typeface="Anaheim"/>
+                <a:ea typeface="Anaheim"/>
+                <a:cs typeface="Anaheim"/>
+                <a:sym typeface="Anaheim"/>
+              </a:defRPr>
+            </a:lvl8pPr>
+            <a:lvl9pPr marL="4114800" marR="0" lvl="8" indent="-317500" algn="ctr" rtl="0">
+              <a:lnSpc>
+                <a:spcPct val="100000"/>
+              </a:lnSpc>
+              <a:spcBef>
+                <a:spcPts val="0"/>
+              </a:spcBef>
+              <a:spcAft>
+                <a:spcPts val="0"/>
+              </a:spcAft>
+              <a:buClr>
+                <a:schemeClr val="lt1"/>
+              </a:buClr>
+              <a:buSzPts val="1400"/>
+              <a:buFont typeface="Anaheim"/>
+              <a:buNone/>
+              <a:defRPr sz="1400" b="0" i="0" u="none" strike="noStrike" cap="none">
+                <a:solidFill>
+                  <a:schemeClr val="lt1"/>
+                </a:solidFill>
+                <a:latin typeface="Anaheim"/>
+                <a:ea typeface="Anaheim"/>
+                <a:cs typeface="Anaheim"/>
+                <a:sym typeface="Anaheim"/>
+              </a:defRPr>
+            </a:lvl9pPr>
+          </a:lstStyle>
+          <a:p>
+            <a:pPr marL="0" indent="0"/>
+            <a:r>
+              <a:rPr lang="el-GR" dirty="0"/>
+              <a:t>φέρνει το αντίθετο αποτέλεσμα, δηλαδή αν κάτι </a:t>
+            </a:r>
+            <a:r>
+              <a:rPr lang="el-GR" dirty="0" err="1"/>
+              <a:t>ειναι</a:t>
+            </a:r>
+            <a:r>
+              <a:rPr lang="el-GR" dirty="0"/>
+              <a:t> σωστό το αποτέλεσμα της </a:t>
+            </a:r>
+            <a:r>
+              <a:rPr lang="el-GR" dirty="0" err="1"/>
+              <a:t>not</a:t>
+            </a:r>
+            <a:r>
+              <a:rPr lang="el-GR" dirty="0"/>
+              <a:t> θα είναι λάθος</a:t>
+            </a:r>
+            <a:endParaRPr lang="en-US" dirty="0"/>
+          </a:p>
+        </p:txBody>
+      </p:sp>
+    </p:spTree>
+    <p:extLst>
+      <p:ext uri="{BB962C8B-B14F-4D97-AF65-F5344CB8AC3E}">
+        <p14:creationId xmlns:p14="http://schemas.microsoft.com/office/powerpoint/2010/main" val="814710206"/>
+      </p:ext>
+    </p:extLst>
+  </p:cSld>
+  <p:clrMapOvr>
+    <a:masterClrMapping/>
+  </p:clrMapOvr>
+</p:sld>
+</file>
+
+<file path=ppt/slides/slide14.xml><?xml version="1.0" encoding="utf-8"?>
+<p:sld xmlns:a="http://schemas.openxmlformats.org/drawingml/2006/main" xmlns:r="http://schemas.openxmlformats.org/officeDocument/2006/relationships" xmlns:p="http://schemas.openxmlformats.org/presentationml/2006/main">
+  <p:cSld>
+    <p:spTree>
+      <p:nvGrpSpPr>
+        <p:cNvPr id="1" name="Shape 373"/>
+        <p:cNvGrpSpPr/>
+        <p:nvPr/>
+      </p:nvGrpSpPr>
+      <p:grpSpPr>
+        <a:xfrm>
+          <a:off x="0" y="0"/>
+          <a:ext cx="0" cy="0"/>
+          <a:chOff x="0" y="0"/>
+          <a:chExt cx="0" cy="0"/>
+        </a:xfrm>
+      </p:grpSpPr>
+      <p:sp>
+        <p:nvSpPr>
+          <p:cNvPr id="374" name="Google Shape;374;p32"/>
+          <p:cNvSpPr txBox="1">
+            <a:spLocks noGrp="1"/>
+          </p:cNvSpPr>
+          <p:nvPr>
+            <p:ph type="title"/>
+          </p:nvPr>
+        </p:nvSpPr>
+        <p:spPr>
+          <a:xfrm>
+            <a:off x="454800" y="2714625"/>
+            <a:ext cx="8425200" cy="447900"/>
+          </a:xfrm>
+          <a:prstGeom prst="rect">
+            <a:avLst/>
+          </a:prstGeom>
+        </p:spPr>
+        <p:txBody>
+          <a:bodyPr spcFirstLastPara="1" wrap="square" lIns="91425" tIns="0" rIns="91425" bIns="0" anchor="ctr" anchorCtr="0">
+            <a:noAutofit/>
+          </a:bodyPr>
+          <a:lstStyle/>
+          <a:p>
+            <a:pPr marL="0" lvl="0" indent="0" algn="ctr" rtl="0">
+              <a:spcBef>
+                <a:spcPts val="0"/>
+              </a:spcBef>
+              <a:spcAft>
+                <a:spcPts val="0"/>
+              </a:spcAft>
+              <a:buNone/>
+            </a:pPr>
+            <a:r>
+              <a:rPr lang="en-US" dirty="0"/>
+              <a:t>For loops</a:t>
+            </a:r>
+          </a:p>
+        </p:txBody>
+      </p:sp>
+      <p:sp>
+        <p:nvSpPr>
+          <p:cNvPr id="375" name="Google Shape;375;p32"/>
+          <p:cNvSpPr txBox="1">
+            <a:spLocks noGrp="1"/>
+          </p:cNvSpPr>
+          <p:nvPr>
+            <p:ph type="title" idx="2"/>
+          </p:nvPr>
+        </p:nvSpPr>
+        <p:spPr>
+          <a:xfrm>
+            <a:off x="454800" y="2150850"/>
+            <a:ext cx="8425200" cy="489600"/>
+          </a:xfrm>
+          <a:prstGeom prst="rect">
+            <a:avLst/>
+          </a:prstGeom>
+        </p:spPr>
+        <p:txBody>
+          <a:bodyPr spcFirstLastPara="1" wrap="square" lIns="91425" tIns="0" rIns="91425" bIns="0" anchor="b" anchorCtr="0">
+            <a:noAutofit/>
+          </a:bodyPr>
+          <a:lstStyle/>
+          <a:p>
+            <a:pPr marL="0" lvl="0" indent="0" algn="ctr" rtl="0">
+              <a:spcBef>
+                <a:spcPts val="0"/>
+              </a:spcBef>
+              <a:spcAft>
+                <a:spcPts val="0"/>
+              </a:spcAft>
+              <a:buNone/>
+            </a:pPr>
+            <a:r>
+              <a:rPr lang="en" dirty="0"/>
+              <a:t>0</a:t>
+            </a:r>
+            <a:r>
+              <a:rPr lang="el-GR" dirty="0"/>
+              <a:t>3</a:t>
+            </a:r>
+            <a:endParaRPr dirty="0"/>
+          </a:p>
+        </p:txBody>
+      </p:sp>
+    </p:spTree>
+    <p:extLst>
+      <p:ext uri="{BB962C8B-B14F-4D97-AF65-F5344CB8AC3E}">
+        <p14:creationId xmlns:p14="http://schemas.microsoft.com/office/powerpoint/2010/main" val="1385367369"/>
+      </p:ext>
+    </p:extLst>
+  </p:cSld>
+  <p:clrMapOvr>
+    <a:masterClrMapping/>
+  </p:clrMapOvr>
+</p:sld>
+</file>
+
+<file path=ppt/slides/slide15.xml><?xml version="1.0" encoding="utf-8"?>
+<p:sld xmlns:a="http://schemas.openxmlformats.org/drawingml/2006/main" xmlns:r="http://schemas.openxmlformats.org/officeDocument/2006/relationships" xmlns:p="http://schemas.openxmlformats.org/presentationml/2006/main">
+  <p:cSld>
+    <p:spTree>
+      <p:nvGrpSpPr>
         <p:cNvPr id="1" name="Shape 379"/>
         <p:cNvGrpSpPr/>
         <p:nvPr/>
@@ -20167,8 +24497,8 @@
         </p:nvSpPr>
         <p:spPr>
           <a:xfrm>
-            <a:off x="3458817" y="935052"/>
-            <a:ext cx="5616625" cy="3273396"/>
+            <a:off x="4094921" y="1961321"/>
+            <a:ext cx="4775112" cy="2154361"/>
           </a:xfrm>
           <a:prstGeom prst="rect">
             <a:avLst/>
@@ -20191,99 +24521,31 @@
             </a:pPr>
             <a:r>
               <a:rPr lang="el-GR" dirty="0"/>
-              <a:t>Σχόλια είναι μέρη του προγράμματος τα οποία δεν είναι λειτουργικά (δεν τρέχουν κάτι στον κώδικα) αλλά χρησιμοποιούνται για επεξήγηση και για να κάνουν τον κώδικα πιο ευανάγνωστο.</a:t>
-            </a:r>
-          </a:p>
-          <a:p>
-            <a:pPr marL="0" lvl="0" indent="0" algn="l" rtl="0">
-              <a:spcBef>
-                <a:spcPts val="0"/>
-              </a:spcBef>
-              <a:spcAft>
-                <a:spcPts val="0"/>
-              </a:spcAft>
-              <a:buNone/>
-            </a:pPr>
-            <a:r>
-              <a:rPr lang="el-GR" dirty="0"/>
-              <a:t>Στόχος μιας εφαρμογής είναι ο κώδικας που θα γραφτεί να είναι από μόνος του όσο πιο ευανάγνωστος γίνεται, αλλά πολλές φορές μπορεί μία συνάρτηση να είναι δυσνόητη και να χρειάζεται επεξήγηση </a:t>
+              <a:t>For </a:t>
             </a:r>
             <a:r>
               <a:rPr lang="el-GR" dirty="0" err="1"/>
-              <a:t>απο</a:t>
+              <a:t>loops</a:t>
             </a:r>
             <a:r>
               <a:rPr lang="el-GR" dirty="0"/>
-              <a:t> τον δημιουργό της ώστε να μπορούν αν την κατανοήσουν και οι επόμενοι μηχανικοί.</a:t>
+              <a:t> είναι διαδικασίες που τρέχουν για έναν συγκεκριμένο αριθμό φορών. Ονομάζονται στα ελληνικά </a:t>
             </a:r>
-          </a:p>
-          <a:p>
-            <a:pPr marL="0" lvl="0" indent="0" algn="l" rtl="0">
-              <a:spcBef>
-                <a:spcPts val="0"/>
-              </a:spcBef>
-              <a:spcAft>
-                <a:spcPts val="0"/>
-              </a:spcAft>
-              <a:buNone/>
-            </a:pPr>
-            <a:endParaRPr lang="el-GR" dirty="0"/>
-          </a:p>
-          <a:p>
-            <a:pPr marL="0" lvl="0" indent="0" algn="l" rtl="0">
-              <a:spcBef>
-                <a:spcPts val="0"/>
-              </a:spcBef>
-              <a:spcAft>
-                <a:spcPts val="0"/>
-              </a:spcAft>
-              <a:buNone/>
-            </a:pPr>
+            <a:r>
+              <a:rPr lang="el-GR" dirty="0" err="1"/>
+              <a:t>επαναλμβανόμενοι</a:t>
+            </a:r>
             <a:r>
               <a:rPr lang="el-GR" dirty="0"/>
-              <a:t>Για μια γραμμή Comment βάζουμε #</a:t>
+              <a:t> βρόγχοι και χρησιμοποιούνται με λίστες οι άλλους τύπους </a:t>
             </a:r>
-          </a:p>
-          <a:p>
-            <a:pPr marL="0" lvl="0" indent="0" algn="l" rtl="0">
-              <a:spcBef>
-                <a:spcPts val="0"/>
-              </a:spcBef>
-              <a:spcAft>
-                <a:spcPts val="0"/>
-              </a:spcAft>
-              <a:buNone/>
-            </a:pPr>
+            <a:r>
+              <a:rPr lang="el-GR" dirty="0" err="1"/>
+              <a:t>αποθήκυεσης</a:t>
+            </a:r>
             <a:r>
               <a:rPr lang="el-GR" dirty="0"/>
-              <a:t>Για πολλές """ """</a:t>
-            </a:r>
-          </a:p>
-          <a:p>
-            <a:pPr marL="0" lvl="0" indent="0" algn="l" rtl="0">
-              <a:spcBef>
-                <a:spcPts val="0"/>
-              </a:spcBef>
-              <a:spcAft>
-                <a:spcPts val="0"/>
-              </a:spcAft>
-              <a:buNone/>
-            </a:pPr>
-            <a:endParaRPr lang="el-GR" dirty="0"/>
-          </a:p>
-          <a:p>
-            <a:pPr marL="0" lvl="0" indent="0" algn="l" rtl="0">
-              <a:spcBef>
-                <a:spcPts val="0"/>
-              </a:spcBef>
-              <a:spcAft>
-                <a:spcPts val="0"/>
-              </a:spcAft>
-              <a:buNone/>
-            </a:pPr>
-            <a:r>
-              <a:rPr lang="el-GR" dirty="0"/>
-              <a:t>Ας δούμε πάλι ένα παράδειγμα στο `lesson_1.py`</a:t>
+              <a:t> δεδομένων για να έχουμε πρόσβαση στα στοιχεία τους.</a:t>
             </a:r>
           </a:p>
         </p:txBody>
@@ -20301,7 +24563,430 @@
 </p:sld>
 </file>
 
-<file path=ppt/slides/slide11.xml><?xml version="1.0" encoding="utf-8"?>
+<file path=ppt/slides/slide16.xml><?xml version="1.0" encoding="utf-8"?>
+<p:sld xmlns:a="http://schemas.openxmlformats.org/drawingml/2006/main" xmlns:r="http://schemas.openxmlformats.org/officeDocument/2006/relationships" xmlns:p="http://schemas.openxmlformats.org/presentationml/2006/main">
+  <p:cSld>
+    <p:spTree>
+      <p:nvGrpSpPr>
+        <p:cNvPr id="1" name="Shape 530"/>
+        <p:cNvGrpSpPr/>
+        <p:nvPr/>
+      </p:nvGrpSpPr>
+      <p:grpSpPr>
+        <a:xfrm>
+          <a:off x="0" y="0"/>
+          <a:ext cx="0" cy="0"/>
+          <a:chOff x="0" y="0"/>
+          <a:chExt cx="0" cy="0"/>
+        </a:xfrm>
+      </p:grpSpPr>
+      <p:sp>
+        <p:nvSpPr>
+          <p:cNvPr id="2" name="Google Shape;722;p47">
+            <a:extLst>
+              <a:ext uri="{FF2B5EF4-FFF2-40B4-BE49-F238E27FC236}">
+                <a16:creationId xmlns:a16="http://schemas.microsoft.com/office/drawing/2014/main" id="{8B478619-AD90-9D72-7F64-0906F0DBB747}"/>
+              </a:ext>
+            </a:extLst>
+          </p:cNvPr>
+          <p:cNvSpPr txBox="1">
+            <a:spLocks noGrp="1"/>
+          </p:cNvSpPr>
+          <p:nvPr>
+            <p:ph type="title"/>
+          </p:nvPr>
+        </p:nvSpPr>
+        <p:spPr>
+          <a:xfrm>
+            <a:off x="2916961" y="667228"/>
+            <a:ext cx="2611463" cy="638110"/>
+          </a:xfrm>
+          <a:prstGeom prst="rect">
+            <a:avLst/>
+          </a:prstGeom>
+        </p:spPr>
+        <p:txBody>
+          <a:bodyPr spcFirstLastPara="1" wrap="square" lIns="91425" tIns="91425" rIns="91425" bIns="91425" anchor="t" anchorCtr="0">
+            <a:noAutofit/>
+          </a:bodyPr>
+          <a:lstStyle/>
+          <a:p>
+            <a:pPr marL="0" lvl="0" indent="0" algn="ctr" rtl="0">
+              <a:spcBef>
+                <a:spcPts val="0"/>
+              </a:spcBef>
+              <a:spcAft>
+                <a:spcPts val="0"/>
+              </a:spcAft>
+              <a:buNone/>
+            </a:pPr>
+            <a:r>
+              <a:rPr lang="en-US" dirty="0"/>
+              <a:t>in range</a:t>
+            </a:r>
+          </a:p>
+        </p:txBody>
+      </p:sp>
+      <p:sp>
+        <p:nvSpPr>
+          <p:cNvPr id="3" name="Google Shape;531;p41">
+            <a:extLst>
+              <a:ext uri="{FF2B5EF4-FFF2-40B4-BE49-F238E27FC236}">
+                <a16:creationId xmlns:a16="http://schemas.microsoft.com/office/drawing/2014/main" id="{FFAFD54A-E97C-FA72-8432-ECB65CBA8CB4}"/>
+              </a:ext>
+            </a:extLst>
+          </p:cNvPr>
+          <p:cNvSpPr txBox="1">
+            <a:spLocks/>
+          </p:cNvSpPr>
+          <p:nvPr/>
+        </p:nvSpPr>
+        <p:spPr>
+          <a:xfrm flipH="1">
+            <a:off x="1487997" y="2140226"/>
+            <a:ext cx="5469393" cy="1912900"/>
+          </a:xfrm>
+          <a:prstGeom prst="rect">
+            <a:avLst/>
+          </a:prstGeom>
+          <a:noFill/>
+          <a:ln>
+            <a:noFill/>
+          </a:ln>
+        </p:spPr>
+        <p:txBody>
+          <a:bodyPr spcFirstLastPara="1" wrap="square" lIns="91425" tIns="91425" rIns="91425" bIns="91425" anchor="ctr" anchorCtr="0">
+            <a:noAutofit/>
+          </a:bodyPr>
+          <a:lstStyle>
+            <a:defPPr marR="0" lvl="0" algn="l" rtl="0">
+              <a:lnSpc>
+                <a:spcPct val="100000"/>
+              </a:lnSpc>
+              <a:spcBef>
+                <a:spcPts val="0"/>
+              </a:spcBef>
+              <a:spcAft>
+                <a:spcPts val="0"/>
+              </a:spcAft>
+            </a:defPPr>
+            <a:lvl1pPr marL="457200" marR="0" lvl="0" indent="-342900" algn="l" rtl="0">
+              <a:lnSpc>
+                <a:spcPct val="100000"/>
+              </a:lnSpc>
+              <a:spcBef>
+                <a:spcPts val="0"/>
+              </a:spcBef>
+              <a:spcAft>
+                <a:spcPts val="0"/>
+              </a:spcAft>
+              <a:buClr>
+                <a:schemeClr val="lt1"/>
+              </a:buClr>
+              <a:buSzPts val="1800"/>
+              <a:buFont typeface="Anaheim"/>
+              <a:buNone/>
+              <a:defRPr sz="1600" b="0" i="0" u="none" strike="noStrike" cap="none">
+                <a:solidFill>
+                  <a:schemeClr val="lt1"/>
+                </a:solidFill>
+                <a:latin typeface="Anaheim"/>
+                <a:ea typeface="Anaheim"/>
+                <a:cs typeface="Anaheim"/>
+                <a:sym typeface="Anaheim"/>
+              </a:defRPr>
+            </a:lvl1pPr>
+            <a:lvl2pPr marL="914400" marR="0" lvl="1" indent="-317500" algn="r" rtl="0">
+              <a:lnSpc>
+                <a:spcPct val="100000"/>
+              </a:lnSpc>
+              <a:spcBef>
+                <a:spcPts val="0"/>
+              </a:spcBef>
+              <a:spcAft>
+                <a:spcPts val="0"/>
+              </a:spcAft>
+              <a:buClr>
+                <a:schemeClr val="lt1"/>
+              </a:buClr>
+              <a:buSzPts val="1400"/>
+              <a:buFont typeface="Anaheim"/>
+              <a:buNone/>
+              <a:defRPr sz="1400" b="0" i="0" u="none" strike="noStrike" cap="none">
+                <a:solidFill>
+                  <a:schemeClr val="lt1"/>
+                </a:solidFill>
+                <a:latin typeface="Anaheim"/>
+                <a:ea typeface="Anaheim"/>
+                <a:cs typeface="Anaheim"/>
+                <a:sym typeface="Anaheim"/>
+              </a:defRPr>
+            </a:lvl2pPr>
+            <a:lvl3pPr marL="1371600" marR="0" lvl="2" indent="-317500" algn="r" rtl="0">
+              <a:lnSpc>
+                <a:spcPct val="100000"/>
+              </a:lnSpc>
+              <a:spcBef>
+                <a:spcPts val="0"/>
+              </a:spcBef>
+              <a:spcAft>
+                <a:spcPts val="0"/>
+              </a:spcAft>
+              <a:buClr>
+                <a:schemeClr val="lt1"/>
+              </a:buClr>
+              <a:buSzPts val="1400"/>
+              <a:buFont typeface="Anaheim"/>
+              <a:buNone/>
+              <a:defRPr sz="1400" b="0" i="0" u="none" strike="noStrike" cap="none">
+                <a:solidFill>
+                  <a:schemeClr val="lt1"/>
+                </a:solidFill>
+                <a:latin typeface="Anaheim"/>
+                <a:ea typeface="Anaheim"/>
+                <a:cs typeface="Anaheim"/>
+                <a:sym typeface="Anaheim"/>
+              </a:defRPr>
+            </a:lvl3pPr>
+            <a:lvl4pPr marL="1828800" marR="0" lvl="3" indent="-317500" algn="r" rtl="0">
+              <a:lnSpc>
+                <a:spcPct val="100000"/>
+              </a:lnSpc>
+              <a:spcBef>
+                <a:spcPts val="0"/>
+              </a:spcBef>
+              <a:spcAft>
+                <a:spcPts val="0"/>
+              </a:spcAft>
+              <a:buClr>
+                <a:schemeClr val="lt1"/>
+              </a:buClr>
+              <a:buSzPts val="1400"/>
+              <a:buFont typeface="Anaheim"/>
+              <a:buNone/>
+              <a:defRPr sz="1400" b="0" i="0" u="none" strike="noStrike" cap="none">
+                <a:solidFill>
+                  <a:schemeClr val="lt1"/>
+                </a:solidFill>
+                <a:latin typeface="Anaheim"/>
+                <a:ea typeface="Anaheim"/>
+                <a:cs typeface="Anaheim"/>
+                <a:sym typeface="Anaheim"/>
+              </a:defRPr>
+            </a:lvl4pPr>
+            <a:lvl5pPr marL="2286000" marR="0" lvl="4" indent="-317500" algn="r" rtl="0">
+              <a:lnSpc>
+                <a:spcPct val="100000"/>
+              </a:lnSpc>
+              <a:spcBef>
+                <a:spcPts val="0"/>
+              </a:spcBef>
+              <a:spcAft>
+                <a:spcPts val="0"/>
+              </a:spcAft>
+              <a:buClr>
+                <a:schemeClr val="lt1"/>
+              </a:buClr>
+              <a:buSzPts val="1400"/>
+              <a:buFont typeface="Anaheim"/>
+              <a:buNone/>
+              <a:defRPr sz="1400" b="0" i="0" u="none" strike="noStrike" cap="none">
+                <a:solidFill>
+                  <a:schemeClr val="lt1"/>
+                </a:solidFill>
+                <a:latin typeface="Anaheim"/>
+                <a:ea typeface="Anaheim"/>
+                <a:cs typeface="Anaheim"/>
+                <a:sym typeface="Anaheim"/>
+              </a:defRPr>
+            </a:lvl5pPr>
+            <a:lvl6pPr marL="2743200" marR="0" lvl="5" indent="-317500" algn="r" rtl="0">
+              <a:lnSpc>
+                <a:spcPct val="100000"/>
+              </a:lnSpc>
+              <a:spcBef>
+                <a:spcPts val="0"/>
+              </a:spcBef>
+              <a:spcAft>
+                <a:spcPts val="0"/>
+              </a:spcAft>
+              <a:buClr>
+                <a:schemeClr val="lt1"/>
+              </a:buClr>
+              <a:buSzPts val="1400"/>
+              <a:buFont typeface="Anaheim"/>
+              <a:buNone/>
+              <a:defRPr sz="1400" b="0" i="0" u="none" strike="noStrike" cap="none">
+                <a:solidFill>
+                  <a:schemeClr val="lt1"/>
+                </a:solidFill>
+                <a:latin typeface="Anaheim"/>
+                <a:ea typeface="Anaheim"/>
+                <a:cs typeface="Anaheim"/>
+                <a:sym typeface="Anaheim"/>
+              </a:defRPr>
+            </a:lvl6pPr>
+            <a:lvl7pPr marL="3200400" marR="0" lvl="6" indent="-317500" algn="r" rtl="0">
+              <a:lnSpc>
+                <a:spcPct val="100000"/>
+              </a:lnSpc>
+              <a:spcBef>
+                <a:spcPts val="0"/>
+              </a:spcBef>
+              <a:spcAft>
+                <a:spcPts val="0"/>
+              </a:spcAft>
+              <a:buClr>
+                <a:schemeClr val="lt1"/>
+              </a:buClr>
+              <a:buSzPts val="1400"/>
+              <a:buFont typeface="Anaheim"/>
+              <a:buNone/>
+              <a:defRPr sz="1400" b="0" i="0" u="none" strike="noStrike" cap="none">
+                <a:solidFill>
+                  <a:schemeClr val="lt1"/>
+                </a:solidFill>
+                <a:latin typeface="Anaheim"/>
+                <a:ea typeface="Anaheim"/>
+                <a:cs typeface="Anaheim"/>
+                <a:sym typeface="Anaheim"/>
+              </a:defRPr>
+            </a:lvl7pPr>
+            <a:lvl8pPr marL="3657600" marR="0" lvl="7" indent="-317500" algn="r" rtl="0">
+              <a:lnSpc>
+                <a:spcPct val="100000"/>
+              </a:lnSpc>
+              <a:spcBef>
+                <a:spcPts val="0"/>
+              </a:spcBef>
+              <a:spcAft>
+                <a:spcPts val="0"/>
+              </a:spcAft>
+              <a:buClr>
+                <a:schemeClr val="lt1"/>
+              </a:buClr>
+              <a:buSzPts val="1400"/>
+              <a:buFont typeface="Anaheim"/>
+              <a:buNone/>
+              <a:defRPr sz="1400" b="0" i="0" u="none" strike="noStrike" cap="none">
+                <a:solidFill>
+                  <a:schemeClr val="lt1"/>
+                </a:solidFill>
+                <a:latin typeface="Anaheim"/>
+                <a:ea typeface="Anaheim"/>
+                <a:cs typeface="Anaheim"/>
+                <a:sym typeface="Anaheim"/>
+              </a:defRPr>
+            </a:lvl8pPr>
+            <a:lvl9pPr marL="4114800" marR="0" lvl="8" indent="-317500" algn="r" rtl="0">
+              <a:lnSpc>
+                <a:spcPct val="100000"/>
+              </a:lnSpc>
+              <a:spcBef>
+                <a:spcPts val="0"/>
+              </a:spcBef>
+              <a:spcAft>
+                <a:spcPts val="0"/>
+              </a:spcAft>
+              <a:buClr>
+                <a:schemeClr val="lt1"/>
+              </a:buClr>
+              <a:buSzPts val="1400"/>
+              <a:buFont typeface="Anaheim"/>
+              <a:buNone/>
+              <a:defRPr sz="1400" b="0" i="0" u="none" strike="noStrike" cap="none">
+                <a:solidFill>
+                  <a:schemeClr val="lt1"/>
+                </a:solidFill>
+                <a:latin typeface="Anaheim"/>
+                <a:ea typeface="Anaheim"/>
+                <a:cs typeface="Anaheim"/>
+                <a:sym typeface="Anaheim"/>
+              </a:defRPr>
+            </a:lvl9pPr>
+          </a:lstStyle>
+          <a:p>
+            <a:pPr marL="0" indent="0"/>
+            <a:r>
+              <a:rPr lang="el-GR" dirty="0"/>
+              <a:t>Για να περάσουμε μέσα </a:t>
+            </a:r>
+            <a:r>
+              <a:rPr lang="el-GR" dirty="0" err="1"/>
+              <a:t>απο</a:t>
+            </a:r>
+            <a:r>
+              <a:rPr lang="el-GR" dirty="0"/>
+              <a:t> έναν κώδικα συγκεκριμένες φορές χρησιμοποιούμε την συνάρτηση </a:t>
+            </a:r>
+            <a:r>
+              <a:rPr lang="el-GR" dirty="0" err="1"/>
+              <a:t>range</a:t>
+            </a:r>
+            <a:r>
+              <a:rPr lang="el-GR" dirty="0"/>
+              <a:t>(). Ξεκινώντας </a:t>
+            </a:r>
+            <a:r>
+              <a:rPr lang="el-GR" dirty="0" err="1"/>
+              <a:t>απο</a:t>
+            </a:r>
+            <a:r>
+              <a:rPr lang="el-GR" dirty="0"/>
+              <a:t> το 0 μπορούμε να επιτελέσουμε ένα κομμάτι κώδικα χ φορές.</a:t>
+            </a:r>
+          </a:p>
+          <a:p>
+            <a:pPr marL="0" indent="0"/>
+            <a:endParaRPr lang="el-GR" dirty="0"/>
+          </a:p>
+          <a:p>
+            <a:pPr marL="0" indent="0"/>
+            <a:r>
+              <a:rPr lang="el-GR" dirty="0"/>
+              <a:t>Μπορούμε και να προσδιορίσουμε </a:t>
+            </a:r>
+            <a:r>
+              <a:rPr lang="el-GR" dirty="0" err="1"/>
+              <a:t>απο</a:t>
+            </a:r>
+            <a:r>
+              <a:rPr lang="el-GR" dirty="0"/>
+              <a:t> πότε ξεκινάμε (πχ </a:t>
+            </a:r>
+            <a:r>
+              <a:rPr lang="el-GR" dirty="0" err="1"/>
+              <a:t>απο</a:t>
+            </a:r>
+            <a:r>
+              <a:rPr lang="el-GR" dirty="0"/>
+              <a:t> το 1), αλλά και κατά πόσο αυξάνεται ο αριθμός κάθε </a:t>
+            </a:r>
+            <a:r>
+              <a:rPr lang="el-GR" dirty="0" err="1"/>
+              <a:t>φορα</a:t>
+            </a:r>
+            <a:r>
+              <a:rPr lang="el-GR" dirty="0"/>
+              <a:t>. Μπορεί πχ να θέλουμε κάθε φορά να αυξάνεται η μεταβλητή κατά 2.</a:t>
+            </a:r>
+          </a:p>
+        </p:txBody>
+      </p:sp>
+    </p:spTree>
+    <p:extLst>
+      <p:ext uri="{BB962C8B-B14F-4D97-AF65-F5344CB8AC3E}">
+        <p14:creationId xmlns:p14="http://schemas.microsoft.com/office/powerpoint/2010/main" val="3058773929"/>
+      </p:ext>
+    </p:extLst>
+  </p:cSld>
+  <p:clrMapOvr>
+    <a:masterClrMapping/>
+  </p:clrMapOvr>
+</p:sld>
+</file>
+
+<file path=ppt/slides/slide17.xml><?xml version="1.0" encoding="utf-8"?>
 <p:sld xmlns:a="http://schemas.openxmlformats.org/drawingml/2006/main" xmlns:r="http://schemas.openxmlformats.org/officeDocument/2006/relationships" xmlns:p="http://schemas.openxmlformats.org/presentationml/2006/main">
   <p:cSld>
     <p:spTree>
@@ -20655,7 +25340,7 @@
 </p:sld>
 </file>
 
-<file path=ppt/slides/slide12.xml><?xml version="1.0" encoding="utf-8"?>
+<file path=ppt/slides/slide18.xml><?xml version="1.0" encoding="utf-8"?>
 <p:sld xmlns:a="http://schemas.openxmlformats.org/drawingml/2006/main" xmlns:r="http://schemas.openxmlformats.org/officeDocument/2006/relationships" xmlns:p="http://schemas.openxmlformats.org/presentationml/2006/main">
   <p:cSld>
     <p:spTree>
@@ -21299,7 +25984,7 @@
 </p:sld>
 </file>
 
-<file path=ppt/slides/slide13.xml><?xml version="1.0" encoding="utf-8"?>
+<file path=ppt/slides/slide19.xml><?xml version="1.0" encoding="utf-8"?>
 <p:sld xmlns:a="http://schemas.openxmlformats.org/drawingml/2006/main" xmlns:r="http://schemas.openxmlformats.org/officeDocument/2006/relationships" xmlns:p="http://schemas.openxmlformats.org/presentationml/2006/main">
   <p:cSld>
     <p:spTree>
@@ -21445,7 +26130,1003 @@
 </p:sld>
 </file>
 
-<file path=ppt/slides/slide14.xml><?xml version="1.0" encoding="utf-8"?>
+<file path=ppt/slides/slide2.xml><?xml version="1.0" encoding="utf-8"?>
+<p:sld xmlns:a="http://schemas.openxmlformats.org/drawingml/2006/main" xmlns:r="http://schemas.openxmlformats.org/officeDocument/2006/relationships" xmlns:p="http://schemas.openxmlformats.org/presentationml/2006/main">
+  <p:cSld>
+    <p:spTree>
+      <p:nvGrpSpPr>
+        <p:cNvPr id="1" name="Shape 346"/>
+        <p:cNvGrpSpPr/>
+        <p:nvPr/>
+      </p:nvGrpSpPr>
+      <p:grpSpPr>
+        <a:xfrm>
+          <a:off x="0" y="0"/>
+          <a:ext cx="0" cy="0"/>
+          <a:chOff x="0" y="0"/>
+          <a:chExt cx="0" cy="0"/>
+        </a:xfrm>
+      </p:grpSpPr>
+      <p:sp>
+        <p:nvSpPr>
+          <p:cNvPr id="347" name="Google Shape;347;p29"/>
+          <p:cNvSpPr txBox="1">
+            <a:spLocks noGrp="1"/>
+          </p:cNvSpPr>
+          <p:nvPr>
+            <p:ph type="title" idx="5"/>
+          </p:nvPr>
+        </p:nvSpPr>
+        <p:spPr>
+          <a:xfrm>
+            <a:off x="1278000" y="342000"/>
+            <a:ext cx="6588000" cy="669000"/>
+          </a:xfrm>
+          <a:prstGeom prst="rect">
+            <a:avLst/>
+          </a:prstGeom>
+        </p:spPr>
+        <p:txBody>
+          <a:bodyPr spcFirstLastPara="1" wrap="square" lIns="91425" tIns="91425" rIns="91425" bIns="91425" anchor="t" anchorCtr="0">
+            <a:noAutofit/>
+          </a:bodyPr>
+          <a:lstStyle/>
+          <a:p>
+            <a:pPr marL="0" lvl="0" indent="0" algn="ctr" rtl="0">
+              <a:spcBef>
+                <a:spcPts val="0"/>
+              </a:spcBef>
+              <a:spcAft>
+                <a:spcPts val="0"/>
+              </a:spcAft>
+              <a:buNone/>
+            </a:pPr>
+            <a:r>
+              <a:rPr lang="en"/>
+              <a:t>TABLE OF CONTENTS</a:t>
+            </a:r>
+            <a:endParaRPr/>
+          </a:p>
+        </p:txBody>
+      </p:sp>
+      <p:sp>
+        <p:nvSpPr>
+          <p:cNvPr id="348" name="Google Shape;348;p29"/>
+          <p:cNvSpPr txBox="1">
+            <a:spLocks noGrp="1"/>
+          </p:cNvSpPr>
+          <p:nvPr>
+            <p:ph type="ctrTitle"/>
+          </p:nvPr>
+        </p:nvSpPr>
+        <p:spPr>
+          <a:xfrm flipH="1">
+            <a:off x="361000" y="1855512"/>
+            <a:ext cx="2163900" cy="240900"/>
+          </a:xfrm>
+          <a:prstGeom prst="rect">
+            <a:avLst/>
+          </a:prstGeom>
+        </p:spPr>
+        <p:txBody>
+          <a:bodyPr spcFirstLastPara="1" wrap="square" lIns="91425" tIns="0" rIns="91425" bIns="0" anchor="b" anchorCtr="0">
+            <a:noAutofit/>
+          </a:bodyPr>
+          <a:lstStyle/>
+          <a:p>
+            <a:pPr marL="0" lvl="0" indent="0" algn="l" rtl="0">
+              <a:spcBef>
+                <a:spcPts val="0"/>
+              </a:spcBef>
+              <a:spcAft>
+                <a:spcPts val="0"/>
+              </a:spcAft>
+              <a:buNone/>
+            </a:pPr>
+            <a:r>
+              <a:rPr lang="en" sz="3500" b="1" dirty="0"/>
+              <a:t>01</a:t>
+            </a:r>
+            <a:endParaRPr sz="3500" b="1" dirty="0"/>
+          </a:p>
+        </p:txBody>
+      </p:sp>
+      <p:sp>
+        <p:nvSpPr>
+          <p:cNvPr id="349" name="Google Shape;349;p29"/>
+          <p:cNvSpPr txBox="1">
+            <a:spLocks noGrp="1"/>
+          </p:cNvSpPr>
+          <p:nvPr>
+            <p:ph type="subTitle" idx="1"/>
+          </p:nvPr>
+        </p:nvSpPr>
+        <p:spPr>
+          <a:xfrm flipH="1">
+            <a:off x="361001" y="2169488"/>
+            <a:ext cx="2163900" cy="426600"/>
+          </a:xfrm>
+          <a:prstGeom prst="rect">
+            <a:avLst/>
+          </a:prstGeom>
+        </p:spPr>
+        <p:txBody>
+          <a:bodyPr spcFirstLastPara="1" wrap="square" lIns="91425" tIns="0" rIns="91425" bIns="0" anchor="t" anchorCtr="0">
+            <a:noAutofit/>
+          </a:bodyPr>
+          <a:lstStyle/>
+          <a:p>
+            <a:pPr marL="0" lvl="0" indent="0" algn="l" rtl="0">
+              <a:spcBef>
+                <a:spcPts val="0"/>
+              </a:spcBef>
+              <a:spcAft>
+                <a:spcPts val="0"/>
+              </a:spcAft>
+              <a:buNone/>
+            </a:pPr>
+            <a:r>
+              <a:rPr lang="en" sz="2200" b="1" dirty="0">
+                <a:latin typeface="Overpass Mono"/>
+                <a:ea typeface="Overpass Mono"/>
+                <a:cs typeface="Overpass Mono"/>
+                <a:sym typeface="Overpass Mono"/>
+              </a:rPr>
+              <a:t>Dicts</a:t>
+            </a:r>
+            <a:endParaRPr sz="2200" b="1" dirty="0">
+              <a:latin typeface="Overpass Mono"/>
+              <a:ea typeface="Overpass Mono"/>
+              <a:cs typeface="Overpass Mono"/>
+              <a:sym typeface="Overpass Mono"/>
+            </a:endParaRPr>
+          </a:p>
+        </p:txBody>
+      </p:sp>
+      <p:sp>
+        <p:nvSpPr>
+          <p:cNvPr id="350" name="Google Shape;350;p29"/>
+          <p:cNvSpPr txBox="1">
+            <a:spLocks noGrp="1"/>
+          </p:cNvSpPr>
+          <p:nvPr>
+            <p:ph type="ctrTitle" idx="2"/>
+          </p:nvPr>
+        </p:nvSpPr>
+        <p:spPr>
+          <a:xfrm flipH="1">
+            <a:off x="2524900" y="1854358"/>
+            <a:ext cx="2163900" cy="240900"/>
+          </a:xfrm>
+          <a:prstGeom prst="rect">
+            <a:avLst/>
+          </a:prstGeom>
+        </p:spPr>
+        <p:txBody>
+          <a:bodyPr spcFirstLastPara="1" wrap="square" lIns="91425" tIns="0" rIns="91425" bIns="0" anchor="b" anchorCtr="0">
+            <a:noAutofit/>
+          </a:bodyPr>
+          <a:lstStyle/>
+          <a:p>
+            <a:pPr marL="0" lvl="0" indent="0" algn="r" rtl="0">
+              <a:spcBef>
+                <a:spcPts val="0"/>
+              </a:spcBef>
+              <a:spcAft>
+                <a:spcPts val="0"/>
+              </a:spcAft>
+              <a:buNone/>
+            </a:pPr>
+            <a:r>
+              <a:rPr lang="en" sz="3500" b="1"/>
+              <a:t>03</a:t>
+            </a:r>
+            <a:endParaRPr sz="3500" b="1"/>
+          </a:p>
+        </p:txBody>
+      </p:sp>
+      <p:sp>
+        <p:nvSpPr>
+          <p:cNvPr id="351" name="Google Shape;351;p29"/>
+          <p:cNvSpPr txBox="1">
+            <a:spLocks noGrp="1"/>
+          </p:cNvSpPr>
+          <p:nvPr>
+            <p:ph type="subTitle" idx="3"/>
+          </p:nvPr>
+        </p:nvSpPr>
+        <p:spPr>
+          <a:xfrm flipH="1">
+            <a:off x="2524900" y="2169488"/>
+            <a:ext cx="2163900" cy="426600"/>
+          </a:xfrm>
+          <a:prstGeom prst="rect">
+            <a:avLst/>
+          </a:prstGeom>
+        </p:spPr>
+        <p:txBody>
+          <a:bodyPr spcFirstLastPara="1" wrap="square" lIns="91425" tIns="0" rIns="91425" bIns="0" anchor="t" anchorCtr="0">
+            <a:noAutofit/>
+          </a:bodyPr>
+          <a:lstStyle/>
+          <a:p>
+            <a:pPr marL="0" lvl="0" indent="0" algn="r" rtl="0">
+              <a:spcBef>
+                <a:spcPts val="0"/>
+              </a:spcBef>
+              <a:spcAft>
+                <a:spcPts val="0"/>
+              </a:spcAft>
+              <a:buNone/>
+            </a:pPr>
+            <a:r>
+              <a:rPr lang="en" sz="2200" b="1" dirty="0">
+                <a:latin typeface="Overpass Mono"/>
+                <a:ea typeface="Overpass Mono"/>
+                <a:cs typeface="Overpass Mono"/>
+                <a:sym typeface="Overpass Mono"/>
+              </a:rPr>
+              <a:t>For loop</a:t>
+            </a:r>
+            <a:endParaRPr sz="2200" b="1" dirty="0">
+              <a:latin typeface="Overpass Mono"/>
+              <a:ea typeface="Overpass Mono"/>
+              <a:cs typeface="Overpass Mono"/>
+              <a:sym typeface="Overpass Mono"/>
+            </a:endParaRPr>
+          </a:p>
+        </p:txBody>
+      </p:sp>
+      <p:sp>
+        <p:nvSpPr>
+          <p:cNvPr id="352" name="Google Shape;352;p29"/>
+          <p:cNvSpPr txBox="1">
+            <a:spLocks noGrp="1"/>
+          </p:cNvSpPr>
+          <p:nvPr>
+            <p:ph type="ctrTitle" idx="6"/>
+          </p:nvPr>
+        </p:nvSpPr>
+        <p:spPr>
+          <a:xfrm flipH="1">
+            <a:off x="361000" y="3265449"/>
+            <a:ext cx="2163900" cy="240900"/>
+          </a:xfrm>
+          <a:prstGeom prst="rect">
+            <a:avLst/>
+          </a:prstGeom>
+        </p:spPr>
+        <p:txBody>
+          <a:bodyPr spcFirstLastPara="1" wrap="square" lIns="91425" tIns="0" rIns="91425" bIns="0" anchor="b" anchorCtr="0">
+            <a:noAutofit/>
+          </a:bodyPr>
+          <a:lstStyle/>
+          <a:p>
+            <a:pPr marL="0" lvl="0" indent="0" algn="l" rtl="0">
+              <a:spcBef>
+                <a:spcPts val="0"/>
+              </a:spcBef>
+              <a:spcAft>
+                <a:spcPts val="0"/>
+              </a:spcAft>
+              <a:buNone/>
+            </a:pPr>
+            <a:r>
+              <a:rPr lang="en"/>
+              <a:t>02</a:t>
+            </a:r>
+            <a:endParaRPr/>
+          </a:p>
+        </p:txBody>
+      </p:sp>
+      <p:sp>
+        <p:nvSpPr>
+          <p:cNvPr id="353" name="Google Shape;353;p29"/>
+          <p:cNvSpPr txBox="1">
+            <a:spLocks noGrp="1"/>
+          </p:cNvSpPr>
+          <p:nvPr>
+            <p:ph type="subTitle" idx="7"/>
+          </p:nvPr>
+        </p:nvSpPr>
+        <p:spPr>
+          <a:xfrm flipH="1">
+            <a:off x="361001" y="3579425"/>
+            <a:ext cx="2163900" cy="426600"/>
+          </a:xfrm>
+          <a:prstGeom prst="rect">
+            <a:avLst/>
+          </a:prstGeom>
+        </p:spPr>
+        <p:txBody>
+          <a:bodyPr spcFirstLastPara="1" wrap="square" lIns="91425" tIns="0" rIns="91425" bIns="0" anchor="t" anchorCtr="0">
+            <a:noAutofit/>
+          </a:bodyPr>
+          <a:lstStyle/>
+          <a:p>
+            <a:pPr marL="0" lvl="0" indent="0" algn="l" rtl="0">
+              <a:spcBef>
+                <a:spcPts val="0"/>
+              </a:spcBef>
+              <a:spcAft>
+                <a:spcPts val="0"/>
+              </a:spcAft>
+              <a:buNone/>
+            </a:pPr>
+            <a:r>
+              <a:rPr lang="en" dirty="0"/>
+              <a:t>If</a:t>
+            </a:r>
+            <a:endParaRPr dirty="0"/>
+          </a:p>
+        </p:txBody>
+      </p:sp>
+      <p:sp>
+        <p:nvSpPr>
+          <p:cNvPr id="354" name="Google Shape;354;p29"/>
+          <p:cNvSpPr txBox="1">
+            <a:spLocks noGrp="1"/>
+          </p:cNvSpPr>
+          <p:nvPr>
+            <p:ph type="ctrTitle" idx="8"/>
+          </p:nvPr>
+        </p:nvSpPr>
+        <p:spPr>
+          <a:xfrm flipH="1">
+            <a:off x="2524900" y="3264295"/>
+            <a:ext cx="2163900" cy="240900"/>
+          </a:xfrm>
+          <a:prstGeom prst="rect">
+            <a:avLst/>
+          </a:prstGeom>
+        </p:spPr>
+        <p:txBody>
+          <a:bodyPr spcFirstLastPara="1" wrap="square" lIns="91425" tIns="0" rIns="91425" bIns="0" anchor="b" anchorCtr="0">
+            <a:noAutofit/>
+          </a:bodyPr>
+          <a:lstStyle/>
+          <a:p>
+            <a:pPr marL="0" lvl="0" indent="0" algn="r" rtl="0">
+              <a:spcBef>
+                <a:spcPts val="0"/>
+              </a:spcBef>
+              <a:spcAft>
+                <a:spcPts val="0"/>
+              </a:spcAft>
+              <a:buNone/>
+            </a:pPr>
+            <a:r>
+              <a:rPr lang="en"/>
+              <a:t>04</a:t>
+            </a:r>
+            <a:endParaRPr/>
+          </a:p>
+        </p:txBody>
+      </p:sp>
+      <p:sp>
+        <p:nvSpPr>
+          <p:cNvPr id="355" name="Google Shape;355;p29"/>
+          <p:cNvSpPr txBox="1">
+            <a:spLocks noGrp="1"/>
+          </p:cNvSpPr>
+          <p:nvPr>
+            <p:ph type="subTitle" idx="9"/>
+          </p:nvPr>
+        </p:nvSpPr>
+        <p:spPr>
+          <a:xfrm flipH="1">
+            <a:off x="2524900" y="3579425"/>
+            <a:ext cx="2163900" cy="426600"/>
+          </a:xfrm>
+          <a:prstGeom prst="rect">
+            <a:avLst/>
+          </a:prstGeom>
+        </p:spPr>
+        <p:txBody>
+          <a:bodyPr spcFirstLastPara="1" wrap="square" lIns="91425" tIns="0" rIns="91425" bIns="0" anchor="t" anchorCtr="0">
+            <a:noAutofit/>
+          </a:bodyPr>
+          <a:lstStyle/>
+          <a:p>
+            <a:pPr marL="0" lvl="0" indent="0" algn="r" rtl="0">
+              <a:spcBef>
+                <a:spcPts val="0"/>
+              </a:spcBef>
+              <a:spcAft>
+                <a:spcPts val="0"/>
+              </a:spcAft>
+              <a:buNone/>
+            </a:pPr>
+            <a:r>
+              <a:rPr lang="en-US" dirty="0"/>
+              <a:t>While loop</a:t>
+            </a:r>
+            <a:endParaRPr dirty="0"/>
+          </a:p>
+        </p:txBody>
+      </p:sp>
+      <p:sp>
+        <p:nvSpPr>
+          <p:cNvPr id="2" name="Google Shape;350;p29">
+            <a:extLst>
+              <a:ext uri="{FF2B5EF4-FFF2-40B4-BE49-F238E27FC236}">
+                <a16:creationId xmlns:a16="http://schemas.microsoft.com/office/drawing/2014/main" id="{E429674A-0F19-CB4C-1A71-CDC0D6EE5FE1}"/>
+              </a:ext>
+            </a:extLst>
+          </p:cNvPr>
+          <p:cNvSpPr txBox="1">
+            <a:spLocks/>
+          </p:cNvSpPr>
+          <p:nvPr/>
+        </p:nvSpPr>
+        <p:spPr>
+          <a:xfrm flipH="1">
+            <a:off x="5702100" y="1854358"/>
+            <a:ext cx="2163900" cy="240900"/>
+          </a:xfrm>
+          <a:prstGeom prst="rect">
+            <a:avLst/>
+          </a:prstGeom>
+          <a:noFill/>
+          <a:ln>
+            <a:noFill/>
+          </a:ln>
+        </p:spPr>
+        <p:txBody>
+          <a:bodyPr spcFirstLastPara="1" wrap="square" lIns="91425" tIns="0" rIns="91425" bIns="0" anchor="b" anchorCtr="0">
+            <a:noAutofit/>
+          </a:bodyPr>
+          <a:lstStyle>
+            <a:defPPr marR="0" lvl="0" algn="l" rtl="0">
+              <a:lnSpc>
+                <a:spcPct val="100000"/>
+              </a:lnSpc>
+              <a:spcBef>
+                <a:spcPts val="0"/>
+              </a:spcBef>
+              <a:spcAft>
+                <a:spcPts val="0"/>
+              </a:spcAft>
+            </a:defPPr>
+            <a:lvl1pPr marR="0" lvl="0" algn="r" rtl="0">
+              <a:lnSpc>
+                <a:spcPct val="100000"/>
+              </a:lnSpc>
+              <a:spcBef>
+                <a:spcPts val="0"/>
+              </a:spcBef>
+              <a:spcAft>
+                <a:spcPts val="0"/>
+              </a:spcAft>
+              <a:buClr>
+                <a:schemeClr val="lt1"/>
+              </a:buClr>
+              <a:buSzPts val="3500"/>
+              <a:buFont typeface="Overpass Mono"/>
+              <a:buNone/>
+              <a:defRPr sz="3500" b="1" i="0" u="none" strike="noStrike" cap="none">
+                <a:solidFill>
+                  <a:schemeClr val="lt1"/>
+                </a:solidFill>
+                <a:latin typeface="Overpass Mono"/>
+                <a:ea typeface="Overpass Mono"/>
+                <a:cs typeface="Overpass Mono"/>
+                <a:sym typeface="Overpass Mono"/>
+              </a:defRPr>
+            </a:lvl1pPr>
+            <a:lvl2pPr marR="0" lvl="1" algn="r" rtl="0">
+              <a:lnSpc>
+                <a:spcPct val="100000"/>
+              </a:lnSpc>
+              <a:spcBef>
+                <a:spcPts val="0"/>
+              </a:spcBef>
+              <a:spcAft>
+                <a:spcPts val="0"/>
+              </a:spcAft>
+              <a:buClr>
+                <a:srgbClr val="434343"/>
+              </a:buClr>
+              <a:buSzPts val="3500"/>
+              <a:buFont typeface="Arial"/>
+              <a:buNone/>
+              <a:defRPr sz="3500" b="1" i="0" u="none" strike="noStrike" cap="none">
+                <a:solidFill>
+                  <a:srgbClr val="434343"/>
+                </a:solidFill>
+                <a:latin typeface="Arial"/>
+                <a:ea typeface="Arial"/>
+                <a:cs typeface="Arial"/>
+                <a:sym typeface="Arial"/>
+              </a:defRPr>
+            </a:lvl2pPr>
+            <a:lvl3pPr marR="0" lvl="2" algn="r" rtl="0">
+              <a:lnSpc>
+                <a:spcPct val="100000"/>
+              </a:lnSpc>
+              <a:spcBef>
+                <a:spcPts val="0"/>
+              </a:spcBef>
+              <a:spcAft>
+                <a:spcPts val="0"/>
+              </a:spcAft>
+              <a:buClr>
+                <a:srgbClr val="434343"/>
+              </a:buClr>
+              <a:buSzPts val="3500"/>
+              <a:buFont typeface="Arial"/>
+              <a:buNone/>
+              <a:defRPr sz="3500" b="1" i="0" u="none" strike="noStrike" cap="none">
+                <a:solidFill>
+                  <a:srgbClr val="434343"/>
+                </a:solidFill>
+                <a:latin typeface="Arial"/>
+                <a:ea typeface="Arial"/>
+                <a:cs typeface="Arial"/>
+                <a:sym typeface="Arial"/>
+              </a:defRPr>
+            </a:lvl3pPr>
+            <a:lvl4pPr marR="0" lvl="3" algn="r" rtl="0">
+              <a:lnSpc>
+                <a:spcPct val="100000"/>
+              </a:lnSpc>
+              <a:spcBef>
+                <a:spcPts val="0"/>
+              </a:spcBef>
+              <a:spcAft>
+                <a:spcPts val="0"/>
+              </a:spcAft>
+              <a:buClr>
+                <a:srgbClr val="434343"/>
+              </a:buClr>
+              <a:buSzPts val="3500"/>
+              <a:buFont typeface="Arial"/>
+              <a:buNone/>
+              <a:defRPr sz="3500" b="1" i="0" u="none" strike="noStrike" cap="none">
+                <a:solidFill>
+                  <a:srgbClr val="434343"/>
+                </a:solidFill>
+                <a:latin typeface="Arial"/>
+                <a:ea typeface="Arial"/>
+                <a:cs typeface="Arial"/>
+                <a:sym typeface="Arial"/>
+              </a:defRPr>
+            </a:lvl4pPr>
+            <a:lvl5pPr marR="0" lvl="4" algn="r" rtl="0">
+              <a:lnSpc>
+                <a:spcPct val="100000"/>
+              </a:lnSpc>
+              <a:spcBef>
+                <a:spcPts val="0"/>
+              </a:spcBef>
+              <a:spcAft>
+                <a:spcPts val="0"/>
+              </a:spcAft>
+              <a:buClr>
+                <a:srgbClr val="434343"/>
+              </a:buClr>
+              <a:buSzPts val="3500"/>
+              <a:buFont typeface="Arial"/>
+              <a:buNone/>
+              <a:defRPr sz="3500" b="1" i="0" u="none" strike="noStrike" cap="none">
+                <a:solidFill>
+                  <a:srgbClr val="434343"/>
+                </a:solidFill>
+                <a:latin typeface="Arial"/>
+                <a:ea typeface="Arial"/>
+                <a:cs typeface="Arial"/>
+                <a:sym typeface="Arial"/>
+              </a:defRPr>
+            </a:lvl5pPr>
+            <a:lvl6pPr marR="0" lvl="5" algn="r" rtl="0">
+              <a:lnSpc>
+                <a:spcPct val="100000"/>
+              </a:lnSpc>
+              <a:spcBef>
+                <a:spcPts val="0"/>
+              </a:spcBef>
+              <a:spcAft>
+                <a:spcPts val="0"/>
+              </a:spcAft>
+              <a:buClr>
+                <a:srgbClr val="434343"/>
+              </a:buClr>
+              <a:buSzPts val="3500"/>
+              <a:buFont typeface="Arial"/>
+              <a:buNone/>
+              <a:defRPr sz="3500" b="1" i="0" u="none" strike="noStrike" cap="none">
+                <a:solidFill>
+                  <a:srgbClr val="434343"/>
+                </a:solidFill>
+                <a:latin typeface="Arial"/>
+                <a:ea typeface="Arial"/>
+                <a:cs typeface="Arial"/>
+                <a:sym typeface="Arial"/>
+              </a:defRPr>
+            </a:lvl6pPr>
+            <a:lvl7pPr marR="0" lvl="6" algn="r" rtl="0">
+              <a:lnSpc>
+                <a:spcPct val="100000"/>
+              </a:lnSpc>
+              <a:spcBef>
+                <a:spcPts val="0"/>
+              </a:spcBef>
+              <a:spcAft>
+                <a:spcPts val="0"/>
+              </a:spcAft>
+              <a:buClr>
+                <a:srgbClr val="434343"/>
+              </a:buClr>
+              <a:buSzPts val="3500"/>
+              <a:buFont typeface="Arial"/>
+              <a:buNone/>
+              <a:defRPr sz="3500" b="1" i="0" u="none" strike="noStrike" cap="none">
+                <a:solidFill>
+                  <a:srgbClr val="434343"/>
+                </a:solidFill>
+                <a:latin typeface="Arial"/>
+                <a:ea typeface="Arial"/>
+                <a:cs typeface="Arial"/>
+                <a:sym typeface="Arial"/>
+              </a:defRPr>
+            </a:lvl7pPr>
+            <a:lvl8pPr marR="0" lvl="7" algn="r" rtl="0">
+              <a:lnSpc>
+                <a:spcPct val="100000"/>
+              </a:lnSpc>
+              <a:spcBef>
+                <a:spcPts val="0"/>
+              </a:spcBef>
+              <a:spcAft>
+                <a:spcPts val="0"/>
+              </a:spcAft>
+              <a:buClr>
+                <a:srgbClr val="434343"/>
+              </a:buClr>
+              <a:buSzPts val="3500"/>
+              <a:buFont typeface="Arial"/>
+              <a:buNone/>
+              <a:defRPr sz="3500" b="1" i="0" u="none" strike="noStrike" cap="none">
+                <a:solidFill>
+                  <a:srgbClr val="434343"/>
+                </a:solidFill>
+                <a:latin typeface="Arial"/>
+                <a:ea typeface="Arial"/>
+                <a:cs typeface="Arial"/>
+                <a:sym typeface="Arial"/>
+              </a:defRPr>
+            </a:lvl8pPr>
+            <a:lvl9pPr marR="0" lvl="8" algn="r" rtl="0">
+              <a:lnSpc>
+                <a:spcPct val="100000"/>
+              </a:lnSpc>
+              <a:spcBef>
+                <a:spcPts val="0"/>
+              </a:spcBef>
+              <a:spcAft>
+                <a:spcPts val="0"/>
+              </a:spcAft>
+              <a:buClr>
+                <a:srgbClr val="434343"/>
+              </a:buClr>
+              <a:buSzPts val="3500"/>
+              <a:buFont typeface="Arial"/>
+              <a:buNone/>
+              <a:defRPr sz="3500" b="1" i="0" u="none" strike="noStrike" cap="none">
+                <a:solidFill>
+                  <a:srgbClr val="434343"/>
+                </a:solidFill>
+                <a:latin typeface="Arial"/>
+                <a:ea typeface="Arial"/>
+                <a:cs typeface="Arial"/>
+                <a:sym typeface="Arial"/>
+              </a:defRPr>
+            </a:lvl9pPr>
+          </a:lstStyle>
+          <a:p>
+            <a:r>
+              <a:rPr lang="en" dirty="0"/>
+              <a:t>05</a:t>
+            </a:r>
+          </a:p>
+        </p:txBody>
+      </p:sp>
+      <p:sp>
+        <p:nvSpPr>
+          <p:cNvPr id="3" name="Google Shape;351;p29">
+            <a:extLst>
+              <a:ext uri="{FF2B5EF4-FFF2-40B4-BE49-F238E27FC236}">
+                <a16:creationId xmlns:a16="http://schemas.microsoft.com/office/drawing/2014/main" id="{87D5FFB2-C0B7-B9D2-D9A6-6E461FD6B94D}"/>
+              </a:ext>
+            </a:extLst>
+          </p:cNvPr>
+          <p:cNvSpPr txBox="1">
+            <a:spLocks/>
+          </p:cNvSpPr>
+          <p:nvPr/>
+        </p:nvSpPr>
+        <p:spPr>
+          <a:xfrm flipH="1">
+            <a:off x="5702100" y="2169488"/>
+            <a:ext cx="2163900" cy="426600"/>
+          </a:xfrm>
+          <a:prstGeom prst="rect">
+            <a:avLst/>
+          </a:prstGeom>
+          <a:noFill/>
+          <a:ln>
+            <a:noFill/>
+          </a:ln>
+        </p:spPr>
+        <p:txBody>
+          <a:bodyPr spcFirstLastPara="1" wrap="square" lIns="91425" tIns="0" rIns="91425" bIns="0" anchor="t" anchorCtr="0">
+            <a:noAutofit/>
+          </a:bodyPr>
+          <a:lstStyle>
+            <a:defPPr marR="0" lvl="0" algn="l" rtl="0">
+              <a:lnSpc>
+                <a:spcPct val="100000"/>
+              </a:lnSpc>
+              <a:spcBef>
+                <a:spcPts val="0"/>
+              </a:spcBef>
+              <a:spcAft>
+                <a:spcPts val="0"/>
+              </a:spcAft>
+            </a:defPPr>
+            <a:lvl1pPr marL="457200" marR="0" lvl="0" indent="-342900" algn="r" rtl="0">
+              <a:lnSpc>
+                <a:spcPct val="100000"/>
+              </a:lnSpc>
+              <a:spcBef>
+                <a:spcPts val="0"/>
+              </a:spcBef>
+              <a:spcAft>
+                <a:spcPts val="0"/>
+              </a:spcAft>
+              <a:buClr>
+                <a:schemeClr val="lt1"/>
+              </a:buClr>
+              <a:buSzPts val="2200"/>
+              <a:buFont typeface="Overpass Mono"/>
+              <a:buNone/>
+              <a:defRPr sz="2200" b="1" i="0" u="none" strike="noStrike" cap="none">
+                <a:solidFill>
+                  <a:schemeClr val="lt1"/>
+                </a:solidFill>
+                <a:latin typeface="Overpass Mono"/>
+                <a:ea typeface="Overpass Mono"/>
+                <a:cs typeface="Overpass Mono"/>
+                <a:sym typeface="Overpass Mono"/>
+              </a:defRPr>
+            </a:lvl1pPr>
+            <a:lvl2pPr marL="914400" marR="0" lvl="1" indent="-317500" algn="r" rtl="0">
+              <a:lnSpc>
+                <a:spcPct val="100000"/>
+              </a:lnSpc>
+              <a:spcBef>
+                <a:spcPts val="0"/>
+              </a:spcBef>
+              <a:spcAft>
+                <a:spcPts val="0"/>
+              </a:spcAft>
+              <a:buClr>
+                <a:schemeClr val="lt1"/>
+              </a:buClr>
+              <a:buSzPts val="2200"/>
+              <a:buFont typeface="Overpass Mono"/>
+              <a:buNone/>
+              <a:defRPr sz="2200" b="1" i="0" u="none" strike="noStrike" cap="none">
+                <a:solidFill>
+                  <a:schemeClr val="lt1"/>
+                </a:solidFill>
+                <a:latin typeface="Overpass Mono"/>
+                <a:ea typeface="Overpass Mono"/>
+                <a:cs typeface="Overpass Mono"/>
+                <a:sym typeface="Overpass Mono"/>
+              </a:defRPr>
+            </a:lvl2pPr>
+            <a:lvl3pPr marL="1371600" marR="0" lvl="2" indent="-317500" algn="r" rtl="0">
+              <a:lnSpc>
+                <a:spcPct val="100000"/>
+              </a:lnSpc>
+              <a:spcBef>
+                <a:spcPts val="0"/>
+              </a:spcBef>
+              <a:spcAft>
+                <a:spcPts val="0"/>
+              </a:spcAft>
+              <a:buClr>
+                <a:schemeClr val="lt1"/>
+              </a:buClr>
+              <a:buSzPts val="2200"/>
+              <a:buFont typeface="Overpass Mono"/>
+              <a:buNone/>
+              <a:defRPr sz="2200" b="1" i="0" u="none" strike="noStrike" cap="none">
+                <a:solidFill>
+                  <a:schemeClr val="lt1"/>
+                </a:solidFill>
+                <a:latin typeface="Overpass Mono"/>
+                <a:ea typeface="Overpass Mono"/>
+                <a:cs typeface="Overpass Mono"/>
+                <a:sym typeface="Overpass Mono"/>
+              </a:defRPr>
+            </a:lvl3pPr>
+            <a:lvl4pPr marL="1828800" marR="0" lvl="3" indent="-317500" algn="r" rtl="0">
+              <a:lnSpc>
+                <a:spcPct val="100000"/>
+              </a:lnSpc>
+              <a:spcBef>
+                <a:spcPts val="0"/>
+              </a:spcBef>
+              <a:spcAft>
+                <a:spcPts val="0"/>
+              </a:spcAft>
+              <a:buClr>
+                <a:schemeClr val="lt1"/>
+              </a:buClr>
+              <a:buSzPts val="2200"/>
+              <a:buFont typeface="Overpass Mono"/>
+              <a:buNone/>
+              <a:defRPr sz="2200" b="1" i="0" u="none" strike="noStrike" cap="none">
+                <a:solidFill>
+                  <a:schemeClr val="lt1"/>
+                </a:solidFill>
+                <a:latin typeface="Overpass Mono"/>
+                <a:ea typeface="Overpass Mono"/>
+                <a:cs typeface="Overpass Mono"/>
+                <a:sym typeface="Overpass Mono"/>
+              </a:defRPr>
+            </a:lvl4pPr>
+            <a:lvl5pPr marL="2286000" marR="0" lvl="4" indent="-317500" algn="r" rtl="0">
+              <a:lnSpc>
+                <a:spcPct val="100000"/>
+              </a:lnSpc>
+              <a:spcBef>
+                <a:spcPts val="0"/>
+              </a:spcBef>
+              <a:spcAft>
+                <a:spcPts val="0"/>
+              </a:spcAft>
+              <a:buClr>
+                <a:schemeClr val="lt1"/>
+              </a:buClr>
+              <a:buSzPts val="2200"/>
+              <a:buFont typeface="Overpass Mono"/>
+              <a:buNone/>
+              <a:defRPr sz="2200" b="1" i="0" u="none" strike="noStrike" cap="none">
+                <a:solidFill>
+                  <a:schemeClr val="lt1"/>
+                </a:solidFill>
+                <a:latin typeface="Overpass Mono"/>
+                <a:ea typeface="Overpass Mono"/>
+                <a:cs typeface="Overpass Mono"/>
+                <a:sym typeface="Overpass Mono"/>
+              </a:defRPr>
+            </a:lvl5pPr>
+            <a:lvl6pPr marL="2743200" marR="0" lvl="5" indent="-317500" algn="r" rtl="0">
+              <a:lnSpc>
+                <a:spcPct val="100000"/>
+              </a:lnSpc>
+              <a:spcBef>
+                <a:spcPts val="0"/>
+              </a:spcBef>
+              <a:spcAft>
+                <a:spcPts val="0"/>
+              </a:spcAft>
+              <a:buClr>
+                <a:schemeClr val="lt1"/>
+              </a:buClr>
+              <a:buSzPts val="2200"/>
+              <a:buFont typeface="Overpass Mono"/>
+              <a:buNone/>
+              <a:defRPr sz="2200" b="1" i="0" u="none" strike="noStrike" cap="none">
+                <a:solidFill>
+                  <a:schemeClr val="lt1"/>
+                </a:solidFill>
+                <a:latin typeface="Overpass Mono"/>
+                <a:ea typeface="Overpass Mono"/>
+                <a:cs typeface="Overpass Mono"/>
+                <a:sym typeface="Overpass Mono"/>
+              </a:defRPr>
+            </a:lvl6pPr>
+            <a:lvl7pPr marL="3200400" marR="0" lvl="6" indent="-317500" algn="r" rtl="0">
+              <a:lnSpc>
+                <a:spcPct val="100000"/>
+              </a:lnSpc>
+              <a:spcBef>
+                <a:spcPts val="0"/>
+              </a:spcBef>
+              <a:spcAft>
+                <a:spcPts val="0"/>
+              </a:spcAft>
+              <a:buClr>
+                <a:schemeClr val="lt1"/>
+              </a:buClr>
+              <a:buSzPts val="2200"/>
+              <a:buFont typeface="Overpass Mono"/>
+              <a:buNone/>
+              <a:defRPr sz="2200" b="1" i="0" u="none" strike="noStrike" cap="none">
+                <a:solidFill>
+                  <a:schemeClr val="lt1"/>
+                </a:solidFill>
+                <a:latin typeface="Overpass Mono"/>
+                <a:ea typeface="Overpass Mono"/>
+                <a:cs typeface="Overpass Mono"/>
+                <a:sym typeface="Overpass Mono"/>
+              </a:defRPr>
+            </a:lvl7pPr>
+            <a:lvl8pPr marL="3657600" marR="0" lvl="7" indent="-317500" algn="r" rtl="0">
+              <a:lnSpc>
+                <a:spcPct val="100000"/>
+              </a:lnSpc>
+              <a:spcBef>
+                <a:spcPts val="0"/>
+              </a:spcBef>
+              <a:spcAft>
+                <a:spcPts val="0"/>
+              </a:spcAft>
+              <a:buClr>
+                <a:schemeClr val="lt1"/>
+              </a:buClr>
+              <a:buSzPts val="2200"/>
+              <a:buFont typeface="Overpass Mono"/>
+              <a:buNone/>
+              <a:defRPr sz="2200" b="1" i="0" u="none" strike="noStrike" cap="none">
+                <a:solidFill>
+                  <a:schemeClr val="lt1"/>
+                </a:solidFill>
+                <a:latin typeface="Overpass Mono"/>
+                <a:ea typeface="Overpass Mono"/>
+                <a:cs typeface="Overpass Mono"/>
+                <a:sym typeface="Overpass Mono"/>
+              </a:defRPr>
+            </a:lvl8pPr>
+            <a:lvl9pPr marL="4114800" marR="0" lvl="8" indent="-317500" algn="r" rtl="0">
+              <a:lnSpc>
+                <a:spcPct val="100000"/>
+              </a:lnSpc>
+              <a:spcBef>
+                <a:spcPts val="0"/>
+              </a:spcBef>
+              <a:spcAft>
+                <a:spcPts val="0"/>
+              </a:spcAft>
+              <a:buClr>
+                <a:schemeClr val="lt1"/>
+              </a:buClr>
+              <a:buSzPts val="2200"/>
+              <a:buFont typeface="Overpass Mono"/>
+              <a:buNone/>
+              <a:defRPr sz="2200" b="1" i="0" u="none" strike="noStrike" cap="none">
+                <a:solidFill>
+                  <a:schemeClr val="lt1"/>
+                </a:solidFill>
+                <a:latin typeface="Overpass Mono"/>
+                <a:ea typeface="Overpass Mono"/>
+                <a:cs typeface="Overpass Mono"/>
+                <a:sym typeface="Overpass Mono"/>
+              </a:defRPr>
+            </a:lvl9pPr>
+          </a:lstStyle>
+          <a:p>
+            <a:pPr marL="0" indent="0"/>
+            <a:r>
+              <a:rPr lang="en-US" dirty="0"/>
+              <a:t>Functions</a:t>
+            </a:r>
+          </a:p>
+        </p:txBody>
+      </p:sp>
+    </p:spTree>
+  </p:cSld>
+  <p:clrMapOvr>
+    <a:masterClrMapping/>
+  </p:clrMapOvr>
+</p:sld>
+</file>
+
+<file path=ppt/slides/slide20.xml><?xml version="1.0" encoding="utf-8"?>
 <p:sld xmlns:a="http://schemas.openxmlformats.org/drawingml/2006/main" xmlns:r="http://schemas.openxmlformats.org/officeDocument/2006/relationships" xmlns:p="http://schemas.openxmlformats.org/presentationml/2006/main">
   <p:cSld>
     <p:spTree>
@@ -21562,7 +27243,7 @@
 </p:sld>
 </file>
 
-<file path=ppt/slides/slide15.xml><?xml version="1.0" encoding="utf-8"?>
+<file path=ppt/slides/slide21.xml><?xml version="1.0" encoding="utf-8"?>
 <p:sld xmlns:a="http://schemas.openxmlformats.org/drawingml/2006/main" xmlns:r="http://schemas.openxmlformats.org/officeDocument/2006/relationships" xmlns:p="http://schemas.openxmlformats.org/presentationml/2006/main">
   <p:cSld>
     <p:spTree>
@@ -23632,7 +29313,7 @@
 </p:sld>
 </file>
 
-<file path=ppt/slides/slide16.xml><?xml version="1.0" encoding="utf-8"?>
+<file path=ppt/slides/slide22.xml><?xml version="1.0" encoding="utf-8"?>
 <p:sld xmlns:a="http://schemas.openxmlformats.org/drawingml/2006/main" xmlns:r="http://schemas.openxmlformats.org/officeDocument/2006/relationships" xmlns:p="http://schemas.openxmlformats.org/presentationml/2006/main">
   <p:cSld>
     <p:spTree>
@@ -23986,7 +29667,7 @@
 </p:sld>
 </file>
 
-<file path=ppt/slides/slide17.xml><?xml version="1.0" encoding="utf-8"?>
+<file path=ppt/slides/slide23.xml><?xml version="1.0" encoding="utf-8"?>
 <p:sld xmlns:a="http://schemas.openxmlformats.org/drawingml/2006/main" xmlns:r="http://schemas.openxmlformats.org/officeDocument/2006/relationships" xmlns:p="http://schemas.openxmlformats.org/presentationml/2006/main">
   <p:cSld>
     <p:spTree>
@@ -24812,7 +30493,7 @@
 </p:sld>
 </file>
 
-<file path=ppt/slides/slide18.xml><?xml version="1.0" encoding="utf-8"?>
+<file path=ppt/slides/slide24.xml><?xml version="1.0" encoding="utf-8"?>
 <p:sld xmlns:a="http://schemas.openxmlformats.org/drawingml/2006/main" xmlns:r="http://schemas.openxmlformats.org/officeDocument/2006/relationships" xmlns:p="http://schemas.openxmlformats.org/presentationml/2006/main">
   <p:cSld>
     <p:spTree>
@@ -25869,7 +31550,7 @@
 </p:sld>
 </file>
 
-<file path=ppt/slides/slide19.xml><?xml version="1.0" encoding="utf-8"?>
+<file path=ppt/slides/slide25.xml><?xml version="1.0" encoding="utf-8"?>
 <p:sld xmlns:a="http://schemas.openxmlformats.org/drawingml/2006/main" xmlns:r="http://schemas.openxmlformats.org/officeDocument/2006/relationships" xmlns:p="http://schemas.openxmlformats.org/presentationml/2006/main">
   <p:cSld>
     <p:spTree>
@@ -26700,1576 +32381,7 @@
 </p:sld>
 </file>
 
-<file path=ppt/slides/slide2.xml><?xml version="1.0" encoding="utf-8"?>
-<p:sld xmlns:a="http://schemas.openxmlformats.org/drawingml/2006/main" xmlns:r="http://schemas.openxmlformats.org/officeDocument/2006/relationships" xmlns:p="http://schemas.openxmlformats.org/presentationml/2006/main">
-  <p:cSld>
-    <p:spTree>
-      <p:nvGrpSpPr>
-        <p:cNvPr id="1" name="Shape 346"/>
-        <p:cNvGrpSpPr/>
-        <p:nvPr/>
-      </p:nvGrpSpPr>
-      <p:grpSpPr>
-        <a:xfrm>
-          <a:off x="0" y="0"/>
-          <a:ext cx="0" cy="0"/>
-          <a:chOff x="0" y="0"/>
-          <a:chExt cx="0" cy="0"/>
-        </a:xfrm>
-      </p:grpSpPr>
-      <p:sp>
-        <p:nvSpPr>
-          <p:cNvPr id="347" name="Google Shape;347;p29"/>
-          <p:cNvSpPr txBox="1">
-            <a:spLocks noGrp="1"/>
-          </p:cNvSpPr>
-          <p:nvPr>
-            <p:ph type="title" idx="5"/>
-          </p:nvPr>
-        </p:nvSpPr>
-        <p:spPr>
-          <a:xfrm>
-            <a:off x="1278000" y="342000"/>
-            <a:ext cx="6588000" cy="669000"/>
-          </a:xfrm>
-          <a:prstGeom prst="rect">
-            <a:avLst/>
-          </a:prstGeom>
-        </p:spPr>
-        <p:txBody>
-          <a:bodyPr spcFirstLastPara="1" wrap="square" lIns="91425" tIns="91425" rIns="91425" bIns="91425" anchor="t" anchorCtr="0">
-            <a:noAutofit/>
-          </a:bodyPr>
-          <a:lstStyle/>
-          <a:p>
-            <a:pPr marL="0" lvl="0" indent="0" algn="ctr" rtl="0">
-              <a:spcBef>
-                <a:spcPts val="0"/>
-              </a:spcBef>
-              <a:spcAft>
-                <a:spcPts val="0"/>
-              </a:spcAft>
-              <a:buNone/>
-            </a:pPr>
-            <a:r>
-              <a:rPr lang="en"/>
-              <a:t>TABLE OF CONTENTS</a:t>
-            </a:r>
-            <a:endParaRPr/>
-          </a:p>
-        </p:txBody>
-      </p:sp>
-      <p:sp>
-        <p:nvSpPr>
-          <p:cNvPr id="348" name="Google Shape;348;p29"/>
-          <p:cNvSpPr txBox="1">
-            <a:spLocks noGrp="1"/>
-          </p:cNvSpPr>
-          <p:nvPr>
-            <p:ph type="ctrTitle"/>
-          </p:nvPr>
-        </p:nvSpPr>
-        <p:spPr>
-          <a:xfrm flipH="1">
-            <a:off x="361000" y="1855512"/>
-            <a:ext cx="2163900" cy="240900"/>
-          </a:xfrm>
-          <a:prstGeom prst="rect">
-            <a:avLst/>
-          </a:prstGeom>
-        </p:spPr>
-        <p:txBody>
-          <a:bodyPr spcFirstLastPara="1" wrap="square" lIns="91425" tIns="0" rIns="91425" bIns="0" anchor="b" anchorCtr="0">
-            <a:noAutofit/>
-          </a:bodyPr>
-          <a:lstStyle/>
-          <a:p>
-            <a:pPr marL="0" lvl="0" indent="0" algn="l" rtl="0">
-              <a:spcBef>
-                <a:spcPts val="0"/>
-              </a:spcBef>
-              <a:spcAft>
-                <a:spcPts val="0"/>
-              </a:spcAft>
-              <a:buNone/>
-            </a:pPr>
-            <a:r>
-              <a:rPr lang="en" sz="3500" b="1" dirty="0"/>
-              <a:t>01</a:t>
-            </a:r>
-            <a:endParaRPr sz="3500" b="1" dirty="0"/>
-          </a:p>
-        </p:txBody>
-      </p:sp>
-      <p:sp>
-        <p:nvSpPr>
-          <p:cNvPr id="349" name="Google Shape;349;p29"/>
-          <p:cNvSpPr txBox="1">
-            <a:spLocks noGrp="1"/>
-          </p:cNvSpPr>
-          <p:nvPr>
-            <p:ph type="subTitle" idx="1"/>
-          </p:nvPr>
-        </p:nvSpPr>
-        <p:spPr>
-          <a:xfrm flipH="1">
-            <a:off x="361001" y="2169488"/>
-            <a:ext cx="2163900" cy="426600"/>
-          </a:xfrm>
-          <a:prstGeom prst="rect">
-            <a:avLst/>
-          </a:prstGeom>
-        </p:spPr>
-        <p:txBody>
-          <a:bodyPr spcFirstLastPara="1" wrap="square" lIns="91425" tIns="0" rIns="91425" bIns="0" anchor="t" anchorCtr="0">
-            <a:noAutofit/>
-          </a:bodyPr>
-          <a:lstStyle/>
-          <a:p>
-            <a:pPr marL="0" lvl="0" indent="0" algn="l" rtl="0">
-              <a:spcBef>
-                <a:spcPts val="0"/>
-              </a:spcBef>
-              <a:spcAft>
-                <a:spcPts val="0"/>
-              </a:spcAft>
-              <a:buNone/>
-            </a:pPr>
-            <a:r>
-              <a:rPr lang="en" sz="2200" b="1" dirty="0">
-                <a:latin typeface="Overpass Mono"/>
-                <a:ea typeface="Overpass Mono"/>
-                <a:cs typeface="Overpass Mono"/>
-                <a:sym typeface="Overpass Mono"/>
-              </a:rPr>
-              <a:t>Download Python</a:t>
-            </a:r>
-            <a:endParaRPr sz="2200" b="1" dirty="0">
-              <a:latin typeface="Overpass Mono"/>
-              <a:ea typeface="Overpass Mono"/>
-              <a:cs typeface="Overpass Mono"/>
-              <a:sym typeface="Overpass Mono"/>
-            </a:endParaRPr>
-          </a:p>
-        </p:txBody>
-      </p:sp>
-      <p:sp>
-        <p:nvSpPr>
-          <p:cNvPr id="350" name="Google Shape;350;p29"/>
-          <p:cNvSpPr txBox="1">
-            <a:spLocks noGrp="1"/>
-          </p:cNvSpPr>
-          <p:nvPr>
-            <p:ph type="ctrTitle" idx="2"/>
-          </p:nvPr>
-        </p:nvSpPr>
-        <p:spPr>
-          <a:xfrm flipH="1">
-            <a:off x="2524900" y="1854358"/>
-            <a:ext cx="2163900" cy="240900"/>
-          </a:xfrm>
-          <a:prstGeom prst="rect">
-            <a:avLst/>
-          </a:prstGeom>
-        </p:spPr>
-        <p:txBody>
-          <a:bodyPr spcFirstLastPara="1" wrap="square" lIns="91425" tIns="0" rIns="91425" bIns="0" anchor="b" anchorCtr="0">
-            <a:noAutofit/>
-          </a:bodyPr>
-          <a:lstStyle/>
-          <a:p>
-            <a:pPr marL="0" lvl="0" indent="0" algn="r" rtl="0">
-              <a:spcBef>
-                <a:spcPts val="0"/>
-              </a:spcBef>
-              <a:spcAft>
-                <a:spcPts val="0"/>
-              </a:spcAft>
-              <a:buNone/>
-            </a:pPr>
-            <a:r>
-              <a:rPr lang="en" sz="3500" b="1"/>
-              <a:t>03</a:t>
-            </a:r>
-            <a:endParaRPr sz="3500" b="1"/>
-          </a:p>
-        </p:txBody>
-      </p:sp>
-      <p:sp>
-        <p:nvSpPr>
-          <p:cNvPr id="351" name="Google Shape;351;p29"/>
-          <p:cNvSpPr txBox="1">
-            <a:spLocks noGrp="1"/>
-          </p:cNvSpPr>
-          <p:nvPr>
-            <p:ph type="subTitle" idx="3"/>
-          </p:nvPr>
-        </p:nvSpPr>
-        <p:spPr>
-          <a:xfrm flipH="1">
-            <a:off x="2524900" y="2169488"/>
-            <a:ext cx="2163900" cy="426600"/>
-          </a:xfrm>
-          <a:prstGeom prst="rect">
-            <a:avLst/>
-          </a:prstGeom>
-        </p:spPr>
-        <p:txBody>
-          <a:bodyPr spcFirstLastPara="1" wrap="square" lIns="91425" tIns="0" rIns="91425" bIns="0" anchor="t" anchorCtr="0">
-            <a:noAutofit/>
-          </a:bodyPr>
-          <a:lstStyle/>
-          <a:p>
-            <a:pPr marL="0" lvl="0" indent="0" algn="r" rtl="0">
-              <a:spcBef>
-                <a:spcPts val="0"/>
-              </a:spcBef>
-              <a:spcAft>
-                <a:spcPts val="0"/>
-              </a:spcAft>
-              <a:buNone/>
-            </a:pPr>
-            <a:r>
-              <a:rPr lang="en" sz="2200" b="1" dirty="0">
-                <a:latin typeface="Overpass Mono"/>
-                <a:ea typeface="Overpass Mono"/>
-                <a:cs typeface="Overpass Mono"/>
-                <a:sym typeface="Overpass Mono"/>
-              </a:rPr>
-              <a:t>Comments</a:t>
-            </a:r>
-            <a:endParaRPr sz="2200" b="1" dirty="0">
-              <a:latin typeface="Overpass Mono"/>
-              <a:ea typeface="Overpass Mono"/>
-              <a:cs typeface="Overpass Mono"/>
-              <a:sym typeface="Overpass Mono"/>
-            </a:endParaRPr>
-          </a:p>
-        </p:txBody>
-      </p:sp>
-      <p:sp>
-        <p:nvSpPr>
-          <p:cNvPr id="352" name="Google Shape;352;p29"/>
-          <p:cNvSpPr txBox="1">
-            <a:spLocks noGrp="1"/>
-          </p:cNvSpPr>
-          <p:nvPr>
-            <p:ph type="ctrTitle" idx="6"/>
-          </p:nvPr>
-        </p:nvSpPr>
-        <p:spPr>
-          <a:xfrm flipH="1">
-            <a:off x="361000" y="3265449"/>
-            <a:ext cx="2163900" cy="240900"/>
-          </a:xfrm>
-          <a:prstGeom prst="rect">
-            <a:avLst/>
-          </a:prstGeom>
-        </p:spPr>
-        <p:txBody>
-          <a:bodyPr spcFirstLastPara="1" wrap="square" lIns="91425" tIns="0" rIns="91425" bIns="0" anchor="b" anchorCtr="0">
-            <a:noAutofit/>
-          </a:bodyPr>
-          <a:lstStyle/>
-          <a:p>
-            <a:pPr marL="0" lvl="0" indent="0" algn="l" rtl="0">
-              <a:spcBef>
-                <a:spcPts val="0"/>
-              </a:spcBef>
-              <a:spcAft>
-                <a:spcPts val="0"/>
-              </a:spcAft>
-              <a:buNone/>
-            </a:pPr>
-            <a:r>
-              <a:rPr lang="en"/>
-              <a:t>02</a:t>
-            </a:r>
-            <a:endParaRPr/>
-          </a:p>
-        </p:txBody>
-      </p:sp>
-      <p:sp>
-        <p:nvSpPr>
-          <p:cNvPr id="353" name="Google Shape;353;p29"/>
-          <p:cNvSpPr txBox="1">
-            <a:spLocks noGrp="1"/>
-          </p:cNvSpPr>
-          <p:nvPr>
-            <p:ph type="subTitle" idx="7"/>
-          </p:nvPr>
-        </p:nvSpPr>
-        <p:spPr>
-          <a:xfrm flipH="1">
-            <a:off x="361001" y="3579425"/>
-            <a:ext cx="2163900" cy="426600"/>
-          </a:xfrm>
-          <a:prstGeom prst="rect">
-            <a:avLst/>
-          </a:prstGeom>
-        </p:spPr>
-        <p:txBody>
-          <a:bodyPr spcFirstLastPara="1" wrap="square" lIns="91425" tIns="0" rIns="91425" bIns="0" anchor="t" anchorCtr="0">
-            <a:noAutofit/>
-          </a:bodyPr>
-          <a:lstStyle/>
-          <a:p>
-            <a:pPr marL="0" lvl="0" indent="0" algn="l" rtl="0">
-              <a:spcBef>
-                <a:spcPts val="0"/>
-              </a:spcBef>
-              <a:spcAft>
-                <a:spcPts val="0"/>
-              </a:spcAft>
-              <a:buNone/>
-            </a:pPr>
-            <a:r>
-              <a:rPr lang="en" dirty="0"/>
-              <a:t>Identation</a:t>
-            </a:r>
-            <a:endParaRPr dirty="0"/>
-          </a:p>
-        </p:txBody>
-      </p:sp>
-      <p:sp>
-        <p:nvSpPr>
-          <p:cNvPr id="354" name="Google Shape;354;p29"/>
-          <p:cNvSpPr txBox="1">
-            <a:spLocks noGrp="1"/>
-          </p:cNvSpPr>
-          <p:nvPr>
-            <p:ph type="ctrTitle" idx="8"/>
-          </p:nvPr>
-        </p:nvSpPr>
-        <p:spPr>
-          <a:xfrm flipH="1">
-            <a:off x="2524900" y="3264295"/>
-            <a:ext cx="2163900" cy="240900"/>
-          </a:xfrm>
-          <a:prstGeom prst="rect">
-            <a:avLst/>
-          </a:prstGeom>
-        </p:spPr>
-        <p:txBody>
-          <a:bodyPr spcFirstLastPara="1" wrap="square" lIns="91425" tIns="0" rIns="91425" bIns="0" anchor="b" anchorCtr="0">
-            <a:noAutofit/>
-          </a:bodyPr>
-          <a:lstStyle/>
-          <a:p>
-            <a:pPr marL="0" lvl="0" indent="0" algn="r" rtl="0">
-              <a:spcBef>
-                <a:spcPts val="0"/>
-              </a:spcBef>
-              <a:spcAft>
-                <a:spcPts val="0"/>
-              </a:spcAft>
-              <a:buNone/>
-            </a:pPr>
-            <a:r>
-              <a:rPr lang="en"/>
-              <a:t>04</a:t>
-            </a:r>
-            <a:endParaRPr/>
-          </a:p>
-        </p:txBody>
-      </p:sp>
-      <p:sp>
-        <p:nvSpPr>
-          <p:cNvPr id="355" name="Google Shape;355;p29"/>
-          <p:cNvSpPr txBox="1">
-            <a:spLocks noGrp="1"/>
-          </p:cNvSpPr>
-          <p:nvPr>
-            <p:ph type="subTitle" idx="9"/>
-          </p:nvPr>
-        </p:nvSpPr>
-        <p:spPr>
-          <a:xfrm flipH="1">
-            <a:off x="2524900" y="3579425"/>
-            <a:ext cx="2163900" cy="426600"/>
-          </a:xfrm>
-          <a:prstGeom prst="rect">
-            <a:avLst/>
-          </a:prstGeom>
-        </p:spPr>
-        <p:txBody>
-          <a:bodyPr spcFirstLastPara="1" wrap="square" lIns="91425" tIns="0" rIns="91425" bIns="0" anchor="t" anchorCtr="0">
-            <a:noAutofit/>
-          </a:bodyPr>
-          <a:lstStyle/>
-          <a:p>
-            <a:pPr marL="0" lvl="0" indent="0" algn="r" rtl="0">
-              <a:spcBef>
-                <a:spcPts val="0"/>
-              </a:spcBef>
-              <a:spcAft>
-                <a:spcPts val="0"/>
-              </a:spcAft>
-              <a:buNone/>
-            </a:pPr>
-            <a:r>
-              <a:rPr lang="en-US" dirty="0"/>
-              <a:t>Data types</a:t>
-            </a:r>
-            <a:endParaRPr dirty="0"/>
-          </a:p>
-        </p:txBody>
-      </p:sp>
-      <p:sp>
-        <p:nvSpPr>
-          <p:cNvPr id="2" name="Google Shape;350;p29">
-            <a:extLst>
-              <a:ext uri="{FF2B5EF4-FFF2-40B4-BE49-F238E27FC236}">
-                <a16:creationId xmlns:a16="http://schemas.microsoft.com/office/drawing/2014/main" id="{E429674A-0F19-CB4C-1A71-CDC0D6EE5FE1}"/>
-              </a:ext>
-            </a:extLst>
-          </p:cNvPr>
-          <p:cNvSpPr txBox="1">
-            <a:spLocks/>
-          </p:cNvSpPr>
-          <p:nvPr/>
-        </p:nvSpPr>
-        <p:spPr>
-          <a:xfrm flipH="1">
-            <a:off x="5770750" y="1854358"/>
-            <a:ext cx="2163900" cy="240900"/>
-          </a:xfrm>
-          <a:prstGeom prst="rect">
-            <a:avLst/>
-          </a:prstGeom>
-          <a:noFill/>
-          <a:ln>
-            <a:noFill/>
-          </a:ln>
-        </p:spPr>
-        <p:txBody>
-          <a:bodyPr spcFirstLastPara="1" wrap="square" lIns="91425" tIns="0" rIns="91425" bIns="0" anchor="b" anchorCtr="0">
-            <a:noAutofit/>
-          </a:bodyPr>
-          <a:lstStyle>
-            <a:defPPr marR="0" lvl="0" algn="l" rtl="0">
-              <a:lnSpc>
-                <a:spcPct val="100000"/>
-              </a:lnSpc>
-              <a:spcBef>
-                <a:spcPts val="0"/>
-              </a:spcBef>
-              <a:spcAft>
-                <a:spcPts val="0"/>
-              </a:spcAft>
-            </a:defPPr>
-            <a:lvl1pPr marR="0" lvl="0" algn="r" rtl="0">
-              <a:lnSpc>
-                <a:spcPct val="100000"/>
-              </a:lnSpc>
-              <a:spcBef>
-                <a:spcPts val="0"/>
-              </a:spcBef>
-              <a:spcAft>
-                <a:spcPts val="0"/>
-              </a:spcAft>
-              <a:buClr>
-                <a:schemeClr val="lt1"/>
-              </a:buClr>
-              <a:buSzPts val="3500"/>
-              <a:buFont typeface="Overpass Mono"/>
-              <a:buNone/>
-              <a:defRPr sz="3500" b="1" i="0" u="none" strike="noStrike" cap="none">
-                <a:solidFill>
-                  <a:schemeClr val="lt1"/>
-                </a:solidFill>
-                <a:latin typeface="Overpass Mono"/>
-                <a:ea typeface="Overpass Mono"/>
-                <a:cs typeface="Overpass Mono"/>
-                <a:sym typeface="Overpass Mono"/>
-              </a:defRPr>
-            </a:lvl1pPr>
-            <a:lvl2pPr marR="0" lvl="1" algn="r" rtl="0">
-              <a:lnSpc>
-                <a:spcPct val="100000"/>
-              </a:lnSpc>
-              <a:spcBef>
-                <a:spcPts val="0"/>
-              </a:spcBef>
-              <a:spcAft>
-                <a:spcPts val="0"/>
-              </a:spcAft>
-              <a:buClr>
-                <a:srgbClr val="434343"/>
-              </a:buClr>
-              <a:buSzPts val="3500"/>
-              <a:buFont typeface="Arial"/>
-              <a:buNone/>
-              <a:defRPr sz="3500" b="1" i="0" u="none" strike="noStrike" cap="none">
-                <a:solidFill>
-                  <a:srgbClr val="434343"/>
-                </a:solidFill>
-                <a:latin typeface="Arial"/>
-                <a:ea typeface="Arial"/>
-                <a:cs typeface="Arial"/>
-                <a:sym typeface="Arial"/>
-              </a:defRPr>
-            </a:lvl2pPr>
-            <a:lvl3pPr marR="0" lvl="2" algn="r" rtl="0">
-              <a:lnSpc>
-                <a:spcPct val="100000"/>
-              </a:lnSpc>
-              <a:spcBef>
-                <a:spcPts val="0"/>
-              </a:spcBef>
-              <a:spcAft>
-                <a:spcPts val="0"/>
-              </a:spcAft>
-              <a:buClr>
-                <a:srgbClr val="434343"/>
-              </a:buClr>
-              <a:buSzPts val="3500"/>
-              <a:buFont typeface="Arial"/>
-              <a:buNone/>
-              <a:defRPr sz="3500" b="1" i="0" u="none" strike="noStrike" cap="none">
-                <a:solidFill>
-                  <a:srgbClr val="434343"/>
-                </a:solidFill>
-                <a:latin typeface="Arial"/>
-                <a:ea typeface="Arial"/>
-                <a:cs typeface="Arial"/>
-                <a:sym typeface="Arial"/>
-              </a:defRPr>
-            </a:lvl3pPr>
-            <a:lvl4pPr marR="0" lvl="3" algn="r" rtl="0">
-              <a:lnSpc>
-                <a:spcPct val="100000"/>
-              </a:lnSpc>
-              <a:spcBef>
-                <a:spcPts val="0"/>
-              </a:spcBef>
-              <a:spcAft>
-                <a:spcPts val="0"/>
-              </a:spcAft>
-              <a:buClr>
-                <a:srgbClr val="434343"/>
-              </a:buClr>
-              <a:buSzPts val="3500"/>
-              <a:buFont typeface="Arial"/>
-              <a:buNone/>
-              <a:defRPr sz="3500" b="1" i="0" u="none" strike="noStrike" cap="none">
-                <a:solidFill>
-                  <a:srgbClr val="434343"/>
-                </a:solidFill>
-                <a:latin typeface="Arial"/>
-                <a:ea typeface="Arial"/>
-                <a:cs typeface="Arial"/>
-                <a:sym typeface="Arial"/>
-              </a:defRPr>
-            </a:lvl4pPr>
-            <a:lvl5pPr marR="0" lvl="4" algn="r" rtl="0">
-              <a:lnSpc>
-                <a:spcPct val="100000"/>
-              </a:lnSpc>
-              <a:spcBef>
-                <a:spcPts val="0"/>
-              </a:spcBef>
-              <a:spcAft>
-                <a:spcPts val="0"/>
-              </a:spcAft>
-              <a:buClr>
-                <a:srgbClr val="434343"/>
-              </a:buClr>
-              <a:buSzPts val="3500"/>
-              <a:buFont typeface="Arial"/>
-              <a:buNone/>
-              <a:defRPr sz="3500" b="1" i="0" u="none" strike="noStrike" cap="none">
-                <a:solidFill>
-                  <a:srgbClr val="434343"/>
-                </a:solidFill>
-                <a:latin typeface="Arial"/>
-                <a:ea typeface="Arial"/>
-                <a:cs typeface="Arial"/>
-                <a:sym typeface="Arial"/>
-              </a:defRPr>
-            </a:lvl5pPr>
-            <a:lvl6pPr marR="0" lvl="5" algn="r" rtl="0">
-              <a:lnSpc>
-                <a:spcPct val="100000"/>
-              </a:lnSpc>
-              <a:spcBef>
-                <a:spcPts val="0"/>
-              </a:spcBef>
-              <a:spcAft>
-                <a:spcPts val="0"/>
-              </a:spcAft>
-              <a:buClr>
-                <a:srgbClr val="434343"/>
-              </a:buClr>
-              <a:buSzPts val="3500"/>
-              <a:buFont typeface="Arial"/>
-              <a:buNone/>
-              <a:defRPr sz="3500" b="1" i="0" u="none" strike="noStrike" cap="none">
-                <a:solidFill>
-                  <a:srgbClr val="434343"/>
-                </a:solidFill>
-                <a:latin typeface="Arial"/>
-                <a:ea typeface="Arial"/>
-                <a:cs typeface="Arial"/>
-                <a:sym typeface="Arial"/>
-              </a:defRPr>
-            </a:lvl6pPr>
-            <a:lvl7pPr marR="0" lvl="6" algn="r" rtl="0">
-              <a:lnSpc>
-                <a:spcPct val="100000"/>
-              </a:lnSpc>
-              <a:spcBef>
-                <a:spcPts val="0"/>
-              </a:spcBef>
-              <a:spcAft>
-                <a:spcPts val="0"/>
-              </a:spcAft>
-              <a:buClr>
-                <a:srgbClr val="434343"/>
-              </a:buClr>
-              <a:buSzPts val="3500"/>
-              <a:buFont typeface="Arial"/>
-              <a:buNone/>
-              <a:defRPr sz="3500" b="1" i="0" u="none" strike="noStrike" cap="none">
-                <a:solidFill>
-                  <a:srgbClr val="434343"/>
-                </a:solidFill>
-                <a:latin typeface="Arial"/>
-                <a:ea typeface="Arial"/>
-                <a:cs typeface="Arial"/>
-                <a:sym typeface="Arial"/>
-              </a:defRPr>
-            </a:lvl7pPr>
-            <a:lvl8pPr marR="0" lvl="7" algn="r" rtl="0">
-              <a:lnSpc>
-                <a:spcPct val="100000"/>
-              </a:lnSpc>
-              <a:spcBef>
-                <a:spcPts val="0"/>
-              </a:spcBef>
-              <a:spcAft>
-                <a:spcPts val="0"/>
-              </a:spcAft>
-              <a:buClr>
-                <a:srgbClr val="434343"/>
-              </a:buClr>
-              <a:buSzPts val="3500"/>
-              <a:buFont typeface="Arial"/>
-              <a:buNone/>
-              <a:defRPr sz="3500" b="1" i="0" u="none" strike="noStrike" cap="none">
-                <a:solidFill>
-                  <a:srgbClr val="434343"/>
-                </a:solidFill>
-                <a:latin typeface="Arial"/>
-                <a:ea typeface="Arial"/>
-                <a:cs typeface="Arial"/>
-                <a:sym typeface="Arial"/>
-              </a:defRPr>
-            </a:lvl8pPr>
-            <a:lvl9pPr marR="0" lvl="8" algn="r" rtl="0">
-              <a:lnSpc>
-                <a:spcPct val="100000"/>
-              </a:lnSpc>
-              <a:spcBef>
-                <a:spcPts val="0"/>
-              </a:spcBef>
-              <a:spcAft>
-                <a:spcPts val="0"/>
-              </a:spcAft>
-              <a:buClr>
-                <a:srgbClr val="434343"/>
-              </a:buClr>
-              <a:buSzPts val="3500"/>
-              <a:buFont typeface="Arial"/>
-              <a:buNone/>
-              <a:defRPr sz="3500" b="1" i="0" u="none" strike="noStrike" cap="none">
-                <a:solidFill>
-                  <a:srgbClr val="434343"/>
-                </a:solidFill>
-                <a:latin typeface="Arial"/>
-                <a:ea typeface="Arial"/>
-                <a:cs typeface="Arial"/>
-                <a:sym typeface="Arial"/>
-              </a:defRPr>
-            </a:lvl9pPr>
-          </a:lstStyle>
-          <a:p>
-            <a:r>
-              <a:rPr lang="en" dirty="0"/>
-              <a:t>05</a:t>
-            </a:r>
-          </a:p>
-        </p:txBody>
-      </p:sp>
-      <p:sp>
-        <p:nvSpPr>
-          <p:cNvPr id="3" name="Google Shape;351;p29">
-            <a:extLst>
-              <a:ext uri="{FF2B5EF4-FFF2-40B4-BE49-F238E27FC236}">
-                <a16:creationId xmlns:a16="http://schemas.microsoft.com/office/drawing/2014/main" id="{87D5FFB2-C0B7-B9D2-D9A6-6E461FD6B94D}"/>
-              </a:ext>
-            </a:extLst>
-          </p:cNvPr>
-          <p:cNvSpPr txBox="1">
-            <a:spLocks/>
-          </p:cNvSpPr>
-          <p:nvPr/>
-        </p:nvSpPr>
-        <p:spPr>
-          <a:xfrm flipH="1">
-            <a:off x="5770750" y="2169488"/>
-            <a:ext cx="2163900" cy="426600"/>
-          </a:xfrm>
-          <a:prstGeom prst="rect">
-            <a:avLst/>
-          </a:prstGeom>
-          <a:noFill/>
-          <a:ln>
-            <a:noFill/>
-          </a:ln>
-        </p:spPr>
-        <p:txBody>
-          <a:bodyPr spcFirstLastPara="1" wrap="square" lIns="91425" tIns="0" rIns="91425" bIns="0" anchor="t" anchorCtr="0">
-            <a:noAutofit/>
-          </a:bodyPr>
-          <a:lstStyle>
-            <a:defPPr marR="0" lvl="0" algn="l" rtl="0">
-              <a:lnSpc>
-                <a:spcPct val="100000"/>
-              </a:lnSpc>
-              <a:spcBef>
-                <a:spcPts val="0"/>
-              </a:spcBef>
-              <a:spcAft>
-                <a:spcPts val="0"/>
-              </a:spcAft>
-            </a:defPPr>
-            <a:lvl1pPr marL="457200" marR="0" lvl="0" indent="-342900" algn="r" rtl="0">
-              <a:lnSpc>
-                <a:spcPct val="100000"/>
-              </a:lnSpc>
-              <a:spcBef>
-                <a:spcPts val="0"/>
-              </a:spcBef>
-              <a:spcAft>
-                <a:spcPts val="0"/>
-              </a:spcAft>
-              <a:buClr>
-                <a:schemeClr val="lt1"/>
-              </a:buClr>
-              <a:buSzPts val="2200"/>
-              <a:buFont typeface="Overpass Mono"/>
-              <a:buNone/>
-              <a:defRPr sz="2200" b="1" i="0" u="none" strike="noStrike" cap="none">
-                <a:solidFill>
-                  <a:schemeClr val="lt1"/>
-                </a:solidFill>
-                <a:latin typeface="Overpass Mono"/>
-                <a:ea typeface="Overpass Mono"/>
-                <a:cs typeface="Overpass Mono"/>
-                <a:sym typeface="Overpass Mono"/>
-              </a:defRPr>
-            </a:lvl1pPr>
-            <a:lvl2pPr marL="914400" marR="0" lvl="1" indent="-317500" algn="r" rtl="0">
-              <a:lnSpc>
-                <a:spcPct val="100000"/>
-              </a:lnSpc>
-              <a:spcBef>
-                <a:spcPts val="0"/>
-              </a:spcBef>
-              <a:spcAft>
-                <a:spcPts val="0"/>
-              </a:spcAft>
-              <a:buClr>
-                <a:schemeClr val="lt1"/>
-              </a:buClr>
-              <a:buSzPts val="2200"/>
-              <a:buFont typeface="Overpass Mono"/>
-              <a:buNone/>
-              <a:defRPr sz="2200" b="1" i="0" u="none" strike="noStrike" cap="none">
-                <a:solidFill>
-                  <a:schemeClr val="lt1"/>
-                </a:solidFill>
-                <a:latin typeface="Overpass Mono"/>
-                <a:ea typeface="Overpass Mono"/>
-                <a:cs typeface="Overpass Mono"/>
-                <a:sym typeface="Overpass Mono"/>
-              </a:defRPr>
-            </a:lvl2pPr>
-            <a:lvl3pPr marL="1371600" marR="0" lvl="2" indent="-317500" algn="r" rtl="0">
-              <a:lnSpc>
-                <a:spcPct val="100000"/>
-              </a:lnSpc>
-              <a:spcBef>
-                <a:spcPts val="0"/>
-              </a:spcBef>
-              <a:spcAft>
-                <a:spcPts val="0"/>
-              </a:spcAft>
-              <a:buClr>
-                <a:schemeClr val="lt1"/>
-              </a:buClr>
-              <a:buSzPts val="2200"/>
-              <a:buFont typeface="Overpass Mono"/>
-              <a:buNone/>
-              <a:defRPr sz="2200" b="1" i="0" u="none" strike="noStrike" cap="none">
-                <a:solidFill>
-                  <a:schemeClr val="lt1"/>
-                </a:solidFill>
-                <a:latin typeface="Overpass Mono"/>
-                <a:ea typeface="Overpass Mono"/>
-                <a:cs typeface="Overpass Mono"/>
-                <a:sym typeface="Overpass Mono"/>
-              </a:defRPr>
-            </a:lvl3pPr>
-            <a:lvl4pPr marL="1828800" marR="0" lvl="3" indent="-317500" algn="r" rtl="0">
-              <a:lnSpc>
-                <a:spcPct val="100000"/>
-              </a:lnSpc>
-              <a:spcBef>
-                <a:spcPts val="0"/>
-              </a:spcBef>
-              <a:spcAft>
-                <a:spcPts val="0"/>
-              </a:spcAft>
-              <a:buClr>
-                <a:schemeClr val="lt1"/>
-              </a:buClr>
-              <a:buSzPts val="2200"/>
-              <a:buFont typeface="Overpass Mono"/>
-              <a:buNone/>
-              <a:defRPr sz="2200" b="1" i="0" u="none" strike="noStrike" cap="none">
-                <a:solidFill>
-                  <a:schemeClr val="lt1"/>
-                </a:solidFill>
-                <a:latin typeface="Overpass Mono"/>
-                <a:ea typeface="Overpass Mono"/>
-                <a:cs typeface="Overpass Mono"/>
-                <a:sym typeface="Overpass Mono"/>
-              </a:defRPr>
-            </a:lvl4pPr>
-            <a:lvl5pPr marL="2286000" marR="0" lvl="4" indent="-317500" algn="r" rtl="0">
-              <a:lnSpc>
-                <a:spcPct val="100000"/>
-              </a:lnSpc>
-              <a:spcBef>
-                <a:spcPts val="0"/>
-              </a:spcBef>
-              <a:spcAft>
-                <a:spcPts val="0"/>
-              </a:spcAft>
-              <a:buClr>
-                <a:schemeClr val="lt1"/>
-              </a:buClr>
-              <a:buSzPts val="2200"/>
-              <a:buFont typeface="Overpass Mono"/>
-              <a:buNone/>
-              <a:defRPr sz="2200" b="1" i="0" u="none" strike="noStrike" cap="none">
-                <a:solidFill>
-                  <a:schemeClr val="lt1"/>
-                </a:solidFill>
-                <a:latin typeface="Overpass Mono"/>
-                <a:ea typeface="Overpass Mono"/>
-                <a:cs typeface="Overpass Mono"/>
-                <a:sym typeface="Overpass Mono"/>
-              </a:defRPr>
-            </a:lvl5pPr>
-            <a:lvl6pPr marL="2743200" marR="0" lvl="5" indent="-317500" algn="r" rtl="0">
-              <a:lnSpc>
-                <a:spcPct val="100000"/>
-              </a:lnSpc>
-              <a:spcBef>
-                <a:spcPts val="0"/>
-              </a:spcBef>
-              <a:spcAft>
-                <a:spcPts val="0"/>
-              </a:spcAft>
-              <a:buClr>
-                <a:schemeClr val="lt1"/>
-              </a:buClr>
-              <a:buSzPts val="2200"/>
-              <a:buFont typeface="Overpass Mono"/>
-              <a:buNone/>
-              <a:defRPr sz="2200" b="1" i="0" u="none" strike="noStrike" cap="none">
-                <a:solidFill>
-                  <a:schemeClr val="lt1"/>
-                </a:solidFill>
-                <a:latin typeface="Overpass Mono"/>
-                <a:ea typeface="Overpass Mono"/>
-                <a:cs typeface="Overpass Mono"/>
-                <a:sym typeface="Overpass Mono"/>
-              </a:defRPr>
-            </a:lvl6pPr>
-            <a:lvl7pPr marL="3200400" marR="0" lvl="6" indent="-317500" algn="r" rtl="0">
-              <a:lnSpc>
-                <a:spcPct val="100000"/>
-              </a:lnSpc>
-              <a:spcBef>
-                <a:spcPts val="0"/>
-              </a:spcBef>
-              <a:spcAft>
-                <a:spcPts val="0"/>
-              </a:spcAft>
-              <a:buClr>
-                <a:schemeClr val="lt1"/>
-              </a:buClr>
-              <a:buSzPts val="2200"/>
-              <a:buFont typeface="Overpass Mono"/>
-              <a:buNone/>
-              <a:defRPr sz="2200" b="1" i="0" u="none" strike="noStrike" cap="none">
-                <a:solidFill>
-                  <a:schemeClr val="lt1"/>
-                </a:solidFill>
-                <a:latin typeface="Overpass Mono"/>
-                <a:ea typeface="Overpass Mono"/>
-                <a:cs typeface="Overpass Mono"/>
-                <a:sym typeface="Overpass Mono"/>
-              </a:defRPr>
-            </a:lvl7pPr>
-            <a:lvl8pPr marL="3657600" marR="0" lvl="7" indent="-317500" algn="r" rtl="0">
-              <a:lnSpc>
-                <a:spcPct val="100000"/>
-              </a:lnSpc>
-              <a:spcBef>
-                <a:spcPts val="0"/>
-              </a:spcBef>
-              <a:spcAft>
-                <a:spcPts val="0"/>
-              </a:spcAft>
-              <a:buClr>
-                <a:schemeClr val="lt1"/>
-              </a:buClr>
-              <a:buSzPts val="2200"/>
-              <a:buFont typeface="Overpass Mono"/>
-              <a:buNone/>
-              <a:defRPr sz="2200" b="1" i="0" u="none" strike="noStrike" cap="none">
-                <a:solidFill>
-                  <a:schemeClr val="lt1"/>
-                </a:solidFill>
-                <a:latin typeface="Overpass Mono"/>
-                <a:ea typeface="Overpass Mono"/>
-                <a:cs typeface="Overpass Mono"/>
-                <a:sym typeface="Overpass Mono"/>
-              </a:defRPr>
-            </a:lvl8pPr>
-            <a:lvl9pPr marL="4114800" marR="0" lvl="8" indent="-317500" algn="r" rtl="0">
-              <a:lnSpc>
-                <a:spcPct val="100000"/>
-              </a:lnSpc>
-              <a:spcBef>
-                <a:spcPts val="0"/>
-              </a:spcBef>
-              <a:spcAft>
-                <a:spcPts val="0"/>
-              </a:spcAft>
-              <a:buClr>
-                <a:schemeClr val="lt1"/>
-              </a:buClr>
-              <a:buSzPts val="2200"/>
-              <a:buFont typeface="Overpass Mono"/>
-              <a:buNone/>
-              <a:defRPr sz="2200" b="1" i="0" u="none" strike="noStrike" cap="none">
-                <a:solidFill>
-                  <a:schemeClr val="lt1"/>
-                </a:solidFill>
-                <a:latin typeface="Overpass Mono"/>
-                <a:ea typeface="Overpass Mono"/>
-                <a:cs typeface="Overpass Mono"/>
-                <a:sym typeface="Overpass Mono"/>
-              </a:defRPr>
-            </a:lvl9pPr>
-          </a:lstStyle>
-          <a:p>
-            <a:pPr marL="0" indent="0"/>
-            <a:r>
-              <a:rPr lang="en-US" dirty="0"/>
-              <a:t>Operations</a:t>
-            </a:r>
-          </a:p>
-        </p:txBody>
-      </p:sp>
-      <p:sp>
-        <p:nvSpPr>
-          <p:cNvPr id="4" name="Google Shape;354;p29">
-            <a:extLst>
-              <a:ext uri="{FF2B5EF4-FFF2-40B4-BE49-F238E27FC236}">
-                <a16:creationId xmlns:a16="http://schemas.microsoft.com/office/drawing/2014/main" id="{22055AB4-62F5-8321-3787-EBDD570286F0}"/>
-              </a:ext>
-            </a:extLst>
-          </p:cNvPr>
-          <p:cNvSpPr txBox="1">
-            <a:spLocks/>
-          </p:cNvSpPr>
-          <p:nvPr/>
-        </p:nvSpPr>
-        <p:spPr>
-          <a:xfrm flipH="1">
-            <a:off x="5770750" y="3264295"/>
-            <a:ext cx="2163900" cy="240900"/>
-          </a:xfrm>
-          <a:prstGeom prst="rect">
-            <a:avLst/>
-          </a:prstGeom>
-          <a:noFill/>
-          <a:ln>
-            <a:noFill/>
-          </a:ln>
-        </p:spPr>
-        <p:txBody>
-          <a:bodyPr spcFirstLastPara="1" wrap="square" lIns="91425" tIns="0" rIns="91425" bIns="0" anchor="b" anchorCtr="0">
-            <a:noAutofit/>
-          </a:bodyPr>
-          <a:lstStyle>
-            <a:defPPr marR="0" lvl="0" algn="l" rtl="0">
-              <a:lnSpc>
-                <a:spcPct val="100000"/>
-              </a:lnSpc>
-              <a:spcBef>
-                <a:spcPts val="0"/>
-              </a:spcBef>
-              <a:spcAft>
-                <a:spcPts val="0"/>
-              </a:spcAft>
-            </a:defPPr>
-            <a:lvl1pPr marR="0" lvl="0" algn="r" rtl="0">
-              <a:lnSpc>
-                <a:spcPct val="100000"/>
-              </a:lnSpc>
-              <a:spcBef>
-                <a:spcPts val="0"/>
-              </a:spcBef>
-              <a:spcAft>
-                <a:spcPts val="0"/>
-              </a:spcAft>
-              <a:buClr>
-                <a:schemeClr val="lt1"/>
-              </a:buClr>
-              <a:buSzPts val="3500"/>
-              <a:buFont typeface="Overpass Mono"/>
-              <a:buNone/>
-              <a:defRPr sz="3500" b="1" i="0" u="none" strike="noStrike" cap="none">
-                <a:solidFill>
-                  <a:schemeClr val="lt1"/>
-                </a:solidFill>
-                <a:latin typeface="Overpass Mono"/>
-                <a:ea typeface="Overpass Mono"/>
-                <a:cs typeface="Overpass Mono"/>
-                <a:sym typeface="Overpass Mono"/>
-              </a:defRPr>
-            </a:lvl1pPr>
-            <a:lvl2pPr marR="0" lvl="1" algn="r" rtl="0">
-              <a:lnSpc>
-                <a:spcPct val="100000"/>
-              </a:lnSpc>
-              <a:spcBef>
-                <a:spcPts val="0"/>
-              </a:spcBef>
-              <a:spcAft>
-                <a:spcPts val="0"/>
-              </a:spcAft>
-              <a:buClr>
-                <a:srgbClr val="434343"/>
-              </a:buClr>
-              <a:buSzPts val="3500"/>
-              <a:buFont typeface="Arial"/>
-              <a:buNone/>
-              <a:defRPr sz="3500" b="1" i="0" u="none" strike="noStrike" cap="none">
-                <a:solidFill>
-                  <a:srgbClr val="434343"/>
-                </a:solidFill>
-                <a:latin typeface="Arial"/>
-                <a:ea typeface="Arial"/>
-                <a:cs typeface="Arial"/>
-                <a:sym typeface="Arial"/>
-              </a:defRPr>
-            </a:lvl2pPr>
-            <a:lvl3pPr marR="0" lvl="2" algn="r" rtl="0">
-              <a:lnSpc>
-                <a:spcPct val="100000"/>
-              </a:lnSpc>
-              <a:spcBef>
-                <a:spcPts val="0"/>
-              </a:spcBef>
-              <a:spcAft>
-                <a:spcPts val="0"/>
-              </a:spcAft>
-              <a:buClr>
-                <a:srgbClr val="434343"/>
-              </a:buClr>
-              <a:buSzPts val="3500"/>
-              <a:buFont typeface="Arial"/>
-              <a:buNone/>
-              <a:defRPr sz="3500" b="1" i="0" u="none" strike="noStrike" cap="none">
-                <a:solidFill>
-                  <a:srgbClr val="434343"/>
-                </a:solidFill>
-                <a:latin typeface="Arial"/>
-                <a:ea typeface="Arial"/>
-                <a:cs typeface="Arial"/>
-                <a:sym typeface="Arial"/>
-              </a:defRPr>
-            </a:lvl3pPr>
-            <a:lvl4pPr marR="0" lvl="3" algn="r" rtl="0">
-              <a:lnSpc>
-                <a:spcPct val="100000"/>
-              </a:lnSpc>
-              <a:spcBef>
-                <a:spcPts val="0"/>
-              </a:spcBef>
-              <a:spcAft>
-                <a:spcPts val="0"/>
-              </a:spcAft>
-              <a:buClr>
-                <a:srgbClr val="434343"/>
-              </a:buClr>
-              <a:buSzPts val="3500"/>
-              <a:buFont typeface="Arial"/>
-              <a:buNone/>
-              <a:defRPr sz="3500" b="1" i="0" u="none" strike="noStrike" cap="none">
-                <a:solidFill>
-                  <a:srgbClr val="434343"/>
-                </a:solidFill>
-                <a:latin typeface="Arial"/>
-                <a:ea typeface="Arial"/>
-                <a:cs typeface="Arial"/>
-                <a:sym typeface="Arial"/>
-              </a:defRPr>
-            </a:lvl4pPr>
-            <a:lvl5pPr marR="0" lvl="4" algn="r" rtl="0">
-              <a:lnSpc>
-                <a:spcPct val="100000"/>
-              </a:lnSpc>
-              <a:spcBef>
-                <a:spcPts val="0"/>
-              </a:spcBef>
-              <a:spcAft>
-                <a:spcPts val="0"/>
-              </a:spcAft>
-              <a:buClr>
-                <a:srgbClr val="434343"/>
-              </a:buClr>
-              <a:buSzPts val="3500"/>
-              <a:buFont typeface="Arial"/>
-              <a:buNone/>
-              <a:defRPr sz="3500" b="1" i="0" u="none" strike="noStrike" cap="none">
-                <a:solidFill>
-                  <a:srgbClr val="434343"/>
-                </a:solidFill>
-                <a:latin typeface="Arial"/>
-                <a:ea typeface="Arial"/>
-                <a:cs typeface="Arial"/>
-                <a:sym typeface="Arial"/>
-              </a:defRPr>
-            </a:lvl5pPr>
-            <a:lvl6pPr marR="0" lvl="5" algn="r" rtl="0">
-              <a:lnSpc>
-                <a:spcPct val="100000"/>
-              </a:lnSpc>
-              <a:spcBef>
-                <a:spcPts val="0"/>
-              </a:spcBef>
-              <a:spcAft>
-                <a:spcPts val="0"/>
-              </a:spcAft>
-              <a:buClr>
-                <a:srgbClr val="434343"/>
-              </a:buClr>
-              <a:buSzPts val="3500"/>
-              <a:buFont typeface="Arial"/>
-              <a:buNone/>
-              <a:defRPr sz="3500" b="1" i="0" u="none" strike="noStrike" cap="none">
-                <a:solidFill>
-                  <a:srgbClr val="434343"/>
-                </a:solidFill>
-                <a:latin typeface="Arial"/>
-                <a:ea typeface="Arial"/>
-                <a:cs typeface="Arial"/>
-                <a:sym typeface="Arial"/>
-              </a:defRPr>
-            </a:lvl6pPr>
-            <a:lvl7pPr marR="0" lvl="6" algn="r" rtl="0">
-              <a:lnSpc>
-                <a:spcPct val="100000"/>
-              </a:lnSpc>
-              <a:spcBef>
-                <a:spcPts val="0"/>
-              </a:spcBef>
-              <a:spcAft>
-                <a:spcPts val="0"/>
-              </a:spcAft>
-              <a:buClr>
-                <a:srgbClr val="434343"/>
-              </a:buClr>
-              <a:buSzPts val="3500"/>
-              <a:buFont typeface="Arial"/>
-              <a:buNone/>
-              <a:defRPr sz="3500" b="1" i="0" u="none" strike="noStrike" cap="none">
-                <a:solidFill>
-                  <a:srgbClr val="434343"/>
-                </a:solidFill>
-                <a:latin typeface="Arial"/>
-                <a:ea typeface="Arial"/>
-                <a:cs typeface="Arial"/>
-                <a:sym typeface="Arial"/>
-              </a:defRPr>
-            </a:lvl7pPr>
-            <a:lvl8pPr marR="0" lvl="7" algn="r" rtl="0">
-              <a:lnSpc>
-                <a:spcPct val="100000"/>
-              </a:lnSpc>
-              <a:spcBef>
-                <a:spcPts val="0"/>
-              </a:spcBef>
-              <a:spcAft>
-                <a:spcPts val="0"/>
-              </a:spcAft>
-              <a:buClr>
-                <a:srgbClr val="434343"/>
-              </a:buClr>
-              <a:buSzPts val="3500"/>
-              <a:buFont typeface="Arial"/>
-              <a:buNone/>
-              <a:defRPr sz="3500" b="1" i="0" u="none" strike="noStrike" cap="none">
-                <a:solidFill>
-                  <a:srgbClr val="434343"/>
-                </a:solidFill>
-                <a:latin typeface="Arial"/>
-                <a:ea typeface="Arial"/>
-                <a:cs typeface="Arial"/>
-                <a:sym typeface="Arial"/>
-              </a:defRPr>
-            </a:lvl8pPr>
-            <a:lvl9pPr marR="0" lvl="8" algn="r" rtl="0">
-              <a:lnSpc>
-                <a:spcPct val="100000"/>
-              </a:lnSpc>
-              <a:spcBef>
-                <a:spcPts val="0"/>
-              </a:spcBef>
-              <a:spcAft>
-                <a:spcPts val="0"/>
-              </a:spcAft>
-              <a:buClr>
-                <a:srgbClr val="434343"/>
-              </a:buClr>
-              <a:buSzPts val="3500"/>
-              <a:buFont typeface="Arial"/>
-              <a:buNone/>
-              <a:defRPr sz="3500" b="1" i="0" u="none" strike="noStrike" cap="none">
-                <a:solidFill>
-                  <a:srgbClr val="434343"/>
-                </a:solidFill>
-                <a:latin typeface="Arial"/>
-                <a:ea typeface="Arial"/>
-                <a:cs typeface="Arial"/>
-                <a:sym typeface="Arial"/>
-              </a:defRPr>
-            </a:lvl9pPr>
-          </a:lstStyle>
-          <a:p>
-            <a:r>
-              <a:rPr lang="en" dirty="0"/>
-              <a:t>06</a:t>
-            </a:r>
-          </a:p>
-        </p:txBody>
-      </p:sp>
-      <p:sp>
-        <p:nvSpPr>
-          <p:cNvPr id="5" name="Google Shape;355;p29">
-            <a:extLst>
-              <a:ext uri="{FF2B5EF4-FFF2-40B4-BE49-F238E27FC236}">
-                <a16:creationId xmlns:a16="http://schemas.microsoft.com/office/drawing/2014/main" id="{03823CBC-B42A-5125-AE0E-A863FED5135A}"/>
-              </a:ext>
-            </a:extLst>
-          </p:cNvPr>
-          <p:cNvSpPr txBox="1">
-            <a:spLocks/>
-          </p:cNvSpPr>
-          <p:nvPr/>
-        </p:nvSpPr>
-        <p:spPr>
-          <a:xfrm flipH="1">
-            <a:off x="5770750" y="3579425"/>
-            <a:ext cx="2163900" cy="426600"/>
-          </a:xfrm>
-          <a:prstGeom prst="rect">
-            <a:avLst/>
-          </a:prstGeom>
-          <a:noFill/>
-          <a:ln>
-            <a:noFill/>
-          </a:ln>
-        </p:spPr>
-        <p:txBody>
-          <a:bodyPr spcFirstLastPara="1" wrap="square" lIns="91425" tIns="0" rIns="91425" bIns="0" anchor="t" anchorCtr="0">
-            <a:noAutofit/>
-          </a:bodyPr>
-          <a:lstStyle>
-            <a:defPPr marR="0" lvl="0" algn="l" rtl="0">
-              <a:lnSpc>
-                <a:spcPct val="100000"/>
-              </a:lnSpc>
-              <a:spcBef>
-                <a:spcPts val="0"/>
-              </a:spcBef>
-              <a:spcAft>
-                <a:spcPts val="0"/>
-              </a:spcAft>
-            </a:defPPr>
-            <a:lvl1pPr marL="457200" marR="0" lvl="0" indent="-342900" algn="r" rtl="0">
-              <a:lnSpc>
-                <a:spcPct val="100000"/>
-              </a:lnSpc>
-              <a:spcBef>
-                <a:spcPts val="0"/>
-              </a:spcBef>
-              <a:spcAft>
-                <a:spcPts val="0"/>
-              </a:spcAft>
-              <a:buClr>
-                <a:schemeClr val="lt1"/>
-              </a:buClr>
-              <a:buSzPts val="2200"/>
-              <a:buFont typeface="Overpass Mono"/>
-              <a:buNone/>
-              <a:defRPr sz="2200" b="1" i="0" u="none" strike="noStrike" cap="none">
-                <a:solidFill>
-                  <a:schemeClr val="lt1"/>
-                </a:solidFill>
-                <a:latin typeface="Overpass Mono"/>
-                <a:ea typeface="Overpass Mono"/>
-                <a:cs typeface="Overpass Mono"/>
-                <a:sym typeface="Overpass Mono"/>
-              </a:defRPr>
-            </a:lvl1pPr>
-            <a:lvl2pPr marL="914400" marR="0" lvl="1" indent="-317500" algn="r" rtl="0">
-              <a:lnSpc>
-                <a:spcPct val="100000"/>
-              </a:lnSpc>
-              <a:spcBef>
-                <a:spcPts val="0"/>
-              </a:spcBef>
-              <a:spcAft>
-                <a:spcPts val="0"/>
-              </a:spcAft>
-              <a:buClr>
-                <a:schemeClr val="lt1"/>
-              </a:buClr>
-              <a:buSzPts val="2200"/>
-              <a:buFont typeface="Overpass Mono"/>
-              <a:buNone/>
-              <a:defRPr sz="2200" b="1" i="0" u="none" strike="noStrike" cap="none">
-                <a:solidFill>
-                  <a:schemeClr val="lt1"/>
-                </a:solidFill>
-                <a:latin typeface="Overpass Mono"/>
-                <a:ea typeface="Overpass Mono"/>
-                <a:cs typeface="Overpass Mono"/>
-                <a:sym typeface="Overpass Mono"/>
-              </a:defRPr>
-            </a:lvl2pPr>
-            <a:lvl3pPr marL="1371600" marR="0" lvl="2" indent="-317500" algn="r" rtl="0">
-              <a:lnSpc>
-                <a:spcPct val="100000"/>
-              </a:lnSpc>
-              <a:spcBef>
-                <a:spcPts val="0"/>
-              </a:spcBef>
-              <a:spcAft>
-                <a:spcPts val="0"/>
-              </a:spcAft>
-              <a:buClr>
-                <a:schemeClr val="lt1"/>
-              </a:buClr>
-              <a:buSzPts val="2200"/>
-              <a:buFont typeface="Overpass Mono"/>
-              <a:buNone/>
-              <a:defRPr sz="2200" b="1" i="0" u="none" strike="noStrike" cap="none">
-                <a:solidFill>
-                  <a:schemeClr val="lt1"/>
-                </a:solidFill>
-                <a:latin typeface="Overpass Mono"/>
-                <a:ea typeface="Overpass Mono"/>
-                <a:cs typeface="Overpass Mono"/>
-                <a:sym typeface="Overpass Mono"/>
-              </a:defRPr>
-            </a:lvl3pPr>
-            <a:lvl4pPr marL="1828800" marR="0" lvl="3" indent="-317500" algn="r" rtl="0">
-              <a:lnSpc>
-                <a:spcPct val="100000"/>
-              </a:lnSpc>
-              <a:spcBef>
-                <a:spcPts val="0"/>
-              </a:spcBef>
-              <a:spcAft>
-                <a:spcPts val="0"/>
-              </a:spcAft>
-              <a:buClr>
-                <a:schemeClr val="lt1"/>
-              </a:buClr>
-              <a:buSzPts val="2200"/>
-              <a:buFont typeface="Overpass Mono"/>
-              <a:buNone/>
-              <a:defRPr sz="2200" b="1" i="0" u="none" strike="noStrike" cap="none">
-                <a:solidFill>
-                  <a:schemeClr val="lt1"/>
-                </a:solidFill>
-                <a:latin typeface="Overpass Mono"/>
-                <a:ea typeface="Overpass Mono"/>
-                <a:cs typeface="Overpass Mono"/>
-                <a:sym typeface="Overpass Mono"/>
-              </a:defRPr>
-            </a:lvl4pPr>
-            <a:lvl5pPr marL="2286000" marR="0" lvl="4" indent="-317500" algn="r" rtl="0">
-              <a:lnSpc>
-                <a:spcPct val="100000"/>
-              </a:lnSpc>
-              <a:spcBef>
-                <a:spcPts val="0"/>
-              </a:spcBef>
-              <a:spcAft>
-                <a:spcPts val="0"/>
-              </a:spcAft>
-              <a:buClr>
-                <a:schemeClr val="lt1"/>
-              </a:buClr>
-              <a:buSzPts val="2200"/>
-              <a:buFont typeface="Overpass Mono"/>
-              <a:buNone/>
-              <a:defRPr sz="2200" b="1" i="0" u="none" strike="noStrike" cap="none">
-                <a:solidFill>
-                  <a:schemeClr val="lt1"/>
-                </a:solidFill>
-                <a:latin typeface="Overpass Mono"/>
-                <a:ea typeface="Overpass Mono"/>
-                <a:cs typeface="Overpass Mono"/>
-                <a:sym typeface="Overpass Mono"/>
-              </a:defRPr>
-            </a:lvl5pPr>
-            <a:lvl6pPr marL="2743200" marR="0" lvl="5" indent="-317500" algn="r" rtl="0">
-              <a:lnSpc>
-                <a:spcPct val="100000"/>
-              </a:lnSpc>
-              <a:spcBef>
-                <a:spcPts val="0"/>
-              </a:spcBef>
-              <a:spcAft>
-                <a:spcPts val="0"/>
-              </a:spcAft>
-              <a:buClr>
-                <a:schemeClr val="lt1"/>
-              </a:buClr>
-              <a:buSzPts val="2200"/>
-              <a:buFont typeface="Overpass Mono"/>
-              <a:buNone/>
-              <a:defRPr sz="2200" b="1" i="0" u="none" strike="noStrike" cap="none">
-                <a:solidFill>
-                  <a:schemeClr val="lt1"/>
-                </a:solidFill>
-                <a:latin typeface="Overpass Mono"/>
-                <a:ea typeface="Overpass Mono"/>
-                <a:cs typeface="Overpass Mono"/>
-                <a:sym typeface="Overpass Mono"/>
-              </a:defRPr>
-            </a:lvl6pPr>
-            <a:lvl7pPr marL="3200400" marR="0" lvl="6" indent="-317500" algn="r" rtl="0">
-              <a:lnSpc>
-                <a:spcPct val="100000"/>
-              </a:lnSpc>
-              <a:spcBef>
-                <a:spcPts val="0"/>
-              </a:spcBef>
-              <a:spcAft>
-                <a:spcPts val="0"/>
-              </a:spcAft>
-              <a:buClr>
-                <a:schemeClr val="lt1"/>
-              </a:buClr>
-              <a:buSzPts val="2200"/>
-              <a:buFont typeface="Overpass Mono"/>
-              <a:buNone/>
-              <a:defRPr sz="2200" b="1" i="0" u="none" strike="noStrike" cap="none">
-                <a:solidFill>
-                  <a:schemeClr val="lt1"/>
-                </a:solidFill>
-                <a:latin typeface="Overpass Mono"/>
-                <a:ea typeface="Overpass Mono"/>
-                <a:cs typeface="Overpass Mono"/>
-                <a:sym typeface="Overpass Mono"/>
-              </a:defRPr>
-            </a:lvl7pPr>
-            <a:lvl8pPr marL="3657600" marR="0" lvl="7" indent="-317500" algn="r" rtl="0">
-              <a:lnSpc>
-                <a:spcPct val="100000"/>
-              </a:lnSpc>
-              <a:spcBef>
-                <a:spcPts val="0"/>
-              </a:spcBef>
-              <a:spcAft>
-                <a:spcPts val="0"/>
-              </a:spcAft>
-              <a:buClr>
-                <a:schemeClr val="lt1"/>
-              </a:buClr>
-              <a:buSzPts val="2200"/>
-              <a:buFont typeface="Overpass Mono"/>
-              <a:buNone/>
-              <a:defRPr sz="2200" b="1" i="0" u="none" strike="noStrike" cap="none">
-                <a:solidFill>
-                  <a:schemeClr val="lt1"/>
-                </a:solidFill>
-                <a:latin typeface="Overpass Mono"/>
-                <a:ea typeface="Overpass Mono"/>
-                <a:cs typeface="Overpass Mono"/>
-                <a:sym typeface="Overpass Mono"/>
-              </a:defRPr>
-            </a:lvl8pPr>
-            <a:lvl9pPr marL="4114800" marR="0" lvl="8" indent="-317500" algn="r" rtl="0">
-              <a:lnSpc>
-                <a:spcPct val="100000"/>
-              </a:lnSpc>
-              <a:spcBef>
-                <a:spcPts val="0"/>
-              </a:spcBef>
-              <a:spcAft>
-                <a:spcPts val="0"/>
-              </a:spcAft>
-              <a:buClr>
-                <a:schemeClr val="lt1"/>
-              </a:buClr>
-              <a:buSzPts val="2200"/>
-              <a:buFont typeface="Overpass Mono"/>
-              <a:buNone/>
-              <a:defRPr sz="2200" b="1" i="0" u="none" strike="noStrike" cap="none">
-                <a:solidFill>
-                  <a:schemeClr val="lt1"/>
-                </a:solidFill>
-                <a:latin typeface="Overpass Mono"/>
-                <a:ea typeface="Overpass Mono"/>
-                <a:cs typeface="Overpass Mono"/>
-                <a:sym typeface="Overpass Mono"/>
-              </a:defRPr>
-            </a:lvl9pPr>
-          </a:lstStyle>
-          <a:p>
-            <a:pPr marL="0" indent="0"/>
-            <a:r>
-              <a:rPr lang="en-US" dirty="0"/>
-              <a:t>Lists</a:t>
-            </a:r>
-          </a:p>
-        </p:txBody>
-      </p:sp>
-    </p:spTree>
-  </p:cSld>
-  <p:clrMapOvr>
-    <a:masterClrMapping/>
-  </p:clrMapOvr>
-</p:sld>
-</file>
-
-<file path=ppt/slides/slide20.xml><?xml version="1.0" encoding="utf-8"?>
+<file path=ppt/slides/slide26.xml><?xml version="1.0" encoding="utf-8"?>
 <p:sld xmlns:a="http://schemas.openxmlformats.org/drawingml/2006/main" xmlns:r="http://schemas.openxmlformats.org/officeDocument/2006/relationships" xmlns:p="http://schemas.openxmlformats.org/presentationml/2006/main">
   <p:cSld>
     <p:spTree>
@@ -28978,7 +33090,7 @@
 </p:sld>
 </file>
 
-<file path=ppt/slides/slide21.xml><?xml version="1.0" encoding="utf-8"?>
+<file path=ppt/slides/slide27.xml><?xml version="1.0" encoding="utf-8"?>
 <p:sld xmlns:a="http://schemas.openxmlformats.org/drawingml/2006/main" xmlns:r="http://schemas.openxmlformats.org/officeDocument/2006/relationships" xmlns:p="http://schemas.openxmlformats.org/presentationml/2006/main">
   <p:cSld>
     <p:spTree>
@@ -29602,7 +33714,7 @@
 </p:sld>
 </file>
 
-<file path=ppt/slides/slide22.xml><?xml version="1.0" encoding="utf-8"?>
+<file path=ppt/slides/slide28.xml><?xml version="1.0" encoding="utf-8"?>
 <p:sld xmlns:a="http://schemas.openxmlformats.org/drawingml/2006/main" xmlns:r="http://schemas.openxmlformats.org/officeDocument/2006/relationships" xmlns:p="http://schemas.openxmlformats.org/presentationml/2006/main">
   <p:cSld>
     <p:spTree>
@@ -29768,7 +33880,7 @@
             </a:pPr>
             <a:r>
               <a:rPr lang="en-US" dirty="0"/>
-              <a:t>Download Python</a:t>
+              <a:t>Dictionaries</a:t>
             </a:r>
           </a:p>
         </p:txBody>
@@ -32643,7 +36755,7 @@
         </p:nvSpPr>
         <p:spPr>
           <a:xfrm>
-            <a:off x="437595" y="1629189"/>
+            <a:off x="914673" y="1661062"/>
             <a:ext cx="8520600" cy="1382700"/>
           </a:xfrm>
           <a:prstGeom prst="rect">
@@ -32666,8 +36778,8 @@
               <a:buNone/>
             </a:pPr>
             <a:r>
-              <a:rPr lang="en-US" sz="7000"/>
-              <a:t>Identation</a:t>
+              <a:rPr lang="en-US" sz="7000" dirty="0"/>
+              <a:t>If statement</a:t>
             </a:r>
             <a:endParaRPr lang="en" sz="7000" dirty="0"/>
           </a:p>
@@ -32992,7 +37104,7 @@
         </p:nvSpPr>
         <p:spPr>
           <a:xfrm flipH="1">
-            <a:off x="842398" y="1828800"/>
+            <a:off x="424954" y="1914939"/>
             <a:ext cx="7248054" cy="2286000"/>
           </a:xfrm>
           <a:prstGeom prst="rect">
@@ -33015,28 +37127,8 @@
               <a:buNone/>
             </a:pPr>
             <a:r>
-              <a:rPr lang="el-GR" dirty="0"/>
-              <a:t>Όταν γράφεις Python θα πρέπει να προσέχεις τα κενά που αφήνεις στην αρχή κάθε γραμμής. Όταν προσθέτεις κενό στην αρχή μια γραμμής η γραμμή αυτή συνδέεται με την από πάνω (δημιουργούνται </a:t>
-            </a:r>
-            <a:r>
               <a:rPr lang="el-GR" dirty="0" err="1"/>
-              <a:t>blocks</a:t>
-            </a:r>
-            <a:r>
-              <a:rPr lang="el-GR" dirty="0"/>
-              <a:t> of code). Στην Python χρησιμοποιείται όταν έχουμε </a:t>
-            </a:r>
-            <a:r>
-              <a:rPr lang="el-GR" dirty="0" err="1"/>
-              <a:t>functions</a:t>
-            </a:r>
-            <a:r>
-              <a:rPr lang="el-GR" dirty="0"/>
-              <a:t>, </a:t>
-            </a:r>
-            <a:r>
-              <a:rPr lang="el-GR" dirty="0" err="1"/>
-              <a:t>if</a:t>
+              <a:t>If</a:t>
             </a:r>
             <a:r>
               <a:rPr lang="el-GR" dirty="0"/>
@@ -33048,23 +37140,51 @@
             </a:r>
             <a:r>
               <a:rPr lang="el-GR" dirty="0"/>
-              <a:t> , for </a:t>
+              <a:t> χρησιμοποιούνται για να δούμε αν μια σύγκριση που κάνουμε είναι αληθής ή </a:t>
             </a:r>
             <a:r>
               <a:rPr lang="el-GR" dirty="0" err="1"/>
-              <a:t>loops</a:t>
+              <a:t>οχι</a:t>
             </a:r>
             <a:r>
               <a:rPr lang="el-GR" dirty="0"/>
-              <a:t> </a:t>
+              <a:t>. Για να γίνει αυτή η σύγκριση </a:t>
             </a:r>
             <a:r>
               <a:rPr lang="el-GR" dirty="0" err="1"/>
-              <a:t>etc</a:t>
+              <a:t>χρησιμοπιούμε</a:t>
             </a:r>
             <a:r>
               <a:rPr lang="el-GR" dirty="0"/>
-              <a:t>. (θα τα δούμε καθώς προχωράμε)</a:t>
+              <a:t> τους λεγόμενους λογικούς τελεστές οι οποίοι είναι</a:t>
+            </a:r>
+            <a:endParaRPr lang="en-US" dirty="0"/>
+          </a:p>
+          <a:p>
+            <a:pPr marL="0" lvl="0" indent="0" algn="l" rtl="0">
+              <a:spcBef>
+                <a:spcPts val="0"/>
+              </a:spcBef>
+              <a:spcAft>
+                <a:spcPts val="0"/>
+              </a:spcAft>
+              <a:buNone/>
+            </a:pPr>
+            <a:endParaRPr lang="en-US" dirty="0"/>
+          </a:p>
+          <a:p>
+            <a:pPr marL="0" lvl="0" indent="0" algn="l" rtl="0">
+              <a:spcBef>
+                <a:spcPts val="0"/>
+              </a:spcBef>
+              <a:spcAft>
+                <a:spcPts val="0"/>
+              </a:spcAft>
+              <a:buNone/>
+            </a:pPr>
+            <a:r>
+              <a:rPr lang="en-US" dirty="0"/>
+              <a:t>- Equals: a == b</a:t>
             </a:r>
           </a:p>
           <a:p>
@@ -33077,7 +37197,10 @@
               </a:spcAft>
               <a:buNone/>
             </a:pPr>
-            <a:endParaRPr lang="el-GR" dirty="0"/>
+            <a:r>
+              <a:rPr lang="en-US" dirty="0"/>
+              <a:t>- Not Equals: a != b</a:t>
+            </a:r>
           </a:p>
           <a:p>
             <a:pPr marL="0" lvl="0" indent="0" algn="l" rtl="0">
@@ -33090,10 +37213,54 @@
               <a:buNone/>
             </a:pPr>
             <a:r>
-              <a:rPr lang="el-GR" dirty="0"/>
-              <a:t>Ας δούμε ένα παράδειγμα στο αρχείο `lesson_1.py`</a:t>
+              <a:rPr lang="en-US" dirty="0"/>
+              <a:t>- Less than: a &lt; b</a:t>
             </a:r>
-            <a:endParaRPr lang="en-US" dirty="0"/>
+          </a:p>
+          <a:p>
+            <a:pPr marL="0" lvl="0" indent="0" algn="l" rtl="0">
+              <a:spcBef>
+                <a:spcPts val="0"/>
+              </a:spcBef>
+              <a:spcAft>
+                <a:spcPts val="0"/>
+              </a:spcAft>
+              <a:buNone/>
+            </a:pPr>
+            <a:r>
+              <a:rPr lang="en-US" dirty="0"/>
+              <a:t>- Less than or equal to: a &lt;= b</a:t>
+            </a:r>
+          </a:p>
+          <a:p>
+            <a:pPr marL="0" lvl="0" indent="0" algn="l" rtl="0">
+              <a:spcBef>
+                <a:spcPts val="0"/>
+              </a:spcBef>
+              <a:spcAft>
+                <a:spcPts val="0"/>
+              </a:spcAft>
+              <a:buNone/>
+            </a:pPr>
+            <a:r>
+              <a:rPr lang="en-US" dirty="0"/>
+              <a:t>- Greater than: a &gt; b</a:t>
+            </a:r>
+          </a:p>
+          <a:p>
+            <a:pPr marL="0" lvl="0" indent="0" algn="l" rtl="0">
+              <a:spcBef>
+                <a:spcPts val="0"/>
+              </a:spcBef>
+              <a:spcAft>
+                <a:spcPts val="0"/>
+              </a:spcAft>
+              <a:buNone/>
+            </a:pPr>
+            <a:r>
+              <a:rPr lang="en-US" dirty="0"/>
+              <a:t>- Greater than or equal to: a &gt;= b</a:t>
+            </a:r>
           </a:p>
         </p:txBody>
       </p:sp>
@@ -33110,7 +37277,7 @@
   <p:cSld>
     <p:spTree>
       <p:nvGrpSpPr>
-        <p:cNvPr id="1" name="Shape 373"/>
+        <p:cNvPr id="1" name="Shape 379"/>
         <p:cNvGrpSpPr/>
         <p:nvPr/>
       </p:nvGrpSpPr>
@@ -33124,25 +37291,25 @@
       </p:grpSpPr>
       <p:sp>
         <p:nvSpPr>
-          <p:cNvPr id="374" name="Google Shape;374;p32"/>
+          <p:cNvPr id="380" name="Google Shape;380;p33"/>
           <p:cNvSpPr txBox="1">
             <a:spLocks noGrp="1"/>
           </p:cNvSpPr>
           <p:nvPr>
-            <p:ph type="title"/>
+            <p:ph type="body" idx="1"/>
           </p:nvPr>
         </p:nvSpPr>
         <p:spPr>
           <a:xfrm>
-            <a:off x="454800" y="2714625"/>
-            <a:ext cx="8425200" cy="447900"/>
+            <a:off x="3624470" y="1241887"/>
+            <a:ext cx="5086538" cy="2130900"/>
           </a:xfrm>
           <a:prstGeom prst="rect">
             <a:avLst/>
           </a:prstGeom>
         </p:spPr>
         <p:txBody>
-          <a:bodyPr spcFirstLastPara="1" wrap="square" lIns="91425" tIns="0" rIns="91425" bIns="0" anchor="ctr" anchorCtr="0">
+          <a:bodyPr spcFirstLastPara="1" wrap="square" lIns="91425" tIns="91425" rIns="91425" bIns="91425" anchor="t" anchorCtr="0">
             <a:noAutofit/>
           </a:bodyPr>
           <a:lstStyle/>
@@ -33157,62 +37324,88 @@
               <a:buNone/>
             </a:pPr>
             <a:r>
-              <a:rPr lang="en-US" dirty="0"/>
-              <a:t>Comments</a:t>
+              <a:rPr lang="el-GR" dirty="0"/>
+              <a:t>αυτοί οι τελεστές χρησιμοποιούνται για να δημιουργήσουμε τις </a:t>
             </a:r>
-          </a:p>
-        </p:txBody>
-      </p:sp>
-      <p:sp>
-        <p:nvSpPr>
-          <p:cNvPr id="375" name="Google Shape;375;p32"/>
-          <p:cNvSpPr txBox="1">
-            <a:spLocks noGrp="1"/>
-          </p:cNvSpPr>
-          <p:nvPr>
-            <p:ph type="title" idx="2"/>
-          </p:nvPr>
-        </p:nvSpPr>
-        <p:spPr>
-          <a:xfrm>
-            <a:off x="454800" y="2150850"/>
-            <a:ext cx="8425200" cy="489600"/>
-          </a:xfrm>
-          <a:prstGeom prst="rect">
-            <a:avLst/>
-          </a:prstGeom>
-        </p:spPr>
-        <p:txBody>
-          <a:bodyPr spcFirstLastPara="1" wrap="square" lIns="91425" tIns="0" rIns="91425" bIns="0" anchor="b" anchorCtr="0">
-            <a:noAutofit/>
-          </a:bodyPr>
-          <a:lstStyle/>
-          <a:p>
-            <a:pPr marL="0" lvl="0" indent="0" algn="ctr" rtl="0">
-              <a:spcBef>
-                <a:spcPts val="0"/>
-              </a:spcBef>
-              <a:spcAft>
-                <a:spcPts val="0"/>
-              </a:spcAft>
-              <a:buNone/>
-            </a:pPr>
             <a:r>
-              <a:rPr lang="en" dirty="0"/>
-              <a:t>0</a:t>
+              <a:rPr lang="el-GR" dirty="0" err="1"/>
+              <a:t>if</a:t>
             </a:r>
             <a:r>
               <a:rPr lang="el-GR" dirty="0"/>
-              <a:t>3</a:t>
+              <a:t> </a:t>
             </a:r>
-            <a:endParaRPr dirty="0"/>
+            <a:r>
+              <a:rPr lang="el-GR" dirty="0" err="1"/>
+              <a:t>statements</a:t>
+            </a:r>
+            <a:endParaRPr lang="el-GR" dirty="0"/>
+          </a:p>
+          <a:p>
+            <a:pPr marL="0" lvl="0" indent="0" algn="ctr" rtl="0">
+              <a:spcBef>
+                <a:spcPts val="0"/>
+              </a:spcBef>
+              <a:spcAft>
+                <a:spcPts val="0"/>
+              </a:spcAft>
+              <a:buNone/>
+            </a:pPr>
+            <a:endParaRPr lang="el-GR" dirty="0"/>
+          </a:p>
+          <a:p>
+            <a:pPr marL="0" lvl="0" indent="0" algn="ctr" rtl="0">
+              <a:spcBef>
+                <a:spcPts val="0"/>
+              </a:spcBef>
+              <a:spcAft>
+                <a:spcPts val="0"/>
+              </a:spcAft>
+              <a:buNone/>
+            </a:pPr>
+            <a:r>
+              <a:rPr lang="el-GR" dirty="0"/>
+              <a:t>Στις </a:t>
+            </a:r>
+            <a:r>
+              <a:rPr lang="el-GR" dirty="0" err="1"/>
+              <a:t>if</a:t>
+            </a:r>
+            <a:r>
+              <a:rPr lang="el-GR" dirty="0"/>
+              <a:t> </a:t>
+            </a:r>
+            <a:r>
+              <a:rPr lang="el-GR" dirty="0" err="1"/>
+              <a:t>statements</a:t>
+            </a:r>
+            <a:r>
+              <a:rPr lang="el-GR" dirty="0"/>
+              <a:t> για να τρέξει ο κατάλληλος κώδικας ανάλογα με το αν η έκφραση είναι σωστή ή λάθος πρέπει να έχουμε αφήσει σωστά κενά. όπως αναφέραμε στο 1ο μάθημα, γραμμές που έχουν κενό στην αρχή λειτουργούν σαν κομμάτια κώδικα μαζί με την από πάνω γραμμή. Στην προκειμένη περίπτωση για να γράψουμε σωστά μια </a:t>
+            </a:r>
+            <a:r>
+              <a:rPr lang="el-GR" dirty="0" err="1"/>
+              <a:t>if</a:t>
+            </a:r>
+            <a:r>
+              <a:rPr lang="el-GR" dirty="0"/>
+              <a:t> </a:t>
+            </a:r>
+            <a:r>
+              <a:rPr lang="el-GR" dirty="0" err="1"/>
+              <a:t>statement</a:t>
+            </a:r>
+            <a:r>
+              <a:rPr lang="el-GR" dirty="0"/>
+              <a:t> θα πρέπει αυτό που θέλουμε να τρέξει αν η πρόταση είναι αληθής να έχει κενό στην αρχή της γραμμής του.</a:t>
+            </a:r>
           </a:p>
         </p:txBody>
       </p:sp>
     </p:spTree>
     <p:extLst>
       <p:ext uri="{BB962C8B-B14F-4D97-AF65-F5344CB8AC3E}">
-        <p14:creationId xmlns:p14="http://schemas.microsoft.com/office/powerpoint/2010/main" val="1385367369"/>
+        <p14:creationId xmlns:p14="http://schemas.microsoft.com/office/powerpoint/2010/main" val="1162132428"/>
       </p:ext>
     </p:extLst>
   </p:cSld>

--- a/lesson 2/Lesson 2 Python.pptx
+++ b/lesson 2/Lesson 2 Python.pptx
@@ -5,7 +5,7 @@
     <p:sldMasterId id="2147483672" r:id="rId1"/>
   </p:sldMasterIdLst>
   <p:notesMasterIdLst>
-    <p:notesMasterId r:id="rId30"/>
+    <p:notesMasterId r:id="rId28"/>
   </p:notesMasterIdLst>
   <p:sldIdLst>
     <p:sldId id="256" r:id="rId2"/>
@@ -25,34 +25,32 @@
     <p:sldId id="317" r:id="rId16"/>
     <p:sldId id="319" r:id="rId17"/>
     <p:sldId id="303" r:id="rId18"/>
-    <p:sldId id="272" r:id="rId19"/>
-    <p:sldId id="304" r:id="rId20"/>
+    <p:sldId id="320" r:id="rId19"/>
+    <p:sldId id="272" r:id="rId20"/>
     <p:sldId id="305" r:id="rId21"/>
-    <p:sldId id="275" r:id="rId22"/>
-    <p:sldId id="306" r:id="rId23"/>
-    <p:sldId id="307" r:id="rId24"/>
-    <p:sldId id="308" r:id="rId25"/>
-    <p:sldId id="309" r:id="rId26"/>
-    <p:sldId id="276" r:id="rId27"/>
-    <p:sldId id="310" r:id="rId28"/>
-    <p:sldId id="311" r:id="rId29"/>
+    <p:sldId id="307" r:id="rId22"/>
+    <p:sldId id="308" r:id="rId23"/>
+    <p:sldId id="309" r:id="rId24"/>
+    <p:sldId id="276" r:id="rId25"/>
+    <p:sldId id="310" r:id="rId26"/>
+    <p:sldId id="311" r:id="rId27"/>
   </p:sldIdLst>
   <p:sldSz cx="9144000" cy="5143500" type="screen16x9"/>
   <p:notesSz cx="6858000" cy="9144000"/>
   <p:embeddedFontLst>
     <p:embeddedFont>
       <p:font typeface="Anaheim" panose="020B0604020202020204" charset="0"/>
-      <p:regular r:id="rId31"/>
+      <p:regular r:id="rId29"/>
     </p:embeddedFont>
     <p:embeddedFont>
       <p:font typeface="Barlow Condensed ExtraBold" panose="00000906000000000000" pitchFamily="2" charset="0"/>
-      <p:bold r:id="rId32"/>
-      <p:boldItalic r:id="rId33"/>
+      <p:bold r:id="rId30"/>
+      <p:boldItalic r:id="rId31"/>
     </p:embeddedFont>
     <p:embeddedFont>
       <p:font typeface="Overpass Mono" panose="020B0604020202020204" charset="0"/>
-      <p:regular r:id="rId34"/>
-      <p:bold r:id="rId35"/>
+      <p:regular r:id="rId32"/>
+      <p:bold r:id="rId33"/>
     </p:embeddedFont>
   </p:embeddedFontLst>
   <p:defaultTextStyle>
@@ -1714,6 +1712,115 @@
   <p:cSld>
     <p:spTree>
       <p:nvGrpSpPr>
+        <p:cNvPr id="1" name="Shape 376"/>
+        <p:cNvGrpSpPr/>
+        <p:nvPr/>
+      </p:nvGrpSpPr>
+      <p:grpSpPr>
+        <a:xfrm>
+          <a:off x="0" y="0"/>
+          <a:ext cx="0" cy="0"/>
+          <a:chOff x="0" y="0"/>
+          <a:chExt cx="0" cy="0"/>
+        </a:xfrm>
+      </p:grpSpPr>
+      <p:sp>
+        <p:nvSpPr>
+          <p:cNvPr id="377" name="Google Shape;377;g822dda0a4d_0_0:notes"/>
+          <p:cNvSpPr>
+            <a:spLocks noGrp="1" noRot="1" noChangeAspect="1"/>
+          </p:cNvSpPr>
+          <p:nvPr>
+            <p:ph type="sldImg" idx="2"/>
+          </p:nvPr>
+        </p:nvSpPr>
+        <p:spPr>
+          <a:xfrm>
+            <a:off x="381000" y="685800"/>
+            <a:ext cx="6096000" cy="3429000"/>
+          </a:xfrm>
+          <a:custGeom>
+            <a:avLst/>
+            <a:gdLst/>
+            <a:ahLst/>
+            <a:cxnLst/>
+            <a:rect l="l" t="t" r="r" b="b"/>
+            <a:pathLst>
+              <a:path w="120000" h="120000" extrusionOk="0">
+                <a:moveTo>
+                  <a:pt x="0" y="0"/>
+                </a:moveTo>
+                <a:lnTo>
+                  <a:pt x="120000" y="0"/>
+                </a:lnTo>
+                <a:lnTo>
+                  <a:pt x="120000" y="120000"/>
+                </a:lnTo>
+                <a:lnTo>
+                  <a:pt x="0" y="120000"/>
+                </a:lnTo>
+                <a:close/>
+              </a:path>
+            </a:pathLst>
+          </a:custGeom>
+        </p:spPr>
+      </p:sp>
+      <p:sp>
+        <p:nvSpPr>
+          <p:cNvPr id="378" name="Google Shape;378;g822dda0a4d_0_0:notes"/>
+          <p:cNvSpPr txBox="1">
+            <a:spLocks noGrp="1"/>
+          </p:cNvSpPr>
+          <p:nvPr>
+            <p:ph type="body" idx="1"/>
+          </p:nvPr>
+        </p:nvSpPr>
+        <p:spPr>
+          <a:xfrm>
+            <a:off x="685800" y="4343400"/>
+            <a:ext cx="5486400" cy="4114800"/>
+          </a:xfrm>
+          <a:prstGeom prst="rect">
+            <a:avLst/>
+          </a:prstGeom>
+        </p:spPr>
+        <p:txBody>
+          <a:bodyPr spcFirstLastPara="1" wrap="square" lIns="91425" tIns="91425" rIns="91425" bIns="91425" anchor="t" anchorCtr="0">
+            <a:noAutofit/>
+          </a:bodyPr>
+          <a:lstStyle/>
+          <a:p>
+            <a:pPr marL="0" lvl="0" indent="0" algn="l" rtl="0">
+              <a:spcBef>
+                <a:spcPts val="0"/>
+              </a:spcBef>
+              <a:spcAft>
+                <a:spcPts val="0"/>
+              </a:spcAft>
+              <a:buNone/>
+            </a:pPr>
+            <a:endParaRPr/>
+          </a:p>
+        </p:txBody>
+      </p:sp>
+    </p:spTree>
+    <p:extLst>
+      <p:ext uri="{BB962C8B-B14F-4D97-AF65-F5344CB8AC3E}">
+        <p14:creationId xmlns:p14="http://schemas.microsoft.com/office/powerpoint/2010/main" val="1914000591"/>
+      </p:ext>
+    </p:extLst>
+  </p:cSld>
+  <p:clrMapOvr>
+    <a:masterClrMapping/>
+  </p:clrMapOvr>
+</p:notes>
+</file>
+
+<file path=ppt/notesSlides/notesSlide19.xml><?xml version="1.0" encoding="utf-8"?>
+<p:notes xmlns:a="http://schemas.openxmlformats.org/drawingml/2006/main" xmlns:r="http://schemas.openxmlformats.org/officeDocument/2006/relationships" xmlns:p="http://schemas.openxmlformats.org/presentationml/2006/main" showMasterSp="0" showMasterPhAnim="0">
+  <p:cSld>
+    <p:spTree>
+      <p:nvGrpSpPr>
         <p:cNvPr id="1" name="Shape 656"/>
         <p:cNvGrpSpPr/>
         <p:nvPr/>
@@ -1806,115 +1913,6 @@
         </p:txBody>
       </p:sp>
     </p:spTree>
-  </p:cSld>
-  <p:clrMapOvr>
-    <a:masterClrMapping/>
-  </p:clrMapOvr>
-</p:notes>
-</file>
-
-<file path=ppt/notesSlides/notesSlide19.xml><?xml version="1.0" encoding="utf-8"?>
-<p:notes xmlns:a="http://schemas.openxmlformats.org/drawingml/2006/main" xmlns:r="http://schemas.openxmlformats.org/officeDocument/2006/relationships" xmlns:p="http://schemas.openxmlformats.org/presentationml/2006/main" showMasterSp="0" showMasterPhAnim="0">
-  <p:cSld>
-    <p:spTree>
-      <p:nvGrpSpPr>
-        <p:cNvPr id="1" name="Shape 527"/>
-        <p:cNvGrpSpPr/>
-        <p:nvPr/>
-      </p:nvGrpSpPr>
-      <p:grpSpPr>
-        <a:xfrm>
-          <a:off x="0" y="0"/>
-          <a:ext cx="0" cy="0"/>
-          <a:chOff x="0" y="0"/>
-          <a:chExt cx="0" cy="0"/>
-        </a:xfrm>
-      </p:grpSpPr>
-      <p:sp>
-        <p:nvSpPr>
-          <p:cNvPr id="528" name="Google Shape;528;g8d4cbd36da_4_31475:notes"/>
-          <p:cNvSpPr>
-            <a:spLocks noGrp="1" noRot="1" noChangeAspect="1"/>
-          </p:cNvSpPr>
-          <p:nvPr>
-            <p:ph type="sldImg" idx="2"/>
-          </p:nvPr>
-        </p:nvSpPr>
-        <p:spPr>
-          <a:xfrm>
-            <a:off x="381000" y="685800"/>
-            <a:ext cx="6096000" cy="3429000"/>
-          </a:xfrm>
-          <a:custGeom>
-            <a:avLst/>
-            <a:gdLst/>
-            <a:ahLst/>
-            <a:cxnLst/>
-            <a:rect l="l" t="t" r="r" b="b"/>
-            <a:pathLst>
-              <a:path w="120000" h="120000" extrusionOk="0">
-                <a:moveTo>
-                  <a:pt x="0" y="0"/>
-                </a:moveTo>
-                <a:lnTo>
-                  <a:pt x="120000" y="0"/>
-                </a:lnTo>
-                <a:lnTo>
-                  <a:pt x="120000" y="120000"/>
-                </a:lnTo>
-                <a:lnTo>
-                  <a:pt x="0" y="120000"/>
-                </a:lnTo>
-                <a:close/>
-              </a:path>
-            </a:pathLst>
-          </a:custGeom>
-        </p:spPr>
-      </p:sp>
-      <p:sp>
-        <p:nvSpPr>
-          <p:cNvPr id="529" name="Google Shape;529;g8d4cbd36da_4_31475:notes"/>
-          <p:cNvSpPr txBox="1">
-            <a:spLocks noGrp="1"/>
-          </p:cNvSpPr>
-          <p:nvPr>
-            <p:ph type="body" idx="1"/>
-          </p:nvPr>
-        </p:nvSpPr>
-        <p:spPr>
-          <a:xfrm>
-            <a:off x="685800" y="4343400"/>
-            <a:ext cx="5486400" cy="4114800"/>
-          </a:xfrm>
-          <a:prstGeom prst="rect">
-            <a:avLst/>
-          </a:prstGeom>
-        </p:spPr>
-        <p:txBody>
-          <a:bodyPr spcFirstLastPara="1" wrap="square" lIns="91425" tIns="91425" rIns="91425" bIns="91425" anchor="t" anchorCtr="0">
-            <a:noAutofit/>
-          </a:bodyPr>
-          <a:lstStyle/>
-          <a:p>
-            <a:pPr marL="0" lvl="0" indent="0" algn="l" rtl="0">
-              <a:spcBef>
-                <a:spcPts val="0"/>
-              </a:spcBef>
-              <a:spcAft>
-                <a:spcPts val="0"/>
-              </a:spcAft>
-              <a:buNone/>
-            </a:pPr>
-            <a:endParaRPr/>
-          </a:p>
-        </p:txBody>
-      </p:sp>
-    </p:spTree>
-    <p:extLst>
-      <p:ext uri="{BB962C8B-B14F-4D97-AF65-F5344CB8AC3E}">
-        <p14:creationId xmlns:p14="http://schemas.microsoft.com/office/powerpoint/2010/main" val="1712927841"/>
-      </p:ext>
-    </p:extLst>
   </p:cSld>
   <p:clrMapOvr>
     <a:masterClrMapping/>
@@ -2140,7 +2138,7 @@
   <p:cSld>
     <p:spTree>
       <p:nvGrpSpPr>
-        <p:cNvPr id="1" name="Shape 688"/>
+        <p:cNvPr id="1" name="Shape 527"/>
         <p:cNvGrpSpPr/>
         <p:nvPr/>
       </p:nvGrpSpPr>
@@ -2154,7 +2152,7 @@
       </p:grpSpPr>
       <p:sp>
         <p:nvSpPr>
-          <p:cNvPr id="689" name="Google Shape;689;g8b3994a781_0_902:notes"/>
+          <p:cNvPr id="528" name="Google Shape;528;g8d4cbd36da_4_31475:notes"/>
           <p:cNvSpPr>
             <a:spLocks noGrp="1" noRot="1" noChangeAspect="1"/>
           </p:cNvSpPr>
@@ -2195,7 +2193,7 @@
       </p:sp>
       <p:sp>
         <p:nvSpPr>
-          <p:cNvPr id="690" name="Google Shape;690;g8b3994a781_0_902:notes"/>
+          <p:cNvPr id="529" name="Google Shape;529;g8d4cbd36da_4_31475:notes"/>
           <p:cNvSpPr txBox="1">
             <a:spLocks noGrp="1"/>
           </p:cNvSpPr>
@@ -2232,113 +2230,9 @@
         </p:txBody>
       </p:sp>
     </p:spTree>
-  </p:cSld>
-  <p:clrMapOvr>
-    <a:masterClrMapping/>
-  </p:clrMapOvr>
-</p:notes>
-</file>
-
-<file path=ppt/notesSlides/notesSlide22.xml><?xml version="1.0" encoding="utf-8"?>
-<p:notes xmlns:a="http://schemas.openxmlformats.org/drawingml/2006/main" xmlns:r="http://schemas.openxmlformats.org/officeDocument/2006/relationships" xmlns:p="http://schemas.openxmlformats.org/presentationml/2006/main" showMasterSp="0" showMasterPhAnim="0">
-  <p:cSld>
-    <p:spTree>
-      <p:nvGrpSpPr>
-        <p:cNvPr id="1" name="Shape 502"/>
-        <p:cNvGrpSpPr/>
-        <p:nvPr/>
-      </p:nvGrpSpPr>
-      <p:grpSpPr>
-        <a:xfrm>
-          <a:off x="0" y="0"/>
-          <a:ext cx="0" cy="0"/>
-          <a:chOff x="0" y="0"/>
-          <a:chExt cx="0" cy="0"/>
-        </a:xfrm>
-      </p:grpSpPr>
-      <p:sp>
-        <p:nvSpPr>
-          <p:cNvPr id="503" name="Google Shape;503;g8b2f66a28e_0_74:notes"/>
-          <p:cNvSpPr>
-            <a:spLocks noGrp="1" noRot="1" noChangeAspect="1"/>
-          </p:cNvSpPr>
-          <p:nvPr>
-            <p:ph type="sldImg" idx="2"/>
-          </p:nvPr>
-        </p:nvSpPr>
-        <p:spPr>
-          <a:xfrm>
-            <a:off x="381000" y="685800"/>
-            <a:ext cx="6096000" cy="3429000"/>
-          </a:xfrm>
-          <a:custGeom>
-            <a:avLst/>
-            <a:gdLst/>
-            <a:ahLst/>
-            <a:cxnLst/>
-            <a:rect l="l" t="t" r="r" b="b"/>
-            <a:pathLst>
-              <a:path w="120000" h="120000" extrusionOk="0">
-                <a:moveTo>
-                  <a:pt x="0" y="0"/>
-                </a:moveTo>
-                <a:lnTo>
-                  <a:pt x="120000" y="0"/>
-                </a:lnTo>
-                <a:lnTo>
-                  <a:pt x="120000" y="120000"/>
-                </a:lnTo>
-                <a:lnTo>
-                  <a:pt x="0" y="120000"/>
-                </a:lnTo>
-                <a:close/>
-              </a:path>
-            </a:pathLst>
-          </a:custGeom>
-        </p:spPr>
-      </p:sp>
-      <p:sp>
-        <p:nvSpPr>
-          <p:cNvPr id="504" name="Google Shape;504;g8b2f66a28e_0_74:notes"/>
-          <p:cNvSpPr txBox="1">
-            <a:spLocks noGrp="1"/>
-          </p:cNvSpPr>
-          <p:nvPr>
-            <p:ph type="body" idx="1"/>
-          </p:nvPr>
-        </p:nvSpPr>
-        <p:spPr>
-          <a:xfrm>
-            <a:off x="685800" y="4343400"/>
-            <a:ext cx="5486400" cy="4114800"/>
-          </a:xfrm>
-          <a:prstGeom prst="rect">
-            <a:avLst/>
-          </a:prstGeom>
-        </p:spPr>
-        <p:txBody>
-          <a:bodyPr spcFirstLastPara="1" wrap="square" lIns="91425" tIns="91425" rIns="91425" bIns="91425" anchor="t" anchorCtr="0">
-            <a:noAutofit/>
-          </a:bodyPr>
-          <a:lstStyle/>
-          <a:p>
-            <a:pPr marL="0" lvl="0" indent="0" algn="l" rtl="0">
-              <a:spcBef>
-                <a:spcPts val="0"/>
-              </a:spcBef>
-              <a:spcAft>
-                <a:spcPts val="0"/>
-              </a:spcAft>
-              <a:buNone/>
-            </a:pPr>
-            <a:endParaRPr/>
-          </a:p>
-        </p:txBody>
-      </p:sp>
-    </p:spTree>
     <p:extLst>
       <p:ext uri="{BB962C8B-B14F-4D97-AF65-F5344CB8AC3E}">
-        <p14:creationId xmlns:p14="http://schemas.microsoft.com/office/powerpoint/2010/main" val="3565413443"/>
+        <p14:creationId xmlns:p14="http://schemas.microsoft.com/office/powerpoint/2010/main" val="2520110531"/>
       </p:ext>
     </p:extLst>
   </p:cSld>
@@ -2348,7 +2242,7 @@
 </p:notes>
 </file>
 
-<file path=ppt/notesSlides/notesSlide23.xml><?xml version="1.0" encoding="utf-8"?>
+<file path=ppt/notesSlides/notesSlide22.xml><?xml version="1.0" encoding="utf-8"?>
 <p:notes xmlns:a="http://schemas.openxmlformats.org/drawingml/2006/main" xmlns:r="http://schemas.openxmlformats.org/officeDocument/2006/relationships" xmlns:p="http://schemas.openxmlformats.org/presentationml/2006/main" showMasterSp="0" showMasterPhAnim="0">
   <p:cSld>
     <p:spTree>
@@ -2447,115 +2341,6 @@
     </p:spTree>
     <p:extLst>
       <p:ext uri="{BB962C8B-B14F-4D97-AF65-F5344CB8AC3E}">
-        <p14:creationId xmlns:p14="http://schemas.microsoft.com/office/powerpoint/2010/main" val="2520110531"/>
-      </p:ext>
-    </p:extLst>
-  </p:cSld>
-  <p:clrMapOvr>
-    <a:masterClrMapping/>
-  </p:clrMapOvr>
-</p:notes>
-</file>
-
-<file path=ppt/notesSlides/notesSlide24.xml><?xml version="1.0" encoding="utf-8"?>
-<p:notes xmlns:a="http://schemas.openxmlformats.org/drawingml/2006/main" xmlns:r="http://schemas.openxmlformats.org/officeDocument/2006/relationships" xmlns:p="http://schemas.openxmlformats.org/presentationml/2006/main" showMasterSp="0" showMasterPhAnim="0">
-  <p:cSld>
-    <p:spTree>
-      <p:nvGrpSpPr>
-        <p:cNvPr id="1" name="Shape 527"/>
-        <p:cNvGrpSpPr/>
-        <p:nvPr/>
-      </p:nvGrpSpPr>
-      <p:grpSpPr>
-        <a:xfrm>
-          <a:off x="0" y="0"/>
-          <a:ext cx="0" cy="0"/>
-          <a:chOff x="0" y="0"/>
-          <a:chExt cx="0" cy="0"/>
-        </a:xfrm>
-      </p:grpSpPr>
-      <p:sp>
-        <p:nvSpPr>
-          <p:cNvPr id="528" name="Google Shape;528;g8d4cbd36da_4_31475:notes"/>
-          <p:cNvSpPr>
-            <a:spLocks noGrp="1" noRot="1" noChangeAspect="1"/>
-          </p:cNvSpPr>
-          <p:nvPr>
-            <p:ph type="sldImg" idx="2"/>
-          </p:nvPr>
-        </p:nvSpPr>
-        <p:spPr>
-          <a:xfrm>
-            <a:off x="381000" y="685800"/>
-            <a:ext cx="6096000" cy="3429000"/>
-          </a:xfrm>
-          <a:custGeom>
-            <a:avLst/>
-            <a:gdLst/>
-            <a:ahLst/>
-            <a:cxnLst/>
-            <a:rect l="l" t="t" r="r" b="b"/>
-            <a:pathLst>
-              <a:path w="120000" h="120000" extrusionOk="0">
-                <a:moveTo>
-                  <a:pt x="0" y="0"/>
-                </a:moveTo>
-                <a:lnTo>
-                  <a:pt x="120000" y="0"/>
-                </a:lnTo>
-                <a:lnTo>
-                  <a:pt x="120000" y="120000"/>
-                </a:lnTo>
-                <a:lnTo>
-                  <a:pt x="0" y="120000"/>
-                </a:lnTo>
-                <a:close/>
-              </a:path>
-            </a:pathLst>
-          </a:custGeom>
-        </p:spPr>
-      </p:sp>
-      <p:sp>
-        <p:nvSpPr>
-          <p:cNvPr id="529" name="Google Shape;529;g8d4cbd36da_4_31475:notes"/>
-          <p:cNvSpPr txBox="1">
-            <a:spLocks noGrp="1"/>
-          </p:cNvSpPr>
-          <p:nvPr>
-            <p:ph type="body" idx="1"/>
-          </p:nvPr>
-        </p:nvSpPr>
-        <p:spPr>
-          <a:xfrm>
-            <a:off x="685800" y="4343400"/>
-            <a:ext cx="5486400" cy="4114800"/>
-          </a:xfrm>
-          <a:prstGeom prst="rect">
-            <a:avLst/>
-          </a:prstGeom>
-        </p:spPr>
-        <p:txBody>
-          <a:bodyPr spcFirstLastPara="1" wrap="square" lIns="91425" tIns="91425" rIns="91425" bIns="91425" anchor="t" anchorCtr="0">
-            <a:noAutofit/>
-          </a:bodyPr>
-          <a:lstStyle/>
-          <a:p>
-            <a:pPr marL="0" lvl="0" indent="0" algn="l" rtl="0">
-              <a:spcBef>
-                <a:spcPts val="0"/>
-              </a:spcBef>
-              <a:spcAft>
-                <a:spcPts val="0"/>
-              </a:spcAft>
-              <a:buNone/>
-            </a:pPr>
-            <a:endParaRPr/>
-          </a:p>
-        </p:txBody>
-      </p:sp>
-    </p:spTree>
-    <p:extLst>
-      <p:ext uri="{BB962C8B-B14F-4D97-AF65-F5344CB8AC3E}">
         <p14:creationId xmlns:p14="http://schemas.microsoft.com/office/powerpoint/2010/main" val="2204027012"/>
       </p:ext>
     </p:extLst>
@@ -2566,7 +2351,7 @@
 </p:notes>
 </file>
 
-<file path=ppt/notesSlides/notesSlide25.xml><?xml version="1.0" encoding="utf-8"?>
+<file path=ppt/notesSlides/notesSlide23.xml><?xml version="1.0" encoding="utf-8"?>
 <p:notes xmlns:a="http://schemas.openxmlformats.org/drawingml/2006/main" xmlns:r="http://schemas.openxmlformats.org/officeDocument/2006/relationships" xmlns:p="http://schemas.openxmlformats.org/presentationml/2006/main" showMasterSp="0" showMasterPhAnim="0">
   <p:cSld>
     <p:spTree>
@@ -2675,7 +2460,7 @@
 </p:notes>
 </file>
 
-<file path=ppt/notesSlides/notesSlide26.xml><?xml version="1.0" encoding="utf-8"?>
+<file path=ppt/notesSlides/notesSlide24.xml><?xml version="1.0" encoding="utf-8"?>
 <p:notes xmlns:a="http://schemas.openxmlformats.org/drawingml/2006/main" xmlns:r="http://schemas.openxmlformats.org/officeDocument/2006/relationships" xmlns:p="http://schemas.openxmlformats.org/presentationml/2006/main" showMasterSp="0" showMasterPhAnim="0">
   <p:cSld>
     <p:spTree>
@@ -2779,7 +2564,7 @@
 </p:notes>
 </file>
 
-<file path=ppt/notesSlides/notesSlide27.xml><?xml version="1.0" encoding="utf-8"?>
+<file path=ppt/notesSlides/notesSlide25.xml><?xml version="1.0" encoding="utf-8"?>
 <p:notes xmlns:a="http://schemas.openxmlformats.org/drawingml/2006/main" xmlns:r="http://schemas.openxmlformats.org/officeDocument/2006/relationships" xmlns:p="http://schemas.openxmlformats.org/presentationml/2006/main" showMasterSp="0" showMasterPhAnim="0">
   <p:cSld>
     <p:spTree>
@@ -2888,7 +2673,7 @@
 </p:notes>
 </file>
 
-<file path=ppt/notesSlides/notesSlide28.xml><?xml version="1.0" encoding="utf-8"?>
+<file path=ppt/notesSlides/notesSlide26.xml><?xml version="1.0" encoding="utf-8"?>
 <p:notes xmlns:a="http://schemas.openxmlformats.org/drawingml/2006/main" xmlns:r="http://schemas.openxmlformats.org/officeDocument/2006/relationships" xmlns:p="http://schemas.openxmlformats.org/presentationml/2006/main" showMasterSp="0" showMasterPhAnim="0">
   <p:cSld>
     <p:spTree>
@@ -23210,6 +22995,97 @@
   <p:cSld>
     <p:spTree>
       <p:nvGrpSpPr>
+        <p:cNvPr id="1" name="Shape 379"/>
+        <p:cNvGrpSpPr/>
+        <p:nvPr/>
+      </p:nvGrpSpPr>
+      <p:grpSpPr>
+        <a:xfrm>
+          <a:off x="0" y="0"/>
+          <a:ext cx="0" cy="0"/>
+          <a:chOff x="0" y="0"/>
+          <a:chExt cx="0" cy="0"/>
+        </a:xfrm>
+      </p:grpSpPr>
+      <p:sp>
+        <p:nvSpPr>
+          <p:cNvPr id="380" name="Google Shape;380;p33"/>
+          <p:cNvSpPr txBox="1">
+            <a:spLocks noGrp="1"/>
+          </p:cNvSpPr>
+          <p:nvPr>
+            <p:ph type="body" idx="1"/>
+          </p:nvPr>
+        </p:nvSpPr>
+        <p:spPr>
+          <a:xfrm>
+            <a:off x="4094921" y="1961322"/>
+            <a:ext cx="4657193" cy="1758156"/>
+          </a:xfrm>
+          <a:prstGeom prst="rect">
+            <a:avLst/>
+          </a:prstGeom>
+        </p:spPr>
+        <p:txBody>
+          <a:bodyPr spcFirstLastPara="1" wrap="square" lIns="91425" tIns="91425" rIns="91425" bIns="91425" anchor="t" anchorCtr="0">
+            <a:noAutofit/>
+          </a:bodyPr>
+          <a:lstStyle/>
+          <a:p>
+            <a:pPr marL="0" lvl="0" indent="0" algn="l" rtl="0">
+              <a:spcBef>
+                <a:spcPts val="0"/>
+              </a:spcBef>
+              <a:spcAft>
+                <a:spcPts val="0"/>
+              </a:spcAft>
+              <a:buNone/>
+            </a:pPr>
+            <a:r>
+              <a:rPr lang="el-GR" dirty="0" err="1"/>
+              <a:t>While</a:t>
+            </a:r>
+            <a:r>
+              <a:rPr lang="el-GR" dirty="0"/>
+              <a:t> </a:t>
+            </a:r>
+            <a:r>
+              <a:rPr lang="el-GR" dirty="0" err="1"/>
+              <a:t>loops</a:t>
+            </a:r>
+            <a:r>
+              <a:rPr lang="el-GR" dirty="0"/>
+              <a:t> Είναι και αυτοί βρόγχοι επανάληψης οι οποίοι τρέχουν όσο μια σχέση </a:t>
+            </a:r>
+            <a:r>
+              <a:rPr lang="el-GR" dirty="0" err="1"/>
+              <a:t>ειναι</a:t>
+            </a:r>
+            <a:r>
+              <a:rPr lang="el-GR" dirty="0"/>
+              <a:t> αληθής</a:t>
+            </a:r>
+          </a:p>
+        </p:txBody>
+      </p:sp>
+    </p:spTree>
+    <p:extLst>
+      <p:ext uri="{BB962C8B-B14F-4D97-AF65-F5344CB8AC3E}">
+        <p14:creationId xmlns:p14="http://schemas.microsoft.com/office/powerpoint/2010/main" val="4236451532"/>
+      </p:ext>
+    </p:extLst>
+  </p:cSld>
+  <p:clrMapOvr>
+    <a:masterClrMapping/>
+  </p:clrMapOvr>
+</p:sld>
+</file>
+
+<file path=ppt/slides/slide19.xml><?xml version="1.0" encoding="utf-8"?>
+<p:sld xmlns:a="http://schemas.openxmlformats.org/drawingml/2006/main" xmlns:r="http://schemas.openxmlformats.org/officeDocument/2006/relationships" xmlns:p="http://schemas.openxmlformats.org/presentationml/2006/main">
+  <p:cSld>
+    <p:spTree>
+      <p:nvGrpSpPr>
         <p:cNvPr id="1" name="Shape 659"/>
         <p:cNvGrpSpPr/>
         <p:nvPr/>
@@ -23224,18 +23100,18 @@
       </p:grpSpPr>
       <p:sp>
         <p:nvSpPr>
-          <p:cNvPr id="661" name="Google Shape;661;p43"/>
+          <p:cNvPr id="663" name="Google Shape;663;p43"/>
           <p:cNvSpPr txBox="1">
             <a:spLocks noGrp="1"/>
           </p:cNvSpPr>
           <p:nvPr>
-            <p:ph type="subTitle" idx="1"/>
+            <p:ph type="subTitle" idx="2"/>
           </p:nvPr>
         </p:nvSpPr>
         <p:spPr>
           <a:xfrm>
-            <a:off x="4521449" y="1023970"/>
-            <a:ext cx="3747907" cy="1589301"/>
+            <a:off x="1736180" y="2645702"/>
+            <a:ext cx="1976421" cy="1630665"/>
           </a:xfrm>
           <a:prstGeom prst="rect">
             <a:avLst/>
@@ -23257,247 +23133,29 @@
               <a:buNone/>
             </a:pPr>
             <a:r>
-              <a:rPr lang="el-GR" dirty="0"/>
-              <a:t>Σε τέτοιους τύπους αποθηκεύονται λέξεις οι προτάσεις</a:t>
+              <a:rPr lang="el-GR" dirty="0" err="1"/>
+              <a:t>χρησιμποιείται</a:t>
             </a:r>
-          </a:p>
-          <a:p>
-            <a:pPr marL="0" lvl="0" indent="0" algn="ctr" rtl="0">
-              <a:spcBef>
-                <a:spcPts val="0"/>
-              </a:spcBef>
-              <a:spcAft>
-                <a:spcPts val="0"/>
-              </a:spcAft>
-              <a:buNone/>
-            </a:pPr>
-            <a:endParaRPr lang="el-GR" dirty="0"/>
-          </a:p>
-          <a:p>
-            <a:pPr marL="0" lvl="0" indent="0" algn="ctr" rtl="0">
-              <a:spcBef>
-                <a:spcPts val="0"/>
-              </a:spcBef>
-              <a:spcAft>
-                <a:spcPts val="0"/>
-              </a:spcAft>
-              <a:buNone/>
-            </a:pPr>
-            <a:r>
-              <a:rPr lang="en-US" dirty="0"/>
-              <a:t>name = "Jason"</a:t>
-            </a:r>
-          </a:p>
-          <a:p>
-            <a:pPr marL="0" lvl="0" indent="0" algn="ctr" rtl="0">
-              <a:spcBef>
-                <a:spcPts val="0"/>
-              </a:spcBef>
-              <a:spcAft>
-                <a:spcPts val="0"/>
-              </a:spcAft>
-              <a:buNone/>
-            </a:pPr>
-            <a:r>
-              <a:rPr lang="en-US" dirty="0"/>
-              <a:t>greetings = "Hello Jason! How are you?"</a:t>
-            </a:r>
-          </a:p>
-          <a:p>
-            <a:pPr marL="0" lvl="0" indent="0" algn="ctr" rtl="0">
-              <a:spcBef>
-                <a:spcPts val="0"/>
-              </a:spcBef>
-              <a:spcAft>
-                <a:spcPts val="0"/>
-              </a:spcAft>
-              <a:buNone/>
-            </a:pPr>
-            <a:endParaRPr lang="en-US" dirty="0"/>
-          </a:p>
-          <a:p>
-            <a:pPr marL="0" lvl="0" indent="0" algn="ctr" rtl="0">
-              <a:spcBef>
-                <a:spcPts val="0"/>
-              </a:spcBef>
-              <a:spcAft>
-                <a:spcPts val="0"/>
-              </a:spcAft>
-              <a:buNone/>
-            </a:pPr>
             <a:r>
               <a:rPr lang="el-GR" dirty="0"/>
-              <a:t>Αυτά είναι όλα </a:t>
-            </a:r>
-            <a:r>
-              <a:rPr lang="en-US" dirty="0"/>
-              <a:t>strings</a:t>
-            </a:r>
-          </a:p>
-        </p:txBody>
-      </p:sp>
-      <p:sp>
-        <p:nvSpPr>
-          <p:cNvPr id="662" name="Google Shape;662;p43"/>
-          <p:cNvSpPr txBox="1">
-            <a:spLocks noGrp="1"/>
-          </p:cNvSpPr>
-          <p:nvPr>
-            <p:ph type="title"/>
-          </p:nvPr>
-        </p:nvSpPr>
-        <p:spPr>
-          <a:xfrm>
-            <a:off x="5072835" y="322841"/>
-            <a:ext cx="2645133" cy="529800"/>
-          </a:xfrm>
-          <a:prstGeom prst="rect">
-            <a:avLst/>
-          </a:prstGeom>
-        </p:spPr>
-        <p:txBody>
-          <a:bodyPr spcFirstLastPara="1" wrap="square" lIns="91425" tIns="91425" rIns="91425" bIns="91425" anchor="b" anchorCtr="0">
-            <a:noAutofit/>
-          </a:bodyPr>
-          <a:lstStyle/>
-          <a:p>
-            <a:pPr marL="0" lvl="0" indent="0" algn="ctr" rtl="0">
-              <a:spcBef>
-                <a:spcPts val="0"/>
-              </a:spcBef>
-              <a:spcAft>
-                <a:spcPts val="0"/>
-              </a:spcAft>
-              <a:buNone/>
-            </a:pPr>
-            <a:r>
-              <a:rPr lang="en-US" dirty="0"/>
-              <a:t>String</a:t>
-            </a:r>
-          </a:p>
-        </p:txBody>
-      </p:sp>
-      <p:sp>
-        <p:nvSpPr>
-          <p:cNvPr id="663" name="Google Shape;663;p43"/>
-          <p:cNvSpPr txBox="1">
-            <a:spLocks noGrp="1"/>
-          </p:cNvSpPr>
-          <p:nvPr>
-            <p:ph type="subTitle" idx="2"/>
-          </p:nvPr>
-        </p:nvSpPr>
-        <p:spPr>
-          <a:xfrm>
-            <a:off x="0" y="981908"/>
-            <a:ext cx="4208936" cy="1523040"/>
-          </a:xfrm>
-          <a:prstGeom prst="rect">
-            <a:avLst/>
-          </a:prstGeom>
-        </p:spPr>
-        <p:txBody>
-          <a:bodyPr spcFirstLastPara="1" wrap="square" lIns="91425" tIns="91425" rIns="91425" bIns="91425" anchor="t" anchorCtr="0">
-            <a:noAutofit/>
-          </a:bodyPr>
-          <a:lstStyle/>
-          <a:p>
-            <a:pPr marL="0" lvl="0" indent="0" algn="ctr" rtl="0">
-              <a:spcBef>
-                <a:spcPts val="0"/>
-              </a:spcBef>
-              <a:spcAft>
-                <a:spcPts val="0"/>
-              </a:spcAft>
-              <a:buNone/>
-            </a:pPr>
-            <a:r>
-              <a:rPr lang="el-GR" dirty="0"/>
-              <a:t>Ελληνικά -&gt; ακέραιος. Όταν έχεις κάποιο ακέραιο αριθμό που θα θες να αποθηκεύσεις σε μια μεταβλητή θα είναι </a:t>
+              <a:t> για να σταματήσουμε μια </a:t>
             </a:r>
             <a:r>
               <a:rPr lang="el-GR" dirty="0" err="1"/>
-              <a:t>integer</a:t>
+              <a:t>loop</a:t>
             </a:r>
             <a:r>
               <a:rPr lang="el-GR" dirty="0"/>
-              <a:t>. Για να το δεις θα μπορείς να γράψεις</a:t>
+              <a:t> ακόμα και αν η σχέση </a:t>
             </a:r>
-          </a:p>
-          <a:p>
-            <a:pPr marL="0" lvl="0" indent="0" algn="ctr" rtl="0">
-              <a:spcBef>
-                <a:spcPts val="0"/>
-              </a:spcBef>
-              <a:spcAft>
-                <a:spcPts val="0"/>
-              </a:spcAft>
-              <a:buNone/>
-            </a:pPr>
-            <a:endParaRPr lang="el-GR" dirty="0"/>
-          </a:p>
-          <a:p>
-            <a:pPr marL="0" lvl="0" indent="0" algn="ctr" rtl="0">
-              <a:spcBef>
-                <a:spcPts val="0"/>
-              </a:spcBef>
-              <a:spcAft>
-                <a:spcPts val="0"/>
-              </a:spcAft>
-              <a:buNone/>
-            </a:pPr>
             <a:r>
               <a:rPr lang="el-GR" dirty="0" err="1"/>
-              <a:t>print</a:t>
+              <a:t>ειναι</a:t>
             </a:r>
             <a:r>
               <a:rPr lang="el-GR" dirty="0"/>
-              <a:t>(</a:t>
+              <a:t> ακόμα αληθής </a:t>
             </a:r>
-            <a:r>
-              <a:rPr lang="el-GR" dirty="0" err="1"/>
-              <a:t>type</a:t>
-            </a:r>
-            <a:r>
-              <a:rPr lang="el-GR" dirty="0"/>
-              <a:t>(x))</a:t>
-            </a:r>
-          </a:p>
-          <a:p>
-            <a:pPr marL="0" lvl="0" indent="0" algn="ctr" rtl="0">
-              <a:spcBef>
-                <a:spcPts val="0"/>
-              </a:spcBef>
-              <a:spcAft>
-                <a:spcPts val="0"/>
-              </a:spcAft>
-              <a:buNone/>
-            </a:pPr>
-            <a:endParaRPr lang="el-GR" dirty="0"/>
-          </a:p>
-          <a:p>
-            <a:pPr marL="0" lvl="0" indent="0" algn="ctr" rtl="0">
-              <a:spcBef>
-                <a:spcPts val="0"/>
-              </a:spcBef>
-              <a:spcAft>
-                <a:spcPts val="0"/>
-              </a:spcAft>
-              <a:buNone/>
-            </a:pPr>
-            <a:r>
-              <a:rPr lang="el-GR" dirty="0"/>
-              <a:t>Αυτό μπορείς να το κάνεις για </a:t>
-            </a:r>
-            <a:r>
-              <a:rPr lang="el-GR" dirty="0" err="1"/>
-              <a:t>καθε</a:t>
-            </a:r>
-            <a:r>
-              <a:rPr lang="el-GR" dirty="0"/>
-              <a:t> τύπο μεταβλητής να δεις.</a:t>
-            </a:r>
-            <a:endParaRPr lang="en-US" dirty="0"/>
           </a:p>
         </p:txBody>
       </p:sp>
@@ -23513,7 +23171,7 @@
         </p:nvSpPr>
         <p:spPr>
           <a:xfrm>
-            <a:off x="825170" y="322841"/>
+            <a:off x="1512689" y="1788789"/>
             <a:ext cx="2558596" cy="529800"/>
           </a:xfrm>
           <a:prstGeom prst="rect">
@@ -23537,90 +23195,7 @@
             </a:pPr>
             <a:r>
               <a:rPr lang="en-US" dirty="0"/>
-              <a:t>Integer</a:t>
-            </a:r>
-          </a:p>
-        </p:txBody>
-      </p:sp>
-      <p:sp>
-        <p:nvSpPr>
-          <p:cNvPr id="665" name="Google Shape;665;p43"/>
-          <p:cNvSpPr txBox="1">
-            <a:spLocks noGrp="1"/>
-          </p:cNvSpPr>
-          <p:nvPr>
-            <p:ph type="subTitle" idx="4"/>
-          </p:nvPr>
-        </p:nvSpPr>
-        <p:spPr>
-          <a:xfrm>
-            <a:off x="605567" y="4216982"/>
-            <a:ext cx="1895700" cy="664200"/>
-          </a:xfrm>
-          <a:prstGeom prst="rect">
-            <a:avLst/>
-          </a:prstGeom>
-        </p:spPr>
-        <p:txBody>
-          <a:bodyPr spcFirstLastPara="1" wrap="square" lIns="91425" tIns="91425" rIns="91425" bIns="91425" anchor="t" anchorCtr="0">
-            <a:noAutofit/>
-          </a:bodyPr>
-          <a:lstStyle/>
-          <a:p>
-            <a:pPr marL="0" lvl="0" indent="0" algn="ctr" rtl="0">
-              <a:spcBef>
-                <a:spcPts val="0"/>
-              </a:spcBef>
-              <a:spcAft>
-                <a:spcPts val="0"/>
-              </a:spcAft>
-              <a:buNone/>
-            </a:pPr>
-            <a:r>
-              <a:rPr lang="el-GR" dirty="0"/>
-              <a:t>Ελληνικά -&gt; δεκαδικός. πχ 5.38</a:t>
-            </a:r>
-            <a:endParaRPr lang="en-US" dirty="0"/>
-          </a:p>
-        </p:txBody>
-      </p:sp>
-      <p:sp>
-        <p:nvSpPr>
-          <p:cNvPr id="666" name="Google Shape;666;p43"/>
-          <p:cNvSpPr txBox="1">
-            <a:spLocks noGrp="1"/>
-          </p:cNvSpPr>
-          <p:nvPr>
-            <p:ph type="title" idx="5"/>
-          </p:nvPr>
-        </p:nvSpPr>
-        <p:spPr>
-          <a:xfrm>
-            <a:off x="712815" y="3522066"/>
-            <a:ext cx="1957500" cy="529800"/>
-          </a:xfrm>
-          <a:prstGeom prst="rect">
-            <a:avLst/>
-          </a:prstGeom>
-        </p:spPr>
-        <p:txBody>
-          <a:bodyPr spcFirstLastPara="1" wrap="square" lIns="91425" tIns="91425" rIns="91425" bIns="91425" anchor="b" anchorCtr="0">
-            <a:noAutofit/>
-          </a:bodyPr>
-          <a:lstStyle/>
-          <a:p>
-            <a:pPr marL="0" lvl="0" indent="0" algn="ctr" rtl="0">
-              <a:spcBef>
-                <a:spcPts val="0"/>
-              </a:spcBef>
-              <a:spcAft>
-                <a:spcPts val="0"/>
-              </a:spcAft>
-              <a:buNone/>
-            </a:pPr>
-            <a:r>
-              <a:rPr lang="en-US" dirty="0"/>
-              <a:t>Float</a:t>
+              <a:t>break</a:t>
             </a:r>
           </a:p>
         </p:txBody>
@@ -23637,8 +23212,8 @@
         </p:nvSpPr>
         <p:spPr>
           <a:xfrm>
-            <a:off x="3585008" y="4089726"/>
-            <a:ext cx="1895700" cy="664200"/>
+            <a:off x="5059014" y="2658207"/>
+            <a:ext cx="2585998" cy="1403046"/>
           </a:xfrm>
           <a:prstGeom prst="rect">
             <a:avLst/>
@@ -23661,31 +23236,15 @@
             </a:pPr>
             <a:r>
               <a:rPr lang="el-GR" dirty="0"/>
-              <a:t>Είναι δυαδικές τιμές 0 ή 1 αλλιώς </a:t>
+              <a:t>με το </a:t>
             </a:r>
             <a:r>
               <a:rPr lang="el-GR" dirty="0" err="1"/>
-              <a:t>true</a:t>
+              <a:t>continue</a:t>
             </a:r>
             <a:r>
               <a:rPr lang="el-GR" dirty="0"/>
-              <a:t> </a:t>
-            </a:r>
-            <a:r>
-              <a:rPr lang="el-GR" dirty="0" err="1"/>
-              <a:t>or</a:t>
-            </a:r>
-            <a:r>
-              <a:rPr lang="el-GR" dirty="0"/>
-              <a:t> </a:t>
-            </a:r>
-            <a:r>
-              <a:rPr lang="el-GR" dirty="0" err="1"/>
-              <a:t>false</a:t>
-            </a:r>
-            <a:r>
-              <a:rPr lang="el-GR" dirty="0"/>
-              <a:t> ( σωστό ή λάθος)</a:t>
+              <a:t> Μπορούμε να σταματήσουμε την συγκεκριμένη επανάληψη και να συνεχίσει με την επόμενη </a:t>
             </a:r>
           </a:p>
         </p:txBody>
@@ -23702,8 +23261,8 @@
         </p:nvSpPr>
         <p:spPr>
           <a:xfrm>
-            <a:off x="3554108" y="3522066"/>
-            <a:ext cx="1957500" cy="529800"/>
+            <a:off x="5072716" y="1788789"/>
+            <a:ext cx="2558595" cy="529800"/>
           </a:xfrm>
           <a:prstGeom prst="rect">
             <a:avLst/>
@@ -23726,268 +23285,12 @@
             </a:pPr>
             <a:r>
               <a:rPr lang="en-US" dirty="0"/>
-              <a:t>Boolean</a:t>
-            </a:r>
-          </a:p>
-        </p:txBody>
-      </p:sp>
-      <p:sp>
-        <p:nvSpPr>
-          <p:cNvPr id="671" name="Google Shape;671;p43"/>
-          <p:cNvSpPr txBox="1">
-            <a:spLocks noGrp="1"/>
-          </p:cNvSpPr>
-          <p:nvPr>
-            <p:ph type="subTitle" idx="13"/>
-          </p:nvPr>
-        </p:nvSpPr>
-        <p:spPr>
-          <a:xfrm>
-            <a:off x="5883270" y="4223195"/>
-            <a:ext cx="3141085" cy="664200"/>
-          </a:xfrm>
-          <a:prstGeom prst="rect">
-            <a:avLst/>
-          </a:prstGeom>
-        </p:spPr>
-        <p:txBody>
-          <a:bodyPr spcFirstLastPara="1" wrap="square" lIns="91425" tIns="91425" rIns="91425" bIns="91425" anchor="t" anchorCtr="0">
-            <a:noAutofit/>
-          </a:bodyPr>
-          <a:lstStyle/>
-          <a:p>
-            <a:pPr marL="0" lvl="0" indent="0" algn="ctr" rtl="0">
-              <a:spcBef>
-                <a:spcPts val="0"/>
-              </a:spcBef>
-              <a:spcAft>
-                <a:spcPts val="0"/>
-              </a:spcAft>
-              <a:buNone/>
-            </a:pPr>
-            <a:r>
-              <a:rPr lang="el-GR" dirty="0"/>
-              <a:t>Περιέχει πραγματικούς αριθμούς</a:t>
-            </a:r>
-          </a:p>
-          <a:p>
-            <a:pPr marL="0" lvl="0" indent="0" algn="ctr" rtl="0">
-              <a:spcBef>
-                <a:spcPts val="0"/>
-              </a:spcBef>
-              <a:spcAft>
-                <a:spcPts val="0"/>
-              </a:spcAft>
-              <a:buNone/>
-            </a:pPr>
-            <a:endParaRPr lang="el-GR" dirty="0"/>
-          </a:p>
-          <a:p>
-            <a:pPr marL="0" lvl="0" indent="0" algn="ctr" rtl="0">
-              <a:spcBef>
-                <a:spcPts val="0"/>
-              </a:spcBef>
-              <a:spcAft>
-                <a:spcPts val="0"/>
-              </a:spcAft>
-              <a:buNone/>
-            </a:pPr>
-            <a:r>
-              <a:rPr lang="el-GR" dirty="0"/>
-              <a:t>x = 1j</a:t>
-            </a:r>
-            <a:endParaRPr lang="en-US" dirty="0"/>
-          </a:p>
-        </p:txBody>
-      </p:sp>
-      <p:sp>
-        <p:nvSpPr>
-          <p:cNvPr id="672" name="Google Shape;672;p43"/>
-          <p:cNvSpPr txBox="1">
-            <a:spLocks noGrp="1"/>
-          </p:cNvSpPr>
-          <p:nvPr>
-            <p:ph type="title" idx="14"/>
-          </p:nvPr>
-        </p:nvSpPr>
-        <p:spPr>
-          <a:xfrm>
-            <a:off x="6395402" y="3522066"/>
-            <a:ext cx="1957500" cy="529800"/>
-          </a:xfrm>
-          <a:prstGeom prst="rect">
-            <a:avLst/>
-          </a:prstGeom>
-        </p:spPr>
-        <p:txBody>
-          <a:bodyPr spcFirstLastPara="1" wrap="square" lIns="91425" tIns="91425" rIns="91425" bIns="91425" anchor="b" anchorCtr="0">
-            <a:noAutofit/>
-          </a:bodyPr>
-          <a:lstStyle/>
-          <a:p>
-            <a:pPr marL="0" lvl="0" indent="0" algn="ctr" rtl="0">
-              <a:spcBef>
-                <a:spcPts val="0"/>
-              </a:spcBef>
-              <a:spcAft>
-                <a:spcPts val="0"/>
-              </a:spcAft>
-              <a:buNone/>
-            </a:pPr>
-            <a:r>
-              <a:rPr lang="en-US" dirty="0"/>
-              <a:t>Complex</a:t>
+              <a:t>Continue</a:t>
             </a:r>
           </a:p>
         </p:txBody>
       </p:sp>
     </p:spTree>
-  </p:cSld>
-  <p:clrMapOvr>
-    <a:masterClrMapping/>
-  </p:clrMapOvr>
-</p:sld>
-</file>
-
-<file path=ppt/slides/slide19.xml><?xml version="1.0" encoding="utf-8"?>
-<p:sld xmlns:a="http://schemas.openxmlformats.org/drawingml/2006/main" xmlns:r="http://schemas.openxmlformats.org/officeDocument/2006/relationships" xmlns:p="http://schemas.openxmlformats.org/presentationml/2006/main">
-  <p:cSld>
-    <p:spTree>
-      <p:nvGrpSpPr>
-        <p:cNvPr id="1" name="Shape 530"/>
-        <p:cNvGrpSpPr/>
-        <p:nvPr/>
-      </p:nvGrpSpPr>
-      <p:grpSpPr>
-        <a:xfrm>
-          <a:off x="0" y="0"/>
-          <a:ext cx="0" cy="0"/>
-          <a:chOff x="0" y="0"/>
-          <a:chExt cx="0" cy="0"/>
-        </a:xfrm>
-      </p:grpSpPr>
-      <p:sp>
-        <p:nvSpPr>
-          <p:cNvPr id="531" name="Google Shape;531;p41"/>
-          <p:cNvSpPr txBox="1">
-            <a:spLocks noGrp="1"/>
-          </p:cNvSpPr>
-          <p:nvPr>
-            <p:ph type="subTitle" idx="1"/>
-          </p:nvPr>
-        </p:nvSpPr>
-        <p:spPr>
-          <a:xfrm flipH="1">
-            <a:off x="842398" y="1828800"/>
-            <a:ext cx="7248054" cy="2286000"/>
-          </a:xfrm>
-          <a:prstGeom prst="rect">
-            <a:avLst/>
-          </a:prstGeom>
-        </p:spPr>
-        <p:txBody>
-          <a:bodyPr spcFirstLastPara="1" wrap="square" lIns="91425" tIns="91425" rIns="91425" bIns="91425" anchor="ctr" anchorCtr="0">
-            <a:noAutofit/>
-          </a:bodyPr>
-          <a:lstStyle/>
-          <a:p>
-            <a:pPr marL="0" lvl="0" indent="0" algn="l" rtl="0">
-              <a:spcBef>
-                <a:spcPts val="0"/>
-              </a:spcBef>
-              <a:spcAft>
-                <a:spcPts val="0"/>
-              </a:spcAft>
-              <a:buNone/>
-            </a:pPr>
-            <a:r>
-              <a:rPr lang="el-GR" dirty="0"/>
-              <a:t>Όταν θέλουμε να αλλάξουμε έναν τύπο μεταβλητής σε έναν άλλο χρησιμοποιούμε την εκάστοτε συνάρτηση για την αλλαγή</a:t>
-            </a:r>
-          </a:p>
-          <a:p>
-            <a:pPr marL="0" lvl="0" indent="0" algn="l" rtl="0">
-              <a:spcBef>
-                <a:spcPts val="0"/>
-              </a:spcBef>
-              <a:spcAft>
-                <a:spcPts val="0"/>
-              </a:spcAft>
-              <a:buNone/>
-            </a:pPr>
-            <a:endParaRPr lang="el-GR" dirty="0"/>
-          </a:p>
-          <a:p>
-            <a:pPr marL="0" lvl="0" indent="0" algn="l" rtl="0">
-              <a:spcBef>
-                <a:spcPts val="0"/>
-              </a:spcBef>
-              <a:spcAft>
-                <a:spcPts val="0"/>
-              </a:spcAft>
-              <a:buNone/>
-            </a:pPr>
-            <a:r>
-              <a:rPr lang="el-GR" dirty="0"/>
-              <a:t>Ας το δούμε και στο `lesson_1.py`</a:t>
-            </a:r>
-            <a:endParaRPr lang="en-US" dirty="0"/>
-          </a:p>
-        </p:txBody>
-      </p:sp>
-      <p:sp>
-        <p:nvSpPr>
-          <p:cNvPr id="2" name="Google Shape;722;p47">
-            <a:extLst>
-              <a:ext uri="{FF2B5EF4-FFF2-40B4-BE49-F238E27FC236}">
-                <a16:creationId xmlns:a16="http://schemas.microsoft.com/office/drawing/2014/main" id="{691D5BB7-94AC-F779-ED10-0A36A7C6EBBC}"/>
-              </a:ext>
-            </a:extLst>
-          </p:cNvPr>
-          <p:cNvSpPr txBox="1">
-            <a:spLocks noGrp="1"/>
-          </p:cNvSpPr>
-          <p:nvPr>
-            <p:ph type="title"/>
-          </p:nvPr>
-        </p:nvSpPr>
-        <p:spPr>
-          <a:xfrm>
-            <a:off x="1278050" y="343200"/>
-            <a:ext cx="6588000" cy="669000"/>
-          </a:xfrm>
-          <a:prstGeom prst="rect">
-            <a:avLst/>
-          </a:prstGeom>
-        </p:spPr>
-        <p:txBody>
-          <a:bodyPr spcFirstLastPara="1" wrap="square" lIns="91425" tIns="91425" rIns="91425" bIns="91425" anchor="t" anchorCtr="0">
-            <a:noAutofit/>
-          </a:bodyPr>
-          <a:lstStyle/>
-          <a:p>
-            <a:pPr marL="0" lvl="0" indent="0" algn="ctr" rtl="0">
-              <a:spcBef>
-                <a:spcPts val="0"/>
-              </a:spcBef>
-              <a:spcAft>
-                <a:spcPts val="0"/>
-              </a:spcAft>
-              <a:buNone/>
-            </a:pPr>
-            <a:r>
-              <a:rPr lang="en-US" dirty="0"/>
-              <a:t>Convert</a:t>
-            </a:r>
-          </a:p>
-        </p:txBody>
-      </p:sp>
-    </p:spTree>
-    <p:extLst>
-      <p:ext uri="{BB962C8B-B14F-4D97-AF65-F5344CB8AC3E}">
-        <p14:creationId xmlns:p14="http://schemas.microsoft.com/office/powerpoint/2010/main" val="411674719"/>
-      </p:ext>
-    </p:extLst>
   </p:cSld>
   <p:clrMapOvr>
     <a:masterClrMapping/>
@@ -25044,7 +24347,7 @@
             </a:pPr>
             <a:r>
               <a:rPr lang="en-US" dirty="0"/>
-              <a:t>Operations</a:t>
+              <a:t>Functions</a:t>
             </a:r>
           </a:p>
         </p:txBody>
@@ -25109,2430 +24412,6 @@
 </file>
 
 <file path=ppt/slides/slide21.xml><?xml version="1.0" encoding="utf-8"?>
-<p:sld xmlns:a="http://schemas.openxmlformats.org/drawingml/2006/main" xmlns:r="http://schemas.openxmlformats.org/officeDocument/2006/relationships" xmlns:p="http://schemas.openxmlformats.org/presentationml/2006/main">
-  <p:cSld>
-    <p:spTree>
-      <p:nvGrpSpPr>
-        <p:cNvPr id="1" name="Shape 691"/>
-        <p:cNvGrpSpPr/>
-        <p:nvPr/>
-      </p:nvGrpSpPr>
-      <p:grpSpPr>
-        <a:xfrm>
-          <a:off x="0" y="0"/>
-          <a:ext cx="0" cy="0"/>
-          <a:chOff x="0" y="0"/>
-          <a:chExt cx="0" cy="0"/>
-        </a:xfrm>
-      </p:grpSpPr>
-      <p:sp>
-        <p:nvSpPr>
-          <p:cNvPr id="692" name="Google Shape;692;p46"/>
-          <p:cNvSpPr/>
-          <p:nvPr/>
-        </p:nvSpPr>
-        <p:spPr>
-          <a:xfrm>
-            <a:off x="0" y="2123344"/>
-            <a:ext cx="3504300" cy="1548300"/>
-          </a:xfrm>
-          <a:prstGeom prst="rect">
-            <a:avLst/>
-          </a:prstGeom>
-          <a:solidFill>
-            <a:schemeClr val="lt1"/>
-          </a:solidFill>
-          <a:ln>
-            <a:noFill/>
-          </a:ln>
-        </p:spPr>
-        <p:txBody>
-          <a:bodyPr spcFirstLastPara="1" wrap="square" lIns="91425" tIns="91425" rIns="91425" bIns="91425" anchor="ctr" anchorCtr="0">
-            <a:noAutofit/>
-          </a:bodyPr>
-          <a:lstStyle/>
-          <a:p>
-            <a:pPr marL="0" lvl="0" indent="0" algn="l" rtl="0">
-              <a:spcBef>
-                <a:spcPts val="0"/>
-              </a:spcBef>
-              <a:spcAft>
-                <a:spcPts val="0"/>
-              </a:spcAft>
-              <a:buNone/>
-            </a:pPr>
-            <a:endParaRPr/>
-          </a:p>
-        </p:txBody>
-      </p:sp>
-      <p:sp>
-        <p:nvSpPr>
-          <p:cNvPr id="695" name="Google Shape;695;p46"/>
-          <p:cNvSpPr txBox="1">
-            <a:spLocks noGrp="1"/>
-          </p:cNvSpPr>
-          <p:nvPr>
-            <p:ph type="ctrTitle" idx="4294967295"/>
-          </p:nvPr>
-        </p:nvSpPr>
-        <p:spPr>
-          <a:xfrm flipH="1">
-            <a:off x="5339400" y="1097400"/>
-            <a:ext cx="2697600" cy="273000"/>
-          </a:xfrm>
-          <a:prstGeom prst="rect">
-            <a:avLst/>
-          </a:prstGeom>
-        </p:spPr>
-        <p:txBody>
-          <a:bodyPr spcFirstLastPara="1" wrap="square" lIns="91425" tIns="0" rIns="91425" bIns="0" anchor="ctr" anchorCtr="0">
-            <a:noAutofit/>
-          </a:bodyPr>
-          <a:lstStyle/>
-          <a:p>
-            <a:pPr marL="0" lvl="0" indent="0" algn="l" rtl="0">
-              <a:spcBef>
-                <a:spcPts val="0"/>
-              </a:spcBef>
-              <a:spcAft>
-                <a:spcPts val="0"/>
-              </a:spcAft>
-              <a:buNone/>
-            </a:pPr>
-            <a:r>
-              <a:rPr lang="el-GR" sz="2200" dirty="0">
-                <a:solidFill>
-                  <a:schemeClr val="dk2"/>
-                </a:solidFill>
-              </a:rPr>
-              <a:t>Άθροισμα +</a:t>
-            </a:r>
-            <a:endParaRPr lang="en-US" sz="2200" dirty="0">
-              <a:solidFill>
-                <a:schemeClr val="dk2"/>
-              </a:solidFill>
-            </a:endParaRPr>
-          </a:p>
-        </p:txBody>
-      </p:sp>
-      <p:sp>
-        <p:nvSpPr>
-          <p:cNvPr id="697" name="Google Shape;697;p46"/>
-          <p:cNvSpPr txBox="1">
-            <a:spLocks noGrp="1"/>
-          </p:cNvSpPr>
-          <p:nvPr>
-            <p:ph type="ctrTitle" idx="4294967295"/>
-          </p:nvPr>
-        </p:nvSpPr>
-        <p:spPr>
-          <a:xfrm flipH="1">
-            <a:off x="5363222" y="1666704"/>
-            <a:ext cx="2697600" cy="274200"/>
-          </a:xfrm>
-          <a:prstGeom prst="rect">
-            <a:avLst/>
-          </a:prstGeom>
-        </p:spPr>
-        <p:txBody>
-          <a:bodyPr spcFirstLastPara="1" wrap="square" lIns="91425" tIns="0" rIns="91425" bIns="0" anchor="ctr" anchorCtr="0">
-            <a:noAutofit/>
-          </a:bodyPr>
-          <a:lstStyle/>
-          <a:p>
-            <a:pPr marL="0" lvl="0" indent="0" algn="l" rtl="0">
-              <a:spcBef>
-                <a:spcPts val="0"/>
-              </a:spcBef>
-              <a:spcAft>
-                <a:spcPts val="0"/>
-              </a:spcAft>
-              <a:buNone/>
-            </a:pPr>
-            <a:r>
-              <a:rPr lang="el-GR" sz="2200" dirty="0">
-                <a:solidFill>
-                  <a:schemeClr val="dk2"/>
-                </a:solidFill>
-              </a:rPr>
-              <a:t>Αφαίρεση -</a:t>
-            </a:r>
-            <a:endParaRPr lang="en-US" sz="2200" dirty="0">
-              <a:solidFill>
-                <a:schemeClr val="dk2"/>
-              </a:solidFill>
-            </a:endParaRPr>
-          </a:p>
-        </p:txBody>
-      </p:sp>
-      <p:sp>
-        <p:nvSpPr>
-          <p:cNvPr id="699" name="Google Shape;699;p46"/>
-          <p:cNvSpPr txBox="1">
-            <a:spLocks noGrp="1"/>
-          </p:cNvSpPr>
-          <p:nvPr>
-            <p:ph type="ctrTitle" idx="4294967295"/>
-          </p:nvPr>
-        </p:nvSpPr>
-        <p:spPr>
-          <a:xfrm flipH="1">
-            <a:off x="5408430" y="2206411"/>
-            <a:ext cx="2698800" cy="274200"/>
-          </a:xfrm>
-          <a:prstGeom prst="rect">
-            <a:avLst/>
-          </a:prstGeom>
-        </p:spPr>
-        <p:txBody>
-          <a:bodyPr spcFirstLastPara="1" wrap="square" lIns="91425" tIns="0" rIns="91425" bIns="0" anchor="ctr" anchorCtr="0">
-            <a:noAutofit/>
-          </a:bodyPr>
-          <a:lstStyle/>
-          <a:p>
-            <a:pPr marL="0" lvl="0" indent="0" algn="l" rtl="0">
-              <a:spcBef>
-                <a:spcPts val="0"/>
-              </a:spcBef>
-              <a:spcAft>
-                <a:spcPts val="0"/>
-              </a:spcAft>
-              <a:buNone/>
-            </a:pPr>
-            <a:r>
-              <a:rPr lang="el-GR" sz="2200" dirty="0" err="1">
-                <a:solidFill>
-                  <a:schemeClr val="dk2"/>
-                </a:solidFill>
-              </a:rPr>
-              <a:t>Πολλ</a:t>
-            </a:r>
-            <a:r>
-              <a:rPr lang="el-GR" sz="2200" dirty="0">
-                <a:solidFill>
-                  <a:schemeClr val="dk2"/>
-                </a:solidFill>
-              </a:rPr>
-              <a:t>/</a:t>
-            </a:r>
-            <a:r>
-              <a:rPr lang="el-GR" sz="2200" dirty="0" err="1">
-                <a:solidFill>
-                  <a:schemeClr val="dk2"/>
-                </a:solidFill>
-              </a:rPr>
-              <a:t>μος</a:t>
-            </a:r>
-            <a:r>
-              <a:rPr lang="el-GR" sz="2200" dirty="0">
-                <a:solidFill>
-                  <a:schemeClr val="dk2"/>
-                </a:solidFill>
-              </a:rPr>
-              <a:t> *</a:t>
-            </a:r>
-            <a:endParaRPr lang="en-US" sz="2200" dirty="0">
-              <a:solidFill>
-                <a:schemeClr val="dk2"/>
-              </a:solidFill>
-            </a:endParaRPr>
-          </a:p>
-        </p:txBody>
-      </p:sp>
-      <p:sp>
-        <p:nvSpPr>
-          <p:cNvPr id="701" name="Google Shape;701;p46"/>
-          <p:cNvSpPr txBox="1">
-            <a:spLocks noGrp="1"/>
-          </p:cNvSpPr>
-          <p:nvPr>
-            <p:ph type="ctrTitle" idx="4294967295"/>
-          </p:nvPr>
-        </p:nvSpPr>
-        <p:spPr>
-          <a:xfrm flipH="1">
-            <a:off x="5409630" y="2779749"/>
-            <a:ext cx="2697600" cy="274200"/>
-          </a:xfrm>
-          <a:prstGeom prst="rect">
-            <a:avLst/>
-          </a:prstGeom>
-        </p:spPr>
-        <p:txBody>
-          <a:bodyPr spcFirstLastPara="1" wrap="square" lIns="91425" tIns="0" rIns="91425" bIns="0" anchor="ctr" anchorCtr="0">
-            <a:noAutofit/>
-          </a:bodyPr>
-          <a:lstStyle/>
-          <a:p>
-            <a:pPr marL="0" lvl="0" indent="0" algn="l" rtl="0">
-              <a:spcBef>
-                <a:spcPts val="0"/>
-              </a:spcBef>
-              <a:spcAft>
-                <a:spcPts val="0"/>
-              </a:spcAft>
-              <a:buNone/>
-            </a:pPr>
-            <a:r>
-              <a:rPr lang="el-GR" sz="2200" dirty="0">
-                <a:solidFill>
-                  <a:schemeClr val="dk2"/>
-                </a:solidFill>
-              </a:rPr>
-              <a:t>Διαίρεση /</a:t>
-            </a:r>
-            <a:endParaRPr lang="en-US" sz="2200" dirty="0">
-              <a:solidFill>
-                <a:schemeClr val="dk2"/>
-              </a:solidFill>
-            </a:endParaRPr>
-          </a:p>
-        </p:txBody>
-      </p:sp>
-      <p:sp>
-        <p:nvSpPr>
-          <p:cNvPr id="703" name="Google Shape;703;p46"/>
-          <p:cNvSpPr/>
-          <p:nvPr/>
-        </p:nvSpPr>
-        <p:spPr>
-          <a:xfrm>
-            <a:off x="0" y="2610900"/>
-            <a:ext cx="1785055" cy="188756"/>
-          </a:xfrm>
-          <a:custGeom>
-            <a:avLst/>
-            <a:gdLst/>
-            <a:ahLst/>
-            <a:cxnLst/>
-            <a:rect l="l" t="t" r="r" b="b"/>
-            <a:pathLst>
-              <a:path w="106491" h="5847" extrusionOk="0">
-                <a:moveTo>
-                  <a:pt x="1" y="0"/>
-                </a:moveTo>
-                <a:lnTo>
-                  <a:pt x="1" y="5846"/>
-                </a:lnTo>
-                <a:lnTo>
-                  <a:pt x="106490" y="5846"/>
-                </a:lnTo>
-                <a:lnTo>
-                  <a:pt x="106490" y="0"/>
-                </a:lnTo>
-                <a:close/>
-              </a:path>
-            </a:pathLst>
-          </a:custGeom>
-          <a:solidFill>
-            <a:schemeClr val="dk2"/>
-          </a:solidFill>
-          <a:ln>
-            <a:noFill/>
-          </a:ln>
-        </p:spPr>
-        <p:txBody>
-          <a:bodyPr spcFirstLastPara="1" wrap="square" lIns="91425" tIns="91425" rIns="91425" bIns="91425" anchor="ctr" anchorCtr="0">
-            <a:noAutofit/>
-          </a:bodyPr>
-          <a:lstStyle/>
-          <a:p>
-            <a:pPr marL="0" lvl="0" indent="0" algn="l" rtl="0">
-              <a:spcBef>
-                <a:spcPts val="0"/>
-              </a:spcBef>
-              <a:spcAft>
-                <a:spcPts val="0"/>
-              </a:spcAft>
-              <a:buNone/>
-            </a:pPr>
-            <a:endParaRPr/>
-          </a:p>
-        </p:txBody>
-      </p:sp>
-      <p:sp>
-        <p:nvSpPr>
-          <p:cNvPr id="704" name="Google Shape;704;p46"/>
-          <p:cNvSpPr txBox="1">
-            <a:spLocks noGrp="1"/>
-          </p:cNvSpPr>
-          <p:nvPr>
-            <p:ph type="ctrTitle" idx="4294967295"/>
-          </p:nvPr>
-        </p:nvSpPr>
-        <p:spPr>
-          <a:xfrm flipH="1">
-            <a:off x="-522674" y="2538951"/>
-            <a:ext cx="3939989" cy="1075548"/>
-          </a:xfrm>
-          <a:prstGeom prst="rect">
-            <a:avLst/>
-          </a:prstGeom>
-        </p:spPr>
-        <p:txBody>
-          <a:bodyPr spcFirstLastPara="1" wrap="square" lIns="91425" tIns="0" rIns="91425" bIns="0" anchor="ctr" anchorCtr="0">
-            <a:noAutofit/>
-          </a:bodyPr>
-          <a:lstStyle/>
-          <a:p>
-            <a:pPr marL="0" lvl="0" indent="0" algn="r" rtl="0">
-              <a:spcBef>
-                <a:spcPts val="0"/>
-              </a:spcBef>
-              <a:spcAft>
-                <a:spcPts val="0"/>
-              </a:spcAft>
-              <a:buNone/>
-            </a:pPr>
-            <a:r>
-              <a:rPr lang="el-GR" sz="3000" dirty="0">
-                <a:solidFill>
-                  <a:schemeClr val="dk1"/>
-                </a:solidFill>
-              </a:rPr>
-              <a:t>Οι πράξεις που υπάρχουν στην Python είναι</a:t>
-            </a:r>
-            <a:br>
-              <a:rPr lang="el-GR" sz="3000" dirty="0">
-                <a:solidFill>
-                  <a:schemeClr val="dk1"/>
-                </a:solidFill>
-              </a:rPr>
-            </a:br>
-            <a:endParaRPr lang="en-US" sz="3000" dirty="0">
-              <a:solidFill>
-                <a:schemeClr val="dk1"/>
-              </a:solidFill>
-            </a:endParaRPr>
-          </a:p>
-        </p:txBody>
-      </p:sp>
-      <p:sp>
-        <p:nvSpPr>
-          <p:cNvPr id="705" name="Google Shape;705;p46"/>
-          <p:cNvSpPr/>
-          <p:nvPr/>
-        </p:nvSpPr>
-        <p:spPr>
-          <a:xfrm flipH="1">
-            <a:off x="1165475" y="3815600"/>
-            <a:ext cx="2338825" cy="133867"/>
-          </a:xfrm>
-          <a:custGeom>
-            <a:avLst/>
-            <a:gdLst/>
-            <a:ahLst/>
-            <a:cxnLst/>
-            <a:rect l="l" t="t" r="r" b="b"/>
-            <a:pathLst>
-              <a:path w="135840" h="8298" extrusionOk="0">
-                <a:moveTo>
-                  <a:pt x="1" y="1"/>
-                </a:moveTo>
-                <a:lnTo>
-                  <a:pt x="1" y="8298"/>
-                </a:lnTo>
-                <a:lnTo>
-                  <a:pt x="135840" y="8298"/>
-                </a:lnTo>
-                <a:lnTo>
-                  <a:pt x="135840" y="1"/>
-                </a:lnTo>
-                <a:close/>
-              </a:path>
-            </a:pathLst>
-          </a:custGeom>
-          <a:solidFill>
-            <a:schemeClr val="lt2"/>
-          </a:solidFill>
-          <a:ln>
-            <a:noFill/>
-          </a:ln>
-        </p:spPr>
-        <p:txBody>
-          <a:bodyPr spcFirstLastPara="1" wrap="square" lIns="91425" tIns="91425" rIns="91425" bIns="91425" anchor="ctr" anchorCtr="0">
-            <a:noAutofit/>
-          </a:bodyPr>
-          <a:lstStyle/>
-          <a:p>
-            <a:pPr marL="0" lvl="0" indent="0" algn="l" rtl="0">
-              <a:spcBef>
-                <a:spcPts val="0"/>
-              </a:spcBef>
-              <a:spcAft>
-                <a:spcPts val="0"/>
-              </a:spcAft>
-              <a:buNone/>
-            </a:pPr>
-            <a:endParaRPr/>
-          </a:p>
-        </p:txBody>
-      </p:sp>
-      <p:sp>
-        <p:nvSpPr>
-          <p:cNvPr id="706" name="Google Shape;706;p46"/>
-          <p:cNvSpPr/>
-          <p:nvPr/>
-        </p:nvSpPr>
-        <p:spPr>
-          <a:xfrm flipH="1">
-            <a:off x="5500" y="3815594"/>
-            <a:ext cx="1159976" cy="133894"/>
-          </a:xfrm>
-          <a:custGeom>
-            <a:avLst/>
-            <a:gdLst/>
-            <a:ahLst/>
-            <a:cxnLst/>
-            <a:rect l="l" t="t" r="r" b="b"/>
-            <a:pathLst>
-              <a:path w="71889" h="8298" extrusionOk="0">
-                <a:moveTo>
-                  <a:pt x="1" y="1"/>
-                </a:moveTo>
-                <a:lnTo>
-                  <a:pt x="1" y="8298"/>
-                </a:lnTo>
-                <a:lnTo>
-                  <a:pt x="71889" y="8298"/>
-                </a:lnTo>
-                <a:lnTo>
-                  <a:pt x="71889" y="1"/>
-                </a:lnTo>
-                <a:close/>
-              </a:path>
-            </a:pathLst>
-          </a:custGeom>
-          <a:solidFill>
-            <a:schemeClr val="dk2"/>
-          </a:solidFill>
-          <a:ln>
-            <a:noFill/>
-          </a:ln>
-        </p:spPr>
-        <p:txBody>
-          <a:bodyPr spcFirstLastPara="1" wrap="square" lIns="91425" tIns="91425" rIns="91425" bIns="91425" anchor="ctr" anchorCtr="0">
-            <a:noAutofit/>
-          </a:bodyPr>
-          <a:lstStyle/>
-          <a:p>
-            <a:pPr marL="0" lvl="0" indent="0" algn="l" rtl="0">
-              <a:spcBef>
-                <a:spcPts val="0"/>
-              </a:spcBef>
-              <a:spcAft>
-                <a:spcPts val="0"/>
-              </a:spcAft>
-              <a:buNone/>
-            </a:pPr>
-            <a:endParaRPr/>
-          </a:p>
-        </p:txBody>
-      </p:sp>
-      <p:sp>
-        <p:nvSpPr>
-          <p:cNvPr id="707" name="Google Shape;707;p46"/>
-          <p:cNvSpPr/>
-          <p:nvPr/>
-        </p:nvSpPr>
-        <p:spPr>
-          <a:xfrm flipH="1">
-            <a:off x="1198717" y="4037295"/>
-            <a:ext cx="1710557" cy="133894"/>
-          </a:xfrm>
-          <a:custGeom>
-            <a:avLst/>
-            <a:gdLst/>
-            <a:ahLst/>
-            <a:cxnLst/>
-            <a:rect l="l" t="t" r="r" b="b"/>
-            <a:pathLst>
-              <a:path w="106011" h="8298" extrusionOk="0">
-                <a:moveTo>
-                  <a:pt x="1" y="1"/>
-                </a:moveTo>
-                <a:lnTo>
-                  <a:pt x="1" y="8297"/>
-                </a:lnTo>
-                <a:lnTo>
-                  <a:pt x="106011" y="8297"/>
-                </a:lnTo>
-                <a:lnTo>
-                  <a:pt x="106011" y="1"/>
-                </a:lnTo>
-                <a:close/>
-              </a:path>
-            </a:pathLst>
-          </a:custGeom>
-          <a:solidFill>
-            <a:schemeClr val="lt1"/>
-          </a:solidFill>
-          <a:ln>
-            <a:noFill/>
-          </a:ln>
-        </p:spPr>
-        <p:txBody>
-          <a:bodyPr spcFirstLastPara="1" wrap="square" lIns="91425" tIns="91425" rIns="91425" bIns="91425" anchor="ctr" anchorCtr="0">
-            <a:noAutofit/>
-          </a:bodyPr>
-          <a:lstStyle/>
-          <a:p>
-            <a:pPr marL="0" lvl="0" indent="0" algn="l" rtl="0">
-              <a:spcBef>
-                <a:spcPts val="0"/>
-              </a:spcBef>
-              <a:spcAft>
-                <a:spcPts val="0"/>
-              </a:spcAft>
-              <a:buNone/>
-            </a:pPr>
-            <a:endParaRPr/>
-          </a:p>
-        </p:txBody>
-      </p:sp>
-      <p:sp>
-        <p:nvSpPr>
-          <p:cNvPr id="708" name="Google Shape;708;p46"/>
-          <p:cNvSpPr/>
-          <p:nvPr/>
-        </p:nvSpPr>
-        <p:spPr>
-          <a:xfrm flipH="1">
-            <a:off x="1198727" y="4037295"/>
-            <a:ext cx="497188" cy="133894"/>
-          </a:xfrm>
-          <a:custGeom>
-            <a:avLst/>
-            <a:gdLst/>
-            <a:ahLst/>
-            <a:cxnLst/>
-            <a:rect l="l" t="t" r="r" b="b"/>
-            <a:pathLst>
-              <a:path w="30813" h="8298" extrusionOk="0">
-                <a:moveTo>
-                  <a:pt x="0" y="1"/>
-                </a:moveTo>
-                <a:lnTo>
-                  <a:pt x="0" y="8297"/>
-                </a:lnTo>
-                <a:lnTo>
-                  <a:pt x="30813" y="8297"/>
-                </a:lnTo>
-                <a:lnTo>
-                  <a:pt x="30813" y="1"/>
-                </a:lnTo>
-                <a:close/>
-              </a:path>
-            </a:pathLst>
-          </a:custGeom>
-          <a:solidFill>
-            <a:schemeClr val="dk2"/>
-          </a:solidFill>
-          <a:ln>
-            <a:noFill/>
-          </a:ln>
-        </p:spPr>
-        <p:txBody>
-          <a:bodyPr spcFirstLastPara="1" wrap="square" lIns="91425" tIns="91425" rIns="91425" bIns="91425" anchor="ctr" anchorCtr="0">
-            <a:noAutofit/>
-          </a:bodyPr>
-          <a:lstStyle/>
-          <a:p>
-            <a:pPr marL="0" lvl="0" indent="0" algn="l" rtl="0">
-              <a:spcBef>
-                <a:spcPts val="0"/>
-              </a:spcBef>
-              <a:spcAft>
-                <a:spcPts val="0"/>
-              </a:spcAft>
-              <a:buNone/>
-            </a:pPr>
-            <a:endParaRPr/>
-          </a:p>
-        </p:txBody>
-      </p:sp>
-      <p:sp>
-        <p:nvSpPr>
-          <p:cNvPr id="709" name="Google Shape;709;p46"/>
-          <p:cNvSpPr/>
-          <p:nvPr/>
-        </p:nvSpPr>
-        <p:spPr>
-          <a:xfrm flipH="1">
-            <a:off x="5505" y="4037295"/>
-            <a:ext cx="579996" cy="133894"/>
-          </a:xfrm>
-          <a:custGeom>
-            <a:avLst/>
-            <a:gdLst/>
-            <a:ahLst/>
-            <a:cxnLst/>
-            <a:rect l="l" t="t" r="r" b="b"/>
-            <a:pathLst>
-              <a:path w="35945" h="8298" extrusionOk="0">
-                <a:moveTo>
-                  <a:pt x="1" y="1"/>
-                </a:moveTo>
-                <a:lnTo>
-                  <a:pt x="1" y="8297"/>
-                </a:lnTo>
-                <a:lnTo>
-                  <a:pt x="35945" y="8297"/>
-                </a:lnTo>
-                <a:lnTo>
-                  <a:pt x="35945" y="1"/>
-                </a:lnTo>
-                <a:close/>
-              </a:path>
-            </a:pathLst>
-          </a:custGeom>
-          <a:solidFill>
-            <a:schemeClr val="lt2"/>
-          </a:solidFill>
-          <a:ln>
-            <a:noFill/>
-          </a:ln>
-        </p:spPr>
-        <p:txBody>
-          <a:bodyPr spcFirstLastPara="1" wrap="square" lIns="91425" tIns="91425" rIns="91425" bIns="91425" anchor="ctr" anchorCtr="0">
-            <a:noAutofit/>
-          </a:bodyPr>
-          <a:lstStyle/>
-          <a:p>
-            <a:pPr marL="0" lvl="0" indent="0" algn="l" rtl="0">
-              <a:spcBef>
-                <a:spcPts val="0"/>
-              </a:spcBef>
-              <a:spcAft>
-                <a:spcPts val="0"/>
-              </a:spcAft>
-              <a:buNone/>
-            </a:pPr>
-            <a:endParaRPr/>
-          </a:p>
-        </p:txBody>
-      </p:sp>
-      <p:sp>
-        <p:nvSpPr>
-          <p:cNvPr id="710" name="Google Shape;710;p46"/>
-          <p:cNvSpPr/>
-          <p:nvPr/>
-        </p:nvSpPr>
-        <p:spPr>
-          <a:xfrm flipH="1">
-            <a:off x="933688" y="4037295"/>
-            <a:ext cx="133894" cy="133894"/>
-          </a:xfrm>
-          <a:custGeom>
-            <a:avLst/>
-            <a:gdLst/>
-            <a:ahLst/>
-            <a:cxnLst/>
-            <a:rect l="l" t="t" r="r" b="b"/>
-            <a:pathLst>
-              <a:path w="8298" h="8298" extrusionOk="0">
-                <a:moveTo>
-                  <a:pt x="0" y="1"/>
-                </a:moveTo>
-                <a:lnTo>
-                  <a:pt x="0" y="8297"/>
-                </a:lnTo>
-                <a:lnTo>
-                  <a:pt x="8297" y="8297"/>
-                </a:lnTo>
-                <a:lnTo>
-                  <a:pt x="8297" y="1"/>
-                </a:lnTo>
-                <a:close/>
-              </a:path>
-            </a:pathLst>
-          </a:custGeom>
-          <a:solidFill>
-            <a:srgbClr val="FFFFFF">
-              <a:alpha val="31370"/>
-            </a:srgbClr>
-          </a:solidFill>
-          <a:ln>
-            <a:noFill/>
-          </a:ln>
-        </p:spPr>
-        <p:txBody>
-          <a:bodyPr spcFirstLastPara="1" wrap="square" lIns="91425" tIns="91425" rIns="91425" bIns="91425" anchor="ctr" anchorCtr="0">
-            <a:noAutofit/>
-          </a:bodyPr>
-          <a:lstStyle/>
-          <a:p>
-            <a:pPr marL="0" lvl="0" indent="0" algn="l" rtl="0">
-              <a:spcBef>
-                <a:spcPts val="0"/>
-              </a:spcBef>
-              <a:spcAft>
-                <a:spcPts val="0"/>
-              </a:spcAft>
-              <a:buNone/>
-            </a:pPr>
-            <a:endParaRPr/>
-          </a:p>
-        </p:txBody>
-      </p:sp>
-      <p:sp>
-        <p:nvSpPr>
-          <p:cNvPr id="711" name="Google Shape;711;p46"/>
-          <p:cNvSpPr/>
-          <p:nvPr/>
-        </p:nvSpPr>
-        <p:spPr>
-          <a:xfrm flipH="1">
-            <a:off x="720893" y="4037295"/>
-            <a:ext cx="133894" cy="133894"/>
-          </a:xfrm>
-          <a:custGeom>
-            <a:avLst/>
-            <a:gdLst/>
-            <a:ahLst/>
-            <a:cxnLst/>
-            <a:rect l="l" t="t" r="r" b="b"/>
-            <a:pathLst>
-              <a:path w="8298" h="8298" extrusionOk="0">
-                <a:moveTo>
-                  <a:pt x="1" y="1"/>
-                </a:moveTo>
-                <a:lnTo>
-                  <a:pt x="1" y="8297"/>
-                </a:lnTo>
-                <a:lnTo>
-                  <a:pt x="8297" y="8297"/>
-                </a:lnTo>
-                <a:lnTo>
-                  <a:pt x="8297" y="1"/>
-                </a:lnTo>
-                <a:close/>
-              </a:path>
-            </a:pathLst>
-          </a:custGeom>
-          <a:solidFill>
-            <a:schemeClr val="lt1"/>
-          </a:solidFill>
-          <a:ln>
-            <a:noFill/>
-          </a:ln>
-        </p:spPr>
-        <p:txBody>
-          <a:bodyPr spcFirstLastPara="1" wrap="square" lIns="91425" tIns="91425" rIns="91425" bIns="91425" anchor="ctr" anchorCtr="0">
-            <a:noAutofit/>
-          </a:bodyPr>
-          <a:lstStyle/>
-          <a:p>
-            <a:pPr marL="0" lvl="0" indent="0" algn="l" rtl="0">
-              <a:spcBef>
-                <a:spcPts val="0"/>
-              </a:spcBef>
-              <a:spcAft>
-                <a:spcPts val="0"/>
-              </a:spcAft>
-              <a:buNone/>
-            </a:pPr>
-            <a:endParaRPr/>
-          </a:p>
-        </p:txBody>
-      </p:sp>
-      <p:sp>
-        <p:nvSpPr>
-          <p:cNvPr id="712" name="Google Shape;712;p46"/>
-          <p:cNvSpPr/>
-          <p:nvPr/>
-        </p:nvSpPr>
-        <p:spPr>
-          <a:xfrm flipH="1">
-            <a:off x="5508" y="4258997"/>
-            <a:ext cx="133878" cy="133894"/>
-          </a:xfrm>
-          <a:custGeom>
-            <a:avLst/>
-            <a:gdLst/>
-            <a:ahLst/>
-            <a:cxnLst/>
-            <a:rect l="l" t="t" r="r" b="b"/>
-            <a:pathLst>
-              <a:path w="8297" h="8298" extrusionOk="0">
-                <a:moveTo>
-                  <a:pt x="0" y="0"/>
-                </a:moveTo>
-                <a:lnTo>
-                  <a:pt x="0" y="8297"/>
-                </a:lnTo>
-                <a:lnTo>
-                  <a:pt x="8297" y="8297"/>
-                </a:lnTo>
-                <a:lnTo>
-                  <a:pt x="8297" y="0"/>
-                </a:lnTo>
-                <a:close/>
-              </a:path>
-            </a:pathLst>
-          </a:custGeom>
-          <a:solidFill>
-            <a:schemeClr val="lt1"/>
-          </a:solidFill>
-          <a:ln>
-            <a:noFill/>
-          </a:ln>
-        </p:spPr>
-        <p:txBody>
-          <a:bodyPr spcFirstLastPara="1" wrap="square" lIns="91425" tIns="91425" rIns="91425" bIns="91425" anchor="ctr" anchorCtr="0">
-            <a:noAutofit/>
-          </a:bodyPr>
-          <a:lstStyle/>
-          <a:p>
-            <a:pPr marL="0" lvl="0" indent="0" algn="l" rtl="0">
-              <a:spcBef>
-                <a:spcPts val="0"/>
-              </a:spcBef>
-              <a:spcAft>
-                <a:spcPts val="0"/>
-              </a:spcAft>
-              <a:buNone/>
-            </a:pPr>
-            <a:endParaRPr/>
-          </a:p>
-        </p:txBody>
-      </p:sp>
-      <p:sp>
-        <p:nvSpPr>
-          <p:cNvPr id="713" name="Google Shape;713;p46"/>
-          <p:cNvSpPr/>
-          <p:nvPr/>
-        </p:nvSpPr>
-        <p:spPr>
-          <a:xfrm flipH="1">
-            <a:off x="246918" y="4258997"/>
-            <a:ext cx="1367368" cy="133894"/>
-          </a:xfrm>
-          <a:custGeom>
-            <a:avLst/>
-            <a:gdLst/>
-            <a:ahLst/>
-            <a:cxnLst/>
-            <a:rect l="l" t="t" r="r" b="b"/>
-            <a:pathLst>
-              <a:path w="84742" h="8298" extrusionOk="0">
-                <a:moveTo>
-                  <a:pt x="1" y="0"/>
-                </a:moveTo>
-                <a:lnTo>
-                  <a:pt x="1" y="8297"/>
-                </a:lnTo>
-                <a:lnTo>
-                  <a:pt x="84741" y="8297"/>
-                </a:lnTo>
-                <a:lnTo>
-                  <a:pt x="84741" y="0"/>
-                </a:lnTo>
-                <a:close/>
-              </a:path>
-            </a:pathLst>
-          </a:custGeom>
-          <a:solidFill>
-            <a:schemeClr val="dk2"/>
-          </a:solidFill>
-          <a:ln>
-            <a:noFill/>
-          </a:ln>
-        </p:spPr>
-        <p:txBody>
-          <a:bodyPr spcFirstLastPara="1" wrap="square" lIns="91425" tIns="91425" rIns="91425" bIns="91425" anchor="ctr" anchorCtr="0">
-            <a:noAutofit/>
-          </a:bodyPr>
-          <a:lstStyle/>
-          <a:p>
-            <a:pPr marL="0" lvl="0" indent="0" algn="l" rtl="0">
-              <a:spcBef>
-                <a:spcPts val="0"/>
-              </a:spcBef>
-              <a:spcAft>
-                <a:spcPts val="0"/>
-              </a:spcAft>
-              <a:buNone/>
-            </a:pPr>
-            <a:endParaRPr/>
-          </a:p>
-        </p:txBody>
-      </p:sp>
-      <p:cxnSp>
-        <p:nvCxnSpPr>
-          <p:cNvPr id="714" name="Google Shape;714;p46"/>
-          <p:cNvCxnSpPr>
-            <a:cxnSpLocks/>
-          </p:cNvCxnSpPr>
-          <p:nvPr/>
-        </p:nvCxnSpPr>
-        <p:spPr>
-          <a:xfrm flipV="1">
-            <a:off x="3351874" y="1194033"/>
-            <a:ext cx="1879500" cy="1703442"/>
-          </a:xfrm>
-          <a:prstGeom prst="bentConnector3">
-            <a:avLst>
-              <a:gd name="adj1" fmla="val 50000"/>
-            </a:avLst>
-          </a:prstGeom>
-          <a:noFill/>
-          <a:ln w="28575" cap="flat" cmpd="sng">
-            <a:solidFill>
-              <a:schemeClr val="lt1"/>
-            </a:solidFill>
-            <a:prstDash val="solid"/>
-            <a:round/>
-            <a:headEnd type="none" w="med" len="med"/>
-            <a:tailEnd type="oval" w="med" len="med"/>
-          </a:ln>
-        </p:spPr>
-      </p:cxnSp>
-      <p:cxnSp>
-        <p:nvCxnSpPr>
-          <p:cNvPr id="715" name="Google Shape;715;p46"/>
-          <p:cNvCxnSpPr>
-            <a:cxnSpLocks/>
-          </p:cNvCxnSpPr>
-          <p:nvPr/>
-        </p:nvCxnSpPr>
-        <p:spPr>
-          <a:xfrm flipV="1">
-            <a:off x="3351874" y="2337856"/>
-            <a:ext cx="1879500" cy="559619"/>
-          </a:xfrm>
-          <a:prstGeom prst="bentConnector3">
-            <a:avLst>
-              <a:gd name="adj1" fmla="val 50000"/>
-            </a:avLst>
-          </a:prstGeom>
-          <a:noFill/>
-          <a:ln w="28575" cap="flat" cmpd="sng">
-            <a:solidFill>
-              <a:schemeClr val="lt1"/>
-            </a:solidFill>
-            <a:prstDash val="solid"/>
-            <a:round/>
-            <a:headEnd type="none" w="med" len="med"/>
-            <a:tailEnd type="oval" w="med" len="med"/>
-          </a:ln>
-        </p:spPr>
-      </p:cxnSp>
-      <p:cxnSp>
-        <p:nvCxnSpPr>
-          <p:cNvPr id="716" name="Google Shape;716;p46"/>
-          <p:cNvCxnSpPr/>
-          <p:nvPr/>
-        </p:nvCxnSpPr>
-        <p:spPr>
-          <a:xfrm>
-            <a:off x="3351874" y="2897475"/>
-            <a:ext cx="1879500" cy="442200"/>
-          </a:xfrm>
-          <a:prstGeom prst="bentConnector3">
-            <a:avLst>
-              <a:gd name="adj1" fmla="val 50000"/>
-            </a:avLst>
-          </a:prstGeom>
-          <a:noFill/>
-          <a:ln w="28575" cap="flat" cmpd="sng">
-            <a:solidFill>
-              <a:schemeClr val="lt1"/>
-            </a:solidFill>
-            <a:prstDash val="solid"/>
-            <a:round/>
-            <a:headEnd type="none" w="med" len="med"/>
-            <a:tailEnd type="oval" w="med" len="med"/>
-          </a:ln>
-        </p:spPr>
-      </p:cxnSp>
-      <p:cxnSp>
-        <p:nvCxnSpPr>
-          <p:cNvPr id="717" name="Google Shape;717;p46"/>
-          <p:cNvCxnSpPr/>
-          <p:nvPr/>
-        </p:nvCxnSpPr>
-        <p:spPr>
-          <a:xfrm>
-            <a:off x="3351874" y="2897513"/>
-            <a:ext cx="1879500" cy="1326900"/>
-          </a:xfrm>
-          <a:prstGeom prst="bentConnector3">
-            <a:avLst>
-              <a:gd name="adj1" fmla="val 50000"/>
-            </a:avLst>
-          </a:prstGeom>
-          <a:noFill/>
-          <a:ln w="28575" cap="flat" cmpd="sng">
-            <a:solidFill>
-              <a:schemeClr val="lt1"/>
-            </a:solidFill>
-            <a:prstDash val="solid"/>
-            <a:round/>
-            <a:headEnd type="none" w="med" len="med"/>
-            <a:tailEnd type="oval" w="med" len="med"/>
-          </a:ln>
-        </p:spPr>
-      </p:cxnSp>
-      <p:cxnSp>
-        <p:nvCxnSpPr>
-          <p:cNvPr id="5" name="Google Shape;714;p46">
-            <a:extLst>
-              <a:ext uri="{FF2B5EF4-FFF2-40B4-BE49-F238E27FC236}">
-                <a16:creationId xmlns:a16="http://schemas.microsoft.com/office/drawing/2014/main" id="{D6CF81FB-45B9-051C-192C-8FE3469CB589}"/>
-              </a:ext>
-            </a:extLst>
-          </p:cNvPr>
-          <p:cNvCxnSpPr>
-            <a:cxnSpLocks/>
-          </p:cNvCxnSpPr>
-          <p:nvPr/>
-        </p:nvCxnSpPr>
-        <p:spPr>
-          <a:xfrm flipV="1">
-            <a:off x="3341115" y="1813814"/>
-            <a:ext cx="1890259" cy="1097130"/>
-          </a:xfrm>
-          <a:prstGeom prst="bentConnector3">
-            <a:avLst>
-              <a:gd name="adj1" fmla="val 50000"/>
-            </a:avLst>
-          </a:prstGeom>
-          <a:noFill/>
-          <a:ln w="28575" cap="flat" cmpd="sng">
-            <a:solidFill>
-              <a:schemeClr val="lt1"/>
-            </a:solidFill>
-            <a:prstDash val="solid"/>
-            <a:round/>
-            <a:headEnd type="none" w="med" len="med"/>
-            <a:tailEnd type="oval" w="med" len="med"/>
-          </a:ln>
-        </p:spPr>
-      </p:cxnSp>
-      <p:cxnSp>
-        <p:nvCxnSpPr>
-          <p:cNvPr id="9" name="Google Shape;716;p46">
-            <a:extLst>
-              <a:ext uri="{FF2B5EF4-FFF2-40B4-BE49-F238E27FC236}">
-                <a16:creationId xmlns:a16="http://schemas.microsoft.com/office/drawing/2014/main" id="{0029E526-57B9-B7F0-B7D4-B2C1818F209C}"/>
-              </a:ext>
-            </a:extLst>
-          </p:cNvPr>
-          <p:cNvCxnSpPr>
-            <a:cxnSpLocks/>
-            <a:stCxn id="692" idx="3"/>
-          </p:cNvCxnSpPr>
-          <p:nvPr/>
-        </p:nvCxnSpPr>
-        <p:spPr>
-          <a:xfrm flipV="1">
-            <a:off x="3504300" y="2897452"/>
-            <a:ext cx="1737833" cy="42"/>
-          </a:xfrm>
-          <a:prstGeom prst="bentConnector3">
-            <a:avLst>
-              <a:gd name="adj1" fmla="val 50000"/>
-            </a:avLst>
-          </a:prstGeom>
-          <a:noFill/>
-          <a:ln w="28575" cap="flat" cmpd="sng">
-            <a:solidFill>
-              <a:schemeClr val="lt1"/>
-            </a:solidFill>
-            <a:prstDash val="solid"/>
-            <a:round/>
-            <a:headEnd type="none" w="med" len="med"/>
-            <a:tailEnd type="oval" w="med" len="med"/>
-          </a:ln>
-        </p:spPr>
-      </p:cxnSp>
-      <p:cxnSp>
-        <p:nvCxnSpPr>
-          <p:cNvPr id="16" name="Google Shape;717;p46">
-            <a:extLst>
-              <a:ext uri="{FF2B5EF4-FFF2-40B4-BE49-F238E27FC236}">
-                <a16:creationId xmlns:a16="http://schemas.microsoft.com/office/drawing/2014/main" id="{FB9A5404-F8D7-1B82-D925-6FB56BD24E7F}"/>
-              </a:ext>
-            </a:extLst>
-          </p:cNvPr>
-          <p:cNvCxnSpPr>
-            <a:cxnSpLocks/>
-          </p:cNvCxnSpPr>
-          <p:nvPr/>
-        </p:nvCxnSpPr>
-        <p:spPr>
-          <a:xfrm>
-            <a:off x="3351874" y="2897452"/>
-            <a:ext cx="1889206" cy="915368"/>
-          </a:xfrm>
-          <a:prstGeom prst="bentConnector3">
-            <a:avLst>
-              <a:gd name="adj1" fmla="val 50000"/>
-            </a:avLst>
-          </a:prstGeom>
-          <a:noFill/>
-          <a:ln w="28575" cap="flat" cmpd="sng">
-            <a:solidFill>
-              <a:schemeClr val="lt1"/>
-            </a:solidFill>
-            <a:prstDash val="solid"/>
-            <a:round/>
-            <a:headEnd type="none" w="med" len="med"/>
-            <a:tailEnd type="oval" w="med" len="med"/>
-          </a:ln>
-        </p:spPr>
-      </p:cxnSp>
-      <p:sp>
-        <p:nvSpPr>
-          <p:cNvPr id="22" name="Google Shape;701;p46">
-            <a:extLst>
-              <a:ext uri="{FF2B5EF4-FFF2-40B4-BE49-F238E27FC236}">
-                <a16:creationId xmlns:a16="http://schemas.microsoft.com/office/drawing/2014/main" id="{ECDD3E90-1A79-B6BB-A5D7-308A15CA2578}"/>
-              </a:ext>
-            </a:extLst>
-          </p:cNvPr>
-          <p:cNvSpPr txBox="1">
-            <a:spLocks/>
-          </p:cNvSpPr>
-          <p:nvPr/>
-        </p:nvSpPr>
-        <p:spPr>
-          <a:xfrm flipH="1">
-            <a:off x="5409630" y="3216867"/>
-            <a:ext cx="2697600" cy="274200"/>
-          </a:xfrm>
-          <a:prstGeom prst="rect">
-            <a:avLst/>
-          </a:prstGeom>
-          <a:noFill/>
-          <a:ln>
-            <a:noFill/>
-          </a:ln>
-        </p:spPr>
-        <p:txBody>
-          <a:bodyPr spcFirstLastPara="1" wrap="square" lIns="91425" tIns="0" rIns="91425" bIns="0" anchor="ctr" anchorCtr="0">
-            <a:noAutofit/>
-          </a:bodyPr>
-          <a:lstStyle>
-            <a:defPPr marR="0" lvl="0" algn="l" rtl="0">
-              <a:lnSpc>
-                <a:spcPct val="100000"/>
-              </a:lnSpc>
-              <a:spcBef>
-                <a:spcPts val="0"/>
-              </a:spcBef>
-              <a:spcAft>
-                <a:spcPts val="0"/>
-              </a:spcAft>
-            </a:defPPr>
-            <a:lvl1pPr marR="0" lvl="0" algn="l" rtl="0">
-              <a:lnSpc>
-                <a:spcPct val="100000"/>
-              </a:lnSpc>
-              <a:spcBef>
-                <a:spcPts val="0"/>
-              </a:spcBef>
-              <a:spcAft>
-                <a:spcPts val="0"/>
-              </a:spcAft>
-              <a:buClr>
-                <a:schemeClr val="lt1"/>
-              </a:buClr>
-              <a:buSzPts val="2800"/>
-              <a:buFont typeface="Overpass Mono"/>
-              <a:buNone/>
-              <a:defRPr sz="2800" b="1" i="0" u="none" strike="noStrike" cap="none">
-                <a:solidFill>
-                  <a:schemeClr val="lt1"/>
-                </a:solidFill>
-                <a:latin typeface="Overpass Mono"/>
-                <a:ea typeface="Overpass Mono"/>
-                <a:cs typeface="Overpass Mono"/>
-                <a:sym typeface="Overpass Mono"/>
-              </a:defRPr>
-            </a:lvl1pPr>
-            <a:lvl2pPr marR="0" lvl="1" algn="l" rtl="0">
-              <a:lnSpc>
-                <a:spcPct val="100000"/>
-              </a:lnSpc>
-              <a:spcBef>
-                <a:spcPts val="0"/>
-              </a:spcBef>
-              <a:spcAft>
-                <a:spcPts val="0"/>
-              </a:spcAft>
-              <a:buClr>
-                <a:schemeClr val="dk1"/>
-              </a:buClr>
-              <a:buSzPts val="2800"/>
-              <a:buFont typeface="Arial"/>
-              <a:buNone/>
-              <a:defRPr sz="2800" b="0" i="0" u="none" strike="noStrike" cap="none">
-                <a:solidFill>
-                  <a:schemeClr val="dk1"/>
-                </a:solidFill>
-                <a:latin typeface="Arial"/>
-                <a:ea typeface="Arial"/>
-                <a:cs typeface="Arial"/>
-                <a:sym typeface="Arial"/>
-              </a:defRPr>
-            </a:lvl2pPr>
-            <a:lvl3pPr marR="0" lvl="2" algn="l" rtl="0">
-              <a:lnSpc>
-                <a:spcPct val="100000"/>
-              </a:lnSpc>
-              <a:spcBef>
-                <a:spcPts val="0"/>
-              </a:spcBef>
-              <a:spcAft>
-                <a:spcPts val="0"/>
-              </a:spcAft>
-              <a:buClr>
-                <a:schemeClr val="dk1"/>
-              </a:buClr>
-              <a:buSzPts val="2800"/>
-              <a:buFont typeface="Arial"/>
-              <a:buNone/>
-              <a:defRPr sz="2800" b="0" i="0" u="none" strike="noStrike" cap="none">
-                <a:solidFill>
-                  <a:schemeClr val="dk1"/>
-                </a:solidFill>
-                <a:latin typeface="Arial"/>
-                <a:ea typeface="Arial"/>
-                <a:cs typeface="Arial"/>
-                <a:sym typeface="Arial"/>
-              </a:defRPr>
-            </a:lvl3pPr>
-            <a:lvl4pPr marR="0" lvl="3" algn="l" rtl="0">
-              <a:lnSpc>
-                <a:spcPct val="100000"/>
-              </a:lnSpc>
-              <a:spcBef>
-                <a:spcPts val="0"/>
-              </a:spcBef>
-              <a:spcAft>
-                <a:spcPts val="0"/>
-              </a:spcAft>
-              <a:buClr>
-                <a:schemeClr val="dk1"/>
-              </a:buClr>
-              <a:buSzPts val="2800"/>
-              <a:buFont typeface="Arial"/>
-              <a:buNone/>
-              <a:defRPr sz="2800" b="0" i="0" u="none" strike="noStrike" cap="none">
-                <a:solidFill>
-                  <a:schemeClr val="dk1"/>
-                </a:solidFill>
-                <a:latin typeface="Arial"/>
-                <a:ea typeface="Arial"/>
-                <a:cs typeface="Arial"/>
-                <a:sym typeface="Arial"/>
-              </a:defRPr>
-            </a:lvl4pPr>
-            <a:lvl5pPr marR="0" lvl="4" algn="l" rtl="0">
-              <a:lnSpc>
-                <a:spcPct val="100000"/>
-              </a:lnSpc>
-              <a:spcBef>
-                <a:spcPts val="0"/>
-              </a:spcBef>
-              <a:spcAft>
-                <a:spcPts val="0"/>
-              </a:spcAft>
-              <a:buClr>
-                <a:schemeClr val="dk1"/>
-              </a:buClr>
-              <a:buSzPts val="2800"/>
-              <a:buFont typeface="Arial"/>
-              <a:buNone/>
-              <a:defRPr sz="2800" b="0" i="0" u="none" strike="noStrike" cap="none">
-                <a:solidFill>
-                  <a:schemeClr val="dk1"/>
-                </a:solidFill>
-                <a:latin typeface="Arial"/>
-                <a:ea typeface="Arial"/>
-                <a:cs typeface="Arial"/>
-                <a:sym typeface="Arial"/>
-              </a:defRPr>
-            </a:lvl5pPr>
-            <a:lvl6pPr marR="0" lvl="5" algn="l" rtl="0">
-              <a:lnSpc>
-                <a:spcPct val="100000"/>
-              </a:lnSpc>
-              <a:spcBef>
-                <a:spcPts val="0"/>
-              </a:spcBef>
-              <a:spcAft>
-                <a:spcPts val="0"/>
-              </a:spcAft>
-              <a:buClr>
-                <a:schemeClr val="dk1"/>
-              </a:buClr>
-              <a:buSzPts val="2800"/>
-              <a:buFont typeface="Arial"/>
-              <a:buNone/>
-              <a:defRPr sz="2800" b="0" i="0" u="none" strike="noStrike" cap="none">
-                <a:solidFill>
-                  <a:schemeClr val="dk1"/>
-                </a:solidFill>
-                <a:latin typeface="Arial"/>
-                <a:ea typeface="Arial"/>
-                <a:cs typeface="Arial"/>
-                <a:sym typeface="Arial"/>
-              </a:defRPr>
-            </a:lvl6pPr>
-            <a:lvl7pPr marR="0" lvl="6" algn="l" rtl="0">
-              <a:lnSpc>
-                <a:spcPct val="100000"/>
-              </a:lnSpc>
-              <a:spcBef>
-                <a:spcPts val="0"/>
-              </a:spcBef>
-              <a:spcAft>
-                <a:spcPts val="0"/>
-              </a:spcAft>
-              <a:buClr>
-                <a:schemeClr val="dk1"/>
-              </a:buClr>
-              <a:buSzPts val="2800"/>
-              <a:buFont typeface="Arial"/>
-              <a:buNone/>
-              <a:defRPr sz="2800" b="0" i="0" u="none" strike="noStrike" cap="none">
-                <a:solidFill>
-                  <a:schemeClr val="dk1"/>
-                </a:solidFill>
-                <a:latin typeface="Arial"/>
-                <a:ea typeface="Arial"/>
-                <a:cs typeface="Arial"/>
-                <a:sym typeface="Arial"/>
-              </a:defRPr>
-            </a:lvl7pPr>
-            <a:lvl8pPr marR="0" lvl="7" algn="l" rtl="0">
-              <a:lnSpc>
-                <a:spcPct val="100000"/>
-              </a:lnSpc>
-              <a:spcBef>
-                <a:spcPts val="0"/>
-              </a:spcBef>
-              <a:spcAft>
-                <a:spcPts val="0"/>
-              </a:spcAft>
-              <a:buClr>
-                <a:schemeClr val="dk1"/>
-              </a:buClr>
-              <a:buSzPts val="2800"/>
-              <a:buFont typeface="Arial"/>
-              <a:buNone/>
-              <a:defRPr sz="2800" b="0" i="0" u="none" strike="noStrike" cap="none">
-                <a:solidFill>
-                  <a:schemeClr val="dk1"/>
-                </a:solidFill>
-                <a:latin typeface="Arial"/>
-                <a:ea typeface="Arial"/>
-                <a:cs typeface="Arial"/>
-                <a:sym typeface="Arial"/>
-              </a:defRPr>
-            </a:lvl8pPr>
-            <a:lvl9pPr marR="0" lvl="8" algn="l" rtl="0">
-              <a:lnSpc>
-                <a:spcPct val="100000"/>
-              </a:lnSpc>
-              <a:spcBef>
-                <a:spcPts val="0"/>
-              </a:spcBef>
-              <a:spcAft>
-                <a:spcPts val="0"/>
-              </a:spcAft>
-              <a:buClr>
-                <a:schemeClr val="dk1"/>
-              </a:buClr>
-              <a:buSzPts val="2800"/>
-              <a:buFont typeface="Arial"/>
-              <a:buNone/>
-              <a:defRPr sz="2800" b="0" i="0" u="none" strike="noStrike" cap="none">
-                <a:solidFill>
-                  <a:schemeClr val="dk1"/>
-                </a:solidFill>
-                <a:latin typeface="Arial"/>
-                <a:ea typeface="Arial"/>
-                <a:cs typeface="Arial"/>
-                <a:sym typeface="Arial"/>
-              </a:defRPr>
-            </a:lvl9pPr>
-          </a:lstStyle>
-          <a:p>
-            <a:r>
-              <a:rPr lang="el-GR" sz="2200" dirty="0">
-                <a:solidFill>
-                  <a:schemeClr val="dk2"/>
-                </a:solidFill>
-              </a:rPr>
-              <a:t>Υπόλοιπο %</a:t>
-            </a:r>
-            <a:endParaRPr lang="en-US" sz="2200" dirty="0">
-              <a:solidFill>
-                <a:schemeClr val="dk2"/>
-              </a:solidFill>
-            </a:endParaRPr>
-          </a:p>
-        </p:txBody>
-      </p:sp>
-      <p:sp>
-        <p:nvSpPr>
-          <p:cNvPr id="23" name="Google Shape;701;p46">
-            <a:extLst>
-              <a:ext uri="{FF2B5EF4-FFF2-40B4-BE49-F238E27FC236}">
-                <a16:creationId xmlns:a16="http://schemas.microsoft.com/office/drawing/2014/main" id="{CE97FF9A-89EB-762E-B810-682C15ABA976}"/>
-              </a:ext>
-            </a:extLst>
-          </p:cNvPr>
-          <p:cNvSpPr txBox="1">
-            <a:spLocks/>
-          </p:cNvSpPr>
-          <p:nvPr/>
-        </p:nvSpPr>
-        <p:spPr>
-          <a:xfrm flipH="1">
-            <a:off x="5386983" y="3653986"/>
-            <a:ext cx="2697600" cy="274200"/>
-          </a:xfrm>
-          <a:prstGeom prst="rect">
-            <a:avLst/>
-          </a:prstGeom>
-          <a:noFill/>
-          <a:ln>
-            <a:noFill/>
-          </a:ln>
-        </p:spPr>
-        <p:txBody>
-          <a:bodyPr spcFirstLastPara="1" wrap="square" lIns="91425" tIns="0" rIns="91425" bIns="0" anchor="ctr" anchorCtr="0">
-            <a:noAutofit/>
-          </a:bodyPr>
-          <a:lstStyle>
-            <a:defPPr marR="0" lvl="0" algn="l" rtl="0">
-              <a:lnSpc>
-                <a:spcPct val="100000"/>
-              </a:lnSpc>
-              <a:spcBef>
-                <a:spcPts val="0"/>
-              </a:spcBef>
-              <a:spcAft>
-                <a:spcPts val="0"/>
-              </a:spcAft>
-            </a:defPPr>
-            <a:lvl1pPr marR="0" lvl="0" algn="l" rtl="0">
-              <a:lnSpc>
-                <a:spcPct val="100000"/>
-              </a:lnSpc>
-              <a:spcBef>
-                <a:spcPts val="0"/>
-              </a:spcBef>
-              <a:spcAft>
-                <a:spcPts val="0"/>
-              </a:spcAft>
-              <a:buClr>
-                <a:schemeClr val="lt1"/>
-              </a:buClr>
-              <a:buSzPts val="2800"/>
-              <a:buFont typeface="Overpass Mono"/>
-              <a:buNone/>
-              <a:defRPr sz="2800" b="1" i="0" u="none" strike="noStrike" cap="none">
-                <a:solidFill>
-                  <a:schemeClr val="lt1"/>
-                </a:solidFill>
-                <a:latin typeface="Overpass Mono"/>
-                <a:ea typeface="Overpass Mono"/>
-                <a:cs typeface="Overpass Mono"/>
-                <a:sym typeface="Overpass Mono"/>
-              </a:defRPr>
-            </a:lvl1pPr>
-            <a:lvl2pPr marR="0" lvl="1" algn="l" rtl="0">
-              <a:lnSpc>
-                <a:spcPct val="100000"/>
-              </a:lnSpc>
-              <a:spcBef>
-                <a:spcPts val="0"/>
-              </a:spcBef>
-              <a:spcAft>
-                <a:spcPts val="0"/>
-              </a:spcAft>
-              <a:buClr>
-                <a:schemeClr val="dk1"/>
-              </a:buClr>
-              <a:buSzPts val="2800"/>
-              <a:buFont typeface="Arial"/>
-              <a:buNone/>
-              <a:defRPr sz="2800" b="0" i="0" u="none" strike="noStrike" cap="none">
-                <a:solidFill>
-                  <a:schemeClr val="dk1"/>
-                </a:solidFill>
-                <a:latin typeface="Arial"/>
-                <a:ea typeface="Arial"/>
-                <a:cs typeface="Arial"/>
-                <a:sym typeface="Arial"/>
-              </a:defRPr>
-            </a:lvl2pPr>
-            <a:lvl3pPr marR="0" lvl="2" algn="l" rtl="0">
-              <a:lnSpc>
-                <a:spcPct val="100000"/>
-              </a:lnSpc>
-              <a:spcBef>
-                <a:spcPts val="0"/>
-              </a:spcBef>
-              <a:spcAft>
-                <a:spcPts val="0"/>
-              </a:spcAft>
-              <a:buClr>
-                <a:schemeClr val="dk1"/>
-              </a:buClr>
-              <a:buSzPts val="2800"/>
-              <a:buFont typeface="Arial"/>
-              <a:buNone/>
-              <a:defRPr sz="2800" b="0" i="0" u="none" strike="noStrike" cap="none">
-                <a:solidFill>
-                  <a:schemeClr val="dk1"/>
-                </a:solidFill>
-                <a:latin typeface="Arial"/>
-                <a:ea typeface="Arial"/>
-                <a:cs typeface="Arial"/>
-                <a:sym typeface="Arial"/>
-              </a:defRPr>
-            </a:lvl3pPr>
-            <a:lvl4pPr marR="0" lvl="3" algn="l" rtl="0">
-              <a:lnSpc>
-                <a:spcPct val="100000"/>
-              </a:lnSpc>
-              <a:spcBef>
-                <a:spcPts val="0"/>
-              </a:spcBef>
-              <a:spcAft>
-                <a:spcPts val="0"/>
-              </a:spcAft>
-              <a:buClr>
-                <a:schemeClr val="dk1"/>
-              </a:buClr>
-              <a:buSzPts val="2800"/>
-              <a:buFont typeface="Arial"/>
-              <a:buNone/>
-              <a:defRPr sz="2800" b="0" i="0" u="none" strike="noStrike" cap="none">
-                <a:solidFill>
-                  <a:schemeClr val="dk1"/>
-                </a:solidFill>
-                <a:latin typeface="Arial"/>
-                <a:ea typeface="Arial"/>
-                <a:cs typeface="Arial"/>
-                <a:sym typeface="Arial"/>
-              </a:defRPr>
-            </a:lvl4pPr>
-            <a:lvl5pPr marR="0" lvl="4" algn="l" rtl="0">
-              <a:lnSpc>
-                <a:spcPct val="100000"/>
-              </a:lnSpc>
-              <a:spcBef>
-                <a:spcPts val="0"/>
-              </a:spcBef>
-              <a:spcAft>
-                <a:spcPts val="0"/>
-              </a:spcAft>
-              <a:buClr>
-                <a:schemeClr val="dk1"/>
-              </a:buClr>
-              <a:buSzPts val="2800"/>
-              <a:buFont typeface="Arial"/>
-              <a:buNone/>
-              <a:defRPr sz="2800" b="0" i="0" u="none" strike="noStrike" cap="none">
-                <a:solidFill>
-                  <a:schemeClr val="dk1"/>
-                </a:solidFill>
-                <a:latin typeface="Arial"/>
-                <a:ea typeface="Arial"/>
-                <a:cs typeface="Arial"/>
-                <a:sym typeface="Arial"/>
-              </a:defRPr>
-            </a:lvl5pPr>
-            <a:lvl6pPr marR="0" lvl="5" algn="l" rtl="0">
-              <a:lnSpc>
-                <a:spcPct val="100000"/>
-              </a:lnSpc>
-              <a:spcBef>
-                <a:spcPts val="0"/>
-              </a:spcBef>
-              <a:spcAft>
-                <a:spcPts val="0"/>
-              </a:spcAft>
-              <a:buClr>
-                <a:schemeClr val="dk1"/>
-              </a:buClr>
-              <a:buSzPts val="2800"/>
-              <a:buFont typeface="Arial"/>
-              <a:buNone/>
-              <a:defRPr sz="2800" b="0" i="0" u="none" strike="noStrike" cap="none">
-                <a:solidFill>
-                  <a:schemeClr val="dk1"/>
-                </a:solidFill>
-                <a:latin typeface="Arial"/>
-                <a:ea typeface="Arial"/>
-                <a:cs typeface="Arial"/>
-                <a:sym typeface="Arial"/>
-              </a:defRPr>
-            </a:lvl6pPr>
-            <a:lvl7pPr marR="0" lvl="6" algn="l" rtl="0">
-              <a:lnSpc>
-                <a:spcPct val="100000"/>
-              </a:lnSpc>
-              <a:spcBef>
-                <a:spcPts val="0"/>
-              </a:spcBef>
-              <a:spcAft>
-                <a:spcPts val="0"/>
-              </a:spcAft>
-              <a:buClr>
-                <a:schemeClr val="dk1"/>
-              </a:buClr>
-              <a:buSzPts val="2800"/>
-              <a:buFont typeface="Arial"/>
-              <a:buNone/>
-              <a:defRPr sz="2800" b="0" i="0" u="none" strike="noStrike" cap="none">
-                <a:solidFill>
-                  <a:schemeClr val="dk1"/>
-                </a:solidFill>
-                <a:latin typeface="Arial"/>
-                <a:ea typeface="Arial"/>
-                <a:cs typeface="Arial"/>
-                <a:sym typeface="Arial"/>
-              </a:defRPr>
-            </a:lvl7pPr>
-            <a:lvl8pPr marR="0" lvl="7" algn="l" rtl="0">
-              <a:lnSpc>
-                <a:spcPct val="100000"/>
-              </a:lnSpc>
-              <a:spcBef>
-                <a:spcPts val="0"/>
-              </a:spcBef>
-              <a:spcAft>
-                <a:spcPts val="0"/>
-              </a:spcAft>
-              <a:buClr>
-                <a:schemeClr val="dk1"/>
-              </a:buClr>
-              <a:buSzPts val="2800"/>
-              <a:buFont typeface="Arial"/>
-              <a:buNone/>
-              <a:defRPr sz="2800" b="0" i="0" u="none" strike="noStrike" cap="none">
-                <a:solidFill>
-                  <a:schemeClr val="dk1"/>
-                </a:solidFill>
-                <a:latin typeface="Arial"/>
-                <a:ea typeface="Arial"/>
-                <a:cs typeface="Arial"/>
-                <a:sym typeface="Arial"/>
-              </a:defRPr>
-            </a:lvl8pPr>
-            <a:lvl9pPr marR="0" lvl="8" algn="l" rtl="0">
-              <a:lnSpc>
-                <a:spcPct val="100000"/>
-              </a:lnSpc>
-              <a:spcBef>
-                <a:spcPts val="0"/>
-              </a:spcBef>
-              <a:spcAft>
-                <a:spcPts val="0"/>
-              </a:spcAft>
-              <a:buClr>
-                <a:schemeClr val="dk1"/>
-              </a:buClr>
-              <a:buSzPts val="2800"/>
-              <a:buFont typeface="Arial"/>
-              <a:buNone/>
-              <a:defRPr sz="2800" b="0" i="0" u="none" strike="noStrike" cap="none">
-                <a:solidFill>
-                  <a:schemeClr val="dk1"/>
-                </a:solidFill>
-                <a:latin typeface="Arial"/>
-                <a:ea typeface="Arial"/>
-                <a:cs typeface="Arial"/>
-                <a:sym typeface="Arial"/>
-              </a:defRPr>
-            </a:lvl9pPr>
-          </a:lstStyle>
-          <a:p>
-            <a:r>
-              <a:rPr lang="el-GR" sz="2200" dirty="0">
-                <a:solidFill>
-                  <a:schemeClr val="dk2"/>
-                </a:solidFill>
-              </a:rPr>
-              <a:t>Δύναμη **</a:t>
-            </a:r>
-            <a:endParaRPr lang="en-US" sz="2200" dirty="0">
-              <a:solidFill>
-                <a:schemeClr val="dk2"/>
-              </a:solidFill>
-            </a:endParaRPr>
-          </a:p>
-        </p:txBody>
-      </p:sp>
-      <p:sp>
-        <p:nvSpPr>
-          <p:cNvPr id="24" name="Google Shape;701;p46">
-            <a:extLst>
-              <a:ext uri="{FF2B5EF4-FFF2-40B4-BE49-F238E27FC236}">
-                <a16:creationId xmlns:a16="http://schemas.microsoft.com/office/drawing/2014/main" id="{7913482B-A023-617C-696D-C37BDFC25578}"/>
-              </a:ext>
-            </a:extLst>
-          </p:cNvPr>
-          <p:cNvSpPr txBox="1">
-            <a:spLocks/>
-          </p:cNvSpPr>
-          <p:nvPr/>
-        </p:nvSpPr>
-        <p:spPr>
-          <a:xfrm flipH="1">
-            <a:off x="5386982" y="4118690"/>
-            <a:ext cx="3510099" cy="459935"/>
-          </a:xfrm>
-          <a:prstGeom prst="rect">
-            <a:avLst/>
-          </a:prstGeom>
-          <a:noFill/>
-          <a:ln>
-            <a:noFill/>
-          </a:ln>
-        </p:spPr>
-        <p:txBody>
-          <a:bodyPr spcFirstLastPara="1" wrap="square" lIns="91425" tIns="0" rIns="91425" bIns="0" anchor="ctr" anchorCtr="0">
-            <a:noAutofit/>
-          </a:bodyPr>
-          <a:lstStyle>
-            <a:defPPr marR="0" lvl="0" algn="l" rtl="0">
-              <a:lnSpc>
-                <a:spcPct val="100000"/>
-              </a:lnSpc>
-              <a:spcBef>
-                <a:spcPts val="0"/>
-              </a:spcBef>
-              <a:spcAft>
-                <a:spcPts val="0"/>
-              </a:spcAft>
-            </a:defPPr>
-            <a:lvl1pPr marR="0" lvl="0" algn="l" rtl="0">
-              <a:lnSpc>
-                <a:spcPct val="100000"/>
-              </a:lnSpc>
-              <a:spcBef>
-                <a:spcPts val="0"/>
-              </a:spcBef>
-              <a:spcAft>
-                <a:spcPts val="0"/>
-              </a:spcAft>
-              <a:buClr>
-                <a:schemeClr val="lt1"/>
-              </a:buClr>
-              <a:buSzPts val="2800"/>
-              <a:buFont typeface="Overpass Mono"/>
-              <a:buNone/>
-              <a:defRPr sz="2800" b="1" i="0" u="none" strike="noStrike" cap="none">
-                <a:solidFill>
-                  <a:schemeClr val="lt1"/>
-                </a:solidFill>
-                <a:latin typeface="Overpass Mono"/>
-                <a:ea typeface="Overpass Mono"/>
-                <a:cs typeface="Overpass Mono"/>
-                <a:sym typeface="Overpass Mono"/>
-              </a:defRPr>
-            </a:lvl1pPr>
-            <a:lvl2pPr marR="0" lvl="1" algn="l" rtl="0">
-              <a:lnSpc>
-                <a:spcPct val="100000"/>
-              </a:lnSpc>
-              <a:spcBef>
-                <a:spcPts val="0"/>
-              </a:spcBef>
-              <a:spcAft>
-                <a:spcPts val="0"/>
-              </a:spcAft>
-              <a:buClr>
-                <a:schemeClr val="dk1"/>
-              </a:buClr>
-              <a:buSzPts val="2800"/>
-              <a:buFont typeface="Arial"/>
-              <a:buNone/>
-              <a:defRPr sz="2800" b="0" i="0" u="none" strike="noStrike" cap="none">
-                <a:solidFill>
-                  <a:schemeClr val="dk1"/>
-                </a:solidFill>
-                <a:latin typeface="Arial"/>
-                <a:ea typeface="Arial"/>
-                <a:cs typeface="Arial"/>
-                <a:sym typeface="Arial"/>
-              </a:defRPr>
-            </a:lvl2pPr>
-            <a:lvl3pPr marR="0" lvl="2" algn="l" rtl="0">
-              <a:lnSpc>
-                <a:spcPct val="100000"/>
-              </a:lnSpc>
-              <a:spcBef>
-                <a:spcPts val="0"/>
-              </a:spcBef>
-              <a:spcAft>
-                <a:spcPts val="0"/>
-              </a:spcAft>
-              <a:buClr>
-                <a:schemeClr val="dk1"/>
-              </a:buClr>
-              <a:buSzPts val="2800"/>
-              <a:buFont typeface="Arial"/>
-              <a:buNone/>
-              <a:defRPr sz="2800" b="0" i="0" u="none" strike="noStrike" cap="none">
-                <a:solidFill>
-                  <a:schemeClr val="dk1"/>
-                </a:solidFill>
-                <a:latin typeface="Arial"/>
-                <a:ea typeface="Arial"/>
-                <a:cs typeface="Arial"/>
-                <a:sym typeface="Arial"/>
-              </a:defRPr>
-            </a:lvl3pPr>
-            <a:lvl4pPr marR="0" lvl="3" algn="l" rtl="0">
-              <a:lnSpc>
-                <a:spcPct val="100000"/>
-              </a:lnSpc>
-              <a:spcBef>
-                <a:spcPts val="0"/>
-              </a:spcBef>
-              <a:spcAft>
-                <a:spcPts val="0"/>
-              </a:spcAft>
-              <a:buClr>
-                <a:schemeClr val="dk1"/>
-              </a:buClr>
-              <a:buSzPts val="2800"/>
-              <a:buFont typeface="Arial"/>
-              <a:buNone/>
-              <a:defRPr sz="2800" b="0" i="0" u="none" strike="noStrike" cap="none">
-                <a:solidFill>
-                  <a:schemeClr val="dk1"/>
-                </a:solidFill>
-                <a:latin typeface="Arial"/>
-                <a:ea typeface="Arial"/>
-                <a:cs typeface="Arial"/>
-                <a:sym typeface="Arial"/>
-              </a:defRPr>
-            </a:lvl4pPr>
-            <a:lvl5pPr marR="0" lvl="4" algn="l" rtl="0">
-              <a:lnSpc>
-                <a:spcPct val="100000"/>
-              </a:lnSpc>
-              <a:spcBef>
-                <a:spcPts val="0"/>
-              </a:spcBef>
-              <a:spcAft>
-                <a:spcPts val="0"/>
-              </a:spcAft>
-              <a:buClr>
-                <a:schemeClr val="dk1"/>
-              </a:buClr>
-              <a:buSzPts val="2800"/>
-              <a:buFont typeface="Arial"/>
-              <a:buNone/>
-              <a:defRPr sz="2800" b="0" i="0" u="none" strike="noStrike" cap="none">
-                <a:solidFill>
-                  <a:schemeClr val="dk1"/>
-                </a:solidFill>
-                <a:latin typeface="Arial"/>
-                <a:ea typeface="Arial"/>
-                <a:cs typeface="Arial"/>
-                <a:sym typeface="Arial"/>
-              </a:defRPr>
-            </a:lvl5pPr>
-            <a:lvl6pPr marR="0" lvl="5" algn="l" rtl="0">
-              <a:lnSpc>
-                <a:spcPct val="100000"/>
-              </a:lnSpc>
-              <a:spcBef>
-                <a:spcPts val="0"/>
-              </a:spcBef>
-              <a:spcAft>
-                <a:spcPts val="0"/>
-              </a:spcAft>
-              <a:buClr>
-                <a:schemeClr val="dk1"/>
-              </a:buClr>
-              <a:buSzPts val="2800"/>
-              <a:buFont typeface="Arial"/>
-              <a:buNone/>
-              <a:defRPr sz="2800" b="0" i="0" u="none" strike="noStrike" cap="none">
-                <a:solidFill>
-                  <a:schemeClr val="dk1"/>
-                </a:solidFill>
-                <a:latin typeface="Arial"/>
-                <a:ea typeface="Arial"/>
-                <a:cs typeface="Arial"/>
-                <a:sym typeface="Arial"/>
-              </a:defRPr>
-            </a:lvl6pPr>
-            <a:lvl7pPr marR="0" lvl="6" algn="l" rtl="0">
-              <a:lnSpc>
-                <a:spcPct val="100000"/>
-              </a:lnSpc>
-              <a:spcBef>
-                <a:spcPts val="0"/>
-              </a:spcBef>
-              <a:spcAft>
-                <a:spcPts val="0"/>
-              </a:spcAft>
-              <a:buClr>
-                <a:schemeClr val="dk1"/>
-              </a:buClr>
-              <a:buSzPts val="2800"/>
-              <a:buFont typeface="Arial"/>
-              <a:buNone/>
-              <a:defRPr sz="2800" b="0" i="0" u="none" strike="noStrike" cap="none">
-                <a:solidFill>
-                  <a:schemeClr val="dk1"/>
-                </a:solidFill>
-                <a:latin typeface="Arial"/>
-                <a:ea typeface="Arial"/>
-                <a:cs typeface="Arial"/>
-                <a:sym typeface="Arial"/>
-              </a:defRPr>
-            </a:lvl7pPr>
-            <a:lvl8pPr marR="0" lvl="7" algn="l" rtl="0">
-              <a:lnSpc>
-                <a:spcPct val="100000"/>
-              </a:lnSpc>
-              <a:spcBef>
-                <a:spcPts val="0"/>
-              </a:spcBef>
-              <a:spcAft>
-                <a:spcPts val="0"/>
-              </a:spcAft>
-              <a:buClr>
-                <a:schemeClr val="dk1"/>
-              </a:buClr>
-              <a:buSzPts val="2800"/>
-              <a:buFont typeface="Arial"/>
-              <a:buNone/>
-              <a:defRPr sz="2800" b="0" i="0" u="none" strike="noStrike" cap="none">
-                <a:solidFill>
-                  <a:schemeClr val="dk1"/>
-                </a:solidFill>
-                <a:latin typeface="Arial"/>
-                <a:ea typeface="Arial"/>
-                <a:cs typeface="Arial"/>
-                <a:sym typeface="Arial"/>
-              </a:defRPr>
-            </a:lvl8pPr>
-            <a:lvl9pPr marR="0" lvl="8" algn="l" rtl="0">
-              <a:lnSpc>
-                <a:spcPct val="100000"/>
-              </a:lnSpc>
-              <a:spcBef>
-                <a:spcPts val="0"/>
-              </a:spcBef>
-              <a:spcAft>
-                <a:spcPts val="0"/>
-              </a:spcAft>
-              <a:buClr>
-                <a:schemeClr val="dk1"/>
-              </a:buClr>
-              <a:buSzPts val="2800"/>
-              <a:buFont typeface="Arial"/>
-              <a:buNone/>
-              <a:defRPr sz="2800" b="0" i="0" u="none" strike="noStrike" cap="none">
-                <a:solidFill>
-                  <a:schemeClr val="dk1"/>
-                </a:solidFill>
-                <a:latin typeface="Arial"/>
-                <a:ea typeface="Arial"/>
-                <a:cs typeface="Arial"/>
-                <a:sym typeface="Arial"/>
-              </a:defRPr>
-            </a:lvl9pPr>
-          </a:lstStyle>
-          <a:p>
-            <a:r>
-              <a:rPr lang="el-GR" sz="2200" dirty="0">
-                <a:solidFill>
-                  <a:schemeClr val="dk2"/>
-                </a:solidFill>
-              </a:rPr>
-              <a:t>Ακέραια διαίρεση //</a:t>
-            </a:r>
-          </a:p>
-          <a:p>
-            <a:endParaRPr lang="en-US" sz="2200" dirty="0">
-              <a:solidFill>
-                <a:schemeClr val="dk2"/>
-              </a:solidFill>
-            </a:endParaRPr>
-          </a:p>
-        </p:txBody>
-      </p:sp>
-    </p:spTree>
-  </p:cSld>
-  <p:clrMapOvr>
-    <a:masterClrMapping/>
-  </p:clrMapOvr>
-</p:sld>
-</file>
-
-<file path=ppt/slides/slide22.xml><?xml version="1.0" encoding="utf-8"?>
-<p:sld xmlns:a="http://schemas.openxmlformats.org/drawingml/2006/main" xmlns:r="http://schemas.openxmlformats.org/officeDocument/2006/relationships" xmlns:p="http://schemas.openxmlformats.org/presentationml/2006/main">
-  <p:cSld>
-    <p:spTree>
-      <p:nvGrpSpPr>
-        <p:cNvPr id="1" name="Shape 505"/>
-        <p:cNvGrpSpPr/>
-        <p:nvPr/>
-      </p:nvGrpSpPr>
-      <p:grpSpPr>
-        <a:xfrm>
-          <a:off x="0" y="0"/>
-          <a:ext cx="0" cy="0"/>
-          <a:chOff x="0" y="0"/>
-          <a:chExt cx="0" cy="0"/>
-        </a:xfrm>
-      </p:grpSpPr>
-      <p:sp>
-        <p:nvSpPr>
-          <p:cNvPr id="507" name="Google Shape;507;p38"/>
-          <p:cNvSpPr txBox="1">
-            <a:spLocks noGrp="1"/>
-          </p:cNvSpPr>
-          <p:nvPr>
-            <p:ph type="title"/>
-          </p:nvPr>
-        </p:nvSpPr>
-        <p:spPr>
-          <a:xfrm>
-            <a:off x="437595" y="1629189"/>
-            <a:ext cx="8520600" cy="1382700"/>
-          </a:xfrm>
-          <a:prstGeom prst="rect">
-            <a:avLst/>
-          </a:prstGeom>
-        </p:spPr>
-        <p:txBody>
-          <a:bodyPr spcFirstLastPara="1" wrap="square" lIns="91425" tIns="0" rIns="91425" bIns="0" anchor="b" anchorCtr="0">
-            <a:noAutofit/>
-          </a:bodyPr>
-          <a:lstStyle/>
-          <a:p>
-            <a:pPr marL="0" lvl="0" indent="0" algn="ctr" rtl="0">
-              <a:spcBef>
-                <a:spcPts val="0"/>
-              </a:spcBef>
-              <a:spcAft>
-                <a:spcPts val="0"/>
-              </a:spcAft>
-              <a:buNone/>
-            </a:pPr>
-            <a:r>
-              <a:rPr lang="en-US" sz="7000" dirty="0"/>
-              <a:t>Lists</a:t>
-            </a:r>
-            <a:endParaRPr lang="en" sz="7000" dirty="0"/>
-          </a:p>
-        </p:txBody>
-      </p:sp>
-      <p:sp>
-        <p:nvSpPr>
-          <p:cNvPr id="4" name="Google Shape;375;p32">
-            <a:extLst>
-              <a:ext uri="{FF2B5EF4-FFF2-40B4-BE49-F238E27FC236}">
-                <a16:creationId xmlns:a16="http://schemas.microsoft.com/office/drawing/2014/main" id="{3EE3AF99-B853-16C4-779E-B08D7DBEB171}"/>
-              </a:ext>
-            </a:extLst>
-          </p:cNvPr>
-          <p:cNvSpPr txBox="1">
-            <a:spLocks/>
-          </p:cNvSpPr>
-          <p:nvPr/>
-        </p:nvSpPr>
-        <p:spPr>
-          <a:xfrm>
-            <a:off x="532995" y="1585172"/>
-            <a:ext cx="8425200" cy="489600"/>
-          </a:xfrm>
-          <a:prstGeom prst="rect">
-            <a:avLst/>
-          </a:prstGeom>
-        </p:spPr>
-        <p:txBody>
-          <a:bodyPr spcFirstLastPara="1" wrap="square" lIns="91425" tIns="0" rIns="91425" bIns="0" anchor="b" anchorCtr="0">
-            <a:noAutofit/>
-          </a:bodyPr>
-          <a:lstStyle>
-            <a:defPPr marR="0" lvl="0" algn="l" rtl="0">
-              <a:lnSpc>
-                <a:spcPct val="100000"/>
-              </a:lnSpc>
-              <a:spcBef>
-                <a:spcPts val="0"/>
-              </a:spcBef>
-              <a:spcAft>
-                <a:spcPts val="0"/>
-              </a:spcAft>
-            </a:defPPr>
-            <a:lvl1pPr marR="0" lvl="0" algn="l" rtl="0">
-              <a:lnSpc>
-                <a:spcPct val="100000"/>
-              </a:lnSpc>
-              <a:spcBef>
-                <a:spcPts val="0"/>
-              </a:spcBef>
-              <a:spcAft>
-                <a:spcPts val="0"/>
-              </a:spcAft>
-              <a:buClr>
-                <a:srgbClr val="000000"/>
-              </a:buClr>
-              <a:buFont typeface="Arial"/>
-              <a:defRPr sz="1400" b="0" i="0" u="none" strike="noStrike" cap="none">
-                <a:solidFill>
-                  <a:srgbClr val="000000"/>
-                </a:solidFill>
-                <a:latin typeface="Arial"/>
-                <a:ea typeface="Arial"/>
-                <a:cs typeface="Arial"/>
-                <a:sym typeface="Arial"/>
-              </a:defRPr>
-            </a:lvl1pPr>
-            <a:lvl2pPr marR="0" lvl="1" algn="l" rtl="0">
-              <a:lnSpc>
-                <a:spcPct val="100000"/>
-              </a:lnSpc>
-              <a:spcBef>
-                <a:spcPts val="0"/>
-              </a:spcBef>
-              <a:spcAft>
-                <a:spcPts val="0"/>
-              </a:spcAft>
-              <a:buClr>
-                <a:srgbClr val="000000"/>
-              </a:buClr>
-              <a:buFont typeface="Arial"/>
-              <a:defRPr sz="1400" b="0" i="0" u="none" strike="noStrike" cap="none">
-                <a:solidFill>
-                  <a:srgbClr val="000000"/>
-                </a:solidFill>
-                <a:latin typeface="Arial"/>
-                <a:ea typeface="Arial"/>
-                <a:cs typeface="Arial"/>
-                <a:sym typeface="Arial"/>
-              </a:defRPr>
-            </a:lvl2pPr>
-            <a:lvl3pPr marR="0" lvl="2" algn="l" rtl="0">
-              <a:lnSpc>
-                <a:spcPct val="100000"/>
-              </a:lnSpc>
-              <a:spcBef>
-                <a:spcPts val="0"/>
-              </a:spcBef>
-              <a:spcAft>
-                <a:spcPts val="0"/>
-              </a:spcAft>
-              <a:buClr>
-                <a:srgbClr val="000000"/>
-              </a:buClr>
-              <a:buFont typeface="Arial"/>
-              <a:defRPr sz="1400" b="0" i="0" u="none" strike="noStrike" cap="none">
-                <a:solidFill>
-                  <a:srgbClr val="000000"/>
-                </a:solidFill>
-                <a:latin typeface="Arial"/>
-                <a:ea typeface="Arial"/>
-                <a:cs typeface="Arial"/>
-                <a:sym typeface="Arial"/>
-              </a:defRPr>
-            </a:lvl3pPr>
-            <a:lvl4pPr marR="0" lvl="3" algn="l" rtl="0">
-              <a:lnSpc>
-                <a:spcPct val="100000"/>
-              </a:lnSpc>
-              <a:spcBef>
-                <a:spcPts val="0"/>
-              </a:spcBef>
-              <a:spcAft>
-                <a:spcPts val="0"/>
-              </a:spcAft>
-              <a:buClr>
-                <a:srgbClr val="000000"/>
-              </a:buClr>
-              <a:buFont typeface="Arial"/>
-              <a:defRPr sz="1400" b="0" i="0" u="none" strike="noStrike" cap="none">
-                <a:solidFill>
-                  <a:srgbClr val="000000"/>
-                </a:solidFill>
-                <a:latin typeface="Arial"/>
-                <a:ea typeface="Arial"/>
-                <a:cs typeface="Arial"/>
-                <a:sym typeface="Arial"/>
-              </a:defRPr>
-            </a:lvl4pPr>
-            <a:lvl5pPr marR="0" lvl="4" algn="l" rtl="0">
-              <a:lnSpc>
-                <a:spcPct val="100000"/>
-              </a:lnSpc>
-              <a:spcBef>
-                <a:spcPts val="0"/>
-              </a:spcBef>
-              <a:spcAft>
-                <a:spcPts val="0"/>
-              </a:spcAft>
-              <a:buClr>
-                <a:srgbClr val="000000"/>
-              </a:buClr>
-              <a:buFont typeface="Arial"/>
-              <a:defRPr sz="1400" b="0" i="0" u="none" strike="noStrike" cap="none">
-                <a:solidFill>
-                  <a:srgbClr val="000000"/>
-                </a:solidFill>
-                <a:latin typeface="Arial"/>
-                <a:ea typeface="Arial"/>
-                <a:cs typeface="Arial"/>
-                <a:sym typeface="Arial"/>
-              </a:defRPr>
-            </a:lvl5pPr>
-            <a:lvl6pPr marR="0" lvl="5" algn="l" rtl="0">
-              <a:lnSpc>
-                <a:spcPct val="100000"/>
-              </a:lnSpc>
-              <a:spcBef>
-                <a:spcPts val="0"/>
-              </a:spcBef>
-              <a:spcAft>
-                <a:spcPts val="0"/>
-              </a:spcAft>
-              <a:buClr>
-                <a:srgbClr val="000000"/>
-              </a:buClr>
-              <a:buFont typeface="Arial"/>
-              <a:defRPr sz="1400" b="0" i="0" u="none" strike="noStrike" cap="none">
-                <a:solidFill>
-                  <a:srgbClr val="000000"/>
-                </a:solidFill>
-                <a:latin typeface="Arial"/>
-                <a:ea typeface="Arial"/>
-                <a:cs typeface="Arial"/>
-                <a:sym typeface="Arial"/>
-              </a:defRPr>
-            </a:lvl6pPr>
-            <a:lvl7pPr marR="0" lvl="6" algn="l" rtl="0">
-              <a:lnSpc>
-                <a:spcPct val="100000"/>
-              </a:lnSpc>
-              <a:spcBef>
-                <a:spcPts val="0"/>
-              </a:spcBef>
-              <a:spcAft>
-                <a:spcPts val="0"/>
-              </a:spcAft>
-              <a:buClr>
-                <a:srgbClr val="000000"/>
-              </a:buClr>
-              <a:buFont typeface="Arial"/>
-              <a:defRPr sz="1400" b="0" i="0" u="none" strike="noStrike" cap="none">
-                <a:solidFill>
-                  <a:srgbClr val="000000"/>
-                </a:solidFill>
-                <a:latin typeface="Arial"/>
-                <a:ea typeface="Arial"/>
-                <a:cs typeface="Arial"/>
-                <a:sym typeface="Arial"/>
-              </a:defRPr>
-            </a:lvl7pPr>
-            <a:lvl8pPr marR="0" lvl="7" algn="l" rtl="0">
-              <a:lnSpc>
-                <a:spcPct val="100000"/>
-              </a:lnSpc>
-              <a:spcBef>
-                <a:spcPts val="0"/>
-              </a:spcBef>
-              <a:spcAft>
-                <a:spcPts val="0"/>
-              </a:spcAft>
-              <a:buClr>
-                <a:srgbClr val="000000"/>
-              </a:buClr>
-              <a:buFont typeface="Arial"/>
-              <a:defRPr sz="1400" b="0" i="0" u="none" strike="noStrike" cap="none">
-                <a:solidFill>
-                  <a:srgbClr val="000000"/>
-                </a:solidFill>
-                <a:latin typeface="Arial"/>
-                <a:ea typeface="Arial"/>
-                <a:cs typeface="Arial"/>
-                <a:sym typeface="Arial"/>
-              </a:defRPr>
-            </a:lvl8pPr>
-            <a:lvl9pPr marR="0" lvl="8" algn="l" rtl="0">
-              <a:lnSpc>
-                <a:spcPct val="100000"/>
-              </a:lnSpc>
-              <a:spcBef>
-                <a:spcPts val="0"/>
-              </a:spcBef>
-              <a:spcAft>
-                <a:spcPts val="0"/>
-              </a:spcAft>
-              <a:buClr>
-                <a:srgbClr val="000000"/>
-              </a:buClr>
-              <a:buFont typeface="Arial"/>
-              <a:defRPr sz="1400" b="0" i="0" u="none" strike="noStrike" cap="none">
-                <a:solidFill>
-                  <a:srgbClr val="000000"/>
-                </a:solidFill>
-                <a:latin typeface="Arial"/>
-                <a:ea typeface="Arial"/>
-                <a:cs typeface="Arial"/>
-                <a:sym typeface="Arial"/>
-              </a:defRPr>
-            </a:lvl9pPr>
-          </a:lstStyle>
-          <a:p>
-            <a:pPr algn="ctr"/>
-            <a:r>
-              <a:rPr lang="en" sz="8000" dirty="0">
-                <a:solidFill>
-                  <a:schemeClr val="bg2"/>
-                </a:solidFill>
-              </a:rPr>
-              <a:t>0</a:t>
-            </a:r>
-            <a:r>
-              <a:rPr lang="en-US" sz="8000" dirty="0">
-                <a:solidFill>
-                  <a:schemeClr val="bg2"/>
-                </a:solidFill>
-              </a:rPr>
-              <a:t>6</a:t>
-            </a:r>
-            <a:endParaRPr lang="en" sz="8000" dirty="0">
-              <a:solidFill>
-                <a:schemeClr val="bg2"/>
-              </a:solidFill>
-            </a:endParaRPr>
-          </a:p>
-        </p:txBody>
-      </p:sp>
-    </p:spTree>
-    <p:extLst>
-      <p:ext uri="{BB962C8B-B14F-4D97-AF65-F5344CB8AC3E}">
-        <p14:creationId xmlns:p14="http://schemas.microsoft.com/office/powerpoint/2010/main" val="1122603199"/>
-      </p:ext>
-    </p:extLst>
-  </p:cSld>
-  <p:clrMapOvr>
-    <a:masterClrMapping/>
-  </p:clrMapOvr>
-</p:sld>
-</file>
-
-<file path=ppt/slides/slide23.xml><?xml version="1.0" encoding="utf-8"?>
 <p:sld xmlns:a="http://schemas.openxmlformats.org/drawingml/2006/main" xmlns:r="http://schemas.openxmlformats.org/officeDocument/2006/relationships" xmlns:p="http://schemas.openxmlformats.org/presentationml/2006/main">
   <p:cSld>
     <p:spTree>
@@ -28358,7 +25237,7 @@
 </p:sld>
 </file>
 
-<file path=ppt/slides/slide24.xml><?xml version="1.0" encoding="utf-8"?>
+<file path=ppt/slides/slide22.xml><?xml version="1.0" encoding="utf-8"?>
 <p:sld xmlns:a="http://schemas.openxmlformats.org/drawingml/2006/main" xmlns:r="http://schemas.openxmlformats.org/officeDocument/2006/relationships" xmlns:p="http://schemas.openxmlformats.org/presentationml/2006/main">
   <p:cSld>
     <p:spTree>
@@ -29415,7 +26294,7 @@
 </p:sld>
 </file>
 
-<file path=ppt/slides/slide25.xml><?xml version="1.0" encoding="utf-8"?>
+<file path=ppt/slides/slide23.xml><?xml version="1.0" encoding="utf-8"?>
 <p:sld xmlns:a="http://schemas.openxmlformats.org/drawingml/2006/main" xmlns:r="http://schemas.openxmlformats.org/officeDocument/2006/relationships" xmlns:p="http://schemas.openxmlformats.org/presentationml/2006/main">
   <p:cSld>
     <p:spTree>
@@ -30246,7 +27125,7 @@
 </p:sld>
 </file>
 
-<file path=ppt/slides/slide26.xml><?xml version="1.0" encoding="utf-8"?>
+<file path=ppt/slides/slide24.xml><?xml version="1.0" encoding="utf-8"?>
 <p:sld xmlns:a="http://schemas.openxmlformats.org/drawingml/2006/main" xmlns:r="http://schemas.openxmlformats.org/officeDocument/2006/relationships" xmlns:p="http://schemas.openxmlformats.org/presentationml/2006/main">
   <p:cSld>
     <p:spTree>
@@ -30955,7 +27834,7 @@
 </p:sld>
 </file>
 
-<file path=ppt/slides/slide27.xml><?xml version="1.0" encoding="utf-8"?>
+<file path=ppt/slides/slide25.xml><?xml version="1.0" encoding="utf-8"?>
 <p:sld xmlns:a="http://schemas.openxmlformats.org/drawingml/2006/main" xmlns:r="http://schemas.openxmlformats.org/officeDocument/2006/relationships" xmlns:p="http://schemas.openxmlformats.org/presentationml/2006/main">
   <p:cSld>
     <p:spTree>
@@ -31579,7 +28458,7 @@
 </p:sld>
 </file>
 
-<file path=ppt/slides/slide28.xml><?xml version="1.0" encoding="utf-8"?>
+<file path=ppt/slides/slide26.xml><?xml version="1.0" encoding="utf-8"?>
 <p:sld xmlns:a="http://schemas.openxmlformats.org/drawingml/2006/main" xmlns:r="http://schemas.openxmlformats.org/officeDocument/2006/relationships" xmlns:p="http://schemas.openxmlformats.org/presentationml/2006/main">
   <p:cSld>
     <p:spTree>

--- a/lesson 2/Lesson 2 Python.pptx
+++ b/lesson 2/Lesson 2 Python.pptx
@@ -28,11 +28,11 @@
     <p:sldId id="320" r:id="rId19"/>
     <p:sldId id="272" r:id="rId20"/>
     <p:sldId id="305" r:id="rId21"/>
-    <p:sldId id="307" r:id="rId22"/>
-    <p:sldId id="308" r:id="rId23"/>
-    <p:sldId id="309" r:id="rId24"/>
-    <p:sldId id="276" r:id="rId25"/>
-    <p:sldId id="310" r:id="rId26"/>
+    <p:sldId id="321" r:id="rId22"/>
+    <p:sldId id="307" r:id="rId23"/>
+    <p:sldId id="308" r:id="rId24"/>
+    <p:sldId id="309" r:id="rId25"/>
+    <p:sldId id="322" r:id="rId26"/>
     <p:sldId id="311" r:id="rId27"/>
   </p:sldIdLst>
   <p:sldSz cx="9144000" cy="5143500" type="screen16x9"/>
@@ -2138,7 +2138,7 @@
   <p:cSld>
     <p:spTree>
       <p:nvGrpSpPr>
-        <p:cNvPr id="1" name="Shape 527"/>
+        <p:cNvPr id="1" name="Shape 376"/>
         <p:cNvGrpSpPr/>
         <p:nvPr/>
       </p:nvGrpSpPr>
@@ -2152,7 +2152,7 @@
       </p:grpSpPr>
       <p:sp>
         <p:nvSpPr>
-          <p:cNvPr id="528" name="Google Shape;528;g8d4cbd36da_4_31475:notes"/>
+          <p:cNvPr id="377" name="Google Shape;377;g822dda0a4d_0_0:notes"/>
           <p:cNvSpPr>
             <a:spLocks noGrp="1" noRot="1" noChangeAspect="1"/>
           </p:cNvSpPr>
@@ -2193,7 +2193,7 @@
       </p:sp>
       <p:sp>
         <p:nvSpPr>
-          <p:cNvPr id="529" name="Google Shape;529;g8d4cbd36da_4_31475:notes"/>
+          <p:cNvPr id="378" name="Google Shape;378;g822dda0a4d_0_0:notes"/>
           <p:cNvSpPr txBox="1">
             <a:spLocks noGrp="1"/>
           </p:cNvSpPr>
@@ -2232,7 +2232,7 @@
     </p:spTree>
     <p:extLst>
       <p:ext uri="{BB962C8B-B14F-4D97-AF65-F5344CB8AC3E}">
-        <p14:creationId xmlns:p14="http://schemas.microsoft.com/office/powerpoint/2010/main" val="2520110531"/>
+        <p14:creationId xmlns:p14="http://schemas.microsoft.com/office/powerpoint/2010/main" val="2335026013"/>
       </p:ext>
     </p:extLst>
   </p:cSld>
@@ -2341,6 +2341,115 @@
     </p:spTree>
     <p:extLst>
       <p:ext uri="{BB962C8B-B14F-4D97-AF65-F5344CB8AC3E}">
+        <p14:creationId xmlns:p14="http://schemas.microsoft.com/office/powerpoint/2010/main" val="2520110531"/>
+      </p:ext>
+    </p:extLst>
+  </p:cSld>
+  <p:clrMapOvr>
+    <a:masterClrMapping/>
+  </p:clrMapOvr>
+</p:notes>
+</file>
+
+<file path=ppt/notesSlides/notesSlide23.xml><?xml version="1.0" encoding="utf-8"?>
+<p:notes xmlns:a="http://schemas.openxmlformats.org/drawingml/2006/main" xmlns:r="http://schemas.openxmlformats.org/officeDocument/2006/relationships" xmlns:p="http://schemas.openxmlformats.org/presentationml/2006/main" showMasterSp="0" showMasterPhAnim="0">
+  <p:cSld>
+    <p:spTree>
+      <p:nvGrpSpPr>
+        <p:cNvPr id="1" name="Shape 527"/>
+        <p:cNvGrpSpPr/>
+        <p:nvPr/>
+      </p:nvGrpSpPr>
+      <p:grpSpPr>
+        <a:xfrm>
+          <a:off x="0" y="0"/>
+          <a:ext cx="0" cy="0"/>
+          <a:chOff x="0" y="0"/>
+          <a:chExt cx="0" cy="0"/>
+        </a:xfrm>
+      </p:grpSpPr>
+      <p:sp>
+        <p:nvSpPr>
+          <p:cNvPr id="528" name="Google Shape;528;g8d4cbd36da_4_31475:notes"/>
+          <p:cNvSpPr>
+            <a:spLocks noGrp="1" noRot="1" noChangeAspect="1"/>
+          </p:cNvSpPr>
+          <p:nvPr>
+            <p:ph type="sldImg" idx="2"/>
+          </p:nvPr>
+        </p:nvSpPr>
+        <p:spPr>
+          <a:xfrm>
+            <a:off x="381000" y="685800"/>
+            <a:ext cx="6096000" cy="3429000"/>
+          </a:xfrm>
+          <a:custGeom>
+            <a:avLst/>
+            <a:gdLst/>
+            <a:ahLst/>
+            <a:cxnLst/>
+            <a:rect l="l" t="t" r="r" b="b"/>
+            <a:pathLst>
+              <a:path w="120000" h="120000" extrusionOk="0">
+                <a:moveTo>
+                  <a:pt x="0" y="0"/>
+                </a:moveTo>
+                <a:lnTo>
+                  <a:pt x="120000" y="0"/>
+                </a:lnTo>
+                <a:lnTo>
+                  <a:pt x="120000" y="120000"/>
+                </a:lnTo>
+                <a:lnTo>
+                  <a:pt x="0" y="120000"/>
+                </a:lnTo>
+                <a:close/>
+              </a:path>
+            </a:pathLst>
+          </a:custGeom>
+        </p:spPr>
+      </p:sp>
+      <p:sp>
+        <p:nvSpPr>
+          <p:cNvPr id="529" name="Google Shape;529;g8d4cbd36da_4_31475:notes"/>
+          <p:cNvSpPr txBox="1">
+            <a:spLocks noGrp="1"/>
+          </p:cNvSpPr>
+          <p:nvPr>
+            <p:ph type="body" idx="1"/>
+          </p:nvPr>
+        </p:nvSpPr>
+        <p:spPr>
+          <a:xfrm>
+            <a:off x="685800" y="4343400"/>
+            <a:ext cx="5486400" cy="4114800"/>
+          </a:xfrm>
+          <a:prstGeom prst="rect">
+            <a:avLst/>
+          </a:prstGeom>
+        </p:spPr>
+        <p:txBody>
+          <a:bodyPr spcFirstLastPara="1" wrap="square" lIns="91425" tIns="91425" rIns="91425" bIns="91425" anchor="t" anchorCtr="0">
+            <a:noAutofit/>
+          </a:bodyPr>
+          <a:lstStyle/>
+          <a:p>
+            <a:pPr marL="0" lvl="0" indent="0" algn="l" rtl="0">
+              <a:spcBef>
+                <a:spcPts val="0"/>
+              </a:spcBef>
+              <a:spcAft>
+                <a:spcPts val="0"/>
+              </a:spcAft>
+              <a:buNone/>
+            </a:pPr>
+            <a:endParaRPr/>
+          </a:p>
+        </p:txBody>
+      </p:sp>
+    </p:spTree>
+    <p:extLst>
+      <p:ext uri="{BB962C8B-B14F-4D97-AF65-F5344CB8AC3E}">
         <p14:creationId xmlns:p14="http://schemas.microsoft.com/office/powerpoint/2010/main" val="2204027012"/>
       </p:ext>
     </p:extLst>
@@ -2351,7 +2460,7 @@
 </p:notes>
 </file>
 
-<file path=ppt/notesSlides/notesSlide23.xml><?xml version="1.0" encoding="utf-8"?>
+<file path=ppt/notesSlides/notesSlide24.xml><?xml version="1.0" encoding="utf-8"?>
 <p:notes xmlns:a="http://schemas.openxmlformats.org/drawingml/2006/main" xmlns:r="http://schemas.openxmlformats.org/officeDocument/2006/relationships" xmlns:p="http://schemas.openxmlformats.org/presentationml/2006/main" showMasterSp="0" showMasterPhAnim="0">
   <p:cSld>
     <p:spTree>
@@ -2443,7 +2552,7 @@
               </a:spcAft>
               <a:buNone/>
             </a:pPr>
-            <a:endParaRPr/>
+            <a:endParaRPr dirty="0"/>
           </a:p>
         </p:txBody>
       </p:sp>
@@ -2460,12 +2569,12 @@
 </p:notes>
 </file>
 
-<file path=ppt/notesSlides/notesSlide24.xml><?xml version="1.0" encoding="utf-8"?>
+<file path=ppt/notesSlides/notesSlide25.xml><?xml version="1.0" encoding="utf-8"?>
 <p:notes xmlns:a="http://schemas.openxmlformats.org/drawingml/2006/main" xmlns:r="http://schemas.openxmlformats.org/officeDocument/2006/relationships" xmlns:p="http://schemas.openxmlformats.org/presentationml/2006/main" showMasterSp="0" showMasterPhAnim="0">
   <p:cSld>
     <p:spTree>
       <p:nvGrpSpPr>
-        <p:cNvPr id="1" name="Shape 718"/>
+        <p:cNvPr id="1" name="Shape 527"/>
         <p:cNvGrpSpPr/>
         <p:nvPr/>
       </p:nvGrpSpPr>
@@ -2479,7 +2588,7 @@
       </p:grpSpPr>
       <p:sp>
         <p:nvSpPr>
-          <p:cNvPr id="719" name="Google Shape;719;g8de203a353_0_8:notes"/>
+          <p:cNvPr id="528" name="Google Shape;528;g8d4cbd36da_4_31475:notes"/>
           <p:cNvSpPr>
             <a:spLocks noGrp="1" noRot="1" noChangeAspect="1"/>
           </p:cNvSpPr>
@@ -2520,7 +2629,7 @@
       </p:sp>
       <p:sp>
         <p:nvSpPr>
-          <p:cNvPr id="720" name="Google Shape;720;g8de203a353_0_8:notes"/>
+          <p:cNvPr id="529" name="Google Shape;529;g8d4cbd36da_4_31475:notes"/>
           <p:cNvSpPr txBox="1">
             <a:spLocks noGrp="1"/>
           </p:cNvSpPr>
@@ -2552,118 +2661,14 @@
               </a:spcAft>
               <a:buNone/>
             </a:pPr>
-            <a:endParaRPr dirty="0"/>
-          </a:p>
-        </p:txBody>
-      </p:sp>
-    </p:spTree>
-  </p:cSld>
-  <p:clrMapOvr>
-    <a:masterClrMapping/>
-  </p:clrMapOvr>
-</p:notes>
-</file>
-
-<file path=ppt/notesSlides/notesSlide25.xml><?xml version="1.0" encoding="utf-8"?>
-<p:notes xmlns:a="http://schemas.openxmlformats.org/drawingml/2006/main" xmlns:r="http://schemas.openxmlformats.org/officeDocument/2006/relationships" xmlns:p="http://schemas.openxmlformats.org/presentationml/2006/main" showMasterSp="0" showMasterPhAnim="0">
-  <p:cSld>
-    <p:spTree>
-      <p:nvGrpSpPr>
-        <p:cNvPr id="1" name="Shape 718"/>
-        <p:cNvGrpSpPr/>
-        <p:nvPr/>
-      </p:nvGrpSpPr>
-      <p:grpSpPr>
-        <a:xfrm>
-          <a:off x="0" y="0"/>
-          <a:ext cx="0" cy="0"/>
-          <a:chOff x="0" y="0"/>
-          <a:chExt cx="0" cy="0"/>
-        </a:xfrm>
-      </p:grpSpPr>
-      <p:sp>
-        <p:nvSpPr>
-          <p:cNvPr id="719" name="Google Shape;719;g8de203a353_0_8:notes"/>
-          <p:cNvSpPr>
-            <a:spLocks noGrp="1" noRot="1" noChangeAspect="1"/>
-          </p:cNvSpPr>
-          <p:nvPr>
-            <p:ph type="sldImg" idx="2"/>
-          </p:nvPr>
-        </p:nvSpPr>
-        <p:spPr>
-          <a:xfrm>
-            <a:off x="381000" y="685800"/>
-            <a:ext cx="6096000" cy="3429000"/>
-          </a:xfrm>
-          <a:custGeom>
-            <a:avLst/>
-            <a:gdLst/>
-            <a:ahLst/>
-            <a:cxnLst/>
-            <a:rect l="l" t="t" r="r" b="b"/>
-            <a:pathLst>
-              <a:path w="120000" h="120000" extrusionOk="0">
-                <a:moveTo>
-                  <a:pt x="0" y="0"/>
-                </a:moveTo>
-                <a:lnTo>
-                  <a:pt x="120000" y="0"/>
-                </a:lnTo>
-                <a:lnTo>
-                  <a:pt x="120000" y="120000"/>
-                </a:lnTo>
-                <a:lnTo>
-                  <a:pt x="0" y="120000"/>
-                </a:lnTo>
-                <a:close/>
-              </a:path>
-            </a:pathLst>
-          </a:custGeom>
-        </p:spPr>
-      </p:sp>
-      <p:sp>
-        <p:nvSpPr>
-          <p:cNvPr id="720" name="Google Shape;720;g8de203a353_0_8:notes"/>
-          <p:cNvSpPr txBox="1">
-            <a:spLocks noGrp="1"/>
-          </p:cNvSpPr>
-          <p:nvPr>
-            <p:ph type="body" idx="1"/>
-          </p:nvPr>
-        </p:nvSpPr>
-        <p:spPr>
-          <a:xfrm>
-            <a:off x="685800" y="4343400"/>
-            <a:ext cx="5486400" cy="4114800"/>
-          </a:xfrm>
-          <a:prstGeom prst="rect">
-            <a:avLst/>
-          </a:prstGeom>
-        </p:spPr>
-        <p:txBody>
-          <a:bodyPr spcFirstLastPara="1" wrap="square" lIns="91425" tIns="91425" rIns="91425" bIns="91425" anchor="t" anchorCtr="0">
-            <a:noAutofit/>
-          </a:bodyPr>
-          <a:lstStyle/>
-          <a:p>
-            <a:pPr marL="0" lvl="0" indent="0" algn="l" rtl="0">
-              <a:spcBef>
-                <a:spcPts val="0"/>
-              </a:spcBef>
-              <a:spcAft>
-                <a:spcPts val="0"/>
-              </a:spcAft>
-              <a:buNone/>
-            </a:pPr>
-            <a:endParaRPr dirty="0"/>
+            <a:endParaRPr/>
           </a:p>
         </p:txBody>
       </p:sp>
     </p:spTree>
     <p:extLst>
       <p:ext uri="{BB962C8B-B14F-4D97-AF65-F5344CB8AC3E}">
-        <p14:creationId xmlns:p14="http://schemas.microsoft.com/office/powerpoint/2010/main" val="2514058963"/>
+        <p14:creationId xmlns:p14="http://schemas.microsoft.com/office/powerpoint/2010/main" val="3102776088"/>
       </p:ext>
     </p:extLst>
   </p:cSld>
@@ -6307,2620 +6312,6 @@
 </p:sldLayout>
 </file>
 
-<file path=ppt/slideLayouts/slideLayout10.xml><?xml version="1.0" encoding="utf-8"?>
-<p:sldLayout xmlns:a="http://schemas.openxmlformats.org/drawingml/2006/main" xmlns:r="http://schemas.openxmlformats.org/officeDocument/2006/relationships" xmlns:p="http://schemas.openxmlformats.org/presentationml/2006/main" matchingName="Title and Six Columns">
-  <p:cSld name="CUSTOM_11">
-    <p:spTree>
-      <p:nvGrpSpPr>
-        <p:cNvPr id="1" name="Shape 287"/>
-        <p:cNvGrpSpPr/>
-        <p:nvPr/>
-      </p:nvGrpSpPr>
-      <p:grpSpPr>
-        <a:xfrm>
-          <a:off x="0" y="0"/>
-          <a:ext cx="0" cy="0"/>
-          <a:chOff x="0" y="0"/>
-          <a:chExt cx="0" cy="0"/>
-        </a:xfrm>
-      </p:grpSpPr>
-      <p:sp>
-        <p:nvSpPr>
-          <p:cNvPr id="288" name="Google Shape;288;p22"/>
-          <p:cNvSpPr txBox="1">
-            <a:spLocks noGrp="1"/>
-          </p:cNvSpPr>
-          <p:nvPr>
-            <p:ph type="subTitle" idx="1"/>
-          </p:nvPr>
-        </p:nvSpPr>
-        <p:spPr>
-          <a:xfrm>
-            <a:off x="6416724" y="2283125"/>
-            <a:ext cx="1895700" cy="664200"/>
-          </a:xfrm>
-          <a:prstGeom prst="rect">
-            <a:avLst/>
-          </a:prstGeom>
-        </p:spPr>
-        <p:txBody>
-          <a:bodyPr spcFirstLastPara="1" wrap="square" lIns="91425" tIns="91425" rIns="91425" bIns="91425" anchor="t" anchorCtr="0">
-            <a:noAutofit/>
-          </a:bodyPr>
-          <a:lstStyle>
-            <a:lvl1pPr lvl="0" algn="ctr" rtl="0">
-              <a:lnSpc>
-                <a:spcPct val="100000"/>
-              </a:lnSpc>
-              <a:spcBef>
-                <a:spcPts val="0"/>
-              </a:spcBef>
-              <a:spcAft>
-                <a:spcPts val="0"/>
-              </a:spcAft>
-              <a:buSzPts val="1400"/>
-              <a:buNone/>
-              <a:defRPr sz="1400"/>
-            </a:lvl1pPr>
-            <a:lvl2pPr lvl="1" algn="ctr" rtl="0">
-              <a:lnSpc>
-                <a:spcPct val="100000"/>
-              </a:lnSpc>
-              <a:spcBef>
-                <a:spcPts val="0"/>
-              </a:spcBef>
-              <a:spcAft>
-                <a:spcPts val="0"/>
-              </a:spcAft>
-              <a:buSzPts val="1400"/>
-              <a:buNone/>
-              <a:defRPr/>
-            </a:lvl2pPr>
-            <a:lvl3pPr lvl="2" algn="ctr" rtl="0">
-              <a:lnSpc>
-                <a:spcPct val="100000"/>
-              </a:lnSpc>
-              <a:spcBef>
-                <a:spcPts val="0"/>
-              </a:spcBef>
-              <a:spcAft>
-                <a:spcPts val="0"/>
-              </a:spcAft>
-              <a:buSzPts val="1400"/>
-              <a:buNone/>
-              <a:defRPr/>
-            </a:lvl3pPr>
-            <a:lvl4pPr lvl="3" algn="ctr" rtl="0">
-              <a:lnSpc>
-                <a:spcPct val="100000"/>
-              </a:lnSpc>
-              <a:spcBef>
-                <a:spcPts val="0"/>
-              </a:spcBef>
-              <a:spcAft>
-                <a:spcPts val="0"/>
-              </a:spcAft>
-              <a:buSzPts val="1400"/>
-              <a:buNone/>
-              <a:defRPr/>
-            </a:lvl4pPr>
-            <a:lvl5pPr lvl="4" algn="ctr" rtl="0">
-              <a:lnSpc>
-                <a:spcPct val="100000"/>
-              </a:lnSpc>
-              <a:spcBef>
-                <a:spcPts val="0"/>
-              </a:spcBef>
-              <a:spcAft>
-                <a:spcPts val="0"/>
-              </a:spcAft>
-              <a:buSzPts val="1400"/>
-              <a:buNone/>
-              <a:defRPr/>
-            </a:lvl5pPr>
-            <a:lvl6pPr lvl="5" algn="ctr" rtl="0">
-              <a:lnSpc>
-                <a:spcPct val="100000"/>
-              </a:lnSpc>
-              <a:spcBef>
-                <a:spcPts val="0"/>
-              </a:spcBef>
-              <a:spcAft>
-                <a:spcPts val="0"/>
-              </a:spcAft>
-              <a:buSzPts val="1400"/>
-              <a:buNone/>
-              <a:defRPr/>
-            </a:lvl6pPr>
-            <a:lvl7pPr lvl="6" algn="ctr" rtl="0">
-              <a:lnSpc>
-                <a:spcPct val="100000"/>
-              </a:lnSpc>
-              <a:spcBef>
-                <a:spcPts val="0"/>
-              </a:spcBef>
-              <a:spcAft>
-                <a:spcPts val="0"/>
-              </a:spcAft>
-              <a:buSzPts val="1400"/>
-              <a:buNone/>
-              <a:defRPr/>
-            </a:lvl7pPr>
-            <a:lvl8pPr lvl="7" algn="ctr" rtl="0">
-              <a:lnSpc>
-                <a:spcPct val="100000"/>
-              </a:lnSpc>
-              <a:spcBef>
-                <a:spcPts val="0"/>
-              </a:spcBef>
-              <a:spcAft>
-                <a:spcPts val="0"/>
-              </a:spcAft>
-              <a:buSzPts val="1400"/>
-              <a:buNone/>
-              <a:defRPr/>
-            </a:lvl8pPr>
-            <a:lvl9pPr lvl="8" algn="ctr" rtl="0">
-              <a:lnSpc>
-                <a:spcPct val="100000"/>
-              </a:lnSpc>
-              <a:spcBef>
-                <a:spcPts val="0"/>
-              </a:spcBef>
-              <a:spcAft>
-                <a:spcPts val="0"/>
-              </a:spcAft>
-              <a:buSzPts val="1400"/>
-              <a:buNone/>
-              <a:defRPr/>
-            </a:lvl9pPr>
-          </a:lstStyle>
-          <a:p>
-            <a:endParaRPr/>
-          </a:p>
-        </p:txBody>
-      </p:sp>
-      <p:sp>
-        <p:nvSpPr>
-          <p:cNvPr id="289" name="Google Shape;289;p22"/>
-          <p:cNvSpPr txBox="1">
-            <a:spLocks noGrp="1"/>
-          </p:cNvSpPr>
-          <p:nvPr>
-            <p:ph type="title"/>
-          </p:nvPr>
-        </p:nvSpPr>
-        <p:spPr>
-          <a:xfrm>
-            <a:off x="6385849" y="1753325"/>
-            <a:ext cx="1957500" cy="529800"/>
-          </a:xfrm>
-          <a:prstGeom prst="rect">
-            <a:avLst/>
-          </a:prstGeom>
-          <a:solidFill>
-            <a:schemeClr val="dk2"/>
-          </a:solidFill>
-        </p:spPr>
-        <p:txBody>
-          <a:bodyPr spcFirstLastPara="1" wrap="square" lIns="91425" tIns="91425" rIns="91425" bIns="91425" anchor="b" anchorCtr="0">
-            <a:noAutofit/>
-          </a:bodyPr>
-          <a:lstStyle>
-            <a:lvl1pPr lvl="0" algn="ctr" rtl="0">
-              <a:spcBef>
-                <a:spcPts val="0"/>
-              </a:spcBef>
-              <a:spcAft>
-                <a:spcPts val="0"/>
-              </a:spcAft>
-              <a:buClr>
-                <a:schemeClr val="dk1"/>
-              </a:buClr>
-              <a:buSzPts val="2200"/>
-              <a:buNone/>
-              <a:defRPr sz="2200">
-                <a:solidFill>
-                  <a:schemeClr val="dk1"/>
-                </a:solidFill>
-              </a:defRPr>
-            </a:lvl1pPr>
-            <a:lvl2pPr lvl="1" algn="ctr" rtl="0">
-              <a:spcBef>
-                <a:spcPts val="0"/>
-              </a:spcBef>
-              <a:spcAft>
-                <a:spcPts val="0"/>
-              </a:spcAft>
-              <a:buClr>
-                <a:schemeClr val="lt1"/>
-              </a:buClr>
-              <a:buSzPts val="2200"/>
-              <a:buFont typeface="Barlow Condensed ExtraBold"/>
-              <a:buNone/>
-              <a:defRPr sz="2200">
-                <a:solidFill>
-                  <a:schemeClr val="lt1"/>
-                </a:solidFill>
-                <a:latin typeface="Barlow Condensed ExtraBold"/>
-                <a:ea typeface="Barlow Condensed ExtraBold"/>
-                <a:cs typeface="Barlow Condensed ExtraBold"/>
-                <a:sym typeface="Barlow Condensed ExtraBold"/>
-              </a:defRPr>
-            </a:lvl2pPr>
-            <a:lvl3pPr lvl="2" algn="ctr" rtl="0">
-              <a:spcBef>
-                <a:spcPts val="0"/>
-              </a:spcBef>
-              <a:spcAft>
-                <a:spcPts val="0"/>
-              </a:spcAft>
-              <a:buClr>
-                <a:schemeClr val="lt1"/>
-              </a:buClr>
-              <a:buSzPts val="2200"/>
-              <a:buFont typeface="Barlow Condensed ExtraBold"/>
-              <a:buNone/>
-              <a:defRPr sz="2200">
-                <a:solidFill>
-                  <a:schemeClr val="lt1"/>
-                </a:solidFill>
-                <a:latin typeface="Barlow Condensed ExtraBold"/>
-                <a:ea typeface="Barlow Condensed ExtraBold"/>
-                <a:cs typeface="Barlow Condensed ExtraBold"/>
-                <a:sym typeface="Barlow Condensed ExtraBold"/>
-              </a:defRPr>
-            </a:lvl3pPr>
-            <a:lvl4pPr lvl="3" algn="ctr" rtl="0">
-              <a:spcBef>
-                <a:spcPts val="0"/>
-              </a:spcBef>
-              <a:spcAft>
-                <a:spcPts val="0"/>
-              </a:spcAft>
-              <a:buClr>
-                <a:schemeClr val="lt1"/>
-              </a:buClr>
-              <a:buSzPts val="2200"/>
-              <a:buFont typeface="Barlow Condensed ExtraBold"/>
-              <a:buNone/>
-              <a:defRPr sz="2200">
-                <a:solidFill>
-                  <a:schemeClr val="lt1"/>
-                </a:solidFill>
-                <a:latin typeface="Barlow Condensed ExtraBold"/>
-                <a:ea typeface="Barlow Condensed ExtraBold"/>
-                <a:cs typeface="Barlow Condensed ExtraBold"/>
-                <a:sym typeface="Barlow Condensed ExtraBold"/>
-              </a:defRPr>
-            </a:lvl4pPr>
-            <a:lvl5pPr lvl="4" algn="ctr" rtl="0">
-              <a:spcBef>
-                <a:spcPts val="0"/>
-              </a:spcBef>
-              <a:spcAft>
-                <a:spcPts val="0"/>
-              </a:spcAft>
-              <a:buClr>
-                <a:schemeClr val="lt1"/>
-              </a:buClr>
-              <a:buSzPts val="2200"/>
-              <a:buFont typeface="Barlow Condensed ExtraBold"/>
-              <a:buNone/>
-              <a:defRPr sz="2200">
-                <a:solidFill>
-                  <a:schemeClr val="lt1"/>
-                </a:solidFill>
-                <a:latin typeface="Barlow Condensed ExtraBold"/>
-                <a:ea typeface="Barlow Condensed ExtraBold"/>
-                <a:cs typeface="Barlow Condensed ExtraBold"/>
-                <a:sym typeface="Barlow Condensed ExtraBold"/>
-              </a:defRPr>
-            </a:lvl5pPr>
-            <a:lvl6pPr lvl="5" algn="ctr" rtl="0">
-              <a:spcBef>
-                <a:spcPts val="0"/>
-              </a:spcBef>
-              <a:spcAft>
-                <a:spcPts val="0"/>
-              </a:spcAft>
-              <a:buClr>
-                <a:schemeClr val="lt1"/>
-              </a:buClr>
-              <a:buSzPts val="2200"/>
-              <a:buFont typeface="Barlow Condensed ExtraBold"/>
-              <a:buNone/>
-              <a:defRPr sz="2200">
-                <a:solidFill>
-                  <a:schemeClr val="lt1"/>
-                </a:solidFill>
-                <a:latin typeface="Barlow Condensed ExtraBold"/>
-                <a:ea typeface="Barlow Condensed ExtraBold"/>
-                <a:cs typeface="Barlow Condensed ExtraBold"/>
-                <a:sym typeface="Barlow Condensed ExtraBold"/>
-              </a:defRPr>
-            </a:lvl6pPr>
-            <a:lvl7pPr lvl="6" algn="ctr" rtl="0">
-              <a:spcBef>
-                <a:spcPts val="0"/>
-              </a:spcBef>
-              <a:spcAft>
-                <a:spcPts val="0"/>
-              </a:spcAft>
-              <a:buClr>
-                <a:schemeClr val="lt1"/>
-              </a:buClr>
-              <a:buSzPts val="2200"/>
-              <a:buFont typeface="Barlow Condensed ExtraBold"/>
-              <a:buNone/>
-              <a:defRPr sz="2200">
-                <a:solidFill>
-                  <a:schemeClr val="lt1"/>
-                </a:solidFill>
-                <a:latin typeface="Barlow Condensed ExtraBold"/>
-                <a:ea typeface="Barlow Condensed ExtraBold"/>
-                <a:cs typeface="Barlow Condensed ExtraBold"/>
-                <a:sym typeface="Barlow Condensed ExtraBold"/>
-              </a:defRPr>
-            </a:lvl7pPr>
-            <a:lvl8pPr lvl="7" algn="ctr" rtl="0">
-              <a:spcBef>
-                <a:spcPts val="0"/>
-              </a:spcBef>
-              <a:spcAft>
-                <a:spcPts val="0"/>
-              </a:spcAft>
-              <a:buClr>
-                <a:schemeClr val="lt1"/>
-              </a:buClr>
-              <a:buSzPts val="2200"/>
-              <a:buFont typeface="Barlow Condensed ExtraBold"/>
-              <a:buNone/>
-              <a:defRPr sz="2200">
-                <a:solidFill>
-                  <a:schemeClr val="lt1"/>
-                </a:solidFill>
-                <a:latin typeface="Barlow Condensed ExtraBold"/>
-                <a:ea typeface="Barlow Condensed ExtraBold"/>
-                <a:cs typeface="Barlow Condensed ExtraBold"/>
-                <a:sym typeface="Barlow Condensed ExtraBold"/>
-              </a:defRPr>
-            </a:lvl8pPr>
-            <a:lvl9pPr lvl="8" algn="ctr" rtl="0">
-              <a:spcBef>
-                <a:spcPts val="0"/>
-              </a:spcBef>
-              <a:spcAft>
-                <a:spcPts val="0"/>
-              </a:spcAft>
-              <a:buClr>
-                <a:schemeClr val="lt1"/>
-              </a:buClr>
-              <a:buSzPts val="2200"/>
-              <a:buFont typeface="Barlow Condensed ExtraBold"/>
-              <a:buNone/>
-              <a:defRPr sz="2200">
-                <a:solidFill>
-                  <a:schemeClr val="lt1"/>
-                </a:solidFill>
-                <a:latin typeface="Barlow Condensed ExtraBold"/>
-                <a:ea typeface="Barlow Condensed ExtraBold"/>
-                <a:cs typeface="Barlow Condensed ExtraBold"/>
-                <a:sym typeface="Barlow Condensed ExtraBold"/>
-              </a:defRPr>
-            </a:lvl9pPr>
-          </a:lstStyle>
-          <a:p>
-            <a:endParaRPr/>
-          </a:p>
-        </p:txBody>
-      </p:sp>
-      <p:sp>
-        <p:nvSpPr>
-          <p:cNvPr id="290" name="Google Shape;290;p22"/>
-          <p:cNvSpPr txBox="1">
-            <a:spLocks noGrp="1"/>
-          </p:cNvSpPr>
-          <p:nvPr>
-            <p:ph type="subTitle" idx="2"/>
-          </p:nvPr>
-        </p:nvSpPr>
-        <p:spPr>
-          <a:xfrm>
-            <a:off x="835225" y="2283125"/>
-            <a:ext cx="1895700" cy="664200"/>
-          </a:xfrm>
-          <a:prstGeom prst="rect">
-            <a:avLst/>
-          </a:prstGeom>
-        </p:spPr>
-        <p:txBody>
-          <a:bodyPr spcFirstLastPara="1" wrap="square" lIns="91425" tIns="91425" rIns="91425" bIns="91425" anchor="t" anchorCtr="0">
-            <a:noAutofit/>
-          </a:bodyPr>
-          <a:lstStyle>
-            <a:lvl1pPr lvl="0" algn="ctr" rtl="0">
-              <a:lnSpc>
-                <a:spcPct val="100000"/>
-              </a:lnSpc>
-              <a:spcBef>
-                <a:spcPts val="0"/>
-              </a:spcBef>
-              <a:spcAft>
-                <a:spcPts val="0"/>
-              </a:spcAft>
-              <a:buSzPts val="1400"/>
-              <a:buNone/>
-              <a:defRPr sz="1400"/>
-            </a:lvl1pPr>
-            <a:lvl2pPr lvl="1" algn="ctr" rtl="0">
-              <a:lnSpc>
-                <a:spcPct val="100000"/>
-              </a:lnSpc>
-              <a:spcBef>
-                <a:spcPts val="0"/>
-              </a:spcBef>
-              <a:spcAft>
-                <a:spcPts val="0"/>
-              </a:spcAft>
-              <a:buSzPts val="1400"/>
-              <a:buNone/>
-              <a:defRPr/>
-            </a:lvl2pPr>
-            <a:lvl3pPr lvl="2" algn="ctr" rtl="0">
-              <a:lnSpc>
-                <a:spcPct val="100000"/>
-              </a:lnSpc>
-              <a:spcBef>
-                <a:spcPts val="0"/>
-              </a:spcBef>
-              <a:spcAft>
-                <a:spcPts val="0"/>
-              </a:spcAft>
-              <a:buSzPts val="1400"/>
-              <a:buNone/>
-              <a:defRPr/>
-            </a:lvl3pPr>
-            <a:lvl4pPr lvl="3" algn="ctr" rtl="0">
-              <a:lnSpc>
-                <a:spcPct val="100000"/>
-              </a:lnSpc>
-              <a:spcBef>
-                <a:spcPts val="0"/>
-              </a:spcBef>
-              <a:spcAft>
-                <a:spcPts val="0"/>
-              </a:spcAft>
-              <a:buSzPts val="1400"/>
-              <a:buNone/>
-              <a:defRPr/>
-            </a:lvl4pPr>
-            <a:lvl5pPr lvl="4" algn="ctr" rtl="0">
-              <a:lnSpc>
-                <a:spcPct val="100000"/>
-              </a:lnSpc>
-              <a:spcBef>
-                <a:spcPts val="0"/>
-              </a:spcBef>
-              <a:spcAft>
-                <a:spcPts val="0"/>
-              </a:spcAft>
-              <a:buSzPts val="1400"/>
-              <a:buNone/>
-              <a:defRPr/>
-            </a:lvl5pPr>
-            <a:lvl6pPr lvl="5" algn="ctr" rtl="0">
-              <a:lnSpc>
-                <a:spcPct val="100000"/>
-              </a:lnSpc>
-              <a:spcBef>
-                <a:spcPts val="0"/>
-              </a:spcBef>
-              <a:spcAft>
-                <a:spcPts val="0"/>
-              </a:spcAft>
-              <a:buSzPts val="1400"/>
-              <a:buNone/>
-              <a:defRPr/>
-            </a:lvl6pPr>
-            <a:lvl7pPr lvl="6" algn="ctr" rtl="0">
-              <a:lnSpc>
-                <a:spcPct val="100000"/>
-              </a:lnSpc>
-              <a:spcBef>
-                <a:spcPts val="0"/>
-              </a:spcBef>
-              <a:spcAft>
-                <a:spcPts val="0"/>
-              </a:spcAft>
-              <a:buSzPts val="1400"/>
-              <a:buNone/>
-              <a:defRPr/>
-            </a:lvl7pPr>
-            <a:lvl8pPr lvl="7" algn="ctr" rtl="0">
-              <a:lnSpc>
-                <a:spcPct val="100000"/>
-              </a:lnSpc>
-              <a:spcBef>
-                <a:spcPts val="0"/>
-              </a:spcBef>
-              <a:spcAft>
-                <a:spcPts val="0"/>
-              </a:spcAft>
-              <a:buSzPts val="1400"/>
-              <a:buNone/>
-              <a:defRPr/>
-            </a:lvl8pPr>
-            <a:lvl9pPr lvl="8" algn="ctr" rtl="0">
-              <a:lnSpc>
-                <a:spcPct val="100000"/>
-              </a:lnSpc>
-              <a:spcBef>
-                <a:spcPts val="0"/>
-              </a:spcBef>
-              <a:spcAft>
-                <a:spcPts val="0"/>
-              </a:spcAft>
-              <a:buSzPts val="1400"/>
-              <a:buNone/>
-              <a:defRPr/>
-            </a:lvl9pPr>
-          </a:lstStyle>
-          <a:p>
-            <a:endParaRPr/>
-          </a:p>
-        </p:txBody>
-      </p:sp>
-      <p:sp>
-        <p:nvSpPr>
-          <p:cNvPr id="291" name="Google Shape;291;p22"/>
-          <p:cNvSpPr txBox="1">
-            <a:spLocks noGrp="1"/>
-          </p:cNvSpPr>
-          <p:nvPr>
-            <p:ph type="title" idx="3"/>
-          </p:nvPr>
-        </p:nvSpPr>
-        <p:spPr>
-          <a:xfrm>
-            <a:off x="804350" y="1753325"/>
-            <a:ext cx="1957500" cy="529800"/>
-          </a:xfrm>
-          <a:prstGeom prst="rect">
-            <a:avLst/>
-          </a:prstGeom>
-          <a:solidFill>
-            <a:schemeClr val="dk2"/>
-          </a:solidFill>
-        </p:spPr>
-        <p:txBody>
-          <a:bodyPr spcFirstLastPara="1" wrap="square" lIns="91425" tIns="91425" rIns="91425" bIns="91425" anchor="b" anchorCtr="0">
-            <a:noAutofit/>
-          </a:bodyPr>
-          <a:lstStyle>
-            <a:lvl1pPr lvl="0" algn="ctr" rtl="0">
-              <a:spcBef>
-                <a:spcPts val="0"/>
-              </a:spcBef>
-              <a:spcAft>
-                <a:spcPts val="0"/>
-              </a:spcAft>
-              <a:buClr>
-                <a:schemeClr val="dk1"/>
-              </a:buClr>
-              <a:buSzPts val="2200"/>
-              <a:buNone/>
-              <a:defRPr sz="2200">
-                <a:solidFill>
-                  <a:schemeClr val="dk1"/>
-                </a:solidFill>
-              </a:defRPr>
-            </a:lvl1pPr>
-            <a:lvl2pPr lvl="1" algn="ctr" rtl="0">
-              <a:spcBef>
-                <a:spcPts val="0"/>
-              </a:spcBef>
-              <a:spcAft>
-                <a:spcPts val="0"/>
-              </a:spcAft>
-              <a:buClr>
-                <a:schemeClr val="lt1"/>
-              </a:buClr>
-              <a:buSzPts val="2200"/>
-              <a:buFont typeface="Barlow Condensed ExtraBold"/>
-              <a:buNone/>
-              <a:defRPr sz="2200">
-                <a:solidFill>
-                  <a:schemeClr val="lt1"/>
-                </a:solidFill>
-                <a:latin typeface="Barlow Condensed ExtraBold"/>
-                <a:ea typeface="Barlow Condensed ExtraBold"/>
-                <a:cs typeface="Barlow Condensed ExtraBold"/>
-                <a:sym typeface="Barlow Condensed ExtraBold"/>
-              </a:defRPr>
-            </a:lvl2pPr>
-            <a:lvl3pPr lvl="2" algn="ctr" rtl="0">
-              <a:spcBef>
-                <a:spcPts val="0"/>
-              </a:spcBef>
-              <a:spcAft>
-                <a:spcPts val="0"/>
-              </a:spcAft>
-              <a:buClr>
-                <a:schemeClr val="lt1"/>
-              </a:buClr>
-              <a:buSzPts val="2200"/>
-              <a:buFont typeface="Barlow Condensed ExtraBold"/>
-              <a:buNone/>
-              <a:defRPr sz="2200">
-                <a:solidFill>
-                  <a:schemeClr val="lt1"/>
-                </a:solidFill>
-                <a:latin typeface="Barlow Condensed ExtraBold"/>
-                <a:ea typeface="Barlow Condensed ExtraBold"/>
-                <a:cs typeface="Barlow Condensed ExtraBold"/>
-                <a:sym typeface="Barlow Condensed ExtraBold"/>
-              </a:defRPr>
-            </a:lvl3pPr>
-            <a:lvl4pPr lvl="3" algn="ctr" rtl="0">
-              <a:spcBef>
-                <a:spcPts val="0"/>
-              </a:spcBef>
-              <a:spcAft>
-                <a:spcPts val="0"/>
-              </a:spcAft>
-              <a:buClr>
-                <a:schemeClr val="lt1"/>
-              </a:buClr>
-              <a:buSzPts val="2200"/>
-              <a:buFont typeface="Barlow Condensed ExtraBold"/>
-              <a:buNone/>
-              <a:defRPr sz="2200">
-                <a:solidFill>
-                  <a:schemeClr val="lt1"/>
-                </a:solidFill>
-                <a:latin typeface="Barlow Condensed ExtraBold"/>
-                <a:ea typeface="Barlow Condensed ExtraBold"/>
-                <a:cs typeface="Barlow Condensed ExtraBold"/>
-                <a:sym typeface="Barlow Condensed ExtraBold"/>
-              </a:defRPr>
-            </a:lvl4pPr>
-            <a:lvl5pPr lvl="4" algn="ctr" rtl="0">
-              <a:spcBef>
-                <a:spcPts val="0"/>
-              </a:spcBef>
-              <a:spcAft>
-                <a:spcPts val="0"/>
-              </a:spcAft>
-              <a:buClr>
-                <a:schemeClr val="lt1"/>
-              </a:buClr>
-              <a:buSzPts val="2200"/>
-              <a:buFont typeface="Barlow Condensed ExtraBold"/>
-              <a:buNone/>
-              <a:defRPr sz="2200">
-                <a:solidFill>
-                  <a:schemeClr val="lt1"/>
-                </a:solidFill>
-                <a:latin typeface="Barlow Condensed ExtraBold"/>
-                <a:ea typeface="Barlow Condensed ExtraBold"/>
-                <a:cs typeface="Barlow Condensed ExtraBold"/>
-                <a:sym typeface="Barlow Condensed ExtraBold"/>
-              </a:defRPr>
-            </a:lvl5pPr>
-            <a:lvl6pPr lvl="5" algn="ctr" rtl="0">
-              <a:spcBef>
-                <a:spcPts val="0"/>
-              </a:spcBef>
-              <a:spcAft>
-                <a:spcPts val="0"/>
-              </a:spcAft>
-              <a:buClr>
-                <a:schemeClr val="lt1"/>
-              </a:buClr>
-              <a:buSzPts val="2200"/>
-              <a:buFont typeface="Barlow Condensed ExtraBold"/>
-              <a:buNone/>
-              <a:defRPr sz="2200">
-                <a:solidFill>
-                  <a:schemeClr val="lt1"/>
-                </a:solidFill>
-                <a:latin typeface="Barlow Condensed ExtraBold"/>
-                <a:ea typeface="Barlow Condensed ExtraBold"/>
-                <a:cs typeface="Barlow Condensed ExtraBold"/>
-                <a:sym typeface="Barlow Condensed ExtraBold"/>
-              </a:defRPr>
-            </a:lvl6pPr>
-            <a:lvl7pPr lvl="6" algn="ctr" rtl="0">
-              <a:spcBef>
-                <a:spcPts val="0"/>
-              </a:spcBef>
-              <a:spcAft>
-                <a:spcPts val="0"/>
-              </a:spcAft>
-              <a:buClr>
-                <a:schemeClr val="lt1"/>
-              </a:buClr>
-              <a:buSzPts val="2200"/>
-              <a:buFont typeface="Barlow Condensed ExtraBold"/>
-              <a:buNone/>
-              <a:defRPr sz="2200">
-                <a:solidFill>
-                  <a:schemeClr val="lt1"/>
-                </a:solidFill>
-                <a:latin typeface="Barlow Condensed ExtraBold"/>
-                <a:ea typeface="Barlow Condensed ExtraBold"/>
-                <a:cs typeface="Barlow Condensed ExtraBold"/>
-                <a:sym typeface="Barlow Condensed ExtraBold"/>
-              </a:defRPr>
-            </a:lvl7pPr>
-            <a:lvl8pPr lvl="7" algn="ctr" rtl="0">
-              <a:spcBef>
-                <a:spcPts val="0"/>
-              </a:spcBef>
-              <a:spcAft>
-                <a:spcPts val="0"/>
-              </a:spcAft>
-              <a:buClr>
-                <a:schemeClr val="lt1"/>
-              </a:buClr>
-              <a:buSzPts val="2200"/>
-              <a:buFont typeface="Barlow Condensed ExtraBold"/>
-              <a:buNone/>
-              <a:defRPr sz="2200">
-                <a:solidFill>
-                  <a:schemeClr val="lt1"/>
-                </a:solidFill>
-                <a:latin typeface="Barlow Condensed ExtraBold"/>
-                <a:ea typeface="Barlow Condensed ExtraBold"/>
-                <a:cs typeface="Barlow Condensed ExtraBold"/>
-                <a:sym typeface="Barlow Condensed ExtraBold"/>
-              </a:defRPr>
-            </a:lvl8pPr>
-            <a:lvl9pPr lvl="8" algn="ctr" rtl="0">
-              <a:spcBef>
-                <a:spcPts val="0"/>
-              </a:spcBef>
-              <a:spcAft>
-                <a:spcPts val="0"/>
-              </a:spcAft>
-              <a:buClr>
-                <a:schemeClr val="lt1"/>
-              </a:buClr>
-              <a:buSzPts val="2200"/>
-              <a:buFont typeface="Barlow Condensed ExtraBold"/>
-              <a:buNone/>
-              <a:defRPr sz="2200">
-                <a:solidFill>
-                  <a:schemeClr val="lt1"/>
-                </a:solidFill>
-                <a:latin typeface="Barlow Condensed ExtraBold"/>
-                <a:ea typeface="Barlow Condensed ExtraBold"/>
-                <a:cs typeface="Barlow Condensed ExtraBold"/>
-                <a:sym typeface="Barlow Condensed ExtraBold"/>
-              </a:defRPr>
-            </a:lvl9pPr>
-          </a:lstStyle>
-          <a:p>
-            <a:endParaRPr/>
-          </a:p>
-        </p:txBody>
-      </p:sp>
-      <p:sp>
-        <p:nvSpPr>
-          <p:cNvPr id="292" name="Google Shape;292;p22"/>
-          <p:cNvSpPr txBox="1">
-            <a:spLocks noGrp="1"/>
-          </p:cNvSpPr>
-          <p:nvPr>
-            <p:ph type="subTitle" idx="4"/>
-          </p:nvPr>
-        </p:nvSpPr>
-        <p:spPr>
-          <a:xfrm>
-            <a:off x="3624150" y="2283125"/>
-            <a:ext cx="1895700" cy="664200"/>
-          </a:xfrm>
-          <a:prstGeom prst="rect">
-            <a:avLst/>
-          </a:prstGeom>
-        </p:spPr>
-        <p:txBody>
-          <a:bodyPr spcFirstLastPara="1" wrap="square" lIns="91425" tIns="91425" rIns="91425" bIns="91425" anchor="t" anchorCtr="0">
-            <a:noAutofit/>
-          </a:bodyPr>
-          <a:lstStyle>
-            <a:lvl1pPr lvl="0" algn="ctr" rtl="0">
-              <a:lnSpc>
-                <a:spcPct val="100000"/>
-              </a:lnSpc>
-              <a:spcBef>
-                <a:spcPts val="0"/>
-              </a:spcBef>
-              <a:spcAft>
-                <a:spcPts val="0"/>
-              </a:spcAft>
-              <a:buSzPts val="1400"/>
-              <a:buNone/>
-              <a:defRPr sz="1400"/>
-            </a:lvl1pPr>
-            <a:lvl2pPr lvl="1" algn="ctr" rtl="0">
-              <a:lnSpc>
-                <a:spcPct val="100000"/>
-              </a:lnSpc>
-              <a:spcBef>
-                <a:spcPts val="0"/>
-              </a:spcBef>
-              <a:spcAft>
-                <a:spcPts val="0"/>
-              </a:spcAft>
-              <a:buSzPts val="1400"/>
-              <a:buNone/>
-              <a:defRPr/>
-            </a:lvl2pPr>
-            <a:lvl3pPr lvl="2" algn="ctr" rtl="0">
-              <a:lnSpc>
-                <a:spcPct val="100000"/>
-              </a:lnSpc>
-              <a:spcBef>
-                <a:spcPts val="0"/>
-              </a:spcBef>
-              <a:spcAft>
-                <a:spcPts val="0"/>
-              </a:spcAft>
-              <a:buSzPts val="1400"/>
-              <a:buNone/>
-              <a:defRPr/>
-            </a:lvl3pPr>
-            <a:lvl4pPr lvl="3" algn="ctr" rtl="0">
-              <a:lnSpc>
-                <a:spcPct val="100000"/>
-              </a:lnSpc>
-              <a:spcBef>
-                <a:spcPts val="0"/>
-              </a:spcBef>
-              <a:spcAft>
-                <a:spcPts val="0"/>
-              </a:spcAft>
-              <a:buSzPts val="1400"/>
-              <a:buNone/>
-              <a:defRPr/>
-            </a:lvl4pPr>
-            <a:lvl5pPr lvl="4" algn="ctr" rtl="0">
-              <a:lnSpc>
-                <a:spcPct val="100000"/>
-              </a:lnSpc>
-              <a:spcBef>
-                <a:spcPts val="0"/>
-              </a:spcBef>
-              <a:spcAft>
-                <a:spcPts val="0"/>
-              </a:spcAft>
-              <a:buSzPts val="1400"/>
-              <a:buNone/>
-              <a:defRPr/>
-            </a:lvl5pPr>
-            <a:lvl6pPr lvl="5" algn="ctr" rtl="0">
-              <a:lnSpc>
-                <a:spcPct val="100000"/>
-              </a:lnSpc>
-              <a:spcBef>
-                <a:spcPts val="0"/>
-              </a:spcBef>
-              <a:spcAft>
-                <a:spcPts val="0"/>
-              </a:spcAft>
-              <a:buSzPts val="1400"/>
-              <a:buNone/>
-              <a:defRPr/>
-            </a:lvl6pPr>
-            <a:lvl7pPr lvl="6" algn="ctr" rtl="0">
-              <a:lnSpc>
-                <a:spcPct val="100000"/>
-              </a:lnSpc>
-              <a:spcBef>
-                <a:spcPts val="0"/>
-              </a:spcBef>
-              <a:spcAft>
-                <a:spcPts val="0"/>
-              </a:spcAft>
-              <a:buSzPts val="1400"/>
-              <a:buNone/>
-              <a:defRPr/>
-            </a:lvl7pPr>
-            <a:lvl8pPr lvl="7" algn="ctr" rtl="0">
-              <a:lnSpc>
-                <a:spcPct val="100000"/>
-              </a:lnSpc>
-              <a:spcBef>
-                <a:spcPts val="0"/>
-              </a:spcBef>
-              <a:spcAft>
-                <a:spcPts val="0"/>
-              </a:spcAft>
-              <a:buSzPts val="1400"/>
-              <a:buNone/>
-              <a:defRPr/>
-            </a:lvl8pPr>
-            <a:lvl9pPr lvl="8" algn="ctr" rtl="0">
-              <a:lnSpc>
-                <a:spcPct val="100000"/>
-              </a:lnSpc>
-              <a:spcBef>
-                <a:spcPts val="0"/>
-              </a:spcBef>
-              <a:spcAft>
-                <a:spcPts val="0"/>
-              </a:spcAft>
-              <a:buSzPts val="1400"/>
-              <a:buNone/>
-              <a:defRPr/>
-            </a:lvl9pPr>
-          </a:lstStyle>
-          <a:p>
-            <a:endParaRPr/>
-          </a:p>
-        </p:txBody>
-      </p:sp>
-      <p:sp>
-        <p:nvSpPr>
-          <p:cNvPr id="293" name="Google Shape;293;p22"/>
-          <p:cNvSpPr txBox="1">
-            <a:spLocks noGrp="1"/>
-          </p:cNvSpPr>
-          <p:nvPr>
-            <p:ph type="title" idx="5"/>
-          </p:nvPr>
-        </p:nvSpPr>
-        <p:spPr>
-          <a:xfrm>
-            <a:off x="3593246" y="1753325"/>
-            <a:ext cx="1957500" cy="529800"/>
-          </a:xfrm>
-          <a:prstGeom prst="rect">
-            <a:avLst/>
-          </a:prstGeom>
-          <a:solidFill>
-            <a:schemeClr val="lt2"/>
-          </a:solidFill>
-        </p:spPr>
-        <p:txBody>
-          <a:bodyPr spcFirstLastPara="1" wrap="square" lIns="91425" tIns="91425" rIns="91425" bIns="91425" anchor="b" anchorCtr="0">
-            <a:noAutofit/>
-          </a:bodyPr>
-          <a:lstStyle>
-            <a:lvl1pPr lvl="0" algn="ctr" rtl="0">
-              <a:spcBef>
-                <a:spcPts val="0"/>
-              </a:spcBef>
-              <a:spcAft>
-                <a:spcPts val="0"/>
-              </a:spcAft>
-              <a:buClr>
-                <a:schemeClr val="lt1"/>
-              </a:buClr>
-              <a:buSzPts val="2200"/>
-              <a:buNone/>
-              <a:defRPr sz="2200">
-                <a:solidFill>
-                  <a:schemeClr val="lt1"/>
-                </a:solidFill>
-              </a:defRPr>
-            </a:lvl1pPr>
-            <a:lvl2pPr lvl="1" algn="ctr" rtl="0">
-              <a:spcBef>
-                <a:spcPts val="0"/>
-              </a:spcBef>
-              <a:spcAft>
-                <a:spcPts val="0"/>
-              </a:spcAft>
-              <a:buClr>
-                <a:schemeClr val="lt1"/>
-              </a:buClr>
-              <a:buSzPts val="2200"/>
-              <a:buFont typeface="Barlow Condensed ExtraBold"/>
-              <a:buNone/>
-              <a:defRPr sz="2200">
-                <a:solidFill>
-                  <a:schemeClr val="lt1"/>
-                </a:solidFill>
-                <a:latin typeface="Barlow Condensed ExtraBold"/>
-                <a:ea typeface="Barlow Condensed ExtraBold"/>
-                <a:cs typeface="Barlow Condensed ExtraBold"/>
-                <a:sym typeface="Barlow Condensed ExtraBold"/>
-              </a:defRPr>
-            </a:lvl2pPr>
-            <a:lvl3pPr lvl="2" algn="ctr" rtl="0">
-              <a:spcBef>
-                <a:spcPts val="0"/>
-              </a:spcBef>
-              <a:spcAft>
-                <a:spcPts val="0"/>
-              </a:spcAft>
-              <a:buClr>
-                <a:schemeClr val="lt1"/>
-              </a:buClr>
-              <a:buSzPts val="2200"/>
-              <a:buFont typeface="Barlow Condensed ExtraBold"/>
-              <a:buNone/>
-              <a:defRPr sz="2200">
-                <a:solidFill>
-                  <a:schemeClr val="lt1"/>
-                </a:solidFill>
-                <a:latin typeface="Barlow Condensed ExtraBold"/>
-                <a:ea typeface="Barlow Condensed ExtraBold"/>
-                <a:cs typeface="Barlow Condensed ExtraBold"/>
-                <a:sym typeface="Barlow Condensed ExtraBold"/>
-              </a:defRPr>
-            </a:lvl3pPr>
-            <a:lvl4pPr lvl="3" algn="ctr" rtl="0">
-              <a:spcBef>
-                <a:spcPts val="0"/>
-              </a:spcBef>
-              <a:spcAft>
-                <a:spcPts val="0"/>
-              </a:spcAft>
-              <a:buClr>
-                <a:schemeClr val="lt1"/>
-              </a:buClr>
-              <a:buSzPts val="2200"/>
-              <a:buFont typeface="Barlow Condensed ExtraBold"/>
-              <a:buNone/>
-              <a:defRPr sz="2200">
-                <a:solidFill>
-                  <a:schemeClr val="lt1"/>
-                </a:solidFill>
-                <a:latin typeface="Barlow Condensed ExtraBold"/>
-                <a:ea typeface="Barlow Condensed ExtraBold"/>
-                <a:cs typeface="Barlow Condensed ExtraBold"/>
-                <a:sym typeface="Barlow Condensed ExtraBold"/>
-              </a:defRPr>
-            </a:lvl4pPr>
-            <a:lvl5pPr lvl="4" algn="ctr" rtl="0">
-              <a:spcBef>
-                <a:spcPts val="0"/>
-              </a:spcBef>
-              <a:spcAft>
-                <a:spcPts val="0"/>
-              </a:spcAft>
-              <a:buClr>
-                <a:schemeClr val="lt1"/>
-              </a:buClr>
-              <a:buSzPts val="2200"/>
-              <a:buFont typeface="Barlow Condensed ExtraBold"/>
-              <a:buNone/>
-              <a:defRPr sz="2200">
-                <a:solidFill>
-                  <a:schemeClr val="lt1"/>
-                </a:solidFill>
-                <a:latin typeface="Barlow Condensed ExtraBold"/>
-                <a:ea typeface="Barlow Condensed ExtraBold"/>
-                <a:cs typeface="Barlow Condensed ExtraBold"/>
-                <a:sym typeface="Barlow Condensed ExtraBold"/>
-              </a:defRPr>
-            </a:lvl5pPr>
-            <a:lvl6pPr lvl="5" algn="ctr" rtl="0">
-              <a:spcBef>
-                <a:spcPts val="0"/>
-              </a:spcBef>
-              <a:spcAft>
-                <a:spcPts val="0"/>
-              </a:spcAft>
-              <a:buClr>
-                <a:schemeClr val="lt1"/>
-              </a:buClr>
-              <a:buSzPts val="2200"/>
-              <a:buFont typeface="Barlow Condensed ExtraBold"/>
-              <a:buNone/>
-              <a:defRPr sz="2200">
-                <a:solidFill>
-                  <a:schemeClr val="lt1"/>
-                </a:solidFill>
-                <a:latin typeface="Barlow Condensed ExtraBold"/>
-                <a:ea typeface="Barlow Condensed ExtraBold"/>
-                <a:cs typeface="Barlow Condensed ExtraBold"/>
-                <a:sym typeface="Barlow Condensed ExtraBold"/>
-              </a:defRPr>
-            </a:lvl6pPr>
-            <a:lvl7pPr lvl="6" algn="ctr" rtl="0">
-              <a:spcBef>
-                <a:spcPts val="0"/>
-              </a:spcBef>
-              <a:spcAft>
-                <a:spcPts val="0"/>
-              </a:spcAft>
-              <a:buClr>
-                <a:schemeClr val="lt1"/>
-              </a:buClr>
-              <a:buSzPts val="2200"/>
-              <a:buFont typeface="Barlow Condensed ExtraBold"/>
-              <a:buNone/>
-              <a:defRPr sz="2200">
-                <a:solidFill>
-                  <a:schemeClr val="lt1"/>
-                </a:solidFill>
-                <a:latin typeface="Barlow Condensed ExtraBold"/>
-                <a:ea typeface="Barlow Condensed ExtraBold"/>
-                <a:cs typeface="Barlow Condensed ExtraBold"/>
-                <a:sym typeface="Barlow Condensed ExtraBold"/>
-              </a:defRPr>
-            </a:lvl7pPr>
-            <a:lvl8pPr lvl="7" algn="ctr" rtl="0">
-              <a:spcBef>
-                <a:spcPts val="0"/>
-              </a:spcBef>
-              <a:spcAft>
-                <a:spcPts val="0"/>
-              </a:spcAft>
-              <a:buClr>
-                <a:schemeClr val="lt1"/>
-              </a:buClr>
-              <a:buSzPts val="2200"/>
-              <a:buFont typeface="Barlow Condensed ExtraBold"/>
-              <a:buNone/>
-              <a:defRPr sz="2200">
-                <a:solidFill>
-                  <a:schemeClr val="lt1"/>
-                </a:solidFill>
-                <a:latin typeface="Barlow Condensed ExtraBold"/>
-                <a:ea typeface="Barlow Condensed ExtraBold"/>
-                <a:cs typeface="Barlow Condensed ExtraBold"/>
-                <a:sym typeface="Barlow Condensed ExtraBold"/>
-              </a:defRPr>
-            </a:lvl8pPr>
-            <a:lvl9pPr lvl="8" algn="ctr" rtl="0">
-              <a:spcBef>
-                <a:spcPts val="0"/>
-              </a:spcBef>
-              <a:spcAft>
-                <a:spcPts val="0"/>
-              </a:spcAft>
-              <a:buClr>
-                <a:schemeClr val="lt1"/>
-              </a:buClr>
-              <a:buSzPts val="2200"/>
-              <a:buFont typeface="Barlow Condensed ExtraBold"/>
-              <a:buNone/>
-              <a:defRPr sz="2200">
-                <a:solidFill>
-                  <a:schemeClr val="lt1"/>
-                </a:solidFill>
-                <a:latin typeface="Barlow Condensed ExtraBold"/>
-                <a:ea typeface="Barlow Condensed ExtraBold"/>
-                <a:cs typeface="Barlow Condensed ExtraBold"/>
-                <a:sym typeface="Barlow Condensed ExtraBold"/>
-              </a:defRPr>
-            </a:lvl9pPr>
-          </a:lstStyle>
-          <a:p>
-            <a:endParaRPr/>
-          </a:p>
-        </p:txBody>
-      </p:sp>
-      <p:sp>
-        <p:nvSpPr>
-          <p:cNvPr id="294" name="Google Shape;294;p22"/>
-          <p:cNvSpPr txBox="1">
-            <a:spLocks noGrp="1"/>
-          </p:cNvSpPr>
-          <p:nvPr>
-            <p:ph type="subTitle" idx="6"/>
-          </p:nvPr>
-        </p:nvSpPr>
-        <p:spPr>
-          <a:xfrm>
-            <a:off x="6416724" y="3826425"/>
-            <a:ext cx="1895700" cy="664200"/>
-          </a:xfrm>
-          <a:prstGeom prst="rect">
-            <a:avLst/>
-          </a:prstGeom>
-        </p:spPr>
-        <p:txBody>
-          <a:bodyPr spcFirstLastPara="1" wrap="square" lIns="91425" tIns="91425" rIns="91425" bIns="91425" anchor="t" anchorCtr="0">
-            <a:noAutofit/>
-          </a:bodyPr>
-          <a:lstStyle>
-            <a:lvl1pPr lvl="0" algn="ctr" rtl="0">
-              <a:lnSpc>
-                <a:spcPct val="100000"/>
-              </a:lnSpc>
-              <a:spcBef>
-                <a:spcPts val="0"/>
-              </a:spcBef>
-              <a:spcAft>
-                <a:spcPts val="0"/>
-              </a:spcAft>
-              <a:buSzPts val="1400"/>
-              <a:buNone/>
-              <a:defRPr sz="1400"/>
-            </a:lvl1pPr>
-            <a:lvl2pPr lvl="1" algn="ctr" rtl="0">
-              <a:lnSpc>
-                <a:spcPct val="100000"/>
-              </a:lnSpc>
-              <a:spcBef>
-                <a:spcPts val="0"/>
-              </a:spcBef>
-              <a:spcAft>
-                <a:spcPts val="0"/>
-              </a:spcAft>
-              <a:buSzPts val="1400"/>
-              <a:buNone/>
-              <a:defRPr/>
-            </a:lvl2pPr>
-            <a:lvl3pPr lvl="2" algn="ctr" rtl="0">
-              <a:lnSpc>
-                <a:spcPct val="100000"/>
-              </a:lnSpc>
-              <a:spcBef>
-                <a:spcPts val="0"/>
-              </a:spcBef>
-              <a:spcAft>
-                <a:spcPts val="0"/>
-              </a:spcAft>
-              <a:buSzPts val="1400"/>
-              <a:buNone/>
-              <a:defRPr/>
-            </a:lvl3pPr>
-            <a:lvl4pPr lvl="3" algn="ctr" rtl="0">
-              <a:lnSpc>
-                <a:spcPct val="100000"/>
-              </a:lnSpc>
-              <a:spcBef>
-                <a:spcPts val="0"/>
-              </a:spcBef>
-              <a:spcAft>
-                <a:spcPts val="0"/>
-              </a:spcAft>
-              <a:buSzPts val="1400"/>
-              <a:buNone/>
-              <a:defRPr/>
-            </a:lvl4pPr>
-            <a:lvl5pPr lvl="4" algn="ctr" rtl="0">
-              <a:lnSpc>
-                <a:spcPct val="100000"/>
-              </a:lnSpc>
-              <a:spcBef>
-                <a:spcPts val="0"/>
-              </a:spcBef>
-              <a:spcAft>
-                <a:spcPts val="0"/>
-              </a:spcAft>
-              <a:buSzPts val="1400"/>
-              <a:buNone/>
-              <a:defRPr/>
-            </a:lvl5pPr>
-            <a:lvl6pPr lvl="5" algn="ctr" rtl="0">
-              <a:lnSpc>
-                <a:spcPct val="100000"/>
-              </a:lnSpc>
-              <a:spcBef>
-                <a:spcPts val="0"/>
-              </a:spcBef>
-              <a:spcAft>
-                <a:spcPts val="0"/>
-              </a:spcAft>
-              <a:buSzPts val="1400"/>
-              <a:buNone/>
-              <a:defRPr/>
-            </a:lvl6pPr>
-            <a:lvl7pPr lvl="6" algn="ctr" rtl="0">
-              <a:lnSpc>
-                <a:spcPct val="100000"/>
-              </a:lnSpc>
-              <a:spcBef>
-                <a:spcPts val="0"/>
-              </a:spcBef>
-              <a:spcAft>
-                <a:spcPts val="0"/>
-              </a:spcAft>
-              <a:buSzPts val="1400"/>
-              <a:buNone/>
-              <a:defRPr/>
-            </a:lvl7pPr>
-            <a:lvl8pPr lvl="7" algn="ctr" rtl="0">
-              <a:lnSpc>
-                <a:spcPct val="100000"/>
-              </a:lnSpc>
-              <a:spcBef>
-                <a:spcPts val="0"/>
-              </a:spcBef>
-              <a:spcAft>
-                <a:spcPts val="0"/>
-              </a:spcAft>
-              <a:buSzPts val="1400"/>
-              <a:buNone/>
-              <a:defRPr/>
-            </a:lvl8pPr>
-            <a:lvl9pPr lvl="8" algn="ctr" rtl="0">
-              <a:lnSpc>
-                <a:spcPct val="100000"/>
-              </a:lnSpc>
-              <a:spcBef>
-                <a:spcPts val="0"/>
-              </a:spcBef>
-              <a:spcAft>
-                <a:spcPts val="0"/>
-              </a:spcAft>
-              <a:buSzPts val="1400"/>
-              <a:buNone/>
-              <a:defRPr/>
-            </a:lvl9pPr>
-          </a:lstStyle>
-          <a:p>
-            <a:endParaRPr/>
-          </a:p>
-        </p:txBody>
-      </p:sp>
-      <p:sp>
-        <p:nvSpPr>
-          <p:cNvPr id="295" name="Google Shape;295;p22"/>
-          <p:cNvSpPr txBox="1">
-            <a:spLocks noGrp="1"/>
-          </p:cNvSpPr>
-          <p:nvPr>
-            <p:ph type="title" idx="7"/>
-          </p:nvPr>
-        </p:nvSpPr>
-        <p:spPr>
-          <a:xfrm>
-            <a:off x="6385824" y="3296625"/>
-            <a:ext cx="1957500" cy="529800"/>
-          </a:xfrm>
-          <a:prstGeom prst="rect">
-            <a:avLst/>
-          </a:prstGeom>
-          <a:solidFill>
-            <a:schemeClr val="lt2"/>
-          </a:solidFill>
-        </p:spPr>
-        <p:txBody>
-          <a:bodyPr spcFirstLastPara="1" wrap="square" lIns="91425" tIns="91425" rIns="91425" bIns="91425" anchor="b" anchorCtr="0">
-            <a:noAutofit/>
-          </a:bodyPr>
-          <a:lstStyle>
-            <a:lvl1pPr lvl="0" algn="ctr" rtl="0">
-              <a:spcBef>
-                <a:spcPts val="0"/>
-              </a:spcBef>
-              <a:spcAft>
-                <a:spcPts val="0"/>
-              </a:spcAft>
-              <a:buSzPts val="2200"/>
-              <a:buNone/>
-              <a:defRPr sz="2200"/>
-            </a:lvl1pPr>
-            <a:lvl2pPr lvl="1" algn="ctr" rtl="0">
-              <a:spcBef>
-                <a:spcPts val="0"/>
-              </a:spcBef>
-              <a:spcAft>
-                <a:spcPts val="0"/>
-              </a:spcAft>
-              <a:buClr>
-                <a:schemeClr val="lt1"/>
-              </a:buClr>
-              <a:buSzPts val="2200"/>
-              <a:buFont typeface="Barlow Condensed ExtraBold"/>
-              <a:buNone/>
-              <a:defRPr sz="2200">
-                <a:solidFill>
-                  <a:schemeClr val="lt1"/>
-                </a:solidFill>
-                <a:latin typeface="Barlow Condensed ExtraBold"/>
-                <a:ea typeface="Barlow Condensed ExtraBold"/>
-                <a:cs typeface="Barlow Condensed ExtraBold"/>
-                <a:sym typeface="Barlow Condensed ExtraBold"/>
-              </a:defRPr>
-            </a:lvl2pPr>
-            <a:lvl3pPr lvl="2" algn="ctr" rtl="0">
-              <a:spcBef>
-                <a:spcPts val="0"/>
-              </a:spcBef>
-              <a:spcAft>
-                <a:spcPts val="0"/>
-              </a:spcAft>
-              <a:buClr>
-                <a:schemeClr val="lt1"/>
-              </a:buClr>
-              <a:buSzPts val="2200"/>
-              <a:buFont typeface="Barlow Condensed ExtraBold"/>
-              <a:buNone/>
-              <a:defRPr sz="2200">
-                <a:solidFill>
-                  <a:schemeClr val="lt1"/>
-                </a:solidFill>
-                <a:latin typeface="Barlow Condensed ExtraBold"/>
-                <a:ea typeface="Barlow Condensed ExtraBold"/>
-                <a:cs typeface="Barlow Condensed ExtraBold"/>
-                <a:sym typeface="Barlow Condensed ExtraBold"/>
-              </a:defRPr>
-            </a:lvl3pPr>
-            <a:lvl4pPr lvl="3" algn="ctr" rtl="0">
-              <a:spcBef>
-                <a:spcPts val="0"/>
-              </a:spcBef>
-              <a:spcAft>
-                <a:spcPts val="0"/>
-              </a:spcAft>
-              <a:buClr>
-                <a:schemeClr val="lt1"/>
-              </a:buClr>
-              <a:buSzPts val="2200"/>
-              <a:buFont typeface="Barlow Condensed ExtraBold"/>
-              <a:buNone/>
-              <a:defRPr sz="2200">
-                <a:solidFill>
-                  <a:schemeClr val="lt1"/>
-                </a:solidFill>
-                <a:latin typeface="Barlow Condensed ExtraBold"/>
-                <a:ea typeface="Barlow Condensed ExtraBold"/>
-                <a:cs typeface="Barlow Condensed ExtraBold"/>
-                <a:sym typeface="Barlow Condensed ExtraBold"/>
-              </a:defRPr>
-            </a:lvl4pPr>
-            <a:lvl5pPr lvl="4" algn="ctr" rtl="0">
-              <a:spcBef>
-                <a:spcPts val="0"/>
-              </a:spcBef>
-              <a:spcAft>
-                <a:spcPts val="0"/>
-              </a:spcAft>
-              <a:buClr>
-                <a:schemeClr val="lt1"/>
-              </a:buClr>
-              <a:buSzPts val="2200"/>
-              <a:buFont typeface="Barlow Condensed ExtraBold"/>
-              <a:buNone/>
-              <a:defRPr sz="2200">
-                <a:solidFill>
-                  <a:schemeClr val="lt1"/>
-                </a:solidFill>
-                <a:latin typeface="Barlow Condensed ExtraBold"/>
-                <a:ea typeface="Barlow Condensed ExtraBold"/>
-                <a:cs typeface="Barlow Condensed ExtraBold"/>
-                <a:sym typeface="Barlow Condensed ExtraBold"/>
-              </a:defRPr>
-            </a:lvl5pPr>
-            <a:lvl6pPr lvl="5" algn="ctr" rtl="0">
-              <a:spcBef>
-                <a:spcPts val="0"/>
-              </a:spcBef>
-              <a:spcAft>
-                <a:spcPts val="0"/>
-              </a:spcAft>
-              <a:buClr>
-                <a:schemeClr val="lt1"/>
-              </a:buClr>
-              <a:buSzPts val="2200"/>
-              <a:buFont typeface="Barlow Condensed ExtraBold"/>
-              <a:buNone/>
-              <a:defRPr sz="2200">
-                <a:solidFill>
-                  <a:schemeClr val="lt1"/>
-                </a:solidFill>
-                <a:latin typeface="Barlow Condensed ExtraBold"/>
-                <a:ea typeface="Barlow Condensed ExtraBold"/>
-                <a:cs typeface="Barlow Condensed ExtraBold"/>
-                <a:sym typeface="Barlow Condensed ExtraBold"/>
-              </a:defRPr>
-            </a:lvl6pPr>
-            <a:lvl7pPr lvl="6" algn="ctr" rtl="0">
-              <a:spcBef>
-                <a:spcPts val="0"/>
-              </a:spcBef>
-              <a:spcAft>
-                <a:spcPts val="0"/>
-              </a:spcAft>
-              <a:buClr>
-                <a:schemeClr val="lt1"/>
-              </a:buClr>
-              <a:buSzPts val="2200"/>
-              <a:buFont typeface="Barlow Condensed ExtraBold"/>
-              <a:buNone/>
-              <a:defRPr sz="2200">
-                <a:solidFill>
-                  <a:schemeClr val="lt1"/>
-                </a:solidFill>
-                <a:latin typeface="Barlow Condensed ExtraBold"/>
-                <a:ea typeface="Barlow Condensed ExtraBold"/>
-                <a:cs typeface="Barlow Condensed ExtraBold"/>
-                <a:sym typeface="Barlow Condensed ExtraBold"/>
-              </a:defRPr>
-            </a:lvl7pPr>
-            <a:lvl8pPr lvl="7" algn="ctr" rtl="0">
-              <a:spcBef>
-                <a:spcPts val="0"/>
-              </a:spcBef>
-              <a:spcAft>
-                <a:spcPts val="0"/>
-              </a:spcAft>
-              <a:buClr>
-                <a:schemeClr val="lt1"/>
-              </a:buClr>
-              <a:buSzPts val="2200"/>
-              <a:buFont typeface="Barlow Condensed ExtraBold"/>
-              <a:buNone/>
-              <a:defRPr sz="2200">
-                <a:solidFill>
-                  <a:schemeClr val="lt1"/>
-                </a:solidFill>
-                <a:latin typeface="Barlow Condensed ExtraBold"/>
-                <a:ea typeface="Barlow Condensed ExtraBold"/>
-                <a:cs typeface="Barlow Condensed ExtraBold"/>
-                <a:sym typeface="Barlow Condensed ExtraBold"/>
-              </a:defRPr>
-            </a:lvl8pPr>
-            <a:lvl9pPr lvl="8" algn="ctr" rtl="0">
-              <a:spcBef>
-                <a:spcPts val="0"/>
-              </a:spcBef>
-              <a:spcAft>
-                <a:spcPts val="0"/>
-              </a:spcAft>
-              <a:buClr>
-                <a:schemeClr val="lt1"/>
-              </a:buClr>
-              <a:buSzPts val="2200"/>
-              <a:buFont typeface="Barlow Condensed ExtraBold"/>
-              <a:buNone/>
-              <a:defRPr sz="2200">
-                <a:solidFill>
-                  <a:schemeClr val="lt1"/>
-                </a:solidFill>
-                <a:latin typeface="Barlow Condensed ExtraBold"/>
-                <a:ea typeface="Barlow Condensed ExtraBold"/>
-                <a:cs typeface="Barlow Condensed ExtraBold"/>
-                <a:sym typeface="Barlow Condensed ExtraBold"/>
-              </a:defRPr>
-            </a:lvl9pPr>
-          </a:lstStyle>
-          <a:p>
-            <a:endParaRPr/>
-          </a:p>
-        </p:txBody>
-      </p:sp>
-      <p:sp>
-        <p:nvSpPr>
-          <p:cNvPr id="296" name="Google Shape;296;p22"/>
-          <p:cNvSpPr txBox="1">
-            <a:spLocks noGrp="1"/>
-          </p:cNvSpPr>
-          <p:nvPr>
-            <p:ph type="subTitle" idx="8"/>
-          </p:nvPr>
-        </p:nvSpPr>
-        <p:spPr>
-          <a:xfrm>
-            <a:off x="835225" y="3826425"/>
-            <a:ext cx="1895700" cy="664200"/>
-          </a:xfrm>
-          <a:prstGeom prst="rect">
-            <a:avLst/>
-          </a:prstGeom>
-        </p:spPr>
-        <p:txBody>
-          <a:bodyPr spcFirstLastPara="1" wrap="square" lIns="91425" tIns="91425" rIns="91425" bIns="91425" anchor="t" anchorCtr="0">
-            <a:noAutofit/>
-          </a:bodyPr>
-          <a:lstStyle>
-            <a:lvl1pPr lvl="0" algn="ctr" rtl="0">
-              <a:lnSpc>
-                <a:spcPct val="100000"/>
-              </a:lnSpc>
-              <a:spcBef>
-                <a:spcPts val="0"/>
-              </a:spcBef>
-              <a:spcAft>
-                <a:spcPts val="0"/>
-              </a:spcAft>
-              <a:buSzPts val="1400"/>
-              <a:buNone/>
-              <a:defRPr sz="1400"/>
-            </a:lvl1pPr>
-            <a:lvl2pPr lvl="1" algn="ctr" rtl="0">
-              <a:lnSpc>
-                <a:spcPct val="100000"/>
-              </a:lnSpc>
-              <a:spcBef>
-                <a:spcPts val="0"/>
-              </a:spcBef>
-              <a:spcAft>
-                <a:spcPts val="0"/>
-              </a:spcAft>
-              <a:buSzPts val="1400"/>
-              <a:buNone/>
-              <a:defRPr/>
-            </a:lvl2pPr>
-            <a:lvl3pPr lvl="2" algn="ctr" rtl="0">
-              <a:lnSpc>
-                <a:spcPct val="100000"/>
-              </a:lnSpc>
-              <a:spcBef>
-                <a:spcPts val="0"/>
-              </a:spcBef>
-              <a:spcAft>
-                <a:spcPts val="0"/>
-              </a:spcAft>
-              <a:buSzPts val="1400"/>
-              <a:buNone/>
-              <a:defRPr/>
-            </a:lvl3pPr>
-            <a:lvl4pPr lvl="3" algn="ctr" rtl="0">
-              <a:lnSpc>
-                <a:spcPct val="100000"/>
-              </a:lnSpc>
-              <a:spcBef>
-                <a:spcPts val="0"/>
-              </a:spcBef>
-              <a:spcAft>
-                <a:spcPts val="0"/>
-              </a:spcAft>
-              <a:buSzPts val="1400"/>
-              <a:buNone/>
-              <a:defRPr/>
-            </a:lvl4pPr>
-            <a:lvl5pPr lvl="4" algn="ctr" rtl="0">
-              <a:lnSpc>
-                <a:spcPct val="100000"/>
-              </a:lnSpc>
-              <a:spcBef>
-                <a:spcPts val="0"/>
-              </a:spcBef>
-              <a:spcAft>
-                <a:spcPts val="0"/>
-              </a:spcAft>
-              <a:buSzPts val="1400"/>
-              <a:buNone/>
-              <a:defRPr/>
-            </a:lvl5pPr>
-            <a:lvl6pPr lvl="5" algn="ctr" rtl="0">
-              <a:lnSpc>
-                <a:spcPct val="100000"/>
-              </a:lnSpc>
-              <a:spcBef>
-                <a:spcPts val="0"/>
-              </a:spcBef>
-              <a:spcAft>
-                <a:spcPts val="0"/>
-              </a:spcAft>
-              <a:buSzPts val="1400"/>
-              <a:buNone/>
-              <a:defRPr/>
-            </a:lvl6pPr>
-            <a:lvl7pPr lvl="6" algn="ctr" rtl="0">
-              <a:lnSpc>
-                <a:spcPct val="100000"/>
-              </a:lnSpc>
-              <a:spcBef>
-                <a:spcPts val="0"/>
-              </a:spcBef>
-              <a:spcAft>
-                <a:spcPts val="0"/>
-              </a:spcAft>
-              <a:buSzPts val="1400"/>
-              <a:buNone/>
-              <a:defRPr/>
-            </a:lvl7pPr>
-            <a:lvl8pPr lvl="7" algn="ctr" rtl="0">
-              <a:lnSpc>
-                <a:spcPct val="100000"/>
-              </a:lnSpc>
-              <a:spcBef>
-                <a:spcPts val="0"/>
-              </a:spcBef>
-              <a:spcAft>
-                <a:spcPts val="0"/>
-              </a:spcAft>
-              <a:buSzPts val="1400"/>
-              <a:buNone/>
-              <a:defRPr/>
-            </a:lvl8pPr>
-            <a:lvl9pPr lvl="8" algn="ctr" rtl="0">
-              <a:lnSpc>
-                <a:spcPct val="100000"/>
-              </a:lnSpc>
-              <a:spcBef>
-                <a:spcPts val="0"/>
-              </a:spcBef>
-              <a:spcAft>
-                <a:spcPts val="0"/>
-              </a:spcAft>
-              <a:buSzPts val="1400"/>
-              <a:buNone/>
-              <a:defRPr/>
-            </a:lvl9pPr>
-          </a:lstStyle>
-          <a:p>
-            <a:endParaRPr/>
-          </a:p>
-        </p:txBody>
-      </p:sp>
-      <p:sp>
-        <p:nvSpPr>
-          <p:cNvPr id="297" name="Google Shape;297;p22"/>
-          <p:cNvSpPr txBox="1">
-            <a:spLocks noGrp="1"/>
-          </p:cNvSpPr>
-          <p:nvPr>
-            <p:ph type="title" idx="9"/>
-          </p:nvPr>
-        </p:nvSpPr>
-        <p:spPr>
-          <a:xfrm>
-            <a:off x="804325" y="3296625"/>
-            <a:ext cx="1957500" cy="529800"/>
-          </a:xfrm>
-          <a:prstGeom prst="rect">
-            <a:avLst/>
-          </a:prstGeom>
-          <a:solidFill>
-            <a:schemeClr val="lt2"/>
-          </a:solidFill>
-        </p:spPr>
-        <p:txBody>
-          <a:bodyPr spcFirstLastPara="1" wrap="square" lIns="91425" tIns="91425" rIns="91425" bIns="91425" anchor="b" anchorCtr="0">
-            <a:noAutofit/>
-          </a:bodyPr>
-          <a:lstStyle>
-            <a:lvl1pPr lvl="0" algn="ctr" rtl="0">
-              <a:spcBef>
-                <a:spcPts val="0"/>
-              </a:spcBef>
-              <a:spcAft>
-                <a:spcPts val="0"/>
-              </a:spcAft>
-              <a:buClr>
-                <a:schemeClr val="lt1"/>
-              </a:buClr>
-              <a:buSzPts val="2200"/>
-              <a:buNone/>
-              <a:defRPr sz="2200">
-                <a:solidFill>
-                  <a:schemeClr val="lt1"/>
-                </a:solidFill>
-              </a:defRPr>
-            </a:lvl1pPr>
-            <a:lvl2pPr lvl="1" algn="ctr" rtl="0">
-              <a:spcBef>
-                <a:spcPts val="0"/>
-              </a:spcBef>
-              <a:spcAft>
-                <a:spcPts val="0"/>
-              </a:spcAft>
-              <a:buClr>
-                <a:schemeClr val="lt1"/>
-              </a:buClr>
-              <a:buSzPts val="2200"/>
-              <a:buFont typeface="Barlow Condensed ExtraBold"/>
-              <a:buNone/>
-              <a:defRPr sz="2200">
-                <a:solidFill>
-                  <a:schemeClr val="lt1"/>
-                </a:solidFill>
-                <a:latin typeface="Barlow Condensed ExtraBold"/>
-                <a:ea typeface="Barlow Condensed ExtraBold"/>
-                <a:cs typeface="Barlow Condensed ExtraBold"/>
-                <a:sym typeface="Barlow Condensed ExtraBold"/>
-              </a:defRPr>
-            </a:lvl2pPr>
-            <a:lvl3pPr lvl="2" algn="ctr" rtl="0">
-              <a:spcBef>
-                <a:spcPts val="0"/>
-              </a:spcBef>
-              <a:spcAft>
-                <a:spcPts val="0"/>
-              </a:spcAft>
-              <a:buClr>
-                <a:schemeClr val="lt1"/>
-              </a:buClr>
-              <a:buSzPts val="2200"/>
-              <a:buFont typeface="Barlow Condensed ExtraBold"/>
-              <a:buNone/>
-              <a:defRPr sz="2200">
-                <a:solidFill>
-                  <a:schemeClr val="lt1"/>
-                </a:solidFill>
-                <a:latin typeface="Barlow Condensed ExtraBold"/>
-                <a:ea typeface="Barlow Condensed ExtraBold"/>
-                <a:cs typeface="Barlow Condensed ExtraBold"/>
-                <a:sym typeface="Barlow Condensed ExtraBold"/>
-              </a:defRPr>
-            </a:lvl3pPr>
-            <a:lvl4pPr lvl="3" algn="ctr" rtl="0">
-              <a:spcBef>
-                <a:spcPts val="0"/>
-              </a:spcBef>
-              <a:spcAft>
-                <a:spcPts val="0"/>
-              </a:spcAft>
-              <a:buClr>
-                <a:schemeClr val="lt1"/>
-              </a:buClr>
-              <a:buSzPts val="2200"/>
-              <a:buFont typeface="Barlow Condensed ExtraBold"/>
-              <a:buNone/>
-              <a:defRPr sz="2200">
-                <a:solidFill>
-                  <a:schemeClr val="lt1"/>
-                </a:solidFill>
-                <a:latin typeface="Barlow Condensed ExtraBold"/>
-                <a:ea typeface="Barlow Condensed ExtraBold"/>
-                <a:cs typeface="Barlow Condensed ExtraBold"/>
-                <a:sym typeface="Barlow Condensed ExtraBold"/>
-              </a:defRPr>
-            </a:lvl4pPr>
-            <a:lvl5pPr lvl="4" algn="ctr" rtl="0">
-              <a:spcBef>
-                <a:spcPts val="0"/>
-              </a:spcBef>
-              <a:spcAft>
-                <a:spcPts val="0"/>
-              </a:spcAft>
-              <a:buClr>
-                <a:schemeClr val="lt1"/>
-              </a:buClr>
-              <a:buSzPts val="2200"/>
-              <a:buFont typeface="Barlow Condensed ExtraBold"/>
-              <a:buNone/>
-              <a:defRPr sz="2200">
-                <a:solidFill>
-                  <a:schemeClr val="lt1"/>
-                </a:solidFill>
-                <a:latin typeface="Barlow Condensed ExtraBold"/>
-                <a:ea typeface="Barlow Condensed ExtraBold"/>
-                <a:cs typeface="Barlow Condensed ExtraBold"/>
-                <a:sym typeface="Barlow Condensed ExtraBold"/>
-              </a:defRPr>
-            </a:lvl5pPr>
-            <a:lvl6pPr lvl="5" algn="ctr" rtl="0">
-              <a:spcBef>
-                <a:spcPts val="0"/>
-              </a:spcBef>
-              <a:spcAft>
-                <a:spcPts val="0"/>
-              </a:spcAft>
-              <a:buClr>
-                <a:schemeClr val="lt1"/>
-              </a:buClr>
-              <a:buSzPts val="2200"/>
-              <a:buFont typeface="Barlow Condensed ExtraBold"/>
-              <a:buNone/>
-              <a:defRPr sz="2200">
-                <a:solidFill>
-                  <a:schemeClr val="lt1"/>
-                </a:solidFill>
-                <a:latin typeface="Barlow Condensed ExtraBold"/>
-                <a:ea typeface="Barlow Condensed ExtraBold"/>
-                <a:cs typeface="Barlow Condensed ExtraBold"/>
-                <a:sym typeface="Barlow Condensed ExtraBold"/>
-              </a:defRPr>
-            </a:lvl6pPr>
-            <a:lvl7pPr lvl="6" algn="ctr" rtl="0">
-              <a:spcBef>
-                <a:spcPts val="0"/>
-              </a:spcBef>
-              <a:spcAft>
-                <a:spcPts val="0"/>
-              </a:spcAft>
-              <a:buClr>
-                <a:schemeClr val="lt1"/>
-              </a:buClr>
-              <a:buSzPts val="2200"/>
-              <a:buFont typeface="Barlow Condensed ExtraBold"/>
-              <a:buNone/>
-              <a:defRPr sz="2200">
-                <a:solidFill>
-                  <a:schemeClr val="lt1"/>
-                </a:solidFill>
-                <a:latin typeface="Barlow Condensed ExtraBold"/>
-                <a:ea typeface="Barlow Condensed ExtraBold"/>
-                <a:cs typeface="Barlow Condensed ExtraBold"/>
-                <a:sym typeface="Barlow Condensed ExtraBold"/>
-              </a:defRPr>
-            </a:lvl7pPr>
-            <a:lvl8pPr lvl="7" algn="ctr" rtl="0">
-              <a:spcBef>
-                <a:spcPts val="0"/>
-              </a:spcBef>
-              <a:spcAft>
-                <a:spcPts val="0"/>
-              </a:spcAft>
-              <a:buClr>
-                <a:schemeClr val="lt1"/>
-              </a:buClr>
-              <a:buSzPts val="2200"/>
-              <a:buFont typeface="Barlow Condensed ExtraBold"/>
-              <a:buNone/>
-              <a:defRPr sz="2200">
-                <a:solidFill>
-                  <a:schemeClr val="lt1"/>
-                </a:solidFill>
-                <a:latin typeface="Barlow Condensed ExtraBold"/>
-                <a:ea typeface="Barlow Condensed ExtraBold"/>
-                <a:cs typeface="Barlow Condensed ExtraBold"/>
-                <a:sym typeface="Barlow Condensed ExtraBold"/>
-              </a:defRPr>
-            </a:lvl8pPr>
-            <a:lvl9pPr lvl="8" algn="ctr" rtl="0">
-              <a:spcBef>
-                <a:spcPts val="0"/>
-              </a:spcBef>
-              <a:spcAft>
-                <a:spcPts val="0"/>
-              </a:spcAft>
-              <a:buClr>
-                <a:schemeClr val="lt1"/>
-              </a:buClr>
-              <a:buSzPts val="2200"/>
-              <a:buFont typeface="Barlow Condensed ExtraBold"/>
-              <a:buNone/>
-              <a:defRPr sz="2200">
-                <a:solidFill>
-                  <a:schemeClr val="lt1"/>
-                </a:solidFill>
-                <a:latin typeface="Barlow Condensed ExtraBold"/>
-                <a:ea typeface="Barlow Condensed ExtraBold"/>
-                <a:cs typeface="Barlow Condensed ExtraBold"/>
-                <a:sym typeface="Barlow Condensed ExtraBold"/>
-              </a:defRPr>
-            </a:lvl9pPr>
-          </a:lstStyle>
-          <a:p>
-            <a:endParaRPr/>
-          </a:p>
-        </p:txBody>
-      </p:sp>
-      <p:sp>
-        <p:nvSpPr>
-          <p:cNvPr id="298" name="Google Shape;298;p22"/>
-          <p:cNvSpPr txBox="1">
-            <a:spLocks noGrp="1"/>
-          </p:cNvSpPr>
-          <p:nvPr>
-            <p:ph type="subTitle" idx="13"/>
-          </p:nvPr>
-        </p:nvSpPr>
-        <p:spPr>
-          <a:xfrm>
-            <a:off x="3624150" y="3826425"/>
-            <a:ext cx="1895700" cy="664200"/>
-          </a:xfrm>
-          <a:prstGeom prst="rect">
-            <a:avLst/>
-          </a:prstGeom>
-        </p:spPr>
-        <p:txBody>
-          <a:bodyPr spcFirstLastPara="1" wrap="square" lIns="91425" tIns="91425" rIns="91425" bIns="91425" anchor="t" anchorCtr="0">
-            <a:noAutofit/>
-          </a:bodyPr>
-          <a:lstStyle>
-            <a:lvl1pPr lvl="0" algn="ctr" rtl="0">
-              <a:lnSpc>
-                <a:spcPct val="100000"/>
-              </a:lnSpc>
-              <a:spcBef>
-                <a:spcPts val="0"/>
-              </a:spcBef>
-              <a:spcAft>
-                <a:spcPts val="0"/>
-              </a:spcAft>
-              <a:buSzPts val="1400"/>
-              <a:buNone/>
-              <a:defRPr sz="1400"/>
-            </a:lvl1pPr>
-            <a:lvl2pPr lvl="1" algn="ctr" rtl="0">
-              <a:lnSpc>
-                <a:spcPct val="100000"/>
-              </a:lnSpc>
-              <a:spcBef>
-                <a:spcPts val="0"/>
-              </a:spcBef>
-              <a:spcAft>
-                <a:spcPts val="0"/>
-              </a:spcAft>
-              <a:buSzPts val="1400"/>
-              <a:buNone/>
-              <a:defRPr/>
-            </a:lvl2pPr>
-            <a:lvl3pPr lvl="2" algn="ctr" rtl="0">
-              <a:lnSpc>
-                <a:spcPct val="100000"/>
-              </a:lnSpc>
-              <a:spcBef>
-                <a:spcPts val="0"/>
-              </a:spcBef>
-              <a:spcAft>
-                <a:spcPts val="0"/>
-              </a:spcAft>
-              <a:buSzPts val="1400"/>
-              <a:buNone/>
-              <a:defRPr/>
-            </a:lvl3pPr>
-            <a:lvl4pPr lvl="3" algn="ctr" rtl="0">
-              <a:lnSpc>
-                <a:spcPct val="100000"/>
-              </a:lnSpc>
-              <a:spcBef>
-                <a:spcPts val="0"/>
-              </a:spcBef>
-              <a:spcAft>
-                <a:spcPts val="0"/>
-              </a:spcAft>
-              <a:buSzPts val="1400"/>
-              <a:buNone/>
-              <a:defRPr/>
-            </a:lvl4pPr>
-            <a:lvl5pPr lvl="4" algn="ctr" rtl="0">
-              <a:lnSpc>
-                <a:spcPct val="100000"/>
-              </a:lnSpc>
-              <a:spcBef>
-                <a:spcPts val="0"/>
-              </a:spcBef>
-              <a:spcAft>
-                <a:spcPts val="0"/>
-              </a:spcAft>
-              <a:buSzPts val="1400"/>
-              <a:buNone/>
-              <a:defRPr/>
-            </a:lvl5pPr>
-            <a:lvl6pPr lvl="5" algn="ctr" rtl="0">
-              <a:lnSpc>
-                <a:spcPct val="100000"/>
-              </a:lnSpc>
-              <a:spcBef>
-                <a:spcPts val="0"/>
-              </a:spcBef>
-              <a:spcAft>
-                <a:spcPts val="0"/>
-              </a:spcAft>
-              <a:buSzPts val="1400"/>
-              <a:buNone/>
-              <a:defRPr/>
-            </a:lvl6pPr>
-            <a:lvl7pPr lvl="6" algn="ctr" rtl="0">
-              <a:lnSpc>
-                <a:spcPct val="100000"/>
-              </a:lnSpc>
-              <a:spcBef>
-                <a:spcPts val="0"/>
-              </a:spcBef>
-              <a:spcAft>
-                <a:spcPts val="0"/>
-              </a:spcAft>
-              <a:buSzPts val="1400"/>
-              <a:buNone/>
-              <a:defRPr/>
-            </a:lvl7pPr>
-            <a:lvl8pPr lvl="7" algn="ctr" rtl="0">
-              <a:lnSpc>
-                <a:spcPct val="100000"/>
-              </a:lnSpc>
-              <a:spcBef>
-                <a:spcPts val="0"/>
-              </a:spcBef>
-              <a:spcAft>
-                <a:spcPts val="0"/>
-              </a:spcAft>
-              <a:buSzPts val="1400"/>
-              <a:buNone/>
-              <a:defRPr/>
-            </a:lvl8pPr>
-            <a:lvl9pPr lvl="8" algn="ctr" rtl="0">
-              <a:lnSpc>
-                <a:spcPct val="100000"/>
-              </a:lnSpc>
-              <a:spcBef>
-                <a:spcPts val="0"/>
-              </a:spcBef>
-              <a:spcAft>
-                <a:spcPts val="0"/>
-              </a:spcAft>
-              <a:buSzPts val="1400"/>
-              <a:buNone/>
-              <a:defRPr/>
-            </a:lvl9pPr>
-          </a:lstStyle>
-          <a:p>
-            <a:endParaRPr/>
-          </a:p>
-        </p:txBody>
-      </p:sp>
-      <p:sp>
-        <p:nvSpPr>
-          <p:cNvPr id="299" name="Google Shape;299;p22"/>
-          <p:cNvSpPr txBox="1">
-            <a:spLocks noGrp="1"/>
-          </p:cNvSpPr>
-          <p:nvPr>
-            <p:ph type="title" idx="14"/>
-          </p:nvPr>
-        </p:nvSpPr>
-        <p:spPr>
-          <a:xfrm>
-            <a:off x="3593246" y="3296625"/>
-            <a:ext cx="1957500" cy="529800"/>
-          </a:xfrm>
-          <a:prstGeom prst="rect">
-            <a:avLst/>
-          </a:prstGeom>
-          <a:solidFill>
-            <a:schemeClr val="dk2"/>
-          </a:solidFill>
-        </p:spPr>
-        <p:txBody>
-          <a:bodyPr spcFirstLastPara="1" wrap="square" lIns="91425" tIns="91425" rIns="91425" bIns="91425" anchor="b" anchorCtr="0">
-            <a:noAutofit/>
-          </a:bodyPr>
-          <a:lstStyle>
-            <a:lvl1pPr lvl="0" algn="ctr" rtl="0">
-              <a:spcBef>
-                <a:spcPts val="0"/>
-              </a:spcBef>
-              <a:spcAft>
-                <a:spcPts val="0"/>
-              </a:spcAft>
-              <a:buClr>
-                <a:schemeClr val="dk1"/>
-              </a:buClr>
-              <a:buSzPts val="2200"/>
-              <a:buNone/>
-              <a:defRPr sz="2200">
-                <a:solidFill>
-                  <a:schemeClr val="dk1"/>
-                </a:solidFill>
-              </a:defRPr>
-            </a:lvl1pPr>
-            <a:lvl2pPr lvl="1" algn="ctr" rtl="0">
-              <a:spcBef>
-                <a:spcPts val="0"/>
-              </a:spcBef>
-              <a:spcAft>
-                <a:spcPts val="0"/>
-              </a:spcAft>
-              <a:buClr>
-                <a:schemeClr val="lt1"/>
-              </a:buClr>
-              <a:buSzPts val="2200"/>
-              <a:buFont typeface="Barlow Condensed ExtraBold"/>
-              <a:buNone/>
-              <a:defRPr sz="2200">
-                <a:solidFill>
-                  <a:schemeClr val="lt1"/>
-                </a:solidFill>
-                <a:latin typeface="Barlow Condensed ExtraBold"/>
-                <a:ea typeface="Barlow Condensed ExtraBold"/>
-                <a:cs typeface="Barlow Condensed ExtraBold"/>
-                <a:sym typeface="Barlow Condensed ExtraBold"/>
-              </a:defRPr>
-            </a:lvl2pPr>
-            <a:lvl3pPr lvl="2" algn="ctr" rtl="0">
-              <a:spcBef>
-                <a:spcPts val="0"/>
-              </a:spcBef>
-              <a:spcAft>
-                <a:spcPts val="0"/>
-              </a:spcAft>
-              <a:buClr>
-                <a:schemeClr val="lt1"/>
-              </a:buClr>
-              <a:buSzPts val="2200"/>
-              <a:buFont typeface="Barlow Condensed ExtraBold"/>
-              <a:buNone/>
-              <a:defRPr sz="2200">
-                <a:solidFill>
-                  <a:schemeClr val="lt1"/>
-                </a:solidFill>
-                <a:latin typeface="Barlow Condensed ExtraBold"/>
-                <a:ea typeface="Barlow Condensed ExtraBold"/>
-                <a:cs typeface="Barlow Condensed ExtraBold"/>
-                <a:sym typeface="Barlow Condensed ExtraBold"/>
-              </a:defRPr>
-            </a:lvl3pPr>
-            <a:lvl4pPr lvl="3" algn="ctr" rtl="0">
-              <a:spcBef>
-                <a:spcPts val="0"/>
-              </a:spcBef>
-              <a:spcAft>
-                <a:spcPts val="0"/>
-              </a:spcAft>
-              <a:buClr>
-                <a:schemeClr val="lt1"/>
-              </a:buClr>
-              <a:buSzPts val="2200"/>
-              <a:buFont typeface="Barlow Condensed ExtraBold"/>
-              <a:buNone/>
-              <a:defRPr sz="2200">
-                <a:solidFill>
-                  <a:schemeClr val="lt1"/>
-                </a:solidFill>
-                <a:latin typeface="Barlow Condensed ExtraBold"/>
-                <a:ea typeface="Barlow Condensed ExtraBold"/>
-                <a:cs typeface="Barlow Condensed ExtraBold"/>
-                <a:sym typeface="Barlow Condensed ExtraBold"/>
-              </a:defRPr>
-            </a:lvl4pPr>
-            <a:lvl5pPr lvl="4" algn="ctr" rtl="0">
-              <a:spcBef>
-                <a:spcPts val="0"/>
-              </a:spcBef>
-              <a:spcAft>
-                <a:spcPts val="0"/>
-              </a:spcAft>
-              <a:buClr>
-                <a:schemeClr val="lt1"/>
-              </a:buClr>
-              <a:buSzPts val="2200"/>
-              <a:buFont typeface="Barlow Condensed ExtraBold"/>
-              <a:buNone/>
-              <a:defRPr sz="2200">
-                <a:solidFill>
-                  <a:schemeClr val="lt1"/>
-                </a:solidFill>
-                <a:latin typeface="Barlow Condensed ExtraBold"/>
-                <a:ea typeface="Barlow Condensed ExtraBold"/>
-                <a:cs typeface="Barlow Condensed ExtraBold"/>
-                <a:sym typeface="Barlow Condensed ExtraBold"/>
-              </a:defRPr>
-            </a:lvl5pPr>
-            <a:lvl6pPr lvl="5" algn="ctr" rtl="0">
-              <a:spcBef>
-                <a:spcPts val="0"/>
-              </a:spcBef>
-              <a:spcAft>
-                <a:spcPts val="0"/>
-              </a:spcAft>
-              <a:buClr>
-                <a:schemeClr val="lt1"/>
-              </a:buClr>
-              <a:buSzPts val="2200"/>
-              <a:buFont typeface="Barlow Condensed ExtraBold"/>
-              <a:buNone/>
-              <a:defRPr sz="2200">
-                <a:solidFill>
-                  <a:schemeClr val="lt1"/>
-                </a:solidFill>
-                <a:latin typeface="Barlow Condensed ExtraBold"/>
-                <a:ea typeface="Barlow Condensed ExtraBold"/>
-                <a:cs typeface="Barlow Condensed ExtraBold"/>
-                <a:sym typeface="Barlow Condensed ExtraBold"/>
-              </a:defRPr>
-            </a:lvl6pPr>
-            <a:lvl7pPr lvl="6" algn="ctr" rtl="0">
-              <a:spcBef>
-                <a:spcPts val="0"/>
-              </a:spcBef>
-              <a:spcAft>
-                <a:spcPts val="0"/>
-              </a:spcAft>
-              <a:buClr>
-                <a:schemeClr val="lt1"/>
-              </a:buClr>
-              <a:buSzPts val="2200"/>
-              <a:buFont typeface="Barlow Condensed ExtraBold"/>
-              <a:buNone/>
-              <a:defRPr sz="2200">
-                <a:solidFill>
-                  <a:schemeClr val="lt1"/>
-                </a:solidFill>
-                <a:latin typeface="Barlow Condensed ExtraBold"/>
-                <a:ea typeface="Barlow Condensed ExtraBold"/>
-                <a:cs typeface="Barlow Condensed ExtraBold"/>
-                <a:sym typeface="Barlow Condensed ExtraBold"/>
-              </a:defRPr>
-            </a:lvl7pPr>
-            <a:lvl8pPr lvl="7" algn="ctr" rtl="0">
-              <a:spcBef>
-                <a:spcPts val="0"/>
-              </a:spcBef>
-              <a:spcAft>
-                <a:spcPts val="0"/>
-              </a:spcAft>
-              <a:buClr>
-                <a:schemeClr val="lt1"/>
-              </a:buClr>
-              <a:buSzPts val="2200"/>
-              <a:buFont typeface="Barlow Condensed ExtraBold"/>
-              <a:buNone/>
-              <a:defRPr sz="2200">
-                <a:solidFill>
-                  <a:schemeClr val="lt1"/>
-                </a:solidFill>
-                <a:latin typeface="Barlow Condensed ExtraBold"/>
-                <a:ea typeface="Barlow Condensed ExtraBold"/>
-                <a:cs typeface="Barlow Condensed ExtraBold"/>
-                <a:sym typeface="Barlow Condensed ExtraBold"/>
-              </a:defRPr>
-            </a:lvl8pPr>
-            <a:lvl9pPr lvl="8" algn="ctr" rtl="0">
-              <a:spcBef>
-                <a:spcPts val="0"/>
-              </a:spcBef>
-              <a:spcAft>
-                <a:spcPts val="0"/>
-              </a:spcAft>
-              <a:buClr>
-                <a:schemeClr val="lt1"/>
-              </a:buClr>
-              <a:buSzPts val="2200"/>
-              <a:buFont typeface="Barlow Condensed ExtraBold"/>
-              <a:buNone/>
-              <a:defRPr sz="2200">
-                <a:solidFill>
-                  <a:schemeClr val="lt1"/>
-                </a:solidFill>
-                <a:latin typeface="Barlow Condensed ExtraBold"/>
-                <a:ea typeface="Barlow Condensed ExtraBold"/>
-                <a:cs typeface="Barlow Condensed ExtraBold"/>
-                <a:sym typeface="Barlow Condensed ExtraBold"/>
-              </a:defRPr>
-            </a:lvl9pPr>
-          </a:lstStyle>
-          <a:p>
-            <a:endParaRPr/>
-          </a:p>
-        </p:txBody>
-      </p:sp>
-      <p:sp>
-        <p:nvSpPr>
-          <p:cNvPr id="300" name="Google Shape;300;p22"/>
-          <p:cNvSpPr txBox="1">
-            <a:spLocks noGrp="1"/>
-          </p:cNvSpPr>
-          <p:nvPr>
-            <p:ph type="title" idx="15"/>
-          </p:nvPr>
-        </p:nvSpPr>
-        <p:spPr>
-          <a:xfrm>
-            <a:off x="1278000" y="342000"/>
-            <a:ext cx="6588000" cy="669000"/>
-          </a:xfrm>
-          <a:prstGeom prst="rect">
-            <a:avLst/>
-          </a:prstGeom>
-        </p:spPr>
-        <p:txBody>
-          <a:bodyPr spcFirstLastPara="1" wrap="square" lIns="91425" tIns="91425" rIns="91425" bIns="91425" anchor="t" anchorCtr="0">
-            <a:noAutofit/>
-          </a:bodyPr>
-          <a:lstStyle>
-            <a:lvl1pPr lvl="0" algn="ctr" rtl="0">
-              <a:spcBef>
-                <a:spcPts val="0"/>
-              </a:spcBef>
-              <a:spcAft>
-                <a:spcPts val="0"/>
-              </a:spcAft>
-              <a:buNone/>
-              <a:defRPr sz="3000">
-                <a:solidFill>
-                  <a:schemeClr val="dk2"/>
-                </a:solidFill>
-              </a:defRPr>
-            </a:lvl1pPr>
-            <a:lvl2pPr lvl="1" algn="ctr" rtl="0">
-              <a:spcBef>
-                <a:spcPts val="0"/>
-              </a:spcBef>
-              <a:spcAft>
-                <a:spcPts val="0"/>
-              </a:spcAft>
-              <a:buNone/>
-              <a:defRPr sz="3000"/>
-            </a:lvl2pPr>
-            <a:lvl3pPr lvl="2" algn="ctr" rtl="0">
-              <a:spcBef>
-                <a:spcPts val="0"/>
-              </a:spcBef>
-              <a:spcAft>
-                <a:spcPts val="0"/>
-              </a:spcAft>
-              <a:buNone/>
-              <a:defRPr sz="3000"/>
-            </a:lvl3pPr>
-            <a:lvl4pPr lvl="3" algn="ctr" rtl="0">
-              <a:spcBef>
-                <a:spcPts val="0"/>
-              </a:spcBef>
-              <a:spcAft>
-                <a:spcPts val="0"/>
-              </a:spcAft>
-              <a:buNone/>
-              <a:defRPr sz="3000"/>
-            </a:lvl4pPr>
-            <a:lvl5pPr lvl="4" algn="ctr" rtl="0">
-              <a:spcBef>
-                <a:spcPts val="0"/>
-              </a:spcBef>
-              <a:spcAft>
-                <a:spcPts val="0"/>
-              </a:spcAft>
-              <a:buNone/>
-              <a:defRPr sz="3000"/>
-            </a:lvl5pPr>
-            <a:lvl6pPr lvl="5" algn="ctr" rtl="0">
-              <a:spcBef>
-                <a:spcPts val="0"/>
-              </a:spcBef>
-              <a:spcAft>
-                <a:spcPts val="0"/>
-              </a:spcAft>
-              <a:buNone/>
-              <a:defRPr sz="3000"/>
-            </a:lvl6pPr>
-            <a:lvl7pPr lvl="6" algn="ctr" rtl="0">
-              <a:spcBef>
-                <a:spcPts val="0"/>
-              </a:spcBef>
-              <a:spcAft>
-                <a:spcPts val="0"/>
-              </a:spcAft>
-              <a:buNone/>
-              <a:defRPr sz="3000"/>
-            </a:lvl7pPr>
-            <a:lvl8pPr lvl="7" algn="ctr" rtl="0">
-              <a:spcBef>
-                <a:spcPts val="0"/>
-              </a:spcBef>
-              <a:spcAft>
-                <a:spcPts val="0"/>
-              </a:spcAft>
-              <a:buNone/>
-              <a:defRPr sz="3000"/>
-            </a:lvl8pPr>
-            <a:lvl9pPr lvl="8" algn="ctr" rtl="0">
-              <a:spcBef>
-                <a:spcPts val="0"/>
-              </a:spcBef>
-              <a:spcAft>
-                <a:spcPts val="0"/>
-              </a:spcAft>
-              <a:buNone/>
-              <a:defRPr sz="3000"/>
-            </a:lvl9pPr>
-          </a:lstStyle>
-          <a:p>
-            <a:endParaRPr/>
-          </a:p>
-        </p:txBody>
-      </p:sp>
-      <p:sp>
-        <p:nvSpPr>
-          <p:cNvPr id="301" name="Google Shape;301;p22"/>
-          <p:cNvSpPr/>
-          <p:nvPr/>
-        </p:nvSpPr>
-        <p:spPr>
-          <a:xfrm flipH="1">
-            <a:off x="-40" y="1952289"/>
-            <a:ext cx="7790203" cy="131872"/>
-          </a:xfrm>
-          <a:custGeom>
-            <a:avLst/>
-            <a:gdLst/>
-            <a:ahLst/>
-            <a:cxnLst/>
-            <a:rect l="l" t="t" r="r" b="b"/>
-            <a:pathLst>
-              <a:path w="42303" h="4121" extrusionOk="0">
-                <a:moveTo>
-                  <a:pt x="0" y="1"/>
-                </a:moveTo>
-                <a:lnTo>
-                  <a:pt x="0" y="4120"/>
-                </a:lnTo>
-                <a:lnTo>
-                  <a:pt x="42303" y="4120"/>
-                </a:lnTo>
-                <a:lnTo>
-                  <a:pt x="42303" y="1"/>
-                </a:lnTo>
-                <a:close/>
-              </a:path>
-            </a:pathLst>
-          </a:custGeom>
-          <a:solidFill>
-            <a:srgbClr val="FFFFFF">
-              <a:alpha val="6270"/>
-            </a:srgbClr>
-          </a:solidFill>
-          <a:ln>
-            <a:noFill/>
-          </a:ln>
-        </p:spPr>
-        <p:txBody>
-          <a:bodyPr spcFirstLastPara="1" wrap="square" lIns="91425" tIns="91425" rIns="91425" bIns="91425" anchor="ctr" anchorCtr="0">
-            <a:noAutofit/>
-          </a:bodyPr>
-          <a:lstStyle/>
-          <a:p>
-            <a:pPr marL="0" lvl="0" indent="0" algn="l" rtl="0">
-              <a:spcBef>
-                <a:spcPts val="0"/>
-              </a:spcBef>
-              <a:spcAft>
-                <a:spcPts val="0"/>
-              </a:spcAft>
-              <a:buNone/>
-            </a:pPr>
-            <a:endParaRPr/>
-          </a:p>
-        </p:txBody>
-      </p:sp>
-      <p:sp>
-        <p:nvSpPr>
-          <p:cNvPr id="302" name="Google Shape;302;p22"/>
-          <p:cNvSpPr/>
-          <p:nvPr/>
-        </p:nvSpPr>
-        <p:spPr>
-          <a:xfrm flipH="1">
-            <a:off x="933395" y="3495600"/>
-            <a:ext cx="8210589" cy="131851"/>
-          </a:xfrm>
-          <a:custGeom>
-            <a:avLst/>
-            <a:gdLst/>
-            <a:ahLst/>
-            <a:cxnLst/>
-            <a:rect l="l" t="t" r="r" b="b"/>
-            <a:pathLst>
-              <a:path w="42303" h="4121" extrusionOk="0">
-                <a:moveTo>
-                  <a:pt x="0" y="1"/>
-                </a:moveTo>
-                <a:lnTo>
-                  <a:pt x="0" y="4120"/>
-                </a:lnTo>
-                <a:lnTo>
-                  <a:pt x="42303" y="4120"/>
-                </a:lnTo>
-                <a:lnTo>
-                  <a:pt x="42303" y="1"/>
-                </a:lnTo>
-                <a:close/>
-              </a:path>
-            </a:pathLst>
-          </a:custGeom>
-          <a:solidFill>
-            <a:srgbClr val="FFFFFF">
-              <a:alpha val="6270"/>
-            </a:srgbClr>
-          </a:solidFill>
-          <a:ln>
-            <a:noFill/>
-          </a:ln>
-        </p:spPr>
-        <p:txBody>
-          <a:bodyPr spcFirstLastPara="1" wrap="square" lIns="91425" tIns="91425" rIns="91425" bIns="91425" anchor="ctr" anchorCtr="0">
-            <a:noAutofit/>
-          </a:bodyPr>
-          <a:lstStyle/>
-          <a:p>
-            <a:pPr marL="0" lvl="0" indent="0" algn="l" rtl="0">
-              <a:spcBef>
-                <a:spcPts val="0"/>
-              </a:spcBef>
-              <a:spcAft>
-                <a:spcPts val="0"/>
-              </a:spcAft>
-              <a:buNone/>
-            </a:pPr>
-            <a:endParaRPr/>
-          </a:p>
-        </p:txBody>
-      </p:sp>
-    </p:spTree>
-  </p:cSld>
-  <p:clrMapOvr>
-    <a:masterClrMapping/>
-  </p:clrMapOvr>
-</p:sldLayout>
-</file>
-
 <file path=ppt/slideLayouts/slideLayout2.xml><?xml version="1.0" encoding="utf-8"?>
 <p:sldLayout xmlns:a="http://schemas.openxmlformats.org/drawingml/2006/main" xmlns:r="http://schemas.openxmlformats.org/officeDocument/2006/relationships" xmlns:p="http://schemas.openxmlformats.org/presentationml/2006/main" matchingName="Section header" type="secHead">
   <p:cSld name="SECTION_HEADER">
@@ -10374,1112 +7765,6 @@
 </file>
 
 <file path=ppt/slideLayouts/slideLayout3.xml><?xml version="1.0" encoding="utf-8"?>
-<p:sldLayout xmlns:a="http://schemas.openxmlformats.org/drawingml/2006/main" xmlns:r="http://schemas.openxmlformats.org/officeDocument/2006/relationships" xmlns:p="http://schemas.openxmlformats.org/presentationml/2006/main" matchingName="Title and two columns" type="twoColTx">
-  <p:cSld name="TITLE_AND_TWO_COLUMNS">
-    <p:spTree>
-      <p:nvGrpSpPr>
-        <p:cNvPr id="1" name="Shape 92"/>
-        <p:cNvGrpSpPr/>
-        <p:nvPr/>
-      </p:nvGrpSpPr>
-      <p:grpSpPr>
-        <a:xfrm>
-          <a:off x="0" y="0"/>
-          <a:ext cx="0" cy="0"/>
-          <a:chOff x="0" y="0"/>
-          <a:chExt cx="0" cy="0"/>
-        </a:xfrm>
-      </p:grpSpPr>
-      <p:sp>
-        <p:nvSpPr>
-          <p:cNvPr id="93" name="Google Shape;93;p6"/>
-          <p:cNvSpPr txBox="1">
-            <a:spLocks noGrp="1"/>
-          </p:cNvSpPr>
-          <p:nvPr>
-            <p:ph type="title"/>
-          </p:nvPr>
-        </p:nvSpPr>
-        <p:spPr>
-          <a:xfrm>
-            <a:off x="1278050" y="343200"/>
-            <a:ext cx="6588000" cy="669000"/>
-          </a:xfrm>
-          <a:prstGeom prst="rect">
-            <a:avLst/>
-          </a:prstGeom>
-        </p:spPr>
-        <p:txBody>
-          <a:bodyPr spcFirstLastPara="1" wrap="square" lIns="91425" tIns="91425" rIns="91425" bIns="91425" anchor="t" anchorCtr="0">
-            <a:noAutofit/>
-          </a:bodyPr>
-          <a:lstStyle>
-            <a:lvl1pPr lvl="0" algn="ctr" rtl="0">
-              <a:spcBef>
-                <a:spcPts val="0"/>
-              </a:spcBef>
-              <a:spcAft>
-                <a:spcPts val="0"/>
-              </a:spcAft>
-              <a:buNone/>
-              <a:defRPr sz="3000">
-                <a:solidFill>
-                  <a:schemeClr val="dk2"/>
-                </a:solidFill>
-              </a:defRPr>
-            </a:lvl1pPr>
-            <a:lvl2pPr lvl="1" algn="ctr" rtl="0">
-              <a:spcBef>
-                <a:spcPts val="0"/>
-              </a:spcBef>
-              <a:spcAft>
-                <a:spcPts val="0"/>
-              </a:spcAft>
-              <a:buNone/>
-              <a:defRPr sz="3000"/>
-            </a:lvl2pPr>
-            <a:lvl3pPr lvl="2" algn="ctr" rtl="0">
-              <a:spcBef>
-                <a:spcPts val="0"/>
-              </a:spcBef>
-              <a:spcAft>
-                <a:spcPts val="0"/>
-              </a:spcAft>
-              <a:buNone/>
-              <a:defRPr sz="3000"/>
-            </a:lvl3pPr>
-            <a:lvl4pPr lvl="3" algn="ctr" rtl="0">
-              <a:spcBef>
-                <a:spcPts val="0"/>
-              </a:spcBef>
-              <a:spcAft>
-                <a:spcPts val="0"/>
-              </a:spcAft>
-              <a:buNone/>
-              <a:defRPr sz="3000"/>
-            </a:lvl4pPr>
-            <a:lvl5pPr lvl="4" algn="ctr" rtl="0">
-              <a:spcBef>
-                <a:spcPts val="0"/>
-              </a:spcBef>
-              <a:spcAft>
-                <a:spcPts val="0"/>
-              </a:spcAft>
-              <a:buNone/>
-              <a:defRPr sz="3000"/>
-            </a:lvl5pPr>
-            <a:lvl6pPr lvl="5" algn="ctr" rtl="0">
-              <a:spcBef>
-                <a:spcPts val="0"/>
-              </a:spcBef>
-              <a:spcAft>
-                <a:spcPts val="0"/>
-              </a:spcAft>
-              <a:buNone/>
-              <a:defRPr sz="3000"/>
-            </a:lvl6pPr>
-            <a:lvl7pPr lvl="6" algn="ctr" rtl="0">
-              <a:spcBef>
-                <a:spcPts val="0"/>
-              </a:spcBef>
-              <a:spcAft>
-                <a:spcPts val="0"/>
-              </a:spcAft>
-              <a:buNone/>
-              <a:defRPr sz="3000"/>
-            </a:lvl7pPr>
-            <a:lvl8pPr lvl="7" algn="ctr" rtl="0">
-              <a:spcBef>
-                <a:spcPts val="0"/>
-              </a:spcBef>
-              <a:spcAft>
-                <a:spcPts val="0"/>
-              </a:spcAft>
-              <a:buNone/>
-              <a:defRPr sz="3000"/>
-            </a:lvl8pPr>
-            <a:lvl9pPr lvl="8" algn="ctr" rtl="0">
-              <a:spcBef>
-                <a:spcPts val="0"/>
-              </a:spcBef>
-              <a:spcAft>
-                <a:spcPts val="0"/>
-              </a:spcAft>
-              <a:buNone/>
-              <a:defRPr sz="3000"/>
-            </a:lvl9pPr>
-          </a:lstStyle>
-          <a:p>
-            <a:endParaRPr/>
-          </a:p>
-        </p:txBody>
-      </p:sp>
-      <p:sp>
-        <p:nvSpPr>
-          <p:cNvPr id="94" name="Google Shape;94;p6"/>
-          <p:cNvSpPr txBox="1">
-            <a:spLocks noGrp="1"/>
-          </p:cNvSpPr>
-          <p:nvPr>
-            <p:ph type="subTitle" idx="1"/>
-          </p:nvPr>
-        </p:nvSpPr>
-        <p:spPr>
-          <a:xfrm>
-            <a:off x="2773575" y="3109000"/>
-            <a:ext cx="2226600" cy="843900"/>
-          </a:xfrm>
-          <a:prstGeom prst="rect">
-            <a:avLst/>
-          </a:prstGeom>
-        </p:spPr>
-        <p:txBody>
-          <a:bodyPr spcFirstLastPara="1" wrap="square" lIns="91425" tIns="91425" rIns="91425" bIns="91425" anchor="t" anchorCtr="0">
-            <a:noAutofit/>
-          </a:bodyPr>
-          <a:lstStyle>
-            <a:lvl1pPr lvl="0" algn="ctr" rtl="0">
-              <a:lnSpc>
-                <a:spcPct val="100000"/>
-              </a:lnSpc>
-              <a:spcBef>
-                <a:spcPts val="0"/>
-              </a:spcBef>
-              <a:spcAft>
-                <a:spcPts val="0"/>
-              </a:spcAft>
-              <a:buSzPts val="1400"/>
-              <a:buNone/>
-              <a:defRPr sz="1400"/>
-            </a:lvl1pPr>
-            <a:lvl2pPr lvl="1" rtl="0">
-              <a:lnSpc>
-                <a:spcPct val="100000"/>
-              </a:lnSpc>
-              <a:spcBef>
-                <a:spcPts val="0"/>
-              </a:spcBef>
-              <a:spcAft>
-                <a:spcPts val="0"/>
-              </a:spcAft>
-              <a:buClr>
-                <a:schemeClr val="dk1"/>
-              </a:buClr>
-              <a:buSzPts val="2800"/>
-              <a:buNone/>
-              <a:defRPr sz="2800">
-                <a:solidFill>
-                  <a:schemeClr val="dk1"/>
-                </a:solidFill>
-              </a:defRPr>
-            </a:lvl2pPr>
-            <a:lvl3pPr lvl="2" rtl="0">
-              <a:lnSpc>
-                <a:spcPct val="100000"/>
-              </a:lnSpc>
-              <a:spcBef>
-                <a:spcPts val="0"/>
-              </a:spcBef>
-              <a:spcAft>
-                <a:spcPts val="0"/>
-              </a:spcAft>
-              <a:buClr>
-                <a:schemeClr val="dk1"/>
-              </a:buClr>
-              <a:buSzPts val="2800"/>
-              <a:buNone/>
-              <a:defRPr sz="2800">
-                <a:solidFill>
-                  <a:schemeClr val="dk1"/>
-                </a:solidFill>
-              </a:defRPr>
-            </a:lvl3pPr>
-            <a:lvl4pPr lvl="3" rtl="0">
-              <a:lnSpc>
-                <a:spcPct val="100000"/>
-              </a:lnSpc>
-              <a:spcBef>
-                <a:spcPts val="0"/>
-              </a:spcBef>
-              <a:spcAft>
-                <a:spcPts val="0"/>
-              </a:spcAft>
-              <a:buClr>
-                <a:schemeClr val="dk1"/>
-              </a:buClr>
-              <a:buSzPts val="2800"/>
-              <a:buNone/>
-              <a:defRPr sz="2800">
-                <a:solidFill>
-                  <a:schemeClr val="dk1"/>
-                </a:solidFill>
-              </a:defRPr>
-            </a:lvl4pPr>
-            <a:lvl5pPr lvl="4" rtl="0">
-              <a:lnSpc>
-                <a:spcPct val="100000"/>
-              </a:lnSpc>
-              <a:spcBef>
-                <a:spcPts val="0"/>
-              </a:spcBef>
-              <a:spcAft>
-                <a:spcPts val="0"/>
-              </a:spcAft>
-              <a:buClr>
-                <a:schemeClr val="dk1"/>
-              </a:buClr>
-              <a:buSzPts val="2800"/>
-              <a:buNone/>
-              <a:defRPr sz="2800">
-                <a:solidFill>
-                  <a:schemeClr val="dk1"/>
-                </a:solidFill>
-              </a:defRPr>
-            </a:lvl5pPr>
-            <a:lvl6pPr lvl="5" rtl="0">
-              <a:lnSpc>
-                <a:spcPct val="100000"/>
-              </a:lnSpc>
-              <a:spcBef>
-                <a:spcPts val="0"/>
-              </a:spcBef>
-              <a:spcAft>
-                <a:spcPts val="0"/>
-              </a:spcAft>
-              <a:buClr>
-                <a:schemeClr val="dk1"/>
-              </a:buClr>
-              <a:buSzPts val="2800"/>
-              <a:buNone/>
-              <a:defRPr sz="2800">
-                <a:solidFill>
-                  <a:schemeClr val="dk1"/>
-                </a:solidFill>
-              </a:defRPr>
-            </a:lvl6pPr>
-            <a:lvl7pPr lvl="6" rtl="0">
-              <a:lnSpc>
-                <a:spcPct val="100000"/>
-              </a:lnSpc>
-              <a:spcBef>
-                <a:spcPts val="0"/>
-              </a:spcBef>
-              <a:spcAft>
-                <a:spcPts val="0"/>
-              </a:spcAft>
-              <a:buClr>
-                <a:schemeClr val="dk1"/>
-              </a:buClr>
-              <a:buSzPts val="2800"/>
-              <a:buNone/>
-              <a:defRPr sz="2800">
-                <a:solidFill>
-                  <a:schemeClr val="dk1"/>
-                </a:solidFill>
-              </a:defRPr>
-            </a:lvl7pPr>
-            <a:lvl8pPr lvl="7" rtl="0">
-              <a:lnSpc>
-                <a:spcPct val="100000"/>
-              </a:lnSpc>
-              <a:spcBef>
-                <a:spcPts val="0"/>
-              </a:spcBef>
-              <a:spcAft>
-                <a:spcPts val="0"/>
-              </a:spcAft>
-              <a:buClr>
-                <a:schemeClr val="dk1"/>
-              </a:buClr>
-              <a:buSzPts val="2800"/>
-              <a:buNone/>
-              <a:defRPr sz="2800">
-                <a:solidFill>
-                  <a:schemeClr val="dk1"/>
-                </a:solidFill>
-              </a:defRPr>
-            </a:lvl8pPr>
-            <a:lvl9pPr lvl="8" rtl="0">
-              <a:lnSpc>
-                <a:spcPct val="100000"/>
-              </a:lnSpc>
-              <a:spcBef>
-                <a:spcPts val="0"/>
-              </a:spcBef>
-              <a:spcAft>
-                <a:spcPts val="0"/>
-              </a:spcAft>
-              <a:buClr>
-                <a:schemeClr val="dk1"/>
-              </a:buClr>
-              <a:buSzPts val="2800"/>
-              <a:buNone/>
-              <a:defRPr sz="2800">
-                <a:solidFill>
-                  <a:schemeClr val="dk1"/>
-                </a:solidFill>
-              </a:defRPr>
-            </a:lvl9pPr>
-          </a:lstStyle>
-          <a:p>
-            <a:endParaRPr/>
-          </a:p>
-        </p:txBody>
-      </p:sp>
-      <p:sp>
-        <p:nvSpPr>
-          <p:cNvPr id="95" name="Google Shape;95;p6"/>
-          <p:cNvSpPr txBox="1">
-            <a:spLocks noGrp="1"/>
-          </p:cNvSpPr>
-          <p:nvPr>
-            <p:ph type="title" idx="2"/>
-          </p:nvPr>
-        </p:nvSpPr>
-        <p:spPr>
-          <a:xfrm>
-            <a:off x="2646050" y="2523698"/>
-            <a:ext cx="2481300" cy="524400"/>
-          </a:xfrm>
-          <a:prstGeom prst="rect">
-            <a:avLst/>
-          </a:prstGeom>
-          <a:solidFill>
-            <a:schemeClr val="dk2"/>
-          </a:solidFill>
-        </p:spPr>
-        <p:txBody>
-          <a:bodyPr spcFirstLastPara="1" wrap="square" lIns="91425" tIns="91425" rIns="91425" bIns="91425" anchor="b" anchorCtr="0">
-            <a:noAutofit/>
-          </a:bodyPr>
-          <a:lstStyle>
-            <a:lvl1pPr lvl="0" algn="ctr" rtl="0">
-              <a:spcBef>
-                <a:spcPts val="0"/>
-              </a:spcBef>
-              <a:spcAft>
-                <a:spcPts val="0"/>
-              </a:spcAft>
-              <a:buClr>
-                <a:schemeClr val="dk1"/>
-              </a:buClr>
-              <a:buSzPts val="2200"/>
-              <a:buNone/>
-              <a:defRPr sz="2200">
-                <a:solidFill>
-                  <a:schemeClr val="dk1"/>
-                </a:solidFill>
-              </a:defRPr>
-            </a:lvl1pPr>
-            <a:lvl2pPr lvl="1" rtl="0">
-              <a:spcBef>
-                <a:spcPts val="0"/>
-              </a:spcBef>
-              <a:spcAft>
-                <a:spcPts val="0"/>
-              </a:spcAft>
-              <a:buClr>
-                <a:schemeClr val="lt1"/>
-              </a:buClr>
-              <a:buSzPts val="2400"/>
-              <a:buFont typeface="Barlow Condensed ExtraBold"/>
-              <a:buNone/>
-              <a:defRPr sz="2400">
-                <a:solidFill>
-                  <a:schemeClr val="lt1"/>
-                </a:solidFill>
-                <a:latin typeface="Barlow Condensed ExtraBold"/>
-                <a:ea typeface="Barlow Condensed ExtraBold"/>
-                <a:cs typeface="Barlow Condensed ExtraBold"/>
-                <a:sym typeface="Barlow Condensed ExtraBold"/>
-              </a:defRPr>
-            </a:lvl2pPr>
-            <a:lvl3pPr lvl="2" rtl="0">
-              <a:spcBef>
-                <a:spcPts val="0"/>
-              </a:spcBef>
-              <a:spcAft>
-                <a:spcPts val="0"/>
-              </a:spcAft>
-              <a:buClr>
-                <a:schemeClr val="lt1"/>
-              </a:buClr>
-              <a:buSzPts val="2400"/>
-              <a:buFont typeface="Barlow Condensed ExtraBold"/>
-              <a:buNone/>
-              <a:defRPr sz="2400">
-                <a:solidFill>
-                  <a:schemeClr val="lt1"/>
-                </a:solidFill>
-                <a:latin typeface="Barlow Condensed ExtraBold"/>
-                <a:ea typeface="Barlow Condensed ExtraBold"/>
-                <a:cs typeface="Barlow Condensed ExtraBold"/>
-                <a:sym typeface="Barlow Condensed ExtraBold"/>
-              </a:defRPr>
-            </a:lvl3pPr>
-            <a:lvl4pPr lvl="3" rtl="0">
-              <a:spcBef>
-                <a:spcPts val="0"/>
-              </a:spcBef>
-              <a:spcAft>
-                <a:spcPts val="0"/>
-              </a:spcAft>
-              <a:buClr>
-                <a:schemeClr val="lt1"/>
-              </a:buClr>
-              <a:buSzPts val="2400"/>
-              <a:buFont typeface="Barlow Condensed ExtraBold"/>
-              <a:buNone/>
-              <a:defRPr sz="2400">
-                <a:solidFill>
-                  <a:schemeClr val="lt1"/>
-                </a:solidFill>
-                <a:latin typeface="Barlow Condensed ExtraBold"/>
-                <a:ea typeface="Barlow Condensed ExtraBold"/>
-                <a:cs typeface="Barlow Condensed ExtraBold"/>
-                <a:sym typeface="Barlow Condensed ExtraBold"/>
-              </a:defRPr>
-            </a:lvl4pPr>
-            <a:lvl5pPr lvl="4" rtl="0">
-              <a:spcBef>
-                <a:spcPts val="0"/>
-              </a:spcBef>
-              <a:spcAft>
-                <a:spcPts val="0"/>
-              </a:spcAft>
-              <a:buClr>
-                <a:schemeClr val="lt1"/>
-              </a:buClr>
-              <a:buSzPts val="2400"/>
-              <a:buFont typeface="Barlow Condensed ExtraBold"/>
-              <a:buNone/>
-              <a:defRPr sz="2400">
-                <a:solidFill>
-                  <a:schemeClr val="lt1"/>
-                </a:solidFill>
-                <a:latin typeface="Barlow Condensed ExtraBold"/>
-                <a:ea typeface="Barlow Condensed ExtraBold"/>
-                <a:cs typeface="Barlow Condensed ExtraBold"/>
-                <a:sym typeface="Barlow Condensed ExtraBold"/>
-              </a:defRPr>
-            </a:lvl5pPr>
-            <a:lvl6pPr lvl="5" rtl="0">
-              <a:spcBef>
-                <a:spcPts val="0"/>
-              </a:spcBef>
-              <a:spcAft>
-                <a:spcPts val="0"/>
-              </a:spcAft>
-              <a:buClr>
-                <a:schemeClr val="lt1"/>
-              </a:buClr>
-              <a:buSzPts val="2400"/>
-              <a:buFont typeface="Barlow Condensed ExtraBold"/>
-              <a:buNone/>
-              <a:defRPr sz="2400">
-                <a:solidFill>
-                  <a:schemeClr val="lt1"/>
-                </a:solidFill>
-                <a:latin typeface="Barlow Condensed ExtraBold"/>
-                <a:ea typeface="Barlow Condensed ExtraBold"/>
-                <a:cs typeface="Barlow Condensed ExtraBold"/>
-                <a:sym typeface="Barlow Condensed ExtraBold"/>
-              </a:defRPr>
-            </a:lvl6pPr>
-            <a:lvl7pPr lvl="6" rtl="0">
-              <a:spcBef>
-                <a:spcPts val="0"/>
-              </a:spcBef>
-              <a:spcAft>
-                <a:spcPts val="0"/>
-              </a:spcAft>
-              <a:buClr>
-                <a:schemeClr val="lt1"/>
-              </a:buClr>
-              <a:buSzPts val="2400"/>
-              <a:buFont typeface="Barlow Condensed ExtraBold"/>
-              <a:buNone/>
-              <a:defRPr sz="2400">
-                <a:solidFill>
-                  <a:schemeClr val="lt1"/>
-                </a:solidFill>
-                <a:latin typeface="Barlow Condensed ExtraBold"/>
-                <a:ea typeface="Barlow Condensed ExtraBold"/>
-                <a:cs typeface="Barlow Condensed ExtraBold"/>
-                <a:sym typeface="Barlow Condensed ExtraBold"/>
-              </a:defRPr>
-            </a:lvl7pPr>
-            <a:lvl8pPr lvl="7" rtl="0">
-              <a:spcBef>
-                <a:spcPts val="0"/>
-              </a:spcBef>
-              <a:spcAft>
-                <a:spcPts val="0"/>
-              </a:spcAft>
-              <a:buClr>
-                <a:schemeClr val="lt1"/>
-              </a:buClr>
-              <a:buSzPts val="2400"/>
-              <a:buFont typeface="Barlow Condensed ExtraBold"/>
-              <a:buNone/>
-              <a:defRPr sz="2400">
-                <a:solidFill>
-                  <a:schemeClr val="lt1"/>
-                </a:solidFill>
-                <a:latin typeface="Barlow Condensed ExtraBold"/>
-                <a:ea typeface="Barlow Condensed ExtraBold"/>
-                <a:cs typeface="Barlow Condensed ExtraBold"/>
-                <a:sym typeface="Barlow Condensed ExtraBold"/>
-              </a:defRPr>
-            </a:lvl8pPr>
-            <a:lvl9pPr lvl="8" rtl="0">
-              <a:spcBef>
-                <a:spcPts val="0"/>
-              </a:spcBef>
-              <a:spcAft>
-                <a:spcPts val="0"/>
-              </a:spcAft>
-              <a:buClr>
-                <a:schemeClr val="lt1"/>
-              </a:buClr>
-              <a:buSzPts val="2400"/>
-              <a:buFont typeface="Barlow Condensed ExtraBold"/>
-              <a:buNone/>
-              <a:defRPr sz="2400">
-                <a:solidFill>
-                  <a:schemeClr val="lt1"/>
-                </a:solidFill>
-                <a:latin typeface="Barlow Condensed ExtraBold"/>
-                <a:ea typeface="Barlow Condensed ExtraBold"/>
-                <a:cs typeface="Barlow Condensed ExtraBold"/>
-                <a:sym typeface="Barlow Condensed ExtraBold"/>
-              </a:defRPr>
-            </a:lvl9pPr>
-          </a:lstStyle>
-          <a:p>
-            <a:endParaRPr/>
-          </a:p>
-        </p:txBody>
-      </p:sp>
-      <p:sp>
-        <p:nvSpPr>
-          <p:cNvPr id="96" name="Google Shape;96;p6"/>
-          <p:cNvSpPr txBox="1">
-            <a:spLocks noGrp="1"/>
-          </p:cNvSpPr>
-          <p:nvPr>
-            <p:ph type="subTitle" idx="3"/>
-          </p:nvPr>
-        </p:nvSpPr>
-        <p:spPr>
-          <a:xfrm>
-            <a:off x="6070225" y="3109000"/>
-            <a:ext cx="2226600" cy="843900"/>
-          </a:xfrm>
-          <a:prstGeom prst="rect">
-            <a:avLst/>
-          </a:prstGeom>
-        </p:spPr>
-        <p:txBody>
-          <a:bodyPr spcFirstLastPara="1" wrap="square" lIns="91425" tIns="91425" rIns="91425" bIns="91425" anchor="t" anchorCtr="0">
-            <a:noAutofit/>
-          </a:bodyPr>
-          <a:lstStyle>
-            <a:lvl1pPr lvl="0" algn="ctr" rtl="0">
-              <a:lnSpc>
-                <a:spcPct val="100000"/>
-              </a:lnSpc>
-              <a:spcBef>
-                <a:spcPts val="0"/>
-              </a:spcBef>
-              <a:spcAft>
-                <a:spcPts val="0"/>
-              </a:spcAft>
-              <a:buSzPts val="1400"/>
-              <a:buNone/>
-              <a:defRPr sz="1400"/>
-            </a:lvl1pPr>
-            <a:lvl2pPr lvl="1" rtl="0">
-              <a:lnSpc>
-                <a:spcPct val="100000"/>
-              </a:lnSpc>
-              <a:spcBef>
-                <a:spcPts val="0"/>
-              </a:spcBef>
-              <a:spcAft>
-                <a:spcPts val="0"/>
-              </a:spcAft>
-              <a:buClr>
-                <a:schemeClr val="dk1"/>
-              </a:buClr>
-              <a:buSzPts val="2800"/>
-              <a:buNone/>
-              <a:defRPr sz="2800">
-                <a:solidFill>
-                  <a:schemeClr val="dk1"/>
-                </a:solidFill>
-              </a:defRPr>
-            </a:lvl2pPr>
-            <a:lvl3pPr lvl="2" rtl="0">
-              <a:lnSpc>
-                <a:spcPct val="100000"/>
-              </a:lnSpc>
-              <a:spcBef>
-                <a:spcPts val="0"/>
-              </a:spcBef>
-              <a:spcAft>
-                <a:spcPts val="0"/>
-              </a:spcAft>
-              <a:buClr>
-                <a:schemeClr val="dk1"/>
-              </a:buClr>
-              <a:buSzPts val="2800"/>
-              <a:buNone/>
-              <a:defRPr sz="2800">
-                <a:solidFill>
-                  <a:schemeClr val="dk1"/>
-                </a:solidFill>
-              </a:defRPr>
-            </a:lvl3pPr>
-            <a:lvl4pPr lvl="3" rtl="0">
-              <a:lnSpc>
-                <a:spcPct val="100000"/>
-              </a:lnSpc>
-              <a:spcBef>
-                <a:spcPts val="0"/>
-              </a:spcBef>
-              <a:spcAft>
-                <a:spcPts val="0"/>
-              </a:spcAft>
-              <a:buClr>
-                <a:schemeClr val="dk1"/>
-              </a:buClr>
-              <a:buSzPts val="2800"/>
-              <a:buNone/>
-              <a:defRPr sz="2800">
-                <a:solidFill>
-                  <a:schemeClr val="dk1"/>
-                </a:solidFill>
-              </a:defRPr>
-            </a:lvl4pPr>
-            <a:lvl5pPr lvl="4" rtl="0">
-              <a:lnSpc>
-                <a:spcPct val="100000"/>
-              </a:lnSpc>
-              <a:spcBef>
-                <a:spcPts val="0"/>
-              </a:spcBef>
-              <a:spcAft>
-                <a:spcPts val="0"/>
-              </a:spcAft>
-              <a:buClr>
-                <a:schemeClr val="dk1"/>
-              </a:buClr>
-              <a:buSzPts val="2800"/>
-              <a:buNone/>
-              <a:defRPr sz="2800">
-                <a:solidFill>
-                  <a:schemeClr val="dk1"/>
-                </a:solidFill>
-              </a:defRPr>
-            </a:lvl5pPr>
-            <a:lvl6pPr lvl="5" rtl="0">
-              <a:lnSpc>
-                <a:spcPct val="100000"/>
-              </a:lnSpc>
-              <a:spcBef>
-                <a:spcPts val="0"/>
-              </a:spcBef>
-              <a:spcAft>
-                <a:spcPts val="0"/>
-              </a:spcAft>
-              <a:buClr>
-                <a:schemeClr val="dk1"/>
-              </a:buClr>
-              <a:buSzPts val="2800"/>
-              <a:buNone/>
-              <a:defRPr sz="2800">
-                <a:solidFill>
-                  <a:schemeClr val="dk1"/>
-                </a:solidFill>
-              </a:defRPr>
-            </a:lvl6pPr>
-            <a:lvl7pPr lvl="6" rtl="0">
-              <a:lnSpc>
-                <a:spcPct val="100000"/>
-              </a:lnSpc>
-              <a:spcBef>
-                <a:spcPts val="0"/>
-              </a:spcBef>
-              <a:spcAft>
-                <a:spcPts val="0"/>
-              </a:spcAft>
-              <a:buClr>
-                <a:schemeClr val="dk1"/>
-              </a:buClr>
-              <a:buSzPts val="2800"/>
-              <a:buNone/>
-              <a:defRPr sz="2800">
-                <a:solidFill>
-                  <a:schemeClr val="dk1"/>
-                </a:solidFill>
-              </a:defRPr>
-            </a:lvl7pPr>
-            <a:lvl8pPr lvl="7" rtl="0">
-              <a:lnSpc>
-                <a:spcPct val="100000"/>
-              </a:lnSpc>
-              <a:spcBef>
-                <a:spcPts val="0"/>
-              </a:spcBef>
-              <a:spcAft>
-                <a:spcPts val="0"/>
-              </a:spcAft>
-              <a:buClr>
-                <a:schemeClr val="dk1"/>
-              </a:buClr>
-              <a:buSzPts val="2800"/>
-              <a:buNone/>
-              <a:defRPr sz="2800">
-                <a:solidFill>
-                  <a:schemeClr val="dk1"/>
-                </a:solidFill>
-              </a:defRPr>
-            </a:lvl8pPr>
-            <a:lvl9pPr lvl="8" rtl="0">
-              <a:lnSpc>
-                <a:spcPct val="100000"/>
-              </a:lnSpc>
-              <a:spcBef>
-                <a:spcPts val="0"/>
-              </a:spcBef>
-              <a:spcAft>
-                <a:spcPts val="0"/>
-              </a:spcAft>
-              <a:buClr>
-                <a:schemeClr val="dk1"/>
-              </a:buClr>
-              <a:buSzPts val="2800"/>
-              <a:buNone/>
-              <a:defRPr sz="2800">
-                <a:solidFill>
-                  <a:schemeClr val="dk1"/>
-                </a:solidFill>
-              </a:defRPr>
-            </a:lvl9pPr>
-          </a:lstStyle>
-          <a:p>
-            <a:endParaRPr/>
-          </a:p>
-        </p:txBody>
-      </p:sp>
-      <p:sp>
-        <p:nvSpPr>
-          <p:cNvPr id="97" name="Google Shape;97;p6"/>
-          <p:cNvSpPr txBox="1">
-            <a:spLocks noGrp="1"/>
-          </p:cNvSpPr>
-          <p:nvPr>
-            <p:ph type="title" idx="4"/>
-          </p:nvPr>
-        </p:nvSpPr>
-        <p:spPr>
-          <a:xfrm>
-            <a:off x="5942650" y="2523676"/>
-            <a:ext cx="2481300" cy="524400"/>
-          </a:xfrm>
-          <a:prstGeom prst="rect">
-            <a:avLst/>
-          </a:prstGeom>
-          <a:solidFill>
-            <a:schemeClr val="lt2"/>
-          </a:solidFill>
-        </p:spPr>
-        <p:txBody>
-          <a:bodyPr spcFirstLastPara="1" wrap="square" lIns="91425" tIns="91425" rIns="91425" bIns="91425" anchor="b" anchorCtr="0">
-            <a:noAutofit/>
-          </a:bodyPr>
-          <a:lstStyle>
-            <a:lvl1pPr lvl="0" algn="ctr" rtl="0">
-              <a:spcBef>
-                <a:spcPts val="0"/>
-              </a:spcBef>
-              <a:spcAft>
-                <a:spcPts val="0"/>
-              </a:spcAft>
-              <a:buClr>
-                <a:schemeClr val="lt1"/>
-              </a:buClr>
-              <a:buSzPts val="2200"/>
-              <a:buNone/>
-              <a:defRPr sz="2200">
-                <a:solidFill>
-                  <a:schemeClr val="lt1"/>
-                </a:solidFill>
-              </a:defRPr>
-            </a:lvl1pPr>
-            <a:lvl2pPr lvl="1" rtl="0">
-              <a:spcBef>
-                <a:spcPts val="0"/>
-              </a:spcBef>
-              <a:spcAft>
-                <a:spcPts val="0"/>
-              </a:spcAft>
-              <a:buClr>
-                <a:schemeClr val="lt1"/>
-              </a:buClr>
-              <a:buSzPts val="2400"/>
-              <a:buFont typeface="Barlow Condensed ExtraBold"/>
-              <a:buNone/>
-              <a:defRPr sz="2400">
-                <a:solidFill>
-                  <a:schemeClr val="lt1"/>
-                </a:solidFill>
-                <a:latin typeface="Barlow Condensed ExtraBold"/>
-                <a:ea typeface="Barlow Condensed ExtraBold"/>
-                <a:cs typeface="Barlow Condensed ExtraBold"/>
-                <a:sym typeface="Barlow Condensed ExtraBold"/>
-              </a:defRPr>
-            </a:lvl2pPr>
-            <a:lvl3pPr lvl="2" rtl="0">
-              <a:spcBef>
-                <a:spcPts val="0"/>
-              </a:spcBef>
-              <a:spcAft>
-                <a:spcPts val="0"/>
-              </a:spcAft>
-              <a:buClr>
-                <a:schemeClr val="lt1"/>
-              </a:buClr>
-              <a:buSzPts val="2400"/>
-              <a:buFont typeface="Barlow Condensed ExtraBold"/>
-              <a:buNone/>
-              <a:defRPr sz="2400">
-                <a:solidFill>
-                  <a:schemeClr val="lt1"/>
-                </a:solidFill>
-                <a:latin typeface="Barlow Condensed ExtraBold"/>
-                <a:ea typeface="Barlow Condensed ExtraBold"/>
-                <a:cs typeface="Barlow Condensed ExtraBold"/>
-                <a:sym typeface="Barlow Condensed ExtraBold"/>
-              </a:defRPr>
-            </a:lvl3pPr>
-            <a:lvl4pPr lvl="3" rtl="0">
-              <a:spcBef>
-                <a:spcPts val="0"/>
-              </a:spcBef>
-              <a:spcAft>
-                <a:spcPts val="0"/>
-              </a:spcAft>
-              <a:buClr>
-                <a:schemeClr val="lt1"/>
-              </a:buClr>
-              <a:buSzPts val="2400"/>
-              <a:buFont typeface="Barlow Condensed ExtraBold"/>
-              <a:buNone/>
-              <a:defRPr sz="2400">
-                <a:solidFill>
-                  <a:schemeClr val="lt1"/>
-                </a:solidFill>
-                <a:latin typeface="Barlow Condensed ExtraBold"/>
-                <a:ea typeface="Barlow Condensed ExtraBold"/>
-                <a:cs typeface="Barlow Condensed ExtraBold"/>
-                <a:sym typeface="Barlow Condensed ExtraBold"/>
-              </a:defRPr>
-            </a:lvl4pPr>
-            <a:lvl5pPr lvl="4" rtl="0">
-              <a:spcBef>
-                <a:spcPts val="0"/>
-              </a:spcBef>
-              <a:spcAft>
-                <a:spcPts val="0"/>
-              </a:spcAft>
-              <a:buClr>
-                <a:schemeClr val="lt1"/>
-              </a:buClr>
-              <a:buSzPts val="2400"/>
-              <a:buFont typeface="Barlow Condensed ExtraBold"/>
-              <a:buNone/>
-              <a:defRPr sz="2400">
-                <a:solidFill>
-                  <a:schemeClr val="lt1"/>
-                </a:solidFill>
-                <a:latin typeface="Barlow Condensed ExtraBold"/>
-                <a:ea typeface="Barlow Condensed ExtraBold"/>
-                <a:cs typeface="Barlow Condensed ExtraBold"/>
-                <a:sym typeface="Barlow Condensed ExtraBold"/>
-              </a:defRPr>
-            </a:lvl5pPr>
-            <a:lvl6pPr lvl="5" rtl="0">
-              <a:spcBef>
-                <a:spcPts val="0"/>
-              </a:spcBef>
-              <a:spcAft>
-                <a:spcPts val="0"/>
-              </a:spcAft>
-              <a:buClr>
-                <a:schemeClr val="lt1"/>
-              </a:buClr>
-              <a:buSzPts val="2400"/>
-              <a:buFont typeface="Barlow Condensed ExtraBold"/>
-              <a:buNone/>
-              <a:defRPr sz="2400">
-                <a:solidFill>
-                  <a:schemeClr val="lt1"/>
-                </a:solidFill>
-                <a:latin typeface="Barlow Condensed ExtraBold"/>
-                <a:ea typeface="Barlow Condensed ExtraBold"/>
-                <a:cs typeface="Barlow Condensed ExtraBold"/>
-                <a:sym typeface="Barlow Condensed ExtraBold"/>
-              </a:defRPr>
-            </a:lvl6pPr>
-            <a:lvl7pPr lvl="6" rtl="0">
-              <a:spcBef>
-                <a:spcPts val="0"/>
-              </a:spcBef>
-              <a:spcAft>
-                <a:spcPts val="0"/>
-              </a:spcAft>
-              <a:buClr>
-                <a:schemeClr val="lt1"/>
-              </a:buClr>
-              <a:buSzPts val="2400"/>
-              <a:buFont typeface="Barlow Condensed ExtraBold"/>
-              <a:buNone/>
-              <a:defRPr sz="2400">
-                <a:solidFill>
-                  <a:schemeClr val="lt1"/>
-                </a:solidFill>
-                <a:latin typeface="Barlow Condensed ExtraBold"/>
-                <a:ea typeface="Barlow Condensed ExtraBold"/>
-                <a:cs typeface="Barlow Condensed ExtraBold"/>
-                <a:sym typeface="Barlow Condensed ExtraBold"/>
-              </a:defRPr>
-            </a:lvl7pPr>
-            <a:lvl8pPr lvl="7" rtl="0">
-              <a:spcBef>
-                <a:spcPts val="0"/>
-              </a:spcBef>
-              <a:spcAft>
-                <a:spcPts val="0"/>
-              </a:spcAft>
-              <a:buClr>
-                <a:schemeClr val="lt1"/>
-              </a:buClr>
-              <a:buSzPts val="2400"/>
-              <a:buFont typeface="Barlow Condensed ExtraBold"/>
-              <a:buNone/>
-              <a:defRPr sz="2400">
-                <a:solidFill>
-                  <a:schemeClr val="lt1"/>
-                </a:solidFill>
-                <a:latin typeface="Barlow Condensed ExtraBold"/>
-                <a:ea typeface="Barlow Condensed ExtraBold"/>
-                <a:cs typeface="Barlow Condensed ExtraBold"/>
-                <a:sym typeface="Barlow Condensed ExtraBold"/>
-              </a:defRPr>
-            </a:lvl8pPr>
-            <a:lvl9pPr lvl="8" rtl="0">
-              <a:spcBef>
-                <a:spcPts val="0"/>
-              </a:spcBef>
-              <a:spcAft>
-                <a:spcPts val="0"/>
-              </a:spcAft>
-              <a:buClr>
-                <a:schemeClr val="lt1"/>
-              </a:buClr>
-              <a:buSzPts val="2400"/>
-              <a:buFont typeface="Barlow Condensed ExtraBold"/>
-              <a:buNone/>
-              <a:defRPr sz="2400">
-                <a:solidFill>
-                  <a:schemeClr val="lt1"/>
-                </a:solidFill>
-                <a:latin typeface="Barlow Condensed ExtraBold"/>
-                <a:ea typeface="Barlow Condensed ExtraBold"/>
-                <a:cs typeface="Barlow Condensed ExtraBold"/>
-                <a:sym typeface="Barlow Condensed ExtraBold"/>
-              </a:defRPr>
-            </a:lvl9pPr>
-          </a:lstStyle>
-          <a:p>
-            <a:endParaRPr/>
-          </a:p>
-        </p:txBody>
-      </p:sp>
-      <p:sp>
-        <p:nvSpPr>
-          <p:cNvPr id="98" name="Google Shape;98;p6"/>
-          <p:cNvSpPr/>
-          <p:nvPr/>
-        </p:nvSpPr>
-        <p:spPr>
-          <a:xfrm flipH="1">
-            <a:off x="7772389" y="0"/>
-            <a:ext cx="1371614" cy="356851"/>
-          </a:xfrm>
-          <a:custGeom>
-            <a:avLst/>
-            <a:gdLst/>
-            <a:ahLst/>
-            <a:cxnLst/>
-            <a:rect l="l" t="t" r="r" b="b"/>
-            <a:pathLst>
-              <a:path w="16884" h="2775" extrusionOk="0">
-                <a:moveTo>
-                  <a:pt x="0" y="1"/>
-                </a:moveTo>
-                <a:lnTo>
-                  <a:pt x="0" y="2775"/>
-                </a:lnTo>
-                <a:lnTo>
-                  <a:pt x="16883" y="2775"/>
-                </a:lnTo>
-                <a:lnTo>
-                  <a:pt x="16883" y="1"/>
-                </a:lnTo>
-                <a:close/>
-              </a:path>
-            </a:pathLst>
-          </a:custGeom>
-          <a:solidFill>
-            <a:srgbClr val="FFFFFF">
-              <a:alpha val="31370"/>
-            </a:srgbClr>
-          </a:solidFill>
-          <a:ln>
-            <a:noFill/>
-          </a:ln>
-        </p:spPr>
-        <p:txBody>
-          <a:bodyPr spcFirstLastPara="1" wrap="square" lIns="91425" tIns="91425" rIns="91425" bIns="91425" anchor="ctr" anchorCtr="0">
-            <a:noAutofit/>
-          </a:bodyPr>
-          <a:lstStyle/>
-          <a:p>
-            <a:pPr marL="0" lvl="0" indent="0" algn="l" rtl="0">
-              <a:spcBef>
-                <a:spcPts val="0"/>
-              </a:spcBef>
-              <a:spcAft>
-                <a:spcPts val="0"/>
-              </a:spcAft>
-              <a:buNone/>
-            </a:pPr>
-            <a:endParaRPr/>
-          </a:p>
-        </p:txBody>
-      </p:sp>
-    </p:spTree>
-  </p:cSld>
-  <p:clrMapOvr>
-    <a:masterClrMapping/>
-  </p:clrMapOvr>
-</p:sldLayout>
-</file>
-
-<file path=ppt/slideLayouts/slideLayout4.xml><?xml version="1.0" encoding="utf-8"?>
 <p:sldLayout xmlns:a="http://schemas.openxmlformats.org/drawingml/2006/main" xmlns:r="http://schemas.openxmlformats.org/officeDocument/2006/relationships" xmlns:p="http://schemas.openxmlformats.org/presentationml/2006/main" matchingName="Title only" type="titleOnly">
   <p:cSld name="TITLE_ONLY">
     <p:spTree>
@@ -11628,7 +7913,7 @@
 </p:sldLayout>
 </file>
 
-<file path=ppt/slideLayouts/slideLayout5.xml><?xml version="1.0" encoding="utf-8"?>
+<file path=ppt/slideLayouts/slideLayout4.xml><?xml version="1.0" encoding="utf-8"?>
 <p:sldLayout xmlns:a="http://schemas.openxmlformats.org/drawingml/2006/main" xmlns:r="http://schemas.openxmlformats.org/officeDocument/2006/relationships" xmlns:p="http://schemas.openxmlformats.org/presentationml/2006/main" matchingName="Section title and description">
   <p:cSld name="SECTION_TITLE_AND_DESCRIPTION">
     <p:spTree>
@@ -12055,7 +8340,7 @@
 </p:sldLayout>
 </file>
 
-<file path=ppt/slideLayouts/slideLayout6.xml><?xml version="1.0" encoding="utf-8"?>
+<file path=ppt/slideLayouts/slideLayout5.xml><?xml version="1.0" encoding="utf-8"?>
 <p:sldLayout xmlns:a="http://schemas.openxmlformats.org/drawingml/2006/main" xmlns:r="http://schemas.openxmlformats.org/officeDocument/2006/relationships" xmlns:p="http://schemas.openxmlformats.org/presentationml/2006/main" matchingName="Big number">
   <p:cSld name="BIG_NUMBER">
     <p:spTree>
@@ -13065,7 +9350,7 @@
 </p:sldLayout>
 </file>
 
-<file path=ppt/slideLayouts/slideLayout7.xml><?xml version="1.0" encoding="utf-8"?>
+<file path=ppt/slideLayouts/slideLayout6.xml><?xml version="1.0" encoding="utf-8"?>
 <p:sldLayout xmlns:a="http://schemas.openxmlformats.org/drawingml/2006/main" xmlns:r="http://schemas.openxmlformats.org/officeDocument/2006/relationships" xmlns:p="http://schemas.openxmlformats.org/presentationml/2006/main" matchingName="Blank" type="blank">
   <p:cSld name="BLANK">
     <p:spTree>
@@ -13090,7 +9375,7 @@
 </p:sldLayout>
 </file>
 
-<file path=ppt/slideLayouts/slideLayout8.xml><?xml version="1.0" encoding="utf-8"?>
+<file path=ppt/slideLayouts/slideLayout7.xml><?xml version="1.0" encoding="utf-8"?>
 <p:sldLayout xmlns:a="http://schemas.openxmlformats.org/drawingml/2006/main" xmlns:r="http://schemas.openxmlformats.org/officeDocument/2006/relationships" xmlns:p="http://schemas.openxmlformats.org/presentationml/2006/main" matchingName="Table of Contents">
   <p:cSld name="CUSTOM">
     <p:spTree>
@@ -15341,7 +11626,7 @@
 </p:sldLayout>
 </file>
 
-<file path=ppt/slideLayouts/slideLayout9.xml><?xml version="1.0" encoding="utf-8"?>
+<file path=ppt/slideLayouts/slideLayout8.xml><?xml version="1.0" encoding="utf-8"?>
 <p:sldLayout xmlns:a="http://schemas.openxmlformats.org/drawingml/2006/main" xmlns:r="http://schemas.openxmlformats.org/officeDocument/2006/relationships" xmlns:p="http://schemas.openxmlformats.org/presentationml/2006/main" matchingName="Title + text 3">
   <p:cSld name="CUSTOM_5">
     <p:spTree>
@@ -17669,6 +13954,2620 @@
           </a:prstGeom>
           <a:solidFill>
             <a:schemeClr val="lt2"/>
+          </a:solidFill>
+          <a:ln>
+            <a:noFill/>
+          </a:ln>
+        </p:spPr>
+        <p:txBody>
+          <a:bodyPr spcFirstLastPara="1" wrap="square" lIns="91425" tIns="91425" rIns="91425" bIns="91425" anchor="ctr" anchorCtr="0">
+            <a:noAutofit/>
+          </a:bodyPr>
+          <a:lstStyle/>
+          <a:p>
+            <a:pPr marL="0" lvl="0" indent="0" algn="l" rtl="0">
+              <a:spcBef>
+                <a:spcPts val="0"/>
+              </a:spcBef>
+              <a:spcAft>
+                <a:spcPts val="0"/>
+              </a:spcAft>
+              <a:buNone/>
+            </a:pPr>
+            <a:endParaRPr/>
+          </a:p>
+        </p:txBody>
+      </p:sp>
+    </p:spTree>
+  </p:cSld>
+  <p:clrMapOvr>
+    <a:masterClrMapping/>
+  </p:clrMapOvr>
+</p:sldLayout>
+</file>
+
+<file path=ppt/slideLayouts/slideLayout9.xml><?xml version="1.0" encoding="utf-8"?>
+<p:sldLayout xmlns:a="http://schemas.openxmlformats.org/drawingml/2006/main" xmlns:r="http://schemas.openxmlformats.org/officeDocument/2006/relationships" xmlns:p="http://schemas.openxmlformats.org/presentationml/2006/main" matchingName="Title and Six Columns">
+  <p:cSld name="CUSTOM_11">
+    <p:spTree>
+      <p:nvGrpSpPr>
+        <p:cNvPr id="1" name="Shape 287"/>
+        <p:cNvGrpSpPr/>
+        <p:nvPr/>
+      </p:nvGrpSpPr>
+      <p:grpSpPr>
+        <a:xfrm>
+          <a:off x="0" y="0"/>
+          <a:ext cx="0" cy="0"/>
+          <a:chOff x="0" y="0"/>
+          <a:chExt cx="0" cy="0"/>
+        </a:xfrm>
+      </p:grpSpPr>
+      <p:sp>
+        <p:nvSpPr>
+          <p:cNvPr id="288" name="Google Shape;288;p22"/>
+          <p:cNvSpPr txBox="1">
+            <a:spLocks noGrp="1"/>
+          </p:cNvSpPr>
+          <p:nvPr>
+            <p:ph type="subTitle" idx="1"/>
+          </p:nvPr>
+        </p:nvSpPr>
+        <p:spPr>
+          <a:xfrm>
+            <a:off x="6416724" y="2283125"/>
+            <a:ext cx="1895700" cy="664200"/>
+          </a:xfrm>
+          <a:prstGeom prst="rect">
+            <a:avLst/>
+          </a:prstGeom>
+        </p:spPr>
+        <p:txBody>
+          <a:bodyPr spcFirstLastPara="1" wrap="square" lIns="91425" tIns="91425" rIns="91425" bIns="91425" anchor="t" anchorCtr="0">
+            <a:noAutofit/>
+          </a:bodyPr>
+          <a:lstStyle>
+            <a:lvl1pPr lvl="0" algn="ctr" rtl="0">
+              <a:lnSpc>
+                <a:spcPct val="100000"/>
+              </a:lnSpc>
+              <a:spcBef>
+                <a:spcPts val="0"/>
+              </a:spcBef>
+              <a:spcAft>
+                <a:spcPts val="0"/>
+              </a:spcAft>
+              <a:buSzPts val="1400"/>
+              <a:buNone/>
+              <a:defRPr sz="1400"/>
+            </a:lvl1pPr>
+            <a:lvl2pPr lvl="1" algn="ctr" rtl="0">
+              <a:lnSpc>
+                <a:spcPct val="100000"/>
+              </a:lnSpc>
+              <a:spcBef>
+                <a:spcPts val="0"/>
+              </a:spcBef>
+              <a:spcAft>
+                <a:spcPts val="0"/>
+              </a:spcAft>
+              <a:buSzPts val="1400"/>
+              <a:buNone/>
+              <a:defRPr/>
+            </a:lvl2pPr>
+            <a:lvl3pPr lvl="2" algn="ctr" rtl="0">
+              <a:lnSpc>
+                <a:spcPct val="100000"/>
+              </a:lnSpc>
+              <a:spcBef>
+                <a:spcPts val="0"/>
+              </a:spcBef>
+              <a:spcAft>
+                <a:spcPts val="0"/>
+              </a:spcAft>
+              <a:buSzPts val="1400"/>
+              <a:buNone/>
+              <a:defRPr/>
+            </a:lvl3pPr>
+            <a:lvl4pPr lvl="3" algn="ctr" rtl="0">
+              <a:lnSpc>
+                <a:spcPct val="100000"/>
+              </a:lnSpc>
+              <a:spcBef>
+                <a:spcPts val="0"/>
+              </a:spcBef>
+              <a:spcAft>
+                <a:spcPts val="0"/>
+              </a:spcAft>
+              <a:buSzPts val="1400"/>
+              <a:buNone/>
+              <a:defRPr/>
+            </a:lvl4pPr>
+            <a:lvl5pPr lvl="4" algn="ctr" rtl="0">
+              <a:lnSpc>
+                <a:spcPct val="100000"/>
+              </a:lnSpc>
+              <a:spcBef>
+                <a:spcPts val="0"/>
+              </a:spcBef>
+              <a:spcAft>
+                <a:spcPts val="0"/>
+              </a:spcAft>
+              <a:buSzPts val="1400"/>
+              <a:buNone/>
+              <a:defRPr/>
+            </a:lvl5pPr>
+            <a:lvl6pPr lvl="5" algn="ctr" rtl="0">
+              <a:lnSpc>
+                <a:spcPct val="100000"/>
+              </a:lnSpc>
+              <a:spcBef>
+                <a:spcPts val="0"/>
+              </a:spcBef>
+              <a:spcAft>
+                <a:spcPts val="0"/>
+              </a:spcAft>
+              <a:buSzPts val="1400"/>
+              <a:buNone/>
+              <a:defRPr/>
+            </a:lvl6pPr>
+            <a:lvl7pPr lvl="6" algn="ctr" rtl="0">
+              <a:lnSpc>
+                <a:spcPct val="100000"/>
+              </a:lnSpc>
+              <a:spcBef>
+                <a:spcPts val="0"/>
+              </a:spcBef>
+              <a:spcAft>
+                <a:spcPts val="0"/>
+              </a:spcAft>
+              <a:buSzPts val="1400"/>
+              <a:buNone/>
+              <a:defRPr/>
+            </a:lvl7pPr>
+            <a:lvl8pPr lvl="7" algn="ctr" rtl="0">
+              <a:lnSpc>
+                <a:spcPct val="100000"/>
+              </a:lnSpc>
+              <a:spcBef>
+                <a:spcPts val="0"/>
+              </a:spcBef>
+              <a:spcAft>
+                <a:spcPts val="0"/>
+              </a:spcAft>
+              <a:buSzPts val="1400"/>
+              <a:buNone/>
+              <a:defRPr/>
+            </a:lvl8pPr>
+            <a:lvl9pPr lvl="8" algn="ctr" rtl="0">
+              <a:lnSpc>
+                <a:spcPct val="100000"/>
+              </a:lnSpc>
+              <a:spcBef>
+                <a:spcPts val="0"/>
+              </a:spcBef>
+              <a:spcAft>
+                <a:spcPts val="0"/>
+              </a:spcAft>
+              <a:buSzPts val="1400"/>
+              <a:buNone/>
+              <a:defRPr/>
+            </a:lvl9pPr>
+          </a:lstStyle>
+          <a:p>
+            <a:endParaRPr/>
+          </a:p>
+        </p:txBody>
+      </p:sp>
+      <p:sp>
+        <p:nvSpPr>
+          <p:cNvPr id="289" name="Google Shape;289;p22"/>
+          <p:cNvSpPr txBox="1">
+            <a:spLocks noGrp="1"/>
+          </p:cNvSpPr>
+          <p:nvPr>
+            <p:ph type="title"/>
+          </p:nvPr>
+        </p:nvSpPr>
+        <p:spPr>
+          <a:xfrm>
+            <a:off x="6385849" y="1753325"/>
+            <a:ext cx="1957500" cy="529800"/>
+          </a:xfrm>
+          <a:prstGeom prst="rect">
+            <a:avLst/>
+          </a:prstGeom>
+          <a:solidFill>
+            <a:schemeClr val="dk2"/>
+          </a:solidFill>
+        </p:spPr>
+        <p:txBody>
+          <a:bodyPr spcFirstLastPara="1" wrap="square" lIns="91425" tIns="91425" rIns="91425" bIns="91425" anchor="b" anchorCtr="0">
+            <a:noAutofit/>
+          </a:bodyPr>
+          <a:lstStyle>
+            <a:lvl1pPr lvl="0" algn="ctr" rtl="0">
+              <a:spcBef>
+                <a:spcPts val="0"/>
+              </a:spcBef>
+              <a:spcAft>
+                <a:spcPts val="0"/>
+              </a:spcAft>
+              <a:buClr>
+                <a:schemeClr val="dk1"/>
+              </a:buClr>
+              <a:buSzPts val="2200"/>
+              <a:buNone/>
+              <a:defRPr sz="2200">
+                <a:solidFill>
+                  <a:schemeClr val="dk1"/>
+                </a:solidFill>
+              </a:defRPr>
+            </a:lvl1pPr>
+            <a:lvl2pPr lvl="1" algn="ctr" rtl="0">
+              <a:spcBef>
+                <a:spcPts val="0"/>
+              </a:spcBef>
+              <a:spcAft>
+                <a:spcPts val="0"/>
+              </a:spcAft>
+              <a:buClr>
+                <a:schemeClr val="lt1"/>
+              </a:buClr>
+              <a:buSzPts val="2200"/>
+              <a:buFont typeface="Barlow Condensed ExtraBold"/>
+              <a:buNone/>
+              <a:defRPr sz="2200">
+                <a:solidFill>
+                  <a:schemeClr val="lt1"/>
+                </a:solidFill>
+                <a:latin typeface="Barlow Condensed ExtraBold"/>
+                <a:ea typeface="Barlow Condensed ExtraBold"/>
+                <a:cs typeface="Barlow Condensed ExtraBold"/>
+                <a:sym typeface="Barlow Condensed ExtraBold"/>
+              </a:defRPr>
+            </a:lvl2pPr>
+            <a:lvl3pPr lvl="2" algn="ctr" rtl="0">
+              <a:spcBef>
+                <a:spcPts val="0"/>
+              </a:spcBef>
+              <a:spcAft>
+                <a:spcPts val="0"/>
+              </a:spcAft>
+              <a:buClr>
+                <a:schemeClr val="lt1"/>
+              </a:buClr>
+              <a:buSzPts val="2200"/>
+              <a:buFont typeface="Barlow Condensed ExtraBold"/>
+              <a:buNone/>
+              <a:defRPr sz="2200">
+                <a:solidFill>
+                  <a:schemeClr val="lt1"/>
+                </a:solidFill>
+                <a:latin typeface="Barlow Condensed ExtraBold"/>
+                <a:ea typeface="Barlow Condensed ExtraBold"/>
+                <a:cs typeface="Barlow Condensed ExtraBold"/>
+                <a:sym typeface="Barlow Condensed ExtraBold"/>
+              </a:defRPr>
+            </a:lvl3pPr>
+            <a:lvl4pPr lvl="3" algn="ctr" rtl="0">
+              <a:spcBef>
+                <a:spcPts val="0"/>
+              </a:spcBef>
+              <a:spcAft>
+                <a:spcPts val="0"/>
+              </a:spcAft>
+              <a:buClr>
+                <a:schemeClr val="lt1"/>
+              </a:buClr>
+              <a:buSzPts val="2200"/>
+              <a:buFont typeface="Barlow Condensed ExtraBold"/>
+              <a:buNone/>
+              <a:defRPr sz="2200">
+                <a:solidFill>
+                  <a:schemeClr val="lt1"/>
+                </a:solidFill>
+                <a:latin typeface="Barlow Condensed ExtraBold"/>
+                <a:ea typeface="Barlow Condensed ExtraBold"/>
+                <a:cs typeface="Barlow Condensed ExtraBold"/>
+                <a:sym typeface="Barlow Condensed ExtraBold"/>
+              </a:defRPr>
+            </a:lvl4pPr>
+            <a:lvl5pPr lvl="4" algn="ctr" rtl="0">
+              <a:spcBef>
+                <a:spcPts val="0"/>
+              </a:spcBef>
+              <a:spcAft>
+                <a:spcPts val="0"/>
+              </a:spcAft>
+              <a:buClr>
+                <a:schemeClr val="lt1"/>
+              </a:buClr>
+              <a:buSzPts val="2200"/>
+              <a:buFont typeface="Barlow Condensed ExtraBold"/>
+              <a:buNone/>
+              <a:defRPr sz="2200">
+                <a:solidFill>
+                  <a:schemeClr val="lt1"/>
+                </a:solidFill>
+                <a:latin typeface="Barlow Condensed ExtraBold"/>
+                <a:ea typeface="Barlow Condensed ExtraBold"/>
+                <a:cs typeface="Barlow Condensed ExtraBold"/>
+                <a:sym typeface="Barlow Condensed ExtraBold"/>
+              </a:defRPr>
+            </a:lvl5pPr>
+            <a:lvl6pPr lvl="5" algn="ctr" rtl="0">
+              <a:spcBef>
+                <a:spcPts val="0"/>
+              </a:spcBef>
+              <a:spcAft>
+                <a:spcPts val="0"/>
+              </a:spcAft>
+              <a:buClr>
+                <a:schemeClr val="lt1"/>
+              </a:buClr>
+              <a:buSzPts val="2200"/>
+              <a:buFont typeface="Barlow Condensed ExtraBold"/>
+              <a:buNone/>
+              <a:defRPr sz="2200">
+                <a:solidFill>
+                  <a:schemeClr val="lt1"/>
+                </a:solidFill>
+                <a:latin typeface="Barlow Condensed ExtraBold"/>
+                <a:ea typeface="Barlow Condensed ExtraBold"/>
+                <a:cs typeface="Barlow Condensed ExtraBold"/>
+                <a:sym typeface="Barlow Condensed ExtraBold"/>
+              </a:defRPr>
+            </a:lvl6pPr>
+            <a:lvl7pPr lvl="6" algn="ctr" rtl="0">
+              <a:spcBef>
+                <a:spcPts val="0"/>
+              </a:spcBef>
+              <a:spcAft>
+                <a:spcPts val="0"/>
+              </a:spcAft>
+              <a:buClr>
+                <a:schemeClr val="lt1"/>
+              </a:buClr>
+              <a:buSzPts val="2200"/>
+              <a:buFont typeface="Barlow Condensed ExtraBold"/>
+              <a:buNone/>
+              <a:defRPr sz="2200">
+                <a:solidFill>
+                  <a:schemeClr val="lt1"/>
+                </a:solidFill>
+                <a:latin typeface="Barlow Condensed ExtraBold"/>
+                <a:ea typeface="Barlow Condensed ExtraBold"/>
+                <a:cs typeface="Barlow Condensed ExtraBold"/>
+                <a:sym typeface="Barlow Condensed ExtraBold"/>
+              </a:defRPr>
+            </a:lvl7pPr>
+            <a:lvl8pPr lvl="7" algn="ctr" rtl="0">
+              <a:spcBef>
+                <a:spcPts val="0"/>
+              </a:spcBef>
+              <a:spcAft>
+                <a:spcPts val="0"/>
+              </a:spcAft>
+              <a:buClr>
+                <a:schemeClr val="lt1"/>
+              </a:buClr>
+              <a:buSzPts val="2200"/>
+              <a:buFont typeface="Barlow Condensed ExtraBold"/>
+              <a:buNone/>
+              <a:defRPr sz="2200">
+                <a:solidFill>
+                  <a:schemeClr val="lt1"/>
+                </a:solidFill>
+                <a:latin typeface="Barlow Condensed ExtraBold"/>
+                <a:ea typeface="Barlow Condensed ExtraBold"/>
+                <a:cs typeface="Barlow Condensed ExtraBold"/>
+                <a:sym typeface="Barlow Condensed ExtraBold"/>
+              </a:defRPr>
+            </a:lvl8pPr>
+            <a:lvl9pPr lvl="8" algn="ctr" rtl="0">
+              <a:spcBef>
+                <a:spcPts val="0"/>
+              </a:spcBef>
+              <a:spcAft>
+                <a:spcPts val="0"/>
+              </a:spcAft>
+              <a:buClr>
+                <a:schemeClr val="lt1"/>
+              </a:buClr>
+              <a:buSzPts val="2200"/>
+              <a:buFont typeface="Barlow Condensed ExtraBold"/>
+              <a:buNone/>
+              <a:defRPr sz="2200">
+                <a:solidFill>
+                  <a:schemeClr val="lt1"/>
+                </a:solidFill>
+                <a:latin typeface="Barlow Condensed ExtraBold"/>
+                <a:ea typeface="Barlow Condensed ExtraBold"/>
+                <a:cs typeface="Barlow Condensed ExtraBold"/>
+                <a:sym typeface="Barlow Condensed ExtraBold"/>
+              </a:defRPr>
+            </a:lvl9pPr>
+          </a:lstStyle>
+          <a:p>
+            <a:endParaRPr/>
+          </a:p>
+        </p:txBody>
+      </p:sp>
+      <p:sp>
+        <p:nvSpPr>
+          <p:cNvPr id="290" name="Google Shape;290;p22"/>
+          <p:cNvSpPr txBox="1">
+            <a:spLocks noGrp="1"/>
+          </p:cNvSpPr>
+          <p:nvPr>
+            <p:ph type="subTitle" idx="2"/>
+          </p:nvPr>
+        </p:nvSpPr>
+        <p:spPr>
+          <a:xfrm>
+            <a:off x="835225" y="2283125"/>
+            <a:ext cx="1895700" cy="664200"/>
+          </a:xfrm>
+          <a:prstGeom prst="rect">
+            <a:avLst/>
+          </a:prstGeom>
+        </p:spPr>
+        <p:txBody>
+          <a:bodyPr spcFirstLastPara="1" wrap="square" lIns="91425" tIns="91425" rIns="91425" bIns="91425" anchor="t" anchorCtr="0">
+            <a:noAutofit/>
+          </a:bodyPr>
+          <a:lstStyle>
+            <a:lvl1pPr lvl="0" algn="ctr" rtl="0">
+              <a:lnSpc>
+                <a:spcPct val="100000"/>
+              </a:lnSpc>
+              <a:spcBef>
+                <a:spcPts val="0"/>
+              </a:spcBef>
+              <a:spcAft>
+                <a:spcPts val="0"/>
+              </a:spcAft>
+              <a:buSzPts val="1400"/>
+              <a:buNone/>
+              <a:defRPr sz="1400"/>
+            </a:lvl1pPr>
+            <a:lvl2pPr lvl="1" algn="ctr" rtl="0">
+              <a:lnSpc>
+                <a:spcPct val="100000"/>
+              </a:lnSpc>
+              <a:spcBef>
+                <a:spcPts val="0"/>
+              </a:spcBef>
+              <a:spcAft>
+                <a:spcPts val="0"/>
+              </a:spcAft>
+              <a:buSzPts val="1400"/>
+              <a:buNone/>
+              <a:defRPr/>
+            </a:lvl2pPr>
+            <a:lvl3pPr lvl="2" algn="ctr" rtl="0">
+              <a:lnSpc>
+                <a:spcPct val="100000"/>
+              </a:lnSpc>
+              <a:spcBef>
+                <a:spcPts val="0"/>
+              </a:spcBef>
+              <a:spcAft>
+                <a:spcPts val="0"/>
+              </a:spcAft>
+              <a:buSzPts val="1400"/>
+              <a:buNone/>
+              <a:defRPr/>
+            </a:lvl3pPr>
+            <a:lvl4pPr lvl="3" algn="ctr" rtl="0">
+              <a:lnSpc>
+                <a:spcPct val="100000"/>
+              </a:lnSpc>
+              <a:spcBef>
+                <a:spcPts val="0"/>
+              </a:spcBef>
+              <a:spcAft>
+                <a:spcPts val="0"/>
+              </a:spcAft>
+              <a:buSzPts val="1400"/>
+              <a:buNone/>
+              <a:defRPr/>
+            </a:lvl4pPr>
+            <a:lvl5pPr lvl="4" algn="ctr" rtl="0">
+              <a:lnSpc>
+                <a:spcPct val="100000"/>
+              </a:lnSpc>
+              <a:spcBef>
+                <a:spcPts val="0"/>
+              </a:spcBef>
+              <a:spcAft>
+                <a:spcPts val="0"/>
+              </a:spcAft>
+              <a:buSzPts val="1400"/>
+              <a:buNone/>
+              <a:defRPr/>
+            </a:lvl5pPr>
+            <a:lvl6pPr lvl="5" algn="ctr" rtl="0">
+              <a:lnSpc>
+                <a:spcPct val="100000"/>
+              </a:lnSpc>
+              <a:spcBef>
+                <a:spcPts val="0"/>
+              </a:spcBef>
+              <a:spcAft>
+                <a:spcPts val="0"/>
+              </a:spcAft>
+              <a:buSzPts val="1400"/>
+              <a:buNone/>
+              <a:defRPr/>
+            </a:lvl6pPr>
+            <a:lvl7pPr lvl="6" algn="ctr" rtl="0">
+              <a:lnSpc>
+                <a:spcPct val="100000"/>
+              </a:lnSpc>
+              <a:spcBef>
+                <a:spcPts val="0"/>
+              </a:spcBef>
+              <a:spcAft>
+                <a:spcPts val="0"/>
+              </a:spcAft>
+              <a:buSzPts val="1400"/>
+              <a:buNone/>
+              <a:defRPr/>
+            </a:lvl7pPr>
+            <a:lvl8pPr lvl="7" algn="ctr" rtl="0">
+              <a:lnSpc>
+                <a:spcPct val="100000"/>
+              </a:lnSpc>
+              <a:spcBef>
+                <a:spcPts val="0"/>
+              </a:spcBef>
+              <a:spcAft>
+                <a:spcPts val="0"/>
+              </a:spcAft>
+              <a:buSzPts val="1400"/>
+              <a:buNone/>
+              <a:defRPr/>
+            </a:lvl8pPr>
+            <a:lvl9pPr lvl="8" algn="ctr" rtl="0">
+              <a:lnSpc>
+                <a:spcPct val="100000"/>
+              </a:lnSpc>
+              <a:spcBef>
+                <a:spcPts val="0"/>
+              </a:spcBef>
+              <a:spcAft>
+                <a:spcPts val="0"/>
+              </a:spcAft>
+              <a:buSzPts val="1400"/>
+              <a:buNone/>
+              <a:defRPr/>
+            </a:lvl9pPr>
+          </a:lstStyle>
+          <a:p>
+            <a:endParaRPr/>
+          </a:p>
+        </p:txBody>
+      </p:sp>
+      <p:sp>
+        <p:nvSpPr>
+          <p:cNvPr id="291" name="Google Shape;291;p22"/>
+          <p:cNvSpPr txBox="1">
+            <a:spLocks noGrp="1"/>
+          </p:cNvSpPr>
+          <p:nvPr>
+            <p:ph type="title" idx="3"/>
+          </p:nvPr>
+        </p:nvSpPr>
+        <p:spPr>
+          <a:xfrm>
+            <a:off x="804350" y="1753325"/>
+            <a:ext cx="1957500" cy="529800"/>
+          </a:xfrm>
+          <a:prstGeom prst="rect">
+            <a:avLst/>
+          </a:prstGeom>
+          <a:solidFill>
+            <a:schemeClr val="dk2"/>
+          </a:solidFill>
+        </p:spPr>
+        <p:txBody>
+          <a:bodyPr spcFirstLastPara="1" wrap="square" lIns="91425" tIns="91425" rIns="91425" bIns="91425" anchor="b" anchorCtr="0">
+            <a:noAutofit/>
+          </a:bodyPr>
+          <a:lstStyle>
+            <a:lvl1pPr lvl="0" algn="ctr" rtl="0">
+              <a:spcBef>
+                <a:spcPts val="0"/>
+              </a:spcBef>
+              <a:spcAft>
+                <a:spcPts val="0"/>
+              </a:spcAft>
+              <a:buClr>
+                <a:schemeClr val="dk1"/>
+              </a:buClr>
+              <a:buSzPts val="2200"/>
+              <a:buNone/>
+              <a:defRPr sz="2200">
+                <a:solidFill>
+                  <a:schemeClr val="dk1"/>
+                </a:solidFill>
+              </a:defRPr>
+            </a:lvl1pPr>
+            <a:lvl2pPr lvl="1" algn="ctr" rtl="0">
+              <a:spcBef>
+                <a:spcPts val="0"/>
+              </a:spcBef>
+              <a:spcAft>
+                <a:spcPts val="0"/>
+              </a:spcAft>
+              <a:buClr>
+                <a:schemeClr val="lt1"/>
+              </a:buClr>
+              <a:buSzPts val="2200"/>
+              <a:buFont typeface="Barlow Condensed ExtraBold"/>
+              <a:buNone/>
+              <a:defRPr sz="2200">
+                <a:solidFill>
+                  <a:schemeClr val="lt1"/>
+                </a:solidFill>
+                <a:latin typeface="Barlow Condensed ExtraBold"/>
+                <a:ea typeface="Barlow Condensed ExtraBold"/>
+                <a:cs typeface="Barlow Condensed ExtraBold"/>
+                <a:sym typeface="Barlow Condensed ExtraBold"/>
+              </a:defRPr>
+            </a:lvl2pPr>
+            <a:lvl3pPr lvl="2" algn="ctr" rtl="0">
+              <a:spcBef>
+                <a:spcPts val="0"/>
+              </a:spcBef>
+              <a:spcAft>
+                <a:spcPts val="0"/>
+              </a:spcAft>
+              <a:buClr>
+                <a:schemeClr val="lt1"/>
+              </a:buClr>
+              <a:buSzPts val="2200"/>
+              <a:buFont typeface="Barlow Condensed ExtraBold"/>
+              <a:buNone/>
+              <a:defRPr sz="2200">
+                <a:solidFill>
+                  <a:schemeClr val="lt1"/>
+                </a:solidFill>
+                <a:latin typeface="Barlow Condensed ExtraBold"/>
+                <a:ea typeface="Barlow Condensed ExtraBold"/>
+                <a:cs typeface="Barlow Condensed ExtraBold"/>
+                <a:sym typeface="Barlow Condensed ExtraBold"/>
+              </a:defRPr>
+            </a:lvl3pPr>
+            <a:lvl4pPr lvl="3" algn="ctr" rtl="0">
+              <a:spcBef>
+                <a:spcPts val="0"/>
+              </a:spcBef>
+              <a:spcAft>
+                <a:spcPts val="0"/>
+              </a:spcAft>
+              <a:buClr>
+                <a:schemeClr val="lt1"/>
+              </a:buClr>
+              <a:buSzPts val="2200"/>
+              <a:buFont typeface="Barlow Condensed ExtraBold"/>
+              <a:buNone/>
+              <a:defRPr sz="2200">
+                <a:solidFill>
+                  <a:schemeClr val="lt1"/>
+                </a:solidFill>
+                <a:latin typeface="Barlow Condensed ExtraBold"/>
+                <a:ea typeface="Barlow Condensed ExtraBold"/>
+                <a:cs typeface="Barlow Condensed ExtraBold"/>
+                <a:sym typeface="Barlow Condensed ExtraBold"/>
+              </a:defRPr>
+            </a:lvl4pPr>
+            <a:lvl5pPr lvl="4" algn="ctr" rtl="0">
+              <a:spcBef>
+                <a:spcPts val="0"/>
+              </a:spcBef>
+              <a:spcAft>
+                <a:spcPts val="0"/>
+              </a:spcAft>
+              <a:buClr>
+                <a:schemeClr val="lt1"/>
+              </a:buClr>
+              <a:buSzPts val="2200"/>
+              <a:buFont typeface="Barlow Condensed ExtraBold"/>
+              <a:buNone/>
+              <a:defRPr sz="2200">
+                <a:solidFill>
+                  <a:schemeClr val="lt1"/>
+                </a:solidFill>
+                <a:latin typeface="Barlow Condensed ExtraBold"/>
+                <a:ea typeface="Barlow Condensed ExtraBold"/>
+                <a:cs typeface="Barlow Condensed ExtraBold"/>
+                <a:sym typeface="Barlow Condensed ExtraBold"/>
+              </a:defRPr>
+            </a:lvl5pPr>
+            <a:lvl6pPr lvl="5" algn="ctr" rtl="0">
+              <a:spcBef>
+                <a:spcPts val="0"/>
+              </a:spcBef>
+              <a:spcAft>
+                <a:spcPts val="0"/>
+              </a:spcAft>
+              <a:buClr>
+                <a:schemeClr val="lt1"/>
+              </a:buClr>
+              <a:buSzPts val="2200"/>
+              <a:buFont typeface="Barlow Condensed ExtraBold"/>
+              <a:buNone/>
+              <a:defRPr sz="2200">
+                <a:solidFill>
+                  <a:schemeClr val="lt1"/>
+                </a:solidFill>
+                <a:latin typeface="Barlow Condensed ExtraBold"/>
+                <a:ea typeface="Barlow Condensed ExtraBold"/>
+                <a:cs typeface="Barlow Condensed ExtraBold"/>
+                <a:sym typeface="Barlow Condensed ExtraBold"/>
+              </a:defRPr>
+            </a:lvl6pPr>
+            <a:lvl7pPr lvl="6" algn="ctr" rtl="0">
+              <a:spcBef>
+                <a:spcPts val="0"/>
+              </a:spcBef>
+              <a:spcAft>
+                <a:spcPts val="0"/>
+              </a:spcAft>
+              <a:buClr>
+                <a:schemeClr val="lt1"/>
+              </a:buClr>
+              <a:buSzPts val="2200"/>
+              <a:buFont typeface="Barlow Condensed ExtraBold"/>
+              <a:buNone/>
+              <a:defRPr sz="2200">
+                <a:solidFill>
+                  <a:schemeClr val="lt1"/>
+                </a:solidFill>
+                <a:latin typeface="Barlow Condensed ExtraBold"/>
+                <a:ea typeface="Barlow Condensed ExtraBold"/>
+                <a:cs typeface="Barlow Condensed ExtraBold"/>
+                <a:sym typeface="Barlow Condensed ExtraBold"/>
+              </a:defRPr>
+            </a:lvl7pPr>
+            <a:lvl8pPr lvl="7" algn="ctr" rtl="0">
+              <a:spcBef>
+                <a:spcPts val="0"/>
+              </a:spcBef>
+              <a:spcAft>
+                <a:spcPts val="0"/>
+              </a:spcAft>
+              <a:buClr>
+                <a:schemeClr val="lt1"/>
+              </a:buClr>
+              <a:buSzPts val="2200"/>
+              <a:buFont typeface="Barlow Condensed ExtraBold"/>
+              <a:buNone/>
+              <a:defRPr sz="2200">
+                <a:solidFill>
+                  <a:schemeClr val="lt1"/>
+                </a:solidFill>
+                <a:latin typeface="Barlow Condensed ExtraBold"/>
+                <a:ea typeface="Barlow Condensed ExtraBold"/>
+                <a:cs typeface="Barlow Condensed ExtraBold"/>
+                <a:sym typeface="Barlow Condensed ExtraBold"/>
+              </a:defRPr>
+            </a:lvl8pPr>
+            <a:lvl9pPr lvl="8" algn="ctr" rtl="0">
+              <a:spcBef>
+                <a:spcPts val="0"/>
+              </a:spcBef>
+              <a:spcAft>
+                <a:spcPts val="0"/>
+              </a:spcAft>
+              <a:buClr>
+                <a:schemeClr val="lt1"/>
+              </a:buClr>
+              <a:buSzPts val="2200"/>
+              <a:buFont typeface="Barlow Condensed ExtraBold"/>
+              <a:buNone/>
+              <a:defRPr sz="2200">
+                <a:solidFill>
+                  <a:schemeClr val="lt1"/>
+                </a:solidFill>
+                <a:latin typeface="Barlow Condensed ExtraBold"/>
+                <a:ea typeface="Barlow Condensed ExtraBold"/>
+                <a:cs typeface="Barlow Condensed ExtraBold"/>
+                <a:sym typeface="Barlow Condensed ExtraBold"/>
+              </a:defRPr>
+            </a:lvl9pPr>
+          </a:lstStyle>
+          <a:p>
+            <a:endParaRPr/>
+          </a:p>
+        </p:txBody>
+      </p:sp>
+      <p:sp>
+        <p:nvSpPr>
+          <p:cNvPr id="292" name="Google Shape;292;p22"/>
+          <p:cNvSpPr txBox="1">
+            <a:spLocks noGrp="1"/>
+          </p:cNvSpPr>
+          <p:nvPr>
+            <p:ph type="subTitle" idx="4"/>
+          </p:nvPr>
+        </p:nvSpPr>
+        <p:spPr>
+          <a:xfrm>
+            <a:off x="3624150" y="2283125"/>
+            <a:ext cx="1895700" cy="664200"/>
+          </a:xfrm>
+          <a:prstGeom prst="rect">
+            <a:avLst/>
+          </a:prstGeom>
+        </p:spPr>
+        <p:txBody>
+          <a:bodyPr spcFirstLastPara="1" wrap="square" lIns="91425" tIns="91425" rIns="91425" bIns="91425" anchor="t" anchorCtr="0">
+            <a:noAutofit/>
+          </a:bodyPr>
+          <a:lstStyle>
+            <a:lvl1pPr lvl="0" algn="ctr" rtl="0">
+              <a:lnSpc>
+                <a:spcPct val="100000"/>
+              </a:lnSpc>
+              <a:spcBef>
+                <a:spcPts val="0"/>
+              </a:spcBef>
+              <a:spcAft>
+                <a:spcPts val="0"/>
+              </a:spcAft>
+              <a:buSzPts val="1400"/>
+              <a:buNone/>
+              <a:defRPr sz="1400"/>
+            </a:lvl1pPr>
+            <a:lvl2pPr lvl="1" algn="ctr" rtl="0">
+              <a:lnSpc>
+                <a:spcPct val="100000"/>
+              </a:lnSpc>
+              <a:spcBef>
+                <a:spcPts val="0"/>
+              </a:spcBef>
+              <a:spcAft>
+                <a:spcPts val="0"/>
+              </a:spcAft>
+              <a:buSzPts val="1400"/>
+              <a:buNone/>
+              <a:defRPr/>
+            </a:lvl2pPr>
+            <a:lvl3pPr lvl="2" algn="ctr" rtl="0">
+              <a:lnSpc>
+                <a:spcPct val="100000"/>
+              </a:lnSpc>
+              <a:spcBef>
+                <a:spcPts val="0"/>
+              </a:spcBef>
+              <a:spcAft>
+                <a:spcPts val="0"/>
+              </a:spcAft>
+              <a:buSzPts val="1400"/>
+              <a:buNone/>
+              <a:defRPr/>
+            </a:lvl3pPr>
+            <a:lvl4pPr lvl="3" algn="ctr" rtl="0">
+              <a:lnSpc>
+                <a:spcPct val="100000"/>
+              </a:lnSpc>
+              <a:spcBef>
+                <a:spcPts val="0"/>
+              </a:spcBef>
+              <a:spcAft>
+                <a:spcPts val="0"/>
+              </a:spcAft>
+              <a:buSzPts val="1400"/>
+              <a:buNone/>
+              <a:defRPr/>
+            </a:lvl4pPr>
+            <a:lvl5pPr lvl="4" algn="ctr" rtl="0">
+              <a:lnSpc>
+                <a:spcPct val="100000"/>
+              </a:lnSpc>
+              <a:spcBef>
+                <a:spcPts val="0"/>
+              </a:spcBef>
+              <a:spcAft>
+                <a:spcPts val="0"/>
+              </a:spcAft>
+              <a:buSzPts val="1400"/>
+              <a:buNone/>
+              <a:defRPr/>
+            </a:lvl5pPr>
+            <a:lvl6pPr lvl="5" algn="ctr" rtl="0">
+              <a:lnSpc>
+                <a:spcPct val="100000"/>
+              </a:lnSpc>
+              <a:spcBef>
+                <a:spcPts val="0"/>
+              </a:spcBef>
+              <a:spcAft>
+                <a:spcPts val="0"/>
+              </a:spcAft>
+              <a:buSzPts val="1400"/>
+              <a:buNone/>
+              <a:defRPr/>
+            </a:lvl6pPr>
+            <a:lvl7pPr lvl="6" algn="ctr" rtl="0">
+              <a:lnSpc>
+                <a:spcPct val="100000"/>
+              </a:lnSpc>
+              <a:spcBef>
+                <a:spcPts val="0"/>
+              </a:spcBef>
+              <a:spcAft>
+                <a:spcPts val="0"/>
+              </a:spcAft>
+              <a:buSzPts val="1400"/>
+              <a:buNone/>
+              <a:defRPr/>
+            </a:lvl7pPr>
+            <a:lvl8pPr lvl="7" algn="ctr" rtl="0">
+              <a:lnSpc>
+                <a:spcPct val="100000"/>
+              </a:lnSpc>
+              <a:spcBef>
+                <a:spcPts val="0"/>
+              </a:spcBef>
+              <a:spcAft>
+                <a:spcPts val="0"/>
+              </a:spcAft>
+              <a:buSzPts val="1400"/>
+              <a:buNone/>
+              <a:defRPr/>
+            </a:lvl8pPr>
+            <a:lvl9pPr lvl="8" algn="ctr" rtl="0">
+              <a:lnSpc>
+                <a:spcPct val="100000"/>
+              </a:lnSpc>
+              <a:spcBef>
+                <a:spcPts val="0"/>
+              </a:spcBef>
+              <a:spcAft>
+                <a:spcPts val="0"/>
+              </a:spcAft>
+              <a:buSzPts val="1400"/>
+              <a:buNone/>
+              <a:defRPr/>
+            </a:lvl9pPr>
+          </a:lstStyle>
+          <a:p>
+            <a:endParaRPr/>
+          </a:p>
+        </p:txBody>
+      </p:sp>
+      <p:sp>
+        <p:nvSpPr>
+          <p:cNvPr id="293" name="Google Shape;293;p22"/>
+          <p:cNvSpPr txBox="1">
+            <a:spLocks noGrp="1"/>
+          </p:cNvSpPr>
+          <p:nvPr>
+            <p:ph type="title" idx="5"/>
+          </p:nvPr>
+        </p:nvSpPr>
+        <p:spPr>
+          <a:xfrm>
+            <a:off x="3593246" y="1753325"/>
+            <a:ext cx="1957500" cy="529800"/>
+          </a:xfrm>
+          <a:prstGeom prst="rect">
+            <a:avLst/>
+          </a:prstGeom>
+          <a:solidFill>
+            <a:schemeClr val="lt2"/>
+          </a:solidFill>
+        </p:spPr>
+        <p:txBody>
+          <a:bodyPr spcFirstLastPara="1" wrap="square" lIns="91425" tIns="91425" rIns="91425" bIns="91425" anchor="b" anchorCtr="0">
+            <a:noAutofit/>
+          </a:bodyPr>
+          <a:lstStyle>
+            <a:lvl1pPr lvl="0" algn="ctr" rtl="0">
+              <a:spcBef>
+                <a:spcPts val="0"/>
+              </a:spcBef>
+              <a:spcAft>
+                <a:spcPts val="0"/>
+              </a:spcAft>
+              <a:buClr>
+                <a:schemeClr val="lt1"/>
+              </a:buClr>
+              <a:buSzPts val="2200"/>
+              <a:buNone/>
+              <a:defRPr sz="2200">
+                <a:solidFill>
+                  <a:schemeClr val="lt1"/>
+                </a:solidFill>
+              </a:defRPr>
+            </a:lvl1pPr>
+            <a:lvl2pPr lvl="1" algn="ctr" rtl="0">
+              <a:spcBef>
+                <a:spcPts val="0"/>
+              </a:spcBef>
+              <a:spcAft>
+                <a:spcPts val="0"/>
+              </a:spcAft>
+              <a:buClr>
+                <a:schemeClr val="lt1"/>
+              </a:buClr>
+              <a:buSzPts val="2200"/>
+              <a:buFont typeface="Barlow Condensed ExtraBold"/>
+              <a:buNone/>
+              <a:defRPr sz="2200">
+                <a:solidFill>
+                  <a:schemeClr val="lt1"/>
+                </a:solidFill>
+                <a:latin typeface="Barlow Condensed ExtraBold"/>
+                <a:ea typeface="Barlow Condensed ExtraBold"/>
+                <a:cs typeface="Barlow Condensed ExtraBold"/>
+                <a:sym typeface="Barlow Condensed ExtraBold"/>
+              </a:defRPr>
+            </a:lvl2pPr>
+            <a:lvl3pPr lvl="2" algn="ctr" rtl="0">
+              <a:spcBef>
+                <a:spcPts val="0"/>
+              </a:spcBef>
+              <a:spcAft>
+                <a:spcPts val="0"/>
+              </a:spcAft>
+              <a:buClr>
+                <a:schemeClr val="lt1"/>
+              </a:buClr>
+              <a:buSzPts val="2200"/>
+              <a:buFont typeface="Barlow Condensed ExtraBold"/>
+              <a:buNone/>
+              <a:defRPr sz="2200">
+                <a:solidFill>
+                  <a:schemeClr val="lt1"/>
+                </a:solidFill>
+                <a:latin typeface="Barlow Condensed ExtraBold"/>
+                <a:ea typeface="Barlow Condensed ExtraBold"/>
+                <a:cs typeface="Barlow Condensed ExtraBold"/>
+                <a:sym typeface="Barlow Condensed ExtraBold"/>
+              </a:defRPr>
+            </a:lvl3pPr>
+            <a:lvl4pPr lvl="3" algn="ctr" rtl="0">
+              <a:spcBef>
+                <a:spcPts val="0"/>
+              </a:spcBef>
+              <a:spcAft>
+                <a:spcPts val="0"/>
+              </a:spcAft>
+              <a:buClr>
+                <a:schemeClr val="lt1"/>
+              </a:buClr>
+              <a:buSzPts val="2200"/>
+              <a:buFont typeface="Barlow Condensed ExtraBold"/>
+              <a:buNone/>
+              <a:defRPr sz="2200">
+                <a:solidFill>
+                  <a:schemeClr val="lt1"/>
+                </a:solidFill>
+                <a:latin typeface="Barlow Condensed ExtraBold"/>
+                <a:ea typeface="Barlow Condensed ExtraBold"/>
+                <a:cs typeface="Barlow Condensed ExtraBold"/>
+                <a:sym typeface="Barlow Condensed ExtraBold"/>
+              </a:defRPr>
+            </a:lvl4pPr>
+            <a:lvl5pPr lvl="4" algn="ctr" rtl="0">
+              <a:spcBef>
+                <a:spcPts val="0"/>
+              </a:spcBef>
+              <a:spcAft>
+                <a:spcPts val="0"/>
+              </a:spcAft>
+              <a:buClr>
+                <a:schemeClr val="lt1"/>
+              </a:buClr>
+              <a:buSzPts val="2200"/>
+              <a:buFont typeface="Barlow Condensed ExtraBold"/>
+              <a:buNone/>
+              <a:defRPr sz="2200">
+                <a:solidFill>
+                  <a:schemeClr val="lt1"/>
+                </a:solidFill>
+                <a:latin typeface="Barlow Condensed ExtraBold"/>
+                <a:ea typeface="Barlow Condensed ExtraBold"/>
+                <a:cs typeface="Barlow Condensed ExtraBold"/>
+                <a:sym typeface="Barlow Condensed ExtraBold"/>
+              </a:defRPr>
+            </a:lvl5pPr>
+            <a:lvl6pPr lvl="5" algn="ctr" rtl="0">
+              <a:spcBef>
+                <a:spcPts val="0"/>
+              </a:spcBef>
+              <a:spcAft>
+                <a:spcPts val="0"/>
+              </a:spcAft>
+              <a:buClr>
+                <a:schemeClr val="lt1"/>
+              </a:buClr>
+              <a:buSzPts val="2200"/>
+              <a:buFont typeface="Barlow Condensed ExtraBold"/>
+              <a:buNone/>
+              <a:defRPr sz="2200">
+                <a:solidFill>
+                  <a:schemeClr val="lt1"/>
+                </a:solidFill>
+                <a:latin typeface="Barlow Condensed ExtraBold"/>
+                <a:ea typeface="Barlow Condensed ExtraBold"/>
+                <a:cs typeface="Barlow Condensed ExtraBold"/>
+                <a:sym typeface="Barlow Condensed ExtraBold"/>
+              </a:defRPr>
+            </a:lvl6pPr>
+            <a:lvl7pPr lvl="6" algn="ctr" rtl="0">
+              <a:spcBef>
+                <a:spcPts val="0"/>
+              </a:spcBef>
+              <a:spcAft>
+                <a:spcPts val="0"/>
+              </a:spcAft>
+              <a:buClr>
+                <a:schemeClr val="lt1"/>
+              </a:buClr>
+              <a:buSzPts val="2200"/>
+              <a:buFont typeface="Barlow Condensed ExtraBold"/>
+              <a:buNone/>
+              <a:defRPr sz="2200">
+                <a:solidFill>
+                  <a:schemeClr val="lt1"/>
+                </a:solidFill>
+                <a:latin typeface="Barlow Condensed ExtraBold"/>
+                <a:ea typeface="Barlow Condensed ExtraBold"/>
+                <a:cs typeface="Barlow Condensed ExtraBold"/>
+                <a:sym typeface="Barlow Condensed ExtraBold"/>
+              </a:defRPr>
+            </a:lvl7pPr>
+            <a:lvl8pPr lvl="7" algn="ctr" rtl="0">
+              <a:spcBef>
+                <a:spcPts val="0"/>
+              </a:spcBef>
+              <a:spcAft>
+                <a:spcPts val="0"/>
+              </a:spcAft>
+              <a:buClr>
+                <a:schemeClr val="lt1"/>
+              </a:buClr>
+              <a:buSzPts val="2200"/>
+              <a:buFont typeface="Barlow Condensed ExtraBold"/>
+              <a:buNone/>
+              <a:defRPr sz="2200">
+                <a:solidFill>
+                  <a:schemeClr val="lt1"/>
+                </a:solidFill>
+                <a:latin typeface="Barlow Condensed ExtraBold"/>
+                <a:ea typeface="Barlow Condensed ExtraBold"/>
+                <a:cs typeface="Barlow Condensed ExtraBold"/>
+                <a:sym typeface="Barlow Condensed ExtraBold"/>
+              </a:defRPr>
+            </a:lvl8pPr>
+            <a:lvl9pPr lvl="8" algn="ctr" rtl="0">
+              <a:spcBef>
+                <a:spcPts val="0"/>
+              </a:spcBef>
+              <a:spcAft>
+                <a:spcPts val="0"/>
+              </a:spcAft>
+              <a:buClr>
+                <a:schemeClr val="lt1"/>
+              </a:buClr>
+              <a:buSzPts val="2200"/>
+              <a:buFont typeface="Barlow Condensed ExtraBold"/>
+              <a:buNone/>
+              <a:defRPr sz="2200">
+                <a:solidFill>
+                  <a:schemeClr val="lt1"/>
+                </a:solidFill>
+                <a:latin typeface="Barlow Condensed ExtraBold"/>
+                <a:ea typeface="Barlow Condensed ExtraBold"/>
+                <a:cs typeface="Barlow Condensed ExtraBold"/>
+                <a:sym typeface="Barlow Condensed ExtraBold"/>
+              </a:defRPr>
+            </a:lvl9pPr>
+          </a:lstStyle>
+          <a:p>
+            <a:endParaRPr/>
+          </a:p>
+        </p:txBody>
+      </p:sp>
+      <p:sp>
+        <p:nvSpPr>
+          <p:cNvPr id="294" name="Google Shape;294;p22"/>
+          <p:cNvSpPr txBox="1">
+            <a:spLocks noGrp="1"/>
+          </p:cNvSpPr>
+          <p:nvPr>
+            <p:ph type="subTitle" idx="6"/>
+          </p:nvPr>
+        </p:nvSpPr>
+        <p:spPr>
+          <a:xfrm>
+            <a:off x="6416724" y="3826425"/>
+            <a:ext cx="1895700" cy="664200"/>
+          </a:xfrm>
+          <a:prstGeom prst="rect">
+            <a:avLst/>
+          </a:prstGeom>
+        </p:spPr>
+        <p:txBody>
+          <a:bodyPr spcFirstLastPara="1" wrap="square" lIns="91425" tIns="91425" rIns="91425" bIns="91425" anchor="t" anchorCtr="0">
+            <a:noAutofit/>
+          </a:bodyPr>
+          <a:lstStyle>
+            <a:lvl1pPr lvl="0" algn="ctr" rtl="0">
+              <a:lnSpc>
+                <a:spcPct val="100000"/>
+              </a:lnSpc>
+              <a:spcBef>
+                <a:spcPts val="0"/>
+              </a:spcBef>
+              <a:spcAft>
+                <a:spcPts val="0"/>
+              </a:spcAft>
+              <a:buSzPts val="1400"/>
+              <a:buNone/>
+              <a:defRPr sz="1400"/>
+            </a:lvl1pPr>
+            <a:lvl2pPr lvl="1" algn="ctr" rtl="0">
+              <a:lnSpc>
+                <a:spcPct val="100000"/>
+              </a:lnSpc>
+              <a:spcBef>
+                <a:spcPts val="0"/>
+              </a:spcBef>
+              <a:spcAft>
+                <a:spcPts val="0"/>
+              </a:spcAft>
+              <a:buSzPts val="1400"/>
+              <a:buNone/>
+              <a:defRPr/>
+            </a:lvl2pPr>
+            <a:lvl3pPr lvl="2" algn="ctr" rtl="0">
+              <a:lnSpc>
+                <a:spcPct val="100000"/>
+              </a:lnSpc>
+              <a:spcBef>
+                <a:spcPts val="0"/>
+              </a:spcBef>
+              <a:spcAft>
+                <a:spcPts val="0"/>
+              </a:spcAft>
+              <a:buSzPts val="1400"/>
+              <a:buNone/>
+              <a:defRPr/>
+            </a:lvl3pPr>
+            <a:lvl4pPr lvl="3" algn="ctr" rtl="0">
+              <a:lnSpc>
+                <a:spcPct val="100000"/>
+              </a:lnSpc>
+              <a:spcBef>
+                <a:spcPts val="0"/>
+              </a:spcBef>
+              <a:spcAft>
+                <a:spcPts val="0"/>
+              </a:spcAft>
+              <a:buSzPts val="1400"/>
+              <a:buNone/>
+              <a:defRPr/>
+            </a:lvl4pPr>
+            <a:lvl5pPr lvl="4" algn="ctr" rtl="0">
+              <a:lnSpc>
+                <a:spcPct val="100000"/>
+              </a:lnSpc>
+              <a:spcBef>
+                <a:spcPts val="0"/>
+              </a:spcBef>
+              <a:spcAft>
+                <a:spcPts val="0"/>
+              </a:spcAft>
+              <a:buSzPts val="1400"/>
+              <a:buNone/>
+              <a:defRPr/>
+            </a:lvl5pPr>
+            <a:lvl6pPr lvl="5" algn="ctr" rtl="0">
+              <a:lnSpc>
+                <a:spcPct val="100000"/>
+              </a:lnSpc>
+              <a:spcBef>
+                <a:spcPts val="0"/>
+              </a:spcBef>
+              <a:spcAft>
+                <a:spcPts val="0"/>
+              </a:spcAft>
+              <a:buSzPts val="1400"/>
+              <a:buNone/>
+              <a:defRPr/>
+            </a:lvl6pPr>
+            <a:lvl7pPr lvl="6" algn="ctr" rtl="0">
+              <a:lnSpc>
+                <a:spcPct val="100000"/>
+              </a:lnSpc>
+              <a:spcBef>
+                <a:spcPts val="0"/>
+              </a:spcBef>
+              <a:spcAft>
+                <a:spcPts val="0"/>
+              </a:spcAft>
+              <a:buSzPts val="1400"/>
+              <a:buNone/>
+              <a:defRPr/>
+            </a:lvl7pPr>
+            <a:lvl8pPr lvl="7" algn="ctr" rtl="0">
+              <a:lnSpc>
+                <a:spcPct val="100000"/>
+              </a:lnSpc>
+              <a:spcBef>
+                <a:spcPts val="0"/>
+              </a:spcBef>
+              <a:spcAft>
+                <a:spcPts val="0"/>
+              </a:spcAft>
+              <a:buSzPts val="1400"/>
+              <a:buNone/>
+              <a:defRPr/>
+            </a:lvl8pPr>
+            <a:lvl9pPr lvl="8" algn="ctr" rtl="0">
+              <a:lnSpc>
+                <a:spcPct val="100000"/>
+              </a:lnSpc>
+              <a:spcBef>
+                <a:spcPts val="0"/>
+              </a:spcBef>
+              <a:spcAft>
+                <a:spcPts val="0"/>
+              </a:spcAft>
+              <a:buSzPts val="1400"/>
+              <a:buNone/>
+              <a:defRPr/>
+            </a:lvl9pPr>
+          </a:lstStyle>
+          <a:p>
+            <a:endParaRPr/>
+          </a:p>
+        </p:txBody>
+      </p:sp>
+      <p:sp>
+        <p:nvSpPr>
+          <p:cNvPr id="295" name="Google Shape;295;p22"/>
+          <p:cNvSpPr txBox="1">
+            <a:spLocks noGrp="1"/>
+          </p:cNvSpPr>
+          <p:nvPr>
+            <p:ph type="title" idx="7"/>
+          </p:nvPr>
+        </p:nvSpPr>
+        <p:spPr>
+          <a:xfrm>
+            <a:off x="6385824" y="3296625"/>
+            <a:ext cx="1957500" cy="529800"/>
+          </a:xfrm>
+          <a:prstGeom prst="rect">
+            <a:avLst/>
+          </a:prstGeom>
+          <a:solidFill>
+            <a:schemeClr val="lt2"/>
+          </a:solidFill>
+        </p:spPr>
+        <p:txBody>
+          <a:bodyPr spcFirstLastPara="1" wrap="square" lIns="91425" tIns="91425" rIns="91425" bIns="91425" anchor="b" anchorCtr="0">
+            <a:noAutofit/>
+          </a:bodyPr>
+          <a:lstStyle>
+            <a:lvl1pPr lvl="0" algn="ctr" rtl="0">
+              <a:spcBef>
+                <a:spcPts val="0"/>
+              </a:spcBef>
+              <a:spcAft>
+                <a:spcPts val="0"/>
+              </a:spcAft>
+              <a:buSzPts val="2200"/>
+              <a:buNone/>
+              <a:defRPr sz="2200"/>
+            </a:lvl1pPr>
+            <a:lvl2pPr lvl="1" algn="ctr" rtl="0">
+              <a:spcBef>
+                <a:spcPts val="0"/>
+              </a:spcBef>
+              <a:spcAft>
+                <a:spcPts val="0"/>
+              </a:spcAft>
+              <a:buClr>
+                <a:schemeClr val="lt1"/>
+              </a:buClr>
+              <a:buSzPts val="2200"/>
+              <a:buFont typeface="Barlow Condensed ExtraBold"/>
+              <a:buNone/>
+              <a:defRPr sz="2200">
+                <a:solidFill>
+                  <a:schemeClr val="lt1"/>
+                </a:solidFill>
+                <a:latin typeface="Barlow Condensed ExtraBold"/>
+                <a:ea typeface="Barlow Condensed ExtraBold"/>
+                <a:cs typeface="Barlow Condensed ExtraBold"/>
+                <a:sym typeface="Barlow Condensed ExtraBold"/>
+              </a:defRPr>
+            </a:lvl2pPr>
+            <a:lvl3pPr lvl="2" algn="ctr" rtl="0">
+              <a:spcBef>
+                <a:spcPts val="0"/>
+              </a:spcBef>
+              <a:spcAft>
+                <a:spcPts val="0"/>
+              </a:spcAft>
+              <a:buClr>
+                <a:schemeClr val="lt1"/>
+              </a:buClr>
+              <a:buSzPts val="2200"/>
+              <a:buFont typeface="Barlow Condensed ExtraBold"/>
+              <a:buNone/>
+              <a:defRPr sz="2200">
+                <a:solidFill>
+                  <a:schemeClr val="lt1"/>
+                </a:solidFill>
+                <a:latin typeface="Barlow Condensed ExtraBold"/>
+                <a:ea typeface="Barlow Condensed ExtraBold"/>
+                <a:cs typeface="Barlow Condensed ExtraBold"/>
+                <a:sym typeface="Barlow Condensed ExtraBold"/>
+              </a:defRPr>
+            </a:lvl3pPr>
+            <a:lvl4pPr lvl="3" algn="ctr" rtl="0">
+              <a:spcBef>
+                <a:spcPts val="0"/>
+              </a:spcBef>
+              <a:spcAft>
+                <a:spcPts val="0"/>
+              </a:spcAft>
+              <a:buClr>
+                <a:schemeClr val="lt1"/>
+              </a:buClr>
+              <a:buSzPts val="2200"/>
+              <a:buFont typeface="Barlow Condensed ExtraBold"/>
+              <a:buNone/>
+              <a:defRPr sz="2200">
+                <a:solidFill>
+                  <a:schemeClr val="lt1"/>
+                </a:solidFill>
+                <a:latin typeface="Barlow Condensed ExtraBold"/>
+                <a:ea typeface="Barlow Condensed ExtraBold"/>
+                <a:cs typeface="Barlow Condensed ExtraBold"/>
+                <a:sym typeface="Barlow Condensed ExtraBold"/>
+              </a:defRPr>
+            </a:lvl4pPr>
+            <a:lvl5pPr lvl="4" algn="ctr" rtl="0">
+              <a:spcBef>
+                <a:spcPts val="0"/>
+              </a:spcBef>
+              <a:spcAft>
+                <a:spcPts val="0"/>
+              </a:spcAft>
+              <a:buClr>
+                <a:schemeClr val="lt1"/>
+              </a:buClr>
+              <a:buSzPts val="2200"/>
+              <a:buFont typeface="Barlow Condensed ExtraBold"/>
+              <a:buNone/>
+              <a:defRPr sz="2200">
+                <a:solidFill>
+                  <a:schemeClr val="lt1"/>
+                </a:solidFill>
+                <a:latin typeface="Barlow Condensed ExtraBold"/>
+                <a:ea typeface="Barlow Condensed ExtraBold"/>
+                <a:cs typeface="Barlow Condensed ExtraBold"/>
+                <a:sym typeface="Barlow Condensed ExtraBold"/>
+              </a:defRPr>
+            </a:lvl5pPr>
+            <a:lvl6pPr lvl="5" algn="ctr" rtl="0">
+              <a:spcBef>
+                <a:spcPts val="0"/>
+              </a:spcBef>
+              <a:spcAft>
+                <a:spcPts val="0"/>
+              </a:spcAft>
+              <a:buClr>
+                <a:schemeClr val="lt1"/>
+              </a:buClr>
+              <a:buSzPts val="2200"/>
+              <a:buFont typeface="Barlow Condensed ExtraBold"/>
+              <a:buNone/>
+              <a:defRPr sz="2200">
+                <a:solidFill>
+                  <a:schemeClr val="lt1"/>
+                </a:solidFill>
+                <a:latin typeface="Barlow Condensed ExtraBold"/>
+                <a:ea typeface="Barlow Condensed ExtraBold"/>
+                <a:cs typeface="Barlow Condensed ExtraBold"/>
+                <a:sym typeface="Barlow Condensed ExtraBold"/>
+              </a:defRPr>
+            </a:lvl6pPr>
+            <a:lvl7pPr lvl="6" algn="ctr" rtl="0">
+              <a:spcBef>
+                <a:spcPts val="0"/>
+              </a:spcBef>
+              <a:spcAft>
+                <a:spcPts val="0"/>
+              </a:spcAft>
+              <a:buClr>
+                <a:schemeClr val="lt1"/>
+              </a:buClr>
+              <a:buSzPts val="2200"/>
+              <a:buFont typeface="Barlow Condensed ExtraBold"/>
+              <a:buNone/>
+              <a:defRPr sz="2200">
+                <a:solidFill>
+                  <a:schemeClr val="lt1"/>
+                </a:solidFill>
+                <a:latin typeface="Barlow Condensed ExtraBold"/>
+                <a:ea typeface="Barlow Condensed ExtraBold"/>
+                <a:cs typeface="Barlow Condensed ExtraBold"/>
+                <a:sym typeface="Barlow Condensed ExtraBold"/>
+              </a:defRPr>
+            </a:lvl7pPr>
+            <a:lvl8pPr lvl="7" algn="ctr" rtl="0">
+              <a:spcBef>
+                <a:spcPts val="0"/>
+              </a:spcBef>
+              <a:spcAft>
+                <a:spcPts val="0"/>
+              </a:spcAft>
+              <a:buClr>
+                <a:schemeClr val="lt1"/>
+              </a:buClr>
+              <a:buSzPts val="2200"/>
+              <a:buFont typeface="Barlow Condensed ExtraBold"/>
+              <a:buNone/>
+              <a:defRPr sz="2200">
+                <a:solidFill>
+                  <a:schemeClr val="lt1"/>
+                </a:solidFill>
+                <a:latin typeface="Barlow Condensed ExtraBold"/>
+                <a:ea typeface="Barlow Condensed ExtraBold"/>
+                <a:cs typeface="Barlow Condensed ExtraBold"/>
+                <a:sym typeface="Barlow Condensed ExtraBold"/>
+              </a:defRPr>
+            </a:lvl8pPr>
+            <a:lvl9pPr lvl="8" algn="ctr" rtl="0">
+              <a:spcBef>
+                <a:spcPts val="0"/>
+              </a:spcBef>
+              <a:spcAft>
+                <a:spcPts val="0"/>
+              </a:spcAft>
+              <a:buClr>
+                <a:schemeClr val="lt1"/>
+              </a:buClr>
+              <a:buSzPts val="2200"/>
+              <a:buFont typeface="Barlow Condensed ExtraBold"/>
+              <a:buNone/>
+              <a:defRPr sz="2200">
+                <a:solidFill>
+                  <a:schemeClr val="lt1"/>
+                </a:solidFill>
+                <a:latin typeface="Barlow Condensed ExtraBold"/>
+                <a:ea typeface="Barlow Condensed ExtraBold"/>
+                <a:cs typeface="Barlow Condensed ExtraBold"/>
+                <a:sym typeface="Barlow Condensed ExtraBold"/>
+              </a:defRPr>
+            </a:lvl9pPr>
+          </a:lstStyle>
+          <a:p>
+            <a:endParaRPr/>
+          </a:p>
+        </p:txBody>
+      </p:sp>
+      <p:sp>
+        <p:nvSpPr>
+          <p:cNvPr id="296" name="Google Shape;296;p22"/>
+          <p:cNvSpPr txBox="1">
+            <a:spLocks noGrp="1"/>
+          </p:cNvSpPr>
+          <p:nvPr>
+            <p:ph type="subTitle" idx="8"/>
+          </p:nvPr>
+        </p:nvSpPr>
+        <p:spPr>
+          <a:xfrm>
+            <a:off x="835225" y="3826425"/>
+            <a:ext cx="1895700" cy="664200"/>
+          </a:xfrm>
+          <a:prstGeom prst="rect">
+            <a:avLst/>
+          </a:prstGeom>
+        </p:spPr>
+        <p:txBody>
+          <a:bodyPr spcFirstLastPara="1" wrap="square" lIns="91425" tIns="91425" rIns="91425" bIns="91425" anchor="t" anchorCtr="0">
+            <a:noAutofit/>
+          </a:bodyPr>
+          <a:lstStyle>
+            <a:lvl1pPr lvl="0" algn="ctr" rtl="0">
+              <a:lnSpc>
+                <a:spcPct val="100000"/>
+              </a:lnSpc>
+              <a:spcBef>
+                <a:spcPts val="0"/>
+              </a:spcBef>
+              <a:spcAft>
+                <a:spcPts val="0"/>
+              </a:spcAft>
+              <a:buSzPts val="1400"/>
+              <a:buNone/>
+              <a:defRPr sz="1400"/>
+            </a:lvl1pPr>
+            <a:lvl2pPr lvl="1" algn="ctr" rtl="0">
+              <a:lnSpc>
+                <a:spcPct val="100000"/>
+              </a:lnSpc>
+              <a:spcBef>
+                <a:spcPts val="0"/>
+              </a:spcBef>
+              <a:spcAft>
+                <a:spcPts val="0"/>
+              </a:spcAft>
+              <a:buSzPts val="1400"/>
+              <a:buNone/>
+              <a:defRPr/>
+            </a:lvl2pPr>
+            <a:lvl3pPr lvl="2" algn="ctr" rtl="0">
+              <a:lnSpc>
+                <a:spcPct val="100000"/>
+              </a:lnSpc>
+              <a:spcBef>
+                <a:spcPts val="0"/>
+              </a:spcBef>
+              <a:spcAft>
+                <a:spcPts val="0"/>
+              </a:spcAft>
+              <a:buSzPts val="1400"/>
+              <a:buNone/>
+              <a:defRPr/>
+            </a:lvl3pPr>
+            <a:lvl4pPr lvl="3" algn="ctr" rtl="0">
+              <a:lnSpc>
+                <a:spcPct val="100000"/>
+              </a:lnSpc>
+              <a:spcBef>
+                <a:spcPts val="0"/>
+              </a:spcBef>
+              <a:spcAft>
+                <a:spcPts val="0"/>
+              </a:spcAft>
+              <a:buSzPts val="1400"/>
+              <a:buNone/>
+              <a:defRPr/>
+            </a:lvl4pPr>
+            <a:lvl5pPr lvl="4" algn="ctr" rtl="0">
+              <a:lnSpc>
+                <a:spcPct val="100000"/>
+              </a:lnSpc>
+              <a:spcBef>
+                <a:spcPts val="0"/>
+              </a:spcBef>
+              <a:spcAft>
+                <a:spcPts val="0"/>
+              </a:spcAft>
+              <a:buSzPts val="1400"/>
+              <a:buNone/>
+              <a:defRPr/>
+            </a:lvl5pPr>
+            <a:lvl6pPr lvl="5" algn="ctr" rtl="0">
+              <a:lnSpc>
+                <a:spcPct val="100000"/>
+              </a:lnSpc>
+              <a:spcBef>
+                <a:spcPts val="0"/>
+              </a:spcBef>
+              <a:spcAft>
+                <a:spcPts val="0"/>
+              </a:spcAft>
+              <a:buSzPts val="1400"/>
+              <a:buNone/>
+              <a:defRPr/>
+            </a:lvl6pPr>
+            <a:lvl7pPr lvl="6" algn="ctr" rtl="0">
+              <a:lnSpc>
+                <a:spcPct val="100000"/>
+              </a:lnSpc>
+              <a:spcBef>
+                <a:spcPts val="0"/>
+              </a:spcBef>
+              <a:spcAft>
+                <a:spcPts val="0"/>
+              </a:spcAft>
+              <a:buSzPts val="1400"/>
+              <a:buNone/>
+              <a:defRPr/>
+            </a:lvl7pPr>
+            <a:lvl8pPr lvl="7" algn="ctr" rtl="0">
+              <a:lnSpc>
+                <a:spcPct val="100000"/>
+              </a:lnSpc>
+              <a:spcBef>
+                <a:spcPts val="0"/>
+              </a:spcBef>
+              <a:spcAft>
+                <a:spcPts val="0"/>
+              </a:spcAft>
+              <a:buSzPts val="1400"/>
+              <a:buNone/>
+              <a:defRPr/>
+            </a:lvl8pPr>
+            <a:lvl9pPr lvl="8" algn="ctr" rtl="0">
+              <a:lnSpc>
+                <a:spcPct val="100000"/>
+              </a:lnSpc>
+              <a:spcBef>
+                <a:spcPts val="0"/>
+              </a:spcBef>
+              <a:spcAft>
+                <a:spcPts val="0"/>
+              </a:spcAft>
+              <a:buSzPts val="1400"/>
+              <a:buNone/>
+              <a:defRPr/>
+            </a:lvl9pPr>
+          </a:lstStyle>
+          <a:p>
+            <a:endParaRPr/>
+          </a:p>
+        </p:txBody>
+      </p:sp>
+      <p:sp>
+        <p:nvSpPr>
+          <p:cNvPr id="297" name="Google Shape;297;p22"/>
+          <p:cNvSpPr txBox="1">
+            <a:spLocks noGrp="1"/>
+          </p:cNvSpPr>
+          <p:nvPr>
+            <p:ph type="title" idx="9"/>
+          </p:nvPr>
+        </p:nvSpPr>
+        <p:spPr>
+          <a:xfrm>
+            <a:off x="804325" y="3296625"/>
+            <a:ext cx="1957500" cy="529800"/>
+          </a:xfrm>
+          <a:prstGeom prst="rect">
+            <a:avLst/>
+          </a:prstGeom>
+          <a:solidFill>
+            <a:schemeClr val="lt2"/>
+          </a:solidFill>
+        </p:spPr>
+        <p:txBody>
+          <a:bodyPr spcFirstLastPara="1" wrap="square" lIns="91425" tIns="91425" rIns="91425" bIns="91425" anchor="b" anchorCtr="0">
+            <a:noAutofit/>
+          </a:bodyPr>
+          <a:lstStyle>
+            <a:lvl1pPr lvl="0" algn="ctr" rtl="0">
+              <a:spcBef>
+                <a:spcPts val="0"/>
+              </a:spcBef>
+              <a:spcAft>
+                <a:spcPts val="0"/>
+              </a:spcAft>
+              <a:buClr>
+                <a:schemeClr val="lt1"/>
+              </a:buClr>
+              <a:buSzPts val="2200"/>
+              <a:buNone/>
+              <a:defRPr sz="2200">
+                <a:solidFill>
+                  <a:schemeClr val="lt1"/>
+                </a:solidFill>
+              </a:defRPr>
+            </a:lvl1pPr>
+            <a:lvl2pPr lvl="1" algn="ctr" rtl="0">
+              <a:spcBef>
+                <a:spcPts val="0"/>
+              </a:spcBef>
+              <a:spcAft>
+                <a:spcPts val="0"/>
+              </a:spcAft>
+              <a:buClr>
+                <a:schemeClr val="lt1"/>
+              </a:buClr>
+              <a:buSzPts val="2200"/>
+              <a:buFont typeface="Barlow Condensed ExtraBold"/>
+              <a:buNone/>
+              <a:defRPr sz="2200">
+                <a:solidFill>
+                  <a:schemeClr val="lt1"/>
+                </a:solidFill>
+                <a:latin typeface="Barlow Condensed ExtraBold"/>
+                <a:ea typeface="Barlow Condensed ExtraBold"/>
+                <a:cs typeface="Barlow Condensed ExtraBold"/>
+                <a:sym typeface="Barlow Condensed ExtraBold"/>
+              </a:defRPr>
+            </a:lvl2pPr>
+            <a:lvl3pPr lvl="2" algn="ctr" rtl="0">
+              <a:spcBef>
+                <a:spcPts val="0"/>
+              </a:spcBef>
+              <a:spcAft>
+                <a:spcPts val="0"/>
+              </a:spcAft>
+              <a:buClr>
+                <a:schemeClr val="lt1"/>
+              </a:buClr>
+              <a:buSzPts val="2200"/>
+              <a:buFont typeface="Barlow Condensed ExtraBold"/>
+              <a:buNone/>
+              <a:defRPr sz="2200">
+                <a:solidFill>
+                  <a:schemeClr val="lt1"/>
+                </a:solidFill>
+                <a:latin typeface="Barlow Condensed ExtraBold"/>
+                <a:ea typeface="Barlow Condensed ExtraBold"/>
+                <a:cs typeface="Barlow Condensed ExtraBold"/>
+                <a:sym typeface="Barlow Condensed ExtraBold"/>
+              </a:defRPr>
+            </a:lvl3pPr>
+            <a:lvl4pPr lvl="3" algn="ctr" rtl="0">
+              <a:spcBef>
+                <a:spcPts val="0"/>
+              </a:spcBef>
+              <a:spcAft>
+                <a:spcPts val="0"/>
+              </a:spcAft>
+              <a:buClr>
+                <a:schemeClr val="lt1"/>
+              </a:buClr>
+              <a:buSzPts val="2200"/>
+              <a:buFont typeface="Barlow Condensed ExtraBold"/>
+              <a:buNone/>
+              <a:defRPr sz="2200">
+                <a:solidFill>
+                  <a:schemeClr val="lt1"/>
+                </a:solidFill>
+                <a:latin typeface="Barlow Condensed ExtraBold"/>
+                <a:ea typeface="Barlow Condensed ExtraBold"/>
+                <a:cs typeface="Barlow Condensed ExtraBold"/>
+                <a:sym typeface="Barlow Condensed ExtraBold"/>
+              </a:defRPr>
+            </a:lvl4pPr>
+            <a:lvl5pPr lvl="4" algn="ctr" rtl="0">
+              <a:spcBef>
+                <a:spcPts val="0"/>
+              </a:spcBef>
+              <a:spcAft>
+                <a:spcPts val="0"/>
+              </a:spcAft>
+              <a:buClr>
+                <a:schemeClr val="lt1"/>
+              </a:buClr>
+              <a:buSzPts val="2200"/>
+              <a:buFont typeface="Barlow Condensed ExtraBold"/>
+              <a:buNone/>
+              <a:defRPr sz="2200">
+                <a:solidFill>
+                  <a:schemeClr val="lt1"/>
+                </a:solidFill>
+                <a:latin typeface="Barlow Condensed ExtraBold"/>
+                <a:ea typeface="Barlow Condensed ExtraBold"/>
+                <a:cs typeface="Barlow Condensed ExtraBold"/>
+                <a:sym typeface="Barlow Condensed ExtraBold"/>
+              </a:defRPr>
+            </a:lvl5pPr>
+            <a:lvl6pPr lvl="5" algn="ctr" rtl="0">
+              <a:spcBef>
+                <a:spcPts val="0"/>
+              </a:spcBef>
+              <a:spcAft>
+                <a:spcPts val="0"/>
+              </a:spcAft>
+              <a:buClr>
+                <a:schemeClr val="lt1"/>
+              </a:buClr>
+              <a:buSzPts val="2200"/>
+              <a:buFont typeface="Barlow Condensed ExtraBold"/>
+              <a:buNone/>
+              <a:defRPr sz="2200">
+                <a:solidFill>
+                  <a:schemeClr val="lt1"/>
+                </a:solidFill>
+                <a:latin typeface="Barlow Condensed ExtraBold"/>
+                <a:ea typeface="Barlow Condensed ExtraBold"/>
+                <a:cs typeface="Barlow Condensed ExtraBold"/>
+                <a:sym typeface="Barlow Condensed ExtraBold"/>
+              </a:defRPr>
+            </a:lvl6pPr>
+            <a:lvl7pPr lvl="6" algn="ctr" rtl="0">
+              <a:spcBef>
+                <a:spcPts val="0"/>
+              </a:spcBef>
+              <a:spcAft>
+                <a:spcPts val="0"/>
+              </a:spcAft>
+              <a:buClr>
+                <a:schemeClr val="lt1"/>
+              </a:buClr>
+              <a:buSzPts val="2200"/>
+              <a:buFont typeface="Barlow Condensed ExtraBold"/>
+              <a:buNone/>
+              <a:defRPr sz="2200">
+                <a:solidFill>
+                  <a:schemeClr val="lt1"/>
+                </a:solidFill>
+                <a:latin typeface="Barlow Condensed ExtraBold"/>
+                <a:ea typeface="Barlow Condensed ExtraBold"/>
+                <a:cs typeface="Barlow Condensed ExtraBold"/>
+                <a:sym typeface="Barlow Condensed ExtraBold"/>
+              </a:defRPr>
+            </a:lvl7pPr>
+            <a:lvl8pPr lvl="7" algn="ctr" rtl="0">
+              <a:spcBef>
+                <a:spcPts val="0"/>
+              </a:spcBef>
+              <a:spcAft>
+                <a:spcPts val="0"/>
+              </a:spcAft>
+              <a:buClr>
+                <a:schemeClr val="lt1"/>
+              </a:buClr>
+              <a:buSzPts val="2200"/>
+              <a:buFont typeface="Barlow Condensed ExtraBold"/>
+              <a:buNone/>
+              <a:defRPr sz="2200">
+                <a:solidFill>
+                  <a:schemeClr val="lt1"/>
+                </a:solidFill>
+                <a:latin typeface="Barlow Condensed ExtraBold"/>
+                <a:ea typeface="Barlow Condensed ExtraBold"/>
+                <a:cs typeface="Barlow Condensed ExtraBold"/>
+                <a:sym typeface="Barlow Condensed ExtraBold"/>
+              </a:defRPr>
+            </a:lvl8pPr>
+            <a:lvl9pPr lvl="8" algn="ctr" rtl="0">
+              <a:spcBef>
+                <a:spcPts val="0"/>
+              </a:spcBef>
+              <a:spcAft>
+                <a:spcPts val="0"/>
+              </a:spcAft>
+              <a:buClr>
+                <a:schemeClr val="lt1"/>
+              </a:buClr>
+              <a:buSzPts val="2200"/>
+              <a:buFont typeface="Barlow Condensed ExtraBold"/>
+              <a:buNone/>
+              <a:defRPr sz="2200">
+                <a:solidFill>
+                  <a:schemeClr val="lt1"/>
+                </a:solidFill>
+                <a:latin typeface="Barlow Condensed ExtraBold"/>
+                <a:ea typeface="Barlow Condensed ExtraBold"/>
+                <a:cs typeface="Barlow Condensed ExtraBold"/>
+                <a:sym typeface="Barlow Condensed ExtraBold"/>
+              </a:defRPr>
+            </a:lvl9pPr>
+          </a:lstStyle>
+          <a:p>
+            <a:endParaRPr/>
+          </a:p>
+        </p:txBody>
+      </p:sp>
+      <p:sp>
+        <p:nvSpPr>
+          <p:cNvPr id="298" name="Google Shape;298;p22"/>
+          <p:cNvSpPr txBox="1">
+            <a:spLocks noGrp="1"/>
+          </p:cNvSpPr>
+          <p:nvPr>
+            <p:ph type="subTitle" idx="13"/>
+          </p:nvPr>
+        </p:nvSpPr>
+        <p:spPr>
+          <a:xfrm>
+            <a:off x="3624150" y="3826425"/>
+            <a:ext cx="1895700" cy="664200"/>
+          </a:xfrm>
+          <a:prstGeom prst="rect">
+            <a:avLst/>
+          </a:prstGeom>
+        </p:spPr>
+        <p:txBody>
+          <a:bodyPr spcFirstLastPara="1" wrap="square" lIns="91425" tIns="91425" rIns="91425" bIns="91425" anchor="t" anchorCtr="0">
+            <a:noAutofit/>
+          </a:bodyPr>
+          <a:lstStyle>
+            <a:lvl1pPr lvl="0" algn="ctr" rtl="0">
+              <a:lnSpc>
+                <a:spcPct val="100000"/>
+              </a:lnSpc>
+              <a:spcBef>
+                <a:spcPts val="0"/>
+              </a:spcBef>
+              <a:spcAft>
+                <a:spcPts val="0"/>
+              </a:spcAft>
+              <a:buSzPts val="1400"/>
+              <a:buNone/>
+              <a:defRPr sz="1400"/>
+            </a:lvl1pPr>
+            <a:lvl2pPr lvl="1" algn="ctr" rtl="0">
+              <a:lnSpc>
+                <a:spcPct val="100000"/>
+              </a:lnSpc>
+              <a:spcBef>
+                <a:spcPts val="0"/>
+              </a:spcBef>
+              <a:spcAft>
+                <a:spcPts val="0"/>
+              </a:spcAft>
+              <a:buSzPts val="1400"/>
+              <a:buNone/>
+              <a:defRPr/>
+            </a:lvl2pPr>
+            <a:lvl3pPr lvl="2" algn="ctr" rtl="0">
+              <a:lnSpc>
+                <a:spcPct val="100000"/>
+              </a:lnSpc>
+              <a:spcBef>
+                <a:spcPts val="0"/>
+              </a:spcBef>
+              <a:spcAft>
+                <a:spcPts val="0"/>
+              </a:spcAft>
+              <a:buSzPts val="1400"/>
+              <a:buNone/>
+              <a:defRPr/>
+            </a:lvl3pPr>
+            <a:lvl4pPr lvl="3" algn="ctr" rtl="0">
+              <a:lnSpc>
+                <a:spcPct val="100000"/>
+              </a:lnSpc>
+              <a:spcBef>
+                <a:spcPts val="0"/>
+              </a:spcBef>
+              <a:spcAft>
+                <a:spcPts val="0"/>
+              </a:spcAft>
+              <a:buSzPts val="1400"/>
+              <a:buNone/>
+              <a:defRPr/>
+            </a:lvl4pPr>
+            <a:lvl5pPr lvl="4" algn="ctr" rtl="0">
+              <a:lnSpc>
+                <a:spcPct val="100000"/>
+              </a:lnSpc>
+              <a:spcBef>
+                <a:spcPts val="0"/>
+              </a:spcBef>
+              <a:spcAft>
+                <a:spcPts val="0"/>
+              </a:spcAft>
+              <a:buSzPts val="1400"/>
+              <a:buNone/>
+              <a:defRPr/>
+            </a:lvl5pPr>
+            <a:lvl6pPr lvl="5" algn="ctr" rtl="0">
+              <a:lnSpc>
+                <a:spcPct val="100000"/>
+              </a:lnSpc>
+              <a:spcBef>
+                <a:spcPts val="0"/>
+              </a:spcBef>
+              <a:spcAft>
+                <a:spcPts val="0"/>
+              </a:spcAft>
+              <a:buSzPts val="1400"/>
+              <a:buNone/>
+              <a:defRPr/>
+            </a:lvl6pPr>
+            <a:lvl7pPr lvl="6" algn="ctr" rtl="0">
+              <a:lnSpc>
+                <a:spcPct val="100000"/>
+              </a:lnSpc>
+              <a:spcBef>
+                <a:spcPts val="0"/>
+              </a:spcBef>
+              <a:spcAft>
+                <a:spcPts val="0"/>
+              </a:spcAft>
+              <a:buSzPts val="1400"/>
+              <a:buNone/>
+              <a:defRPr/>
+            </a:lvl7pPr>
+            <a:lvl8pPr lvl="7" algn="ctr" rtl="0">
+              <a:lnSpc>
+                <a:spcPct val="100000"/>
+              </a:lnSpc>
+              <a:spcBef>
+                <a:spcPts val="0"/>
+              </a:spcBef>
+              <a:spcAft>
+                <a:spcPts val="0"/>
+              </a:spcAft>
+              <a:buSzPts val="1400"/>
+              <a:buNone/>
+              <a:defRPr/>
+            </a:lvl8pPr>
+            <a:lvl9pPr lvl="8" algn="ctr" rtl="0">
+              <a:lnSpc>
+                <a:spcPct val="100000"/>
+              </a:lnSpc>
+              <a:spcBef>
+                <a:spcPts val="0"/>
+              </a:spcBef>
+              <a:spcAft>
+                <a:spcPts val="0"/>
+              </a:spcAft>
+              <a:buSzPts val="1400"/>
+              <a:buNone/>
+              <a:defRPr/>
+            </a:lvl9pPr>
+          </a:lstStyle>
+          <a:p>
+            <a:endParaRPr/>
+          </a:p>
+        </p:txBody>
+      </p:sp>
+      <p:sp>
+        <p:nvSpPr>
+          <p:cNvPr id="299" name="Google Shape;299;p22"/>
+          <p:cNvSpPr txBox="1">
+            <a:spLocks noGrp="1"/>
+          </p:cNvSpPr>
+          <p:nvPr>
+            <p:ph type="title" idx="14"/>
+          </p:nvPr>
+        </p:nvSpPr>
+        <p:spPr>
+          <a:xfrm>
+            <a:off x="3593246" y="3296625"/>
+            <a:ext cx="1957500" cy="529800"/>
+          </a:xfrm>
+          <a:prstGeom prst="rect">
+            <a:avLst/>
+          </a:prstGeom>
+          <a:solidFill>
+            <a:schemeClr val="dk2"/>
+          </a:solidFill>
+        </p:spPr>
+        <p:txBody>
+          <a:bodyPr spcFirstLastPara="1" wrap="square" lIns="91425" tIns="91425" rIns="91425" bIns="91425" anchor="b" anchorCtr="0">
+            <a:noAutofit/>
+          </a:bodyPr>
+          <a:lstStyle>
+            <a:lvl1pPr lvl="0" algn="ctr" rtl="0">
+              <a:spcBef>
+                <a:spcPts val="0"/>
+              </a:spcBef>
+              <a:spcAft>
+                <a:spcPts val="0"/>
+              </a:spcAft>
+              <a:buClr>
+                <a:schemeClr val="dk1"/>
+              </a:buClr>
+              <a:buSzPts val="2200"/>
+              <a:buNone/>
+              <a:defRPr sz="2200">
+                <a:solidFill>
+                  <a:schemeClr val="dk1"/>
+                </a:solidFill>
+              </a:defRPr>
+            </a:lvl1pPr>
+            <a:lvl2pPr lvl="1" algn="ctr" rtl="0">
+              <a:spcBef>
+                <a:spcPts val="0"/>
+              </a:spcBef>
+              <a:spcAft>
+                <a:spcPts val="0"/>
+              </a:spcAft>
+              <a:buClr>
+                <a:schemeClr val="lt1"/>
+              </a:buClr>
+              <a:buSzPts val="2200"/>
+              <a:buFont typeface="Barlow Condensed ExtraBold"/>
+              <a:buNone/>
+              <a:defRPr sz="2200">
+                <a:solidFill>
+                  <a:schemeClr val="lt1"/>
+                </a:solidFill>
+                <a:latin typeface="Barlow Condensed ExtraBold"/>
+                <a:ea typeface="Barlow Condensed ExtraBold"/>
+                <a:cs typeface="Barlow Condensed ExtraBold"/>
+                <a:sym typeface="Barlow Condensed ExtraBold"/>
+              </a:defRPr>
+            </a:lvl2pPr>
+            <a:lvl3pPr lvl="2" algn="ctr" rtl="0">
+              <a:spcBef>
+                <a:spcPts val="0"/>
+              </a:spcBef>
+              <a:spcAft>
+                <a:spcPts val="0"/>
+              </a:spcAft>
+              <a:buClr>
+                <a:schemeClr val="lt1"/>
+              </a:buClr>
+              <a:buSzPts val="2200"/>
+              <a:buFont typeface="Barlow Condensed ExtraBold"/>
+              <a:buNone/>
+              <a:defRPr sz="2200">
+                <a:solidFill>
+                  <a:schemeClr val="lt1"/>
+                </a:solidFill>
+                <a:latin typeface="Barlow Condensed ExtraBold"/>
+                <a:ea typeface="Barlow Condensed ExtraBold"/>
+                <a:cs typeface="Barlow Condensed ExtraBold"/>
+                <a:sym typeface="Barlow Condensed ExtraBold"/>
+              </a:defRPr>
+            </a:lvl3pPr>
+            <a:lvl4pPr lvl="3" algn="ctr" rtl="0">
+              <a:spcBef>
+                <a:spcPts val="0"/>
+              </a:spcBef>
+              <a:spcAft>
+                <a:spcPts val="0"/>
+              </a:spcAft>
+              <a:buClr>
+                <a:schemeClr val="lt1"/>
+              </a:buClr>
+              <a:buSzPts val="2200"/>
+              <a:buFont typeface="Barlow Condensed ExtraBold"/>
+              <a:buNone/>
+              <a:defRPr sz="2200">
+                <a:solidFill>
+                  <a:schemeClr val="lt1"/>
+                </a:solidFill>
+                <a:latin typeface="Barlow Condensed ExtraBold"/>
+                <a:ea typeface="Barlow Condensed ExtraBold"/>
+                <a:cs typeface="Barlow Condensed ExtraBold"/>
+                <a:sym typeface="Barlow Condensed ExtraBold"/>
+              </a:defRPr>
+            </a:lvl4pPr>
+            <a:lvl5pPr lvl="4" algn="ctr" rtl="0">
+              <a:spcBef>
+                <a:spcPts val="0"/>
+              </a:spcBef>
+              <a:spcAft>
+                <a:spcPts val="0"/>
+              </a:spcAft>
+              <a:buClr>
+                <a:schemeClr val="lt1"/>
+              </a:buClr>
+              <a:buSzPts val="2200"/>
+              <a:buFont typeface="Barlow Condensed ExtraBold"/>
+              <a:buNone/>
+              <a:defRPr sz="2200">
+                <a:solidFill>
+                  <a:schemeClr val="lt1"/>
+                </a:solidFill>
+                <a:latin typeface="Barlow Condensed ExtraBold"/>
+                <a:ea typeface="Barlow Condensed ExtraBold"/>
+                <a:cs typeface="Barlow Condensed ExtraBold"/>
+                <a:sym typeface="Barlow Condensed ExtraBold"/>
+              </a:defRPr>
+            </a:lvl5pPr>
+            <a:lvl6pPr lvl="5" algn="ctr" rtl="0">
+              <a:spcBef>
+                <a:spcPts val="0"/>
+              </a:spcBef>
+              <a:spcAft>
+                <a:spcPts val="0"/>
+              </a:spcAft>
+              <a:buClr>
+                <a:schemeClr val="lt1"/>
+              </a:buClr>
+              <a:buSzPts val="2200"/>
+              <a:buFont typeface="Barlow Condensed ExtraBold"/>
+              <a:buNone/>
+              <a:defRPr sz="2200">
+                <a:solidFill>
+                  <a:schemeClr val="lt1"/>
+                </a:solidFill>
+                <a:latin typeface="Barlow Condensed ExtraBold"/>
+                <a:ea typeface="Barlow Condensed ExtraBold"/>
+                <a:cs typeface="Barlow Condensed ExtraBold"/>
+                <a:sym typeface="Barlow Condensed ExtraBold"/>
+              </a:defRPr>
+            </a:lvl6pPr>
+            <a:lvl7pPr lvl="6" algn="ctr" rtl="0">
+              <a:spcBef>
+                <a:spcPts val="0"/>
+              </a:spcBef>
+              <a:spcAft>
+                <a:spcPts val="0"/>
+              </a:spcAft>
+              <a:buClr>
+                <a:schemeClr val="lt1"/>
+              </a:buClr>
+              <a:buSzPts val="2200"/>
+              <a:buFont typeface="Barlow Condensed ExtraBold"/>
+              <a:buNone/>
+              <a:defRPr sz="2200">
+                <a:solidFill>
+                  <a:schemeClr val="lt1"/>
+                </a:solidFill>
+                <a:latin typeface="Barlow Condensed ExtraBold"/>
+                <a:ea typeface="Barlow Condensed ExtraBold"/>
+                <a:cs typeface="Barlow Condensed ExtraBold"/>
+                <a:sym typeface="Barlow Condensed ExtraBold"/>
+              </a:defRPr>
+            </a:lvl7pPr>
+            <a:lvl8pPr lvl="7" algn="ctr" rtl="0">
+              <a:spcBef>
+                <a:spcPts val="0"/>
+              </a:spcBef>
+              <a:spcAft>
+                <a:spcPts val="0"/>
+              </a:spcAft>
+              <a:buClr>
+                <a:schemeClr val="lt1"/>
+              </a:buClr>
+              <a:buSzPts val="2200"/>
+              <a:buFont typeface="Barlow Condensed ExtraBold"/>
+              <a:buNone/>
+              <a:defRPr sz="2200">
+                <a:solidFill>
+                  <a:schemeClr val="lt1"/>
+                </a:solidFill>
+                <a:latin typeface="Barlow Condensed ExtraBold"/>
+                <a:ea typeface="Barlow Condensed ExtraBold"/>
+                <a:cs typeface="Barlow Condensed ExtraBold"/>
+                <a:sym typeface="Barlow Condensed ExtraBold"/>
+              </a:defRPr>
+            </a:lvl8pPr>
+            <a:lvl9pPr lvl="8" algn="ctr" rtl="0">
+              <a:spcBef>
+                <a:spcPts val="0"/>
+              </a:spcBef>
+              <a:spcAft>
+                <a:spcPts val="0"/>
+              </a:spcAft>
+              <a:buClr>
+                <a:schemeClr val="lt1"/>
+              </a:buClr>
+              <a:buSzPts val="2200"/>
+              <a:buFont typeface="Barlow Condensed ExtraBold"/>
+              <a:buNone/>
+              <a:defRPr sz="2200">
+                <a:solidFill>
+                  <a:schemeClr val="lt1"/>
+                </a:solidFill>
+                <a:latin typeface="Barlow Condensed ExtraBold"/>
+                <a:ea typeface="Barlow Condensed ExtraBold"/>
+                <a:cs typeface="Barlow Condensed ExtraBold"/>
+                <a:sym typeface="Barlow Condensed ExtraBold"/>
+              </a:defRPr>
+            </a:lvl9pPr>
+          </a:lstStyle>
+          <a:p>
+            <a:endParaRPr/>
+          </a:p>
+        </p:txBody>
+      </p:sp>
+      <p:sp>
+        <p:nvSpPr>
+          <p:cNvPr id="300" name="Google Shape;300;p22"/>
+          <p:cNvSpPr txBox="1">
+            <a:spLocks noGrp="1"/>
+          </p:cNvSpPr>
+          <p:nvPr>
+            <p:ph type="title" idx="15"/>
+          </p:nvPr>
+        </p:nvSpPr>
+        <p:spPr>
+          <a:xfrm>
+            <a:off x="1278000" y="342000"/>
+            <a:ext cx="6588000" cy="669000"/>
+          </a:xfrm>
+          <a:prstGeom prst="rect">
+            <a:avLst/>
+          </a:prstGeom>
+        </p:spPr>
+        <p:txBody>
+          <a:bodyPr spcFirstLastPara="1" wrap="square" lIns="91425" tIns="91425" rIns="91425" bIns="91425" anchor="t" anchorCtr="0">
+            <a:noAutofit/>
+          </a:bodyPr>
+          <a:lstStyle>
+            <a:lvl1pPr lvl="0" algn="ctr" rtl="0">
+              <a:spcBef>
+                <a:spcPts val="0"/>
+              </a:spcBef>
+              <a:spcAft>
+                <a:spcPts val="0"/>
+              </a:spcAft>
+              <a:buNone/>
+              <a:defRPr sz="3000">
+                <a:solidFill>
+                  <a:schemeClr val="dk2"/>
+                </a:solidFill>
+              </a:defRPr>
+            </a:lvl1pPr>
+            <a:lvl2pPr lvl="1" algn="ctr" rtl="0">
+              <a:spcBef>
+                <a:spcPts val="0"/>
+              </a:spcBef>
+              <a:spcAft>
+                <a:spcPts val="0"/>
+              </a:spcAft>
+              <a:buNone/>
+              <a:defRPr sz="3000"/>
+            </a:lvl2pPr>
+            <a:lvl3pPr lvl="2" algn="ctr" rtl="0">
+              <a:spcBef>
+                <a:spcPts val="0"/>
+              </a:spcBef>
+              <a:spcAft>
+                <a:spcPts val="0"/>
+              </a:spcAft>
+              <a:buNone/>
+              <a:defRPr sz="3000"/>
+            </a:lvl3pPr>
+            <a:lvl4pPr lvl="3" algn="ctr" rtl="0">
+              <a:spcBef>
+                <a:spcPts val="0"/>
+              </a:spcBef>
+              <a:spcAft>
+                <a:spcPts val="0"/>
+              </a:spcAft>
+              <a:buNone/>
+              <a:defRPr sz="3000"/>
+            </a:lvl4pPr>
+            <a:lvl5pPr lvl="4" algn="ctr" rtl="0">
+              <a:spcBef>
+                <a:spcPts val="0"/>
+              </a:spcBef>
+              <a:spcAft>
+                <a:spcPts val="0"/>
+              </a:spcAft>
+              <a:buNone/>
+              <a:defRPr sz="3000"/>
+            </a:lvl5pPr>
+            <a:lvl6pPr lvl="5" algn="ctr" rtl="0">
+              <a:spcBef>
+                <a:spcPts val="0"/>
+              </a:spcBef>
+              <a:spcAft>
+                <a:spcPts val="0"/>
+              </a:spcAft>
+              <a:buNone/>
+              <a:defRPr sz="3000"/>
+            </a:lvl6pPr>
+            <a:lvl7pPr lvl="6" algn="ctr" rtl="0">
+              <a:spcBef>
+                <a:spcPts val="0"/>
+              </a:spcBef>
+              <a:spcAft>
+                <a:spcPts val="0"/>
+              </a:spcAft>
+              <a:buNone/>
+              <a:defRPr sz="3000"/>
+            </a:lvl7pPr>
+            <a:lvl8pPr lvl="7" algn="ctr" rtl="0">
+              <a:spcBef>
+                <a:spcPts val="0"/>
+              </a:spcBef>
+              <a:spcAft>
+                <a:spcPts val="0"/>
+              </a:spcAft>
+              <a:buNone/>
+              <a:defRPr sz="3000"/>
+            </a:lvl8pPr>
+            <a:lvl9pPr lvl="8" algn="ctr" rtl="0">
+              <a:spcBef>
+                <a:spcPts val="0"/>
+              </a:spcBef>
+              <a:spcAft>
+                <a:spcPts val="0"/>
+              </a:spcAft>
+              <a:buNone/>
+              <a:defRPr sz="3000"/>
+            </a:lvl9pPr>
+          </a:lstStyle>
+          <a:p>
+            <a:endParaRPr/>
+          </a:p>
+        </p:txBody>
+      </p:sp>
+      <p:sp>
+        <p:nvSpPr>
+          <p:cNvPr id="301" name="Google Shape;301;p22"/>
+          <p:cNvSpPr/>
+          <p:nvPr/>
+        </p:nvSpPr>
+        <p:spPr>
+          <a:xfrm flipH="1">
+            <a:off x="-40" y="1952289"/>
+            <a:ext cx="7790203" cy="131872"/>
+          </a:xfrm>
+          <a:custGeom>
+            <a:avLst/>
+            <a:gdLst/>
+            <a:ahLst/>
+            <a:cxnLst/>
+            <a:rect l="l" t="t" r="r" b="b"/>
+            <a:pathLst>
+              <a:path w="42303" h="4121" extrusionOk="0">
+                <a:moveTo>
+                  <a:pt x="0" y="1"/>
+                </a:moveTo>
+                <a:lnTo>
+                  <a:pt x="0" y="4120"/>
+                </a:lnTo>
+                <a:lnTo>
+                  <a:pt x="42303" y="4120"/>
+                </a:lnTo>
+                <a:lnTo>
+                  <a:pt x="42303" y="1"/>
+                </a:lnTo>
+                <a:close/>
+              </a:path>
+            </a:pathLst>
+          </a:custGeom>
+          <a:solidFill>
+            <a:srgbClr val="FFFFFF">
+              <a:alpha val="6270"/>
+            </a:srgbClr>
+          </a:solidFill>
+          <a:ln>
+            <a:noFill/>
+          </a:ln>
+        </p:spPr>
+        <p:txBody>
+          <a:bodyPr spcFirstLastPara="1" wrap="square" lIns="91425" tIns="91425" rIns="91425" bIns="91425" anchor="ctr" anchorCtr="0">
+            <a:noAutofit/>
+          </a:bodyPr>
+          <a:lstStyle/>
+          <a:p>
+            <a:pPr marL="0" lvl="0" indent="0" algn="l" rtl="0">
+              <a:spcBef>
+                <a:spcPts val="0"/>
+              </a:spcBef>
+              <a:spcAft>
+                <a:spcPts val="0"/>
+              </a:spcAft>
+              <a:buNone/>
+            </a:pPr>
+            <a:endParaRPr/>
+          </a:p>
+        </p:txBody>
+      </p:sp>
+      <p:sp>
+        <p:nvSpPr>
+          <p:cNvPr id="302" name="Google Shape;302;p22"/>
+          <p:cNvSpPr/>
+          <p:nvPr/>
+        </p:nvSpPr>
+        <p:spPr>
+          <a:xfrm flipH="1">
+            <a:off x="933395" y="3495600"/>
+            <a:ext cx="8210589" cy="131851"/>
+          </a:xfrm>
+          <a:custGeom>
+            <a:avLst/>
+            <a:gdLst/>
+            <a:ahLst/>
+            <a:cxnLst/>
+            <a:rect l="l" t="t" r="r" b="b"/>
+            <a:pathLst>
+              <a:path w="42303" h="4121" extrusionOk="0">
+                <a:moveTo>
+                  <a:pt x="0" y="1"/>
+                </a:moveTo>
+                <a:lnTo>
+                  <a:pt x="0" y="4120"/>
+                </a:lnTo>
+                <a:lnTo>
+                  <a:pt x="42303" y="4120"/>
+                </a:lnTo>
+                <a:lnTo>
+                  <a:pt x="42303" y="1"/>
+                </a:lnTo>
+                <a:close/>
+              </a:path>
+            </a:pathLst>
+          </a:custGeom>
+          <a:solidFill>
+            <a:srgbClr val="FFFFFF">
+              <a:alpha val="6270"/>
+            </a:srgbClr>
           </a:solidFill>
           <a:ln>
             <a:noFill/>
@@ -18201,14 +17100,13 @@
   <p:sldLayoutIdLst>
     <p:sldLayoutId id="2147483648" r:id="rId1"/>
     <p:sldLayoutId id="2147483650" r:id="rId2"/>
-    <p:sldLayoutId id="2147483652" r:id="rId3"/>
-    <p:sldLayoutId id="2147483653" r:id="rId4"/>
-    <p:sldLayoutId id="2147483656" r:id="rId5"/>
-    <p:sldLayoutId id="2147483658" r:id="rId6"/>
-    <p:sldLayoutId id="2147483659" r:id="rId7"/>
-    <p:sldLayoutId id="2147483661" r:id="rId8"/>
-    <p:sldLayoutId id="2147483665" r:id="rId9"/>
-    <p:sldLayoutId id="2147483668" r:id="rId10"/>
+    <p:sldLayoutId id="2147483653" r:id="rId3"/>
+    <p:sldLayoutId id="2147483656" r:id="rId4"/>
+    <p:sldLayoutId id="2147483658" r:id="rId5"/>
+    <p:sldLayoutId id="2147483659" r:id="rId6"/>
+    <p:sldLayoutId id="2147483661" r:id="rId7"/>
+    <p:sldLayoutId id="2147483665" r:id="rId8"/>
+    <p:sldLayoutId id="2147483668" r:id="rId9"/>
   </p:sldLayoutIdLst>
   <p:hf sldNum="0" hdr="0" ftr="0" dt="0"/>
   <p:txStyles>
@@ -21808,23 +20706,7 @@
             </a:r>
             <a:r>
               <a:rPr lang="el-GR" dirty="0"/>
-              <a:t> είναι διαδικασίες που τρέχουν για έναν συγκεκριμένο αριθμό φορών. Ονομάζονται στα ελληνικά </a:t>
-            </a:r>
-            <a:r>
-              <a:rPr lang="el-GR" dirty="0" err="1"/>
-              <a:t>επαναλμβανόμενοι</a:t>
-            </a:r>
-            <a:r>
-              <a:rPr lang="el-GR" dirty="0"/>
-              <a:t> βρόγχοι και χρησιμοποιούνται με λίστες οι άλλους τύπους </a:t>
-            </a:r>
-            <a:r>
-              <a:rPr lang="el-GR" dirty="0" err="1"/>
-              <a:t>αποθήκυεσης</a:t>
-            </a:r>
-            <a:r>
-              <a:rPr lang="el-GR" dirty="0"/>
-              <a:t> δεδομένων για να έχουμε πρόσβαση στα στοιχεία τους.</a:t>
+              <a:t> είναι διαδικασίες που τρέχουν για έναν συγκεκριμένο αριθμό φορών. Ονομάζονται στα ελληνικά επαναλαμβανόμενοι βρόγχοι και χρησιμοποιούνται με λίστες οι άλλους τύπους αποθήκευσης δεδομένων για να έχουμε πρόσβαση στα στοιχεία τους.</a:t>
             </a:r>
           </a:p>
         </p:txBody>
@@ -22204,15 +21086,7 @@
             </a:r>
             <a:r>
               <a:rPr lang="el-GR" dirty="0"/>
-              <a:t>(). Ξεκινώντας </a:t>
-            </a:r>
-            <a:r>
-              <a:rPr lang="el-GR" dirty="0" err="1"/>
-              <a:t>απο</a:t>
-            </a:r>
-            <a:r>
-              <a:rPr lang="el-GR" dirty="0"/>
-              <a:t> το 0 μπορούμε να επιτελέσουμε ένα κομμάτι κώδικα χ φορές.</a:t>
+              <a:t>(). Ξεκινώντας από το 0 μπορούμε να επιτελέσουμε ένα κομμάτι κώδικα χ φορές.</a:t>
             </a:r>
           </a:p>
           <a:p>
@@ -22231,23 +21105,7 @@
             </a:r>
             <a:r>
               <a:rPr lang="el-GR" dirty="0"/>
-              <a:t> πότε ξεκινάμε (πχ </a:t>
-            </a:r>
-            <a:r>
-              <a:rPr lang="el-GR" dirty="0" err="1"/>
-              <a:t>απο</a:t>
-            </a:r>
-            <a:r>
-              <a:rPr lang="el-GR" dirty="0"/>
-              <a:t> το 1), αλλά και κατά πόσο αυξάνεται ο αριθμός κάθε </a:t>
-            </a:r>
-            <a:r>
-              <a:rPr lang="el-GR" dirty="0" err="1"/>
-              <a:t>φορα</a:t>
-            </a:r>
-            <a:r>
-              <a:rPr lang="el-GR" dirty="0"/>
-              <a:t>. Μπορεί πχ να θέλουμε κάθε φορά να αυξάνεται η μεταβλητή κατά 2.</a:t>
+              <a:t> πότε ξεκινάμε (πχ από το 1), αλλά και κατά πόσο αυξάνεται ο αριθμός κάθε φορά. Μπορεί πχ να θέλουμε κάθε φορά να αυξάνεται η μεταβλητή κατά 2.</a:t>
             </a:r>
           </a:p>
         </p:txBody>
@@ -23055,15 +21913,7 @@
             </a:r>
             <a:r>
               <a:rPr lang="el-GR" dirty="0"/>
-              <a:t> Είναι και αυτοί βρόγχοι επανάληψης οι οποίοι τρέχουν όσο μια σχέση </a:t>
-            </a:r>
-            <a:r>
-              <a:rPr lang="el-GR" dirty="0" err="1"/>
-              <a:t>ειναι</a:t>
-            </a:r>
-            <a:r>
-              <a:rPr lang="el-GR" dirty="0"/>
-              <a:t> αληθής</a:t>
+              <a:t> Είναι και αυτοί βρόγχοι επανάληψης οι οποίοι τρέχουν όσο μια σχέση είναι αληθής</a:t>
             </a:r>
           </a:p>
         </p:txBody>
@@ -23133,12 +21983,8 @@
               <a:buNone/>
             </a:pPr>
             <a:r>
-              <a:rPr lang="el-GR" dirty="0" err="1"/>
-              <a:t>χρησιμποιείται</a:t>
-            </a:r>
-            <a:r>
               <a:rPr lang="el-GR" dirty="0"/>
-              <a:t> για να σταματήσουμε μια </a:t>
+              <a:t>χρησιμοποιείται για να σταματήσουμε μια </a:t>
             </a:r>
             <a:r>
               <a:rPr lang="el-GR" dirty="0" err="1"/>
@@ -23146,15 +21992,7 @@
             </a:r>
             <a:r>
               <a:rPr lang="el-GR" dirty="0"/>
-              <a:t> ακόμα και αν η σχέση </a:t>
-            </a:r>
-            <a:r>
-              <a:rPr lang="el-GR" dirty="0" err="1"/>
-              <a:t>ειναι</a:t>
-            </a:r>
-            <a:r>
-              <a:rPr lang="el-GR" dirty="0"/>
-              <a:t> ακόμα αληθής </a:t>
+              <a:t> ακόμα και αν η σχέση είναι ακόμα αληθής </a:t>
             </a:r>
           </a:p>
         </p:txBody>
@@ -24416,7 +23254,7 @@
   <p:cSld>
     <p:spTree>
       <p:nvGrpSpPr>
-        <p:cNvPr id="1" name="Shape 530"/>
+        <p:cNvPr id="1" name="Shape 379"/>
         <p:cNvGrpSpPr/>
         <p:nvPr/>
       </p:nvGrpSpPr>
@@ -24430,25 +23268,25 @@
       </p:grpSpPr>
       <p:sp>
         <p:nvSpPr>
-          <p:cNvPr id="531" name="Google Shape;531;p41"/>
+          <p:cNvPr id="380" name="Google Shape;380;p33"/>
           <p:cNvSpPr txBox="1">
             <a:spLocks noGrp="1"/>
           </p:cNvSpPr>
           <p:nvPr>
-            <p:ph type="subTitle" idx="1"/>
+            <p:ph type="body" idx="1"/>
           </p:nvPr>
         </p:nvSpPr>
         <p:spPr>
-          <a:xfrm flipH="1">
-            <a:off x="3505200" y="309420"/>
-            <a:ext cx="4948802" cy="742950"/>
+          <a:xfrm>
+            <a:off x="4094921" y="1961322"/>
+            <a:ext cx="4657193" cy="1758156"/>
           </a:xfrm>
           <a:prstGeom prst="rect">
             <a:avLst/>
           </a:prstGeom>
         </p:spPr>
         <p:txBody>
-          <a:bodyPr spcFirstLastPara="1" wrap="square" lIns="91425" tIns="91425" rIns="91425" bIns="91425" anchor="ctr" anchorCtr="0">
+          <a:bodyPr spcFirstLastPara="1" wrap="square" lIns="91425" tIns="91425" rIns="91425" bIns="91425" anchor="t" anchorCtr="0">
             <a:noAutofit/>
           </a:bodyPr>
           <a:lstStyle/>
@@ -24464,11 +23302,56 @@
             </a:pPr>
             <a:r>
               <a:rPr lang="el-GR" dirty="0"/>
-              <a:t>Λίστες είναι ένας τρόπος να αποθηκευτούν πολλές μεταβλητές σε έναν πίνακα.</a:t>
+              <a:t>Συναρτήσεις είναι κομμάτια κώδικα που τρέχουν μόνο όταν τις καλέσουμε. Μπορείς να περάσεις παραμέτρους και μπορεί να επιστρέψει ένα αποτέλεσμα. </a:t>
+            </a:r>
+          </a:p>
+          <a:p>
+            <a:pPr marL="0" lvl="0" indent="0" algn="l" rtl="0">
+              <a:spcBef>
+                <a:spcPts val="0"/>
+              </a:spcBef>
+              <a:spcAft>
+                <a:spcPts val="0"/>
+              </a:spcAft>
+              <a:buNone/>
+            </a:pPr>
+            <a:r>
+              <a:rPr lang="el-GR" dirty="0"/>
+              <a:t>Ότι γράψαμε έως τώρα μπορούν να γραφτούν και σαν συναρτήσεις έτσι ώστε να μπορείς να τις χρησιμοποιήσεις όποτε θέλεις. </a:t>
             </a:r>
           </a:p>
         </p:txBody>
       </p:sp>
+    </p:spTree>
+    <p:extLst>
+      <p:ext uri="{BB962C8B-B14F-4D97-AF65-F5344CB8AC3E}">
+        <p14:creationId xmlns:p14="http://schemas.microsoft.com/office/powerpoint/2010/main" val="2842273010"/>
+      </p:ext>
+    </p:extLst>
+  </p:cSld>
+  <p:clrMapOvr>
+    <a:masterClrMapping/>
+  </p:clrMapOvr>
+</p:sld>
+</file>
+
+<file path=ppt/slides/slide22.xml><?xml version="1.0" encoding="utf-8"?>
+<p:sld xmlns:a="http://schemas.openxmlformats.org/drawingml/2006/main" xmlns:r="http://schemas.openxmlformats.org/officeDocument/2006/relationships" xmlns:p="http://schemas.openxmlformats.org/presentationml/2006/main">
+  <p:cSld>
+    <p:spTree>
+      <p:nvGrpSpPr>
+        <p:cNvPr id="1" name="Shape 530"/>
+        <p:cNvGrpSpPr/>
+        <p:nvPr/>
+      </p:nvGrpSpPr>
+      <p:grpSpPr>
+        <a:xfrm>
+          <a:off x="0" y="0"/>
+          <a:ext cx="0" cy="0"/>
+          <a:chOff x="0" y="0"/>
+          <a:chExt cx="0" cy="0"/>
+        </a:xfrm>
+      </p:grpSpPr>
       <p:sp>
         <p:nvSpPr>
           <p:cNvPr id="2" name="Google Shape;722;p47">
@@ -24487,8 +23370,8 @@
         </p:nvSpPr>
         <p:spPr>
           <a:xfrm>
-            <a:off x="178120" y="1052370"/>
-            <a:ext cx="3373463" cy="669000"/>
+            <a:off x="246049" y="254848"/>
+            <a:ext cx="5184527" cy="669000"/>
           </a:xfrm>
           <a:prstGeom prst="rect">
             <a:avLst/>
@@ -24511,7 +23394,7 @@
             </a:pPr>
             <a:r>
               <a:rPr lang="en-US" dirty="0"/>
-              <a:t>Access</a:t>
+              <a:t>Creating a function </a:t>
             </a:r>
           </a:p>
         </p:txBody>
@@ -24532,8 +23415,8 @@
         </p:nvSpPr>
         <p:spPr>
           <a:xfrm flipH="1">
-            <a:off x="246049" y="1639989"/>
-            <a:ext cx="6194507" cy="1863522"/>
+            <a:off x="830439" y="963219"/>
+            <a:ext cx="3439051" cy="1583601"/>
           </a:xfrm>
           <a:prstGeom prst="rect">
             <a:avLst/>
@@ -24798,30 +23681,56 @@
             <a:pPr marL="0" indent="0"/>
             <a:r>
               <a:rPr lang="el-GR" dirty="0"/>
-              <a:t>Για να δούμε μια συγκεκριμένη μεταβλητή μέσα σε έναν πίνακα χρησιμοποιούμε την θέση του αντικειμένου που μα ενδιαφέρει πχ</a:t>
+              <a:t>Χρησιμοποιούμε την λέξη </a:t>
             </a:r>
-            <a:endParaRPr lang="en-US" dirty="0"/>
+            <a:r>
+              <a:rPr lang="it-IT" dirty="0" err="1"/>
+              <a:t>def</a:t>
+            </a:r>
+            <a:endParaRPr lang="it-IT" dirty="0"/>
           </a:p>
           <a:p>
             <a:pPr marL="0" indent="0"/>
-            <a:endParaRPr lang="en-US" dirty="0"/>
+            <a:endParaRPr lang="it-IT" dirty="0"/>
           </a:p>
           <a:p>
             <a:pPr marL="0" indent="0"/>
             <a:r>
               <a:rPr lang="en-US" dirty="0"/>
-              <a:t>groceries = ['bananas' , 'apples' , 'oranges', 'pears']</a:t>
+              <a:t>```</a:t>
             </a:r>
-          </a:p>
-          <a:p>
-            <a:pPr marL="0" indent="0"/>
-            <a:endParaRPr lang="en-US" dirty="0"/>
           </a:p>
           <a:p>
             <a:pPr marL="0" indent="0"/>
             <a:r>
               <a:rPr lang="en-US" dirty="0"/>
-              <a:t>groceries[0]  -&gt; bananas</a:t>
+              <a:t>def </a:t>
+            </a:r>
+            <a:r>
+              <a:rPr lang="en-US" dirty="0" err="1"/>
+              <a:t>my_function</a:t>
+            </a:r>
+            <a:r>
+              <a:rPr lang="en-US" dirty="0"/>
+              <a:t>():</a:t>
+            </a:r>
+          </a:p>
+          <a:p>
+            <a:pPr marL="0" indent="0"/>
+            <a:r>
+              <a:rPr lang="en-US" dirty="0"/>
+              <a:t>  print("Hello from a function")</a:t>
+            </a:r>
+          </a:p>
+          <a:p>
+            <a:pPr marL="0" indent="0"/>
+            <a:r>
+              <a:rPr lang="en-US" dirty="0"/>
+              <a:t>```</a:t>
+            </a:r>
+            <a:r>
+              <a:rPr lang="it-IT" dirty="0"/>
+              <a:t> </a:t>
             </a:r>
             <a:endParaRPr lang="el-GR" dirty="0"/>
           </a:p>
@@ -24843,7 +23752,7 @@
         </p:nvSpPr>
         <p:spPr>
           <a:xfrm flipH="1">
-            <a:off x="4183933" y="3250478"/>
+            <a:off x="3496415" y="3063178"/>
             <a:ext cx="5085962" cy="1583602"/>
           </a:xfrm>
           <a:prstGeom prst="rect">
@@ -25110,116 +24019,347 @@
             <a:r>
               <a:rPr lang="el-GR" dirty="0">
                 <a:solidFill>
-                  <a:schemeClr val="tx2"/>
+                  <a:schemeClr val="bg1"/>
                 </a:solidFill>
               </a:rPr>
-              <a:t>Προσοχή! </a:t>
+              <a:t>Για να καλέσουμε μια συνάρτηση χρησιμοποιούμε το όνομα της και μετά </a:t>
             </a:r>
             <a:r>
-              <a:rPr lang="el-GR" dirty="0"/>
-              <a:t>Οι τιμές ξεκινάν </a:t>
+              <a:rPr lang="el-GR" dirty="0" err="1">
+                <a:solidFill>
+                  <a:schemeClr val="bg1"/>
+                </a:solidFill>
+              </a:rPr>
+              <a:t>παρένθεσεις</a:t>
             </a:r>
             <a:r>
-              <a:rPr lang="el-GR" dirty="0" err="1"/>
-              <a:t>απο</a:t>
-            </a:r>
-            <a:r>
-              <a:rPr lang="el-GR" dirty="0"/>
-              <a:t> το 0.</a:t>
+              <a:rPr lang="el-GR" dirty="0">
+                <a:solidFill>
+                  <a:schemeClr val="bg1"/>
+                </a:solidFill>
+              </a:rPr>
+              <a:t> </a:t>
             </a:r>
           </a:p>
           <a:p>
             <a:pPr marL="0" indent="0"/>
-            <a:endParaRPr lang="el-GR" dirty="0"/>
-          </a:p>
-          <a:p>
-            <a:pPr marL="0" indent="0"/>
-            <a:r>
-              <a:rPr lang="el-GR" dirty="0"/>
-              <a:t>Αν θέλουμε να δούμε τα αντικείμενα 1 έως 3</a:t>
-            </a:r>
-          </a:p>
-          <a:p>
-            <a:pPr marL="0" indent="0"/>
-            <a:r>
-              <a:rPr lang="el-GR" dirty="0"/>
-              <a:t>τότε γράφουμε</a:t>
-            </a:r>
-            <a:r>
-              <a:rPr lang="en-US" dirty="0"/>
-              <a:t>  : </a:t>
-            </a:r>
-            <a:r>
-              <a:rPr lang="el-GR" dirty="0" err="1"/>
-              <a:t>groceries</a:t>
-            </a:r>
-            <a:r>
-              <a:rPr lang="el-GR" dirty="0"/>
-              <a:t>[0:</a:t>
-            </a:r>
-            <a:r>
-              <a:rPr lang="en-US" dirty="0"/>
-              <a:t>3</a:t>
-            </a:r>
-            <a:r>
-              <a:rPr lang="el-GR" dirty="0"/>
-              <a:t>]`</a:t>
-            </a:r>
-            <a:endParaRPr lang="en-US" dirty="0"/>
-          </a:p>
-          <a:p>
-            <a:pPr marL="0" indent="0"/>
-            <a:endParaRPr lang="el-GR" dirty="0"/>
+            <a:endParaRPr lang="el-GR" dirty="0">
+              <a:solidFill>
+                <a:schemeClr val="bg1"/>
+              </a:solidFill>
+            </a:endParaRPr>
           </a:p>
           <a:p>
             <a:pPr marL="0" indent="0"/>
             <a:r>
               <a:rPr lang="el-GR" dirty="0">
                 <a:solidFill>
-                  <a:schemeClr val="tx2"/>
+                  <a:schemeClr val="bg1"/>
                 </a:solidFill>
               </a:rPr>
-              <a:t>Προσοχή! </a:t>
+              <a:t>`</a:t>
             </a:r>
             <a:r>
-              <a:rPr lang="en-US" dirty="0"/>
-              <a:t>0</a:t>
+              <a:rPr lang="el-GR" dirty="0" err="1">
+                <a:solidFill>
+                  <a:schemeClr val="bg1"/>
+                </a:solidFill>
+              </a:rPr>
+              <a:t>my_function</a:t>
             </a:r>
             <a:r>
-              <a:rPr lang="el-GR" dirty="0"/>
-              <a:t>-3 καθώς θα σταματήσει στο 4ο </a:t>
+              <a:rPr lang="el-GR" dirty="0">
+                <a:solidFill>
+                  <a:schemeClr val="bg1"/>
+                </a:solidFill>
+              </a:rPr>
+              <a:t>()`</a:t>
             </a:r>
-            <a:r>
-              <a:rPr lang="el-GR" dirty="0" err="1"/>
-              <a:t>item</a:t>
-            </a:r>
-            <a:endParaRPr lang="el-GR" dirty="0"/>
           </a:p>
+        </p:txBody>
+      </p:sp>
+      <p:sp>
+        <p:nvSpPr>
+          <p:cNvPr id="7" name="Google Shape;722;p47">
+            <a:extLst>
+              <a:ext uri="{FF2B5EF4-FFF2-40B4-BE49-F238E27FC236}">
+                <a16:creationId xmlns:a16="http://schemas.microsoft.com/office/drawing/2014/main" id="{E2A66E40-5200-F97C-FC3A-0ED41A9243F0}"/>
+              </a:ext>
+            </a:extLst>
+          </p:cNvPr>
+          <p:cNvSpPr txBox="1">
+            <a:spLocks/>
+          </p:cNvSpPr>
+          <p:nvPr/>
+        </p:nvSpPr>
+        <p:spPr>
+          <a:xfrm>
+            <a:off x="2838312" y="2470499"/>
+            <a:ext cx="5184527" cy="669000"/>
+          </a:xfrm>
+          <a:prstGeom prst="rect">
+            <a:avLst/>
+          </a:prstGeom>
+          <a:noFill/>
+          <a:ln>
+            <a:noFill/>
+          </a:ln>
+        </p:spPr>
+        <p:txBody>
+          <a:bodyPr spcFirstLastPara="1" wrap="square" lIns="91425" tIns="91425" rIns="91425" bIns="91425" anchor="t" anchorCtr="0">
+            <a:noAutofit/>
+          </a:bodyPr>
+          <a:lstStyle>
+            <a:defPPr marR="0" lvl="0" algn="l" rtl="0">
+              <a:lnSpc>
+                <a:spcPct val="100000"/>
+              </a:lnSpc>
+              <a:spcBef>
+                <a:spcPts val="0"/>
+              </a:spcBef>
+              <a:spcAft>
+                <a:spcPts val="0"/>
+              </a:spcAft>
+            </a:defPPr>
+            <a:lvl1pPr marR="0" lvl="0" algn="ctr" rtl="0">
+              <a:lnSpc>
+                <a:spcPct val="100000"/>
+              </a:lnSpc>
+              <a:spcBef>
+                <a:spcPts val="0"/>
+              </a:spcBef>
+              <a:spcAft>
+                <a:spcPts val="0"/>
+              </a:spcAft>
+              <a:buClr>
+                <a:schemeClr val="lt1"/>
+              </a:buClr>
+              <a:buSzPts val="2800"/>
+              <a:buFont typeface="Overpass Mono"/>
+              <a:buNone/>
+              <a:defRPr sz="3000" b="1" i="0" u="none" strike="noStrike" cap="none">
+                <a:solidFill>
+                  <a:schemeClr val="dk2"/>
+                </a:solidFill>
+                <a:latin typeface="Overpass Mono"/>
+                <a:ea typeface="Overpass Mono"/>
+                <a:cs typeface="Overpass Mono"/>
+                <a:sym typeface="Overpass Mono"/>
+              </a:defRPr>
+            </a:lvl1pPr>
+            <a:lvl2pPr marR="0" lvl="1" algn="ctr" rtl="0">
+              <a:lnSpc>
+                <a:spcPct val="100000"/>
+              </a:lnSpc>
+              <a:spcBef>
+                <a:spcPts val="0"/>
+              </a:spcBef>
+              <a:spcAft>
+                <a:spcPts val="0"/>
+              </a:spcAft>
+              <a:buClr>
+                <a:schemeClr val="dk1"/>
+              </a:buClr>
+              <a:buSzPts val="2800"/>
+              <a:buFont typeface="Arial"/>
+              <a:buNone/>
+              <a:defRPr sz="3000" b="0" i="0" u="none" strike="noStrike" cap="none">
+                <a:solidFill>
+                  <a:schemeClr val="dk1"/>
+                </a:solidFill>
+                <a:latin typeface="Arial"/>
+                <a:ea typeface="Arial"/>
+                <a:cs typeface="Arial"/>
+                <a:sym typeface="Arial"/>
+              </a:defRPr>
+            </a:lvl2pPr>
+            <a:lvl3pPr marR="0" lvl="2" algn="ctr" rtl="0">
+              <a:lnSpc>
+                <a:spcPct val="100000"/>
+              </a:lnSpc>
+              <a:spcBef>
+                <a:spcPts val="0"/>
+              </a:spcBef>
+              <a:spcAft>
+                <a:spcPts val="0"/>
+              </a:spcAft>
+              <a:buClr>
+                <a:schemeClr val="dk1"/>
+              </a:buClr>
+              <a:buSzPts val="2800"/>
+              <a:buFont typeface="Arial"/>
+              <a:buNone/>
+              <a:defRPr sz="3000" b="0" i="0" u="none" strike="noStrike" cap="none">
+                <a:solidFill>
+                  <a:schemeClr val="dk1"/>
+                </a:solidFill>
+                <a:latin typeface="Arial"/>
+                <a:ea typeface="Arial"/>
+                <a:cs typeface="Arial"/>
+                <a:sym typeface="Arial"/>
+              </a:defRPr>
+            </a:lvl3pPr>
+            <a:lvl4pPr marR="0" lvl="3" algn="ctr" rtl="0">
+              <a:lnSpc>
+                <a:spcPct val="100000"/>
+              </a:lnSpc>
+              <a:spcBef>
+                <a:spcPts val="0"/>
+              </a:spcBef>
+              <a:spcAft>
+                <a:spcPts val="0"/>
+              </a:spcAft>
+              <a:buClr>
+                <a:schemeClr val="dk1"/>
+              </a:buClr>
+              <a:buSzPts val="2800"/>
+              <a:buFont typeface="Arial"/>
+              <a:buNone/>
+              <a:defRPr sz="3000" b="0" i="0" u="none" strike="noStrike" cap="none">
+                <a:solidFill>
+                  <a:schemeClr val="dk1"/>
+                </a:solidFill>
+                <a:latin typeface="Arial"/>
+                <a:ea typeface="Arial"/>
+                <a:cs typeface="Arial"/>
+                <a:sym typeface="Arial"/>
+              </a:defRPr>
+            </a:lvl4pPr>
+            <a:lvl5pPr marR="0" lvl="4" algn="ctr" rtl="0">
+              <a:lnSpc>
+                <a:spcPct val="100000"/>
+              </a:lnSpc>
+              <a:spcBef>
+                <a:spcPts val="0"/>
+              </a:spcBef>
+              <a:spcAft>
+                <a:spcPts val="0"/>
+              </a:spcAft>
+              <a:buClr>
+                <a:schemeClr val="dk1"/>
+              </a:buClr>
+              <a:buSzPts val="2800"/>
+              <a:buFont typeface="Arial"/>
+              <a:buNone/>
+              <a:defRPr sz="3000" b="0" i="0" u="none" strike="noStrike" cap="none">
+                <a:solidFill>
+                  <a:schemeClr val="dk1"/>
+                </a:solidFill>
+                <a:latin typeface="Arial"/>
+                <a:ea typeface="Arial"/>
+                <a:cs typeface="Arial"/>
+                <a:sym typeface="Arial"/>
+              </a:defRPr>
+            </a:lvl5pPr>
+            <a:lvl6pPr marR="0" lvl="5" algn="ctr" rtl="0">
+              <a:lnSpc>
+                <a:spcPct val="100000"/>
+              </a:lnSpc>
+              <a:spcBef>
+                <a:spcPts val="0"/>
+              </a:spcBef>
+              <a:spcAft>
+                <a:spcPts val="0"/>
+              </a:spcAft>
+              <a:buClr>
+                <a:schemeClr val="dk1"/>
+              </a:buClr>
+              <a:buSzPts val="2800"/>
+              <a:buFont typeface="Arial"/>
+              <a:buNone/>
+              <a:defRPr sz="3000" b="0" i="0" u="none" strike="noStrike" cap="none">
+                <a:solidFill>
+                  <a:schemeClr val="dk1"/>
+                </a:solidFill>
+                <a:latin typeface="Arial"/>
+                <a:ea typeface="Arial"/>
+                <a:cs typeface="Arial"/>
+                <a:sym typeface="Arial"/>
+              </a:defRPr>
+            </a:lvl6pPr>
+            <a:lvl7pPr marR="0" lvl="6" algn="ctr" rtl="0">
+              <a:lnSpc>
+                <a:spcPct val="100000"/>
+              </a:lnSpc>
+              <a:spcBef>
+                <a:spcPts val="0"/>
+              </a:spcBef>
+              <a:spcAft>
+                <a:spcPts val="0"/>
+              </a:spcAft>
+              <a:buClr>
+                <a:schemeClr val="dk1"/>
+              </a:buClr>
+              <a:buSzPts val="2800"/>
+              <a:buFont typeface="Arial"/>
+              <a:buNone/>
+              <a:defRPr sz="3000" b="0" i="0" u="none" strike="noStrike" cap="none">
+                <a:solidFill>
+                  <a:schemeClr val="dk1"/>
+                </a:solidFill>
+                <a:latin typeface="Arial"/>
+                <a:ea typeface="Arial"/>
+                <a:cs typeface="Arial"/>
+                <a:sym typeface="Arial"/>
+              </a:defRPr>
+            </a:lvl7pPr>
+            <a:lvl8pPr marR="0" lvl="7" algn="ctr" rtl="0">
+              <a:lnSpc>
+                <a:spcPct val="100000"/>
+              </a:lnSpc>
+              <a:spcBef>
+                <a:spcPts val="0"/>
+              </a:spcBef>
+              <a:spcAft>
+                <a:spcPts val="0"/>
+              </a:spcAft>
+              <a:buClr>
+                <a:schemeClr val="dk1"/>
+              </a:buClr>
+              <a:buSzPts val="2800"/>
+              <a:buFont typeface="Arial"/>
+              <a:buNone/>
+              <a:defRPr sz="3000" b="0" i="0" u="none" strike="noStrike" cap="none">
+                <a:solidFill>
+                  <a:schemeClr val="dk1"/>
+                </a:solidFill>
+                <a:latin typeface="Arial"/>
+                <a:ea typeface="Arial"/>
+                <a:cs typeface="Arial"/>
+                <a:sym typeface="Arial"/>
+              </a:defRPr>
+            </a:lvl8pPr>
+            <a:lvl9pPr marR="0" lvl="8" algn="ctr" rtl="0">
+              <a:lnSpc>
+                <a:spcPct val="100000"/>
+              </a:lnSpc>
+              <a:spcBef>
+                <a:spcPts val="0"/>
+              </a:spcBef>
+              <a:spcAft>
+                <a:spcPts val="0"/>
+              </a:spcAft>
+              <a:buClr>
+                <a:schemeClr val="dk1"/>
+              </a:buClr>
+              <a:buSzPts val="2800"/>
+              <a:buFont typeface="Arial"/>
+              <a:buNone/>
+              <a:defRPr sz="3000" b="0" i="0" u="none" strike="noStrike" cap="none">
+                <a:solidFill>
+                  <a:schemeClr val="dk1"/>
+                </a:solidFill>
+                <a:latin typeface="Arial"/>
+                <a:ea typeface="Arial"/>
+                <a:cs typeface="Arial"/>
+                <a:sym typeface="Arial"/>
+              </a:defRPr>
+            </a:lvl9pPr>
+          </a:lstStyle>
           <a:p>
-            <a:pPr marL="0" indent="0"/>
-            <a:r>
-              <a:rPr lang="el-GR" dirty="0"/>
-              <a:t>αν βάζαμε </a:t>
-            </a:r>
             <a:r>
               <a:rPr lang="en-US" dirty="0"/>
-              <a:t>2</a:t>
-            </a:r>
-            <a:r>
-              <a:rPr lang="el-GR"/>
-              <a:t> </a:t>
-            </a:r>
-            <a:r>
-              <a:rPr lang="el-GR" dirty="0"/>
-              <a:t>θα έδειχνε το 1ο και το 2ο </a:t>
-            </a:r>
-            <a:r>
-              <a:rPr lang="el-GR" dirty="0" err="1"/>
-              <a:t>item</a:t>
-            </a:r>
-            <a:r>
-              <a:rPr lang="el-GR" dirty="0"/>
-              <a:t>.</a:t>
+              <a:t>Calling a function </a:t>
             </a:r>
           </a:p>
         </p:txBody>
@@ -25237,7 +24377,7 @@
 </p:sld>
 </file>
 
-<file path=ppt/slides/slide22.xml><?xml version="1.0" encoding="utf-8"?>
+<file path=ppt/slides/slide23.xml><?xml version="1.0" encoding="utf-8"?>
 <p:sld xmlns:a="http://schemas.openxmlformats.org/drawingml/2006/main" xmlns:r="http://schemas.openxmlformats.org/officeDocument/2006/relationships" xmlns:p="http://schemas.openxmlformats.org/presentationml/2006/main">
   <p:cSld>
     <p:spTree>
@@ -25296,7 +24436,7 @@
             </a:pPr>
             <a:r>
               <a:rPr lang="en-US" dirty="0"/>
-              <a:t>length</a:t>
+              <a:t>Arguments</a:t>
             </a:r>
           </a:p>
         </p:txBody>
@@ -25317,8 +24457,8 @@
         </p:nvSpPr>
         <p:spPr>
           <a:xfrm flipH="1">
-            <a:off x="212918" y="1048228"/>
-            <a:ext cx="4219934" cy="844794"/>
+            <a:off x="219793" y="1044473"/>
+            <a:ext cx="4585963" cy="1268710"/>
           </a:xfrm>
           <a:prstGeom prst="rect">
             <a:avLst/>
@@ -25583,34 +24723,7 @@
             <a:pPr marL="0" indent="0"/>
             <a:r>
               <a:rPr lang="el-GR" dirty="0"/>
-              <a:t>Ο αριθμός των αντικειμένων μέσα στη λίστα</a:t>
-            </a:r>
-          </a:p>
-          <a:p>
-            <a:pPr marL="0" indent="0"/>
-            <a:endParaRPr lang="el-GR" dirty="0"/>
-          </a:p>
-          <a:p>
-            <a:pPr marL="0" indent="0"/>
-            <a:r>
-              <a:rPr lang="el-GR" dirty="0"/>
-              <a:t>`</a:t>
-            </a:r>
-            <a:r>
-              <a:rPr lang="el-GR" dirty="0" err="1"/>
-              <a:t>len</a:t>
-            </a:r>
-            <a:r>
-              <a:rPr lang="el-GR" dirty="0"/>
-              <a:t>(</a:t>
-            </a:r>
-            <a:r>
-              <a:rPr lang="el-GR" dirty="0" err="1"/>
-              <a:t>groceries</a:t>
-            </a:r>
-            <a:r>
-              <a:rPr lang="el-GR" dirty="0"/>
-              <a:t>)`</a:t>
+              <a:t>Πληροφορία που είναι να περαστεί μέσα στην συνάρτηση γίνεται μέσω των παραμέτρων. Μπορούμε να βάλουμε όσες παραμέτρους θέλουμε και τις διαχωρίζουμε με κόμμα. </a:t>
             </a:r>
           </a:p>
         </p:txBody>
@@ -25631,7 +24744,7 @@
         </p:nvSpPr>
         <p:spPr>
           <a:xfrm flipH="1">
-            <a:off x="1709529" y="3036580"/>
+            <a:off x="2621689" y="3250478"/>
             <a:ext cx="6460435" cy="1583602"/>
           </a:xfrm>
           <a:prstGeom prst="rect">
@@ -25897,99 +25010,7 @@
             <a:pPr marL="0" indent="0"/>
             <a:r>
               <a:rPr lang="el-GR" dirty="0"/>
-              <a:t>Για να προσθέσει ένα αντικείμενο σε μια λίστα έχουμε 2 τρόπους</a:t>
-            </a:r>
-          </a:p>
-          <a:p>
-            <a:pPr marL="0" indent="0"/>
-            <a:endParaRPr lang="el-GR" dirty="0"/>
-          </a:p>
-          <a:p>
-            <a:pPr marL="0" indent="0"/>
-            <a:r>
-              <a:rPr lang="el-GR" dirty="0"/>
-              <a:t>- `</a:t>
-            </a:r>
-            <a:r>
-              <a:rPr lang="el-GR" dirty="0" err="1"/>
-              <a:t>list.append</a:t>
-            </a:r>
-            <a:r>
-              <a:rPr lang="el-GR" dirty="0"/>
-              <a:t>(</a:t>
-            </a:r>
-            <a:r>
-              <a:rPr lang="el-GR" dirty="0" err="1"/>
-              <a:t>item</a:t>
-            </a:r>
-            <a:r>
-              <a:rPr lang="el-GR" dirty="0"/>
-              <a:t>)`</a:t>
-            </a:r>
-          </a:p>
-          <a:p>
-            <a:pPr marL="0" indent="0"/>
-            <a:endParaRPr lang="el-GR" dirty="0"/>
-          </a:p>
-          <a:p>
-            <a:pPr marL="0" indent="0"/>
-            <a:r>
-              <a:rPr lang="el-GR" dirty="0"/>
-              <a:t>Προστίθεται το αντικείμενο </a:t>
-            </a:r>
-            <a:r>
-              <a:rPr lang="el-GR" dirty="0" err="1"/>
-              <a:t>στo</a:t>
-            </a:r>
-            <a:r>
-              <a:rPr lang="el-GR" dirty="0"/>
-              <a:t> τέλος της λίστα</a:t>
-            </a:r>
-          </a:p>
-          <a:p>
-            <a:pPr marL="0" indent="0"/>
-            <a:endParaRPr lang="el-GR" dirty="0"/>
-          </a:p>
-          <a:p>
-            <a:pPr marL="0" indent="0"/>
-            <a:r>
-              <a:rPr lang="el-GR" dirty="0"/>
-              <a:t>- `</a:t>
-            </a:r>
-            <a:r>
-              <a:rPr lang="el-GR" dirty="0" err="1"/>
-              <a:t>list.insert</a:t>
-            </a:r>
-            <a:r>
-              <a:rPr lang="el-GR" dirty="0"/>
-              <a:t>(</a:t>
-            </a:r>
-            <a:r>
-              <a:rPr lang="el-GR" dirty="0" err="1"/>
-              <a:t>position</a:t>
-            </a:r>
-            <a:r>
-              <a:rPr lang="el-GR" dirty="0"/>
-              <a:t>, </a:t>
-            </a:r>
-            <a:r>
-              <a:rPr lang="el-GR" dirty="0" err="1"/>
-              <a:t>item</a:t>
-            </a:r>
-            <a:r>
-              <a:rPr lang="el-GR" dirty="0"/>
-              <a:t>)`</a:t>
-            </a:r>
-          </a:p>
-          <a:p>
-            <a:pPr marL="0" indent="0"/>
-            <a:endParaRPr lang="el-GR" dirty="0"/>
-          </a:p>
-          <a:p>
-            <a:pPr marL="0" indent="0"/>
-            <a:r>
-              <a:rPr lang="el-GR" dirty="0"/>
-              <a:t>Προστίθεται το αντικείμενο στην θέση που του υποδεικνύουμε.</a:t>
+              <a:t>Μπορούμε να ορίσουμε ακριβώς την παράμετρο που περνάμε κάθε φορά έτσι ώστε να μην μας ενδιαφέρει η σειρά με την οποία τις περνάμε </a:t>
             </a:r>
           </a:p>
         </p:txBody>
@@ -26010,7 +25031,7 @@
         </p:nvSpPr>
         <p:spPr>
           <a:xfrm>
-            <a:off x="2891894" y="1614585"/>
+            <a:off x="4100974" y="2313183"/>
             <a:ext cx="3360211" cy="638110"/>
           </a:xfrm>
           <a:prstGeom prst="rect">
@@ -26274,8 +25295,16 @@
           </a:lstStyle>
           <a:p>
             <a:r>
-              <a:rPr lang="el-GR" dirty="0"/>
-              <a:t>Προσθήκη αντικειμένων</a:t>
+              <a:rPr lang="it-IT" dirty="0"/>
+              <a:t>Keyword </a:t>
+            </a:r>
+            <a:r>
+              <a:rPr lang="en-US" dirty="0"/>
+              <a:t>arguments</a:t>
+            </a:r>
+            <a:r>
+              <a:rPr lang="it-IT" dirty="0"/>
+              <a:t> </a:t>
             </a:r>
             <a:endParaRPr lang="en-US" dirty="0"/>
           </a:p>
@@ -26294,7 +25323,7 @@
 </p:sld>
 </file>
 
-<file path=ppt/slides/slide23.xml><?xml version="1.0" encoding="utf-8"?>
+<file path=ppt/slides/slide24.xml><?xml version="1.0" encoding="utf-8"?>
 <p:sld xmlns:a="http://schemas.openxmlformats.org/drawingml/2006/main" xmlns:r="http://schemas.openxmlformats.org/officeDocument/2006/relationships" xmlns:p="http://schemas.openxmlformats.org/presentationml/2006/main">
   <p:cSld>
     <p:spTree>
@@ -26324,7 +25353,7 @@
         <p:spPr>
           <a:xfrm>
             <a:off x="3180521" y="729643"/>
-            <a:ext cx="4035287" cy="1066026"/>
+            <a:ext cx="5640345" cy="1408540"/>
           </a:xfrm>
           <a:prstGeom prst="rect">
             <a:avLst/>
@@ -26347,7 +25376,7 @@
             </a:pPr>
             <a:r>
               <a:rPr lang="el-GR" dirty="0"/>
-              <a:t>Μπορούμε να συνδυάσουμε 2 λίστες χρησιμοποιώντας το extend</a:t>
+              <a:t>Μπορούμε να θέσουμε μια αρχική τιμή στην μεταβλητή μας έτσι ώστε αν δεν δοθεί κάποια να περάσει αυτή. </a:t>
             </a:r>
           </a:p>
           <a:p>
@@ -26360,29 +25389,41 @@
               </a:spcAft>
               <a:buNone/>
             </a:pPr>
-            <a:endParaRPr lang="el-GR" dirty="0"/>
-          </a:p>
-          <a:p>
-            <a:pPr marL="0" lvl="0" indent="0" algn="l" rtl="0">
-              <a:spcBef>
-                <a:spcPts val="0"/>
-              </a:spcBef>
-              <a:spcAft>
-                <a:spcPts val="0"/>
-              </a:spcAft>
-              <a:buNone/>
-            </a:pPr>
             <a:r>
               <a:rPr lang="el-GR" dirty="0"/>
-              <a:t>- </a:t>
+              <a:t>Προσοχή! αν έχουμε </a:t>
             </a:r>
             <a:r>
               <a:rPr lang="el-GR" dirty="0" err="1"/>
-              <a:t>list.extend</a:t>
+              <a:t>default</a:t>
             </a:r>
             <a:r>
               <a:rPr lang="el-GR" dirty="0"/>
-              <a:t>(list2)</a:t>
+              <a:t> και non </a:t>
+            </a:r>
+            <a:r>
+              <a:rPr lang="el-GR" dirty="0" err="1"/>
+              <a:t>default</a:t>
+            </a:r>
+            <a:r>
+              <a:rPr lang="el-GR" dirty="0"/>
+              <a:t> </a:t>
+            </a:r>
+            <a:r>
+              <a:rPr lang="el-GR" dirty="0" err="1"/>
+              <a:t>parameters</a:t>
+            </a:r>
+            <a:r>
+              <a:rPr lang="el-GR" dirty="0"/>
+              <a:t> πρέπει πρώτα να ορίσουμε τις non </a:t>
+            </a:r>
+            <a:r>
+              <a:rPr lang="el-GR" dirty="0" err="1"/>
+              <a:t>default</a:t>
+            </a:r>
+            <a:r>
+              <a:rPr lang="el-GR" dirty="0"/>
+              <a:t> και μετά αυτές που έχουν αρχικοποιηθεί </a:t>
             </a:r>
           </a:p>
         </p:txBody>
@@ -26405,8 +25446,8 @@
         </p:nvSpPr>
         <p:spPr>
           <a:xfrm>
-            <a:off x="68558" y="786498"/>
-            <a:ext cx="2611463" cy="638110"/>
+            <a:off x="111783" y="668012"/>
+            <a:ext cx="3059653" cy="1331060"/>
           </a:xfrm>
           <a:prstGeom prst="rect">
             <a:avLst/>
@@ -26429,7 +25470,7 @@
             </a:pPr>
             <a:r>
               <a:rPr lang="en-US" dirty="0"/>
-              <a:t>Extend</a:t>
+              <a:t>Default parameter value </a:t>
             </a:r>
           </a:p>
         </p:txBody>
@@ -26450,7 +25491,7 @@
         </p:nvSpPr>
         <p:spPr>
           <a:xfrm>
-            <a:off x="4747198" y="1999072"/>
+            <a:off x="4774699" y="2367208"/>
             <a:ext cx="2611463" cy="638110"/>
           </a:xfrm>
           <a:prstGeom prst="rect">
@@ -26715,8 +25756,12 @@
           <a:p>
             <a:pPr algn="ctr"/>
             <a:r>
-              <a:rPr lang="el-GR" dirty="0"/>
-              <a:t>Διαγραφή</a:t>
+              <a:rPr lang="en-US" dirty="0"/>
+              <a:t>Passing</a:t>
+            </a:r>
+            <a:r>
+              <a:rPr lang="it-IT" dirty="0"/>
+              <a:t> list </a:t>
             </a:r>
             <a:endParaRPr lang="en-US" dirty="0"/>
           </a:p>
@@ -26738,7 +25783,7 @@
         </p:nvSpPr>
         <p:spPr>
           <a:xfrm>
-            <a:off x="3584712" y="2710843"/>
+            <a:off x="3612213" y="3347831"/>
             <a:ext cx="4936436" cy="1066026"/>
           </a:xfrm>
           <a:prstGeom prst="rect">
@@ -27007,107 +26052,7 @@
             </a:pPr>
             <a:r>
               <a:rPr lang="el-GR" dirty="0"/>
-              <a:t>Υπάρχουν 2 τρόποι να διαγράψεις ένα αντικείμενο</a:t>
-            </a:r>
-          </a:p>
-          <a:p>
-            <a:pPr marL="0" indent="0" algn="ctr">
-              <a:buFont typeface="Anaheim"/>
-              <a:buNone/>
-            </a:pPr>
-            <a:endParaRPr lang="el-GR" dirty="0"/>
-          </a:p>
-          <a:p>
-            <a:pPr marL="0" indent="0" algn="ctr">
-              <a:buFont typeface="Anaheim"/>
-              <a:buNone/>
-            </a:pPr>
-            <a:r>
-              <a:rPr lang="el-GR" dirty="0"/>
-              <a:t>- `</a:t>
-            </a:r>
-            <a:r>
-              <a:rPr lang="el-GR" dirty="0" err="1"/>
-              <a:t>list.remove</a:t>
-            </a:r>
-            <a:r>
-              <a:rPr lang="el-GR" dirty="0"/>
-              <a:t>(</a:t>
-            </a:r>
-            <a:r>
-              <a:rPr lang="el-GR" dirty="0" err="1"/>
-              <a:t>item</a:t>
-            </a:r>
-            <a:r>
-              <a:rPr lang="el-GR" dirty="0"/>
-              <a:t>)`</a:t>
-            </a:r>
-          </a:p>
-          <a:p>
-            <a:pPr marL="0" indent="0" algn="ctr">
-              <a:buFont typeface="Anaheim"/>
-              <a:buNone/>
-            </a:pPr>
-            <a:endParaRPr lang="el-GR" dirty="0"/>
-          </a:p>
-          <a:p>
-            <a:pPr marL="0" indent="0" algn="ctr">
-              <a:buFont typeface="Anaheim"/>
-              <a:buNone/>
-            </a:pPr>
-            <a:r>
-              <a:rPr lang="el-GR" dirty="0"/>
-              <a:t>Διαγράφει το αντικείμενο</a:t>
-            </a:r>
-          </a:p>
-          <a:p>
-            <a:pPr marL="0" indent="0" algn="ctr">
-              <a:buFont typeface="Anaheim"/>
-              <a:buNone/>
-            </a:pPr>
-            <a:endParaRPr lang="el-GR" dirty="0"/>
-          </a:p>
-          <a:p>
-            <a:pPr marL="0" indent="0" algn="ctr">
-              <a:buFont typeface="Anaheim"/>
-              <a:buNone/>
-            </a:pPr>
-            <a:r>
-              <a:rPr lang="el-GR" dirty="0"/>
-              <a:t>- `</a:t>
-            </a:r>
-            <a:r>
-              <a:rPr lang="el-GR" dirty="0" err="1"/>
-              <a:t>list.pop</a:t>
-            </a:r>
-            <a:r>
-              <a:rPr lang="el-GR" dirty="0"/>
-              <a:t>(</a:t>
-            </a:r>
-            <a:r>
-              <a:rPr lang="el-GR" dirty="0" err="1"/>
-              <a:t>position</a:t>
-            </a:r>
-            <a:r>
-              <a:rPr lang="el-GR" dirty="0"/>
-              <a:t>)`</a:t>
-            </a:r>
-          </a:p>
-          <a:p>
-            <a:pPr marL="0" indent="0" algn="ctr">
-              <a:buFont typeface="Anaheim"/>
-              <a:buNone/>
-            </a:pPr>
-            <a:endParaRPr lang="el-GR" dirty="0"/>
-          </a:p>
-          <a:p>
-            <a:pPr marL="0" indent="0" algn="ctr">
-              <a:buFont typeface="Anaheim"/>
-              <a:buNone/>
-            </a:pPr>
-            <a:r>
-              <a:rPr lang="el-GR" dirty="0"/>
-              <a:t>Διαγράφει το αντικείμενο στη συγκεκριμένη θέση</a:t>
+              <a:t>Μπορούμε να περάσουμε και λίστες σαν παραμέτρους </a:t>
             </a:r>
           </a:p>
         </p:txBody>
@@ -27125,12 +26070,12 @@
 </p:sld>
 </file>
 
-<file path=ppt/slides/slide24.xml><?xml version="1.0" encoding="utf-8"?>
+<file path=ppt/slides/slide25.xml><?xml version="1.0" encoding="utf-8"?>
 <p:sld xmlns:a="http://schemas.openxmlformats.org/drawingml/2006/main" xmlns:r="http://schemas.openxmlformats.org/officeDocument/2006/relationships" xmlns:p="http://schemas.openxmlformats.org/presentationml/2006/main">
   <p:cSld>
     <p:spTree>
       <p:nvGrpSpPr>
-        <p:cNvPr id="1" name="Shape 721"/>
+        <p:cNvPr id="1" name="Shape 530"/>
         <p:cNvGrpSpPr/>
         <p:nvPr/>
       </p:nvGrpSpPr>
@@ -27144,18 +26089,24 @@
       </p:grpSpPr>
       <p:sp>
         <p:nvSpPr>
-          <p:cNvPr id="723" name="Google Shape;723;p47"/>
+          <p:cNvPr id="2" name="Google Shape;722;p47">
+            <a:extLst>
+              <a:ext uri="{FF2B5EF4-FFF2-40B4-BE49-F238E27FC236}">
+                <a16:creationId xmlns:a16="http://schemas.microsoft.com/office/drawing/2014/main" id="{8B478619-AD90-9D72-7F64-0906F0DBB747}"/>
+              </a:ext>
+            </a:extLst>
+          </p:cNvPr>
           <p:cNvSpPr txBox="1">
             <a:spLocks noGrp="1"/>
           </p:cNvSpPr>
           <p:nvPr>
-            <p:ph type="subTitle" idx="1"/>
+            <p:ph type="title"/>
           </p:nvPr>
         </p:nvSpPr>
         <p:spPr>
           <a:xfrm>
-            <a:off x="1920867" y="2013377"/>
-            <a:ext cx="3356099" cy="843900"/>
+            <a:off x="273550" y="1341128"/>
+            <a:ext cx="5184527" cy="669000"/>
           </a:xfrm>
           <a:prstGeom prst="rect">
             <a:avLst/>
@@ -27177,325 +26128,30 @@
               <a:buNone/>
             </a:pPr>
             <a:r>
-              <a:rPr lang="el-GR" dirty="0"/>
-              <a:t>Για να μπορέσουμε να έχουμε πρόσβαση σε κάθε αντικείμενο της λίστας χρησιμοποιούμε μια for </a:t>
-            </a:r>
-            <a:r>
-              <a:rPr lang="el-GR" dirty="0" err="1"/>
-              <a:t>loop</a:t>
-            </a:r>
-            <a:r>
-              <a:rPr lang="el-GR" dirty="0"/>
-              <a:t> ( θα την δούμε πιο αναλυτικά αργότερα)</a:t>
-            </a:r>
-          </a:p>
-          <a:p>
-            <a:pPr marL="0" lvl="0" indent="0" algn="ctr" rtl="0">
-              <a:spcBef>
-                <a:spcPts val="0"/>
-              </a:spcBef>
-              <a:spcAft>
-                <a:spcPts val="0"/>
-              </a:spcAft>
-              <a:buNone/>
-            </a:pPr>
-            <a:endParaRPr lang="el-GR" dirty="0"/>
-          </a:p>
-          <a:p>
-            <a:pPr marL="0" lvl="0" indent="0" algn="ctr" rtl="0">
-              <a:spcBef>
-                <a:spcPts val="0"/>
-              </a:spcBef>
-              <a:spcAft>
-                <a:spcPts val="0"/>
-              </a:spcAft>
-              <a:buNone/>
-            </a:pPr>
-            <a:r>
-              <a:rPr lang="el-GR" dirty="0"/>
-              <a:t>for </a:t>
-            </a:r>
-            <a:r>
-              <a:rPr lang="el-GR" dirty="0" err="1"/>
-              <a:t>item</a:t>
-            </a:r>
-            <a:r>
-              <a:rPr lang="el-GR" dirty="0"/>
-              <a:t> in </a:t>
-            </a:r>
-            <a:r>
-              <a:rPr lang="el-GR" dirty="0" err="1"/>
-              <a:t>list</a:t>
-            </a:r>
-            <a:r>
-              <a:rPr lang="el-GR" dirty="0"/>
-              <a:t>:</a:t>
-            </a:r>
-          </a:p>
-          <a:p>
-            <a:pPr marL="0" lvl="0" indent="0" algn="ctr" rtl="0">
-              <a:spcBef>
-                <a:spcPts val="0"/>
-              </a:spcBef>
-              <a:spcAft>
-                <a:spcPts val="0"/>
-              </a:spcAft>
-              <a:buNone/>
-            </a:pPr>
-            <a:r>
-              <a:rPr lang="el-GR" dirty="0"/>
-              <a:t>    </a:t>
-            </a:r>
-            <a:r>
-              <a:rPr lang="el-GR" dirty="0" err="1"/>
-              <a:t>print</a:t>
-            </a:r>
-            <a:r>
-              <a:rPr lang="el-GR" dirty="0"/>
-              <a:t>(</a:t>
-            </a:r>
-            <a:r>
-              <a:rPr lang="el-GR" dirty="0" err="1"/>
-              <a:t>item</a:t>
-            </a:r>
-            <a:r>
-              <a:rPr lang="el-GR" dirty="0"/>
-              <a:t>)</a:t>
-            </a:r>
-          </a:p>
-          <a:p>
-            <a:pPr marL="0" lvl="0" indent="0" algn="ctr" rtl="0">
-              <a:spcBef>
-                <a:spcPts val="0"/>
-              </a:spcBef>
-              <a:spcAft>
-                <a:spcPts val="0"/>
-              </a:spcAft>
-              <a:buNone/>
-            </a:pPr>
-            <a:endParaRPr lang="en-US" dirty="0"/>
-          </a:p>
-        </p:txBody>
-      </p:sp>
-      <p:sp>
-        <p:nvSpPr>
-          <p:cNvPr id="724" name="Google Shape;724;p47"/>
-          <p:cNvSpPr txBox="1">
-            <a:spLocks noGrp="1"/>
-          </p:cNvSpPr>
-          <p:nvPr>
-            <p:ph type="title" idx="2"/>
-          </p:nvPr>
-        </p:nvSpPr>
-        <p:spPr>
-          <a:xfrm>
-            <a:off x="2121315" y="1230974"/>
-            <a:ext cx="2481300" cy="524400"/>
-          </a:xfrm>
-          <a:prstGeom prst="rect">
-            <a:avLst/>
-          </a:prstGeom>
-        </p:spPr>
-        <p:txBody>
-          <a:bodyPr spcFirstLastPara="1" wrap="square" lIns="91425" tIns="91425" rIns="91425" bIns="91425" anchor="b" anchorCtr="0">
-            <a:noAutofit/>
-          </a:bodyPr>
-          <a:lstStyle/>
-          <a:p>
-            <a:pPr marL="0" lvl="0" indent="0" algn="ctr" rtl="0">
-              <a:spcBef>
-                <a:spcPts val="0"/>
-              </a:spcBef>
-              <a:spcAft>
-                <a:spcPts val="0"/>
-              </a:spcAft>
-              <a:buNone/>
-            </a:pPr>
-            <a:r>
               <a:rPr lang="en-US" dirty="0"/>
-              <a:t>Loops</a:t>
+              <a:t>Return Values </a:t>
             </a:r>
           </a:p>
         </p:txBody>
       </p:sp>
       <p:sp>
         <p:nvSpPr>
-          <p:cNvPr id="725" name="Google Shape;725;p47"/>
+          <p:cNvPr id="3" name="Google Shape;531;p41">
+            <a:extLst>
+              <a:ext uri="{FF2B5EF4-FFF2-40B4-BE49-F238E27FC236}">
+                <a16:creationId xmlns:a16="http://schemas.microsoft.com/office/drawing/2014/main" id="{FFAFD54A-E97C-FA72-8432-ECB65CBA8CB4}"/>
+              </a:ext>
+            </a:extLst>
+          </p:cNvPr>
           <p:cNvSpPr txBox="1">
-            <a:spLocks noGrp="1"/>
+            <a:spLocks/>
           </p:cNvSpPr>
-          <p:nvPr>
-            <p:ph type="subTitle" idx="3"/>
-          </p:nvPr>
+          <p:nvPr/>
         </p:nvSpPr>
         <p:spPr>
-          <a:xfrm>
-            <a:off x="6070225" y="2149800"/>
-            <a:ext cx="2226600" cy="843900"/>
-          </a:xfrm>
-          <a:prstGeom prst="rect">
-            <a:avLst/>
-          </a:prstGeom>
-        </p:spPr>
-        <p:txBody>
-          <a:bodyPr spcFirstLastPara="1" wrap="square" lIns="91425" tIns="91425" rIns="91425" bIns="91425" anchor="t" anchorCtr="0">
-            <a:noAutofit/>
-          </a:bodyPr>
-          <a:lstStyle/>
-          <a:p>
-            <a:pPr marL="0" lvl="0" indent="0" algn="ctr" rtl="0">
-              <a:spcBef>
-                <a:spcPts val="0"/>
-              </a:spcBef>
-              <a:spcAft>
-                <a:spcPts val="0"/>
-              </a:spcAft>
-              <a:buNone/>
-            </a:pPr>
-            <a:r>
-              <a:rPr lang="el-GR" dirty="0"/>
-              <a:t>Όταν θέλουμε συγκεκριμένα αντικείμενα από την λίστα</a:t>
-            </a:r>
-          </a:p>
-          <a:p>
-            <a:pPr marL="0" lvl="0" indent="0" algn="ctr" rtl="0">
-              <a:spcBef>
-                <a:spcPts val="0"/>
-              </a:spcBef>
-              <a:spcAft>
-                <a:spcPts val="0"/>
-              </a:spcAft>
-              <a:buNone/>
-            </a:pPr>
-            <a:endParaRPr lang="el-GR" dirty="0"/>
-          </a:p>
-          <a:p>
-            <a:pPr marL="0" lvl="0" indent="0" algn="ctr" rtl="0">
-              <a:spcBef>
-                <a:spcPts val="0"/>
-              </a:spcBef>
-              <a:spcAft>
-                <a:spcPts val="0"/>
-              </a:spcAft>
-              <a:buNone/>
-            </a:pPr>
-            <a:r>
-              <a:rPr lang="el-GR" dirty="0"/>
-              <a:t>for i in </a:t>
-            </a:r>
-            <a:r>
-              <a:rPr lang="el-GR" dirty="0" err="1"/>
-              <a:t>range</a:t>
-            </a:r>
-            <a:r>
-              <a:rPr lang="el-GR" dirty="0"/>
-              <a:t>(1 , </a:t>
-            </a:r>
-            <a:r>
-              <a:rPr lang="el-GR" dirty="0" err="1"/>
-              <a:t>len</a:t>
-            </a:r>
-            <a:r>
-              <a:rPr lang="el-GR" dirty="0"/>
-              <a:t>(</a:t>
-            </a:r>
-            <a:r>
-              <a:rPr lang="el-GR" dirty="0" err="1"/>
-              <a:t>list</a:t>
-            </a:r>
-            <a:r>
-              <a:rPr lang="el-GR" dirty="0"/>
-              <a:t>)):</a:t>
-            </a:r>
-          </a:p>
-          <a:p>
-            <a:pPr marL="0" lvl="0" indent="0" algn="ctr" rtl="0">
-              <a:spcBef>
-                <a:spcPts val="0"/>
-              </a:spcBef>
-              <a:spcAft>
-                <a:spcPts val="0"/>
-              </a:spcAft>
-              <a:buNone/>
-            </a:pPr>
-            <a:r>
-              <a:rPr lang="el-GR" dirty="0" err="1"/>
-              <a:t>print</a:t>
-            </a:r>
-            <a:r>
-              <a:rPr lang="el-GR" dirty="0"/>
-              <a:t>(</a:t>
-            </a:r>
-            <a:r>
-              <a:rPr lang="el-GR" dirty="0" err="1"/>
-              <a:t>list</a:t>
-            </a:r>
-            <a:r>
-              <a:rPr lang="el-GR" dirty="0"/>
-              <a:t>[i])</a:t>
-            </a:r>
-            <a:endParaRPr lang="en-US" dirty="0"/>
-          </a:p>
-        </p:txBody>
-      </p:sp>
-      <p:sp>
-        <p:nvSpPr>
-          <p:cNvPr id="726" name="Google Shape;726;p47"/>
-          <p:cNvSpPr txBox="1">
-            <a:spLocks noGrp="1"/>
-          </p:cNvSpPr>
-          <p:nvPr>
-            <p:ph type="title" idx="4"/>
-          </p:nvPr>
-        </p:nvSpPr>
-        <p:spPr>
-          <a:xfrm>
-            <a:off x="5942875" y="1230974"/>
-            <a:ext cx="2481300" cy="524400"/>
-          </a:xfrm>
-          <a:prstGeom prst="rect">
-            <a:avLst/>
-          </a:prstGeom>
-        </p:spPr>
-        <p:txBody>
-          <a:bodyPr spcFirstLastPara="1" wrap="square" lIns="91425" tIns="91425" rIns="91425" bIns="91425" anchor="b" anchorCtr="0">
-            <a:noAutofit/>
-          </a:bodyPr>
-          <a:lstStyle/>
-          <a:p>
-            <a:pPr marL="0" lvl="0" indent="0" algn="ctr" rtl="0">
-              <a:spcBef>
-                <a:spcPts val="0"/>
-              </a:spcBef>
-              <a:spcAft>
-                <a:spcPts val="0"/>
-              </a:spcAft>
-              <a:buNone/>
-            </a:pPr>
-            <a:r>
-              <a:rPr lang="en-US" dirty="0"/>
-              <a:t> in range</a:t>
-            </a:r>
-          </a:p>
-        </p:txBody>
-      </p:sp>
-      <p:pic>
-        <p:nvPicPr>
-          <p:cNvPr id="727" name="Google Shape;727;p47"/>
-          <p:cNvPicPr preferRelativeResize="0"/>
-          <p:nvPr/>
-        </p:nvPicPr>
-        <p:blipFill rotWithShape="1">
-          <a:blip r:embed="rId3">
-            <a:alphaModFix/>
-          </a:blip>
-          <a:srcRect l="61241" r="15108"/>
-          <a:stretch/>
-        </p:blipFill>
-        <p:spPr>
-          <a:xfrm>
-            <a:off x="0" y="0"/>
-            <a:ext cx="1823175" cy="5143500"/>
+          <a:xfrm flipH="1">
+            <a:off x="2865813" y="2420759"/>
+            <a:ext cx="3439051" cy="1583601"/>
           </a:xfrm>
           <a:prstGeom prst="rect">
             <a:avLst/>
@@ -27505,950 +26161,278 @@
             <a:noFill/>
           </a:ln>
         </p:spPr>
-      </p:pic>
-      <p:grpSp>
-        <p:nvGrpSpPr>
-          <p:cNvPr id="728" name="Google Shape;728;p47"/>
-          <p:cNvGrpSpPr/>
-          <p:nvPr/>
-        </p:nvGrpSpPr>
-        <p:grpSpPr>
-          <a:xfrm>
-            <a:off x="1223348" y="4553184"/>
-            <a:ext cx="1015032" cy="325196"/>
-            <a:chOff x="1156673" y="4600809"/>
-            <a:chExt cx="1015032" cy="325196"/>
-          </a:xfrm>
-        </p:grpSpPr>
-        <p:sp>
-          <p:nvSpPr>
-            <p:cNvPr id="729" name="Google Shape;729;p47"/>
-            <p:cNvSpPr/>
-            <p:nvPr/>
-          </p:nvSpPr>
-          <p:spPr>
-            <a:xfrm>
-              <a:off x="1937576" y="4600809"/>
-              <a:ext cx="234129" cy="75728"/>
-            </a:xfrm>
-            <a:custGeom>
-              <a:avLst/>
-              <a:gdLst/>
-              <a:ahLst/>
-              <a:cxnLst/>
-              <a:rect l="l" t="t" r="r" b="b"/>
-              <a:pathLst>
-                <a:path w="6001" h="1941" extrusionOk="0">
-                  <a:moveTo>
-                    <a:pt x="0" y="0"/>
-                  </a:moveTo>
-                  <a:lnTo>
-                    <a:pt x="0" y="1941"/>
-                  </a:lnTo>
-                  <a:lnTo>
-                    <a:pt x="6001" y="1941"/>
-                  </a:lnTo>
-                  <a:lnTo>
-                    <a:pt x="6001" y="0"/>
-                  </a:lnTo>
-                  <a:close/>
-                </a:path>
-              </a:pathLst>
-            </a:custGeom>
-            <a:solidFill>
-              <a:schemeClr val="lt1"/>
-            </a:solidFill>
-            <a:ln>
-              <a:noFill/>
-            </a:ln>
-          </p:spPr>
-          <p:txBody>
-            <a:bodyPr spcFirstLastPara="1" wrap="square" lIns="91425" tIns="91425" rIns="91425" bIns="91425" anchor="ctr" anchorCtr="0">
-              <a:noAutofit/>
-            </a:bodyPr>
-            <a:lstStyle/>
-            <a:p>
-              <a:pPr marL="0" lvl="0" indent="0" algn="l" rtl="0">
-                <a:spcBef>
-                  <a:spcPts val="0"/>
-                </a:spcBef>
-                <a:spcAft>
-                  <a:spcPts val="0"/>
-                </a:spcAft>
-                <a:buNone/>
-              </a:pPr>
-              <a:endParaRPr/>
-            </a:p>
-          </p:txBody>
-        </p:sp>
-        <p:sp>
-          <p:nvSpPr>
-            <p:cNvPr id="730" name="Google Shape;730;p47"/>
-            <p:cNvSpPr/>
-            <p:nvPr/>
-          </p:nvSpPr>
-          <p:spPr>
-            <a:xfrm>
-              <a:off x="1394514" y="4600809"/>
-              <a:ext cx="440870" cy="75728"/>
-            </a:xfrm>
-            <a:custGeom>
-              <a:avLst/>
-              <a:gdLst/>
-              <a:ahLst/>
-              <a:cxnLst/>
-              <a:rect l="l" t="t" r="r" b="b"/>
-              <a:pathLst>
-                <a:path w="11300" h="1941" extrusionOk="0">
-                  <a:moveTo>
-                    <a:pt x="1" y="0"/>
-                  </a:moveTo>
-                  <a:lnTo>
-                    <a:pt x="1" y="1941"/>
-                  </a:lnTo>
-                  <a:lnTo>
-                    <a:pt x="11300" y="1941"/>
-                  </a:lnTo>
-                  <a:lnTo>
-                    <a:pt x="11300" y="0"/>
-                  </a:lnTo>
-                  <a:close/>
-                </a:path>
-              </a:pathLst>
-            </a:custGeom>
-            <a:solidFill>
-              <a:schemeClr val="lt1"/>
-            </a:solidFill>
-            <a:ln>
-              <a:noFill/>
-            </a:ln>
-          </p:spPr>
-          <p:txBody>
-            <a:bodyPr spcFirstLastPara="1" wrap="square" lIns="91425" tIns="91425" rIns="91425" bIns="91425" anchor="ctr" anchorCtr="0">
-              <a:noAutofit/>
-            </a:bodyPr>
-            <a:lstStyle/>
-            <a:p>
-              <a:pPr marL="0" lvl="0" indent="0" algn="l" rtl="0">
-                <a:spcBef>
-                  <a:spcPts val="0"/>
-                </a:spcBef>
-                <a:spcAft>
-                  <a:spcPts val="0"/>
-                </a:spcAft>
-                <a:buNone/>
-              </a:pPr>
-              <a:endParaRPr/>
-            </a:p>
-          </p:txBody>
-        </p:sp>
-        <p:sp>
-          <p:nvSpPr>
-            <p:cNvPr id="731" name="Google Shape;731;p47"/>
-            <p:cNvSpPr/>
-            <p:nvPr/>
-          </p:nvSpPr>
-          <p:spPr>
-            <a:xfrm>
-              <a:off x="1156673" y="4725738"/>
-              <a:ext cx="474774" cy="75767"/>
-            </a:xfrm>
-            <a:custGeom>
-              <a:avLst/>
-              <a:gdLst/>
-              <a:ahLst/>
-              <a:cxnLst/>
-              <a:rect l="l" t="t" r="r" b="b"/>
-              <a:pathLst>
-                <a:path w="12169" h="1942" extrusionOk="0">
-                  <a:moveTo>
-                    <a:pt x="1" y="1"/>
-                  </a:moveTo>
-                  <a:lnTo>
-                    <a:pt x="1" y="1942"/>
-                  </a:lnTo>
-                  <a:lnTo>
-                    <a:pt x="12169" y="1942"/>
-                  </a:lnTo>
-                  <a:lnTo>
-                    <a:pt x="12169" y="1"/>
-                  </a:lnTo>
-                  <a:close/>
-                </a:path>
-              </a:pathLst>
-            </a:custGeom>
-            <a:solidFill>
-              <a:schemeClr val="lt1"/>
-            </a:solidFill>
-            <a:ln>
-              <a:noFill/>
-            </a:ln>
-          </p:spPr>
-          <p:txBody>
-            <a:bodyPr spcFirstLastPara="1" wrap="square" lIns="91425" tIns="91425" rIns="91425" bIns="91425" anchor="ctr" anchorCtr="0">
-              <a:noAutofit/>
-            </a:bodyPr>
-            <a:lstStyle/>
-            <a:p>
-              <a:pPr marL="0" lvl="0" indent="0" algn="l" rtl="0">
-                <a:spcBef>
-                  <a:spcPts val="0"/>
-                </a:spcBef>
-                <a:spcAft>
-                  <a:spcPts val="0"/>
-                </a:spcAft>
-                <a:buNone/>
-              </a:pPr>
-              <a:endParaRPr/>
-            </a:p>
-          </p:txBody>
-        </p:sp>
-        <p:sp>
-          <p:nvSpPr>
-            <p:cNvPr id="732" name="Google Shape;732;p47"/>
-            <p:cNvSpPr/>
-            <p:nvPr/>
-          </p:nvSpPr>
-          <p:spPr>
-            <a:xfrm>
-              <a:off x="1718307" y="4725738"/>
-              <a:ext cx="453393" cy="75767"/>
-            </a:xfrm>
-            <a:custGeom>
-              <a:avLst/>
-              <a:gdLst/>
-              <a:ahLst/>
-              <a:cxnLst/>
-              <a:rect l="l" t="t" r="r" b="b"/>
-              <a:pathLst>
-                <a:path w="11621" h="1942" extrusionOk="0">
-                  <a:moveTo>
-                    <a:pt x="0" y="1"/>
-                  </a:moveTo>
-                  <a:lnTo>
-                    <a:pt x="0" y="1942"/>
-                  </a:lnTo>
-                  <a:lnTo>
-                    <a:pt x="11621" y="1942"/>
-                  </a:lnTo>
-                  <a:lnTo>
-                    <a:pt x="11621" y="1"/>
-                  </a:lnTo>
-                  <a:close/>
-                </a:path>
-              </a:pathLst>
-            </a:custGeom>
-            <a:solidFill>
-              <a:schemeClr val="lt1"/>
-            </a:solidFill>
-            <a:ln>
-              <a:noFill/>
-            </a:ln>
-          </p:spPr>
-          <p:txBody>
-            <a:bodyPr spcFirstLastPara="1" wrap="square" lIns="91425" tIns="91425" rIns="91425" bIns="91425" anchor="ctr" anchorCtr="0">
-              <a:noAutofit/>
-            </a:bodyPr>
-            <a:lstStyle/>
-            <a:p>
-              <a:pPr marL="0" lvl="0" indent="0" algn="l" rtl="0">
-                <a:spcBef>
-                  <a:spcPts val="0"/>
-                </a:spcBef>
-                <a:spcAft>
-                  <a:spcPts val="0"/>
-                </a:spcAft>
-                <a:buNone/>
-              </a:pPr>
-              <a:endParaRPr/>
-            </a:p>
-          </p:txBody>
-        </p:sp>
-        <p:sp>
-          <p:nvSpPr>
-            <p:cNvPr id="733" name="Google Shape;733;p47"/>
-            <p:cNvSpPr/>
-            <p:nvPr/>
-          </p:nvSpPr>
-          <p:spPr>
-            <a:xfrm>
-              <a:off x="1536688" y="4850706"/>
-              <a:ext cx="635008" cy="75299"/>
-            </a:xfrm>
-            <a:custGeom>
-              <a:avLst/>
-              <a:gdLst/>
-              <a:ahLst/>
-              <a:cxnLst/>
-              <a:rect l="l" t="t" r="r" b="b"/>
-              <a:pathLst>
-                <a:path w="16276" h="1930" extrusionOk="0">
-                  <a:moveTo>
-                    <a:pt x="0" y="1"/>
-                  </a:moveTo>
-                  <a:lnTo>
-                    <a:pt x="0" y="1930"/>
-                  </a:lnTo>
-                  <a:lnTo>
-                    <a:pt x="16276" y="1930"/>
-                  </a:lnTo>
-                  <a:lnTo>
-                    <a:pt x="16276" y="1"/>
-                  </a:lnTo>
-                  <a:close/>
-                </a:path>
-              </a:pathLst>
-            </a:custGeom>
-            <a:solidFill>
-              <a:schemeClr val="lt1"/>
-            </a:solidFill>
-            <a:ln>
-              <a:noFill/>
-            </a:ln>
-          </p:spPr>
-          <p:txBody>
-            <a:bodyPr spcFirstLastPara="1" wrap="square" lIns="91425" tIns="91425" rIns="91425" bIns="91425" anchor="ctr" anchorCtr="0">
-              <a:noAutofit/>
-            </a:bodyPr>
-            <a:lstStyle/>
-            <a:p>
-              <a:pPr marL="0" lvl="0" indent="0" algn="l" rtl="0">
-                <a:spcBef>
-                  <a:spcPts val="0"/>
-                </a:spcBef>
-                <a:spcAft>
-                  <a:spcPts val="0"/>
-                </a:spcAft>
-                <a:buNone/>
-              </a:pPr>
-              <a:endParaRPr/>
-            </a:p>
-          </p:txBody>
-        </p:sp>
-      </p:grpSp>
-    </p:spTree>
-  </p:cSld>
-  <p:clrMapOvr>
-    <a:masterClrMapping/>
-  </p:clrMapOvr>
-</p:sld>
-</file>
-
-<file path=ppt/slides/slide25.xml><?xml version="1.0" encoding="utf-8"?>
-<p:sld xmlns:a="http://schemas.openxmlformats.org/drawingml/2006/main" xmlns:r="http://schemas.openxmlformats.org/officeDocument/2006/relationships" xmlns:p="http://schemas.openxmlformats.org/presentationml/2006/main">
-  <p:cSld>
-    <p:spTree>
-      <p:nvGrpSpPr>
-        <p:cNvPr id="1" name="Shape 721"/>
-        <p:cNvGrpSpPr/>
-        <p:nvPr/>
-      </p:nvGrpSpPr>
-      <p:grpSpPr>
-        <a:xfrm>
-          <a:off x="0" y="0"/>
-          <a:ext cx="0" cy="0"/>
-          <a:chOff x="0" y="0"/>
-          <a:chExt cx="0" cy="0"/>
-        </a:xfrm>
-      </p:grpSpPr>
-      <p:sp>
-        <p:nvSpPr>
-          <p:cNvPr id="723" name="Google Shape;723;p47"/>
-          <p:cNvSpPr txBox="1">
-            <a:spLocks noGrp="1"/>
-          </p:cNvSpPr>
-          <p:nvPr>
-            <p:ph type="subTitle" idx="1"/>
-          </p:nvPr>
-        </p:nvSpPr>
-        <p:spPr>
-          <a:xfrm>
-            <a:off x="1920867" y="2013377"/>
-            <a:ext cx="3356099" cy="843900"/>
-          </a:xfrm>
-          <a:prstGeom prst="rect">
-            <a:avLst/>
-          </a:prstGeom>
-        </p:spPr>
         <p:txBody>
-          <a:bodyPr spcFirstLastPara="1" wrap="square" lIns="91425" tIns="91425" rIns="91425" bIns="91425" anchor="t" anchorCtr="0">
+          <a:bodyPr spcFirstLastPara="1" wrap="square" lIns="91425" tIns="91425" rIns="91425" bIns="91425" anchor="ctr" anchorCtr="0">
             <a:noAutofit/>
           </a:bodyPr>
-          <a:lstStyle/>
+          <a:lstStyle>
+            <a:defPPr marR="0" lvl="0" algn="l" rtl="0">
+              <a:lnSpc>
+                <a:spcPct val="100000"/>
+              </a:lnSpc>
+              <a:spcBef>
+                <a:spcPts val="0"/>
+              </a:spcBef>
+              <a:spcAft>
+                <a:spcPts val="0"/>
+              </a:spcAft>
+            </a:defPPr>
+            <a:lvl1pPr marL="457200" marR="0" lvl="0" indent="-342900" algn="l" rtl="0">
+              <a:lnSpc>
+                <a:spcPct val="100000"/>
+              </a:lnSpc>
+              <a:spcBef>
+                <a:spcPts val="0"/>
+              </a:spcBef>
+              <a:spcAft>
+                <a:spcPts val="0"/>
+              </a:spcAft>
+              <a:buClr>
+                <a:schemeClr val="lt1"/>
+              </a:buClr>
+              <a:buSzPts val="1800"/>
+              <a:buFont typeface="Anaheim"/>
+              <a:buNone/>
+              <a:defRPr sz="1600" b="0" i="0" u="none" strike="noStrike" cap="none">
+                <a:solidFill>
+                  <a:schemeClr val="lt1"/>
+                </a:solidFill>
+                <a:latin typeface="Anaheim"/>
+                <a:ea typeface="Anaheim"/>
+                <a:cs typeface="Anaheim"/>
+                <a:sym typeface="Anaheim"/>
+              </a:defRPr>
+            </a:lvl1pPr>
+            <a:lvl2pPr marL="914400" marR="0" lvl="1" indent="-317500" algn="r" rtl="0">
+              <a:lnSpc>
+                <a:spcPct val="100000"/>
+              </a:lnSpc>
+              <a:spcBef>
+                <a:spcPts val="0"/>
+              </a:spcBef>
+              <a:spcAft>
+                <a:spcPts val="0"/>
+              </a:spcAft>
+              <a:buClr>
+                <a:schemeClr val="lt1"/>
+              </a:buClr>
+              <a:buSzPts val="1400"/>
+              <a:buFont typeface="Anaheim"/>
+              <a:buNone/>
+              <a:defRPr sz="1400" b="0" i="0" u="none" strike="noStrike" cap="none">
+                <a:solidFill>
+                  <a:schemeClr val="lt1"/>
+                </a:solidFill>
+                <a:latin typeface="Anaheim"/>
+                <a:ea typeface="Anaheim"/>
+                <a:cs typeface="Anaheim"/>
+                <a:sym typeface="Anaheim"/>
+              </a:defRPr>
+            </a:lvl2pPr>
+            <a:lvl3pPr marL="1371600" marR="0" lvl="2" indent="-317500" algn="r" rtl="0">
+              <a:lnSpc>
+                <a:spcPct val="100000"/>
+              </a:lnSpc>
+              <a:spcBef>
+                <a:spcPts val="0"/>
+              </a:spcBef>
+              <a:spcAft>
+                <a:spcPts val="0"/>
+              </a:spcAft>
+              <a:buClr>
+                <a:schemeClr val="lt1"/>
+              </a:buClr>
+              <a:buSzPts val="1400"/>
+              <a:buFont typeface="Anaheim"/>
+              <a:buNone/>
+              <a:defRPr sz="1400" b="0" i="0" u="none" strike="noStrike" cap="none">
+                <a:solidFill>
+                  <a:schemeClr val="lt1"/>
+                </a:solidFill>
+                <a:latin typeface="Anaheim"/>
+                <a:ea typeface="Anaheim"/>
+                <a:cs typeface="Anaheim"/>
+                <a:sym typeface="Anaheim"/>
+              </a:defRPr>
+            </a:lvl3pPr>
+            <a:lvl4pPr marL="1828800" marR="0" lvl="3" indent="-317500" algn="r" rtl="0">
+              <a:lnSpc>
+                <a:spcPct val="100000"/>
+              </a:lnSpc>
+              <a:spcBef>
+                <a:spcPts val="0"/>
+              </a:spcBef>
+              <a:spcAft>
+                <a:spcPts val="0"/>
+              </a:spcAft>
+              <a:buClr>
+                <a:schemeClr val="lt1"/>
+              </a:buClr>
+              <a:buSzPts val="1400"/>
+              <a:buFont typeface="Anaheim"/>
+              <a:buNone/>
+              <a:defRPr sz="1400" b="0" i="0" u="none" strike="noStrike" cap="none">
+                <a:solidFill>
+                  <a:schemeClr val="lt1"/>
+                </a:solidFill>
+                <a:latin typeface="Anaheim"/>
+                <a:ea typeface="Anaheim"/>
+                <a:cs typeface="Anaheim"/>
+                <a:sym typeface="Anaheim"/>
+              </a:defRPr>
+            </a:lvl4pPr>
+            <a:lvl5pPr marL="2286000" marR="0" lvl="4" indent="-317500" algn="r" rtl="0">
+              <a:lnSpc>
+                <a:spcPct val="100000"/>
+              </a:lnSpc>
+              <a:spcBef>
+                <a:spcPts val="0"/>
+              </a:spcBef>
+              <a:spcAft>
+                <a:spcPts val="0"/>
+              </a:spcAft>
+              <a:buClr>
+                <a:schemeClr val="lt1"/>
+              </a:buClr>
+              <a:buSzPts val="1400"/>
+              <a:buFont typeface="Anaheim"/>
+              <a:buNone/>
+              <a:defRPr sz="1400" b="0" i="0" u="none" strike="noStrike" cap="none">
+                <a:solidFill>
+                  <a:schemeClr val="lt1"/>
+                </a:solidFill>
+                <a:latin typeface="Anaheim"/>
+                <a:ea typeface="Anaheim"/>
+                <a:cs typeface="Anaheim"/>
+                <a:sym typeface="Anaheim"/>
+              </a:defRPr>
+            </a:lvl5pPr>
+            <a:lvl6pPr marL="2743200" marR="0" lvl="5" indent="-317500" algn="r" rtl="0">
+              <a:lnSpc>
+                <a:spcPct val="100000"/>
+              </a:lnSpc>
+              <a:spcBef>
+                <a:spcPts val="0"/>
+              </a:spcBef>
+              <a:spcAft>
+                <a:spcPts val="0"/>
+              </a:spcAft>
+              <a:buClr>
+                <a:schemeClr val="lt1"/>
+              </a:buClr>
+              <a:buSzPts val="1400"/>
+              <a:buFont typeface="Anaheim"/>
+              <a:buNone/>
+              <a:defRPr sz="1400" b="0" i="0" u="none" strike="noStrike" cap="none">
+                <a:solidFill>
+                  <a:schemeClr val="lt1"/>
+                </a:solidFill>
+                <a:latin typeface="Anaheim"/>
+                <a:ea typeface="Anaheim"/>
+                <a:cs typeface="Anaheim"/>
+                <a:sym typeface="Anaheim"/>
+              </a:defRPr>
+            </a:lvl6pPr>
+            <a:lvl7pPr marL="3200400" marR="0" lvl="6" indent="-317500" algn="r" rtl="0">
+              <a:lnSpc>
+                <a:spcPct val="100000"/>
+              </a:lnSpc>
+              <a:spcBef>
+                <a:spcPts val="0"/>
+              </a:spcBef>
+              <a:spcAft>
+                <a:spcPts val="0"/>
+              </a:spcAft>
+              <a:buClr>
+                <a:schemeClr val="lt1"/>
+              </a:buClr>
+              <a:buSzPts val="1400"/>
+              <a:buFont typeface="Anaheim"/>
+              <a:buNone/>
+              <a:defRPr sz="1400" b="0" i="0" u="none" strike="noStrike" cap="none">
+                <a:solidFill>
+                  <a:schemeClr val="lt1"/>
+                </a:solidFill>
+                <a:latin typeface="Anaheim"/>
+                <a:ea typeface="Anaheim"/>
+                <a:cs typeface="Anaheim"/>
+                <a:sym typeface="Anaheim"/>
+              </a:defRPr>
+            </a:lvl7pPr>
+            <a:lvl8pPr marL="3657600" marR="0" lvl="7" indent="-317500" algn="r" rtl="0">
+              <a:lnSpc>
+                <a:spcPct val="100000"/>
+              </a:lnSpc>
+              <a:spcBef>
+                <a:spcPts val="0"/>
+              </a:spcBef>
+              <a:spcAft>
+                <a:spcPts val="0"/>
+              </a:spcAft>
+              <a:buClr>
+                <a:schemeClr val="lt1"/>
+              </a:buClr>
+              <a:buSzPts val="1400"/>
+              <a:buFont typeface="Anaheim"/>
+              <a:buNone/>
+              <a:defRPr sz="1400" b="0" i="0" u="none" strike="noStrike" cap="none">
+                <a:solidFill>
+                  <a:schemeClr val="lt1"/>
+                </a:solidFill>
+                <a:latin typeface="Anaheim"/>
+                <a:ea typeface="Anaheim"/>
+                <a:cs typeface="Anaheim"/>
+                <a:sym typeface="Anaheim"/>
+              </a:defRPr>
+            </a:lvl8pPr>
+            <a:lvl9pPr marL="4114800" marR="0" lvl="8" indent="-317500" algn="r" rtl="0">
+              <a:lnSpc>
+                <a:spcPct val="100000"/>
+              </a:lnSpc>
+              <a:spcBef>
+                <a:spcPts val="0"/>
+              </a:spcBef>
+              <a:spcAft>
+                <a:spcPts val="0"/>
+              </a:spcAft>
+              <a:buClr>
+                <a:schemeClr val="lt1"/>
+              </a:buClr>
+              <a:buSzPts val="1400"/>
+              <a:buFont typeface="Anaheim"/>
+              <a:buNone/>
+              <a:defRPr sz="1400" b="0" i="0" u="none" strike="noStrike" cap="none">
+                <a:solidFill>
+                  <a:schemeClr val="lt1"/>
+                </a:solidFill>
+                <a:latin typeface="Anaheim"/>
+                <a:ea typeface="Anaheim"/>
+                <a:cs typeface="Anaheim"/>
+                <a:sym typeface="Anaheim"/>
+              </a:defRPr>
+            </a:lvl9pPr>
+          </a:lstStyle>
           <a:p>
-            <a:pPr marL="0" lvl="0" indent="0" algn="ctr" rtl="0">
-              <a:spcBef>
-                <a:spcPts val="0"/>
-              </a:spcBef>
-              <a:spcAft>
-                <a:spcPts val="0"/>
-              </a:spcAft>
-              <a:buNone/>
-            </a:pPr>
+            <a:pPr marL="0" indent="0"/>
             <a:r>
               <a:rPr lang="el-GR" dirty="0"/>
-              <a:t>Μας φέρνουν πίσω τη μέγιστη και την ελάχιστη τιμή (σε λίστες με </a:t>
+              <a:t>Για να επιστρέψει μια τιμή χρησιμοποιούμε την λέξη </a:t>
             </a:r>
             <a:r>
               <a:rPr lang="el-GR" dirty="0" err="1"/>
-              <a:t>string</a:t>
+              <a:t>return</a:t>
             </a:r>
             <a:r>
               <a:rPr lang="el-GR" dirty="0"/>
-              <a:t> συγκρίνουν με βάση την αλφαβητική σειρά των γραμμάτων)</a:t>
-            </a:r>
-          </a:p>
-          <a:p>
-            <a:pPr marL="0" lvl="0" indent="0" algn="ctr" rtl="0">
-              <a:spcBef>
-                <a:spcPts val="0"/>
-              </a:spcBef>
-              <a:spcAft>
-                <a:spcPts val="0"/>
-              </a:spcAft>
-              <a:buNone/>
-            </a:pPr>
-            <a:endParaRPr lang="el-GR" dirty="0"/>
-          </a:p>
-          <a:p>
-            <a:pPr marL="0" lvl="0" indent="0" algn="ctr" rtl="0">
-              <a:spcBef>
-                <a:spcPts val="0"/>
-              </a:spcBef>
-              <a:spcAft>
-                <a:spcPts val="0"/>
-              </a:spcAft>
-              <a:buNone/>
-            </a:pPr>
-            <a:r>
-              <a:rPr lang="el-GR" dirty="0"/>
-              <a:t>`</a:t>
-            </a:r>
-            <a:r>
-              <a:rPr lang="el-GR" dirty="0" err="1"/>
-              <a:t>min</a:t>
-            </a:r>
-            <a:r>
-              <a:rPr lang="el-GR" dirty="0"/>
-              <a:t>(</a:t>
-            </a:r>
-            <a:r>
-              <a:rPr lang="el-GR" dirty="0" err="1"/>
-              <a:t>list</a:t>
-            </a:r>
-            <a:r>
-              <a:rPr lang="el-GR" dirty="0"/>
-              <a:t>)`</a:t>
-            </a:r>
-          </a:p>
-          <a:p>
-            <a:pPr marL="0" lvl="0" indent="0" algn="ctr" rtl="0">
-              <a:spcBef>
-                <a:spcPts val="0"/>
-              </a:spcBef>
-              <a:spcAft>
-                <a:spcPts val="0"/>
-              </a:spcAft>
-              <a:buNone/>
-            </a:pPr>
-            <a:r>
-              <a:rPr lang="el-GR" dirty="0"/>
-              <a:t>`</a:t>
-            </a:r>
-            <a:r>
-              <a:rPr lang="el-GR" dirty="0" err="1"/>
-              <a:t>max</a:t>
-            </a:r>
-            <a:r>
-              <a:rPr lang="el-GR" dirty="0"/>
-              <a:t>(</a:t>
-            </a:r>
-            <a:r>
-              <a:rPr lang="el-GR" dirty="0" err="1"/>
-              <a:t>list</a:t>
-            </a:r>
-            <a:r>
-              <a:rPr lang="el-GR" dirty="0"/>
-              <a:t>)`</a:t>
-            </a:r>
-            <a:endParaRPr lang="en-US" dirty="0"/>
-          </a:p>
-        </p:txBody>
-      </p:sp>
-      <p:sp>
-        <p:nvSpPr>
-          <p:cNvPr id="724" name="Google Shape;724;p47"/>
-          <p:cNvSpPr txBox="1">
-            <a:spLocks noGrp="1"/>
-          </p:cNvSpPr>
-          <p:nvPr>
-            <p:ph type="title" idx="2"/>
-          </p:nvPr>
-        </p:nvSpPr>
-        <p:spPr>
-          <a:xfrm>
-            <a:off x="2121315" y="1230974"/>
-            <a:ext cx="2481300" cy="524400"/>
-          </a:xfrm>
-          <a:prstGeom prst="rect">
-            <a:avLst/>
-          </a:prstGeom>
-        </p:spPr>
-        <p:txBody>
-          <a:bodyPr spcFirstLastPara="1" wrap="square" lIns="91425" tIns="91425" rIns="91425" bIns="91425" anchor="b" anchorCtr="0">
-            <a:noAutofit/>
-          </a:bodyPr>
-          <a:lstStyle/>
-          <a:p>
-            <a:pPr marL="0" lvl="0" indent="0" algn="ctr" rtl="0">
-              <a:spcBef>
-                <a:spcPts val="0"/>
-              </a:spcBef>
-              <a:spcAft>
-                <a:spcPts val="0"/>
-              </a:spcAft>
-              <a:buNone/>
-            </a:pPr>
-            <a:r>
-              <a:rPr lang="en-US" dirty="0"/>
-              <a:t>min max</a:t>
+              <a:t>. Μια συνάρτηση μπορεί να επιστρέψει πολλές τιμές </a:t>
             </a:r>
           </a:p>
         </p:txBody>
       </p:sp>
-      <p:sp>
-        <p:nvSpPr>
-          <p:cNvPr id="725" name="Google Shape;725;p47"/>
-          <p:cNvSpPr txBox="1">
-            <a:spLocks noGrp="1"/>
-          </p:cNvSpPr>
-          <p:nvPr>
-            <p:ph type="subTitle" idx="3"/>
-          </p:nvPr>
-        </p:nvSpPr>
-        <p:spPr>
-          <a:xfrm>
-            <a:off x="6070225" y="2149800"/>
-            <a:ext cx="2226600" cy="843900"/>
-          </a:xfrm>
-          <a:prstGeom prst="rect">
-            <a:avLst/>
-          </a:prstGeom>
-        </p:spPr>
-        <p:txBody>
-          <a:bodyPr spcFirstLastPara="1" wrap="square" lIns="91425" tIns="91425" rIns="91425" bIns="91425" anchor="t" anchorCtr="0">
-            <a:noAutofit/>
-          </a:bodyPr>
-          <a:lstStyle/>
-          <a:p>
-            <a:pPr marL="0" lvl="0" indent="0" algn="ctr" rtl="0">
-              <a:spcBef>
-                <a:spcPts val="0"/>
-              </a:spcBef>
-              <a:spcAft>
-                <a:spcPts val="0"/>
-              </a:spcAft>
-              <a:buNone/>
-            </a:pPr>
-            <a:r>
-              <a:rPr lang="el-GR" dirty="0"/>
-              <a:t>Χρησιμοποιείται για να φέρει το άθροισμα των τιμών μιας λίστας. Χρησιμοποιείται κυρίως σε αριθμητικές λίστες.</a:t>
-            </a:r>
-          </a:p>
-        </p:txBody>
-      </p:sp>
-      <p:sp>
-        <p:nvSpPr>
-          <p:cNvPr id="726" name="Google Shape;726;p47"/>
-          <p:cNvSpPr txBox="1">
-            <a:spLocks noGrp="1"/>
-          </p:cNvSpPr>
-          <p:nvPr>
-            <p:ph type="title" idx="4"/>
-          </p:nvPr>
-        </p:nvSpPr>
-        <p:spPr>
-          <a:xfrm>
-            <a:off x="5942875" y="1230974"/>
-            <a:ext cx="2481300" cy="524400"/>
-          </a:xfrm>
-          <a:prstGeom prst="rect">
-            <a:avLst/>
-          </a:prstGeom>
-        </p:spPr>
-        <p:txBody>
-          <a:bodyPr spcFirstLastPara="1" wrap="square" lIns="91425" tIns="91425" rIns="91425" bIns="91425" anchor="b" anchorCtr="0">
-            <a:noAutofit/>
-          </a:bodyPr>
-          <a:lstStyle/>
-          <a:p>
-            <a:pPr marL="0" lvl="0" indent="0" algn="ctr" rtl="0">
-              <a:spcBef>
-                <a:spcPts val="0"/>
-              </a:spcBef>
-              <a:spcAft>
-                <a:spcPts val="0"/>
-              </a:spcAft>
-              <a:buNone/>
-            </a:pPr>
-            <a:r>
-              <a:rPr lang="en-US" dirty="0"/>
-              <a:t>sum</a:t>
-            </a:r>
-          </a:p>
-        </p:txBody>
-      </p:sp>
-      <p:pic>
-        <p:nvPicPr>
-          <p:cNvPr id="727" name="Google Shape;727;p47"/>
-          <p:cNvPicPr preferRelativeResize="0"/>
-          <p:nvPr/>
-        </p:nvPicPr>
-        <p:blipFill rotWithShape="1">
-          <a:blip r:embed="rId3">
-            <a:alphaModFix/>
-          </a:blip>
-          <a:srcRect l="61241" r="15108"/>
-          <a:stretch/>
-        </p:blipFill>
-        <p:spPr>
-          <a:xfrm>
-            <a:off x="0" y="0"/>
-            <a:ext cx="1823175" cy="5143500"/>
-          </a:xfrm>
-          <a:prstGeom prst="rect">
-            <a:avLst/>
-          </a:prstGeom>
-          <a:noFill/>
-          <a:ln>
-            <a:noFill/>
-          </a:ln>
-        </p:spPr>
-      </p:pic>
-      <p:grpSp>
-        <p:nvGrpSpPr>
-          <p:cNvPr id="728" name="Google Shape;728;p47"/>
-          <p:cNvGrpSpPr/>
-          <p:nvPr/>
-        </p:nvGrpSpPr>
-        <p:grpSpPr>
-          <a:xfrm>
-            <a:off x="1223348" y="4553184"/>
-            <a:ext cx="1015032" cy="325196"/>
-            <a:chOff x="1156673" y="4600809"/>
-            <a:chExt cx="1015032" cy="325196"/>
-          </a:xfrm>
-        </p:grpSpPr>
-        <p:sp>
-          <p:nvSpPr>
-            <p:cNvPr id="729" name="Google Shape;729;p47"/>
-            <p:cNvSpPr/>
-            <p:nvPr/>
-          </p:nvSpPr>
-          <p:spPr>
-            <a:xfrm>
-              <a:off x="1937576" y="4600809"/>
-              <a:ext cx="234129" cy="75728"/>
-            </a:xfrm>
-            <a:custGeom>
-              <a:avLst/>
-              <a:gdLst/>
-              <a:ahLst/>
-              <a:cxnLst/>
-              <a:rect l="l" t="t" r="r" b="b"/>
-              <a:pathLst>
-                <a:path w="6001" h="1941" extrusionOk="0">
-                  <a:moveTo>
-                    <a:pt x="0" y="0"/>
-                  </a:moveTo>
-                  <a:lnTo>
-                    <a:pt x="0" y="1941"/>
-                  </a:lnTo>
-                  <a:lnTo>
-                    <a:pt x="6001" y="1941"/>
-                  </a:lnTo>
-                  <a:lnTo>
-                    <a:pt x="6001" y="0"/>
-                  </a:lnTo>
-                  <a:close/>
-                </a:path>
-              </a:pathLst>
-            </a:custGeom>
-            <a:solidFill>
-              <a:schemeClr val="lt1"/>
-            </a:solidFill>
-            <a:ln>
-              <a:noFill/>
-            </a:ln>
-          </p:spPr>
-          <p:txBody>
-            <a:bodyPr spcFirstLastPara="1" wrap="square" lIns="91425" tIns="91425" rIns="91425" bIns="91425" anchor="ctr" anchorCtr="0">
-              <a:noAutofit/>
-            </a:bodyPr>
-            <a:lstStyle/>
-            <a:p>
-              <a:pPr marL="0" lvl="0" indent="0" algn="l" rtl="0">
-                <a:spcBef>
-                  <a:spcPts val="0"/>
-                </a:spcBef>
-                <a:spcAft>
-                  <a:spcPts val="0"/>
-                </a:spcAft>
-                <a:buNone/>
-              </a:pPr>
-              <a:endParaRPr/>
-            </a:p>
-          </p:txBody>
-        </p:sp>
-        <p:sp>
-          <p:nvSpPr>
-            <p:cNvPr id="730" name="Google Shape;730;p47"/>
-            <p:cNvSpPr/>
-            <p:nvPr/>
-          </p:nvSpPr>
-          <p:spPr>
-            <a:xfrm>
-              <a:off x="1394514" y="4600809"/>
-              <a:ext cx="440870" cy="75728"/>
-            </a:xfrm>
-            <a:custGeom>
-              <a:avLst/>
-              <a:gdLst/>
-              <a:ahLst/>
-              <a:cxnLst/>
-              <a:rect l="l" t="t" r="r" b="b"/>
-              <a:pathLst>
-                <a:path w="11300" h="1941" extrusionOk="0">
-                  <a:moveTo>
-                    <a:pt x="1" y="0"/>
-                  </a:moveTo>
-                  <a:lnTo>
-                    <a:pt x="1" y="1941"/>
-                  </a:lnTo>
-                  <a:lnTo>
-                    <a:pt x="11300" y="1941"/>
-                  </a:lnTo>
-                  <a:lnTo>
-                    <a:pt x="11300" y="0"/>
-                  </a:lnTo>
-                  <a:close/>
-                </a:path>
-              </a:pathLst>
-            </a:custGeom>
-            <a:solidFill>
-              <a:schemeClr val="lt1"/>
-            </a:solidFill>
-            <a:ln>
-              <a:noFill/>
-            </a:ln>
-          </p:spPr>
-          <p:txBody>
-            <a:bodyPr spcFirstLastPara="1" wrap="square" lIns="91425" tIns="91425" rIns="91425" bIns="91425" anchor="ctr" anchorCtr="0">
-              <a:noAutofit/>
-            </a:bodyPr>
-            <a:lstStyle/>
-            <a:p>
-              <a:pPr marL="0" lvl="0" indent="0" algn="l" rtl="0">
-                <a:spcBef>
-                  <a:spcPts val="0"/>
-                </a:spcBef>
-                <a:spcAft>
-                  <a:spcPts val="0"/>
-                </a:spcAft>
-                <a:buNone/>
-              </a:pPr>
-              <a:endParaRPr/>
-            </a:p>
-          </p:txBody>
-        </p:sp>
-        <p:sp>
-          <p:nvSpPr>
-            <p:cNvPr id="731" name="Google Shape;731;p47"/>
-            <p:cNvSpPr/>
-            <p:nvPr/>
-          </p:nvSpPr>
-          <p:spPr>
-            <a:xfrm>
-              <a:off x="1156673" y="4725738"/>
-              <a:ext cx="474774" cy="75767"/>
-            </a:xfrm>
-            <a:custGeom>
-              <a:avLst/>
-              <a:gdLst/>
-              <a:ahLst/>
-              <a:cxnLst/>
-              <a:rect l="l" t="t" r="r" b="b"/>
-              <a:pathLst>
-                <a:path w="12169" h="1942" extrusionOk="0">
-                  <a:moveTo>
-                    <a:pt x="1" y="1"/>
-                  </a:moveTo>
-                  <a:lnTo>
-                    <a:pt x="1" y="1942"/>
-                  </a:lnTo>
-                  <a:lnTo>
-                    <a:pt x="12169" y="1942"/>
-                  </a:lnTo>
-                  <a:lnTo>
-                    <a:pt x="12169" y="1"/>
-                  </a:lnTo>
-                  <a:close/>
-                </a:path>
-              </a:pathLst>
-            </a:custGeom>
-            <a:solidFill>
-              <a:schemeClr val="lt1"/>
-            </a:solidFill>
-            <a:ln>
-              <a:noFill/>
-            </a:ln>
-          </p:spPr>
-          <p:txBody>
-            <a:bodyPr spcFirstLastPara="1" wrap="square" lIns="91425" tIns="91425" rIns="91425" bIns="91425" anchor="ctr" anchorCtr="0">
-              <a:noAutofit/>
-            </a:bodyPr>
-            <a:lstStyle/>
-            <a:p>
-              <a:pPr marL="0" lvl="0" indent="0" algn="l" rtl="0">
-                <a:spcBef>
-                  <a:spcPts val="0"/>
-                </a:spcBef>
-                <a:spcAft>
-                  <a:spcPts val="0"/>
-                </a:spcAft>
-                <a:buNone/>
-              </a:pPr>
-              <a:endParaRPr/>
-            </a:p>
-          </p:txBody>
-        </p:sp>
-        <p:sp>
-          <p:nvSpPr>
-            <p:cNvPr id="732" name="Google Shape;732;p47"/>
-            <p:cNvSpPr/>
-            <p:nvPr/>
-          </p:nvSpPr>
-          <p:spPr>
-            <a:xfrm>
-              <a:off x="1718307" y="4725738"/>
-              <a:ext cx="453393" cy="75767"/>
-            </a:xfrm>
-            <a:custGeom>
-              <a:avLst/>
-              <a:gdLst/>
-              <a:ahLst/>
-              <a:cxnLst/>
-              <a:rect l="l" t="t" r="r" b="b"/>
-              <a:pathLst>
-                <a:path w="11621" h="1942" extrusionOk="0">
-                  <a:moveTo>
-                    <a:pt x="0" y="1"/>
-                  </a:moveTo>
-                  <a:lnTo>
-                    <a:pt x="0" y="1942"/>
-                  </a:lnTo>
-                  <a:lnTo>
-                    <a:pt x="11621" y="1942"/>
-                  </a:lnTo>
-                  <a:lnTo>
-                    <a:pt x="11621" y="1"/>
-                  </a:lnTo>
-                  <a:close/>
-                </a:path>
-              </a:pathLst>
-            </a:custGeom>
-            <a:solidFill>
-              <a:schemeClr val="lt1"/>
-            </a:solidFill>
-            <a:ln>
-              <a:noFill/>
-            </a:ln>
-          </p:spPr>
-          <p:txBody>
-            <a:bodyPr spcFirstLastPara="1" wrap="square" lIns="91425" tIns="91425" rIns="91425" bIns="91425" anchor="ctr" anchorCtr="0">
-              <a:noAutofit/>
-            </a:bodyPr>
-            <a:lstStyle/>
-            <a:p>
-              <a:pPr marL="0" lvl="0" indent="0" algn="l" rtl="0">
-                <a:spcBef>
-                  <a:spcPts val="0"/>
-                </a:spcBef>
-                <a:spcAft>
-                  <a:spcPts val="0"/>
-                </a:spcAft>
-                <a:buNone/>
-              </a:pPr>
-              <a:endParaRPr/>
-            </a:p>
-          </p:txBody>
-        </p:sp>
-        <p:sp>
-          <p:nvSpPr>
-            <p:cNvPr id="733" name="Google Shape;733;p47"/>
-            <p:cNvSpPr/>
-            <p:nvPr/>
-          </p:nvSpPr>
-          <p:spPr>
-            <a:xfrm>
-              <a:off x="1536688" y="4850706"/>
-              <a:ext cx="635008" cy="75299"/>
-            </a:xfrm>
-            <a:custGeom>
-              <a:avLst/>
-              <a:gdLst/>
-              <a:ahLst/>
-              <a:cxnLst/>
-              <a:rect l="l" t="t" r="r" b="b"/>
-              <a:pathLst>
-                <a:path w="16276" h="1930" extrusionOk="0">
-                  <a:moveTo>
-                    <a:pt x="0" y="1"/>
-                  </a:moveTo>
-                  <a:lnTo>
-                    <a:pt x="0" y="1930"/>
-                  </a:lnTo>
-                  <a:lnTo>
-                    <a:pt x="16276" y="1930"/>
-                  </a:lnTo>
-                  <a:lnTo>
-                    <a:pt x="16276" y="1"/>
-                  </a:lnTo>
-                  <a:close/>
-                </a:path>
-              </a:pathLst>
-            </a:custGeom>
-            <a:solidFill>
-              <a:schemeClr val="lt1"/>
-            </a:solidFill>
-            <a:ln>
-              <a:noFill/>
-            </a:ln>
-          </p:spPr>
-          <p:txBody>
-            <a:bodyPr spcFirstLastPara="1" wrap="square" lIns="91425" tIns="91425" rIns="91425" bIns="91425" anchor="ctr" anchorCtr="0">
-              <a:noAutofit/>
-            </a:bodyPr>
-            <a:lstStyle/>
-            <a:p>
-              <a:pPr marL="0" lvl="0" indent="0" algn="l" rtl="0">
-                <a:spcBef>
-                  <a:spcPts val="0"/>
-                </a:spcBef>
-                <a:spcAft>
-                  <a:spcPts val="0"/>
-                </a:spcAft>
-                <a:buNone/>
-              </a:pPr>
-              <a:endParaRPr/>
-            </a:p>
-          </p:txBody>
-        </p:sp>
-      </p:grpSp>
     </p:spTree>
     <p:extLst>
       <p:ext uri="{BB962C8B-B14F-4D97-AF65-F5344CB8AC3E}">
-        <p14:creationId xmlns:p14="http://schemas.microsoft.com/office/powerpoint/2010/main" val="3188260985"/>
+        <p14:creationId xmlns:p14="http://schemas.microsoft.com/office/powerpoint/2010/main" val="599242457"/>
       </p:ext>
     </p:extLst>
   </p:cSld>
